--- a/Inception Deck -E-konbu-.pptx
+++ b/Inception Deck -E-konbu-.pptx
@@ -5,25 +5,24 @@
     <p:sldMasterId id="2147483648" r:id="rId1"/>
   </p:sldMasterIdLst>
   <p:notesMasterIdLst>
-    <p:notesMasterId r:id="rId15"/>
+    <p:notesMasterId r:id="rId14"/>
   </p:notesMasterIdLst>
   <p:handoutMasterIdLst>
-    <p:handoutMasterId r:id="rId16"/>
+    <p:handoutMasterId r:id="rId15"/>
   </p:handoutMasterIdLst>
   <p:sldIdLst>
-    <p:sldId id="270" r:id="rId2"/>
-    <p:sldId id="256" r:id="rId3"/>
-    <p:sldId id="258" r:id="rId4"/>
-    <p:sldId id="259" r:id="rId5"/>
-    <p:sldId id="260" r:id="rId6"/>
-    <p:sldId id="261" r:id="rId7"/>
-    <p:sldId id="262" r:id="rId8"/>
-    <p:sldId id="263" r:id="rId9"/>
-    <p:sldId id="264" r:id="rId10"/>
-    <p:sldId id="267" r:id="rId11"/>
-    <p:sldId id="265" r:id="rId12"/>
-    <p:sldId id="266" r:id="rId13"/>
-    <p:sldId id="268" r:id="rId14"/>
+    <p:sldId id="256" r:id="rId2"/>
+    <p:sldId id="258" r:id="rId3"/>
+    <p:sldId id="259" r:id="rId4"/>
+    <p:sldId id="260" r:id="rId5"/>
+    <p:sldId id="261" r:id="rId6"/>
+    <p:sldId id="262" r:id="rId7"/>
+    <p:sldId id="263" r:id="rId8"/>
+    <p:sldId id="264" r:id="rId9"/>
+    <p:sldId id="267" r:id="rId10"/>
+    <p:sldId id="265" r:id="rId11"/>
+    <p:sldId id="266" r:id="rId12"/>
+    <p:sldId id="268" r:id="rId13"/>
   </p:sldIdLst>
   <p:sldSz cx="9144000" cy="6858000" type="screen4x3"/>
   <p:notesSz cx="9926638" cy="6669088"/>
@@ -264,7 +263,7 @@
               <a:pPr>
                 <a:defRPr/>
               </a:pPr>
-              <a:t>2012/4/27</a:t>
+              <a:t>2012/7/2</a:t>
             </a:fld>
             <a:endParaRPr lang="ja-JP" altLang="en-US"/>
           </a:p>
@@ -465,7 +464,7 @@
             <a:fld id="{D457768B-18B4-4BB4-B811-2560DC7216E9}" type="datetimeFigureOut">
               <a:rPr lang="en-CA" altLang="ja-JP"/>
               <a:pPr/>
-              <a:t>27/04/2012</a:t>
+              <a:t>02/07/2012</a:t>
             </a:fld>
             <a:endParaRPr lang="en-CA" altLang="ja-JP"/>
           </a:p>
@@ -794,1420 +793,6 @@
       </p:grpSpPr>
       <p:sp>
         <p:nvSpPr>
-          <p:cNvPr id="17410" name="Slide Image Placeholder 1"/>
-          <p:cNvSpPr>
-            <a:spLocks noGrp="1" noRot="1" noChangeAspect="1" noTextEdit="1"/>
-          </p:cNvSpPr>
-          <p:nvPr>
-            <p:ph type="sldImg"/>
-          </p:nvPr>
-        </p:nvSpPr>
-        <p:spPr bwMode="auto">
-          <a:noFill/>
-          <a:ln>
-            <a:solidFill>
-              <a:srgbClr val="000000"/>
-            </a:solidFill>
-            <a:miter lim="800000"/>
-            <a:headEnd/>
-            <a:tailEnd/>
-          </a:ln>
-          <a:extLst>
-            <a:ext uri="{909E8E84-426E-40DD-AFC4-6F175D3DCCD1}">
-              <a14:hiddenFill xmlns:a14="http://schemas.microsoft.com/office/drawing/2010/main">
-                <a:solidFill>
-                  <a:srgbClr val="FFFFFF"/>
-                </a:solidFill>
-              </a14:hiddenFill>
-            </a:ext>
-          </a:extLst>
-        </p:spPr>
-      </p:sp>
-      <p:sp>
-        <p:nvSpPr>
-          <p:cNvPr id="17411" name="Notes Placeholder 2"/>
-          <p:cNvSpPr>
-            <a:spLocks noGrp="1"/>
-          </p:cNvSpPr>
-          <p:nvPr>
-            <p:ph type="body" idx="1"/>
-          </p:nvPr>
-        </p:nvSpPr>
-        <p:spPr bwMode="auto">
-          <a:noFill/>
-          <a:extLst>
-            <a:ext uri="{909E8E84-426E-40DD-AFC4-6F175D3DCCD1}">
-              <a14:hiddenFill xmlns:a14="http://schemas.microsoft.com/office/drawing/2010/main">
-                <a:solidFill>
-                  <a:srgbClr val="FFFFFF"/>
-                </a:solidFill>
-              </a14:hiddenFill>
-            </a:ext>
-            <a:ext uri="{91240B29-F687-4F45-9708-019B960494DF}">
-              <a14:hiddenLine xmlns:a14="http://schemas.microsoft.com/office/drawing/2010/main" w="9525">
-                <a:solidFill>
-                  <a:srgbClr val="000000"/>
-                </a:solidFill>
-                <a:miter lim="800000"/>
-                <a:headEnd/>
-                <a:tailEnd/>
-              </a14:hiddenLine>
-            </a:ext>
-          </a:extLst>
-        </p:spPr>
-        <p:txBody>
-          <a:bodyPr wrap="square" numCol="1" anchor="t" anchorCtr="0" compatLnSpc="1">
-            <a:prstTxWarp prst="textNoShape">
-              <a:avLst/>
-            </a:prstTxWarp>
-          </a:bodyPr>
-          <a:lstStyle/>
-          <a:p>
-            <a:pPr>
-              <a:spcBef>
-                <a:spcPct val="0"/>
-              </a:spcBef>
-            </a:pPr>
-            <a:endParaRPr lang="en-CA" altLang="ja-JP" smtClean="0"/>
-          </a:p>
-        </p:txBody>
-      </p:sp>
-      <p:sp>
-        <p:nvSpPr>
-          <p:cNvPr id="17412" name="Slide Number Placeholder 3"/>
-          <p:cNvSpPr>
-            <a:spLocks noGrp="1"/>
-          </p:cNvSpPr>
-          <p:nvPr>
-            <p:ph type="sldNum" sz="quarter" idx="5"/>
-          </p:nvPr>
-        </p:nvSpPr>
-        <p:spPr bwMode="auto">
-          <a:noFill/>
-          <a:extLst>
-            <a:ext uri="{909E8E84-426E-40DD-AFC4-6F175D3DCCD1}">
-              <a14:hiddenFill xmlns:a14="http://schemas.microsoft.com/office/drawing/2010/main">
-                <a:solidFill>
-                  <a:srgbClr val="FFFFFF"/>
-                </a:solidFill>
-              </a14:hiddenFill>
-            </a:ext>
-            <a:ext uri="{91240B29-F687-4F45-9708-019B960494DF}">
-              <a14:hiddenLine xmlns:a14="http://schemas.microsoft.com/office/drawing/2010/main" w="9525">
-                <a:solidFill>
-                  <a:srgbClr val="000000"/>
-                </a:solidFill>
-                <a:miter lim="800000"/>
-                <a:headEnd/>
-                <a:tailEnd/>
-              </a14:hiddenLine>
-            </a:ext>
-          </a:extLst>
-        </p:spPr>
-        <p:txBody>
-          <a:bodyPr/>
-          <a:lstStyle>
-            <a:lvl1pPr>
-              <a:defRPr>
-                <a:solidFill>
-                  <a:schemeClr val="tx1"/>
-                </a:solidFill>
-                <a:latin typeface="Calibri" pitchFamily="34" charset="0"/>
-              </a:defRPr>
-            </a:lvl1pPr>
-            <a:lvl2pPr marL="742950" indent="-285750">
-              <a:defRPr>
-                <a:solidFill>
-                  <a:schemeClr val="tx1"/>
-                </a:solidFill>
-                <a:latin typeface="Calibri" pitchFamily="34" charset="0"/>
-              </a:defRPr>
-            </a:lvl2pPr>
-            <a:lvl3pPr marL="1143000" indent="-228600">
-              <a:defRPr>
-                <a:solidFill>
-                  <a:schemeClr val="tx1"/>
-                </a:solidFill>
-                <a:latin typeface="Calibri" pitchFamily="34" charset="0"/>
-              </a:defRPr>
-            </a:lvl3pPr>
-            <a:lvl4pPr marL="1600200" indent="-228600">
-              <a:defRPr>
-                <a:solidFill>
-                  <a:schemeClr val="tx1"/>
-                </a:solidFill>
-                <a:latin typeface="Calibri" pitchFamily="34" charset="0"/>
-              </a:defRPr>
-            </a:lvl4pPr>
-            <a:lvl5pPr marL="2057400" indent="-228600">
-              <a:defRPr>
-                <a:solidFill>
-                  <a:schemeClr val="tx1"/>
-                </a:solidFill>
-                <a:latin typeface="Calibri" pitchFamily="34" charset="0"/>
-              </a:defRPr>
-            </a:lvl5pPr>
-            <a:lvl6pPr marL="2514600" indent="-228600" fontAlgn="base">
-              <a:spcBef>
-                <a:spcPct val="0"/>
-              </a:spcBef>
-              <a:spcAft>
-                <a:spcPct val="0"/>
-              </a:spcAft>
-              <a:defRPr>
-                <a:solidFill>
-                  <a:schemeClr val="tx1"/>
-                </a:solidFill>
-                <a:latin typeface="Calibri" pitchFamily="34" charset="0"/>
-              </a:defRPr>
-            </a:lvl6pPr>
-            <a:lvl7pPr marL="2971800" indent="-228600" fontAlgn="base">
-              <a:spcBef>
-                <a:spcPct val="0"/>
-              </a:spcBef>
-              <a:spcAft>
-                <a:spcPct val="0"/>
-              </a:spcAft>
-              <a:defRPr>
-                <a:solidFill>
-                  <a:schemeClr val="tx1"/>
-                </a:solidFill>
-                <a:latin typeface="Calibri" pitchFamily="34" charset="0"/>
-              </a:defRPr>
-            </a:lvl7pPr>
-            <a:lvl8pPr marL="3429000" indent="-228600" fontAlgn="base">
-              <a:spcBef>
-                <a:spcPct val="0"/>
-              </a:spcBef>
-              <a:spcAft>
-                <a:spcPct val="0"/>
-              </a:spcAft>
-              <a:defRPr>
-                <a:solidFill>
-                  <a:schemeClr val="tx1"/>
-                </a:solidFill>
-                <a:latin typeface="Calibri" pitchFamily="34" charset="0"/>
-              </a:defRPr>
-            </a:lvl8pPr>
-            <a:lvl9pPr marL="3886200" indent="-228600" fontAlgn="base">
-              <a:spcBef>
-                <a:spcPct val="0"/>
-              </a:spcBef>
-              <a:spcAft>
-                <a:spcPct val="0"/>
-              </a:spcAft>
-              <a:defRPr>
-                <a:solidFill>
-                  <a:schemeClr val="tx1"/>
-                </a:solidFill>
-                <a:latin typeface="Calibri" pitchFamily="34" charset="0"/>
-              </a:defRPr>
-            </a:lvl9pPr>
-          </a:lstStyle>
-          <a:p>
-            <a:fld id="{22765B3C-470B-4C9E-ABDD-2C0DDF8BC5D5}" type="slidenum">
-              <a:rPr lang="en-CA" altLang="ja-JP"/>
-              <a:pPr/>
-              <a:t>1</a:t>
-            </a:fld>
-            <a:endParaRPr lang="en-CA" altLang="ja-JP"/>
-          </a:p>
-        </p:txBody>
-      </p:sp>
-    </p:spTree>
-  </p:cSld>
-  <p:clrMapOvr>
-    <a:masterClrMapping/>
-  </p:clrMapOvr>
-</p:notes>
-</file>
-
-<file path=ppt/notesSlides/notesSlide10.xml><?xml version="1.0" encoding="utf-8"?>
-<p:notes xmlns:a="http://schemas.openxmlformats.org/drawingml/2006/main" xmlns:r="http://schemas.openxmlformats.org/officeDocument/2006/relationships" xmlns:p="http://schemas.openxmlformats.org/presentationml/2006/main">
-  <p:cSld>
-    <p:spTree>
-      <p:nvGrpSpPr>
-        <p:cNvPr id="1" name=""/>
-        <p:cNvGrpSpPr/>
-        <p:nvPr/>
-      </p:nvGrpSpPr>
-      <p:grpSpPr>
-        <a:xfrm>
-          <a:off x="0" y="0"/>
-          <a:ext cx="0" cy="0"/>
-          <a:chOff x="0" y="0"/>
-          <a:chExt cx="0" cy="0"/>
-        </a:xfrm>
-      </p:grpSpPr>
-      <p:sp>
-        <p:nvSpPr>
-          <p:cNvPr id="26626" name="Slide Image Placeholder 1"/>
-          <p:cNvSpPr>
-            <a:spLocks noGrp="1" noRot="1" noChangeAspect="1" noTextEdit="1"/>
-          </p:cNvSpPr>
-          <p:nvPr>
-            <p:ph type="sldImg"/>
-          </p:nvPr>
-        </p:nvSpPr>
-        <p:spPr bwMode="auto">
-          <a:noFill/>
-          <a:ln>
-            <a:solidFill>
-              <a:srgbClr val="000000"/>
-            </a:solidFill>
-            <a:miter lim="800000"/>
-            <a:headEnd/>
-            <a:tailEnd/>
-          </a:ln>
-          <a:extLst>
-            <a:ext uri="{909E8E84-426E-40DD-AFC4-6F175D3DCCD1}">
-              <a14:hiddenFill xmlns:a14="http://schemas.microsoft.com/office/drawing/2010/main">
-                <a:solidFill>
-                  <a:srgbClr val="FFFFFF"/>
-                </a:solidFill>
-              </a14:hiddenFill>
-            </a:ext>
-          </a:extLst>
-        </p:spPr>
-      </p:sp>
-      <p:sp>
-        <p:nvSpPr>
-          <p:cNvPr id="26627" name="Notes Placeholder 2"/>
-          <p:cNvSpPr>
-            <a:spLocks noGrp="1"/>
-          </p:cNvSpPr>
-          <p:nvPr>
-            <p:ph type="body" idx="1"/>
-          </p:nvPr>
-        </p:nvSpPr>
-        <p:spPr bwMode="auto">
-          <a:noFill/>
-          <a:extLst>
-            <a:ext uri="{909E8E84-426E-40DD-AFC4-6F175D3DCCD1}">
-              <a14:hiddenFill xmlns:a14="http://schemas.microsoft.com/office/drawing/2010/main">
-                <a:solidFill>
-                  <a:srgbClr val="FFFFFF"/>
-                </a:solidFill>
-              </a14:hiddenFill>
-            </a:ext>
-            <a:ext uri="{91240B29-F687-4F45-9708-019B960494DF}">
-              <a14:hiddenLine xmlns:a14="http://schemas.microsoft.com/office/drawing/2010/main" w="9525">
-                <a:solidFill>
-                  <a:srgbClr val="000000"/>
-                </a:solidFill>
-                <a:miter lim="800000"/>
-                <a:headEnd/>
-                <a:tailEnd/>
-              </a14:hiddenLine>
-            </a:ext>
-          </a:extLst>
-        </p:spPr>
-        <p:txBody>
-          <a:bodyPr wrap="square" numCol="1" anchor="t" anchorCtr="0" compatLnSpc="1">
-            <a:prstTxWarp prst="textNoShape">
-              <a:avLst/>
-            </a:prstTxWarp>
-          </a:bodyPr>
-          <a:lstStyle/>
-          <a:p>
-            <a:pPr>
-              <a:spcBef>
-                <a:spcPct val="0"/>
-              </a:spcBef>
-            </a:pPr>
-            <a:r>
-              <a:rPr lang="ja-JP" altLang="en-US" smtClean="0"/>
-              <a:t>必要となるであろう期待される能力やどんな種類のスキルが必要なのかについて書きこもう。</a:t>
-            </a:r>
-            <a:endParaRPr lang="en-CA" smtClean="0"/>
-          </a:p>
-          <a:p>
-            <a:pPr>
-              <a:spcBef>
-                <a:spcPct val="0"/>
-              </a:spcBef>
-            </a:pPr>
-            <a:r>
-              <a:rPr lang="ja-JP" altLang="en-US" smtClean="0"/>
-              <a:t>もし特定の人物が重要なのであれば、その名前を書こう（例えば、</a:t>
-            </a:r>
-            <a:r>
-              <a:rPr lang="en-US" altLang="ja-JP" smtClean="0"/>
-              <a:t>X</a:t>
-            </a:r>
-            <a:r>
-              <a:rPr lang="ja-JP" altLang="en-US" smtClean="0"/>
-              <a:t>ができるのはビリーだけだ、とか）</a:t>
-            </a:r>
-            <a:endParaRPr lang="en-CA" smtClean="0"/>
-          </a:p>
-        </p:txBody>
-      </p:sp>
-      <p:sp>
-        <p:nvSpPr>
-          <p:cNvPr id="26628" name="Slide Number Placeholder 3"/>
-          <p:cNvSpPr>
-            <a:spLocks noGrp="1"/>
-          </p:cNvSpPr>
-          <p:nvPr>
-            <p:ph type="sldNum" sz="quarter" idx="5"/>
-          </p:nvPr>
-        </p:nvSpPr>
-        <p:spPr bwMode="auto">
-          <a:noFill/>
-          <a:extLst>
-            <a:ext uri="{909E8E84-426E-40DD-AFC4-6F175D3DCCD1}">
-              <a14:hiddenFill xmlns:a14="http://schemas.microsoft.com/office/drawing/2010/main">
-                <a:solidFill>
-                  <a:srgbClr val="FFFFFF"/>
-                </a:solidFill>
-              </a14:hiddenFill>
-            </a:ext>
-            <a:ext uri="{91240B29-F687-4F45-9708-019B960494DF}">
-              <a14:hiddenLine xmlns:a14="http://schemas.microsoft.com/office/drawing/2010/main" w="9525">
-                <a:solidFill>
-                  <a:srgbClr val="000000"/>
-                </a:solidFill>
-                <a:miter lim="800000"/>
-                <a:headEnd/>
-                <a:tailEnd/>
-              </a14:hiddenLine>
-            </a:ext>
-          </a:extLst>
-        </p:spPr>
-        <p:txBody>
-          <a:bodyPr/>
-          <a:lstStyle>
-            <a:lvl1pPr>
-              <a:defRPr>
-                <a:solidFill>
-                  <a:schemeClr val="tx1"/>
-                </a:solidFill>
-                <a:latin typeface="Calibri" pitchFamily="34" charset="0"/>
-              </a:defRPr>
-            </a:lvl1pPr>
-            <a:lvl2pPr marL="742950" indent="-285750">
-              <a:defRPr>
-                <a:solidFill>
-                  <a:schemeClr val="tx1"/>
-                </a:solidFill>
-                <a:latin typeface="Calibri" pitchFamily="34" charset="0"/>
-              </a:defRPr>
-            </a:lvl2pPr>
-            <a:lvl3pPr marL="1143000" indent="-228600">
-              <a:defRPr>
-                <a:solidFill>
-                  <a:schemeClr val="tx1"/>
-                </a:solidFill>
-                <a:latin typeface="Calibri" pitchFamily="34" charset="0"/>
-              </a:defRPr>
-            </a:lvl3pPr>
-            <a:lvl4pPr marL="1600200" indent="-228600">
-              <a:defRPr>
-                <a:solidFill>
-                  <a:schemeClr val="tx1"/>
-                </a:solidFill>
-                <a:latin typeface="Calibri" pitchFamily="34" charset="0"/>
-              </a:defRPr>
-            </a:lvl4pPr>
-            <a:lvl5pPr marL="2057400" indent="-228600">
-              <a:defRPr>
-                <a:solidFill>
-                  <a:schemeClr val="tx1"/>
-                </a:solidFill>
-                <a:latin typeface="Calibri" pitchFamily="34" charset="0"/>
-              </a:defRPr>
-            </a:lvl5pPr>
-            <a:lvl6pPr marL="2514600" indent="-228600" fontAlgn="base">
-              <a:spcBef>
-                <a:spcPct val="0"/>
-              </a:spcBef>
-              <a:spcAft>
-                <a:spcPct val="0"/>
-              </a:spcAft>
-              <a:defRPr>
-                <a:solidFill>
-                  <a:schemeClr val="tx1"/>
-                </a:solidFill>
-                <a:latin typeface="Calibri" pitchFamily="34" charset="0"/>
-              </a:defRPr>
-            </a:lvl6pPr>
-            <a:lvl7pPr marL="2971800" indent="-228600" fontAlgn="base">
-              <a:spcBef>
-                <a:spcPct val="0"/>
-              </a:spcBef>
-              <a:spcAft>
-                <a:spcPct val="0"/>
-              </a:spcAft>
-              <a:defRPr>
-                <a:solidFill>
-                  <a:schemeClr val="tx1"/>
-                </a:solidFill>
-                <a:latin typeface="Calibri" pitchFamily="34" charset="0"/>
-              </a:defRPr>
-            </a:lvl7pPr>
-            <a:lvl8pPr marL="3429000" indent="-228600" fontAlgn="base">
-              <a:spcBef>
-                <a:spcPct val="0"/>
-              </a:spcBef>
-              <a:spcAft>
-                <a:spcPct val="0"/>
-              </a:spcAft>
-              <a:defRPr>
-                <a:solidFill>
-                  <a:schemeClr val="tx1"/>
-                </a:solidFill>
-                <a:latin typeface="Calibri" pitchFamily="34" charset="0"/>
-              </a:defRPr>
-            </a:lvl8pPr>
-            <a:lvl9pPr marL="3886200" indent="-228600" fontAlgn="base">
-              <a:spcBef>
-                <a:spcPct val="0"/>
-              </a:spcBef>
-              <a:spcAft>
-                <a:spcPct val="0"/>
-              </a:spcAft>
-              <a:defRPr>
-                <a:solidFill>
-                  <a:schemeClr val="tx1"/>
-                </a:solidFill>
-                <a:latin typeface="Calibri" pitchFamily="34" charset="0"/>
-              </a:defRPr>
-            </a:lvl9pPr>
-          </a:lstStyle>
-          <a:p>
-            <a:fld id="{DC995F7E-8C33-4C4F-8E04-5CA727622CBF}" type="slidenum">
-              <a:rPr lang="en-CA" altLang="ja-JP"/>
-              <a:pPr/>
-              <a:t>10</a:t>
-            </a:fld>
-            <a:endParaRPr lang="en-CA" altLang="ja-JP"/>
-          </a:p>
-        </p:txBody>
-      </p:sp>
-    </p:spTree>
-  </p:cSld>
-  <p:clrMapOvr>
-    <a:masterClrMapping/>
-  </p:clrMapOvr>
-</p:notes>
-</file>
-
-<file path=ppt/notesSlides/notesSlide11.xml><?xml version="1.0" encoding="utf-8"?>
-<p:notes xmlns:a="http://schemas.openxmlformats.org/drawingml/2006/main" xmlns:r="http://schemas.openxmlformats.org/officeDocument/2006/relationships" xmlns:p="http://schemas.openxmlformats.org/presentationml/2006/main">
-  <p:cSld>
-    <p:spTree>
-      <p:nvGrpSpPr>
-        <p:cNvPr id="1" name=""/>
-        <p:cNvGrpSpPr/>
-        <p:nvPr/>
-      </p:nvGrpSpPr>
-      <p:grpSpPr>
-        <a:xfrm>
-          <a:off x="0" y="0"/>
-          <a:ext cx="0" cy="0"/>
-          <a:chOff x="0" y="0"/>
-          <a:chExt cx="0" cy="0"/>
-        </a:xfrm>
-      </p:grpSpPr>
-      <p:sp>
-        <p:nvSpPr>
-          <p:cNvPr id="27650" name="Slide Image Placeholder 1"/>
-          <p:cNvSpPr>
-            <a:spLocks noGrp="1" noRot="1" noChangeAspect="1" noTextEdit="1"/>
-          </p:cNvSpPr>
-          <p:nvPr>
-            <p:ph type="sldImg"/>
-          </p:nvPr>
-        </p:nvSpPr>
-        <p:spPr bwMode="auto">
-          <a:noFill/>
-          <a:ln>
-            <a:solidFill>
-              <a:srgbClr val="000000"/>
-            </a:solidFill>
-            <a:miter lim="800000"/>
-            <a:headEnd/>
-            <a:tailEnd/>
-          </a:ln>
-          <a:extLst>
-            <a:ext uri="{909E8E84-426E-40DD-AFC4-6F175D3DCCD1}">
-              <a14:hiddenFill xmlns:a14="http://schemas.microsoft.com/office/drawing/2010/main">
-                <a:solidFill>
-                  <a:srgbClr val="FFFFFF"/>
-                </a:solidFill>
-              </a14:hiddenFill>
-            </a:ext>
-          </a:extLst>
-        </p:spPr>
-      </p:sp>
-      <p:sp>
-        <p:nvSpPr>
-          <p:cNvPr id="27651" name="Notes Placeholder 2"/>
-          <p:cNvSpPr>
-            <a:spLocks noGrp="1"/>
-          </p:cNvSpPr>
-          <p:nvPr>
-            <p:ph type="body" idx="1"/>
-          </p:nvPr>
-        </p:nvSpPr>
-        <p:spPr bwMode="auto">
-          <a:noFill/>
-          <a:extLst>
-            <a:ext uri="{909E8E84-426E-40DD-AFC4-6F175D3DCCD1}">
-              <a14:hiddenFill xmlns:a14="http://schemas.microsoft.com/office/drawing/2010/main">
-                <a:solidFill>
-                  <a:srgbClr val="FFFFFF"/>
-                </a:solidFill>
-              </a14:hiddenFill>
-            </a:ext>
-            <a:ext uri="{91240B29-F687-4F45-9708-019B960494DF}">
-              <a14:hiddenLine xmlns:a14="http://schemas.microsoft.com/office/drawing/2010/main" w="9525">
-                <a:solidFill>
-                  <a:srgbClr val="000000"/>
-                </a:solidFill>
-                <a:miter lim="800000"/>
-                <a:headEnd/>
-                <a:tailEnd/>
-              </a14:hiddenLine>
-            </a:ext>
-          </a:extLst>
-        </p:spPr>
-        <p:txBody>
-          <a:bodyPr wrap="square" numCol="1" anchor="t" anchorCtr="0" compatLnSpc="1">
-            <a:prstTxWarp prst="textNoShape">
-              <a:avLst/>
-            </a:prstTxWarp>
-          </a:bodyPr>
-          <a:lstStyle/>
-          <a:p>
-            <a:pPr>
-              <a:spcBef>
-                <a:spcPct val="0"/>
-              </a:spcBef>
-            </a:pPr>
-            <a:r>
-              <a:rPr lang="ja-JP" altLang="en-US" smtClean="0"/>
-              <a:t>スポンサーに対してどれくらいの大きさなのかを示そう（１ヶ月なのか３ヶ月なのか６ヶ月以上なのか）</a:t>
-            </a:r>
-            <a:endParaRPr lang="en-CA" smtClean="0"/>
-          </a:p>
-          <a:p>
-            <a:pPr>
-              <a:spcBef>
-                <a:spcPct val="0"/>
-              </a:spcBef>
-            </a:pPr>
-            <a:r>
-              <a:rPr lang="ja-JP" altLang="en-US" smtClean="0"/>
-              <a:t>このスライドを仕上げる前に、あなたとチームはプロジェクトのハイレベルのストーリーのリストを作成して見積もりをしておくべきだ。</a:t>
-            </a:r>
-            <a:endParaRPr lang="en-CA" smtClean="0"/>
-          </a:p>
-          <a:p>
-            <a:pPr>
-              <a:spcBef>
-                <a:spcPct val="0"/>
-              </a:spcBef>
-            </a:pPr>
-            <a:r>
-              <a:rPr lang="ja-JP" altLang="en-US" smtClean="0"/>
-              <a:t>これは約束ではなくい（不明なことが多すぎるもん！）。これは単に本当にラフな想定である。それ以上のものとして扱ってはいけない。</a:t>
-            </a:r>
-            <a:endParaRPr lang="en-CA" smtClean="0"/>
-          </a:p>
-        </p:txBody>
-      </p:sp>
-      <p:sp>
-        <p:nvSpPr>
-          <p:cNvPr id="27652" name="Slide Number Placeholder 3"/>
-          <p:cNvSpPr>
-            <a:spLocks noGrp="1"/>
-          </p:cNvSpPr>
-          <p:nvPr>
-            <p:ph type="sldNum" sz="quarter" idx="5"/>
-          </p:nvPr>
-        </p:nvSpPr>
-        <p:spPr bwMode="auto">
-          <a:noFill/>
-          <a:extLst>
-            <a:ext uri="{909E8E84-426E-40DD-AFC4-6F175D3DCCD1}">
-              <a14:hiddenFill xmlns:a14="http://schemas.microsoft.com/office/drawing/2010/main">
-                <a:solidFill>
-                  <a:srgbClr val="FFFFFF"/>
-                </a:solidFill>
-              </a14:hiddenFill>
-            </a:ext>
-            <a:ext uri="{91240B29-F687-4F45-9708-019B960494DF}">
-              <a14:hiddenLine xmlns:a14="http://schemas.microsoft.com/office/drawing/2010/main" w="9525">
-                <a:solidFill>
-                  <a:srgbClr val="000000"/>
-                </a:solidFill>
-                <a:miter lim="800000"/>
-                <a:headEnd/>
-                <a:tailEnd/>
-              </a14:hiddenLine>
-            </a:ext>
-          </a:extLst>
-        </p:spPr>
-        <p:txBody>
-          <a:bodyPr/>
-          <a:lstStyle>
-            <a:lvl1pPr>
-              <a:defRPr>
-                <a:solidFill>
-                  <a:schemeClr val="tx1"/>
-                </a:solidFill>
-                <a:latin typeface="Calibri" pitchFamily="34" charset="0"/>
-              </a:defRPr>
-            </a:lvl1pPr>
-            <a:lvl2pPr marL="742950" indent="-285750">
-              <a:defRPr>
-                <a:solidFill>
-                  <a:schemeClr val="tx1"/>
-                </a:solidFill>
-                <a:latin typeface="Calibri" pitchFamily="34" charset="0"/>
-              </a:defRPr>
-            </a:lvl2pPr>
-            <a:lvl3pPr marL="1143000" indent="-228600">
-              <a:defRPr>
-                <a:solidFill>
-                  <a:schemeClr val="tx1"/>
-                </a:solidFill>
-                <a:latin typeface="Calibri" pitchFamily="34" charset="0"/>
-              </a:defRPr>
-            </a:lvl3pPr>
-            <a:lvl4pPr marL="1600200" indent="-228600">
-              <a:defRPr>
-                <a:solidFill>
-                  <a:schemeClr val="tx1"/>
-                </a:solidFill>
-                <a:latin typeface="Calibri" pitchFamily="34" charset="0"/>
-              </a:defRPr>
-            </a:lvl4pPr>
-            <a:lvl5pPr marL="2057400" indent="-228600">
-              <a:defRPr>
-                <a:solidFill>
-                  <a:schemeClr val="tx1"/>
-                </a:solidFill>
-                <a:latin typeface="Calibri" pitchFamily="34" charset="0"/>
-              </a:defRPr>
-            </a:lvl5pPr>
-            <a:lvl6pPr marL="2514600" indent="-228600" fontAlgn="base">
-              <a:spcBef>
-                <a:spcPct val="0"/>
-              </a:spcBef>
-              <a:spcAft>
-                <a:spcPct val="0"/>
-              </a:spcAft>
-              <a:defRPr>
-                <a:solidFill>
-                  <a:schemeClr val="tx1"/>
-                </a:solidFill>
-                <a:latin typeface="Calibri" pitchFamily="34" charset="0"/>
-              </a:defRPr>
-            </a:lvl6pPr>
-            <a:lvl7pPr marL="2971800" indent="-228600" fontAlgn="base">
-              <a:spcBef>
-                <a:spcPct val="0"/>
-              </a:spcBef>
-              <a:spcAft>
-                <a:spcPct val="0"/>
-              </a:spcAft>
-              <a:defRPr>
-                <a:solidFill>
-                  <a:schemeClr val="tx1"/>
-                </a:solidFill>
-                <a:latin typeface="Calibri" pitchFamily="34" charset="0"/>
-              </a:defRPr>
-            </a:lvl7pPr>
-            <a:lvl8pPr marL="3429000" indent="-228600" fontAlgn="base">
-              <a:spcBef>
-                <a:spcPct val="0"/>
-              </a:spcBef>
-              <a:spcAft>
-                <a:spcPct val="0"/>
-              </a:spcAft>
-              <a:defRPr>
-                <a:solidFill>
-                  <a:schemeClr val="tx1"/>
-                </a:solidFill>
-                <a:latin typeface="Calibri" pitchFamily="34" charset="0"/>
-              </a:defRPr>
-            </a:lvl8pPr>
-            <a:lvl9pPr marL="3886200" indent="-228600" fontAlgn="base">
-              <a:spcBef>
-                <a:spcPct val="0"/>
-              </a:spcBef>
-              <a:spcAft>
-                <a:spcPct val="0"/>
-              </a:spcAft>
-              <a:defRPr>
-                <a:solidFill>
-                  <a:schemeClr val="tx1"/>
-                </a:solidFill>
-                <a:latin typeface="Calibri" pitchFamily="34" charset="0"/>
-              </a:defRPr>
-            </a:lvl9pPr>
-          </a:lstStyle>
-          <a:p>
-            <a:fld id="{673DD66C-F980-43E4-BE3A-DFD02CE977E6}" type="slidenum">
-              <a:rPr lang="en-CA" altLang="ja-JP"/>
-              <a:pPr/>
-              <a:t>11</a:t>
-            </a:fld>
-            <a:endParaRPr lang="en-CA" altLang="ja-JP"/>
-          </a:p>
-        </p:txBody>
-      </p:sp>
-    </p:spTree>
-  </p:cSld>
-  <p:clrMapOvr>
-    <a:masterClrMapping/>
-  </p:clrMapOvr>
-</p:notes>
-</file>
-
-<file path=ppt/notesSlides/notesSlide12.xml><?xml version="1.0" encoding="utf-8"?>
-<p:notes xmlns:a="http://schemas.openxmlformats.org/drawingml/2006/main" xmlns:r="http://schemas.openxmlformats.org/officeDocument/2006/relationships" xmlns:p="http://schemas.openxmlformats.org/presentationml/2006/main">
-  <p:cSld>
-    <p:spTree>
-      <p:nvGrpSpPr>
-        <p:cNvPr id="1" name=""/>
-        <p:cNvGrpSpPr/>
-        <p:nvPr/>
-      </p:nvGrpSpPr>
-      <p:grpSpPr>
-        <a:xfrm>
-          <a:off x="0" y="0"/>
-          <a:ext cx="0" cy="0"/>
-          <a:chOff x="0" y="0"/>
-          <a:chExt cx="0" cy="0"/>
-        </a:xfrm>
-      </p:grpSpPr>
-      <p:sp>
-        <p:nvSpPr>
-          <p:cNvPr id="28674" name="Slide Image Placeholder 1"/>
-          <p:cNvSpPr>
-            <a:spLocks noGrp="1" noRot="1" noChangeAspect="1" noTextEdit="1"/>
-          </p:cNvSpPr>
-          <p:nvPr>
-            <p:ph type="sldImg"/>
-          </p:nvPr>
-        </p:nvSpPr>
-        <p:spPr bwMode="auto">
-          <a:noFill/>
-          <a:ln>
-            <a:solidFill>
-              <a:srgbClr val="000000"/>
-            </a:solidFill>
-            <a:miter lim="800000"/>
-            <a:headEnd/>
-            <a:tailEnd/>
-          </a:ln>
-          <a:extLst>
-            <a:ext uri="{909E8E84-426E-40DD-AFC4-6F175D3DCCD1}">
-              <a14:hiddenFill xmlns:a14="http://schemas.microsoft.com/office/drawing/2010/main">
-                <a:solidFill>
-                  <a:srgbClr val="FFFFFF"/>
-                </a:solidFill>
-              </a14:hiddenFill>
-            </a:ext>
-          </a:extLst>
-        </p:spPr>
-      </p:sp>
-      <p:sp>
-        <p:nvSpPr>
-          <p:cNvPr id="28675" name="Notes Placeholder 2"/>
-          <p:cNvSpPr>
-            <a:spLocks noGrp="1"/>
-          </p:cNvSpPr>
-          <p:nvPr>
-            <p:ph type="body" idx="1"/>
-          </p:nvPr>
-        </p:nvSpPr>
-        <p:spPr bwMode="auto">
-          <a:noFill/>
-          <a:extLst>
-            <a:ext uri="{909E8E84-426E-40DD-AFC4-6F175D3DCCD1}">
-              <a14:hiddenFill xmlns:a14="http://schemas.microsoft.com/office/drawing/2010/main">
-                <a:solidFill>
-                  <a:srgbClr val="FFFFFF"/>
-                </a:solidFill>
-              </a14:hiddenFill>
-            </a:ext>
-            <a:ext uri="{91240B29-F687-4F45-9708-019B960494DF}">
-              <a14:hiddenLine xmlns:a14="http://schemas.microsoft.com/office/drawing/2010/main" w="9525">
-                <a:solidFill>
-                  <a:srgbClr val="000000"/>
-                </a:solidFill>
-                <a:miter lim="800000"/>
-                <a:headEnd/>
-                <a:tailEnd/>
-              </a14:hiddenLine>
-            </a:ext>
-          </a:extLst>
-        </p:spPr>
-        <p:txBody>
-          <a:bodyPr wrap="square" numCol="1" anchor="t" anchorCtr="0" compatLnSpc="1">
-            <a:prstTxWarp prst="textNoShape">
-              <a:avLst/>
-            </a:prstTxWarp>
-          </a:bodyPr>
-          <a:lstStyle/>
-          <a:p>
-            <a:pPr>
-              <a:spcBef>
-                <a:spcPct val="0"/>
-              </a:spcBef>
-            </a:pPr>
-            <a:r>
-              <a:rPr lang="ja-JP" altLang="en-US" sz="200" smtClean="0"/>
-              <a:t>いざとなったとき何かを与えなきゃならない。ここではそれがなんなのかをはっきりさせたい。</a:t>
-            </a:r>
-            <a:endParaRPr lang="en-CA" sz="200" smtClean="0"/>
-          </a:p>
-          <a:p>
-            <a:pPr>
-              <a:spcBef>
-                <a:spcPct val="0"/>
-              </a:spcBef>
-            </a:pPr>
-            <a:r>
-              <a:rPr lang="ja-JP" altLang="en-US" sz="200" smtClean="0"/>
-              <a:t>アジャイルプロジェクトではスコープは可変だ。しかしここでは他のファクターも存在しうる。どのフォースを可変にして、どれは石のように固定するのか</a:t>
-            </a:r>
-            <a:r>
-              <a:rPr lang="en-US" altLang="ja-JP" sz="200" smtClean="0"/>
-              <a:t>(</a:t>
-            </a:r>
-            <a:r>
-              <a:rPr lang="ja-JP" altLang="en-US" sz="200" smtClean="0"/>
-              <a:t>通常は予算だ</a:t>
-            </a:r>
-            <a:r>
-              <a:rPr lang="en-US" altLang="ja-JP" sz="200" smtClean="0"/>
-              <a:t>)</a:t>
-            </a:r>
-            <a:r>
-              <a:rPr lang="ja-JP" altLang="en-US" sz="200" smtClean="0"/>
-              <a:t>顧客に聞けるようにしとかなきゃならない。</a:t>
-            </a:r>
-            <a:endParaRPr lang="en-CA" sz="200" smtClean="0"/>
-          </a:p>
-          <a:p>
-            <a:pPr>
-              <a:spcBef>
-                <a:spcPct val="0"/>
-              </a:spcBef>
-            </a:pPr>
-            <a:endParaRPr lang="en-CA" sz="200" smtClean="0"/>
-          </a:p>
-          <a:p>
-            <a:pPr>
-              <a:spcBef>
-                <a:spcPct val="0"/>
-              </a:spcBef>
-            </a:pPr>
-            <a:r>
-              <a:rPr lang="ja-JP" altLang="en-US" sz="1000" smtClean="0"/>
-              <a:t>スライドのルール</a:t>
-            </a:r>
-            <a:r>
-              <a:rPr lang="en-CA" altLang="ja-JP" sz="1000" smtClean="0"/>
-              <a:t>:</a:t>
-            </a:r>
-          </a:p>
-          <a:p>
-            <a:pPr>
-              <a:spcBef>
-                <a:spcPct val="0"/>
-              </a:spcBef>
-            </a:pPr>
-            <a:r>
-              <a:rPr lang="en-CA" altLang="ja-JP" sz="1000" smtClean="0"/>
-              <a:t>1. </a:t>
-            </a:r>
-            <a:r>
-              <a:rPr lang="ja-JP" altLang="en-US" sz="1000" smtClean="0"/>
-              <a:t>同一レベルにはスライダーは１個しか入らない。（訳注：縦位置が同じスライダーは存在しえないということ）</a:t>
-            </a:r>
-            <a:endParaRPr lang="en-CA" sz="200" smtClean="0"/>
-          </a:p>
-          <a:p>
-            <a:pPr>
-              <a:spcBef>
-                <a:spcPct val="0"/>
-              </a:spcBef>
-            </a:pPr>
-            <a:r>
-              <a:rPr lang="en-CA" altLang="ja-JP" sz="200" smtClean="0"/>
-              <a:t>2. </a:t>
-            </a:r>
-            <a:r>
-              <a:rPr lang="ja-JP" altLang="en-US" sz="200" smtClean="0"/>
-              <a:t>他に重要なファクターがあったら下の段に入れる。</a:t>
-            </a:r>
-            <a:endParaRPr lang="en-CA" sz="200" smtClean="0"/>
-          </a:p>
-        </p:txBody>
-      </p:sp>
-      <p:sp>
-        <p:nvSpPr>
-          <p:cNvPr id="28676" name="Slide Number Placeholder 3"/>
-          <p:cNvSpPr>
-            <a:spLocks noGrp="1"/>
-          </p:cNvSpPr>
-          <p:nvPr>
-            <p:ph type="sldNum" sz="quarter" idx="5"/>
-          </p:nvPr>
-        </p:nvSpPr>
-        <p:spPr bwMode="auto">
-          <a:noFill/>
-          <a:extLst>
-            <a:ext uri="{909E8E84-426E-40DD-AFC4-6F175D3DCCD1}">
-              <a14:hiddenFill xmlns:a14="http://schemas.microsoft.com/office/drawing/2010/main">
-                <a:solidFill>
-                  <a:srgbClr val="FFFFFF"/>
-                </a:solidFill>
-              </a14:hiddenFill>
-            </a:ext>
-            <a:ext uri="{91240B29-F687-4F45-9708-019B960494DF}">
-              <a14:hiddenLine xmlns:a14="http://schemas.microsoft.com/office/drawing/2010/main" w="9525">
-                <a:solidFill>
-                  <a:srgbClr val="000000"/>
-                </a:solidFill>
-                <a:miter lim="800000"/>
-                <a:headEnd/>
-                <a:tailEnd/>
-              </a14:hiddenLine>
-            </a:ext>
-          </a:extLst>
-        </p:spPr>
-        <p:txBody>
-          <a:bodyPr/>
-          <a:lstStyle>
-            <a:lvl1pPr>
-              <a:defRPr>
-                <a:solidFill>
-                  <a:schemeClr val="tx1"/>
-                </a:solidFill>
-                <a:latin typeface="Calibri" pitchFamily="34" charset="0"/>
-              </a:defRPr>
-            </a:lvl1pPr>
-            <a:lvl2pPr marL="742950" indent="-285750">
-              <a:defRPr>
-                <a:solidFill>
-                  <a:schemeClr val="tx1"/>
-                </a:solidFill>
-                <a:latin typeface="Calibri" pitchFamily="34" charset="0"/>
-              </a:defRPr>
-            </a:lvl2pPr>
-            <a:lvl3pPr marL="1143000" indent="-228600">
-              <a:defRPr>
-                <a:solidFill>
-                  <a:schemeClr val="tx1"/>
-                </a:solidFill>
-                <a:latin typeface="Calibri" pitchFamily="34" charset="0"/>
-              </a:defRPr>
-            </a:lvl3pPr>
-            <a:lvl4pPr marL="1600200" indent="-228600">
-              <a:defRPr>
-                <a:solidFill>
-                  <a:schemeClr val="tx1"/>
-                </a:solidFill>
-                <a:latin typeface="Calibri" pitchFamily="34" charset="0"/>
-              </a:defRPr>
-            </a:lvl4pPr>
-            <a:lvl5pPr marL="2057400" indent="-228600">
-              <a:defRPr>
-                <a:solidFill>
-                  <a:schemeClr val="tx1"/>
-                </a:solidFill>
-                <a:latin typeface="Calibri" pitchFamily="34" charset="0"/>
-              </a:defRPr>
-            </a:lvl5pPr>
-            <a:lvl6pPr marL="2514600" indent="-228600" fontAlgn="base">
-              <a:spcBef>
-                <a:spcPct val="0"/>
-              </a:spcBef>
-              <a:spcAft>
-                <a:spcPct val="0"/>
-              </a:spcAft>
-              <a:defRPr>
-                <a:solidFill>
-                  <a:schemeClr val="tx1"/>
-                </a:solidFill>
-                <a:latin typeface="Calibri" pitchFamily="34" charset="0"/>
-              </a:defRPr>
-            </a:lvl6pPr>
-            <a:lvl7pPr marL="2971800" indent="-228600" fontAlgn="base">
-              <a:spcBef>
-                <a:spcPct val="0"/>
-              </a:spcBef>
-              <a:spcAft>
-                <a:spcPct val="0"/>
-              </a:spcAft>
-              <a:defRPr>
-                <a:solidFill>
-                  <a:schemeClr val="tx1"/>
-                </a:solidFill>
-                <a:latin typeface="Calibri" pitchFamily="34" charset="0"/>
-              </a:defRPr>
-            </a:lvl7pPr>
-            <a:lvl8pPr marL="3429000" indent="-228600" fontAlgn="base">
-              <a:spcBef>
-                <a:spcPct val="0"/>
-              </a:spcBef>
-              <a:spcAft>
-                <a:spcPct val="0"/>
-              </a:spcAft>
-              <a:defRPr>
-                <a:solidFill>
-                  <a:schemeClr val="tx1"/>
-                </a:solidFill>
-                <a:latin typeface="Calibri" pitchFamily="34" charset="0"/>
-              </a:defRPr>
-            </a:lvl8pPr>
-            <a:lvl9pPr marL="3886200" indent="-228600" fontAlgn="base">
-              <a:spcBef>
-                <a:spcPct val="0"/>
-              </a:spcBef>
-              <a:spcAft>
-                <a:spcPct val="0"/>
-              </a:spcAft>
-              <a:defRPr>
-                <a:solidFill>
-                  <a:schemeClr val="tx1"/>
-                </a:solidFill>
-                <a:latin typeface="Calibri" pitchFamily="34" charset="0"/>
-              </a:defRPr>
-            </a:lvl9pPr>
-          </a:lstStyle>
-          <a:p>
-            <a:fld id="{7E4F71EB-EF12-49E1-BFA3-760063372D1B}" type="slidenum">
-              <a:rPr lang="en-CA" altLang="ja-JP"/>
-              <a:pPr/>
-              <a:t>12</a:t>
-            </a:fld>
-            <a:endParaRPr lang="en-CA" altLang="ja-JP"/>
-          </a:p>
-        </p:txBody>
-      </p:sp>
-    </p:spTree>
-  </p:cSld>
-  <p:clrMapOvr>
-    <a:masterClrMapping/>
-  </p:clrMapOvr>
-</p:notes>
-</file>
-
-<file path=ppt/notesSlides/notesSlide13.xml><?xml version="1.0" encoding="utf-8"?>
-<p:notes xmlns:a="http://schemas.openxmlformats.org/drawingml/2006/main" xmlns:r="http://schemas.openxmlformats.org/officeDocument/2006/relationships" xmlns:p="http://schemas.openxmlformats.org/presentationml/2006/main">
-  <p:cSld>
-    <p:spTree>
-      <p:nvGrpSpPr>
-        <p:cNvPr id="1" name=""/>
-        <p:cNvGrpSpPr/>
-        <p:nvPr/>
-      </p:nvGrpSpPr>
-      <p:grpSpPr>
-        <a:xfrm>
-          <a:off x="0" y="0"/>
-          <a:ext cx="0" cy="0"/>
-          <a:chOff x="0" y="0"/>
-          <a:chExt cx="0" cy="0"/>
-        </a:xfrm>
-      </p:grpSpPr>
-      <p:sp>
-        <p:nvSpPr>
-          <p:cNvPr id="29698" name="Slide Image Placeholder 1"/>
-          <p:cNvSpPr>
-            <a:spLocks noGrp="1" noRot="1" noChangeAspect="1" noTextEdit="1"/>
-          </p:cNvSpPr>
-          <p:nvPr>
-            <p:ph type="sldImg"/>
-          </p:nvPr>
-        </p:nvSpPr>
-        <p:spPr bwMode="auto">
-          <a:noFill/>
-          <a:ln>
-            <a:solidFill>
-              <a:srgbClr val="000000"/>
-            </a:solidFill>
-            <a:miter lim="800000"/>
-            <a:headEnd/>
-            <a:tailEnd/>
-          </a:ln>
-          <a:extLst>
-            <a:ext uri="{909E8E84-426E-40DD-AFC4-6F175D3DCCD1}">
-              <a14:hiddenFill xmlns:a14="http://schemas.microsoft.com/office/drawing/2010/main">
-                <a:solidFill>
-                  <a:srgbClr val="FFFFFF"/>
-                </a:solidFill>
-              </a14:hiddenFill>
-            </a:ext>
-          </a:extLst>
-        </p:spPr>
-      </p:sp>
-      <p:sp>
-        <p:nvSpPr>
-          <p:cNvPr id="29699" name="Notes Placeholder 2"/>
-          <p:cNvSpPr>
-            <a:spLocks noGrp="1"/>
-          </p:cNvSpPr>
-          <p:nvPr>
-            <p:ph type="body" idx="1"/>
-          </p:nvPr>
-        </p:nvSpPr>
-        <p:spPr bwMode="auto">
-          <a:noFill/>
-          <a:extLst>
-            <a:ext uri="{909E8E84-426E-40DD-AFC4-6F175D3DCCD1}">
-              <a14:hiddenFill xmlns:a14="http://schemas.microsoft.com/office/drawing/2010/main">
-                <a:solidFill>
-                  <a:srgbClr val="FFFFFF"/>
-                </a:solidFill>
-              </a14:hiddenFill>
-            </a:ext>
-            <a:ext uri="{91240B29-F687-4F45-9708-019B960494DF}">
-              <a14:hiddenLine xmlns:a14="http://schemas.microsoft.com/office/drawing/2010/main" w="9525">
-                <a:solidFill>
-                  <a:srgbClr val="000000"/>
-                </a:solidFill>
-                <a:miter lim="800000"/>
-                <a:headEnd/>
-                <a:tailEnd/>
-              </a14:hiddenLine>
-            </a:ext>
-          </a:extLst>
-        </p:spPr>
-        <p:txBody>
-          <a:bodyPr wrap="square" numCol="1" anchor="t" anchorCtr="0" compatLnSpc="1">
-            <a:prstTxWarp prst="textNoShape">
-              <a:avLst/>
-            </a:prstTxWarp>
-          </a:bodyPr>
-          <a:lstStyle/>
-          <a:p>
-            <a:pPr>
-              <a:spcBef>
-                <a:spcPct val="0"/>
-              </a:spcBef>
-            </a:pPr>
-            <a:r>
-              <a:rPr lang="ja-JP" altLang="en-US" smtClean="0"/>
-              <a:t>ステークホルダーは通常以下の２つのことに関心がある。</a:t>
-            </a:r>
-            <a:endParaRPr lang="en-US" altLang="ja-JP" smtClean="0"/>
-          </a:p>
-          <a:p>
-            <a:pPr>
-              <a:spcBef>
-                <a:spcPct val="0"/>
-              </a:spcBef>
-            </a:pPr>
-            <a:r>
-              <a:rPr lang="ja-JP" altLang="en-US" smtClean="0"/>
-              <a:t>・どれくらいコストがかかるだろうか？</a:t>
-            </a:r>
-            <a:endParaRPr lang="en-CA" smtClean="0"/>
-          </a:p>
-          <a:p>
-            <a:pPr>
-              <a:spcBef>
-                <a:spcPct val="0"/>
-              </a:spcBef>
-            </a:pPr>
-            <a:r>
-              <a:rPr lang="ja-JP" altLang="en-US" smtClean="0"/>
-              <a:t>・いつ終わるだろうか</a:t>
-            </a:r>
-            <a:endParaRPr lang="en-CA" smtClean="0"/>
-          </a:p>
-          <a:p>
-            <a:pPr>
-              <a:spcBef>
-                <a:spcPct val="0"/>
-              </a:spcBef>
-            </a:pPr>
-            <a:r>
-              <a:rPr lang="ja-JP" altLang="en-US" smtClean="0"/>
-              <a:t>ここでは、これら２つの質問にできるかぎり答える。そして、これを見せることでステークホルダーはプロジェクトはまだ続ける価値があるかどうかを決めることができる。</a:t>
-            </a:r>
-            <a:endParaRPr lang="en-CA" smtClean="0"/>
-          </a:p>
-        </p:txBody>
-      </p:sp>
-      <p:sp>
-        <p:nvSpPr>
-          <p:cNvPr id="29700" name="Slide Number Placeholder 3"/>
-          <p:cNvSpPr>
-            <a:spLocks noGrp="1"/>
-          </p:cNvSpPr>
-          <p:nvPr>
-            <p:ph type="sldNum" sz="quarter" idx="5"/>
-          </p:nvPr>
-        </p:nvSpPr>
-        <p:spPr bwMode="auto">
-          <a:noFill/>
-          <a:extLst>
-            <a:ext uri="{909E8E84-426E-40DD-AFC4-6F175D3DCCD1}">
-              <a14:hiddenFill xmlns:a14="http://schemas.microsoft.com/office/drawing/2010/main">
-                <a:solidFill>
-                  <a:srgbClr val="FFFFFF"/>
-                </a:solidFill>
-              </a14:hiddenFill>
-            </a:ext>
-            <a:ext uri="{91240B29-F687-4F45-9708-019B960494DF}">
-              <a14:hiddenLine xmlns:a14="http://schemas.microsoft.com/office/drawing/2010/main" w="9525">
-                <a:solidFill>
-                  <a:srgbClr val="000000"/>
-                </a:solidFill>
-                <a:miter lim="800000"/>
-                <a:headEnd/>
-                <a:tailEnd/>
-              </a14:hiddenLine>
-            </a:ext>
-          </a:extLst>
-        </p:spPr>
-        <p:txBody>
-          <a:bodyPr/>
-          <a:lstStyle>
-            <a:lvl1pPr>
-              <a:defRPr>
-                <a:solidFill>
-                  <a:schemeClr val="tx1"/>
-                </a:solidFill>
-                <a:latin typeface="Calibri" pitchFamily="34" charset="0"/>
-              </a:defRPr>
-            </a:lvl1pPr>
-            <a:lvl2pPr marL="742950" indent="-285750">
-              <a:defRPr>
-                <a:solidFill>
-                  <a:schemeClr val="tx1"/>
-                </a:solidFill>
-                <a:latin typeface="Calibri" pitchFamily="34" charset="0"/>
-              </a:defRPr>
-            </a:lvl2pPr>
-            <a:lvl3pPr marL="1143000" indent="-228600">
-              <a:defRPr>
-                <a:solidFill>
-                  <a:schemeClr val="tx1"/>
-                </a:solidFill>
-                <a:latin typeface="Calibri" pitchFamily="34" charset="0"/>
-              </a:defRPr>
-            </a:lvl3pPr>
-            <a:lvl4pPr marL="1600200" indent="-228600">
-              <a:defRPr>
-                <a:solidFill>
-                  <a:schemeClr val="tx1"/>
-                </a:solidFill>
-                <a:latin typeface="Calibri" pitchFamily="34" charset="0"/>
-              </a:defRPr>
-            </a:lvl4pPr>
-            <a:lvl5pPr marL="2057400" indent="-228600">
-              <a:defRPr>
-                <a:solidFill>
-                  <a:schemeClr val="tx1"/>
-                </a:solidFill>
-                <a:latin typeface="Calibri" pitchFamily="34" charset="0"/>
-              </a:defRPr>
-            </a:lvl5pPr>
-            <a:lvl6pPr marL="2514600" indent="-228600" fontAlgn="base">
-              <a:spcBef>
-                <a:spcPct val="0"/>
-              </a:spcBef>
-              <a:spcAft>
-                <a:spcPct val="0"/>
-              </a:spcAft>
-              <a:defRPr>
-                <a:solidFill>
-                  <a:schemeClr val="tx1"/>
-                </a:solidFill>
-                <a:latin typeface="Calibri" pitchFamily="34" charset="0"/>
-              </a:defRPr>
-            </a:lvl6pPr>
-            <a:lvl7pPr marL="2971800" indent="-228600" fontAlgn="base">
-              <a:spcBef>
-                <a:spcPct val="0"/>
-              </a:spcBef>
-              <a:spcAft>
-                <a:spcPct val="0"/>
-              </a:spcAft>
-              <a:defRPr>
-                <a:solidFill>
-                  <a:schemeClr val="tx1"/>
-                </a:solidFill>
-                <a:latin typeface="Calibri" pitchFamily="34" charset="0"/>
-              </a:defRPr>
-            </a:lvl7pPr>
-            <a:lvl8pPr marL="3429000" indent="-228600" fontAlgn="base">
-              <a:spcBef>
-                <a:spcPct val="0"/>
-              </a:spcBef>
-              <a:spcAft>
-                <a:spcPct val="0"/>
-              </a:spcAft>
-              <a:defRPr>
-                <a:solidFill>
-                  <a:schemeClr val="tx1"/>
-                </a:solidFill>
-                <a:latin typeface="Calibri" pitchFamily="34" charset="0"/>
-              </a:defRPr>
-            </a:lvl8pPr>
-            <a:lvl9pPr marL="3886200" indent="-228600" fontAlgn="base">
-              <a:spcBef>
-                <a:spcPct val="0"/>
-              </a:spcBef>
-              <a:spcAft>
-                <a:spcPct val="0"/>
-              </a:spcAft>
-              <a:defRPr>
-                <a:solidFill>
-                  <a:schemeClr val="tx1"/>
-                </a:solidFill>
-                <a:latin typeface="Calibri" pitchFamily="34" charset="0"/>
-              </a:defRPr>
-            </a:lvl9pPr>
-          </a:lstStyle>
-          <a:p>
-            <a:fld id="{2647F0E3-F118-4C44-95AA-DC3A3F10E460}" type="slidenum">
-              <a:rPr lang="en-CA" altLang="ja-JP"/>
-              <a:pPr/>
-              <a:t>13</a:t>
-            </a:fld>
-            <a:endParaRPr lang="en-CA" altLang="ja-JP"/>
-          </a:p>
-        </p:txBody>
-      </p:sp>
-    </p:spTree>
-  </p:cSld>
-  <p:clrMapOvr>
-    <a:masterClrMapping/>
-  </p:clrMapOvr>
-</p:notes>
-</file>
-
-<file path=ppt/notesSlides/notesSlide2.xml><?xml version="1.0" encoding="utf-8"?>
-<p:notes xmlns:a="http://schemas.openxmlformats.org/drawingml/2006/main" xmlns:r="http://schemas.openxmlformats.org/officeDocument/2006/relationships" xmlns:p="http://schemas.openxmlformats.org/presentationml/2006/main">
-  <p:cSld>
-    <p:spTree>
-      <p:nvGrpSpPr>
-        <p:cNvPr id="1" name=""/>
-        <p:cNvGrpSpPr/>
-        <p:nvPr/>
-      </p:nvGrpSpPr>
-      <p:grpSpPr>
-        <a:xfrm>
-          <a:off x="0" y="0"/>
-          <a:ext cx="0" cy="0"/>
-          <a:chOff x="0" y="0"/>
-          <a:chExt cx="0" cy="0"/>
-        </a:xfrm>
-      </p:grpSpPr>
-      <p:sp>
-        <p:nvSpPr>
           <p:cNvPr id="18434" name="Slide Image Placeholder 1"/>
           <p:cNvSpPr>
             <a:spLocks noGrp="1" noRot="1" noChangeAspect="1" noTextEdit="1"/>
@@ -2504,7 +1089,7 @@
             <a:fld id="{09C35DC4-F97D-4A2F-92CA-C20571BFDEB0}" type="slidenum">
               <a:rPr lang="en-CA" altLang="ja-JP"/>
               <a:pPr/>
-              <a:t>2</a:t>
+              <a:t>1</a:t>
             </a:fld>
             <a:endParaRPr lang="en-CA" altLang="ja-JP"/>
           </a:p>
@@ -2518,7 +1103,903 @@
 </p:notes>
 </file>
 
-<file path=ppt/notesSlides/notesSlide3.xml><?xml version="1.0" encoding="utf-8"?>
+<file path=ppt/notesSlides/notesSlide10.xml><?xml version="1.0" encoding="utf-8"?>
+<p:notes xmlns:a="http://schemas.openxmlformats.org/drawingml/2006/main" xmlns:r="http://schemas.openxmlformats.org/officeDocument/2006/relationships" xmlns:p="http://schemas.openxmlformats.org/presentationml/2006/main">
+  <p:cSld>
+    <p:spTree>
+      <p:nvGrpSpPr>
+        <p:cNvPr id="1" name=""/>
+        <p:cNvGrpSpPr/>
+        <p:nvPr/>
+      </p:nvGrpSpPr>
+      <p:grpSpPr>
+        <a:xfrm>
+          <a:off x="0" y="0"/>
+          <a:ext cx="0" cy="0"/>
+          <a:chOff x="0" y="0"/>
+          <a:chExt cx="0" cy="0"/>
+        </a:xfrm>
+      </p:grpSpPr>
+      <p:sp>
+        <p:nvSpPr>
+          <p:cNvPr id="27650" name="Slide Image Placeholder 1"/>
+          <p:cNvSpPr>
+            <a:spLocks noGrp="1" noRot="1" noChangeAspect="1" noTextEdit="1"/>
+          </p:cNvSpPr>
+          <p:nvPr>
+            <p:ph type="sldImg"/>
+          </p:nvPr>
+        </p:nvSpPr>
+        <p:spPr bwMode="auto">
+          <a:noFill/>
+          <a:ln>
+            <a:solidFill>
+              <a:srgbClr val="000000"/>
+            </a:solidFill>
+            <a:miter lim="800000"/>
+            <a:headEnd/>
+            <a:tailEnd/>
+          </a:ln>
+          <a:extLst>
+            <a:ext uri="{909E8E84-426E-40DD-AFC4-6F175D3DCCD1}">
+              <a14:hiddenFill xmlns:a14="http://schemas.microsoft.com/office/drawing/2010/main">
+                <a:solidFill>
+                  <a:srgbClr val="FFFFFF"/>
+                </a:solidFill>
+              </a14:hiddenFill>
+            </a:ext>
+          </a:extLst>
+        </p:spPr>
+      </p:sp>
+      <p:sp>
+        <p:nvSpPr>
+          <p:cNvPr id="27651" name="Notes Placeholder 2"/>
+          <p:cNvSpPr>
+            <a:spLocks noGrp="1"/>
+          </p:cNvSpPr>
+          <p:nvPr>
+            <p:ph type="body" idx="1"/>
+          </p:nvPr>
+        </p:nvSpPr>
+        <p:spPr bwMode="auto">
+          <a:noFill/>
+          <a:extLst>
+            <a:ext uri="{909E8E84-426E-40DD-AFC4-6F175D3DCCD1}">
+              <a14:hiddenFill xmlns:a14="http://schemas.microsoft.com/office/drawing/2010/main">
+                <a:solidFill>
+                  <a:srgbClr val="FFFFFF"/>
+                </a:solidFill>
+              </a14:hiddenFill>
+            </a:ext>
+            <a:ext uri="{91240B29-F687-4F45-9708-019B960494DF}">
+              <a14:hiddenLine xmlns:a14="http://schemas.microsoft.com/office/drawing/2010/main" w="9525">
+                <a:solidFill>
+                  <a:srgbClr val="000000"/>
+                </a:solidFill>
+                <a:miter lim="800000"/>
+                <a:headEnd/>
+                <a:tailEnd/>
+              </a14:hiddenLine>
+            </a:ext>
+          </a:extLst>
+        </p:spPr>
+        <p:txBody>
+          <a:bodyPr wrap="square" numCol="1" anchor="t" anchorCtr="0" compatLnSpc="1">
+            <a:prstTxWarp prst="textNoShape">
+              <a:avLst/>
+            </a:prstTxWarp>
+          </a:bodyPr>
+          <a:lstStyle/>
+          <a:p>
+            <a:pPr>
+              <a:spcBef>
+                <a:spcPct val="0"/>
+              </a:spcBef>
+            </a:pPr>
+            <a:r>
+              <a:rPr lang="ja-JP" altLang="en-US" smtClean="0"/>
+              <a:t>スポンサーに対してどれくらいの大きさなのかを示そう（１ヶ月なのか３ヶ月なのか６ヶ月以上なのか）</a:t>
+            </a:r>
+            <a:endParaRPr lang="en-CA" smtClean="0"/>
+          </a:p>
+          <a:p>
+            <a:pPr>
+              <a:spcBef>
+                <a:spcPct val="0"/>
+              </a:spcBef>
+            </a:pPr>
+            <a:r>
+              <a:rPr lang="ja-JP" altLang="en-US" smtClean="0"/>
+              <a:t>このスライドを仕上げる前に、あなたとチームはプロジェクトのハイレベルのストーリーのリストを作成して見積もりをしておくべきだ。</a:t>
+            </a:r>
+            <a:endParaRPr lang="en-CA" smtClean="0"/>
+          </a:p>
+          <a:p>
+            <a:pPr>
+              <a:spcBef>
+                <a:spcPct val="0"/>
+              </a:spcBef>
+            </a:pPr>
+            <a:r>
+              <a:rPr lang="ja-JP" altLang="en-US" smtClean="0"/>
+              <a:t>これは約束ではなくい（不明なことが多すぎるもん！）。これは単に本当にラフな想定である。それ以上のものとして扱ってはいけない。</a:t>
+            </a:r>
+            <a:endParaRPr lang="en-CA" smtClean="0"/>
+          </a:p>
+        </p:txBody>
+      </p:sp>
+      <p:sp>
+        <p:nvSpPr>
+          <p:cNvPr id="27652" name="Slide Number Placeholder 3"/>
+          <p:cNvSpPr>
+            <a:spLocks noGrp="1"/>
+          </p:cNvSpPr>
+          <p:nvPr>
+            <p:ph type="sldNum" sz="quarter" idx="5"/>
+          </p:nvPr>
+        </p:nvSpPr>
+        <p:spPr bwMode="auto">
+          <a:noFill/>
+          <a:extLst>
+            <a:ext uri="{909E8E84-426E-40DD-AFC4-6F175D3DCCD1}">
+              <a14:hiddenFill xmlns:a14="http://schemas.microsoft.com/office/drawing/2010/main">
+                <a:solidFill>
+                  <a:srgbClr val="FFFFFF"/>
+                </a:solidFill>
+              </a14:hiddenFill>
+            </a:ext>
+            <a:ext uri="{91240B29-F687-4F45-9708-019B960494DF}">
+              <a14:hiddenLine xmlns:a14="http://schemas.microsoft.com/office/drawing/2010/main" w="9525">
+                <a:solidFill>
+                  <a:srgbClr val="000000"/>
+                </a:solidFill>
+                <a:miter lim="800000"/>
+                <a:headEnd/>
+                <a:tailEnd/>
+              </a14:hiddenLine>
+            </a:ext>
+          </a:extLst>
+        </p:spPr>
+        <p:txBody>
+          <a:bodyPr/>
+          <a:lstStyle>
+            <a:lvl1pPr>
+              <a:defRPr>
+                <a:solidFill>
+                  <a:schemeClr val="tx1"/>
+                </a:solidFill>
+                <a:latin typeface="Calibri" pitchFamily="34" charset="0"/>
+              </a:defRPr>
+            </a:lvl1pPr>
+            <a:lvl2pPr marL="742950" indent="-285750">
+              <a:defRPr>
+                <a:solidFill>
+                  <a:schemeClr val="tx1"/>
+                </a:solidFill>
+                <a:latin typeface="Calibri" pitchFamily="34" charset="0"/>
+              </a:defRPr>
+            </a:lvl2pPr>
+            <a:lvl3pPr marL="1143000" indent="-228600">
+              <a:defRPr>
+                <a:solidFill>
+                  <a:schemeClr val="tx1"/>
+                </a:solidFill>
+                <a:latin typeface="Calibri" pitchFamily="34" charset="0"/>
+              </a:defRPr>
+            </a:lvl3pPr>
+            <a:lvl4pPr marL="1600200" indent="-228600">
+              <a:defRPr>
+                <a:solidFill>
+                  <a:schemeClr val="tx1"/>
+                </a:solidFill>
+                <a:latin typeface="Calibri" pitchFamily="34" charset="0"/>
+              </a:defRPr>
+            </a:lvl4pPr>
+            <a:lvl5pPr marL="2057400" indent="-228600">
+              <a:defRPr>
+                <a:solidFill>
+                  <a:schemeClr val="tx1"/>
+                </a:solidFill>
+                <a:latin typeface="Calibri" pitchFamily="34" charset="0"/>
+              </a:defRPr>
+            </a:lvl5pPr>
+            <a:lvl6pPr marL="2514600" indent="-228600" fontAlgn="base">
+              <a:spcBef>
+                <a:spcPct val="0"/>
+              </a:spcBef>
+              <a:spcAft>
+                <a:spcPct val="0"/>
+              </a:spcAft>
+              <a:defRPr>
+                <a:solidFill>
+                  <a:schemeClr val="tx1"/>
+                </a:solidFill>
+                <a:latin typeface="Calibri" pitchFamily="34" charset="0"/>
+              </a:defRPr>
+            </a:lvl6pPr>
+            <a:lvl7pPr marL="2971800" indent="-228600" fontAlgn="base">
+              <a:spcBef>
+                <a:spcPct val="0"/>
+              </a:spcBef>
+              <a:spcAft>
+                <a:spcPct val="0"/>
+              </a:spcAft>
+              <a:defRPr>
+                <a:solidFill>
+                  <a:schemeClr val="tx1"/>
+                </a:solidFill>
+                <a:latin typeface="Calibri" pitchFamily="34" charset="0"/>
+              </a:defRPr>
+            </a:lvl7pPr>
+            <a:lvl8pPr marL="3429000" indent="-228600" fontAlgn="base">
+              <a:spcBef>
+                <a:spcPct val="0"/>
+              </a:spcBef>
+              <a:spcAft>
+                <a:spcPct val="0"/>
+              </a:spcAft>
+              <a:defRPr>
+                <a:solidFill>
+                  <a:schemeClr val="tx1"/>
+                </a:solidFill>
+                <a:latin typeface="Calibri" pitchFamily="34" charset="0"/>
+              </a:defRPr>
+            </a:lvl8pPr>
+            <a:lvl9pPr marL="3886200" indent="-228600" fontAlgn="base">
+              <a:spcBef>
+                <a:spcPct val="0"/>
+              </a:spcBef>
+              <a:spcAft>
+                <a:spcPct val="0"/>
+              </a:spcAft>
+              <a:defRPr>
+                <a:solidFill>
+                  <a:schemeClr val="tx1"/>
+                </a:solidFill>
+                <a:latin typeface="Calibri" pitchFamily="34" charset="0"/>
+              </a:defRPr>
+            </a:lvl9pPr>
+          </a:lstStyle>
+          <a:p>
+            <a:fld id="{673DD66C-F980-43E4-BE3A-DFD02CE977E6}" type="slidenum">
+              <a:rPr lang="en-CA" altLang="ja-JP"/>
+              <a:pPr/>
+              <a:t>10</a:t>
+            </a:fld>
+            <a:endParaRPr lang="en-CA" altLang="ja-JP"/>
+          </a:p>
+        </p:txBody>
+      </p:sp>
+    </p:spTree>
+  </p:cSld>
+  <p:clrMapOvr>
+    <a:masterClrMapping/>
+  </p:clrMapOvr>
+</p:notes>
+</file>
+
+<file path=ppt/notesSlides/notesSlide11.xml><?xml version="1.0" encoding="utf-8"?>
+<p:notes xmlns:a="http://schemas.openxmlformats.org/drawingml/2006/main" xmlns:r="http://schemas.openxmlformats.org/officeDocument/2006/relationships" xmlns:p="http://schemas.openxmlformats.org/presentationml/2006/main">
+  <p:cSld>
+    <p:spTree>
+      <p:nvGrpSpPr>
+        <p:cNvPr id="1" name=""/>
+        <p:cNvGrpSpPr/>
+        <p:nvPr/>
+      </p:nvGrpSpPr>
+      <p:grpSpPr>
+        <a:xfrm>
+          <a:off x="0" y="0"/>
+          <a:ext cx="0" cy="0"/>
+          <a:chOff x="0" y="0"/>
+          <a:chExt cx="0" cy="0"/>
+        </a:xfrm>
+      </p:grpSpPr>
+      <p:sp>
+        <p:nvSpPr>
+          <p:cNvPr id="28674" name="Slide Image Placeholder 1"/>
+          <p:cNvSpPr>
+            <a:spLocks noGrp="1" noRot="1" noChangeAspect="1" noTextEdit="1"/>
+          </p:cNvSpPr>
+          <p:nvPr>
+            <p:ph type="sldImg"/>
+          </p:nvPr>
+        </p:nvSpPr>
+        <p:spPr bwMode="auto">
+          <a:noFill/>
+          <a:ln>
+            <a:solidFill>
+              <a:srgbClr val="000000"/>
+            </a:solidFill>
+            <a:miter lim="800000"/>
+            <a:headEnd/>
+            <a:tailEnd/>
+          </a:ln>
+          <a:extLst>
+            <a:ext uri="{909E8E84-426E-40DD-AFC4-6F175D3DCCD1}">
+              <a14:hiddenFill xmlns:a14="http://schemas.microsoft.com/office/drawing/2010/main">
+                <a:solidFill>
+                  <a:srgbClr val="FFFFFF"/>
+                </a:solidFill>
+              </a14:hiddenFill>
+            </a:ext>
+          </a:extLst>
+        </p:spPr>
+      </p:sp>
+      <p:sp>
+        <p:nvSpPr>
+          <p:cNvPr id="28675" name="Notes Placeholder 2"/>
+          <p:cNvSpPr>
+            <a:spLocks noGrp="1"/>
+          </p:cNvSpPr>
+          <p:nvPr>
+            <p:ph type="body" idx="1"/>
+          </p:nvPr>
+        </p:nvSpPr>
+        <p:spPr bwMode="auto">
+          <a:noFill/>
+          <a:extLst>
+            <a:ext uri="{909E8E84-426E-40DD-AFC4-6F175D3DCCD1}">
+              <a14:hiddenFill xmlns:a14="http://schemas.microsoft.com/office/drawing/2010/main">
+                <a:solidFill>
+                  <a:srgbClr val="FFFFFF"/>
+                </a:solidFill>
+              </a14:hiddenFill>
+            </a:ext>
+            <a:ext uri="{91240B29-F687-4F45-9708-019B960494DF}">
+              <a14:hiddenLine xmlns:a14="http://schemas.microsoft.com/office/drawing/2010/main" w="9525">
+                <a:solidFill>
+                  <a:srgbClr val="000000"/>
+                </a:solidFill>
+                <a:miter lim="800000"/>
+                <a:headEnd/>
+                <a:tailEnd/>
+              </a14:hiddenLine>
+            </a:ext>
+          </a:extLst>
+        </p:spPr>
+        <p:txBody>
+          <a:bodyPr wrap="square" numCol="1" anchor="t" anchorCtr="0" compatLnSpc="1">
+            <a:prstTxWarp prst="textNoShape">
+              <a:avLst/>
+            </a:prstTxWarp>
+          </a:bodyPr>
+          <a:lstStyle/>
+          <a:p>
+            <a:pPr>
+              <a:spcBef>
+                <a:spcPct val="0"/>
+              </a:spcBef>
+            </a:pPr>
+            <a:r>
+              <a:rPr lang="ja-JP" altLang="en-US" sz="200" smtClean="0"/>
+              <a:t>いざとなったとき何かを与えなきゃならない。ここではそれがなんなのかをはっきりさせたい。</a:t>
+            </a:r>
+            <a:endParaRPr lang="en-CA" sz="200" smtClean="0"/>
+          </a:p>
+          <a:p>
+            <a:pPr>
+              <a:spcBef>
+                <a:spcPct val="0"/>
+              </a:spcBef>
+            </a:pPr>
+            <a:r>
+              <a:rPr lang="ja-JP" altLang="en-US" sz="200" smtClean="0"/>
+              <a:t>アジャイルプロジェクトではスコープは可変だ。しかしここでは他のファクターも存在しうる。どのフォースを可変にして、どれは石のように固定するのか</a:t>
+            </a:r>
+            <a:r>
+              <a:rPr lang="en-US" altLang="ja-JP" sz="200" smtClean="0"/>
+              <a:t>(</a:t>
+            </a:r>
+            <a:r>
+              <a:rPr lang="ja-JP" altLang="en-US" sz="200" smtClean="0"/>
+              <a:t>通常は予算だ</a:t>
+            </a:r>
+            <a:r>
+              <a:rPr lang="en-US" altLang="ja-JP" sz="200" smtClean="0"/>
+              <a:t>)</a:t>
+            </a:r>
+            <a:r>
+              <a:rPr lang="ja-JP" altLang="en-US" sz="200" smtClean="0"/>
+              <a:t>顧客に聞けるようにしとかなきゃならない。</a:t>
+            </a:r>
+            <a:endParaRPr lang="en-CA" sz="200" smtClean="0"/>
+          </a:p>
+          <a:p>
+            <a:pPr>
+              <a:spcBef>
+                <a:spcPct val="0"/>
+              </a:spcBef>
+            </a:pPr>
+            <a:endParaRPr lang="en-CA" sz="200" smtClean="0"/>
+          </a:p>
+          <a:p>
+            <a:pPr>
+              <a:spcBef>
+                <a:spcPct val="0"/>
+              </a:spcBef>
+            </a:pPr>
+            <a:r>
+              <a:rPr lang="ja-JP" altLang="en-US" sz="1000" smtClean="0"/>
+              <a:t>スライドのルール</a:t>
+            </a:r>
+            <a:r>
+              <a:rPr lang="en-CA" altLang="ja-JP" sz="1000" smtClean="0"/>
+              <a:t>:</a:t>
+            </a:r>
+          </a:p>
+          <a:p>
+            <a:pPr>
+              <a:spcBef>
+                <a:spcPct val="0"/>
+              </a:spcBef>
+            </a:pPr>
+            <a:r>
+              <a:rPr lang="en-CA" altLang="ja-JP" sz="1000" smtClean="0"/>
+              <a:t>1. </a:t>
+            </a:r>
+            <a:r>
+              <a:rPr lang="ja-JP" altLang="en-US" sz="1000" smtClean="0"/>
+              <a:t>同一レベルにはスライダーは１個しか入らない。（訳注：縦位置が同じスライダーは存在しえないということ）</a:t>
+            </a:r>
+            <a:endParaRPr lang="en-CA" sz="200" smtClean="0"/>
+          </a:p>
+          <a:p>
+            <a:pPr>
+              <a:spcBef>
+                <a:spcPct val="0"/>
+              </a:spcBef>
+            </a:pPr>
+            <a:r>
+              <a:rPr lang="en-CA" altLang="ja-JP" sz="200" smtClean="0"/>
+              <a:t>2. </a:t>
+            </a:r>
+            <a:r>
+              <a:rPr lang="ja-JP" altLang="en-US" sz="200" smtClean="0"/>
+              <a:t>他に重要なファクターがあったら下の段に入れる。</a:t>
+            </a:r>
+            <a:endParaRPr lang="en-CA" sz="200" smtClean="0"/>
+          </a:p>
+        </p:txBody>
+      </p:sp>
+      <p:sp>
+        <p:nvSpPr>
+          <p:cNvPr id="28676" name="Slide Number Placeholder 3"/>
+          <p:cNvSpPr>
+            <a:spLocks noGrp="1"/>
+          </p:cNvSpPr>
+          <p:nvPr>
+            <p:ph type="sldNum" sz="quarter" idx="5"/>
+          </p:nvPr>
+        </p:nvSpPr>
+        <p:spPr bwMode="auto">
+          <a:noFill/>
+          <a:extLst>
+            <a:ext uri="{909E8E84-426E-40DD-AFC4-6F175D3DCCD1}">
+              <a14:hiddenFill xmlns:a14="http://schemas.microsoft.com/office/drawing/2010/main">
+                <a:solidFill>
+                  <a:srgbClr val="FFFFFF"/>
+                </a:solidFill>
+              </a14:hiddenFill>
+            </a:ext>
+            <a:ext uri="{91240B29-F687-4F45-9708-019B960494DF}">
+              <a14:hiddenLine xmlns:a14="http://schemas.microsoft.com/office/drawing/2010/main" w="9525">
+                <a:solidFill>
+                  <a:srgbClr val="000000"/>
+                </a:solidFill>
+                <a:miter lim="800000"/>
+                <a:headEnd/>
+                <a:tailEnd/>
+              </a14:hiddenLine>
+            </a:ext>
+          </a:extLst>
+        </p:spPr>
+        <p:txBody>
+          <a:bodyPr/>
+          <a:lstStyle>
+            <a:lvl1pPr>
+              <a:defRPr>
+                <a:solidFill>
+                  <a:schemeClr val="tx1"/>
+                </a:solidFill>
+                <a:latin typeface="Calibri" pitchFamily="34" charset="0"/>
+              </a:defRPr>
+            </a:lvl1pPr>
+            <a:lvl2pPr marL="742950" indent="-285750">
+              <a:defRPr>
+                <a:solidFill>
+                  <a:schemeClr val="tx1"/>
+                </a:solidFill>
+                <a:latin typeface="Calibri" pitchFamily="34" charset="0"/>
+              </a:defRPr>
+            </a:lvl2pPr>
+            <a:lvl3pPr marL="1143000" indent="-228600">
+              <a:defRPr>
+                <a:solidFill>
+                  <a:schemeClr val="tx1"/>
+                </a:solidFill>
+                <a:latin typeface="Calibri" pitchFamily="34" charset="0"/>
+              </a:defRPr>
+            </a:lvl3pPr>
+            <a:lvl4pPr marL="1600200" indent="-228600">
+              <a:defRPr>
+                <a:solidFill>
+                  <a:schemeClr val="tx1"/>
+                </a:solidFill>
+                <a:latin typeface="Calibri" pitchFamily="34" charset="0"/>
+              </a:defRPr>
+            </a:lvl4pPr>
+            <a:lvl5pPr marL="2057400" indent="-228600">
+              <a:defRPr>
+                <a:solidFill>
+                  <a:schemeClr val="tx1"/>
+                </a:solidFill>
+                <a:latin typeface="Calibri" pitchFamily="34" charset="0"/>
+              </a:defRPr>
+            </a:lvl5pPr>
+            <a:lvl6pPr marL="2514600" indent="-228600" fontAlgn="base">
+              <a:spcBef>
+                <a:spcPct val="0"/>
+              </a:spcBef>
+              <a:spcAft>
+                <a:spcPct val="0"/>
+              </a:spcAft>
+              <a:defRPr>
+                <a:solidFill>
+                  <a:schemeClr val="tx1"/>
+                </a:solidFill>
+                <a:latin typeface="Calibri" pitchFamily="34" charset="0"/>
+              </a:defRPr>
+            </a:lvl6pPr>
+            <a:lvl7pPr marL="2971800" indent="-228600" fontAlgn="base">
+              <a:spcBef>
+                <a:spcPct val="0"/>
+              </a:spcBef>
+              <a:spcAft>
+                <a:spcPct val="0"/>
+              </a:spcAft>
+              <a:defRPr>
+                <a:solidFill>
+                  <a:schemeClr val="tx1"/>
+                </a:solidFill>
+                <a:latin typeface="Calibri" pitchFamily="34" charset="0"/>
+              </a:defRPr>
+            </a:lvl7pPr>
+            <a:lvl8pPr marL="3429000" indent="-228600" fontAlgn="base">
+              <a:spcBef>
+                <a:spcPct val="0"/>
+              </a:spcBef>
+              <a:spcAft>
+                <a:spcPct val="0"/>
+              </a:spcAft>
+              <a:defRPr>
+                <a:solidFill>
+                  <a:schemeClr val="tx1"/>
+                </a:solidFill>
+                <a:latin typeface="Calibri" pitchFamily="34" charset="0"/>
+              </a:defRPr>
+            </a:lvl8pPr>
+            <a:lvl9pPr marL="3886200" indent="-228600" fontAlgn="base">
+              <a:spcBef>
+                <a:spcPct val="0"/>
+              </a:spcBef>
+              <a:spcAft>
+                <a:spcPct val="0"/>
+              </a:spcAft>
+              <a:defRPr>
+                <a:solidFill>
+                  <a:schemeClr val="tx1"/>
+                </a:solidFill>
+                <a:latin typeface="Calibri" pitchFamily="34" charset="0"/>
+              </a:defRPr>
+            </a:lvl9pPr>
+          </a:lstStyle>
+          <a:p>
+            <a:fld id="{7E4F71EB-EF12-49E1-BFA3-760063372D1B}" type="slidenum">
+              <a:rPr lang="en-CA" altLang="ja-JP"/>
+              <a:pPr/>
+              <a:t>11</a:t>
+            </a:fld>
+            <a:endParaRPr lang="en-CA" altLang="ja-JP"/>
+          </a:p>
+        </p:txBody>
+      </p:sp>
+    </p:spTree>
+  </p:cSld>
+  <p:clrMapOvr>
+    <a:masterClrMapping/>
+  </p:clrMapOvr>
+</p:notes>
+</file>
+
+<file path=ppt/notesSlides/notesSlide12.xml><?xml version="1.0" encoding="utf-8"?>
+<p:notes xmlns:a="http://schemas.openxmlformats.org/drawingml/2006/main" xmlns:r="http://schemas.openxmlformats.org/officeDocument/2006/relationships" xmlns:p="http://schemas.openxmlformats.org/presentationml/2006/main">
+  <p:cSld>
+    <p:spTree>
+      <p:nvGrpSpPr>
+        <p:cNvPr id="1" name=""/>
+        <p:cNvGrpSpPr/>
+        <p:nvPr/>
+      </p:nvGrpSpPr>
+      <p:grpSpPr>
+        <a:xfrm>
+          <a:off x="0" y="0"/>
+          <a:ext cx="0" cy="0"/>
+          <a:chOff x="0" y="0"/>
+          <a:chExt cx="0" cy="0"/>
+        </a:xfrm>
+      </p:grpSpPr>
+      <p:sp>
+        <p:nvSpPr>
+          <p:cNvPr id="29698" name="Slide Image Placeholder 1"/>
+          <p:cNvSpPr>
+            <a:spLocks noGrp="1" noRot="1" noChangeAspect="1" noTextEdit="1"/>
+          </p:cNvSpPr>
+          <p:nvPr>
+            <p:ph type="sldImg"/>
+          </p:nvPr>
+        </p:nvSpPr>
+        <p:spPr bwMode="auto">
+          <a:noFill/>
+          <a:ln>
+            <a:solidFill>
+              <a:srgbClr val="000000"/>
+            </a:solidFill>
+            <a:miter lim="800000"/>
+            <a:headEnd/>
+            <a:tailEnd/>
+          </a:ln>
+          <a:extLst>
+            <a:ext uri="{909E8E84-426E-40DD-AFC4-6F175D3DCCD1}">
+              <a14:hiddenFill xmlns:a14="http://schemas.microsoft.com/office/drawing/2010/main">
+                <a:solidFill>
+                  <a:srgbClr val="FFFFFF"/>
+                </a:solidFill>
+              </a14:hiddenFill>
+            </a:ext>
+          </a:extLst>
+        </p:spPr>
+      </p:sp>
+      <p:sp>
+        <p:nvSpPr>
+          <p:cNvPr id="29699" name="Notes Placeholder 2"/>
+          <p:cNvSpPr>
+            <a:spLocks noGrp="1"/>
+          </p:cNvSpPr>
+          <p:nvPr>
+            <p:ph type="body" idx="1"/>
+          </p:nvPr>
+        </p:nvSpPr>
+        <p:spPr bwMode="auto">
+          <a:noFill/>
+          <a:extLst>
+            <a:ext uri="{909E8E84-426E-40DD-AFC4-6F175D3DCCD1}">
+              <a14:hiddenFill xmlns:a14="http://schemas.microsoft.com/office/drawing/2010/main">
+                <a:solidFill>
+                  <a:srgbClr val="FFFFFF"/>
+                </a:solidFill>
+              </a14:hiddenFill>
+            </a:ext>
+            <a:ext uri="{91240B29-F687-4F45-9708-019B960494DF}">
+              <a14:hiddenLine xmlns:a14="http://schemas.microsoft.com/office/drawing/2010/main" w="9525">
+                <a:solidFill>
+                  <a:srgbClr val="000000"/>
+                </a:solidFill>
+                <a:miter lim="800000"/>
+                <a:headEnd/>
+                <a:tailEnd/>
+              </a14:hiddenLine>
+            </a:ext>
+          </a:extLst>
+        </p:spPr>
+        <p:txBody>
+          <a:bodyPr wrap="square" numCol="1" anchor="t" anchorCtr="0" compatLnSpc="1">
+            <a:prstTxWarp prst="textNoShape">
+              <a:avLst/>
+            </a:prstTxWarp>
+          </a:bodyPr>
+          <a:lstStyle/>
+          <a:p>
+            <a:pPr>
+              <a:spcBef>
+                <a:spcPct val="0"/>
+              </a:spcBef>
+            </a:pPr>
+            <a:r>
+              <a:rPr lang="ja-JP" altLang="en-US" smtClean="0"/>
+              <a:t>ステークホルダーは通常以下の２つのことに関心がある。</a:t>
+            </a:r>
+            <a:endParaRPr lang="en-US" altLang="ja-JP" smtClean="0"/>
+          </a:p>
+          <a:p>
+            <a:pPr>
+              <a:spcBef>
+                <a:spcPct val="0"/>
+              </a:spcBef>
+            </a:pPr>
+            <a:r>
+              <a:rPr lang="ja-JP" altLang="en-US" smtClean="0"/>
+              <a:t>・どれくらいコストがかかるだろうか？</a:t>
+            </a:r>
+            <a:endParaRPr lang="en-CA" smtClean="0"/>
+          </a:p>
+          <a:p>
+            <a:pPr>
+              <a:spcBef>
+                <a:spcPct val="0"/>
+              </a:spcBef>
+            </a:pPr>
+            <a:r>
+              <a:rPr lang="ja-JP" altLang="en-US" smtClean="0"/>
+              <a:t>・いつ終わるだろうか</a:t>
+            </a:r>
+            <a:endParaRPr lang="en-CA" smtClean="0"/>
+          </a:p>
+          <a:p>
+            <a:pPr>
+              <a:spcBef>
+                <a:spcPct val="0"/>
+              </a:spcBef>
+            </a:pPr>
+            <a:r>
+              <a:rPr lang="ja-JP" altLang="en-US" smtClean="0"/>
+              <a:t>ここでは、これら２つの質問にできるかぎり答える。そして、これを見せることでステークホルダーはプロジェクトはまだ続ける価値があるかどうかを決めることができる。</a:t>
+            </a:r>
+            <a:endParaRPr lang="en-CA" smtClean="0"/>
+          </a:p>
+        </p:txBody>
+      </p:sp>
+      <p:sp>
+        <p:nvSpPr>
+          <p:cNvPr id="29700" name="Slide Number Placeholder 3"/>
+          <p:cNvSpPr>
+            <a:spLocks noGrp="1"/>
+          </p:cNvSpPr>
+          <p:nvPr>
+            <p:ph type="sldNum" sz="quarter" idx="5"/>
+          </p:nvPr>
+        </p:nvSpPr>
+        <p:spPr bwMode="auto">
+          <a:noFill/>
+          <a:extLst>
+            <a:ext uri="{909E8E84-426E-40DD-AFC4-6F175D3DCCD1}">
+              <a14:hiddenFill xmlns:a14="http://schemas.microsoft.com/office/drawing/2010/main">
+                <a:solidFill>
+                  <a:srgbClr val="FFFFFF"/>
+                </a:solidFill>
+              </a14:hiddenFill>
+            </a:ext>
+            <a:ext uri="{91240B29-F687-4F45-9708-019B960494DF}">
+              <a14:hiddenLine xmlns:a14="http://schemas.microsoft.com/office/drawing/2010/main" w="9525">
+                <a:solidFill>
+                  <a:srgbClr val="000000"/>
+                </a:solidFill>
+                <a:miter lim="800000"/>
+                <a:headEnd/>
+                <a:tailEnd/>
+              </a14:hiddenLine>
+            </a:ext>
+          </a:extLst>
+        </p:spPr>
+        <p:txBody>
+          <a:bodyPr/>
+          <a:lstStyle>
+            <a:lvl1pPr>
+              <a:defRPr>
+                <a:solidFill>
+                  <a:schemeClr val="tx1"/>
+                </a:solidFill>
+                <a:latin typeface="Calibri" pitchFamily="34" charset="0"/>
+              </a:defRPr>
+            </a:lvl1pPr>
+            <a:lvl2pPr marL="742950" indent="-285750">
+              <a:defRPr>
+                <a:solidFill>
+                  <a:schemeClr val="tx1"/>
+                </a:solidFill>
+                <a:latin typeface="Calibri" pitchFamily="34" charset="0"/>
+              </a:defRPr>
+            </a:lvl2pPr>
+            <a:lvl3pPr marL="1143000" indent="-228600">
+              <a:defRPr>
+                <a:solidFill>
+                  <a:schemeClr val="tx1"/>
+                </a:solidFill>
+                <a:latin typeface="Calibri" pitchFamily="34" charset="0"/>
+              </a:defRPr>
+            </a:lvl3pPr>
+            <a:lvl4pPr marL="1600200" indent="-228600">
+              <a:defRPr>
+                <a:solidFill>
+                  <a:schemeClr val="tx1"/>
+                </a:solidFill>
+                <a:latin typeface="Calibri" pitchFamily="34" charset="0"/>
+              </a:defRPr>
+            </a:lvl4pPr>
+            <a:lvl5pPr marL="2057400" indent="-228600">
+              <a:defRPr>
+                <a:solidFill>
+                  <a:schemeClr val="tx1"/>
+                </a:solidFill>
+                <a:latin typeface="Calibri" pitchFamily="34" charset="0"/>
+              </a:defRPr>
+            </a:lvl5pPr>
+            <a:lvl6pPr marL="2514600" indent="-228600" fontAlgn="base">
+              <a:spcBef>
+                <a:spcPct val="0"/>
+              </a:spcBef>
+              <a:spcAft>
+                <a:spcPct val="0"/>
+              </a:spcAft>
+              <a:defRPr>
+                <a:solidFill>
+                  <a:schemeClr val="tx1"/>
+                </a:solidFill>
+                <a:latin typeface="Calibri" pitchFamily="34" charset="0"/>
+              </a:defRPr>
+            </a:lvl6pPr>
+            <a:lvl7pPr marL="2971800" indent="-228600" fontAlgn="base">
+              <a:spcBef>
+                <a:spcPct val="0"/>
+              </a:spcBef>
+              <a:spcAft>
+                <a:spcPct val="0"/>
+              </a:spcAft>
+              <a:defRPr>
+                <a:solidFill>
+                  <a:schemeClr val="tx1"/>
+                </a:solidFill>
+                <a:latin typeface="Calibri" pitchFamily="34" charset="0"/>
+              </a:defRPr>
+            </a:lvl7pPr>
+            <a:lvl8pPr marL="3429000" indent="-228600" fontAlgn="base">
+              <a:spcBef>
+                <a:spcPct val="0"/>
+              </a:spcBef>
+              <a:spcAft>
+                <a:spcPct val="0"/>
+              </a:spcAft>
+              <a:defRPr>
+                <a:solidFill>
+                  <a:schemeClr val="tx1"/>
+                </a:solidFill>
+                <a:latin typeface="Calibri" pitchFamily="34" charset="0"/>
+              </a:defRPr>
+            </a:lvl8pPr>
+            <a:lvl9pPr marL="3886200" indent="-228600" fontAlgn="base">
+              <a:spcBef>
+                <a:spcPct val="0"/>
+              </a:spcBef>
+              <a:spcAft>
+                <a:spcPct val="0"/>
+              </a:spcAft>
+              <a:defRPr>
+                <a:solidFill>
+                  <a:schemeClr val="tx1"/>
+                </a:solidFill>
+                <a:latin typeface="Calibri" pitchFamily="34" charset="0"/>
+              </a:defRPr>
+            </a:lvl9pPr>
+          </a:lstStyle>
+          <a:p>
+            <a:fld id="{2647F0E3-F118-4C44-95AA-DC3A3F10E460}" type="slidenum">
+              <a:rPr lang="en-CA" altLang="ja-JP"/>
+              <a:pPr/>
+              <a:t>12</a:t>
+            </a:fld>
+            <a:endParaRPr lang="en-CA" altLang="ja-JP"/>
+          </a:p>
+        </p:txBody>
+      </p:sp>
+    </p:spTree>
+  </p:cSld>
+  <p:clrMapOvr>
+    <a:masterClrMapping/>
+  </p:clrMapOvr>
+</p:notes>
+</file>
+
+<file path=ppt/notesSlides/notesSlide2.xml><?xml version="1.0" encoding="utf-8"?>
 <p:notes xmlns:a="http://schemas.openxmlformats.org/drawingml/2006/main" xmlns:r="http://schemas.openxmlformats.org/officeDocument/2006/relationships" xmlns:p="http://schemas.openxmlformats.org/presentationml/2006/main">
   <p:cSld>
     <p:spTree>
@@ -2778,7 +2259,7 @@
             <a:fld id="{39D10A2D-38E7-4981-8251-D91F788A0938}" type="slidenum">
               <a:rPr lang="en-CA" altLang="ja-JP"/>
               <a:pPr/>
-              <a:t>3</a:t>
+              <a:t>2</a:t>
             </a:fld>
             <a:endParaRPr lang="en-CA" altLang="ja-JP"/>
           </a:p>
@@ -2792,7 +2273,7 @@
 </p:notes>
 </file>
 
-<file path=ppt/notesSlides/notesSlide4.xml><?xml version="1.0" encoding="utf-8"?>
+<file path=ppt/notesSlides/notesSlide3.xml><?xml version="1.0" encoding="utf-8"?>
 <p:notes xmlns:a="http://schemas.openxmlformats.org/drawingml/2006/main" xmlns:r="http://schemas.openxmlformats.org/officeDocument/2006/relationships" xmlns:p="http://schemas.openxmlformats.org/presentationml/2006/main">
   <p:cSld>
     <p:spTree>
@@ -3025,7 +2506,7 @@
             <a:fld id="{6E249135-CE6B-467E-BF73-3717E279B72C}" type="slidenum">
               <a:rPr lang="en-CA" altLang="ja-JP"/>
               <a:pPr/>
-              <a:t>4</a:t>
+              <a:t>3</a:t>
             </a:fld>
             <a:endParaRPr lang="en-CA" altLang="ja-JP"/>
           </a:p>
@@ -3039,7 +2520,7 @@
 </p:notes>
 </file>
 
-<file path=ppt/notesSlides/notesSlide5.xml><?xml version="1.0" encoding="utf-8"?>
+<file path=ppt/notesSlides/notesSlide4.xml><?xml version="1.0" encoding="utf-8"?>
 <p:notes xmlns:a="http://schemas.openxmlformats.org/drawingml/2006/main" xmlns:r="http://schemas.openxmlformats.org/officeDocument/2006/relationships" xmlns:p="http://schemas.openxmlformats.org/presentationml/2006/main">
   <p:cSld>
     <p:spTree>
@@ -3296,7 +2777,7 @@
             <a:fld id="{69B1C47B-A7D8-45EF-ADC5-E2FB2F39FD9D}" type="slidenum">
               <a:rPr lang="en-CA" altLang="ja-JP"/>
               <a:pPr/>
-              <a:t>5</a:t>
+              <a:t>4</a:t>
             </a:fld>
             <a:endParaRPr lang="en-CA" altLang="ja-JP"/>
           </a:p>
@@ -3310,7 +2791,7 @@
 </p:notes>
 </file>
 
-<file path=ppt/notesSlides/notesSlide6.xml><?xml version="1.0" encoding="utf-8"?>
+<file path=ppt/notesSlides/notesSlide5.xml><?xml version="1.0" encoding="utf-8"?>
 <p:notes xmlns:a="http://schemas.openxmlformats.org/drawingml/2006/main" xmlns:r="http://schemas.openxmlformats.org/officeDocument/2006/relationships" xmlns:p="http://schemas.openxmlformats.org/presentationml/2006/main">
   <p:cSld>
     <p:spTree>
@@ -3559,7 +3040,7 @@
             <a:fld id="{7BD2372A-9735-4A91-8BD6-CC814D602E9A}" type="slidenum">
               <a:rPr lang="en-CA" altLang="ja-JP"/>
               <a:pPr/>
-              <a:t>6</a:t>
+              <a:t>5</a:t>
             </a:fld>
             <a:endParaRPr lang="en-CA" altLang="ja-JP"/>
           </a:p>
@@ -3573,7 +3054,7 @@
 </p:notes>
 </file>
 
-<file path=ppt/notesSlides/notesSlide7.xml><?xml version="1.0" encoding="utf-8"?>
+<file path=ppt/notesSlides/notesSlide6.xml><?xml version="1.0" encoding="utf-8"?>
 <p:notes xmlns:a="http://schemas.openxmlformats.org/drawingml/2006/main" xmlns:r="http://schemas.openxmlformats.org/officeDocument/2006/relationships" xmlns:p="http://schemas.openxmlformats.org/presentationml/2006/main">
   <p:cSld>
     <p:spTree>
@@ -3846,7 +3327,7 @@
             <a:fld id="{98C6668E-29CB-458A-B11D-C2A465FE02DD}" type="slidenum">
               <a:rPr lang="en-CA" altLang="ja-JP"/>
               <a:pPr/>
-              <a:t>7</a:t>
+              <a:t>6</a:t>
             </a:fld>
             <a:endParaRPr lang="en-CA" altLang="ja-JP"/>
           </a:p>
@@ -3860,7 +3341,7 @@
 </p:notes>
 </file>
 
-<file path=ppt/notesSlides/notesSlide8.xml><?xml version="1.0" encoding="utf-8"?>
+<file path=ppt/notesSlides/notesSlide7.xml><?xml version="1.0" encoding="utf-8"?>
 <p:notes xmlns:a="http://schemas.openxmlformats.org/drawingml/2006/main" xmlns:r="http://schemas.openxmlformats.org/officeDocument/2006/relationships" xmlns:p="http://schemas.openxmlformats.org/presentationml/2006/main">
   <p:cSld>
     <p:spTree>
@@ -4129,7 +3610,7 @@
             <a:fld id="{1195CD49-A174-4ADD-B9AC-D508BC523873}" type="slidenum">
               <a:rPr lang="en-CA" altLang="ja-JP"/>
               <a:pPr/>
-              <a:t>8</a:t>
+              <a:t>7</a:t>
             </a:fld>
             <a:endParaRPr lang="en-CA" altLang="ja-JP"/>
           </a:p>
@@ -4143,7 +3624,7 @@
 </p:notes>
 </file>
 
-<file path=ppt/notesSlides/notesSlide9.xml><?xml version="1.0" encoding="utf-8"?>
+<file path=ppt/notesSlides/notesSlide8.xml><?xml version="1.0" encoding="utf-8"?>
 <p:notes xmlns:a="http://schemas.openxmlformats.org/drawingml/2006/main" xmlns:r="http://schemas.openxmlformats.org/officeDocument/2006/relationships" xmlns:p="http://schemas.openxmlformats.org/presentationml/2006/main">
   <p:cSld>
     <p:spTree>
@@ -4410,6 +3891,277 @@
           </a:lstStyle>
           <a:p>
             <a:fld id="{4BFA6125-ED89-4B66-AC87-D9344BFA7BD4}" type="slidenum">
+              <a:rPr lang="en-CA" altLang="ja-JP"/>
+              <a:pPr/>
+              <a:t>8</a:t>
+            </a:fld>
+            <a:endParaRPr lang="en-CA" altLang="ja-JP"/>
+          </a:p>
+        </p:txBody>
+      </p:sp>
+    </p:spTree>
+  </p:cSld>
+  <p:clrMapOvr>
+    <a:masterClrMapping/>
+  </p:clrMapOvr>
+</p:notes>
+</file>
+
+<file path=ppt/notesSlides/notesSlide9.xml><?xml version="1.0" encoding="utf-8"?>
+<p:notes xmlns:a="http://schemas.openxmlformats.org/drawingml/2006/main" xmlns:r="http://schemas.openxmlformats.org/officeDocument/2006/relationships" xmlns:p="http://schemas.openxmlformats.org/presentationml/2006/main">
+  <p:cSld>
+    <p:spTree>
+      <p:nvGrpSpPr>
+        <p:cNvPr id="1" name=""/>
+        <p:cNvGrpSpPr/>
+        <p:nvPr/>
+      </p:nvGrpSpPr>
+      <p:grpSpPr>
+        <a:xfrm>
+          <a:off x="0" y="0"/>
+          <a:ext cx="0" cy="0"/>
+          <a:chOff x="0" y="0"/>
+          <a:chExt cx="0" cy="0"/>
+        </a:xfrm>
+      </p:grpSpPr>
+      <p:sp>
+        <p:nvSpPr>
+          <p:cNvPr id="26626" name="Slide Image Placeholder 1"/>
+          <p:cNvSpPr>
+            <a:spLocks noGrp="1" noRot="1" noChangeAspect="1" noTextEdit="1"/>
+          </p:cNvSpPr>
+          <p:nvPr>
+            <p:ph type="sldImg"/>
+          </p:nvPr>
+        </p:nvSpPr>
+        <p:spPr bwMode="auto">
+          <a:noFill/>
+          <a:ln>
+            <a:solidFill>
+              <a:srgbClr val="000000"/>
+            </a:solidFill>
+            <a:miter lim="800000"/>
+            <a:headEnd/>
+            <a:tailEnd/>
+          </a:ln>
+          <a:extLst>
+            <a:ext uri="{909E8E84-426E-40DD-AFC4-6F175D3DCCD1}">
+              <a14:hiddenFill xmlns:a14="http://schemas.microsoft.com/office/drawing/2010/main">
+                <a:solidFill>
+                  <a:srgbClr val="FFFFFF"/>
+                </a:solidFill>
+              </a14:hiddenFill>
+            </a:ext>
+          </a:extLst>
+        </p:spPr>
+      </p:sp>
+      <p:sp>
+        <p:nvSpPr>
+          <p:cNvPr id="26627" name="Notes Placeholder 2"/>
+          <p:cNvSpPr>
+            <a:spLocks noGrp="1"/>
+          </p:cNvSpPr>
+          <p:nvPr>
+            <p:ph type="body" idx="1"/>
+          </p:nvPr>
+        </p:nvSpPr>
+        <p:spPr bwMode="auto">
+          <a:noFill/>
+          <a:extLst>
+            <a:ext uri="{909E8E84-426E-40DD-AFC4-6F175D3DCCD1}">
+              <a14:hiddenFill xmlns:a14="http://schemas.microsoft.com/office/drawing/2010/main">
+                <a:solidFill>
+                  <a:srgbClr val="FFFFFF"/>
+                </a:solidFill>
+              </a14:hiddenFill>
+            </a:ext>
+            <a:ext uri="{91240B29-F687-4F45-9708-019B960494DF}">
+              <a14:hiddenLine xmlns:a14="http://schemas.microsoft.com/office/drawing/2010/main" w="9525">
+                <a:solidFill>
+                  <a:srgbClr val="000000"/>
+                </a:solidFill>
+                <a:miter lim="800000"/>
+                <a:headEnd/>
+                <a:tailEnd/>
+              </a14:hiddenLine>
+            </a:ext>
+          </a:extLst>
+        </p:spPr>
+        <p:txBody>
+          <a:bodyPr wrap="square" numCol="1" anchor="t" anchorCtr="0" compatLnSpc="1">
+            <a:prstTxWarp prst="textNoShape">
+              <a:avLst/>
+            </a:prstTxWarp>
+          </a:bodyPr>
+          <a:lstStyle/>
+          <a:p>
+            <a:pPr>
+              <a:spcBef>
+                <a:spcPct val="0"/>
+              </a:spcBef>
+            </a:pPr>
+            <a:r>
+              <a:rPr lang="ja-JP" altLang="en-US" smtClean="0"/>
+              <a:t>必要となるであろう期待される能力やどんな種類のスキルが必要なのかについて書きこもう。</a:t>
+            </a:r>
+            <a:endParaRPr lang="en-CA" smtClean="0"/>
+          </a:p>
+          <a:p>
+            <a:pPr>
+              <a:spcBef>
+                <a:spcPct val="0"/>
+              </a:spcBef>
+            </a:pPr>
+            <a:r>
+              <a:rPr lang="ja-JP" altLang="en-US" smtClean="0"/>
+              <a:t>もし特定の人物が重要なのであれば、その名前を書こう（例えば、</a:t>
+            </a:r>
+            <a:r>
+              <a:rPr lang="en-US" altLang="ja-JP" smtClean="0"/>
+              <a:t>X</a:t>
+            </a:r>
+            <a:r>
+              <a:rPr lang="ja-JP" altLang="en-US" smtClean="0"/>
+              <a:t>ができるのはビリーだけだ、とか）</a:t>
+            </a:r>
+            <a:endParaRPr lang="en-CA" smtClean="0"/>
+          </a:p>
+        </p:txBody>
+      </p:sp>
+      <p:sp>
+        <p:nvSpPr>
+          <p:cNvPr id="26628" name="Slide Number Placeholder 3"/>
+          <p:cNvSpPr>
+            <a:spLocks noGrp="1"/>
+          </p:cNvSpPr>
+          <p:nvPr>
+            <p:ph type="sldNum" sz="quarter" idx="5"/>
+          </p:nvPr>
+        </p:nvSpPr>
+        <p:spPr bwMode="auto">
+          <a:noFill/>
+          <a:extLst>
+            <a:ext uri="{909E8E84-426E-40DD-AFC4-6F175D3DCCD1}">
+              <a14:hiddenFill xmlns:a14="http://schemas.microsoft.com/office/drawing/2010/main">
+                <a:solidFill>
+                  <a:srgbClr val="FFFFFF"/>
+                </a:solidFill>
+              </a14:hiddenFill>
+            </a:ext>
+            <a:ext uri="{91240B29-F687-4F45-9708-019B960494DF}">
+              <a14:hiddenLine xmlns:a14="http://schemas.microsoft.com/office/drawing/2010/main" w="9525">
+                <a:solidFill>
+                  <a:srgbClr val="000000"/>
+                </a:solidFill>
+                <a:miter lim="800000"/>
+                <a:headEnd/>
+                <a:tailEnd/>
+              </a14:hiddenLine>
+            </a:ext>
+          </a:extLst>
+        </p:spPr>
+        <p:txBody>
+          <a:bodyPr/>
+          <a:lstStyle>
+            <a:lvl1pPr>
+              <a:defRPr>
+                <a:solidFill>
+                  <a:schemeClr val="tx1"/>
+                </a:solidFill>
+                <a:latin typeface="Calibri" pitchFamily="34" charset="0"/>
+              </a:defRPr>
+            </a:lvl1pPr>
+            <a:lvl2pPr marL="742950" indent="-285750">
+              <a:defRPr>
+                <a:solidFill>
+                  <a:schemeClr val="tx1"/>
+                </a:solidFill>
+                <a:latin typeface="Calibri" pitchFamily="34" charset="0"/>
+              </a:defRPr>
+            </a:lvl2pPr>
+            <a:lvl3pPr marL="1143000" indent="-228600">
+              <a:defRPr>
+                <a:solidFill>
+                  <a:schemeClr val="tx1"/>
+                </a:solidFill>
+                <a:latin typeface="Calibri" pitchFamily="34" charset="0"/>
+              </a:defRPr>
+            </a:lvl3pPr>
+            <a:lvl4pPr marL="1600200" indent="-228600">
+              <a:defRPr>
+                <a:solidFill>
+                  <a:schemeClr val="tx1"/>
+                </a:solidFill>
+                <a:latin typeface="Calibri" pitchFamily="34" charset="0"/>
+              </a:defRPr>
+            </a:lvl4pPr>
+            <a:lvl5pPr marL="2057400" indent="-228600">
+              <a:defRPr>
+                <a:solidFill>
+                  <a:schemeClr val="tx1"/>
+                </a:solidFill>
+                <a:latin typeface="Calibri" pitchFamily="34" charset="0"/>
+              </a:defRPr>
+            </a:lvl5pPr>
+            <a:lvl6pPr marL="2514600" indent="-228600" fontAlgn="base">
+              <a:spcBef>
+                <a:spcPct val="0"/>
+              </a:spcBef>
+              <a:spcAft>
+                <a:spcPct val="0"/>
+              </a:spcAft>
+              <a:defRPr>
+                <a:solidFill>
+                  <a:schemeClr val="tx1"/>
+                </a:solidFill>
+                <a:latin typeface="Calibri" pitchFamily="34" charset="0"/>
+              </a:defRPr>
+            </a:lvl6pPr>
+            <a:lvl7pPr marL="2971800" indent="-228600" fontAlgn="base">
+              <a:spcBef>
+                <a:spcPct val="0"/>
+              </a:spcBef>
+              <a:spcAft>
+                <a:spcPct val="0"/>
+              </a:spcAft>
+              <a:defRPr>
+                <a:solidFill>
+                  <a:schemeClr val="tx1"/>
+                </a:solidFill>
+                <a:latin typeface="Calibri" pitchFamily="34" charset="0"/>
+              </a:defRPr>
+            </a:lvl7pPr>
+            <a:lvl8pPr marL="3429000" indent="-228600" fontAlgn="base">
+              <a:spcBef>
+                <a:spcPct val="0"/>
+              </a:spcBef>
+              <a:spcAft>
+                <a:spcPct val="0"/>
+              </a:spcAft>
+              <a:defRPr>
+                <a:solidFill>
+                  <a:schemeClr val="tx1"/>
+                </a:solidFill>
+                <a:latin typeface="Calibri" pitchFamily="34" charset="0"/>
+              </a:defRPr>
+            </a:lvl8pPr>
+            <a:lvl9pPr marL="3886200" indent="-228600" fontAlgn="base">
+              <a:spcBef>
+                <a:spcPct val="0"/>
+              </a:spcBef>
+              <a:spcAft>
+                <a:spcPct val="0"/>
+              </a:spcAft>
+              <a:defRPr>
+                <a:solidFill>
+                  <a:schemeClr val="tx1"/>
+                </a:solidFill>
+                <a:latin typeface="Calibri" pitchFamily="34" charset="0"/>
+              </a:defRPr>
+            </a:lvl9pPr>
+          </a:lstStyle>
+          <a:p>
+            <a:fld id="{DC995F7E-8C33-4C4F-8E04-5CA727622CBF}" type="slidenum">
               <a:rPr lang="en-CA" altLang="ja-JP"/>
               <a:pPr/>
               <a:t>9</a:t>
@@ -4666,7 +4418,7 @@
             <a:fld id="{4D503C28-CB75-411E-A71B-16475452A523}" type="datetimeFigureOut">
               <a:rPr lang="en-US" altLang="ja-JP"/>
               <a:pPr/>
-              <a:t>4/27/2012</a:t>
+              <a:t>7/2/2012</a:t>
             </a:fld>
             <a:endParaRPr lang="en-US" altLang="ja-JP"/>
           </a:p>
@@ -4845,7 +4597,7 @@
             <a:fld id="{70975A37-314E-4EB0-A335-F7A68EC12349}" type="datetimeFigureOut">
               <a:rPr lang="en-US" altLang="ja-JP"/>
               <a:pPr/>
-              <a:t>4/27/2012</a:t>
+              <a:t>7/2/2012</a:t>
             </a:fld>
             <a:endParaRPr lang="en-US" altLang="ja-JP"/>
           </a:p>
@@ -5034,7 +4786,7 @@
             <a:fld id="{05A0135E-DC64-4D73-B239-157BBD9509A0}" type="datetimeFigureOut">
               <a:rPr lang="en-US" altLang="ja-JP"/>
               <a:pPr/>
-              <a:t>4/27/2012</a:t>
+              <a:t>7/2/2012</a:t>
             </a:fld>
             <a:endParaRPr lang="en-US" altLang="ja-JP"/>
           </a:p>
@@ -5213,7 +4965,7 @@
             <a:fld id="{8BF5F205-7AE9-4F1C-838B-F8784F4628AE}" type="datetimeFigureOut">
               <a:rPr lang="en-US" altLang="ja-JP"/>
               <a:pPr/>
-              <a:t>4/27/2012</a:t>
+              <a:t>7/2/2012</a:t>
             </a:fld>
             <a:endParaRPr lang="en-US" altLang="ja-JP"/>
           </a:p>
@@ -5468,7 +5220,7 @@
             <a:fld id="{D38A0D29-F788-4CA6-99BB-336490DBEF54}" type="datetimeFigureOut">
               <a:rPr lang="en-US" altLang="ja-JP"/>
               <a:pPr/>
-              <a:t>4/27/2012</a:t>
+              <a:t>7/2/2012</a:t>
             </a:fld>
             <a:endParaRPr lang="en-US" altLang="ja-JP"/>
           </a:p>
@@ -5765,7 +5517,7 @@
             <a:fld id="{EDFFA818-6A01-4D30-9E65-273E0DA157AC}" type="datetimeFigureOut">
               <a:rPr lang="en-US" altLang="ja-JP"/>
               <a:pPr/>
-              <a:t>4/27/2012</a:t>
+              <a:t>7/2/2012</a:t>
             </a:fld>
             <a:endParaRPr lang="en-US" altLang="ja-JP"/>
           </a:p>
@@ -6196,7 +5948,7 @@
             <a:fld id="{E3F4A837-5AA7-4262-A3F2-0A9F08A8920C}" type="datetimeFigureOut">
               <a:rPr lang="en-US" altLang="ja-JP"/>
               <a:pPr/>
-              <a:t>4/27/2012</a:t>
+              <a:t>7/2/2012</a:t>
             </a:fld>
             <a:endParaRPr lang="en-US" altLang="ja-JP"/>
           </a:p>
@@ -6323,7 +6075,7 @@
             <a:fld id="{E09511DC-4CF9-47B2-9881-81E0BDA19979}" type="datetimeFigureOut">
               <a:rPr lang="en-US" altLang="ja-JP"/>
               <a:pPr/>
-              <a:t>4/27/2012</a:t>
+              <a:t>7/2/2012</a:t>
             </a:fld>
             <a:endParaRPr lang="en-US" altLang="ja-JP"/>
           </a:p>
@@ -6427,7 +6179,7 @@
             <a:fld id="{4071A48A-1C32-4813-85B4-E513093FFF85}" type="datetimeFigureOut">
               <a:rPr lang="en-US" altLang="ja-JP"/>
               <a:pPr/>
-              <a:t>4/27/2012</a:t>
+              <a:t>7/2/2012</a:t>
             </a:fld>
             <a:endParaRPr lang="en-US" altLang="ja-JP"/>
           </a:p>
@@ -6713,7 +6465,7 @@
             <a:fld id="{359E4454-C8A4-4F73-A1C5-D097F20520B9}" type="datetimeFigureOut">
               <a:rPr lang="en-US" altLang="ja-JP"/>
               <a:pPr/>
-              <a:t>4/27/2012</a:t>
+              <a:t>7/2/2012</a:t>
             </a:fld>
             <a:endParaRPr lang="en-US" altLang="ja-JP"/>
           </a:p>
@@ -6978,7 +6730,7 @@
             <a:fld id="{1238D56D-1A56-463E-8FA3-AAD6CE0D13B7}" type="datetimeFigureOut">
               <a:rPr lang="en-US" altLang="ja-JP"/>
               <a:pPr/>
-              <a:t>4/27/2012</a:t>
+              <a:t>7/2/2012</a:t>
             </a:fld>
             <a:endParaRPr lang="en-US" altLang="ja-JP"/>
           </a:p>
@@ -7247,7 +6999,7 @@
             <a:fld id="{E1B472F8-1BB2-4186-96EC-7D282FB36EBD}" type="datetimeFigureOut">
               <a:rPr lang="en-US" altLang="ja-JP"/>
               <a:pPr/>
-              <a:t>4/27/2012</a:t>
+              <a:t>7/2/2012</a:t>
             </a:fld>
             <a:endParaRPr lang="en-US" altLang="ja-JP"/>
           </a:p>
@@ -7789,7 +7541,7 @@
 </file>
 
 <file path=ppt/slides/slide1.xml><?xml version="1.0" encoding="utf-8"?>
-<p:sld xmlns:a="http://schemas.openxmlformats.org/drawingml/2006/main" xmlns:r="http://schemas.openxmlformats.org/officeDocument/2006/relationships" xmlns:p="http://schemas.openxmlformats.org/presentationml/2006/main" show="0">
+<p:sld xmlns:a="http://schemas.openxmlformats.org/drawingml/2006/main" xmlns:r="http://schemas.openxmlformats.org/officeDocument/2006/relationships" xmlns:p="http://schemas.openxmlformats.org/presentationml/2006/main">
   <p:cSld>
     <p:spTree>
       <p:nvGrpSpPr>
@@ -7807,7 +7559,7 @@
       </p:grpSpPr>
       <p:sp>
         <p:nvSpPr>
-          <p:cNvPr id="3074" name="Title 3"/>
+          <p:cNvPr id="4098" name="Title 1"/>
           <p:cNvSpPr>
             <a:spLocks noGrp="1"/>
           </p:cNvSpPr>
@@ -7820,33 +7572,22 @@
           <a:bodyPr/>
           <a:lstStyle/>
           <a:p>
+            <a:pPr algn="ctr"/>
             <a:r>
-              <a:rPr lang="ja-JP" altLang="en-US" smtClean="0"/>
-              <a:t>アジャイル</a:t>
+              <a:rPr lang="en-US" dirty="0" smtClean="0"/>
+              <a:t>The Flavor of </a:t>
             </a:r>
             <a:r>
-              <a:rPr lang="en-US" altLang="ja-JP" smtClean="0"/>
-              <a:t> </a:t>
+              <a:rPr lang="en-US" dirty="0" err="1" smtClean="0"/>
+              <a:t>Iso</a:t>
             </a:r>
-            <a:r>
-              <a:rPr lang="ja-JP" altLang="en-US" smtClean="0"/>
-              <a:t>インセプション</a:t>
-            </a:r>
-            <a:r>
-              <a:rPr lang="en-US" altLang="ja-JP" smtClean="0"/>
-              <a:t> </a:t>
-            </a:r>
-            <a:r>
-              <a:rPr lang="ja-JP" altLang="en-US" smtClean="0"/>
-              <a:t>デッキ</a:t>
-            </a:r>
-            <a:endParaRPr lang="en-CA" smtClean="0"/>
+            <a:endParaRPr lang="en-CA" dirty="0" smtClean="0"/>
           </a:p>
         </p:txBody>
       </p:sp>
       <p:sp>
         <p:nvSpPr>
-          <p:cNvPr id="5" name="Subtitle 4"/>
+          <p:cNvPr id="3" name="Subtitle 2"/>
           <p:cNvSpPr>
             <a:spLocks noGrp="1"/>
           </p:cNvSpPr>
@@ -7870,2019 +7611,43 @@
               <a:defRPr/>
             </a:pPr>
             <a:r>
-              <a:rPr lang="ja-JP" altLang="en-US" dirty="0" smtClean="0"/>
-              <a:t>テンプレート</a:t>
+              <a:rPr lang="en-US" altLang="ja-JP" dirty="0" err="1" smtClean="0"/>
+              <a:t>Mr.Rikitake</a:t>
+            </a:r>
+            <a:r>
+              <a:rPr lang="en-US" altLang="ja-JP" dirty="0" smtClean="0"/>
+              <a:t> and SNCT</a:t>
+            </a:r>
+            <a:endParaRPr lang="en-US" altLang="ja-JP" dirty="0" smtClean="0"/>
+          </a:p>
+          <a:p>
+            <a:pPr fontAlgn="auto">
+              <a:spcAft>
+                <a:spcPts val="0"/>
+              </a:spcAft>
+              <a:buFont typeface="Arial" pitchFamily="34" charset="0"/>
+              <a:buNone/>
+              <a:defRPr/>
+            </a:pPr>
+            <a:endParaRPr lang="en-US" dirty="0"/>
+          </a:p>
+          <a:p>
+            <a:pPr fontAlgn="auto">
+              <a:spcAft>
+                <a:spcPts val="0"/>
+              </a:spcAft>
+              <a:buFont typeface="Arial" pitchFamily="34" charset="0"/>
+              <a:buNone/>
+              <a:defRPr/>
+            </a:pPr>
+            <a:r>
+              <a:rPr lang="en-US" altLang="ja-JP" dirty="0" smtClean="0"/>
+              <a:t>2012/07/02</a:t>
             </a:r>
             <a:endParaRPr lang="en-CA" dirty="0"/>
           </a:p>
         </p:txBody>
       </p:sp>
-    </p:spTree>
-  </p:cSld>
-  <p:clrMapOvr>
-    <a:masterClrMapping/>
-  </p:clrMapOvr>
-  <p:transition spd="slow"/>
-  <p:timing>
-    <p:tnLst>
-      <p:par>
-        <p:cTn id="1" dur="indefinite" restart="never" nodeType="tmRoot"/>
-      </p:par>
-    </p:tnLst>
-  </p:timing>
-</p:sld>
-</file>
-
-<file path=ppt/slides/slide10.xml><?xml version="1.0" encoding="utf-8"?>
-<p:sld xmlns:a="http://schemas.openxmlformats.org/drawingml/2006/main" xmlns:r="http://schemas.openxmlformats.org/officeDocument/2006/relationships" xmlns:p="http://schemas.openxmlformats.org/presentationml/2006/main">
-  <p:cSld>
-    <p:spTree>
-      <p:nvGrpSpPr>
-        <p:cNvPr id="1" name=""/>
-        <p:cNvGrpSpPr/>
-        <p:nvPr/>
-      </p:nvGrpSpPr>
-      <p:grpSpPr>
-        <a:xfrm>
-          <a:off x="0" y="0"/>
-          <a:ext cx="0" cy="0"/>
-          <a:chOff x="0" y="0"/>
-          <a:chExt cx="0" cy="0"/>
-        </a:xfrm>
-      </p:grpSpPr>
-      <p:sp>
-        <p:nvSpPr>
-          <p:cNvPr id="12290" name="Title 1"/>
-          <p:cNvSpPr>
-            <a:spLocks noGrp="1"/>
-          </p:cNvSpPr>
-          <p:nvPr>
-            <p:ph type="title"/>
-          </p:nvPr>
-        </p:nvSpPr>
-        <p:spPr/>
-        <p:txBody>
-          <a:bodyPr/>
-          <a:lstStyle/>
-          <a:p>
-            <a:r>
-              <a:rPr lang="en-CA" altLang="ja-JP" smtClean="0"/>
-              <a:t>A</a:t>
-            </a:r>
-            <a:r>
-              <a:rPr lang="ja-JP" altLang="en-US" smtClean="0"/>
-              <a:t>チーム</a:t>
-            </a:r>
-            <a:endParaRPr lang="en-CA" smtClean="0"/>
-          </a:p>
-        </p:txBody>
-      </p:sp>
-      <p:graphicFrame>
-        <p:nvGraphicFramePr>
-          <p:cNvPr id="4" name="Table 3"/>
-          <p:cNvGraphicFramePr>
-            <a:graphicFrameLocks noGrp="1"/>
-          </p:cNvGraphicFramePr>
-          <p:nvPr/>
-        </p:nvGraphicFramePr>
-        <p:xfrm>
-          <a:off x="685800" y="1397000"/>
-          <a:ext cx="7924800" cy="3223260"/>
-        </p:xfrm>
-        <a:graphic>
-          <a:graphicData uri="http://schemas.openxmlformats.org/drawingml/2006/table">
-            <a:tbl>
-              <a:tblPr/>
-              <a:tblGrid>
-                <a:gridCol w="609600"/>
-                <a:gridCol w="1752600"/>
-                <a:gridCol w="5562600"/>
-              </a:tblGrid>
-              <a:tr h="371475">
-                <a:tc>
-                  <a:txBody>
-                    <a:bodyPr/>
-                    <a:lstStyle/>
-                    <a:p>
-                      <a:pPr marL="0" marR="0" lvl="0" indent="0" algn="l" defTabSz="914400" rtl="0" eaLnBrk="1" fontAlgn="base" latinLnBrk="0" hangingPunct="1">
-                        <a:lnSpc>
-                          <a:spcPct val="100000"/>
-                        </a:lnSpc>
-                        <a:spcBef>
-                          <a:spcPct val="0"/>
-                        </a:spcBef>
-                        <a:spcAft>
-                          <a:spcPct val="0"/>
-                        </a:spcAft>
-                        <a:buClrTx/>
-                        <a:buSzTx/>
-                        <a:buFontTx/>
-                        <a:buNone/>
-                        <a:tabLst/>
-                      </a:pPr>
-                      <a:r>
-                        <a:rPr kumimoji="0" lang="en-CA" altLang="ja-JP" sz="2400" b="1" i="0" u="none" strike="noStrike" cap="none" normalizeH="0" baseline="0" smtClean="0">
-                          <a:ln>
-                            <a:noFill/>
-                          </a:ln>
-                          <a:solidFill>
-                            <a:srgbClr val="FFFFFF"/>
-                          </a:solidFill>
-                          <a:effectLst/>
-                          <a:latin typeface="Calibri" pitchFamily="34" charset="0"/>
-                          <a:ea typeface="ＭＳ Ｐゴシック" charset="-128"/>
-                        </a:rPr>
-                        <a:t>#</a:t>
-                      </a:r>
-                    </a:p>
-                  </a:txBody>
-                  <a:tcPr horzOverflow="overflow">
-                    <a:lnL w="12700" cap="flat" cmpd="sng" algn="ctr">
-                      <a:solidFill>
-                        <a:schemeClr val="bg1"/>
-                      </a:solidFill>
-                      <a:prstDash val="solid"/>
-                      <a:round/>
-                      <a:headEnd type="none" w="med" len="med"/>
-                      <a:tailEnd type="none" w="med" len="med"/>
-                    </a:lnL>
-                    <a:lnR w="12700" cap="flat" cmpd="sng" algn="ctr">
-                      <a:solidFill>
-                        <a:schemeClr val="bg1"/>
-                      </a:solidFill>
-                      <a:prstDash val="solid"/>
-                      <a:round/>
-                      <a:headEnd type="none" w="med" len="med"/>
-                      <a:tailEnd type="none" w="med" len="med"/>
-                    </a:lnR>
-                    <a:lnT w="12700" cap="flat" cmpd="sng" algn="ctr">
-                      <a:solidFill>
-                        <a:schemeClr val="bg1"/>
-                      </a:solidFill>
-                      <a:prstDash val="solid"/>
-                      <a:round/>
-                      <a:headEnd type="none" w="med" len="med"/>
-                      <a:tailEnd type="none" w="med" len="med"/>
-                    </a:lnT>
-                    <a:lnB w="38100" cap="flat" cmpd="sng" algn="ctr">
-                      <a:solidFill>
-                        <a:schemeClr val="bg1"/>
-                      </a:solidFill>
-                      <a:prstDash val="solid"/>
-                      <a:round/>
-                      <a:headEnd type="none" w="med" len="med"/>
-                      <a:tailEnd type="none" w="med" len="med"/>
-                    </a:lnB>
-                    <a:lnTlToBr>
-                      <a:noFill/>
-                    </a:lnTlToBr>
-                    <a:lnBlToTr>
-                      <a:noFill/>
-                    </a:lnBlToTr>
-                    <a:solidFill>
-                      <a:schemeClr val="accent1"/>
-                    </a:solidFill>
-                  </a:tcPr>
-                </a:tc>
-                <a:tc>
-                  <a:txBody>
-                    <a:bodyPr/>
-                    <a:lstStyle/>
-                    <a:p>
-                      <a:pPr marL="0" marR="0" lvl="0" indent="0" algn="l" defTabSz="914400" rtl="0" eaLnBrk="1" fontAlgn="base" latinLnBrk="0" hangingPunct="1">
-                        <a:lnSpc>
-                          <a:spcPct val="100000"/>
-                        </a:lnSpc>
-                        <a:spcBef>
-                          <a:spcPct val="0"/>
-                        </a:spcBef>
-                        <a:spcAft>
-                          <a:spcPct val="0"/>
-                        </a:spcAft>
-                        <a:buClrTx/>
-                        <a:buSzTx/>
-                        <a:buFontTx/>
-                        <a:buNone/>
-                        <a:tabLst/>
-                      </a:pPr>
-                      <a:r>
-                        <a:rPr kumimoji="0" lang="ja-JP" altLang="en-US" sz="2400" b="1" i="0" u="none" strike="noStrike" cap="none" normalizeH="0" baseline="0" smtClean="0">
-                          <a:ln>
-                            <a:noFill/>
-                          </a:ln>
-                          <a:solidFill>
-                            <a:srgbClr val="FFFFFF"/>
-                          </a:solidFill>
-                          <a:effectLst/>
-                          <a:latin typeface="Calibri" pitchFamily="34" charset="0"/>
-                          <a:ea typeface="ＭＳ Ｐゴシック" charset="-128"/>
-                        </a:rPr>
-                        <a:t>役割</a:t>
-                      </a:r>
-                      <a:endParaRPr kumimoji="0" lang="en-CA" sz="2400" b="1" i="0" u="none" strike="noStrike" cap="none" normalizeH="0" baseline="0" smtClean="0">
-                        <a:ln>
-                          <a:noFill/>
-                        </a:ln>
-                        <a:solidFill>
-                          <a:srgbClr val="FFFFFF"/>
-                        </a:solidFill>
-                        <a:effectLst/>
-                        <a:latin typeface="Calibri" pitchFamily="34" charset="0"/>
-                      </a:endParaRPr>
-                    </a:p>
-                  </a:txBody>
-                  <a:tcPr horzOverflow="overflow">
-                    <a:lnL w="12700" cap="flat" cmpd="sng" algn="ctr">
-                      <a:solidFill>
-                        <a:schemeClr val="bg1"/>
-                      </a:solidFill>
-                      <a:prstDash val="solid"/>
-                      <a:round/>
-                      <a:headEnd type="none" w="med" len="med"/>
-                      <a:tailEnd type="none" w="med" len="med"/>
-                    </a:lnL>
-                    <a:lnR w="12700" cap="flat" cmpd="sng" algn="ctr">
-                      <a:solidFill>
-                        <a:schemeClr val="bg1"/>
-                      </a:solidFill>
-                      <a:prstDash val="solid"/>
-                      <a:round/>
-                      <a:headEnd type="none" w="med" len="med"/>
-                      <a:tailEnd type="none" w="med" len="med"/>
-                    </a:lnR>
-                    <a:lnT w="12700" cap="flat" cmpd="sng" algn="ctr">
-                      <a:solidFill>
-                        <a:schemeClr val="bg1"/>
-                      </a:solidFill>
-                      <a:prstDash val="solid"/>
-                      <a:round/>
-                      <a:headEnd type="none" w="med" len="med"/>
-                      <a:tailEnd type="none" w="med" len="med"/>
-                    </a:lnT>
-                    <a:lnB w="38100" cap="flat" cmpd="sng" algn="ctr">
-                      <a:solidFill>
-                        <a:schemeClr val="bg1"/>
-                      </a:solidFill>
-                      <a:prstDash val="solid"/>
-                      <a:round/>
-                      <a:headEnd type="none" w="med" len="med"/>
-                      <a:tailEnd type="none" w="med" len="med"/>
-                    </a:lnB>
-                    <a:lnTlToBr>
-                      <a:noFill/>
-                    </a:lnTlToBr>
-                    <a:lnBlToTr>
-                      <a:noFill/>
-                    </a:lnBlToTr>
-                    <a:solidFill>
-                      <a:schemeClr val="accent1"/>
-                    </a:solidFill>
-                  </a:tcPr>
-                </a:tc>
-                <a:tc>
-                  <a:txBody>
-                    <a:bodyPr/>
-                    <a:lstStyle/>
-                    <a:p>
-                      <a:pPr marL="0" marR="0" lvl="0" indent="0" algn="l" defTabSz="914400" rtl="0" eaLnBrk="1" fontAlgn="base" latinLnBrk="0" hangingPunct="1">
-                        <a:lnSpc>
-                          <a:spcPct val="100000"/>
-                        </a:lnSpc>
-                        <a:spcBef>
-                          <a:spcPct val="0"/>
-                        </a:spcBef>
-                        <a:spcAft>
-                          <a:spcPct val="0"/>
-                        </a:spcAft>
-                        <a:buClrTx/>
-                        <a:buSzTx/>
-                        <a:buFontTx/>
-                        <a:buNone/>
-                        <a:tabLst/>
-                      </a:pPr>
-                      <a:r>
-                        <a:rPr kumimoji="0" lang="ja-JP" altLang="en-US" sz="2400" b="1" i="0" u="none" strike="noStrike" cap="none" normalizeH="0" baseline="0" smtClean="0">
-                          <a:ln>
-                            <a:noFill/>
-                          </a:ln>
-                          <a:solidFill>
-                            <a:srgbClr val="FFFFFF"/>
-                          </a:solidFill>
-                          <a:effectLst/>
-                          <a:latin typeface="Calibri" pitchFamily="34" charset="0"/>
-                          <a:ea typeface="ＭＳ Ｐゴシック" charset="-128"/>
-                        </a:rPr>
-                        <a:t>能力</a:t>
-                      </a:r>
-                      <a:r>
-                        <a:rPr kumimoji="0" lang="en-CA" altLang="ja-JP" sz="2400" b="1" i="0" u="none" strike="noStrike" cap="none" normalizeH="0" baseline="0" smtClean="0">
-                          <a:ln>
-                            <a:noFill/>
-                          </a:ln>
-                          <a:solidFill>
-                            <a:srgbClr val="FFFFFF"/>
-                          </a:solidFill>
-                          <a:effectLst/>
-                          <a:latin typeface="Calibri" pitchFamily="34" charset="0"/>
-                          <a:ea typeface="ＭＳ Ｐゴシック" charset="-128"/>
-                        </a:rPr>
-                        <a:t>/</a:t>
-                      </a:r>
-                      <a:r>
-                        <a:rPr kumimoji="0" lang="ja-JP" altLang="en-US" sz="2400" b="1" i="0" u="none" strike="noStrike" cap="none" normalizeH="0" baseline="0" smtClean="0">
-                          <a:ln>
-                            <a:noFill/>
-                          </a:ln>
-                          <a:solidFill>
-                            <a:srgbClr val="FFFFFF"/>
-                          </a:solidFill>
-                          <a:effectLst/>
-                          <a:latin typeface="Calibri" pitchFamily="34" charset="0"/>
-                          <a:ea typeface="ＭＳ Ｐゴシック" charset="-128"/>
-                        </a:rPr>
-                        <a:t>期待すること</a:t>
-                      </a:r>
-                      <a:endParaRPr kumimoji="0" lang="en-CA" sz="2400" b="1" i="0" u="none" strike="noStrike" cap="none" normalizeH="0" baseline="0" smtClean="0">
-                        <a:ln>
-                          <a:noFill/>
-                        </a:ln>
-                        <a:solidFill>
-                          <a:srgbClr val="FFFFFF"/>
-                        </a:solidFill>
-                        <a:effectLst/>
-                        <a:latin typeface="Calibri" pitchFamily="34" charset="0"/>
-                      </a:endParaRPr>
-                    </a:p>
-                  </a:txBody>
-                  <a:tcPr horzOverflow="overflow">
-                    <a:lnL w="12700" cap="flat" cmpd="sng" algn="ctr">
-                      <a:solidFill>
-                        <a:schemeClr val="bg1"/>
-                      </a:solidFill>
-                      <a:prstDash val="solid"/>
-                      <a:round/>
-                      <a:headEnd type="none" w="med" len="med"/>
-                      <a:tailEnd type="none" w="med" len="med"/>
-                    </a:lnL>
-                    <a:lnR w="12700" cap="flat" cmpd="sng" algn="ctr">
-                      <a:solidFill>
-                        <a:schemeClr val="bg1"/>
-                      </a:solidFill>
-                      <a:prstDash val="solid"/>
-                      <a:round/>
-                      <a:headEnd type="none" w="med" len="med"/>
-                      <a:tailEnd type="none" w="med" len="med"/>
-                    </a:lnR>
-                    <a:lnT w="12700" cap="flat" cmpd="sng" algn="ctr">
-                      <a:solidFill>
-                        <a:schemeClr val="bg1"/>
-                      </a:solidFill>
-                      <a:prstDash val="solid"/>
-                      <a:round/>
-                      <a:headEnd type="none" w="med" len="med"/>
-                      <a:tailEnd type="none" w="med" len="med"/>
-                    </a:lnT>
-                    <a:lnB w="38100" cap="flat" cmpd="sng" algn="ctr">
-                      <a:solidFill>
-                        <a:schemeClr val="bg1"/>
-                      </a:solidFill>
-                      <a:prstDash val="solid"/>
-                      <a:round/>
-                      <a:headEnd type="none" w="med" len="med"/>
-                      <a:tailEnd type="none" w="med" len="med"/>
-                    </a:lnB>
-                    <a:lnTlToBr>
-                      <a:noFill/>
-                    </a:lnTlToBr>
-                    <a:lnBlToTr>
-                      <a:noFill/>
-                    </a:lnBlToTr>
-                    <a:solidFill>
-                      <a:schemeClr val="accent1"/>
-                    </a:solidFill>
-                  </a:tcPr>
-                </a:tc>
-              </a:tr>
-              <a:tr h="371475">
-                <a:tc>
-                  <a:txBody>
-                    <a:bodyPr/>
-                    <a:lstStyle/>
-                    <a:p>
-                      <a:pPr marL="0" marR="0" lvl="0" indent="0" algn="l" defTabSz="914400" rtl="0" eaLnBrk="1" fontAlgn="base" latinLnBrk="0" hangingPunct="1">
-                        <a:lnSpc>
-                          <a:spcPct val="100000"/>
-                        </a:lnSpc>
-                        <a:spcBef>
-                          <a:spcPct val="0"/>
-                        </a:spcBef>
-                        <a:spcAft>
-                          <a:spcPct val="0"/>
-                        </a:spcAft>
-                        <a:buClrTx/>
-                        <a:buSzTx/>
-                        <a:buFontTx/>
-                        <a:buNone/>
-                        <a:tabLst/>
-                      </a:pPr>
-                      <a:r>
-                        <a:rPr kumimoji="0" lang="en-CA" altLang="ja-JP" sz="1800" b="0" i="0" u="none" strike="noStrike" cap="none" normalizeH="0" baseline="0" smtClean="0">
-                          <a:ln>
-                            <a:noFill/>
-                          </a:ln>
-                          <a:solidFill>
-                            <a:srgbClr val="000000"/>
-                          </a:solidFill>
-                          <a:effectLst/>
-                          <a:latin typeface="Calibri" pitchFamily="34" charset="0"/>
-                          <a:ea typeface="ＭＳ Ｐゴシック" charset="-128"/>
-                        </a:rPr>
-                        <a:t>1</a:t>
-                      </a:r>
-                    </a:p>
-                  </a:txBody>
-                  <a:tcPr horzOverflow="overflow">
-                    <a:lnL w="12700" cap="flat" cmpd="sng" algn="ctr">
-                      <a:solidFill>
-                        <a:schemeClr val="bg1"/>
-                      </a:solidFill>
-                      <a:prstDash val="solid"/>
-                      <a:round/>
-                      <a:headEnd type="none" w="med" len="med"/>
-                      <a:tailEnd type="none" w="med" len="med"/>
-                    </a:lnL>
-                    <a:lnR w="12700" cap="flat" cmpd="sng" algn="ctr">
-                      <a:solidFill>
-                        <a:schemeClr val="bg1"/>
-                      </a:solidFill>
-                      <a:prstDash val="solid"/>
-                      <a:round/>
-                      <a:headEnd type="none" w="med" len="med"/>
-                      <a:tailEnd type="none" w="med" len="med"/>
-                    </a:lnR>
-                    <a:lnT w="38100" cap="flat" cmpd="sng" algn="ctr">
-                      <a:solidFill>
-                        <a:schemeClr val="bg1"/>
-                      </a:solidFill>
-                      <a:prstDash val="solid"/>
-                      <a:round/>
-                      <a:headEnd type="none" w="med" len="med"/>
-                      <a:tailEnd type="none" w="med" len="med"/>
-                    </a:lnT>
-                    <a:lnB w="12700" cap="flat" cmpd="sng" algn="ctr">
-                      <a:solidFill>
-                        <a:schemeClr val="bg1"/>
-                      </a:solidFill>
-                      <a:prstDash val="solid"/>
-                      <a:round/>
-                      <a:headEnd type="none" w="med" len="med"/>
-                      <a:tailEnd type="none" w="med" len="med"/>
-                    </a:lnB>
-                    <a:lnTlToBr>
-                      <a:noFill/>
-                    </a:lnTlToBr>
-                    <a:lnBlToTr>
-                      <a:noFill/>
-                    </a:lnBlToTr>
-                    <a:solidFill>
-                      <a:srgbClr val="D0D8E8"/>
-                    </a:solidFill>
-                  </a:tcPr>
-                </a:tc>
-                <a:tc>
-                  <a:txBody>
-                    <a:bodyPr/>
-                    <a:lstStyle/>
-                    <a:p>
-                      <a:pPr marL="0" marR="0" lvl="0" indent="0" algn="l" defTabSz="914400" rtl="0" eaLnBrk="1" fontAlgn="base" latinLnBrk="0" hangingPunct="1">
-                        <a:lnSpc>
-                          <a:spcPct val="100000"/>
-                        </a:lnSpc>
-                        <a:spcBef>
-                          <a:spcPct val="0"/>
-                        </a:spcBef>
-                        <a:spcAft>
-                          <a:spcPct val="0"/>
-                        </a:spcAft>
-                        <a:buClrTx/>
-                        <a:buSzTx/>
-                        <a:buFontTx/>
-                        <a:buNone/>
-                        <a:tabLst/>
-                      </a:pPr>
-                      <a:r>
-                        <a:rPr kumimoji="0" lang="ja-JP" altLang="en-US" sz="1800" b="0" i="0" u="none" strike="noStrike" cap="none" normalizeH="0" baseline="0" smtClean="0">
-                          <a:ln>
-                            <a:noFill/>
-                          </a:ln>
-                          <a:solidFill>
-                            <a:srgbClr val="000000"/>
-                          </a:solidFill>
-                          <a:effectLst/>
-                          <a:latin typeface="Calibri" pitchFamily="34" charset="0"/>
-                          <a:ea typeface="ＭＳ Ｐゴシック" charset="-128"/>
-                        </a:rPr>
-                        <a:t>リーダー</a:t>
-                      </a:r>
-                      <a:endParaRPr kumimoji="0" lang="en-CA" sz="1800" b="0" i="0" u="none" strike="noStrike" cap="none" normalizeH="0" baseline="0" smtClean="0">
-                        <a:ln>
-                          <a:noFill/>
-                        </a:ln>
-                        <a:solidFill>
-                          <a:srgbClr val="000000"/>
-                        </a:solidFill>
-                        <a:effectLst/>
-                        <a:latin typeface="Calibri" pitchFamily="34" charset="0"/>
-                      </a:endParaRPr>
-                    </a:p>
-                  </a:txBody>
-                  <a:tcPr horzOverflow="overflow">
-                    <a:lnL w="12700" cap="flat" cmpd="sng" algn="ctr">
-                      <a:solidFill>
-                        <a:schemeClr val="bg1"/>
-                      </a:solidFill>
-                      <a:prstDash val="solid"/>
-                      <a:round/>
-                      <a:headEnd type="none" w="med" len="med"/>
-                      <a:tailEnd type="none" w="med" len="med"/>
-                    </a:lnL>
-                    <a:lnR w="12700" cap="flat" cmpd="sng" algn="ctr">
-                      <a:solidFill>
-                        <a:schemeClr val="bg1"/>
-                      </a:solidFill>
-                      <a:prstDash val="solid"/>
-                      <a:round/>
-                      <a:headEnd type="none" w="med" len="med"/>
-                      <a:tailEnd type="none" w="med" len="med"/>
-                    </a:lnR>
-                    <a:lnT w="38100" cap="flat" cmpd="sng" algn="ctr">
-                      <a:solidFill>
-                        <a:schemeClr val="bg1"/>
-                      </a:solidFill>
-                      <a:prstDash val="solid"/>
-                      <a:round/>
-                      <a:headEnd type="none" w="med" len="med"/>
-                      <a:tailEnd type="none" w="med" len="med"/>
-                    </a:lnT>
-                    <a:lnB w="12700" cap="flat" cmpd="sng" algn="ctr">
-                      <a:solidFill>
-                        <a:schemeClr val="bg1"/>
-                      </a:solidFill>
-                      <a:prstDash val="solid"/>
-                      <a:round/>
-                      <a:headEnd type="none" w="med" len="med"/>
-                      <a:tailEnd type="none" w="med" len="med"/>
-                    </a:lnB>
-                    <a:lnTlToBr>
-                      <a:noFill/>
-                    </a:lnTlToBr>
-                    <a:lnBlToTr>
-                      <a:noFill/>
-                    </a:lnBlToTr>
-                    <a:solidFill>
-                      <a:srgbClr val="D0D8E8"/>
-                    </a:solidFill>
-                  </a:tcPr>
-                </a:tc>
-                <a:tc>
-                  <a:txBody>
-                    <a:bodyPr/>
-                    <a:lstStyle/>
-                    <a:p>
-                      <a:pPr marL="0" marR="0" lvl="0" indent="0" algn="l" defTabSz="914400" rtl="0" eaLnBrk="1" fontAlgn="base" latinLnBrk="0" hangingPunct="1">
-                        <a:lnSpc>
-                          <a:spcPct val="100000"/>
-                        </a:lnSpc>
-                        <a:spcBef>
-                          <a:spcPct val="0"/>
-                        </a:spcBef>
-                        <a:spcAft>
-                          <a:spcPct val="0"/>
-                        </a:spcAft>
-                        <a:buClrTx/>
-                        <a:buSzTx/>
-                        <a:buFontTx/>
-                        <a:buNone/>
-                        <a:tabLst/>
-                      </a:pPr>
-                      <a:r>
-                        <a:rPr kumimoji="0" lang="ja-JP" altLang="en-US" sz="1800" b="0" i="0" u="none" strike="noStrike" cap="none" normalizeH="0" baseline="0" smtClean="0">
-                          <a:ln>
-                            <a:noFill/>
-                          </a:ln>
-                          <a:solidFill>
-                            <a:srgbClr val="000000"/>
-                          </a:solidFill>
-                          <a:effectLst/>
-                          <a:latin typeface="Calibri" pitchFamily="34" charset="0"/>
-                          <a:ea typeface="ＭＳ Ｐゴシック" charset="-128"/>
-                        </a:rPr>
-                        <a:t>チームの牽引すること。また、チームメンバーと同等の能力。</a:t>
-                      </a:r>
-                      <a:endParaRPr kumimoji="0" lang="en-CA" sz="1800" b="0" i="0" u="none" strike="noStrike" cap="none" normalizeH="0" baseline="0" smtClean="0">
-                        <a:ln>
-                          <a:noFill/>
-                        </a:ln>
-                        <a:solidFill>
-                          <a:srgbClr val="000000"/>
-                        </a:solidFill>
-                        <a:effectLst/>
-                        <a:latin typeface="Calibri" pitchFamily="34" charset="0"/>
-                      </a:endParaRPr>
-                    </a:p>
-                  </a:txBody>
-                  <a:tcPr horzOverflow="overflow">
-                    <a:lnL w="12700" cap="flat" cmpd="sng" algn="ctr">
-                      <a:solidFill>
-                        <a:schemeClr val="bg1"/>
-                      </a:solidFill>
-                      <a:prstDash val="solid"/>
-                      <a:round/>
-                      <a:headEnd type="none" w="med" len="med"/>
-                      <a:tailEnd type="none" w="med" len="med"/>
-                    </a:lnL>
-                    <a:lnR w="12700" cap="flat" cmpd="sng" algn="ctr">
-                      <a:solidFill>
-                        <a:schemeClr val="bg1"/>
-                      </a:solidFill>
-                      <a:prstDash val="solid"/>
-                      <a:round/>
-                      <a:headEnd type="none" w="med" len="med"/>
-                      <a:tailEnd type="none" w="med" len="med"/>
-                    </a:lnR>
-                    <a:lnT w="38100" cap="flat" cmpd="sng" algn="ctr">
-                      <a:solidFill>
-                        <a:schemeClr val="bg1"/>
-                      </a:solidFill>
-                      <a:prstDash val="solid"/>
-                      <a:round/>
-                      <a:headEnd type="none" w="med" len="med"/>
-                      <a:tailEnd type="none" w="med" len="med"/>
-                    </a:lnT>
-                    <a:lnB w="12700" cap="flat" cmpd="sng" algn="ctr">
-                      <a:solidFill>
-                        <a:schemeClr val="bg1"/>
-                      </a:solidFill>
-                      <a:prstDash val="solid"/>
-                      <a:round/>
-                      <a:headEnd type="none" w="med" len="med"/>
-                      <a:tailEnd type="none" w="med" len="med"/>
-                    </a:lnB>
-                    <a:lnTlToBr>
-                      <a:noFill/>
-                    </a:lnTlToBr>
-                    <a:lnBlToTr>
-                      <a:noFill/>
-                    </a:lnBlToTr>
-                    <a:solidFill>
-                      <a:srgbClr val="D0D8E8"/>
-                    </a:solidFill>
-                  </a:tcPr>
-                </a:tc>
-              </a:tr>
-              <a:tr h="371475">
-                <a:tc>
-                  <a:txBody>
-                    <a:bodyPr/>
-                    <a:lstStyle/>
-                    <a:p>
-                      <a:pPr marL="0" marR="0" lvl="0" indent="0" algn="l" defTabSz="914400" rtl="0" eaLnBrk="1" fontAlgn="base" latinLnBrk="0" hangingPunct="1">
-                        <a:lnSpc>
-                          <a:spcPct val="100000"/>
-                        </a:lnSpc>
-                        <a:spcBef>
-                          <a:spcPct val="0"/>
-                        </a:spcBef>
-                        <a:spcAft>
-                          <a:spcPct val="0"/>
-                        </a:spcAft>
-                        <a:buClrTx/>
-                        <a:buSzTx/>
-                        <a:buFontTx/>
-                        <a:buNone/>
-                        <a:tabLst/>
-                      </a:pPr>
-                      <a:r>
-                        <a:rPr kumimoji="0" lang="en-CA" altLang="ja-JP" sz="1800" b="0" i="0" u="none" strike="noStrike" cap="none" normalizeH="0" baseline="0" smtClean="0">
-                          <a:ln>
-                            <a:noFill/>
-                          </a:ln>
-                          <a:solidFill>
-                            <a:srgbClr val="000000"/>
-                          </a:solidFill>
-                          <a:effectLst/>
-                          <a:latin typeface="Calibri" pitchFamily="34" charset="0"/>
-                          <a:ea typeface="ＭＳ Ｐゴシック" charset="-128"/>
-                        </a:rPr>
-                        <a:t>2</a:t>
-                      </a:r>
-                    </a:p>
-                  </a:txBody>
-                  <a:tcPr horzOverflow="overflow">
-                    <a:lnL w="12700" cap="flat" cmpd="sng" algn="ctr">
-                      <a:solidFill>
-                        <a:schemeClr val="bg1"/>
-                      </a:solidFill>
-                      <a:prstDash val="solid"/>
-                      <a:round/>
-                      <a:headEnd type="none" w="med" len="med"/>
-                      <a:tailEnd type="none" w="med" len="med"/>
-                    </a:lnL>
-                    <a:lnR w="12700" cap="flat" cmpd="sng" algn="ctr">
-                      <a:solidFill>
-                        <a:schemeClr val="bg1"/>
-                      </a:solidFill>
-                      <a:prstDash val="solid"/>
-                      <a:round/>
-                      <a:headEnd type="none" w="med" len="med"/>
-                      <a:tailEnd type="none" w="med" len="med"/>
-                    </a:lnR>
-                    <a:lnT w="12700" cap="flat" cmpd="sng" algn="ctr">
-                      <a:solidFill>
-                        <a:schemeClr val="bg1"/>
-                      </a:solidFill>
-                      <a:prstDash val="solid"/>
-                      <a:round/>
-                      <a:headEnd type="none" w="med" len="med"/>
-                      <a:tailEnd type="none" w="med" len="med"/>
-                    </a:lnT>
-                    <a:lnB w="12700" cap="flat" cmpd="sng" algn="ctr">
-                      <a:solidFill>
-                        <a:schemeClr val="bg1"/>
-                      </a:solidFill>
-                      <a:prstDash val="solid"/>
-                      <a:round/>
-                      <a:headEnd type="none" w="med" len="med"/>
-                      <a:tailEnd type="none" w="med" len="med"/>
-                    </a:lnB>
-                    <a:lnTlToBr>
-                      <a:noFill/>
-                    </a:lnTlToBr>
-                    <a:lnBlToTr>
-                      <a:noFill/>
-                    </a:lnBlToTr>
-                    <a:solidFill>
-                      <a:srgbClr val="E9EDF4"/>
-                    </a:solidFill>
-                  </a:tcPr>
-                </a:tc>
-                <a:tc>
-                  <a:txBody>
-                    <a:bodyPr/>
-                    <a:lstStyle/>
-                    <a:p>
-                      <a:pPr marL="0" marR="0" lvl="0" indent="0" algn="l" defTabSz="914400" rtl="0" eaLnBrk="1" fontAlgn="base" latinLnBrk="0" hangingPunct="1">
-                        <a:lnSpc>
-                          <a:spcPct val="100000"/>
-                        </a:lnSpc>
-                        <a:spcBef>
-                          <a:spcPct val="0"/>
-                        </a:spcBef>
-                        <a:spcAft>
-                          <a:spcPct val="0"/>
-                        </a:spcAft>
-                        <a:buClrTx/>
-                        <a:buSzTx/>
-                        <a:buFontTx/>
-                        <a:buNone/>
-                        <a:tabLst/>
-                      </a:pPr>
-                      <a:r>
-                        <a:rPr kumimoji="0" lang="ja-JP" altLang="en-US" sz="1800" b="0" i="0" u="none" strike="noStrike" cap="none" normalizeH="0" baseline="0" smtClean="0">
-                          <a:ln>
-                            <a:noFill/>
-                          </a:ln>
-                          <a:solidFill>
-                            <a:srgbClr val="000000"/>
-                          </a:solidFill>
-                          <a:effectLst/>
-                          <a:latin typeface="Calibri" pitchFamily="34" charset="0"/>
-                          <a:ea typeface="ＭＳ Ｐゴシック" charset="-128"/>
-                        </a:rPr>
-                        <a:t>チームメンバー</a:t>
-                      </a:r>
-                      <a:endParaRPr kumimoji="0" lang="en-CA" sz="1800" b="0" i="0" u="none" strike="noStrike" cap="none" normalizeH="0" baseline="0" smtClean="0">
-                        <a:ln>
-                          <a:noFill/>
-                        </a:ln>
-                        <a:solidFill>
-                          <a:srgbClr val="000000"/>
-                        </a:solidFill>
-                        <a:effectLst/>
-                        <a:latin typeface="Calibri" pitchFamily="34" charset="0"/>
-                      </a:endParaRPr>
-                    </a:p>
-                  </a:txBody>
-                  <a:tcPr horzOverflow="overflow">
-                    <a:lnL w="12700" cap="flat" cmpd="sng" algn="ctr">
-                      <a:solidFill>
-                        <a:schemeClr val="bg1"/>
-                      </a:solidFill>
-                      <a:prstDash val="solid"/>
-                      <a:round/>
-                      <a:headEnd type="none" w="med" len="med"/>
-                      <a:tailEnd type="none" w="med" len="med"/>
-                    </a:lnL>
-                    <a:lnR w="12700" cap="flat" cmpd="sng" algn="ctr">
-                      <a:solidFill>
-                        <a:schemeClr val="bg1"/>
-                      </a:solidFill>
-                      <a:prstDash val="solid"/>
-                      <a:round/>
-                      <a:headEnd type="none" w="med" len="med"/>
-                      <a:tailEnd type="none" w="med" len="med"/>
-                    </a:lnR>
-                    <a:lnT w="12700" cap="flat" cmpd="sng" algn="ctr">
-                      <a:solidFill>
-                        <a:schemeClr val="bg1"/>
-                      </a:solidFill>
-                      <a:prstDash val="solid"/>
-                      <a:round/>
-                      <a:headEnd type="none" w="med" len="med"/>
-                      <a:tailEnd type="none" w="med" len="med"/>
-                    </a:lnT>
-                    <a:lnB w="12700" cap="flat" cmpd="sng" algn="ctr">
-                      <a:solidFill>
-                        <a:schemeClr val="bg1"/>
-                      </a:solidFill>
-                      <a:prstDash val="solid"/>
-                      <a:round/>
-                      <a:headEnd type="none" w="med" len="med"/>
-                      <a:tailEnd type="none" w="med" len="med"/>
-                    </a:lnB>
-                    <a:lnTlToBr>
-                      <a:noFill/>
-                    </a:lnTlToBr>
-                    <a:lnBlToTr>
-                      <a:noFill/>
-                    </a:lnBlToTr>
-                    <a:solidFill>
-                      <a:srgbClr val="E9EDF4"/>
-                    </a:solidFill>
-                  </a:tcPr>
-                </a:tc>
-                <a:tc>
-                  <a:txBody>
-                    <a:bodyPr/>
-                    <a:lstStyle/>
-                    <a:p>
-                      <a:pPr marL="0" marR="0" lvl="0" indent="0" algn="l" defTabSz="914400" rtl="0" eaLnBrk="1" fontAlgn="base" latinLnBrk="0" hangingPunct="1">
-                        <a:lnSpc>
-                          <a:spcPct val="100000"/>
-                        </a:lnSpc>
-                        <a:spcBef>
-                          <a:spcPct val="0"/>
-                        </a:spcBef>
-                        <a:spcAft>
-                          <a:spcPct val="0"/>
-                        </a:spcAft>
-                        <a:buClrTx/>
-                        <a:buSzTx/>
-                        <a:buFontTx/>
-                        <a:buNone/>
-                        <a:tabLst/>
-                      </a:pPr>
-                      <a:r>
-                        <a:rPr kumimoji="0" lang="en-CA" altLang="ja-JP" sz="1800" b="0" i="0" u="none" strike="noStrike" cap="none" normalizeH="0" baseline="0" smtClean="0">
-                          <a:ln>
-                            <a:noFill/>
-                          </a:ln>
-                          <a:solidFill>
-                            <a:srgbClr val="000000"/>
-                          </a:solidFill>
-                          <a:effectLst/>
-                          <a:latin typeface="Calibri" pitchFamily="34" charset="0"/>
-                          <a:ea typeface="ＭＳ Ｐゴシック" charset="-128"/>
-                        </a:rPr>
-                        <a:t>C</a:t>
-                      </a:r>
-                      <a:r>
-                        <a:rPr kumimoji="0" lang="ja-JP" altLang="en-US" sz="1800" b="0" i="0" u="none" strike="noStrike" cap="none" normalizeH="0" baseline="0" smtClean="0">
-                          <a:ln>
-                            <a:noFill/>
-                          </a:ln>
-                          <a:solidFill>
-                            <a:srgbClr val="000000"/>
-                          </a:solidFill>
-                          <a:effectLst/>
-                          <a:latin typeface="Calibri" pitchFamily="34" charset="0"/>
-                          <a:ea typeface="ＭＳ Ｐゴシック" charset="-128"/>
-                        </a:rPr>
-                        <a:t>（プログラミング）</a:t>
-                      </a:r>
-                      <a:r>
-                        <a:rPr kumimoji="0" lang="en-CA" altLang="ja-JP" sz="1800" b="0" i="0" u="none" strike="noStrike" cap="none" normalizeH="0" baseline="0" smtClean="0">
-                          <a:ln>
-                            <a:noFill/>
-                          </a:ln>
-                          <a:solidFill>
-                            <a:srgbClr val="000000"/>
-                          </a:solidFill>
-                          <a:effectLst/>
-                          <a:latin typeface="Calibri" pitchFamily="34" charset="0"/>
-                          <a:ea typeface="ＭＳ Ｐゴシック" charset="-128"/>
-                        </a:rPr>
-                        <a:t>,UML</a:t>
-                      </a:r>
-                      <a:r>
-                        <a:rPr kumimoji="0" lang="ja-JP" altLang="en-US" sz="1800" b="0" i="0" u="none" strike="noStrike" cap="none" normalizeH="0" baseline="0" smtClean="0">
-                          <a:ln>
-                            <a:noFill/>
-                          </a:ln>
-                          <a:solidFill>
-                            <a:srgbClr val="000000"/>
-                          </a:solidFill>
-                          <a:effectLst/>
-                          <a:latin typeface="Calibri" pitchFamily="34" charset="0"/>
-                          <a:ea typeface="ＭＳ Ｐゴシック" charset="-128"/>
-                        </a:rPr>
-                        <a:t>（モデリングデザイン）</a:t>
-                      </a:r>
-                      <a:r>
-                        <a:rPr kumimoji="0" lang="en-CA" altLang="ja-JP" sz="1800" b="0" i="0" u="none" strike="noStrike" cap="none" normalizeH="0" baseline="0" smtClean="0">
-                          <a:ln>
-                            <a:noFill/>
-                          </a:ln>
-                          <a:solidFill>
-                            <a:srgbClr val="000000"/>
-                          </a:solidFill>
-                          <a:effectLst/>
-                          <a:latin typeface="Calibri" pitchFamily="34" charset="0"/>
-                          <a:ea typeface="ＭＳ Ｐゴシック" charset="-128"/>
-                        </a:rPr>
-                        <a:t>,</a:t>
-                      </a:r>
-                      <a:r>
-                        <a:rPr kumimoji="0" lang="ja-JP" altLang="en-US" sz="1800" b="0" i="0" u="none" strike="noStrike" cap="none" normalizeH="0" baseline="0" smtClean="0">
-                          <a:ln>
-                            <a:noFill/>
-                          </a:ln>
-                          <a:solidFill>
-                            <a:srgbClr val="000000"/>
-                          </a:solidFill>
-                          <a:effectLst/>
-                          <a:latin typeface="Calibri" pitchFamily="34" charset="0"/>
-                          <a:ea typeface="ＭＳ Ｐゴシック" charset="-128"/>
-                        </a:rPr>
-                        <a:t>デザイン、コミュニケーション能力、積極性、</a:t>
-                      </a:r>
-                      <a:endParaRPr kumimoji="0" lang="en-CA" sz="1800" b="0" i="0" u="none" strike="noStrike" cap="none" normalizeH="0" baseline="0" smtClean="0">
-                        <a:ln>
-                          <a:noFill/>
-                        </a:ln>
-                        <a:solidFill>
-                          <a:srgbClr val="000000"/>
-                        </a:solidFill>
-                        <a:effectLst/>
-                        <a:latin typeface="Calibri" pitchFamily="34" charset="0"/>
-                      </a:endParaRPr>
-                    </a:p>
-                  </a:txBody>
-                  <a:tcPr horzOverflow="overflow">
-                    <a:lnL w="12700" cap="flat" cmpd="sng" algn="ctr">
-                      <a:solidFill>
-                        <a:schemeClr val="bg1"/>
-                      </a:solidFill>
-                      <a:prstDash val="solid"/>
-                      <a:round/>
-                      <a:headEnd type="none" w="med" len="med"/>
-                      <a:tailEnd type="none" w="med" len="med"/>
-                    </a:lnL>
-                    <a:lnR w="12700" cap="flat" cmpd="sng" algn="ctr">
-                      <a:solidFill>
-                        <a:schemeClr val="bg1"/>
-                      </a:solidFill>
-                      <a:prstDash val="solid"/>
-                      <a:round/>
-                      <a:headEnd type="none" w="med" len="med"/>
-                      <a:tailEnd type="none" w="med" len="med"/>
-                    </a:lnR>
-                    <a:lnT w="12700" cap="flat" cmpd="sng" algn="ctr">
-                      <a:solidFill>
-                        <a:schemeClr val="bg1"/>
-                      </a:solidFill>
-                      <a:prstDash val="solid"/>
-                      <a:round/>
-                      <a:headEnd type="none" w="med" len="med"/>
-                      <a:tailEnd type="none" w="med" len="med"/>
-                    </a:lnT>
-                    <a:lnB w="12700" cap="flat" cmpd="sng" algn="ctr">
-                      <a:solidFill>
-                        <a:schemeClr val="bg1"/>
-                      </a:solidFill>
-                      <a:prstDash val="solid"/>
-                      <a:round/>
-                      <a:headEnd type="none" w="med" len="med"/>
-                      <a:tailEnd type="none" w="med" len="med"/>
-                    </a:lnB>
-                    <a:lnTlToBr>
-                      <a:noFill/>
-                    </a:lnTlToBr>
-                    <a:lnBlToTr>
-                      <a:noFill/>
-                    </a:lnBlToTr>
-                    <a:solidFill>
-                      <a:srgbClr val="E9EDF4"/>
-                    </a:solidFill>
-                  </a:tcPr>
-                </a:tc>
-              </a:tr>
-              <a:tr h="371475">
-                <a:tc>
-                  <a:txBody>
-                    <a:bodyPr/>
-                    <a:lstStyle/>
-                    <a:p>
-                      <a:pPr marL="0" marR="0" lvl="0" indent="0" algn="l" defTabSz="914400" rtl="0" eaLnBrk="1" fontAlgn="base" latinLnBrk="0" hangingPunct="1">
-                        <a:lnSpc>
-                          <a:spcPct val="100000"/>
-                        </a:lnSpc>
-                        <a:spcBef>
-                          <a:spcPct val="0"/>
-                        </a:spcBef>
-                        <a:spcAft>
-                          <a:spcPct val="0"/>
-                        </a:spcAft>
-                        <a:buClrTx/>
-                        <a:buSzTx/>
-                        <a:buFontTx/>
-                        <a:buNone/>
-                        <a:tabLst/>
-                      </a:pPr>
-                      <a:endParaRPr kumimoji="0" lang="en-CA" altLang="ja-JP" sz="1800" b="0" i="0" u="none" strike="noStrike" cap="none" normalizeH="0" baseline="0" smtClean="0">
-                        <a:ln>
-                          <a:noFill/>
-                        </a:ln>
-                        <a:solidFill>
-                          <a:srgbClr val="000000"/>
-                        </a:solidFill>
-                        <a:effectLst/>
-                        <a:latin typeface="Calibri" pitchFamily="34" charset="0"/>
-                        <a:ea typeface="ＭＳ Ｐゴシック" charset="-128"/>
-                      </a:endParaRPr>
-                    </a:p>
-                  </a:txBody>
-                  <a:tcPr horzOverflow="overflow">
-                    <a:lnL w="12700" cap="flat" cmpd="sng" algn="ctr">
-                      <a:solidFill>
-                        <a:schemeClr val="bg1"/>
-                      </a:solidFill>
-                      <a:prstDash val="solid"/>
-                      <a:round/>
-                      <a:headEnd type="none" w="med" len="med"/>
-                      <a:tailEnd type="none" w="med" len="med"/>
-                    </a:lnL>
-                    <a:lnR w="12700" cap="flat" cmpd="sng" algn="ctr">
-                      <a:solidFill>
-                        <a:schemeClr val="bg1"/>
-                      </a:solidFill>
-                      <a:prstDash val="solid"/>
-                      <a:round/>
-                      <a:headEnd type="none" w="med" len="med"/>
-                      <a:tailEnd type="none" w="med" len="med"/>
-                    </a:lnR>
-                    <a:lnT w="12700" cap="flat" cmpd="sng" algn="ctr">
-                      <a:solidFill>
-                        <a:schemeClr val="bg1"/>
-                      </a:solidFill>
-                      <a:prstDash val="solid"/>
-                      <a:round/>
-                      <a:headEnd type="none" w="med" len="med"/>
-                      <a:tailEnd type="none" w="med" len="med"/>
-                    </a:lnT>
-                    <a:lnB w="12700" cap="flat" cmpd="sng" algn="ctr">
-                      <a:solidFill>
-                        <a:schemeClr val="bg1"/>
-                      </a:solidFill>
-                      <a:prstDash val="solid"/>
-                      <a:round/>
-                      <a:headEnd type="none" w="med" len="med"/>
-                      <a:tailEnd type="none" w="med" len="med"/>
-                    </a:lnB>
-                    <a:lnTlToBr>
-                      <a:noFill/>
-                    </a:lnTlToBr>
-                    <a:lnBlToTr>
-                      <a:noFill/>
-                    </a:lnBlToTr>
-                    <a:solidFill>
-                      <a:srgbClr val="D0D8E8"/>
-                    </a:solidFill>
-                  </a:tcPr>
-                </a:tc>
-                <a:tc>
-                  <a:txBody>
-                    <a:bodyPr/>
-                    <a:lstStyle/>
-                    <a:p>
-                      <a:pPr marL="0" marR="0" lvl="0" indent="0" algn="l" defTabSz="914400" rtl="0" eaLnBrk="1" fontAlgn="base" latinLnBrk="0" hangingPunct="1">
-                        <a:lnSpc>
-                          <a:spcPct val="100000"/>
-                        </a:lnSpc>
-                        <a:spcBef>
-                          <a:spcPct val="0"/>
-                        </a:spcBef>
-                        <a:spcAft>
-                          <a:spcPct val="0"/>
-                        </a:spcAft>
-                        <a:buClrTx/>
-                        <a:buSzTx/>
-                        <a:buFontTx/>
-                        <a:buNone/>
-                        <a:tabLst/>
-                      </a:pPr>
-                      <a:endParaRPr kumimoji="0" lang="en-CA" altLang="ja-JP" sz="1800" b="0" i="0" u="none" strike="noStrike" cap="none" normalizeH="0" baseline="0" smtClean="0">
-                        <a:ln>
-                          <a:noFill/>
-                        </a:ln>
-                        <a:solidFill>
-                          <a:srgbClr val="000000"/>
-                        </a:solidFill>
-                        <a:effectLst/>
-                        <a:latin typeface="Calibri" pitchFamily="34" charset="0"/>
-                        <a:ea typeface="ＭＳ Ｐゴシック" charset="-128"/>
-                      </a:endParaRPr>
-                    </a:p>
-                  </a:txBody>
-                  <a:tcPr horzOverflow="overflow">
-                    <a:lnL w="12700" cap="flat" cmpd="sng" algn="ctr">
-                      <a:solidFill>
-                        <a:schemeClr val="bg1"/>
-                      </a:solidFill>
-                      <a:prstDash val="solid"/>
-                      <a:round/>
-                      <a:headEnd type="none" w="med" len="med"/>
-                      <a:tailEnd type="none" w="med" len="med"/>
-                    </a:lnL>
-                    <a:lnR w="12700" cap="flat" cmpd="sng" algn="ctr">
-                      <a:solidFill>
-                        <a:schemeClr val="bg1"/>
-                      </a:solidFill>
-                      <a:prstDash val="solid"/>
-                      <a:round/>
-                      <a:headEnd type="none" w="med" len="med"/>
-                      <a:tailEnd type="none" w="med" len="med"/>
-                    </a:lnR>
-                    <a:lnT w="12700" cap="flat" cmpd="sng" algn="ctr">
-                      <a:solidFill>
-                        <a:schemeClr val="bg1"/>
-                      </a:solidFill>
-                      <a:prstDash val="solid"/>
-                      <a:round/>
-                      <a:headEnd type="none" w="med" len="med"/>
-                      <a:tailEnd type="none" w="med" len="med"/>
-                    </a:lnT>
-                    <a:lnB w="12700" cap="flat" cmpd="sng" algn="ctr">
-                      <a:solidFill>
-                        <a:schemeClr val="bg1"/>
-                      </a:solidFill>
-                      <a:prstDash val="solid"/>
-                      <a:round/>
-                      <a:headEnd type="none" w="med" len="med"/>
-                      <a:tailEnd type="none" w="med" len="med"/>
-                    </a:lnB>
-                    <a:lnTlToBr>
-                      <a:noFill/>
-                    </a:lnTlToBr>
-                    <a:lnBlToTr>
-                      <a:noFill/>
-                    </a:lnBlToTr>
-                    <a:solidFill>
-                      <a:srgbClr val="D0D8E8"/>
-                    </a:solidFill>
-                  </a:tcPr>
-                </a:tc>
-                <a:tc>
-                  <a:txBody>
-                    <a:bodyPr/>
-                    <a:lstStyle/>
-                    <a:p>
-                      <a:pPr marL="0" marR="0" lvl="0" indent="0" algn="l" defTabSz="914400" rtl="0" eaLnBrk="1" fontAlgn="base" latinLnBrk="0" hangingPunct="1">
-                        <a:lnSpc>
-                          <a:spcPct val="100000"/>
-                        </a:lnSpc>
-                        <a:spcBef>
-                          <a:spcPct val="0"/>
-                        </a:spcBef>
-                        <a:spcAft>
-                          <a:spcPct val="0"/>
-                        </a:spcAft>
-                        <a:buClrTx/>
-                        <a:buSzTx/>
-                        <a:buFontTx/>
-                        <a:buNone/>
-                        <a:tabLst/>
-                      </a:pPr>
-                      <a:endParaRPr kumimoji="0" lang="en-CA" altLang="ja-JP" sz="1800" b="0" i="0" u="none" strike="noStrike" cap="none" normalizeH="0" baseline="0" smtClean="0">
-                        <a:ln>
-                          <a:noFill/>
-                        </a:ln>
-                        <a:solidFill>
-                          <a:srgbClr val="000000"/>
-                        </a:solidFill>
-                        <a:effectLst/>
-                        <a:latin typeface="Calibri" pitchFamily="34" charset="0"/>
-                        <a:ea typeface="ＭＳ Ｐゴシック" charset="-128"/>
-                      </a:endParaRPr>
-                    </a:p>
-                  </a:txBody>
-                  <a:tcPr horzOverflow="overflow">
-                    <a:lnL w="12700" cap="flat" cmpd="sng" algn="ctr">
-                      <a:solidFill>
-                        <a:schemeClr val="bg1"/>
-                      </a:solidFill>
-                      <a:prstDash val="solid"/>
-                      <a:round/>
-                      <a:headEnd type="none" w="med" len="med"/>
-                      <a:tailEnd type="none" w="med" len="med"/>
-                    </a:lnL>
-                    <a:lnR w="12700" cap="flat" cmpd="sng" algn="ctr">
-                      <a:solidFill>
-                        <a:schemeClr val="bg1"/>
-                      </a:solidFill>
-                      <a:prstDash val="solid"/>
-                      <a:round/>
-                      <a:headEnd type="none" w="med" len="med"/>
-                      <a:tailEnd type="none" w="med" len="med"/>
-                    </a:lnR>
-                    <a:lnT w="12700" cap="flat" cmpd="sng" algn="ctr">
-                      <a:solidFill>
-                        <a:schemeClr val="bg1"/>
-                      </a:solidFill>
-                      <a:prstDash val="solid"/>
-                      <a:round/>
-                      <a:headEnd type="none" w="med" len="med"/>
-                      <a:tailEnd type="none" w="med" len="med"/>
-                    </a:lnT>
-                    <a:lnB w="12700" cap="flat" cmpd="sng" algn="ctr">
-                      <a:solidFill>
-                        <a:schemeClr val="bg1"/>
-                      </a:solidFill>
-                      <a:prstDash val="solid"/>
-                      <a:round/>
-                      <a:headEnd type="none" w="med" len="med"/>
-                      <a:tailEnd type="none" w="med" len="med"/>
-                    </a:lnB>
-                    <a:lnTlToBr>
-                      <a:noFill/>
-                    </a:lnTlToBr>
-                    <a:lnBlToTr>
-                      <a:noFill/>
-                    </a:lnBlToTr>
-                    <a:solidFill>
-                      <a:srgbClr val="D0D8E8"/>
-                    </a:solidFill>
-                  </a:tcPr>
-                </a:tc>
-              </a:tr>
-              <a:tr h="371475">
-                <a:tc>
-                  <a:txBody>
-                    <a:bodyPr/>
-                    <a:lstStyle/>
-                    <a:p>
-                      <a:pPr marL="0" marR="0" lvl="0" indent="0" algn="l" defTabSz="914400" rtl="0" eaLnBrk="1" fontAlgn="base" latinLnBrk="0" hangingPunct="1">
-                        <a:lnSpc>
-                          <a:spcPct val="100000"/>
-                        </a:lnSpc>
-                        <a:spcBef>
-                          <a:spcPct val="0"/>
-                        </a:spcBef>
-                        <a:spcAft>
-                          <a:spcPct val="0"/>
-                        </a:spcAft>
-                        <a:buClrTx/>
-                        <a:buSzTx/>
-                        <a:buFontTx/>
-                        <a:buNone/>
-                        <a:tabLst/>
-                      </a:pPr>
-                      <a:endParaRPr kumimoji="0" lang="en-CA" altLang="ja-JP" sz="1800" b="0" i="0" u="none" strike="noStrike" cap="none" normalizeH="0" baseline="0" smtClean="0">
-                        <a:ln>
-                          <a:noFill/>
-                        </a:ln>
-                        <a:solidFill>
-                          <a:srgbClr val="000000"/>
-                        </a:solidFill>
-                        <a:effectLst/>
-                        <a:latin typeface="Calibri" pitchFamily="34" charset="0"/>
-                        <a:ea typeface="ＭＳ Ｐゴシック" charset="-128"/>
-                      </a:endParaRPr>
-                    </a:p>
-                  </a:txBody>
-                  <a:tcPr horzOverflow="overflow">
-                    <a:lnL w="12700" cap="flat" cmpd="sng" algn="ctr">
-                      <a:solidFill>
-                        <a:schemeClr val="bg1"/>
-                      </a:solidFill>
-                      <a:prstDash val="solid"/>
-                      <a:round/>
-                      <a:headEnd type="none" w="med" len="med"/>
-                      <a:tailEnd type="none" w="med" len="med"/>
-                    </a:lnL>
-                    <a:lnR w="12700" cap="flat" cmpd="sng" algn="ctr">
-                      <a:solidFill>
-                        <a:schemeClr val="bg1"/>
-                      </a:solidFill>
-                      <a:prstDash val="solid"/>
-                      <a:round/>
-                      <a:headEnd type="none" w="med" len="med"/>
-                      <a:tailEnd type="none" w="med" len="med"/>
-                    </a:lnR>
-                    <a:lnT w="12700" cap="flat" cmpd="sng" algn="ctr">
-                      <a:solidFill>
-                        <a:schemeClr val="bg1"/>
-                      </a:solidFill>
-                      <a:prstDash val="solid"/>
-                      <a:round/>
-                      <a:headEnd type="none" w="med" len="med"/>
-                      <a:tailEnd type="none" w="med" len="med"/>
-                    </a:lnT>
-                    <a:lnB w="12700" cap="flat" cmpd="sng" algn="ctr">
-                      <a:solidFill>
-                        <a:schemeClr val="bg1"/>
-                      </a:solidFill>
-                      <a:prstDash val="solid"/>
-                      <a:round/>
-                      <a:headEnd type="none" w="med" len="med"/>
-                      <a:tailEnd type="none" w="med" len="med"/>
-                    </a:lnB>
-                    <a:lnTlToBr>
-                      <a:noFill/>
-                    </a:lnTlToBr>
-                    <a:lnBlToTr>
-                      <a:noFill/>
-                    </a:lnBlToTr>
-                    <a:solidFill>
-                      <a:srgbClr val="E9EDF4"/>
-                    </a:solidFill>
-                  </a:tcPr>
-                </a:tc>
-                <a:tc>
-                  <a:txBody>
-                    <a:bodyPr/>
-                    <a:lstStyle/>
-                    <a:p>
-                      <a:pPr marL="0" marR="0" lvl="0" indent="0" algn="l" defTabSz="914400" rtl="0" eaLnBrk="1" fontAlgn="base" latinLnBrk="0" hangingPunct="1">
-                        <a:lnSpc>
-                          <a:spcPct val="100000"/>
-                        </a:lnSpc>
-                        <a:spcBef>
-                          <a:spcPct val="0"/>
-                        </a:spcBef>
-                        <a:spcAft>
-                          <a:spcPct val="0"/>
-                        </a:spcAft>
-                        <a:buClrTx/>
-                        <a:buSzTx/>
-                        <a:buFontTx/>
-                        <a:buNone/>
-                        <a:tabLst/>
-                      </a:pPr>
-                      <a:endParaRPr kumimoji="0" lang="en-CA" altLang="ja-JP" sz="1800" b="0" i="0" u="none" strike="noStrike" cap="none" normalizeH="0" baseline="0" smtClean="0">
-                        <a:ln>
-                          <a:noFill/>
-                        </a:ln>
-                        <a:solidFill>
-                          <a:srgbClr val="000000"/>
-                        </a:solidFill>
-                        <a:effectLst/>
-                        <a:latin typeface="Calibri" pitchFamily="34" charset="0"/>
-                        <a:ea typeface="ＭＳ Ｐゴシック" charset="-128"/>
-                      </a:endParaRPr>
-                    </a:p>
-                  </a:txBody>
-                  <a:tcPr horzOverflow="overflow">
-                    <a:lnL w="12700" cap="flat" cmpd="sng" algn="ctr">
-                      <a:solidFill>
-                        <a:schemeClr val="bg1"/>
-                      </a:solidFill>
-                      <a:prstDash val="solid"/>
-                      <a:round/>
-                      <a:headEnd type="none" w="med" len="med"/>
-                      <a:tailEnd type="none" w="med" len="med"/>
-                    </a:lnL>
-                    <a:lnR w="12700" cap="flat" cmpd="sng" algn="ctr">
-                      <a:solidFill>
-                        <a:schemeClr val="bg1"/>
-                      </a:solidFill>
-                      <a:prstDash val="solid"/>
-                      <a:round/>
-                      <a:headEnd type="none" w="med" len="med"/>
-                      <a:tailEnd type="none" w="med" len="med"/>
-                    </a:lnR>
-                    <a:lnT w="12700" cap="flat" cmpd="sng" algn="ctr">
-                      <a:solidFill>
-                        <a:schemeClr val="bg1"/>
-                      </a:solidFill>
-                      <a:prstDash val="solid"/>
-                      <a:round/>
-                      <a:headEnd type="none" w="med" len="med"/>
-                      <a:tailEnd type="none" w="med" len="med"/>
-                    </a:lnT>
-                    <a:lnB w="12700" cap="flat" cmpd="sng" algn="ctr">
-                      <a:solidFill>
-                        <a:schemeClr val="bg1"/>
-                      </a:solidFill>
-                      <a:prstDash val="solid"/>
-                      <a:round/>
-                      <a:headEnd type="none" w="med" len="med"/>
-                      <a:tailEnd type="none" w="med" len="med"/>
-                    </a:lnB>
-                    <a:lnTlToBr>
-                      <a:noFill/>
-                    </a:lnTlToBr>
-                    <a:lnBlToTr>
-                      <a:noFill/>
-                    </a:lnBlToTr>
-                    <a:solidFill>
-                      <a:srgbClr val="E9EDF4"/>
-                    </a:solidFill>
-                  </a:tcPr>
-                </a:tc>
-                <a:tc>
-                  <a:txBody>
-                    <a:bodyPr/>
-                    <a:lstStyle/>
-                    <a:p>
-                      <a:pPr marL="0" marR="0" lvl="0" indent="0" algn="l" defTabSz="914400" rtl="0" eaLnBrk="1" fontAlgn="base" latinLnBrk="0" hangingPunct="1">
-                        <a:lnSpc>
-                          <a:spcPct val="100000"/>
-                        </a:lnSpc>
-                        <a:spcBef>
-                          <a:spcPct val="0"/>
-                        </a:spcBef>
-                        <a:spcAft>
-                          <a:spcPct val="0"/>
-                        </a:spcAft>
-                        <a:buClrTx/>
-                        <a:buSzTx/>
-                        <a:buFontTx/>
-                        <a:buNone/>
-                        <a:tabLst/>
-                      </a:pPr>
-                      <a:endParaRPr kumimoji="0" lang="en-CA" altLang="ja-JP" sz="1800" b="0" i="0" u="none" strike="noStrike" cap="none" normalizeH="0" baseline="0" smtClean="0">
-                        <a:ln>
-                          <a:noFill/>
-                        </a:ln>
-                        <a:solidFill>
-                          <a:srgbClr val="000000"/>
-                        </a:solidFill>
-                        <a:effectLst/>
-                        <a:latin typeface="Calibri" pitchFamily="34" charset="0"/>
-                        <a:ea typeface="ＭＳ Ｐゴシック" charset="-128"/>
-                      </a:endParaRPr>
-                    </a:p>
-                  </a:txBody>
-                  <a:tcPr horzOverflow="overflow">
-                    <a:lnL w="12700" cap="flat" cmpd="sng" algn="ctr">
-                      <a:solidFill>
-                        <a:schemeClr val="bg1"/>
-                      </a:solidFill>
-                      <a:prstDash val="solid"/>
-                      <a:round/>
-                      <a:headEnd type="none" w="med" len="med"/>
-                      <a:tailEnd type="none" w="med" len="med"/>
-                    </a:lnL>
-                    <a:lnR w="12700" cap="flat" cmpd="sng" algn="ctr">
-                      <a:solidFill>
-                        <a:schemeClr val="bg1"/>
-                      </a:solidFill>
-                      <a:prstDash val="solid"/>
-                      <a:round/>
-                      <a:headEnd type="none" w="med" len="med"/>
-                      <a:tailEnd type="none" w="med" len="med"/>
-                    </a:lnR>
-                    <a:lnT w="12700" cap="flat" cmpd="sng" algn="ctr">
-                      <a:solidFill>
-                        <a:schemeClr val="bg1"/>
-                      </a:solidFill>
-                      <a:prstDash val="solid"/>
-                      <a:round/>
-                      <a:headEnd type="none" w="med" len="med"/>
-                      <a:tailEnd type="none" w="med" len="med"/>
-                    </a:lnT>
-                    <a:lnB w="12700" cap="flat" cmpd="sng" algn="ctr">
-                      <a:solidFill>
-                        <a:schemeClr val="bg1"/>
-                      </a:solidFill>
-                      <a:prstDash val="solid"/>
-                      <a:round/>
-                      <a:headEnd type="none" w="med" len="med"/>
-                      <a:tailEnd type="none" w="med" len="med"/>
-                    </a:lnB>
-                    <a:lnTlToBr>
-                      <a:noFill/>
-                    </a:lnTlToBr>
-                    <a:lnBlToTr>
-                      <a:noFill/>
-                    </a:lnBlToTr>
-                    <a:solidFill>
-                      <a:srgbClr val="E9EDF4"/>
-                    </a:solidFill>
-                  </a:tcPr>
-                </a:tc>
-              </a:tr>
-              <a:tr h="371475">
-                <a:tc>
-                  <a:txBody>
-                    <a:bodyPr/>
-                    <a:lstStyle/>
-                    <a:p>
-                      <a:pPr marL="0" marR="0" lvl="0" indent="0" algn="l" defTabSz="914400" rtl="0" eaLnBrk="1" fontAlgn="base" latinLnBrk="0" hangingPunct="1">
-                        <a:lnSpc>
-                          <a:spcPct val="100000"/>
-                        </a:lnSpc>
-                        <a:spcBef>
-                          <a:spcPct val="0"/>
-                        </a:spcBef>
-                        <a:spcAft>
-                          <a:spcPct val="0"/>
-                        </a:spcAft>
-                        <a:buClrTx/>
-                        <a:buSzTx/>
-                        <a:buFontTx/>
-                        <a:buNone/>
-                        <a:tabLst/>
-                      </a:pPr>
-                      <a:endParaRPr kumimoji="0" lang="en-CA" altLang="ja-JP" sz="1800" b="0" i="0" u="none" strike="noStrike" cap="none" normalizeH="0" baseline="0" smtClean="0">
-                        <a:ln>
-                          <a:noFill/>
-                        </a:ln>
-                        <a:solidFill>
-                          <a:srgbClr val="000000"/>
-                        </a:solidFill>
-                        <a:effectLst/>
-                        <a:latin typeface="Calibri" pitchFamily="34" charset="0"/>
-                        <a:ea typeface="ＭＳ Ｐゴシック" charset="-128"/>
-                      </a:endParaRPr>
-                    </a:p>
-                  </a:txBody>
-                  <a:tcPr horzOverflow="overflow">
-                    <a:lnL w="12700" cap="flat" cmpd="sng" algn="ctr">
-                      <a:solidFill>
-                        <a:schemeClr val="bg1"/>
-                      </a:solidFill>
-                      <a:prstDash val="solid"/>
-                      <a:round/>
-                      <a:headEnd type="none" w="med" len="med"/>
-                      <a:tailEnd type="none" w="med" len="med"/>
-                    </a:lnL>
-                    <a:lnR w="12700" cap="flat" cmpd="sng" algn="ctr">
-                      <a:solidFill>
-                        <a:schemeClr val="bg1"/>
-                      </a:solidFill>
-                      <a:prstDash val="solid"/>
-                      <a:round/>
-                      <a:headEnd type="none" w="med" len="med"/>
-                      <a:tailEnd type="none" w="med" len="med"/>
-                    </a:lnR>
-                    <a:lnT w="12700" cap="flat" cmpd="sng" algn="ctr">
-                      <a:solidFill>
-                        <a:schemeClr val="bg1"/>
-                      </a:solidFill>
-                      <a:prstDash val="solid"/>
-                      <a:round/>
-                      <a:headEnd type="none" w="med" len="med"/>
-                      <a:tailEnd type="none" w="med" len="med"/>
-                    </a:lnT>
-                    <a:lnB w="12700" cap="flat" cmpd="sng" algn="ctr">
-                      <a:solidFill>
-                        <a:schemeClr val="bg1"/>
-                      </a:solidFill>
-                      <a:prstDash val="solid"/>
-                      <a:round/>
-                      <a:headEnd type="none" w="med" len="med"/>
-                      <a:tailEnd type="none" w="med" len="med"/>
-                    </a:lnB>
-                    <a:lnTlToBr>
-                      <a:noFill/>
-                    </a:lnTlToBr>
-                    <a:lnBlToTr>
-                      <a:noFill/>
-                    </a:lnBlToTr>
-                    <a:solidFill>
-                      <a:srgbClr val="D0D8E8"/>
-                    </a:solidFill>
-                  </a:tcPr>
-                </a:tc>
-                <a:tc>
-                  <a:txBody>
-                    <a:bodyPr/>
-                    <a:lstStyle/>
-                    <a:p>
-                      <a:pPr marL="0" marR="0" lvl="0" indent="0" algn="l" defTabSz="914400" rtl="0" eaLnBrk="1" fontAlgn="base" latinLnBrk="0" hangingPunct="1">
-                        <a:lnSpc>
-                          <a:spcPct val="100000"/>
-                        </a:lnSpc>
-                        <a:spcBef>
-                          <a:spcPct val="0"/>
-                        </a:spcBef>
-                        <a:spcAft>
-                          <a:spcPct val="0"/>
-                        </a:spcAft>
-                        <a:buClrTx/>
-                        <a:buSzTx/>
-                        <a:buFontTx/>
-                        <a:buNone/>
-                        <a:tabLst/>
-                      </a:pPr>
-                      <a:endParaRPr kumimoji="0" lang="en-CA" altLang="ja-JP" sz="1800" b="0" i="0" u="none" strike="noStrike" cap="none" normalizeH="0" baseline="0" smtClean="0">
-                        <a:ln>
-                          <a:noFill/>
-                        </a:ln>
-                        <a:solidFill>
-                          <a:srgbClr val="000000"/>
-                        </a:solidFill>
-                        <a:effectLst/>
-                        <a:latin typeface="Calibri" pitchFamily="34" charset="0"/>
-                        <a:ea typeface="ＭＳ Ｐゴシック" charset="-128"/>
-                      </a:endParaRPr>
-                    </a:p>
-                  </a:txBody>
-                  <a:tcPr horzOverflow="overflow">
-                    <a:lnL w="12700" cap="flat" cmpd="sng" algn="ctr">
-                      <a:solidFill>
-                        <a:schemeClr val="bg1"/>
-                      </a:solidFill>
-                      <a:prstDash val="solid"/>
-                      <a:round/>
-                      <a:headEnd type="none" w="med" len="med"/>
-                      <a:tailEnd type="none" w="med" len="med"/>
-                    </a:lnL>
-                    <a:lnR w="12700" cap="flat" cmpd="sng" algn="ctr">
-                      <a:solidFill>
-                        <a:schemeClr val="bg1"/>
-                      </a:solidFill>
-                      <a:prstDash val="solid"/>
-                      <a:round/>
-                      <a:headEnd type="none" w="med" len="med"/>
-                      <a:tailEnd type="none" w="med" len="med"/>
-                    </a:lnR>
-                    <a:lnT w="12700" cap="flat" cmpd="sng" algn="ctr">
-                      <a:solidFill>
-                        <a:schemeClr val="bg1"/>
-                      </a:solidFill>
-                      <a:prstDash val="solid"/>
-                      <a:round/>
-                      <a:headEnd type="none" w="med" len="med"/>
-                      <a:tailEnd type="none" w="med" len="med"/>
-                    </a:lnT>
-                    <a:lnB w="12700" cap="flat" cmpd="sng" algn="ctr">
-                      <a:solidFill>
-                        <a:schemeClr val="bg1"/>
-                      </a:solidFill>
-                      <a:prstDash val="solid"/>
-                      <a:round/>
-                      <a:headEnd type="none" w="med" len="med"/>
-                      <a:tailEnd type="none" w="med" len="med"/>
-                    </a:lnB>
-                    <a:lnTlToBr>
-                      <a:noFill/>
-                    </a:lnTlToBr>
-                    <a:lnBlToTr>
-                      <a:noFill/>
-                    </a:lnBlToTr>
-                    <a:solidFill>
-                      <a:srgbClr val="D0D8E8"/>
-                    </a:solidFill>
-                  </a:tcPr>
-                </a:tc>
-                <a:tc>
-                  <a:txBody>
-                    <a:bodyPr/>
-                    <a:lstStyle/>
-                    <a:p>
-                      <a:pPr marL="0" marR="0" lvl="0" indent="0" algn="l" defTabSz="914400" rtl="0" eaLnBrk="1" fontAlgn="base" latinLnBrk="0" hangingPunct="1">
-                        <a:lnSpc>
-                          <a:spcPct val="100000"/>
-                        </a:lnSpc>
-                        <a:spcBef>
-                          <a:spcPct val="0"/>
-                        </a:spcBef>
-                        <a:spcAft>
-                          <a:spcPct val="0"/>
-                        </a:spcAft>
-                        <a:buClrTx/>
-                        <a:buSzTx/>
-                        <a:buFontTx/>
-                        <a:buNone/>
-                        <a:tabLst/>
-                      </a:pPr>
-                      <a:endParaRPr kumimoji="0" lang="en-CA" altLang="ja-JP" sz="1800" b="0" i="0" u="none" strike="noStrike" cap="none" normalizeH="0" baseline="0" smtClean="0">
-                        <a:ln>
-                          <a:noFill/>
-                        </a:ln>
-                        <a:solidFill>
-                          <a:srgbClr val="000000"/>
-                        </a:solidFill>
-                        <a:effectLst/>
-                        <a:latin typeface="Calibri" pitchFamily="34" charset="0"/>
-                        <a:ea typeface="ＭＳ Ｐゴシック" charset="-128"/>
-                      </a:endParaRPr>
-                    </a:p>
-                  </a:txBody>
-                  <a:tcPr horzOverflow="overflow">
-                    <a:lnL w="12700" cap="flat" cmpd="sng" algn="ctr">
-                      <a:solidFill>
-                        <a:schemeClr val="bg1"/>
-                      </a:solidFill>
-                      <a:prstDash val="solid"/>
-                      <a:round/>
-                      <a:headEnd type="none" w="med" len="med"/>
-                      <a:tailEnd type="none" w="med" len="med"/>
-                    </a:lnL>
-                    <a:lnR w="12700" cap="flat" cmpd="sng" algn="ctr">
-                      <a:solidFill>
-                        <a:schemeClr val="bg1"/>
-                      </a:solidFill>
-                      <a:prstDash val="solid"/>
-                      <a:round/>
-                      <a:headEnd type="none" w="med" len="med"/>
-                      <a:tailEnd type="none" w="med" len="med"/>
-                    </a:lnR>
-                    <a:lnT w="12700" cap="flat" cmpd="sng" algn="ctr">
-                      <a:solidFill>
-                        <a:schemeClr val="bg1"/>
-                      </a:solidFill>
-                      <a:prstDash val="solid"/>
-                      <a:round/>
-                      <a:headEnd type="none" w="med" len="med"/>
-                      <a:tailEnd type="none" w="med" len="med"/>
-                    </a:lnT>
-                    <a:lnB w="12700" cap="flat" cmpd="sng" algn="ctr">
-                      <a:solidFill>
-                        <a:schemeClr val="bg1"/>
-                      </a:solidFill>
-                      <a:prstDash val="solid"/>
-                      <a:round/>
-                      <a:headEnd type="none" w="med" len="med"/>
-                      <a:tailEnd type="none" w="med" len="med"/>
-                    </a:lnB>
-                    <a:lnTlToBr>
-                      <a:noFill/>
-                    </a:lnTlToBr>
-                    <a:lnBlToTr>
-                      <a:noFill/>
-                    </a:lnBlToTr>
-                    <a:solidFill>
-                      <a:srgbClr val="D0D8E8"/>
-                    </a:solidFill>
-                  </a:tcPr>
-                </a:tc>
-              </a:tr>
-              <a:tr h="371475">
-                <a:tc>
-                  <a:txBody>
-                    <a:bodyPr/>
-                    <a:lstStyle/>
-                    <a:p>
-                      <a:pPr marL="0" marR="0" lvl="0" indent="0" algn="l" defTabSz="914400" rtl="0" eaLnBrk="1" fontAlgn="base" latinLnBrk="0" hangingPunct="1">
-                        <a:lnSpc>
-                          <a:spcPct val="100000"/>
-                        </a:lnSpc>
-                        <a:spcBef>
-                          <a:spcPct val="0"/>
-                        </a:spcBef>
-                        <a:spcAft>
-                          <a:spcPct val="0"/>
-                        </a:spcAft>
-                        <a:buClrTx/>
-                        <a:buSzTx/>
-                        <a:buFontTx/>
-                        <a:buNone/>
-                        <a:tabLst/>
-                      </a:pPr>
-                      <a:endParaRPr kumimoji="0" lang="en-CA" altLang="ja-JP" sz="1800" b="0" i="0" u="none" strike="noStrike" cap="none" normalizeH="0" baseline="0" smtClean="0">
-                        <a:ln>
-                          <a:noFill/>
-                        </a:ln>
-                        <a:solidFill>
-                          <a:srgbClr val="000000"/>
-                        </a:solidFill>
-                        <a:effectLst/>
-                        <a:latin typeface="Calibri" pitchFamily="34" charset="0"/>
-                        <a:ea typeface="ＭＳ Ｐゴシック" charset="-128"/>
-                      </a:endParaRPr>
-                    </a:p>
-                  </a:txBody>
-                  <a:tcPr horzOverflow="overflow">
-                    <a:lnL w="12700" cap="flat" cmpd="sng" algn="ctr">
-                      <a:solidFill>
-                        <a:schemeClr val="bg1"/>
-                      </a:solidFill>
-                      <a:prstDash val="solid"/>
-                      <a:round/>
-                      <a:headEnd type="none" w="med" len="med"/>
-                      <a:tailEnd type="none" w="med" len="med"/>
-                    </a:lnL>
-                    <a:lnR w="12700" cap="flat" cmpd="sng" algn="ctr">
-                      <a:solidFill>
-                        <a:schemeClr val="bg1"/>
-                      </a:solidFill>
-                      <a:prstDash val="solid"/>
-                      <a:round/>
-                      <a:headEnd type="none" w="med" len="med"/>
-                      <a:tailEnd type="none" w="med" len="med"/>
-                    </a:lnR>
-                    <a:lnT w="12700" cap="flat" cmpd="sng" algn="ctr">
-                      <a:solidFill>
-                        <a:schemeClr val="bg1"/>
-                      </a:solidFill>
-                      <a:prstDash val="solid"/>
-                      <a:round/>
-                      <a:headEnd type="none" w="med" len="med"/>
-                      <a:tailEnd type="none" w="med" len="med"/>
-                    </a:lnT>
-                    <a:lnB w="12700" cap="flat" cmpd="sng" algn="ctr">
-                      <a:solidFill>
-                        <a:schemeClr val="bg1"/>
-                      </a:solidFill>
-                      <a:prstDash val="solid"/>
-                      <a:round/>
-                      <a:headEnd type="none" w="med" len="med"/>
-                      <a:tailEnd type="none" w="med" len="med"/>
-                    </a:lnB>
-                    <a:lnTlToBr>
-                      <a:noFill/>
-                    </a:lnTlToBr>
-                    <a:lnBlToTr>
-                      <a:noFill/>
-                    </a:lnBlToTr>
-                    <a:solidFill>
-                      <a:srgbClr val="E9EDF4"/>
-                    </a:solidFill>
-                  </a:tcPr>
-                </a:tc>
-                <a:tc>
-                  <a:txBody>
-                    <a:bodyPr/>
-                    <a:lstStyle/>
-                    <a:p>
-                      <a:pPr marL="0" marR="0" lvl="0" indent="0" algn="l" defTabSz="914400" rtl="0" eaLnBrk="1" fontAlgn="base" latinLnBrk="0" hangingPunct="1">
-                        <a:lnSpc>
-                          <a:spcPct val="100000"/>
-                        </a:lnSpc>
-                        <a:spcBef>
-                          <a:spcPct val="0"/>
-                        </a:spcBef>
-                        <a:spcAft>
-                          <a:spcPct val="0"/>
-                        </a:spcAft>
-                        <a:buClrTx/>
-                        <a:buSzTx/>
-                        <a:buFontTx/>
-                        <a:buNone/>
-                        <a:tabLst/>
-                      </a:pPr>
-                      <a:endParaRPr kumimoji="0" lang="en-CA" altLang="ja-JP" sz="1800" b="0" i="0" u="none" strike="noStrike" cap="none" normalizeH="0" baseline="0" smtClean="0">
-                        <a:ln>
-                          <a:noFill/>
-                        </a:ln>
-                        <a:solidFill>
-                          <a:srgbClr val="000000"/>
-                        </a:solidFill>
-                        <a:effectLst/>
-                        <a:latin typeface="Calibri" pitchFamily="34" charset="0"/>
-                        <a:ea typeface="ＭＳ Ｐゴシック" charset="-128"/>
-                      </a:endParaRPr>
-                    </a:p>
-                  </a:txBody>
-                  <a:tcPr horzOverflow="overflow">
-                    <a:lnL w="12700" cap="flat" cmpd="sng" algn="ctr">
-                      <a:solidFill>
-                        <a:schemeClr val="bg1"/>
-                      </a:solidFill>
-                      <a:prstDash val="solid"/>
-                      <a:round/>
-                      <a:headEnd type="none" w="med" len="med"/>
-                      <a:tailEnd type="none" w="med" len="med"/>
-                    </a:lnL>
-                    <a:lnR w="12700" cap="flat" cmpd="sng" algn="ctr">
-                      <a:solidFill>
-                        <a:schemeClr val="bg1"/>
-                      </a:solidFill>
-                      <a:prstDash val="solid"/>
-                      <a:round/>
-                      <a:headEnd type="none" w="med" len="med"/>
-                      <a:tailEnd type="none" w="med" len="med"/>
-                    </a:lnR>
-                    <a:lnT w="12700" cap="flat" cmpd="sng" algn="ctr">
-                      <a:solidFill>
-                        <a:schemeClr val="bg1"/>
-                      </a:solidFill>
-                      <a:prstDash val="solid"/>
-                      <a:round/>
-                      <a:headEnd type="none" w="med" len="med"/>
-                      <a:tailEnd type="none" w="med" len="med"/>
-                    </a:lnT>
-                    <a:lnB w="12700" cap="flat" cmpd="sng" algn="ctr">
-                      <a:solidFill>
-                        <a:schemeClr val="bg1"/>
-                      </a:solidFill>
-                      <a:prstDash val="solid"/>
-                      <a:round/>
-                      <a:headEnd type="none" w="med" len="med"/>
-                      <a:tailEnd type="none" w="med" len="med"/>
-                    </a:lnB>
-                    <a:lnTlToBr>
-                      <a:noFill/>
-                    </a:lnTlToBr>
-                    <a:lnBlToTr>
-                      <a:noFill/>
-                    </a:lnBlToTr>
-                    <a:solidFill>
-                      <a:srgbClr val="E9EDF4"/>
-                    </a:solidFill>
-                  </a:tcPr>
-                </a:tc>
-                <a:tc>
-                  <a:txBody>
-                    <a:bodyPr/>
-                    <a:lstStyle/>
-                    <a:p>
-                      <a:pPr marL="0" marR="0" lvl="0" indent="0" algn="l" defTabSz="914400" rtl="0" eaLnBrk="1" fontAlgn="base" latinLnBrk="0" hangingPunct="1">
-                        <a:lnSpc>
-                          <a:spcPct val="100000"/>
-                        </a:lnSpc>
-                        <a:spcBef>
-                          <a:spcPct val="0"/>
-                        </a:spcBef>
-                        <a:spcAft>
-                          <a:spcPct val="0"/>
-                        </a:spcAft>
-                        <a:buClrTx/>
-                        <a:buSzTx/>
-                        <a:buFontTx/>
-                        <a:buNone/>
-                        <a:tabLst/>
-                      </a:pPr>
-                      <a:endParaRPr kumimoji="0" lang="en-CA" altLang="ja-JP" sz="1800" b="0" i="0" u="none" strike="noStrike" cap="none" normalizeH="0" baseline="0" smtClean="0">
-                        <a:ln>
-                          <a:noFill/>
-                        </a:ln>
-                        <a:solidFill>
-                          <a:srgbClr val="000000"/>
-                        </a:solidFill>
-                        <a:effectLst/>
-                        <a:latin typeface="Calibri" pitchFamily="34" charset="0"/>
-                        <a:ea typeface="ＭＳ Ｐゴシック" charset="-128"/>
-                      </a:endParaRPr>
-                    </a:p>
-                  </a:txBody>
-                  <a:tcPr horzOverflow="overflow">
-                    <a:lnL w="12700" cap="flat" cmpd="sng" algn="ctr">
-                      <a:solidFill>
-                        <a:schemeClr val="bg1"/>
-                      </a:solidFill>
-                      <a:prstDash val="solid"/>
-                      <a:round/>
-                      <a:headEnd type="none" w="med" len="med"/>
-                      <a:tailEnd type="none" w="med" len="med"/>
-                    </a:lnL>
-                    <a:lnR w="12700" cap="flat" cmpd="sng" algn="ctr">
-                      <a:solidFill>
-                        <a:schemeClr val="bg1"/>
-                      </a:solidFill>
-                      <a:prstDash val="solid"/>
-                      <a:round/>
-                      <a:headEnd type="none" w="med" len="med"/>
-                      <a:tailEnd type="none" w="med" len="med"/>
-                    </a:lnR>
-                    <a:lnT w="12700" cap="flat" cmpd="sng" algn="ctr">
-                      <a:solidFill>
-                        <a:schemeClr val="bg1"/>
-                      </a:solidFill>
-                      <a:prstDash val="solid"/>
-                      <a:round/>
-                      <a:headEnd type="none" w="med" len="med"/>
-                      <a:tailEnd type="none" w="med" len="med"/>
-                    </a:lnT>
-                    <a:lnB w="12700" cap="flat" cmpd="sng" algn="ctr">
-                      <a:solidFill>
-                        <a:schemeClr val="bg1"/>
-                      </a:solidFill>
-                      <a:prstDash val="solid"/>
-                      <a:round/>
-                      <a:headEnd type="none" w="med" len="med"/>
-                      <a:tailEnd type="none" w="med" len="med"/>
-                    </a:lnB>
-                    <a:lnTlToBr>
-                      <a:noFill/>
-                    </a:lnTlToBr>
-                    <a:lnBlToTr>
-                      <a:noFill/>
-                    </a:lnBlToTr>
-                    <a:solidFill>
-                      <a:srgbClr val="E9EDF4"/>
-                    </a:solidFill>
-                  </a:tcPr>
-                </a:tc>
-              </a:tr>
-            </a:tbl>
-          </a:graphicData>
-        </a:graphic>
-      </p:graphicFrame>
     </p:spTree>
   </p:cSld>
   <p:clrMapOvr>
@@ -9898,7 +7663,7 @@
 </p:sld>
 </file>
 
-<file path=ppt/slides/slide11.xml><?xml version="1.0" encoding="utf-8"?>
+<file path=ppt/slides/slide10.xml><?xml version="1.0" encoding="utf-8"?>
 <p:sld xmlns:a="http://schemas.openxmlformats.org/drawingml/2006/main" xmlns:r="http://schemas.openxmlformats.org/officeDocument/2006/relationships" xmlns:p="http://schemas.openxmlformats.org/presentationml/2006/main">
   <p:cSld>
     <p:spTree>
@@ -9931,10 +7696,10 @@
           <a:lstStyle/>
           <a:p>
             <a:r>
-              <a:rPr lang="ja-JP" altLang="en-US" smtClean="0"/>
-              <a:t>どのくらい大きいのか？</a:t>
+              <a:rPr lang="en-US" dirty="0" smtClean="0"/>
+              <a:t>How Big?</a:t>
             </a:r>
-            <a:endParaRPr lang="en-CA" smtClean="0"/>
+            <a:endParaRPr lang="en-CA" dirty="0" smtClean="0"/>
           </a:p>
         </p:txBody>
       </p:sp>
@@ -11638,7 +9403,7 @@
 </p:sld>
 </file>
 
-<file path=ppt/slides/slide12.xml><?xml version="1.0" encoding="utf-8"?>
+<file path=ppt/slides/slide11.xml><?xml version="1.0" encoding="utf-8"?>
 <p:sld xmlns:a="http://schemas.openxmlformats.org/drawingml/2006/main" xmlns:r="http://schemas.openxmlformats.org/officeDocument/2006/relationships" xmlns:p="http://schemas.openxmlformats.org/presentationml/2006/main">
   <p:cSld>
     <p:spTree>
@@ -11723,10 +9488,10 @@
           <a:lstStyle/>
           <a:p>
             <a:r>
-              <a:rPr lang="ja-JP" altLang="en-US" smtClean="0"/>
-              <a:t>トレードオフ　スライダー</a:t>
+              <a:rPr lang="en-US" dirty="0" smtClean="0"/>
+              <a:t>Tradeoff Slider</a:t>
             </a:r>
-            <a:endParaRPr lang="en-CA" smtClean="0"/>
+            <a:endParaRPr lang="en-CA" dirty="0" smtClean="0"/>
           </a:p>
         </p:txBody>
       </p:sp>
@@ -17528,7 +15293,7 @@
 </p:sld>
 </file>
 
-<file path=ppt/slides/slide13.xml><?xml version="1.0" encoding="utf-8"?>
+<file path=ppt/slides/slide12.xml><?xml version="1.0" encoding="utf-8"?>
 <p:sld xmlns:a="http://schemas.openxmlformats.org/drawingml/2006/main" xmlns:r="http://schemas.openxmlformats.org/officeDocument/2006/relationships" xmlns:p="http://schemas.openxmlformats.org/presentationml/2006/main">
   <p:cSld>
     <p:spTree>
@@ -17561,10 +15326,10 @@
           <a:lstStyle/>
           <a:p>
             <a:r>
-              <a:rPr lang="ja-JP" altLang="en-US" smtClean="0"/>
-              <a:t>最初のリリース</a:t>
+              <a:rPr lang="en-US" dirty="0" smtClean="0"/>
+              <a:t>First Release</a:t>
             </a:r>
-            <a:endParaRPr lang="en-CA" smtClean="0"/>
+            <a:endParaRPr lang="en-CA" dirty="0" smtClean="0"/>
           </a:p>
         </p:txBody>
       </p:sp>
@@ -18087,11 +15852,7 @@
           <a:p>
             <a:r>
               <a:rPr kumimoji="0" lang="ja-JP" altLang="en-US" sz="2800" dirty="0" smtClean="0"/>
-              <a:t>勉強会</a:t>
-            </a:r>
-            <a:r>
-              <a:rPr kumimoji="0" lang="ja-JP" altLang="en-US" sz="2800" dirty="0" smtClean="0"/>
-              <a:t>　</a:t>
+              <a:t>勉強会　</a:t>
             </a:r>
             <a:endParaRPr kumimoji="0" lang="en-CA" sz="2800" dirty="0"/>
           </a:p>
@@ -19194,125 +16955,6 @@
       </p:grpSpPr>
       <p:sp>
         <p:nvSpPr>
-          <p:cNvPr id="4098" name="Title 1"/>
-          <p:cNvSpPr>
-            <a:spLocks noGrp="1"/>
-          </p:cNvSpPr>
-          <p:nvPr>
-            <p:ph type="ctrTitle"/>
-          </p:nvPr>
-        </p:nvSpPr>
-        <p:spPr/>
-        <p:txBody>
-          <a:bodyPr/>
-          <a:lstStyle/>
-          <a:p>
-            <a:pPr algn="ctr"/>
-            <a:r>
-              <a:rPr lang="ja-JP" altLang="en-US" smtClean="0"/>
-              <a:t>磯の香り</a:t>
-            </a:r>
-            <a:endParaRPr lang="en-CA" smtClean="0"/>
-          </a:p>
-        </p:txBody>
-      </p:sp>
-      <p:sp>
-        <p:nvSpPr>
-          <p:cNvPr id="3" name="Subtitle 2"/>
-          <p:cNvSpPr>
-            <a:spLocks noGrp="1"/>
-          </p:cNvSpPr>
-          <p:nvPr>
-            <p:ph type="subTitle" idx="1"/>
-          </p:nvPr>
-        </p:nvSpPr>
-        <p:spPr/>
-        <p:txBody>
-          <a:bodyPr rtlCol="0">
-            <a:normAutofit/>
-          </a:bodyPr>
-          <a:lstStyle/>
-          <a:p>
-            <a:pPr fontAlgn="auto">
-              <a:spcAft>
-                <a:spcPts val="0"/>
-              </a:spcAft>
-              <a:buFont typeface="Arial" pitchFamily="34" charset="0"/>
-              <a:buNone/>
-              <a:defRPr/>
-            </a:pPr>
-            <a:r>
-              <a:rPr lang="ja-JP" altLang="en-US" dirty="0" smtClean="0"/>
-              <a:t>力武克彰及び仙台</a:t>
-            </a:r>
-            <a:r>
-              <a:rPr lang="ja-JP" altLang="en-US" dirty="0" smtClean="0"/>
-              <a:t>高専</a:t>
-            </a:r>
-            <a:endParaRPr lang="en-US" altLang="ja-JP" dirty="0" smtClean="0"/>
-          </a:p>
-          <a:p>
-            <a:pPr fontAlgn="auto">
-              <a:spcAft>
-                <a:spcPts val="0"/>
-              </a:spcAft>
-              <a:buFont typeface="Arial" pitchFamily="34" charset="0"/>
-              <a:buNone/>
-              <a:defRPr/>
-            </a:pPr>
-            <a:endParaRPr lang="en-US" dirty="0"/>
-          </a:p>
-          <a:p>
-            <a:pPr fontAlgn="auto">
-              <a:spcAft>
-                <a:spcPts val="0"/>
-              </a:spcAft>
-              <a:buFont typeface="Arial" pitchFamily="34" charset="0"/>
-              <a:buNone/>
-              <a:defRPr/>
-            </a:pPr>
-            <a:r>
-              <a:rPr lang="en-US" altLang="ja-JP" dirty="0" smtClean="0"/>
-              <a:t>2012/04/27</a:t>
-            </a:r>
-            <a:endParaRPr lang="en-CA" dirty="0"/>
-          </a:p>
-        </p:txBody>
-      </p:sp>
-    </p:spTree>
-  </p:cSld>
-  <p:clrMapOvr>
-    <a:masterClrMapping/>
-  </p:clrMapOvr>
-  <p:timing>
-    <p:tnLst>
-      <p:par>
-        <p:cTn id="1" dur="indefinite" restart="never" nodeType="tmRoot"/>
-      </p:par>
-    </p:tnLst>
-  </p:timing>
-</p:sld>
-</file>
-
-<file path=ppt/slides/slide3.xml><?xml version="1.0" encoding="utf-8"?>
-<p:sld xmlns:a="http://schemas.openxmlformats.org/drawingml/2006/main" xmlns:r="http://schemas.openxmlformats.org/officeDocument/2006/relationships" xmlns:p="http://schemas.openxmlformats.org/presentationml/2006/main">
-  <p:cSld>
-    <p:spTree>
-      <p:nvGrpSpPr>
-        <p:cNvPr id="1" name=""/>
-        <p:cNvGrpSpPr/>
-        <p:nvPr/>
-      </p:nvGrpSpPr>
-      <p:grpSpPr>
-        <a:xfrm>
-          <a:off x="0" y="0"/>
-          <a:ext cx="0" cy="0"/>
-          <a:chOff x="0" y="0"/>
-          <a:chExt cx="0" cy="0"/>
-        </a:xfrm>
-      </p:grpSpPr>
-      <p:sp>
-        <p:nvSpPr>
           <p:cNvPr id="5122" name="Title 1"/>
           <p:cNvSpPr>
             <a:spLocks noGrp="1"/>
@@ -19327,13 +16969,10 @@
           <a:lstStyle/>
           <a:p>
             <a:r>
-              <a:rPr lang="ja-JP" altLang="en-US" smtClean="0"/>
-              <a:t>なぜあなたはここにいるのか</a:t>
+              <a:rPr lang="en-US" altLang="ja-JP" dirty="0" smtClean="0"/>
+              <a:t>Why are you stay here?</a:t>
             </a:r>
-            <a:r>
-              <a:rPr lang="en-CA" altLang="ja-JP" smtClean="0"/>
-              <a:t>?</a:t>
-            </a:r>
+            <a:endParaRPr lang="en-CA" altLang="ja-JP" dirty="0" smtClean="0"/>
           </a:p>
         </p:txBody>
       </p:sp>
@@ -19353,24 +16992,24 @@
           <a:lstStyle/>
           <a:p>
             <a:r>
-              <a:rPr lang="ja-JP" altLang="en-US" smtClean="0"/>
+              <a:rPr lang="ja-JP" altLang="en-US" dirty="0" smtClean="0"/>
               <a:t>プロジェクトワークがしたいから</a:t>
             </a:r>
-            <a:endParaRPr lang="en-CA" smtClean="0"/>
+            <a:endParaRPr lang="en-CA" dirty="0" smtClean="0"/>
           </a:p>
           <a:p>
             <a:r>
-              <a:rPr lang="ja-JP" altLang="en-US" smtClean="0"/>
+              <a:rPr lang="ja-JP" altLang="en-US" dirty="0" smtClean="0"/>
               <a:t>組込みに関わることをしてみたいから</a:t>
             </a:r>
-            <a:endParaRPr lang="en-CA" smtClean="0"/>
+            <a:endParaRPr lang="en-CA" dirty="0" smtClean="0"/>
           </a:p>
           <a:p>
             <a:r>
-              <a:rPr lang="ja-JP" altLang="en-US" smtClean="0"/>
+              <a:rPr lang="ja-JP" altLang="en-US" dirty="0" smtClean="0"/>
               <a:t>モデルベースに興味があったから</a:t>
             </a:r>
-            <a:endParaRPr lang="en-CA" smtClean="0"/>
+            <a:endParaRPr lang="en-CA" dirty="0" smtClean="0"/>
           </a:p>
         </p:txBody>
       </p:sp>
@@ -19738,7 +17377,7 @@
 </p:sld>
 </file>
 
-<file path=ppt/slides/slide4.xml><?xml version="1.0" encoding="utf-8"?>
+<file path=ppt/slides/slide3.xml><?xml version="1.0" encoding="utf-8"?>
 <p:sld xmlns:a="http://schemas.openxmlformats.org/drawingml/2006/main" xmlns:r="http://schemas.openxmlformats.org/officeDocument/2006/relationships" xmlns:p="http://schemas.openxmlformats.org/presentationml/2006/main">
   <p:cSld>
     <p:spTree>
@@ -19771,10 +17410,10 @@
           <a:lstStyle/>
           <a:p>
             <a:r>
-              <a:rPr lang="ja-JP" altLang="en-US" smtClean="0"/>
-              <a:t>エレベーターピッチ</a:t>
+              <a:rPr lang="en-CA" dirty="0" smtClean="0"/>
+              <a:t>Elevator Pitch</a:t>
             </a:r>
-            <a:endParaRPr lang="en-CA" smtClean="0"/>
+            <a:endParaRPr lang="en-CA" dirty="0" smtClean="0"/>
           </a:p>
         </p:txBody>
       </p:sp>
@@ -19950,7 +17589,7 @@
 </p:sld>
 </file>
 
-<file path=ppt/slides/slide5.xml><?xml version="1.0" encoding="utf-8"?>
+<file path=ppt/slides/slide4.xml><?xml version="1.0" encoding="utf-8"?>
 <p:sld xmlns:a="http://schemas.openxmlformats.org/drawingml/2006/main" xmlns:r="http://schemas.openxmlformats.org/officeDocument/2006/relationships" xmlns:p="http://schemas.openxmlformats.org/presentationml/2006/main">
   <p:cSld>
     <p:spTree>
@@ -20033,22 +17672,22 @@
           <a:lstStyle/>
           <a:p>
             <a:r>
-              <a:rPr lang="ja-JP" altLang="en-US" smtClean="0"/>
-              <a:t>プロダクトボックス</a:t>
+              <a:rPr lang="en-US" altLang="ja-JP" dirty="0" smtClean="0"/>
+              <a:t>Product Box</a:t>
             </a:r>
             <a:r>
-              <a:rPr lang="en-US" altLang="ja-JP" smtClean="0"/>
+              <a:rPr lang="en-US" altLang="ja-JP" dirty="0" smtClean="0"/>
               <a:t>(</a:t>
             </a:r>
             <a:r>
-              <a:rPr lang="ja-JP" altLang="en-US" smtClean="0"/>
-              <a:t>外箱</a:t>
+              <a:rPr lang="en-US" altLang="ja-JP" dirty="0" smtClean="0"/>
+              <a:t>Outer Box</a:t>
             </a:r>
             <a:r>
-              <a:rPr lang="en-US" altLang="ja-JP" smtClean="0"/>
+              <a:rPr lang="en-US" altLang="ja-JP" dirty="0" smtClean="0"/>
               <a:t>)</a:t>
             </a:r>
-            <a:endParaRPr lang="en-CA" altLang="ja-JP" smtClean="0"/>
+            <a:endParaRPr lang="en-CA" altLang="ja-JP" dirty="0" smtClean="0"/>
           </a:p>
         </p:txBody>
       </p:sp>
@@ -20062,8 +17701,8 @@
         </p:nvSpPr>
         <p:spPr bwMode="auto">
           <a:xfrm>
-            <a:off x="3430588" y="1752600"/>
-            <a:ext cx="2132012" cy="584200"/>
+            <a:off x="2860293" y="1752600"/>
+            <a:ext cx="3497111" cy="584775"/>
           </a:xfrm>
           <a:prstGeom prst="rect">
             <a:avLst/>
@@ -20196,17 +17835,18 @@
           </a:lstStyle>
           <a:p>
             <a:r>
-              <a:rPr kumimoji="0" lang="en-CA" altLang="ja-JP" sz="3200"/>
+              <a:rPr kumimoji="0" lang="en-CA" altLang="ja-JP" sz="3200" dirty="0" smtClean="0"/>
               <a:t>&lt;</a:t>
             </a:r>
             <a:r>
-              <a:rPr kumimoji="0" lang="ja-JP" altLang="en-US" sz="3200"/>
-              <a:t>磯の香り</a:t>
+              <a:rPr kumimoji="0" lang="en-US" altLang="ja-JP" sz="3200" dirty="0" smtClean="0"/>
+              <a:t>The Flavor Of Sea</a:t>
             </a:r>
             <a:r>
-              <a:rPr kumimoji="0" lang="en-CA" altLang="ja-JP" sz="3200"/>
+              <a:rPr kumimoji="0" lang="en-CA" altLang="ja-JP" sz="3200" dirty="0" smtClean="0"/>
               <a:t>&gt;</a:t>
             </a:r>
+            <a:endParaRPr kumimoji="0" lang="en-CA" altLang="ja-JP" sz="3200" dirty="0"/>
           </a:p>
         </p:txBody>
       </p:sp>
@@ -20939,7 +18579,7 @@
 </p:sld>
 </file>
 
-<file path=ppt/slides/slide6.xml><?xml version="1.0" encoding="utf-8"?>
+<file path=ppt/slides/slide5.xml><?xml version="1.0" encoding="utf-8"?>
 <p:sld xmlns:a="http://schemas.openxmlformats.org/drawingml/2006/main" xmlns:r="http://schemas.openxmlformats.org/officeDocument/2006/relationships" xmlns:p="http://schemas.openxmlformats.org/presentationml/2006/main">
   <p:cSld>
     <p:spTree>
@@ -21076,10 +18716,10 @@
           <a:lstStyle/>
           <a:p>
             <a:r>
-              <a:rPr lang="ja-JP" altLang="en-US" smtClean="0"/>
-              <a:t>やらないことリスト</a:t>
+              <a:rPr lang="en-US" dirty="0" smtClean="0"/>
+              <a:t>Not to do List</a:t>
             </a:r>
-            <a:endParaRPr lang="en-CA" smtClean="0"/>
+            <a:endParaRPr lang="en-CA" dirty="0" smtClean="0"/>
           </a:p>
         </p:txBody>
       </p:sp>
@@ -21089,7 +18729,13 @@
           <p:cNvGraphicFramePr>
             <a:graphicFrameLocks noGrp="1"/>
           </p:cNvGraphicFramePr>
-          <p:nvPr/>
+          <p:nvPr>
+            <p:extLst>
+              <p:ext uri="{D42A27DB-BD31-4B8C-83A1-F6EECF244321}">
+                <p14:modId xmlns:p14="http://schemas.microsoft.com/office/powerpoint/2010/main" val="430375627"/>
+              </p:ext>
+            </p:extLst>
+          </p:nvPr>
         </p:nvGraphicFramePr>
         <p:xfrm>
           <a:off x="381000" y="1397000"/>
@@ -21126,6 +18772,20 @@
                         <a:tabLst/>
                       </a:pPr>
                       <a:r>
+                        <a:rPr kumimoji="0" lang="en-US" altLang="ja-JP" sz="2400" b="1" i="0" u="none" strike="noStrike" cap="none" normalizeH="0" baseline="0" dirty="0" smtClean="0">
+                          <a:ln>
+                            <a:noFill/>
+                          </a:ln>
+                          <a:solidFill>
+                            <a:srgbClr val="FFFFFF"/>
+                          </a:solidFill>
+                          <a:effectLst/>
+                          <a:latin typeface="Calibri" pitchFamily="34" charset="0"/>
+                          <a:ea typeface="ＭＳ Ｐゴシック" charset="-128"/>
+                        </a:rPr>
+                        <a:t>Do</a:t>
+                      </a:r>
+                      <a:r>
                         <a:rPr kumimoji="0" lang="ja-JP" altLang="en-US" sz="2400" b="1" i="0" u="none" strike="noStrike" cap="none" normalizeH="0" baseline="0" dirty="0" smtClean="0">
                           <a:ln>
                             <a:noFill/>
@@ -21137,7 +18797,21 @@
                           <a:latin typeface="Calibri" pitchFamily="34" charset="0"/>
                           <a:ea typeface="ＭＳ Ｐゴシック" charset="-128"/>
                         </a:rPr>
-                        <a:t>やる（スコープ内）</a:t>
+                        <a:t>（</a:t>
+                      </a:r>
+                      <a:r>
+                        <a:rPr kumimoji="0" lang="ja-JP" altLang="en-US" sz="2400" b="1" i="0" u="none" strike="noStrike" cap="none" normalizeH="0" baseline="0" dirty="0" smtClean="0">
+                          <a:ln>
+                            <a:noFill/>
+                          </a:ln>
+                          <a:solidFill>
+                            <a:srgbClr val="FFFFFF"/>
+                          </a:solidFill>
+                          <a:effectLst/>
+                          <a:latin typeface="Calibri" pitchFamily="34" charset="0"/>
+                          <a:ea typeface="ＭＳ Ｐゴシック" charset="-128"/>
+                        </a:rPr>
+                        <a:t>スコープ内）</a:t>
                       </a:r>
                       <a:endParaRPr kumimoji="0" lang="en-CA" sz="2000" b="1" i="0" u="none" strike="noStrike" cap="none" normalizeH="0" baseline="0" dirty="0" smtClean="0">
                         <a:ln>
@@ -21221,7 +18895,7 @@
                         <a:tabLst/>
                       </a:pPr>
                       <a:r>
-                        <a:rPr kumimoji="0" lang="ja-JP" altLang="en-US" sz="2400" b="1" i="0" u="none" strike="noStrike" cap="none" normalizeH="0" baseline="0" smtClean="0">
+                        <a:rPr kumimoji="0" lang="en-US" altLang="ja-JP" sz="2400" b="1" i="0" u="none" strike="noStrike" cap="none" normalizeH="0" baseline="0" dirty="0" smtClean="0">
                           <a:ln>
                             <a:noFill/>
                           </a:ln>
@@ -21232,9 +18906,37 @@
                           <a:latin typeface="Calibri" pitchFamily="34" charset="0"/>
                           <a:ea typeface="ＭＳ Ｐゴシック" charset="-128"/>
                         </a:rPr>
-                        <a:t>やらない（スコープ外）</a:t>
+                        <a:t>Not Do</a:t>
                       </a:r>
-                      <a:endParaRPr kumimoji="0" lang="en-CA" sz="2400" b="1" i="0" u="none" strike="noStrike" cap="none" normalizeH="0" baseline="0" smtClean="0">
+                      <a:r>
+                        <a:rPr kumimoji="0" lang="ja-JP" altLang="en-US" sz="2400" b="1" i="0" u="none" strike="noStrike" cap="none" normalizeH="0" baseline="0" dirty="0" smtClean="0">
+                          <a:ln>
+                            <a:noFill/>
+                          </a:ln>
+                          <a:solidFill>
+                            <a:srgbClr val="FFFFFF"/>
+                          </a:solidFill>
+                          <a:effectLst/>
+                          <a:latin typeface="Calibri" pitchFamily="34" charset="0"/>
+                          <a:ea typeface="ＭＳ Ｐゴシック" charset="-128"/>
+                        </a:rPr>
+                        <a:t>（</a:t>
+                      </a:r>
+                      <a:r>
+                        <a:rPr kumimoji="0" lang="ja-JP" altLang="en-US" sz="2400" b="1" i="0" u="none" strike="noStrike" cap="none" normalizeH="0" baseline="0" dirty="0" smtClean="0">
+                          <a:ln>
+                            <a:noFill/>
+                          </a:ln>
+                          <a:solidFill>
+                            <a:srgbClr val="FFFFFF"/>
+                          </a:solidFill>
+                          <a:effectLst/>
+                          <a:latin typeface="Calibri" pitchFamily="34" charset="0"/>
+                          <a:ea typeface="ＭＳ Ｐゴシック" charset="-128"/>
+                        </a:rPr>
+                        <a:t>スコープ外）</a:t>
+                      </a:r>
+                      <a:endParaRPr kumimoji="0" lang="en-CA" sz="2400" b="1" i="0" u="none" strike="noStrike" cap="none" normalizeH="0" baseline="0" dirty="0" smtClean="0">
                         <a:ln>
                           <a:noFill/>
                         </a:ln>
@@ -21318,7 +19020,7 @@
                         <a:tabLst/>
                       </a:pPr>
                       <a:r>
-                        <a:rPr kumimoji="0" lang="ja-JP" altLang="en-US" sz="1800" b="0" i="0" u="none" strike="noStrike" cap="none" normalizeH="0" baseline="0" smtClean="0">
+                        <a:rPr kumimoji="0" lang="ja-JP" altLang="en-US" sz="1800" b="0" i="0" u="none" strike="noStrike" cap="none" normalizeH="0" baseline="0" dirty="0" smtClean="0">
                           <a:ln>
                             <a:noFill/>
                           </a:ln>
@@ -21331,7 +19033,7 @@
                         </a:rPr>
                         <a:t>シーソー</a:t>
                       </a:r>
-                      <a:endParaRPr kumimoji="0" lang="en-CA" sz="1800" b="0" i="0" u="none" strike="noStrike" cap="none" normalizeH="0" baseline="0" smtClean="0">
+                      <a:endParaRPr kumimoji="0" lang="en-CA" sz="1800" b="0" i="0" u="none" strike="noStrike" cap="none" normalizeH="0" baseline="0" dirty="0" smtClean="0">
                         <a:ln>
                           <a:noFill/>
                         </a:ln>
@@ -21510,7 +19212,7 @@
                         <a:tabLst/>
                       </a:pPr>
                       <a:r>
-                        <a:rPr kumimoji="0" lang="ja-JP" altLang="en-US" sz="1800" b="0" i="0" u="none" strike="noStrike" cap="none" normalizeH="0" baseline="0" smtClean="0">
+                        <a:rPr kumimoji="0" lang="ja-JP" altLang="en-US" sz="1800" b="0" i="0" u="none" strike="noStrike" cap="none" normalizeH="0" baseline="0" dirty="0" smtClean="0">
                           <a:ln>
                             <a:noFill/>
                           </a:ln>
@@ -21523,7 +19225,7 @@
                         </a:rPr>
                         <a:t>階段</a:t>
                       </a:r>
-                      <a:endParaRPr kumimoji="0" lang="en-CA" sz="1800" b="0" i="0" u="none" strike="noStrike" cap="none" normalizeH="0" baseline="0" smtClean="0">
+                      <a:endParaRPr kumimoji="0" lang="en-CA" sz="1800" b="0" i="0" u="none" strike="noStrike" cap="none" normalizeH="0" baseline="0" dirty="0" smtClean="0">
                         <a:ln>
                           <a:noFill/>
                         </a:ln>
@@ -21716,7 +19418,7 @@
                         <a:tabLst/>
                       </a:pPr>
                       <a:r>
-                        <a:rPr kumimoji="0" lang="ja-JP" altLang="en-US" sz="1800" b="0" i="0" u="none" strike="noStrike" cap="none" normalizeH="0" baseline="0" smtClean="0">
+                        <a:rPr kumimoji="0" lang="ja-JP" altLang="en-US" sz="1800" b="0" i="0" u="none" strike="noStrike" cap="none" normalizeH="0" baseline="0" dirty="0" smtClean="0">
                           <a:ln>
                             <a:noFill/>
                           </a:ln>
@@ -21729,7 +19431,7 @@
                         </a:rPr>
                         <a:t>ゴール停止</a:t>
                       </a:r>
-                      <a:endParaRPr kumimoji="0" lang="en-CA" sz="1800" b="0" i="0" u="none" strike="noStrike" cap="none" normalizeH="0" baseline="0" smtClean="0">
+                      <a:endParaRPr kumimoji="0" lang="en-CA" sz="1800" b="0" i="0" u="none" strike="noStrike" cap="none" normalizeH="0" baseline="0" dirty="0" smtClean="0">
                         <a:ln>
                           <a:noFill/>
                         </a:ln>
@@ -22389,7 +20091,7 @@
                         <a:buNone/>
                         <a:tabLst/>
                       </a:pPr>
-                      <a:endParaRPr kumimoji="0" lang="en-CA" altLang="ja-JP" sz="1800" b="0" i="0" u="none" strike="noStrike" cap="none" normalizeH="0" baseline="0" smtClean="0">
+                      <a:endParaRPr kumimoji="0" lang="en-CA" altLang="ja-JP" sz="1800" b="0" i="0" u="none" strike="noStrike" cap="none" normalizeH="0" baseline="0" dirty="0" smtClean="0">
                         <a:ln>
                           <a:noFill/>
                         </a:ln>
@@ -22461,7 +20163,13 @@
           <p:cNvGraphicFramePr>
             <a:graphicFrameLocks noGrp="1"/>
           </p:cNvGraphicFramePr>
-          <p:nvPr/>
+          <p:nvPr>
+            <p:extLst>
+              <p:ext uri="{D42A27DB-BD31-4B8C-83A1-F6EECF244321}">
+                <p14:modId xmlns:p14="http://schemas.microsoft.com/office/powerpoint/2010/main" val="1801067824"/>
+              </p:ext>
+            </p:extLst>
+          </p:nvPr>
         </p:nvGraphicFramePr>
         <p:xfrm>
           <a:off x="381000" y="4343400"/>
@@ -22497,7 +20205,7 @@
                         <a:tabLst/>
                       </a:pPr>
                       <a:r>
-                        <a:rPr kumimoji="0" lang="ja-JP" altLang="en-US" sz="2400" b="1" i="0" u="none" strike="noStrike" cap="none" normalizeH="0" baseline="0" smtClean="0">
+                        <a:rPr kumimoji="0" lang="en-US" sz="2400" b="1" i="0" u="none" strike="noStrike" cap="none" normalizeH="0" baseline="0" dirty="0" smtClean="0">
                           <a:ln>
                             <a:noFill/>
                           </a:ln>
@@ -22508,9 +20216,9 @@
                           <a:latin typeface="Calibri" pitchFamily="34" charset="0"/>
                           <a:ea typeface="ＭＳ Ｐゴシック" charset="-128"/>
                         </a:rPr>
-                        <a:t>未解決</a:t>
+                        <a:t>Unresolved Things</a:t>
                       </a:r>
-                      <a:endParaRPr kumimoji="0" lang="en-CA" sz="2400" b="1" i="0" u="none" strike="noStrike" cap="none" normalizeH="0" baseline="0" smtClean="0">
+                      <a:endParaRPr kumimoji="0" lang="en-CA" sz="2400" b="1" i="0" u="none" strike="noStrike" cap="none" normalizeH="0" baseline="0" dirty="0" smtClean="0">
                         <a:ln>
                           <a:noFill/>
                         </a:ln>
@@ -22939,7 +20647,7 @@
 </p:sld>
 </file>
 
-<file path=ppt/slides/slide7.xml><?xml version="1.0" encoding="utf-8"?>
+<file path=ppt/slides/slide6.xml><?xml version="1.0" encoding="utf-8"?>
 <p:sld xmlns:a="http://schemas.openxmlformats.org/drawingml/2006/main" xmlns:r="http://schemas.openxmlformats.org/officeDocument/2006/relationships" xmlns:p="http://schemas.openxmlformats.org/presentationml/2006/main">
   <p:cSld>
     <p:spTree>
@@ -22972,10 +20680,10 @@
           <a:lstStyle/>
           <a:p>
             <a:r>
-              <a:rPr lang="ja-JP" altLang="en-US" smtClean="0"/>
-              <a:t>あなたのプロジェクトコミュニティ</a:t>
+              <a:rPr lang="en-US" dirty="0" smtClean="0"/>
+              <a:t>Project Community of Our Team</a:t>
             </a:r>
-            <a:endParaRPr lang="en-CA" smtClean="0"/>
+            <a:endParaRPr lang="en-CA" dirty="0" smtClean="0"/>
           </a:p>
         </p:txBody>
       </p:sp>
@@ -23469,7 +21177,7 @@
 </p:sld>
 </file>
 
-<file path=ppt/slides/slide8.xml><?xml version="1.0" encoding="utf-8"?>
+<file path=ppt/slides/slide7.xml><?xml version="1.0" encoding="utf-8"?>
 <p:sld xmlns:a="http://schemas.openxmlformats.org/drawingml/2006/main" xmlns:r="http://schemas.openxmlformats.org/officeDocument/2006/relationships" xmlns:p="http://schemas.openxmlformats.org/presentationml/2006/main">
   <p:cSld>
     <p:spTree>
@@ -23535,10 +21243,10 @@
           <a:lstStyle/>
           <a:p>
             <a:r>
-              <a:rPr lang="ja-JP" altLang="en-US" smtClean="0"/>
-              <a:t>テクニカルソリューション</a:t>
+              <a:rPr lang="en-US" dirty="0" smtClean="0"/>
+              <a:t>Technical Solution</a:t>
             </a:r>
-            <a:endParaRPr lang="en-CA" smtClean="0"/>
+            <a:endParaRPr lang="en-CA" dirty="0" smtClean="0"/>
           </a:p>
         </p:txBody>
       </p:sp>
@@ -24565,7 +22273,7 @@
 </p:sld>
 </file>
 
-<file path=ppt/slides/slide9.xml><?xml version="1.0" encoding="utf-8"?>
+<file path=ppt/slides/slide8.xml><?xml version="1.0" encoding="utf-8"?>
 <p:sld xmlns:a="http://schemas.openxmlformats.org/drawingml/2006/main" xmlns:r="http://schemas.openxmlformats.org/officeDocument/2006/relationships" xmlns:p="http://schemas.openxmlformats.org/presentationml/2006/main">
   <p:cSld>
     <p:spTree>
@@ -24598,10 +22306,10 @@
           <a:lstStyle/>
           <a:p>
             <a:r>
-              <a:rPr lang="ja-JP" altLang="en-US" smtClean="0"/>
-              <a:t>夜も眠れないようなこと</a:t>
+              <a:rPr lang="en-CA" dirty="0" smtClean="0"/>
+              <a:t>Things Could Not Sleep at Night</a:t>
             </a:r>
-            <a:endParaRPr lang="en-CA" smtClean="0"/>
+            <a:endParaRPr lang="en-CA" dirty="0" smtClean="0"/>
           </a:p>
         </p:txBody>
       </p:sp>
@@ -24770,6 +22478,2015 @@
           </a:extLst>
         </p:spPr>
       </p:pic>
+    </p:spTree>
+  </p:cSld>
+  <p:clrMapOvr>
+    <a:masterClrMapping/>
+  </p:clrMapOvr>
+  <p:timing>
+    <p:tnLst>
+      <p:par>
+        <p:cTn id="1" dur="indefinite" restart="never" nodeType="tmRoot"/>
+      </p:par>
+    </p:tnLst>
+  </p:timing>
+</p:sld>
+</file>
+
+<file path=ppt/slides/slide9.xml><?xml version="1.0" encoding="utf-8"?>
+<p:sld xmlns:a="http://schemas.openxmlformats.org/drawingml/2006/main" xmlns:r="http://schemas.openxmlformats.org/officeDocument/2006/relationships" xmlns:p="http://schemas.openxmlformats.org/presentationml/2006/main">
+  <p:cSld>
+    <p:spTree>
+      <p:nvGrpSpPr>
+        <p:cNvPr id="1" name=""/>
+        <p:cNvGrpSpPr/>
+        <p:nvPr/>
+      </p:nvGrpSpPr>
+      <p:grpSpPr>
+        <a:xfrm>
+          <a:off x="0" y="0"/>
+          <a:ext cx="0" cy="0"/>
+          <a:chOff x="0" y="0"/>
+          <a:chExt cx="0" cy="0"/>
+        </a:xfrm>
+      </p:grpSpPr>
+      <p:sp>
+        <p:nvSpPr>
+          <p:cNvPr id="12290" name="Title 1"/>
+          <p:cNvSpPr>
+            <a:spLocks noGrp="1"/>
+          </p:cNvSpPr>
+          <p:nvPr>
+            <p:ph type="title"/>
+          </p:nvPr>
+        </p:nvSpPr>
+        <p:spPr/>
+        <p:txBody>
+          <a:bodyPr/>
+          <a:lstStyle/>
+          <a:p>
+            <a:r>
+              <a:rPr lang="en-CA" altLang="ja-JP" dirty="0" smtClean="0"/>
+              <a:t>A</a:t>
+            </a:r>
+            <a:r>
+              <a:rPr lang="ja-JP" altLang="en-US" dirty="0"/>
+              <a:t> </a:t>
+            </a:r>
+            <a:r>
+              <a:rPr lang="en-US" altLang="ja-JP" dirty="0" smtClean="0"/>
+              <a:t>Team</a:t>
+            </a:r>
+            <a:endParaRPr lang="en-CA" dirty="0" smtClean="0"/>
+          </a:p>
+        </p:txBody>
+      </p:sp>
+      <p:graphicFrame>
+        <p:nvGraphicFramePr>
+          <p:cNvPr id="4" name="Table 3"/>
+          <p:cNvGraphicFramePr>
+            <a:graphicFrameLocks noGrp="1"/>
+          </p:cNvGraphicFramePr>
+          <p:nvPr/>
+        </p:nvGraphicFramePr>
+        <p:xfrm>
+          <a:off x="685800" y="1397000"/>
+          <a:ext cx="7924800" cy="3223260"/>
+        </p:xfrm>
+        <a:graphic>
+          <a:graphicData uri="http://schemas.openxmlformats.org/drawingml/2006/table">
+            <a:tbl>
+              <a:tblPr/>
+              <a:tblGrid>
+                <a:gridCol w="609600"/>
+                <a:gridCol w="1752600"/>
+                <a:gridCol w="5562600"/>
+              </a:tblGrid>
+              <a:tr h="371475">
+                <a:tc>
+                  <a:txBody>
+                    <a:bodyPr/>
+                    <a:lstStyle/>
+                    <a:p>
+                      <a:pPr marL="0" marR="0" lvl="0" indent="0" algn="l" defTabSz="914400" rtl="0" eaLnBrk="1" fontAlgn="base" latinLnBrk="0" hangingPunct="1">
+                        <a:lnSpc>
+                          <a:spcPct val="100000"/>
+                        </a:lnSpc>
+                        <a:spcBef>
+                          <a:spcPct val="0"/>
+                        </a:spcBef>
+                        <a:spcAft>
+                          <a:spcPct val="0"/>
+                        </a:spcAft>
+                        <a:buClrTx/>
+                        <a:buSzTx/>
+                        <a:buFontTx/>
+                        <a:buNone/>
+                        <a:tabLst/>
+                      </a:pPr>
+                      <a:r>
+                        <a:rPr kumimoji="0" lang="en-CA" altLang="ja-JP" sz="2400" b="1" i="0" u="none" strike="noStrike" cap="none" normalizeH="0" baseline="0" smtClean="0">
+                          <a:ln>
+                            <a:noFill/>
+                          </a:ln>
+                          <a:solidFill>
+                            <a:srgbClr val="FFFFFF"/>
+                          </a:solidFill>
+                          <a:effectLst/>
+                          <a:latin typeface="Calibri" pitchFamily="34" charset="0"/>
+                          <a:ea typeface="ＭＳ Ｐゴシック" charset="-128"/>
+                        </a:rPr>
+                        <a:t>#</a:t>
+                      </a:r>
+                    </a:p>
+                  </a:txBody>
+                  <a:tcPr horzOverflow="overflow">
+                    <a:lnL w="12700" cap="flat" cmpd="sng" algn="ctr">
+                      <a:solidFill>
+                        <a:schemeClr val="bg1"/>
+                      </a:solidFill>
+                      <a:prstDash val="solid"/>
+                      <a:round/>
+                      <a:headEnd type="none" w="med" len="med"/>
+                      <a:tailEnd type="none" w="med" len="med"/>
+                    </a:lnL>
+                    <a:lnR w="12700" cap="flat" cmpd="sng" algn="ctr">
+                      <a:solidFill>
+                        <a:schemeClr val="bg1"/>
+                      </a:solidFill>
+                      <a:prstDash val="solid"/>
+                      <a:round/>
+                      <a:headEnd type="none" w="med" len="med"/>
+                      <a:tailEnd type="none" w="med" len="med"/>
+                    </a:lnR>
+                    <a:lnT w="12700" cap="flat" cmpd="sng" algn="ctr">
+                      <a:solidFill>
+                        <a:schemeClr val="bg1"/>
+                      </a:solidFill>
+                      <a:prstDash val="solid"/>
+                      <a:round/>
+                      <a:headEnd type="none" w="med" len="med"/>
+                      <a:tailEnd type="none" w="med" len="med"/>
+                    </a:lnT>
+                    <a:lnB w="38100" cap="flat" cmpd="sng" algn="ctr">
+                      <a:solidFill>
+                        <a:schemeClr val="bg1"/>
+                      </a:solidFill>
+                      <a:prstDash val="solid"/>
+                      <a:round/>
+                      <a:headEnd type="none" w="med" len="med"/>
+                      <a:tailEnd type="none" w="med" len="med"/>
+                    </a:lnB>
+                    <a:lnTlToBr>
+                      <a:noFill/>
+                    </a:lnTlToBr>
+                    <a:lnBlToTr>
+                      <a:noFill/>
+                    </a:lnBlToTr>
+                    <a:solidFill>
+                      <a:schemeClr val="accent1"/>
+                    </a:solidFill>
+                  </a:tcPr>
+                </a:tc>
+                <a:tc>
+                  <a:txBody>
+                    <a:bodyPr/>
+                    <a:lstStyle/>
+                    <a:p>
+                      <a:pPr marL="0" marR="0" lvl="0" indent="0" algn="l" defTabSz="914400" rtl="0" eaLnBrk="1" fontAlgn="base" latinLnBrk="0" hangingPunct="1">
+                        <a:lnSpc>
+                          <a:spcPct val="100000"/>
+                        </a:lnSpc>
+                        <a:spcBef>
+                          <a:spcPct val="0"/>
+                        </a:spcBef>
+                        <a:spcAft>
+                          <a:spcPct val="0"/>
+                        </a:spcAft>
+                        <a:buClrTx/>
+                        <a:buSzTx/>
+                        <a:buFontTx/>
+                        <a:buNone/>
+                        <a:tabLst/>
+                      </a:pPr>
+                      <a:r>
+                        <a:rPr kumimoji="0" lang="ja-JP" altLang="en-US" sz="2400" b="1" i="0" u="none" strike="noStrike" cap="none" normalizeH="0" baseline="0" smtClean="0">
+                          <a:ln>
+                            <a:noFill/>
+                          </a:ln>
+                          <a:solidFill>
+                            <a:srgbClr val="FFFFFF"/>
+                          </a:solidFill>
+                          <a:effectLst/>
+                          <a:latin typeface="Calibri" pitchFamily="34" charset="0"/>
+                          <a:ea typeface="ＭＳ Ｐゴシック" charset="-128"/>
+                        </a:rPr>
+                        <a:t>役割</a:t>
+                      </a:r>
+                      <a:endParaRPr kumimoji="0" lang="en-CA" sz="2400" b="1" i="0" u="none" strike="noStrike" cap="none" normalizeH="0" baseline="0" smtClean="0">
+                        <a:ln>
+                          <a:noFill/>
+                        </a:ln>
+                        <a:solidFill>
+                          <a:srgbClr val="FFFFFF"/>
+                        </a:solidFill>
+                        <a:effectLst/>
+                        <a:latin typeface="Calibri" pitchFamily="34" charset="0"/>
+                      </a:endParaRPr>
+                    </a:p>
+                  </a:txBody>
+                  <a:tcPr horzOverflow="overflow">
+                    <a:lnL w="12700" cap="flat" cmpd="sng" algn="ctr">
+                      <a:solidFill>
+                        <a:schemeClr val="bg1"/>
+                      </a:solidFill>
+                      <a:prstDash val="solid"/>
+                      <a:round/>
+                      <a:headEnd type="none" w="med" len="med"/>
+                      <a:tailEnd type="none" w="med" len="med"/>
+                    </a:lnL>
+                    <a:lnR w="12700" cap="flat" cmpd="sng" algn="ctr">
+                      <a:solidFill>
+                        <a:schemeClr val="bg1"/>
+                      </a:solidFill>
+                      <a:prstDash val="solid"/>
+                      <a:round/>
+                      <a:headEnd type="none" w="med" len="med"/>
+                      <a:tailEnd type="none" w="med" len="med"/>
+                    </a:lnR>
+                    <a:lnT w="12700" cap="flat" cmpd="sng" algn="ctr">
+                      <a:solidFill>
+                        <a:schemeClr val="bg1"/>
+                      </a:solidFill>
+                      <a:prstDash val="solid"/>
+                      <a:round/>
+                      <a:headEnd type="none" w="med" len="med"/>
+                      <a:tailEnd type="none" w="med" len="med"/>
+                    </a:lnT>
+                    <a:lnB w="38100" cap="flat" cmpd="sng" algn="ctr">
+                      <a:solidFill>
+                        <a:schemeClr val="bg1"/>
+                      </a:solidFill>
+                      <a:prstDash val="solid"/>
+                      <a:round/>
+                      <a:headEnd type="none" w="med" len="med"/>
+                      <a:tailEnd type="none" w="med" len="med"/>
+                    </a:lnB>
+                    <a:lnTlToBr>
+                      <a:noFill/>
+                    </a:lnTlToBr>
+                    <a:lnBlToTr>
+                      <a:noFill/>
+                    </a:lnBlToTr>
+                    <a:solidFill>
+                      <a:schemeClr val="accent1"/>
+                    </a:solidFill>
+                  </a:tcPr>
+                </a:tc>
+                <a:tc>
+                  <a:txBody>
+                    <a:bodyPr/>
+                    <a:lstStyle/>
+                    <a:p>
+                      <a:pPr marL="0" marR="0" lvl="0" indent="0" algn="l" defTabSz="914400" rtl="0" eaLnBrk="1" fontAlgn="base" latinLnBrk="0" hangingPunct="1">
+                        <a:lnSpc>
+                          <a:spcPct val="100000"/>
+                        </a:lnSpc>
+                        <a:spcBef>
+                          <a:spcPct val="0"/>
+                        </a:spcBef>
+                        <a:spcAft>
+                          <a:spcPct val="0"/>
+                        </a:spcAft>
+                        <a:buClrTx/>
+                        <a:buSzTx/>
+                        <a:buFontTx/>
+                        <a:buNone/>
+                        <a:tabLst/>
+                      </a:pPr>
+                      <a:r>
+                        <a:rPr kumimoji="0" lang="ja-JP" altLang="en-US" sz="2400" b="1" i="0" u="none" strike="noStrike" cap="none" normalizeH="0" baseline="0" smtClean="0">
+                          <a:ln>
+                            <a:noFill/>
+                          </a:ln>
+                          <a:solidFill>
+                            <a:srgbClr val="FFFFFF"/>
+                          </a:solidFill>
+                          <a:effectLst/>
+                          <a:latin typeface="Calibri" pitchFamily="34" charset="0"/>
+                          <a:ea typeface="ＭＳ Ｐゴシック" charset="-128"/>
+                        </a:rPr>
+                        <a:t>能力</a:t>
+                      </a:r>
+                      <a:r>
+                        <a:rPr kumimoji="0" lang="en-CA" altLang="ja-JP" sz="2400" b="1" i="0" u="none" strike="noStrike" cap="none" normalizeH="0" baseline="0" smtClean="0">
+                          <a:ln>
+                            <a:noFill/>
+                          </a:ln>
+                          <a:solidFill>
+                            <a:srgbClr val="FFFFFF"/>
+                          </a:solidFill>
+                          <a:effectLst/>
+                          <a:latin typeface="Calibri" pitchFamily="34" charset="0"/>
+                          <a:ea typeface="ＭＳ Ｐゴシック" charset="-128"/>
+                        </a:rPr>
+                        <a:t>/</a:t>
+                      </a:r>
+                      <a:r>
+                        <a:rPr kumimoji="0" lang="ja-JP" altLang="en-US" sz="2400" b="1" i="0" u="none" strike="noStrike" cap="none" normalizeH="0" baseline="0" smtClean="0">
+                          <a:ln>
+                            <a:noFill/>
+                          </a:ln>
+                          <a:solidFill>
+                            <a:srgbClr val="FFFFFF"/>
+                          </a:solidFill>
+                          <a:effectLst/>
+                          <a:latin typeface="Calibri" pitchFamily="34" charset="0"/>
+                          <a:ea typeface="ＭＳ Ｐゴシック" charset="-128"/>
+                        </a:rPr>
+                        <a:t>期待すること</a:t>
+                      </a:r>
+                      <a:endParaRPr kumimoji="0" lang="en-CA" sz="2400" b="1" i="0" u="none" strike="noStrike" cap="none" normalizeH="0" baseline="0" smtClean="0">
+                        <a:ln>
+                          <a:noFill/>
+                        </a:ln>
+                        <a:solidFill>
+                          <a:srgbClr val="FFFFFF"/>
+                        </a:solidFill>
+                        <a:effectLst/>
+                        <a:latin typeface="Calibri" pitchFamily="34" charset="0"/>
+                      </a:endParaRPr>
+                    </a:p>
+                  </a:txBody>
+                  <a:tcPr horzOverflow="overflow">
+                    <a:lnL w="12700" cap="flat" cmpd="sng" algn="ctr">
+                      <a:solidFill>
+                        <a:schemeClr val="bg1"/>
+                      </a:solidFill>
+                      <a:prstDash val="solid"/>
+                      <a:round/>
+                      <a:headEnd type="none" w="med" len="med"/>
+                      <a:tailEnd type="none" w="med" len="med"/>
+                    </a:lnL>
+                    <a:lnR w="12700" cap="flat" cmpd="sng" algn="ctr">
+                      <a:solidFill>
+                        <a:schemeClr val="bg1"/>
+                      </a:solidFill>
+                      <a:prstDash val="solid"/>
+                      <a:round/>
+                      <a:headEnd type="none" w="med" len="med"/>
+                      <a:tailEnd type="none" w="med" len="med"/>
+                    </a:lnR>
+                    <a:lnT w="12700" cap="flat" cmpd="sng" algn="ctr">
+                      <a:solidFill>
+                        <a:schemeClr val="bg1"/>
+                      </a:solidFill>
+                      <a:prstDash val="solid"/>
+                      <a:round/>
+                      <a:headEnd type="none" w="med" len="med"/>
+                      <a:tailEnd type="none" w="med" len="med"/>
+                    </a:lnT>
+                    <a:lnB w="38100" cap="flat" cmpd="sng" algn="ctr">
+                      <a:solidFill>
+                        <a:schemeClr val="bg1"/>
+                      </a:solidFill>
+                      <a:prstDash val="solid"/>
+                      <a:round/>
+                      <a:headEnd type="none" w="med" len="med"/>
+                      <a:tailEnd type="none" w="med" len="med"/>
+                    </a:lnB>
+                    <a:lnTlToBr>
+                      <a:noFill/>
+                    </a:lnTlToBr>
+                    <a:lnBlToTr>
+                      <a:noFill/>
+                    </a:lnBlToTr>
+                    <a:solidFill>
+                      <a:schemeClr val="accent1"/>
+                    </a:solidFill>
+                  </a:tcPr>
+                </a:tc>
+              </a:tr>
+              <a:tr h="371475">
+                <a:tc>
+                  <a:txBody>
+                    <a:bodyPr/>
+                    <a:lstStyle/>
+                    <a:p>
+                      <a:pPr marL="0" marR="0" lvl="0" indent="0" algn="l" defTabSz="914400" rtl="0" eaLnBrk="1" fontAlgn="base" latinLnBrk="0" hangingPunct="1">
+                        <a:lnSpc>
+                          <a:spcPct val="100000"/>
+                        </a:lnSpc>
+                        <a:spcBef>
+                          <a:spcPct val="0"/>
+                        </a:spcBef>
+                        <a:spcAft>
+                          <a:spcPct val="0"/>
+                        </a:spcAft>
+                        <a:buClrTx/>
+                        <a:buSzTx/>
+                        <a:buFontTx/>
+                        <a:buNone/>
+                        <a:tabLst/>
+                      </a:pPr>
+                      <a:r>
+                        <a:rPr kumimoji="0" lang="en-CA" altLang="ja-JP" sz="1800" b="0" i="0" u="none" strike="noStrike" cap="none" normalizeH="0" baseline="0" smtClean="0">
+                          <a:ln>
+                            <a:noFill/>
+                          </a:ln>
+                          <a:solidFill>
+                            <a:srgbClr val="000000"/>
+                          </a:solidFill>
+                          <a:effectLst/>
+                          <a:latin typeface="Calibri" pitchFamily="34" charset="0"/>
+                          <a:ea typeface="ＭＳ Ｐゴシック" charset="-128"/>
+                        </a:rPr>
+                        <a:t>1</a:t>
+                      </a:r>
+                    </a:p>
+                  </a:txBody>
+                  <a:tcPr horzOverflow="overflow">
+                    <a:lnL w="12700" cap="flat" cmpd="sng" algn="ctr">
+                      <a:solidFill>
+                        <a:schemeClr val="bg1"/>
+                      </a:solidFill>
+                      <a:prstDash val="solid"/>
+                      <a:round/>
+                      <a:headEnd type="none" w="med" len="med"/>
+                      <a:tailEnd type="none" w="med" len="med"/>
+                    </a:lnL>
+                    <a:lnR w="12700" cap="flat" cmpd="sng" algn="ctr">
+                      <a:solidFill>
+                        <a:schemeClr val="bg1"/>
+                      </a:solidFill>
+                      <a:prstDash val="solid"/>
+                      <a:round/>
+                      <a:headEnd type="none" w="med" len="med"/>
+                      <a:tailEnd type="none" w="med" len="med"/>
+                    </a:lnR>
+                    <a:lnT w="38100" cap="flat" cmpd="sng" algn="ctr">
+                      <a:solidFill>
+                        <a:schemeClr val="bg1"/>
+                      </a:solidFill>
+                      <a:prstDash val="solid"/>
+                      <a:round/>
+                      <a:headEnd type="none" w="med" len="med"/>
+                      <a:tailEnd type="none" w="med" len="med"/>
+                    </a:lnT>
+                    <a:lnB w="12700" cap="flat" cmpd="sng" algn="ctr">
+                      <a:solidFill>
+                        <a:schemeClr val="bg1"/>
+                      </a:solidFill>
+                      <a:prstDash val="solid"/>
+                      <a:round/>
+                      <a:headEnd type="none" w="med" len="med"/>
+                      <a:tailEnd type="none" w="med" len="med"/>
+                    </a:lnB>
+                    <a:lnTlToBr>
+                      <a:noFill/>
+                    </a:lnTlToBr>
+                    <a:lnBlToTr>
+                      <a:noFill/>
+                    </a:lnBlToTr>
+                    <a:solidFill>
+                      <a:srgbClr val="D0D8E8"/>
+                    </a:solidFill>
+                  </a:tcPr>
+                </a:tc>
+                <a:tc>
+                  <a:txBody>
+                    <a:bodyPr/>
+                    <a:lstStyle/>
+                    <a:p>
+                      <a:pPr marL="0" marR="0" lvl="0" indent="0" algn="l" defTabSz="914400" rtl="0" eaLnBrk="1" fontAlgn="base" latinLnBrk="0" hangingPunct="1">
+                        <a:lnSpc>
+                          <a:spcPct val="100000"/>
+                        </a:lnSpc>
+                        <a:spcBef>
+                          <a:spcPct val="0"/>
+                        </a:spcBef>
+                        <a:spcAft>
+                          <a:spcPct val="0"/>
+                        </a:spcAft>
+                        <a:buClrTx/>
+                        <a:buSzTx/>
+                        <a:buFontTx/>
+                        <a:buNone/>
+                        <a:tabLst/>
+                      </a:pPr>
+                      <a:r>
+                        <a:rPr kumimoji="0" lang="ja-JP" altLang="en-US" sz="1800" b="0" i="0" u="none" strike="noStrike" cap="none" normalizeH="0" baseline="0" smtClean="0">
+                          <a:ln>
+                            <a:noFill/>
+                          </a:ln>
+                          <a:solidFill>
+                            <a:srgbClr val="000000"/>
+                          </a:solidFill>
+                          <a:effectLst/>
+                          <a:latin typeface="Calibri" pitchFamily="34" charset="0"/>
+                          <a:ea typeface="ＭＳ Ｐゴシック" charset="-128"/>
+                        </a:rPr>
+                        <a:t>リーダー</a:t>
+                      </a:r>
+                      <a:endParaRPr kumimoji="0" lang="en-CA" sz="1800" b="0" i="0" u="none" strike="noStrike" cap="none" normalizeH="0" baseline="0" smtClean="0">
+                        <a:ln>
+                          <a:noFill/>
+                        </a:ln>
+                        <a:solidFill>
+                          <a:srgbClr val="000000"/>
+                        </a:solidFill>
+                        <a:effectLst/>
+                        <a:latin typeface="Calibri" pitchFamily="34" charset="0"/>
+                      </a:endParaRPr>
+                    </a:p>
+                  </a:txBody>
+                  <a:tcPr horzOverflow="overflow">
+                    <a:lnL w="12700" cap="flat" cmpd="sng" algn="ctr">
+                      <a:solidFill>
+                        <a:schemeClr val="bg1"/>
+                      </a:solidFill>
+                      <a:prstDash val="solid"/>
+                      <a:round/>
+                      <a:headEnd type="none" w="med" len="med"/>
+                      <a:tailEnd type="none" w="med" len="med"/>
+                    </a:lnL>
+                    <a:lnR w="12700" cap="flat" cmpd="sng" algn="ctr">
+                      <a:solidFill>
+                        <a:schemeClr val="bg1"/>
+                      </a:solidFill>
+                      <a:prstDash val="solid"/>
+                      <a:round/>
+                      <a:headEnd type="none" w="med" len="med"/>
+                      <a:tailEnd type="none" w="med" len="med"/>
+                    </a:lnR>
+                    <a:lnT w="38100" cap="flat" cmpd="sng" algn="ctr">
+                      <a:solidFill>
+                        <a:schemeClr val="bg1"/>
+                      </a:solidFill>
+                      <a:prstDash val="solid"/>
+                      <a:round/>
+                      <a:headEnd type="none" w="med" len="med"/>
+                      <a:tailEnd type="none" w="med" len="med"/>
+                    </a:lnT>
+                    <a:lnB w="12700" cap="flat" cmpd="sng" algn="ctr">
+                      <a:solidFill>
+                        <a:schemeClr val="bg1"/>
+                      </a:solidFill>
+                      <a:prstDash val="solid"/>
+                      <a:round/>
+                      <a:headEnd type="none" w="med" len="med"/>
+                      <a:tailEnd type="none" w="med" len="med"/>
+                    </a:lnB>
+                    <a:lnTlToBr>
+                      <a:noFill/>
+                    </a:lnTlToBr>
+                    <a:lnBlToTr>
+                      <a:noFill/>
+                    </a:lnBlToTr>
+                    <a:solidFill>
+                      <a:srgbClr val="D0D8E8"/>
+                    </a:solidFill>
+                  </a:tcPr>
+                </a:tc>
+                <a:tc>
+                  <a:txBody>
+                    <a:bodyPr/>
+                    <a:lstStyle/>
+                    <a:p>
+                      <a:pPr marL="0" marR="0" lvl="0" indent="0" algn="l" defTabSz="914400" rtl="0" eaLnBrk="1" fontAlgn="base" latinLnBrk="0" hangingPunct="1">
+                        <a:lnSpc>
+                          <a:spcPct val="100000"/>
+                        </a:lnSpc>
+                        <a:spcBef>
+                          <a:spcPct val="0"/>
+                        </a:spcBef>
+                        <a:spcAft>
+                          <a:spcPct val="0"/>
+                        </a:spcAft>
+                        <a:buClrTx/>
+                        <a:buSzTx/>
+                        <a:buFontTx/>
+                        <a:buNone/>
+                        <a:tabLst/>
+                      </a:pPr>
+                      <a:r>
+                        <a:rPr kumimoji="0" lang="ja-JP" altLang="en-US" sz="1800" b="0" i="0" u="none" strike="noStrike" cap="none" normalizeH="0" baseline="0" smtClean="0">
+                          <a:ln>
+                            <a:noFill/>
+                          </a:ln>
+                          <a:solidFill>
+                            <a:srgbClr val="000000"/>
+                          </a:solidFill>
+                          <a:effectLst/>
+                          <a:latin typeface="Calibri" pitchFamily="34" charset="0"/>
+                          <a:ea typeface="ＭＳ Ｐゴシック" charset="-128"/>
+                        </a:rPr>
+                        <a:t>チームの牽引すること。また、チームメンバーと同等の能力。</a:t>
+                      </a:r>
+                      <a:endParaRPr kumimoji="0" lang="en-CA" sz="1800" b="0" i="0" u="none" strike="noStrike" cap="none" normalizeH="0" baseline="0" smtClean="0">
+                        <a:ln>
+                          <a:noFill/>
+                        </a:ln>
+                        <a:solidFill>
+                          <a:srgbClr val="000000"/>
+                        </a:solidFill>
+                        <a:effectLst/>
+                        <a:latin typeface="Calibri" pitchFamily="34" charset="0"/>
+                      </a:endParaRPr>
+                    </a:p>
+                  </a:txBody>
+                  <a:tcPr horzOverflow="overflow">
+                    <a:lnL w="12700" cap="flat" cmpd="sng" algn="ctr">
+                      <a:solidFill>
+                        <a:schemeClr val="bg1"/>
+                      </a:solidFill>
+                      <a:prstDash val="solid"/>
+                      <a:round/>
+                      <a:headEnd type="none" w="med" len="med"/>
+                      <a:tailEnd type="none" w="med" len="med"/>
+                    </a:lnL>
+                    <a:lnR w="12700" cap="flat" cmpd="sng" algn="ctr">
+                      <a:solidFill>
+                        <a:schemeClr val="bg1"/>
+                      </a:solidFill>
+                      <a:prstDash val="solid"/>
+                      <a:round/>
+                      <a:headEnd type="none" w="med" len="med"/>
+                      <a:tailEnd type="none" w="med" len="med"/>
+                    </a:lnR>
+                    <a:lnT w="38100" cap="flat" cmpd="sng" algn="ctr">
+                      <a:solidFill>
+                        <a:schemeClr val="bg1"/>
+                      </a:solidFill>
+                      <a:prstDash val="solid"/>
+                      <a:round/>
+                      <a:headEnd type="none" w="med" len="med"/>
+                      <a:tailEnd type="none" w="med" len="med"/>
+                    </a:lnT>
+                    <a:lnB w="12700" cap="flat" cmpd="sng" algn="ctr">
+                      <a:solidFill>
+                        <a:schemeClr val="bg1"/>
+                      </a:solidFill>
+                      <a:prstDash val="solid"/>
+                      <a:round/>
+                      <a:headEnd type="none" w="med" len="med"/>
+                      <a:tailEnd type="none" w="med" len="med"/>
+                    </a:lnB>
+                    <a:lnTlToBr>
+                      <a:noFill/>
+                    </a:lnTlToBr>
+                    <a:lnBlToTr>
+                      <a:noFill/>
+                    </a:lnBlToTr>
+                    <a:solidFill>
+                      <a:srgbClr val="D0D8E8"/>
+                    </a:solidFill>
+                  </a:tcPr>
+                </a:tc>
+              </a:tr>
+              <a:tr h="371475">
+                <a:tc>
+                  <a:txBody>
+                    <a:bodyPr/>
+                    <a:lstStyle/>
+                    <a:p>
+                      <a:pPr marL="0" marR="0" lvl="0" indent="0" algn="l" defTabSz="914400" rtl="0" eaLnBrk="1" fontAlgn="base" latinLnBrk="0" hangingPunct="1">
+                        <a:lnSpc>
+                          <a:spcPct val="100000"/>
+                        </a:lnSpc>
+                        <a:spcBef>
+                          <a:spcPct val="0"/>
+                        </a:spcBef>
+                        <a:spcAft>
+                          <a:spcPct val="0"/>
+                        </a:spcAft>
+                        <a:buClrTx/>
+                        <a:buSzTx/>
+                        <a:buFontTx/>
+                        <a:buNone/>
+                        <a:tabLst/>
+                      </a:pPr>
+                      <a:r>
+                        <a:rPr kumimoji="0" lang="en-CA" altLang="ja-JP" sz="1800" b="0" i="0" u="none" strike="noStrike" cap="none" normalizeH="0" baseline="0" smtClean="0">
+                          <a:ln>
+                            <a:noFill/>
+                          </a:ln>
+                          <a:solidFill>
+                            <a:srgbClr val="000000"/>
+                          </a:solidFill>
+                          <a:effectLst/>
+                          <a:latin typeface="Calibri" pitchFamily="34" charset="0"/>
+                          <a:ea typeface="ＭＳ Ｐゴシック" charset="-128"/>
+                        </a:rPr>
+                        <a:t>2</a:t>
+                      </a:r>
+                    </a:p>
+                  </a:txBody>
+                  <a:tcPr horzOverflow="overflow">
+                    <a:lnL w="12700" cap="flat" cmpd="sng" algn="ctr">
+                      <a:solidFill>
+                        <a:schemeClr val="bg1"/>
+                      </a:solidFill>
+                      <a:prstDash val="solid"/>
+                      <a:round/>
+                      <a:headEnd type="none" w="med" len="med"/>
+                      <a:tailEnd type="none" w="med" len="med"/>
+                    </a:lnL>
+                    <a:lnR w="12700" cap="flat" cmpd="sng" algn="ctr">
+                      <a:solidFill>
+                        <a:schemeClr val="bg1"/>
+                      </a:solidFill>
+                      <a:prstDash val="solid"/>
+                      <a:round/>
+                      <a:headEnd type="none" w="med" len="med"/>
+                      <a:tailEnd type="none" w="med" len="med"/>
+                    </a:lnR>
+                    <a:lnT w="12700" cap="flat" cmpd="sng" algn="ctr">
+                      <a:solidFill>
+                        <a:schemeClr val="bg1"/>
+                      </a:solidFill>
+                      <a:prstDash val="solid"/>
+                      <a:round/>
+                      <a:headEnd type="none" w="med" len="med"/>
+                      <a:tailEnd type="none" w="med" len="med"/>
+                    </a:lnT>
+                    <a:lnB w="12700" cap="flat" cmpd="sng" algn="ctr">
+                      <a:solidFill>
+                        <a:schemeClr val="bg1"/>
+                      </a:solidFill>
+                      <a:prstDash val="solid"/>
+                      <a:round/>
+                      <a:headEnd type="none" w="med" len="med"/>
+                      <a:tailEnd type="none" w="med" len="med"/>
+                    </a:lnB>
+                    <a:lnTlToBr>
+                      <a:noFill/>
+                    </a:lnTlToBr>
+                    <a:lnBlToTr>
+                      <a:noFill/>
+                    </a:lnBlToTr>
+                    <a:solidFill>
+                      <a:srgbClr val="E9EDF4"/>
+                    </a:solidFill>
+                  </a:tcPr>
+                </a:tc>
+                <a:tc>
+                  <a:txBody>
+                    <a:bodyPr/>
+                    <a:lstStyle/>
+                    <a:p>
+                      <a:pPr marL="0" marR="0" lvl="0" indent="0" algn="l" defTabSz="914400" rtl="0" eaLnBrk="1" fontAlgn="base" latinLnBrk="0" hangingPunct="1">
+                        <a:lnSpc>
+                          <a:spcPct val="100000"/>
+                        </a:lnSpc>
+                        <a:spcBef>
+                          <a:spcPct val="0"/>
+                        </a:spcBef>
+                        <a:spcAft>
+                          <a:spcPct val="0"/>
+                        </a:spcAft>
+                        <a:buClrTx/>
+                        <a:buSzTx/>
+                        <a:buFontTx/>
+                        <a:buNone/>
+                        <a:tabLst/>
+                      </a:pPr>
+                      <a:r>
+                        <a:rPr kumimoji="0" lang="ja-JP" altLang="en-US" sz="1800" b="0" i="0" u="none" strike="noStrike" cap="none" normalizeH="0" baseline="0" smtClean="0">
+                          <a:ln>
+                            <a:noFill/>
+                          </a:ln>
+                          <a:solidFill>
+                            <a:srgbClr val="000000"/>
+                          </a:solidFill>
+                          <a:effectLst/>
+                          <a:latin typeface="Calibri" pitchFamily="34" charset="0"/>
+                          <a:ea typeface="ＭＳ Ｐゴシック" charset="-128"/>
+                        </a:rPr>
+                        <a:t>チームメンバー</a:t>
+                      </a:r>
+                      <a:endParaRPr kumimoji="0" lang="en-CA" sz="1800" b="0" i="0" u="none" strike="noStrike" cap="none" normalizeH="0" baseline="0" smtClean="0">
+                        <a:ln>
+                          <a:noFill/>
+                        </a:ln>
+                        <a:solidFill>
+                          <a:srgbClr val="000000"/>
+                        </a:solidFill>
+                        <a:effectLst/>
+                        <a:latin typeface="Calibri" pitchFamily="34" charset="0"/>
+                      </a:endParaRPr>
+                    </a:p>
+                  </a:txBody>
+                  <a:tcPr horzOverflow="overflow">
+                    <a:lnL w="12700" cap="flat" cmpd="sng" algn="ctr">
+                      <a:solidFill>
+                        <a:schemeClr val="bg1"/>
+                      </a:solidFill>
+                      <a:prstDash val="solid"/>
+                      <a:round/>
+                      <a:headEnd type="none" w="med" len="med"/>
+                      <a:tailEnd type="none" w="med" len="med"/>
+                    </a:lnL>
+                    <a:lnR w="12700" cap="flat" cmpd="sng" algn="ctr">
+                      <a:solidFill>
+                        <a:schemeClr val="bg1"/>
+                      </a:solidFill>
+                      <a:prstDash val="solid"/>
+                      <a:round/>
+                      <a:headEnd type="none" w="med" len="med"/>
+                      <a:tailEnd type="none" w="med" len="med"/>
+                    </a:lnR>
+                    <a:lnT w="12700" cap="flat" cmpd="sng" algn="ctr">
+                      <a:solidFill>
+                        <a:schemeClr val="bg1"/>
+                      </a:solidFill>
+                      <a:prstDash val="solid"/>
+                      <a:round/>
+                      <a:headEnd type="none" w="med" len="med"/>
+                      <a:tailEnd type="none" w="med" len="med"/>
+                    </a:lnT>
+                    <a:lnB w="12700" cap="flat" cmpd="sng" algn="ctr">
+                      <a:solidFill>
+                        <a:schemeClr val="bg1"/>
+                      </a:solidFill>
+                      <a:prstDash val="solid"/>
+                      <a:round/>
+                      <a:headEnd type="none" w="med" len="med"/>
+                      <a:tailEnd type="none" w="med" len="med"/>
+                    </a:lnB>
+                    <a:lnTlToBr>
+                      <a:noFill/>
+                    </a:lnTlToBr>
+                    <a:lnBlToTr>
+                      <a:noFill/>
+                    </a:lnBlToTr>
+                    <a:solidFill>
+                      <a:srgbClr val="E9EDF4"/>
+                    </a:solidFill>
+                  </a:tcPr>
+                </a:tc>
+                <a:tc>
+                  <a:txBody>
+                    <a:bodyPr/>
+                    <a:lstStyle/>
+                    <a:p>
+                      <a:pPr marL="0" marR="0" lvl="0" indent="0" algn="l" defTabSz="914400" rtl="0" eaLnBrk="1" fontAlgn="base" latinLnBrk="0" hangingPunct="1">
+                        <a:lnSpc>
+                          <a:spcPct val="100000"/>
+                        </a:lnSpc>
+                        <a:spcBef>
+                          <a:spcPct val="0"/>
+                        </a:spcBef>
+                        <a:spcAft>
+                          <a:spcPct val="0"/>
+                        </a:spcAft>
+                        <a:buClrTx/>
+                        <a:buSzTx/>
+                        <a:buFontTx/>
+                        <a:buNone/>
+                        <a:tabLst/>
+                      </a:pPr>
+                      <a:r>
+                        <a:rPr kumimoji="0" lang="en-CA" altLang="ja-JP" sz="1800" b="0" i="0" u="none" strike="noStrike" cap="none" normalizeH="0" baseline="0" smtClean="0">
+                          <a:ln>
+                            <a:noFill/>
+                          </a:ln>
+                          <a:solidFill>
+                            <a:srgbClr val="000000"/>
+                          </a:solidFill>
+                          <a:effectLst/>
+                          <a:latin typeface="Calibri" pitchFamily="34" charset="0"/>
+                          <a:ea typeface="ＭＳ Ｐゴシック" charset="-128"/>
+                        </a:rPr>
+                        <a:t>C</a:t>
+                      </a:r>
+                      <a:r>
+                        <a:rPr kumimoji="0" lang="ja-JP" altLang="en-US" sz="1800" b="0" i="0" u="none" strike="noStrike" cap="none" normalizeH="0" baseline="0" smtClean="0">
+                          <a:ln>
+                            <a:noFill/>
+                          </a:ln>
+                          <a:solidFill>
+                            <a:srgbClr val="000000"/>
+                          </a:solidFill>
+                          <a:effectLst/>
+                          <a:latin typeface="Calibri" pitchFamily="34" charset="0"/>
+                          <a:ea typeface="ＭＳ Ｐゴシック" charset="-128"/>
+                        </a:rPr>
+                        <a:t>（プログラミング）</a:t>
+                      </a:r>
+                      <a:r>
+                        <a:rPr kumimoji="0" lang="en-CA" altLang="ja-JP" sz="1800" b="0" i="0" u="none" strike="noStrike" cap="none" normalizeH="0" baseline="0" smtClean="0">
+                          <a:ln>
+                            <a:noFill/>
+                          </a:ln>
+                          <a:solidFill>
+                            <a:srgbClr val="000000"/>
+                          </a:solidFill>
+                          <a:effectLst/>
+                          <a:latin typeface="Calibri" pitchFamily="34" charset="0"/>
+                          <a:ea typeface="ＭＳ Ｐゴシック" charset="-128"/>
+                        </a:rPr>
+                        <a:t>,UML</a:t>
+                      </a:r>
+                      <a:r>
+                        <a:rPr kumimoji="0" lang="ja-JP" altLang="en-US" sz="1800" b="0" i="0" u="none" strike="noStrike" cap="none" normalizeH="0" baseline="0" smtClean="0">
+                          <a:ln>
+                            <a:noFill/>
+                          </a:ln>
+                          <a:solidFill>
+                            <a:srgbClr val="000000"/>
+                          </a:solidFill>
+                          <a:effectLst/>
+                          <a:latin typeface="Calibri" pitchFamily="34" charset="0"/>
+                          <a:ea typeface="ＭＳ Ｐゴシック" charset="-128"/>
+                        </a:rPr>
+                        <a:t>（モデリングデザイン）</a:t>
+                      </a:r>
+                      <a:r>
+                        <a:rPr kumimoji="0" lang="en-CA" altLang="ja-JP" sz="1800" b="0" i="0" u="none" strike="noStrike" cap="none" normalizeH="0" baseline="0" smtClean="0">
+                          <a:ln>
+                            <a:noFill/>
+                          </a:ln>
+                          <a:solidFill>
+                            <a:srgbClr val="000000"/>
+                          </a:solidFill>
+                          <a:effectLst/>
+                          <a:latin typeface="Calibri" pitchFamily="34" charset="0"/>
+                          <a:ea typeface="ＭＳ Ｐゴシック" charset="-128"/>
+                        </a:rPr>
+                        <a:t>,</a:t>
+                      </a:r>
+                      <a:r>
+                        <a:rPr kumimoji="0" lang="ja-JP" altLang="en-US" sz="1800" b="0" i="0" u="none" strike="noStrike" cap="none" normalizeH="0" baseline="0" smtClean="0">
+                          <a:ln>
+                            <a:noFill/>
+                          </a:ln>
+                          <a:solidFill>
+                            <a:srgbClr val="000000"/>
+                          </a:solidFill>
+                          <a:effectLst/>
+                          <a:latin typeface="Calibri" pitchFamily="34" charset="0"/>
+                          <a:ea typeface="ＭＳ Ｐゴシック" charset="-128"/>
+                        </a:rPr>
+                        <a:t>デザイン、コミュニケーション能力、積極性、</a:t>
+                      </a:r>
+                      <a:endParaRPr kumimoji="0" lang="en-CA" sz="1800" b="0" i="0" u="none" strike="noStrike" cap="none" normalizeH="0" baseline="0" smtClean="0">
+                        <a:ln>
+                          <a:noFill/>
+                        </a:ln>
+                        <a:solidFill>
+                          <a:srgbClr val="000000"/>
+                        </a:solidFill>
+                        <a:effectLst/>
+                        <a:latin typeface="Calibri" pitchFamily="34" charset="0"/>
+                      </a:endParaRPr>
+                    </a:p>
+                  </a:txBody>
+                  <a:tcPr horzOverflow="overflow">
+                    <a:lnL w="12700" cap="flat" cmpd="sng" algn="ctr">
+                      <a:solidFill>
+                        <a:schemeClr val="bg1"/>
+                      </a:solidFill>
+                      <a:prstDash val="solid"/>
+                      <a:round/>
+                      <a:headEnd type="none" w="med" len="med"/>
+                      <a:tailEnd type="none" w="med" len="med"/>
+                    </a:lnL>
+                    <a:lnR w="12700" cap="flat" cmpd="sng" algn="ctr">
+                      <a:solidFill>
+                        <a:schemeClr val="bg1"/>
+                      </a:solidFill>
+                      <a:prstDash val="solid"/>
+                      <a:round/>
+                      <a:headEnd type="none" w="med" len="med"/>
+                      <a:tailEnd type="none" w="med" len="med"/>
+                    </a:lnR>
+                    <a:lnT w="12700" cap="flat" cmpd="sng" algn="ctr">
+                      <a:solidFill>
+                        <a:schemeClr val="bg1"/>
+                      </a:solidFill>
+                      <a:prstDash val="solid"/>
+                      <a:round/>
+                      <a:headEnd type="none" w="med" len="med"/>
+                      <a:tailEnd type="none" w="med" len="med"/>
+                    </a:lnT>
+                    <a:lnB w="12700" cap="flat" cmpd="sng" algn="ctr">
+                      <a:solidFill>
+                        <a:schemeClr val="bg1"/>
+                      </a:solidFill>
+                      <a:prstDash val="solid"/>
+                      <a:round/>
+                      <a:headEnd type="none" w="med" len="med"/>
+                      <a:tailEnd type="none" w="med" len="med"/>
+                    </a:lnB>
+                    <a:lnTlToBr>
+                      <a:noFill/>
+                    </a:lnTlToBr>
+                    <a:lnBlToTr>
+                      <a:noFill/>
+                    </a:lnBlToTr>
+                    <a:solidFill>
+                      <a:srgbClr val="E9EDF4"/>
+                    </a:solidFill>
+                  </a:tcPr>
+                </a:tc>
+              </a:tr>
+              <a:tr h="371475">
+                <a:tc>
+                  <a:txBody>
+                    <a:bodyPr/>
+                    <a:lstStyle/>
+                    <a:p>
+                      <a:pPr marL="0" marR="0" lvl="0" indent="0" algn="l" defTabSz="914400" rtl="0" eaLnBrk="1" fontAlgn="base" latinLnBrk="0" hangingPunct="1">
+                        <a:lnSpc>
+                          <a:spcPct val="100000"/>
+                        </a:lnSpc>
+                        <a:spcBef>
+                          <a:spcPct val="0"/>
+                        </a:spcBef>
+                        <a:spcAft>
+                          <a:spcPct val="0"/>
+                        </a:spcAft>
+                        <a:buClrTx/>
+                        <a:buSzTx/>
+                        <a:buFontTx/>
+                        <a:buNone/>
+                        <a:tabLst/>
+                      </a:pPr>
+                      <a:endParaRPr kumimoji="0" lang="en-CA" altLang="ja-JP" sz="1800" b="0" i="0" u="none" strike="noStrike" cap="none" normalizeH="0" baseline="0" smtClean="0">
+                        <a:ln>
+                          <a:noFill/>
+                        </a:ln>
+                        <a:solidFill>
+                          <a:srgbClr val="000000"/>
+                        </a:solidFill>
+                        <a:effectLst/>
+                        <a:latin typeface="Calibri" pitchFamily="34" charset="0"/>
+                        <a:ea typeface="ＭＳ Ｐゴシック" charset="-128"/>
+                      </a:endParaRPr>
+                    </a:p>
+                  </a:txBody>
+                  <a:tcPr horzOverflow="overflow">
+                    <a:lnL w="12700" cap="flat" cmpd="sng" algn="ctr">
+                      <a:solidFill>
+                        <a:schemeClr val="bg1"/>
+                      </a:solidFill>
+                      <a:prstDash val="solid"/>
+                      <a:round/>
+                      <a:headEnd type="none" w="med" len="med"/>
+                      <a:tailEnd type="none" w="med" len="med"/>
+                    </a:lnL>
+                    <a:lnR w="12700" cap="flat" cmpd="sng" algn="ctr">
+                      <a:solidFill>
+                        <a:schemeClr val="bg1"/>
+                      </a:solidFill>
+                      <a:prstDash val="solid"/>
+                      <a:round/>
+                      <a:headEnd type="none" w="med" len="med"/>
+                      <a:tailEnd type="none" w="med" len="med"/>
+                    </a:lnR>
+                    <a:lnT w="12700" cap="flat" cmpd="sng" algn="ctr">
+                      <a:solidFill>
+                        <a:schemeClr val="bg1"/>
+                      </a:solidFill>
+                      <a:prstDash val="solid"/>
+                      <a:round/>
+                      <a:headEnd type="none" w="med" len="med"/>
+                      <a:tailEnd type="none" w="med" len="med"/>
+                    </a:lnT>
+                    <a:lnB w="12700" cap="flat" cmpd="sng" algn="ctr">
+                      <a:solidFill>
+                        <a:schemeClr val="bg1"/>
+                      </a:solidFill>
+                      <a:prstDash val="solid"/>
+                      <a:round/>
+                      <a:headEnd type="none" w="med" len="med"/>
+                      <a:tailEnd type="none" w="med" len="med"/>
+                    </a:lnB>
+                    <a:lnTlToBr>
+                      <a:noFill/>
+                    </a:lnTlToBr>
+                    <a:lnBlToTr>
+                      <a:noFill/>
+                    </a:lnBlToTr>
+                    <a:solidFill>
+                      <a:srgbClr val="D0D8E8"/>
+                    </a:solidFill>
+                  </a:tcPr>
+                </a:tc>
+                <a:tc>
+                  <a:txBody>
+                    <a:bodyPr/>
+                    <a:lstStyle/>
+                    <a:p>
+                      <a:pPr marL="0" marR="0" lvl="0" indent="0" algn="l" defTabSz="914400" rtl="0" eaLnBrk="1" fontAlgn="base" latinLnBrk="0" hangingPunct="1">
+                        <a:lnSpc>
+                          <a:spcPct val="100000"/>
+                        </a:lnSpc>
+                        <a:spcBef>
+                          <a:spcPct val="0"/>
+                        </a:spcBef>
+                        <a:spcAft>
+                          <a:spcPct val="0"/>
+                        </a:spcAft>
+                        <a:buClrTx/>
+                        <a:buSzTx/>
+                        <a:buFontTx/>
+                        <a:buNone/>
+                        <a:tabLst/>
+                      </a:pPr>
+                      <a:endParaRPr kumimoji="0" lang="en-CA" altLang="ja-JP" sz="1800" b="0" i="0" u="none" strike="noStrike" cap="none" normalizeH="0" baseline="0" smtClean="0">
+                        <a:ln>
+                          <a:noFill/>
+                        </a:ln>
+                        <a:solidFill>
+                          <a:srgbClr val="000000"/>
+                        </a:solidFill>
+                        <a:effectLst/>
+                        <a:latin typeface="Calibri" pitchFamily="34" charset="0"/>
+                        <a:ea typeface="ＭＳ Ｐゴシック" charset="-128"/>
+                      </a:endParaRPr>
+                    </a:p>
+                  </a:txBody>
+                  <a:tcPr horzOverflow="overflow">
+                    <a:lnL w="12700" cap="flat" cmpd="sng" algn="ctr">
+                      <a:solidFill>
+                        <a:schemeClr val="bg1"/>
+                      </a:solidFill>
+                      <a:prstDash val="solid"/>
+                      <a:round/>
+                      <a:headEnd type="none" w="med" len="med"/>
+                      <a:tailEnd type="none" w="med" len="med"/>
+                    </a:lnL>
+                    <a:lnR w="12700" cap="flat" cmpd="sng" algn="ctr">
+                      <a:solidFill>
+                        <a:schemeClr val="bg1"/>
+                      </a:solidFill>
+                      <a:prstDash val="solid"/>
+                      <a:round/>
+                      <a:headEnd type="none" w="med" len="med"/>
+                      <a:tailEnd type="none" w="med" len="med"/>
+                    </a:lnR>
+                    <a:lnT w="12700" cap="flat" cmpd="sng" algn="ctr">
+                      <a:solidFill>
+                        <a:schemeClr val="bg1"/>
+                      </a:solidFill>
+                      <a:prstDash val="solid"/>
+                      <a:round/>
+                      <a:headEnd type="none" w="med" len="med"/>
+                      <a:tailEnd type="none" w="med" len="med"/>
+                    </a:lnT>
+                    <a:lnB w="12700" cap="flat" cmpd="sng" algn="ctr">
+                      <a:solidFill>
+                        <a:schemeClr val="bg1"/>
+                      </a:solidFill>
+                      <a:prstDash val="solid"/>
+                      <a:round/>
+                      <a:headEnd type="none" w="med" len="med"/>
+                      <a:tailEnd type="none" w="med" len="med"/>
+                    </a:lnB>
+                    <a:lnTlToBr>
+                      <a:noFill/>
+                    </a:lnTlToBr>
+                    <a:lnBlToTr>
+                      <a:noFill/>
+                    </a:lnBlToTr>
+                    <a:solidFill>
+                      <a:srgbClr val="D0D8E8"/>
+                    </a:solidFill>
+                  </a:tcPr>
+                </a:tc>
+                <a:tc>
+                  <a:txBody>
+                    <a:bodyPr/>
+                    <a:lstStyle/>
+                    <a:p>
+                      <a:pPr marL="0" marR="0" lvl="0" indent="0" algn="l" defTabSz="914400" rtl="0" eaLnBrk="1" fontAlgn="base" latinLnBrk="0" hangingPunct="1">
+                        <a:lnSpc>
+                          <a:spcPct val="100000"/>
+                        </a:lnSpc>
+                        <a:spcBef>
+                          <a:spcPct val="0"/>
+                        </a:spcBef>
+                        <a:spcAft>
+                          <a:spcPct val="0"/>
+                        </a:spcAft>
+                        <a:buClrTx/>
+                        <a:buSzTx/>
+                        <a:buFontTx/>
+                        <a:buNone/>
+                        <a:tabLst/>
+                      </a:pPr>
+                      <a:endParaRPr kumimoji="0" lang="en-CA" altLang="ja-JP" sz="1800" b="0" i="0" u="none" strike="noStrike" cap="none" normalizeH="0" baseline="0" smtClean="0">
+                        <a:ln>
+                          <a:noFill/>
+                        </a:ln>
+                        <a:solidFill>
+                          <a:srgbClr val="000000"/>
+                        </a:solidFill>
+                        <a:effectLst/>
+                        <a:latin typeface="Calibri" pitchFamily="34" charset="0"/>
+                        <a:ea typeface="ＭＳ Ｐゴシック" charset="-128"/>
+                      </a:endParaRPr>
+                    </a:p>
+                  </a:txBody>
+                  <a:tcPr horzOverflow="overflow">
+                    <a:lnL w="12700" cap="flat" cmpd="sng" algn="ctr">
+                      <a:solidFill>
+                        <a:schemeClr val="bg1"/>
+                      </a:solidFill>
+                      <a:prstDash val="solid"/>
+                      <a:round/>
+                      <a:headEnd type="none" w="med" len="med"/>
+                      <a:tailEnd type="none" w="med" len="med"/>
+                    </a:lnL>
+                    <a:lnR w="12700" cap="flat" cmpd="sng" algn="ctr">
+                      <a:solidFill>
+                        <a:schemeClr val="bg1"/>
+                      </a:solidFill>
+                      <a:prstDash val="solid"/>
+                      <a:round/>
+                      <a:headEnd type="none" w="med" len="med"/>
+                      <a:tailEnd type="none" w="med" len="med"/>
+                    </a:lnR>
+                    <a:lnT w="12700" cap="flat" cmpd="sng" algn="ctr">
+                      <a:solidFill>
+                        <a:schemeClr val="bg1"/>
+                      </a:solidFill>
+                      <a:prstDash val="solid"/>
+                      <a:round/>
+                      <a:headEnd type="none" w="med" len="med"/>
+                      <a:tailEnd type="none" w="med" len="med"/>
+                    </a:lnT>
+                    <a:lnB w="12700" cap="flat" cmpd="sng" algn="ctr">
+                      <a:solidFill>
+                        <a:schemeClr val="bg1"/>
+                      </a:solidFill>
+                      <a:prstDash val="solid"/>
+                      <a:round/>
+                      <a:headEnd type="none" w="med" len="med"/>
+                      <a:tailEnd type="none" w="med" len="med"/>
+                    </a:lnB>
+                    <a:lnTlToBr>
+                      <a:noFill/>
+                    </a:lnTlToBr>
+                    <a:lnBlToTr>
+                      <a:noFill/>
+                    </a:lnBlToTr>
+                    <a:solidFill>
+                      <a:srgbClr val="D0D8E8"/>
+                    </a:solidFill>
+                  </a:tcPr>
+                </a:tc>
+              </a:tr>
+              <a:tr h="371475">
+                <a:tc>
+                  <a:txBody>
+                    <a:bodyPr/>
+                    <a:lstStyle/>
+                    <a:p>
+                      <a:pPr marL="0" marR="0" lvl="0" indent="0" algn="l" defTabSz="914400" rtl="0" eaLnBrk="1" fontAlgn="base" latinLnBrk="0" hangingPunct="1">
+                        <a:lnSpc>
+                          <a:spcPct val="100000"/>
+                        </a:lnSpc>
+                        <a:spcBef>
+                          <a:spcPct val="0"/>
+                        </a:spcBef>
+                        <a:spcAft>
+                          <a:spcPct val="0"/>
+                        </a:spcAft>
+                        <a:buClrTx/>
+                        <a:buSzTx/>
+                        <a:buFontTx/>
+                        <a:buNone/>
+                        <a:tabLst/>
+                      </a:pPr>
+                      <a:endParaRPr kumimoji="0" lang="en-CA" altLang="ja-JP" sz="1800" b="0" i="0" u="none" strike="noStrike" cap="none" normalizeH="0" baseline="0" smtClean="0">
+                        <a:ln>
+                          <a:noFill/>
+                        </a:ln>
+                        <a:solidFill>
+                          <a:srgbClr val="000000"/>
+                        </a:solidFill>
+                        <a:effectLst/>
+                        <a:latin typeface="Calibri" pitchFamily="34" charset="0"/>
+                        <a:ea typeface="ＭＳ Ｐゴシック" charset="-128"/>
+                      </a:endParaRPr>
+                    </a:p>
+                  </a:txBody>
+                  <a:tcPr horzOverflow="overflow">
+                    <a:lnL w="12700" cap="flat" cmpd="sng" algn="ctr">
+                      <a:solidFill>
+                        <a:schemeClr val="bg1"/>
+                      </a:solidFill>
+                      <a:prstDash val="solid"/>
+                      <a:round/>
+                      <a:headEnd type="none" w="med" len="med"/>
+                      <a:tailEnd type="none" w="med" len="med"/>
+                    </a:lnL>
+                    <a:lnR w="12700" cap="flat" cmpd="sng" algn="ctr">
+                      <a:solidFill>
+                        <a:schemeClr val="bg1"/>
+                      </a:solidFill>
+                      <a:prstDash val="solid"/>
+                      <a:round/>
+                      <a:headEnd type="none" w="med" len="med"/>
+                      <a:tailEnd type="none" w="med" len="med"/>
+                    </a:lnR>
+                    <a:lnT w="12700" cap="flat" cmpd="sng" algn="ctr">
+                      <a:solidFill>
+                        <a:schemeClr val="bg1"/>
+                      </a:solidFill>
+                      <a:prstDash val="solid"/>
+                      <a:round/>
+                      <a:headEnd type="none" w="med" len="med"/>
+                      <a:tailEnd type="none" w="med" len="med"/>
+                    </a:lnT>
+                    <a:lnB w="12700" cap="flat" cmpd="sng" algn="ctr">
+                      <a:solidFill>
+                        <a:schemeClr val="bg1"/>
+                      </a:solidFill>
+                      <a:prstDash val="solid"/>
+                      <a:round/>
+                      <a:headEnd type="none" w="med" len="med"/>
+                      <a:tailEnd type="none" w="med" len="med"/>
+                    </a:lnB>
+                    <a:lnTlToBr>
+                      <a:noFill/>
+                    </a:lnTlToBr>
+                    <a:lnBlToTr>
+                      <a:noFill/>
+                    </a:lnBlToTr>
+                    <a:solidFill>
+                      <a:srgbClr val="E9EDF4"/>
+                    </a:solidFill>
+                  </a:tcPr>
+                </a:tc>
+                <a:tc>
+                  <a:txBody>
+                    <a:bodyPr/>
+                    <a:lstStyle/>
+                    <a:p>
+                      <a:pPr marL="0" marR="0" lvl="0" indent="0" algn="l" defTabSz="914400" rtl="0" eaLnBrk="1" fontAlgn="base" latinLnBrk="0" hangingPunct="1">
+                        <a:lnSpc>
+                          <a:spcPct val="100000"/>
+                        </a:lnSpc>
+                        <a:spcBef>
+                          <a:spcPct val="0"/>
+                        </a:spcBef>
+                        <a:spcAft>
+                          <a:spcPct val="0"/>
+                        </a:spcAft>
+                        <a:buClrTx/>
+                        <a:buSzTx/>
+                        <a:buFontTx/>
+                        <a:buNone/>
+                        <a:tabLst/>
+                      </a:pPr>
+                      <a:endParaRPr kumimoji="0" lang="en-CA" altLang="ja-JP" sz="1800" b="0" i="0" u="none" strike="noStrike" cap="none" normalizeH="0" baseline="0" smtClean="0">
+                        <a:ln>
+                          <a:noFill/>
+                        </a:ln>
+                        <a:solidFill>
+                          <a:srgbClr val="000000"/>
+                        </a:solidFill>
+                        <a:effectLst/>
+                        <a:latin typeface="Calibri" pitchFamily="34" charset="0"/>
+                        <a:ea typeface="ＭＳ Ｐゴシック" charset="-128"/>
+                      </a:endParaRPr>
+                    </a:p>
+                  </a:txBody>
+                  <a:tcPr horzOverflow="overflow">
+                    <a:lnL w="12700" cap="flat" cmpd="sng" algn="ctr">
+                      <a:solidFill>
+                        <a:schemeClr val="bg1"/>
+                      </a:solidFill>
+                      <a:prstDash val="solid"/>
+                      <a:round/>
+                      <a:headEnd type="none" w="med" len="med"/>
+                      <a:tailEnd type="none" w="med" len="med"/>
+                    </a:lnL>
+                    <a:lnR w="12700" cap="flat" cmpd="sng" algn="ctr">
+                      <a:solidFill>
+                        <a:schemeClr val="bg1"/>
+                      </a:solidFill>
+                      <a:prstDash val="solid"/>
+                      <a:round/>
+                      <a:headEnd type="none" w="med" len="med"/>
+                      <a:tailEnd type="none" w="med" len="med"/>
+                    </a:lnR>
+                    <a:lnT w="12700" cap="flat" cmpd="sng" algn="ctr">
+                      <a:solidFill>
+                        <a:schemeClr val="bg1"/>
+                      </a:solidFill>
+                      <a:prstDash val="solid"/>
+                      <a:round/>
+                      <a:headEnd type="none" w="med" len="med"/>
+                      <a:tailEnd type="none" w="med" len="med"/>
+                    </a:lnT>
+                    <a:lnB w="12700" cap="flat" cmpd="sng" algn="ctr">
+                      <a:solidFill>
+                        <a:schemeClr val="bg1"/>
+                      </a:solidFill>
+                      <a:prstDash val="solid"/>
+                      <a:round/>
+                      <a:headEnd type="none" w="med" len="med"/>
+                      <a:tailEnd type="none" w="med" len="med"/>
+                    </a:lnB>
+                    <a:lnTlToBr>
+                      <a:noFill/>
+                    </a:lnTlToBr>
+                    <a:lnBlToTr>
+                      <a:noFill/>
+                    </a:lnBlToTr>
+                    <a:solidFill>
+                      <a:srgbClr val="E9EDF4"/>
+                    </a:solidFill>
+                  </a:tcPr>
+                </a:tc>
+                <a:tc>
+                  <a:txBody>
+                    <a:bodyPr/>
+                    <a:lstStyle/>
+                    <a:p>
+                      <a:pPr marL="0" marR="0" lvl="0" indent="0" algn="l" defTabSz="914400" rtl="0" eaLnBrk="1" fontAlgn="base" latinLnBrk="0" hangingPunct="1">
+                        <a:lnSpc>
+                          <a:spcPct val="100000"/>
+                        </a:lnSpc>
+                        <a:spcBef>
+                          <a:spcPct val="0"/>
+                        </a:spcBef>
+                        <a:spcAft>
+                          <a:spcPct val="0"/>
+                        </a:spcAft>
+                        <a:buClrTx/>
+                        <a:buSzTx/>
+                        <a:buFontTx/>
+                        <a:buNone/>
+                        <a:tabLst/>
+                      </a:pPr>
+                      <a:endParaRPr kumimoji="0" lang="en-CA" altLang="ja-JP" sz="1800" b="0" i="0" u="none" strike="noStrike" cap="none" normalizeH="0" baseline="0" smtClean="0">
+                        <a:ln>
+                          <a:noFill/>
+                        </a:ln>
+                        <a:solidFill>
+                          <a:srgbClr val="000000"/>
+                        </a:solidFill>
+                        <a:effectLst/>
+                        <a:latin typeface="Calibri" pitchFamily="34" charset="0"/>
+                        <a:ea typeface="ＭＳ Ｐゴシック" charset="-128"/>
+                      </a:endParaRPr>
+                    </a:p>
+                  </a:txBody>
+                  <a:tcPr horzOverflow="overflow">
+                    <a:lnL w="12700" cap="flat" cmpd="sng" algn="ctr">
+                      <a:solidFill>
+                        <a:schemeClr val="bg1"/>
+                      </a:solidFill>
+                      <a:prstDash val="solid"/>
+                      <a:round/>
+                      <a:headEnd type="none" w="med" len="med"/>
+                      <a:tailEnd type="none" w="med" len="med"/>
+                    </a:lnL>
+                    <a:lnR w="12700" cap="flat" cmpd="sng" algn="ctr">
+                      <a:solidFill>
+                        <a:schemeClr val="bg1"/>
+                      </a:solidFill>
+                      <a:prstDash val="solid"/>
+                      <a:round/>
+                      <a:headEnd type="none" w="med" len="med"/>
+                      <a:tailEnd type="none" w="med" len="med"/>
+                    </a:lnR>
+                    <a:lnT w="12700" cap="flat" cmpd="sng" algn="ctr">
+                      <a:solidFill>
+                        <a:schemeClr val="bg1"/>
+                      </a:solidFill>
+                      <a:prstDash val="solid"/>
+                      <a:round/>
+                      <a:headEnd type="none" w="med" len="med"/>
+                      <a:tailEnd type="none" w="med" len="med"/>
+                    </a:lnT>
+                    <a:lnB w="12700" cap="flat" cmpd="sng" algn="ctr">
+                      <a:solidFill>
+                        <a:schemeClr val="bg1"/>
+                      </a:solidFill>
+                      <a:prstDash val="solid"/>
+                      <a:round/>
+                      <a:headEnd type="none" w="med" len="med"/>
+                      <a:tailEnd type="none" w="med" len="med"/>
+                    </a:lnB>
+                    <a:lnTlToBr>
+                      <a:noFill/>
+                    </a:lnTlToBr>
+                    <a:lnBlToTr>
+                      <a:noFill/>
+                    </a:lnBlToTr>
+                    <a:solidFill>
+                      <a:srgbClr val="E9EDF4"/>
+                    </a:solidFill>
+                  </a:tcPr>
+                </a:tc>
+              </a:tr>
+              <a:tr h="371475">
+                <a:tc>
+                  <a:txBody>
+                    <a:bodyPr/>
+                    <a:lstStyle/>
+                    <a:p>
+                      <a:pPr marL="0" marR="0" lvl="0" indent="0" algn="l" defTabSz="914400" rtl="0" eaLnBrk="1" fontAlgn="base" latinLnBrk="0" hangingPunct="1">
+                        <a:lnSpc>
+                          <a:spcPct val="100000"/>
+                        </a:lnSpc>
+                        <a:spcBef>
+                          <a:spcPct val="0"/>
+                        </a:spcBef>
+                        <a:spcAft>
+                          <a:spcPct val="0"/>
+                        </a:spcAft>
+                        <a:buClrTx/>
+                        <a:buSzTx/>
+                        <a:buFontTx/>
+                        <a:buNone/>
+                        <a:tabLst/>
+                      </a:pPr>
+                      <a:endParaRPr kumimoji="0" lang="en-CA" altLang="ja-JP" sz="1800" b="0" i="0" u="none" strike="noStrike" cap="none" normalizeH="0" baseline="0" smtClean="0">
+                        <a:ln>
+                          <a:noFill/>
+                        </a:ln>
+                        <a:solidFill>
+                          <a:srgbClr val="000000"/>
+                        </a:solidFill>
+                        <a:effectLst/>
+                        <a:latin typeface="Calibri" pitchFamily="34" charset="0"/>
+                        <a:ea typeface="ＭＳ Ｐゴシック" charset="-128"/>
+                      </a:endParaRPr>
+                    </a:p>
+                  </a:txBody>
+                  <a:tcPr horzOverflow="overflow">
+                    <a:lnL w="12700" cap="flat" cmpd="sng" algn="ctr">
+                      <a:solidFill>
+                        <a:schemeClr val="bg1"/>
+                      </a:solidFill>
+                      <a:prstDash val="solid"/>
+                      <a:round/>
+                      <a:headEnd type="none" w="med" len="med"/>
+                      <a:tailEnd type="none" w="med" len="med"/>
+                    </a:lnL>
+                    <a:lnR w="12700" cap="flat" cmpd="sng" algn="ctr">
+                      <a:solidFill>
+                        <a:schemeClr val="bg1"/>
+                      </a:solidFill>
+                      <a:prstDash val="solid"/>
+                      <a:round/>
+                      <a:headEnd type="none" w="med" len="med"/>
+                      <a:tailEnd type="none" w="med" len="med"/>
+                    </a:lnR>
+                    <a:lnT w="12700" cap="flat" cmpd="sng" algn="ctr">
+                      <a:solidFill>
+                        <a:schemeClr val="bg1"/>
+                      </a:solidFill>
+                      <a:prstDash val="solid"/>
+                      <a:round/>
+                      <a:headEnd type="none" w="med" len="med"/>
+                      <a:tailEnd type="none" w="med" len="med"/>
+                    </a:lnT>
+                    <a:lnB w="12700" cap="flat" cmpd="sng" algn="ctr">
+                      <a:solidFill>
+                        <a:schemeClr val="bg1"/>
+                      </a:solidFill>
+                      <a:prstDash val="solid"/>
+                      <a:round/>
+                      <a:headEnd type="none" w="med" len="med"/>
+                      <a:tailEnd type="none" w="med" len="med"/>
+                    </a:lnB>
+                    <a:lnTlToBr>
+                      <a:noFill/>
+                    </a:lnTlToBr>
+                    <a:lnBlToTr>
+                      <a:noFill/>
+                    </a:lnBlToTr>
+                    <a:solidFill>
+                      <a:srgbClr val="D0D8E8"/>
+                    </a:solidFill>
+                  </a:tcPr>
+                </a:tc>
+                <a:tc>
+                  <a:txBody>
+                    <a:bodyPr/>
+                    <a:lstStyle/>
+                    <a:p>
+                      <a:pPr marL="0" marR="0" lvl="0" indent="0" algn="l" defTabSz="914400" rtl="0" eaLnBrk="1" fontAlgn="base" latinLnBrk="0" hangingPunct="1">
+                        <a:lnSpc>
+                          <a:spcPct val="100000"/>
+                        </a:lnSpc>
+                        <a:spcBef>
+                          <a:spcPct val="0"/>
+                        </a:spcBef>
+                        <a:spcAft>
+                          <a:spcPct val="0"/>
+                        </a:spcAft>
+                        <a:buClrTx/>
+                        <a:buSzTx/>
+                        <a:buFontTx/>
+                        <a:buNone/>
+                        <a:tabLst/>
+                      </a:pPr>
+                      <a:endParaRPr kumimoji="0" lang="en-CA" altLang="ja-JP" sz="1800" b="0" i="0" u="none" strike="noStrike" cap="none" normalizeH="0" baseline="0" smtClean="0">
+                        <a:ln>
+                          <a:noFill/>
+                        </a:ln>
+                        <a:solidFill>
+                          <a:srgbClr val="000000"/>
+                        </a:solidFill>
+                        <a:effectLst/>
+                        <a:latin typeface="Calibri" pitchFamily="34" charset="0"/>
+                        <a:ea typeface="ＭＳ Ｐゴシック" charset="-128"/>
+                      </a:endParaRPr>
+                    </a:p>
+                  </a:txBody>
+                  <a:tcPr horzOverflow="overflow">
+                    <a:lnL w="12700" cap="flat" cmpd="sng" algn="ctr">
+                      <a:solidFill>
+                        <a:schemeClr val="bg1"/>
+                      </a:solidFill>
+                      <a:prstDash val="solid"/>
+                      <a:round/>
+                      <a:headEnd type="none" w="med" len="med"/>
+                      <a:tailEnd type="none" w="med" len="med"/>
+                    </a:lnL>
+                    <a:lnR w="12700" cap="flat" cmpd="sng" algn="ctr">
+                      <a:solidFill>
+                        <a:schemeClr val="bg1"/>
+                      </a:solidFill>
+                      <a:prstDash val="solid"/>
+                      <a:round/>
+                      <a:headEnd type="none" w="med" len="med"/>
+                      <a:tailEnd type="none" w="med" len="med"/>
+                    </a:lnR>
+                    <a:lnT w="12700" cap="flat" cmpd="sng" algn="ctr">
+                      <a:solidFill>
+                        <a:schemeClr val="bg1"/>
+                      </a:solidFill>
+                      <a:prstDash val="solid"/>
+                      <a:round/>
+                      <a:headEnd type="none" w="med" len="med"/>
+                      <a:tailEnd type="none" w="med" len="med"/>
+                    </a:lnT>
+                    <a:lnB w="12700" cap="flat" cmpd="sng" algn="ctr">
+                      <a:solidFill>
+                        <a:schemeClr val="bg1"/>
+                      </a:solidFill>
+                      <a:prstDash val="solid"/>
+                      <a:round/>
+                      <a:headEnd type="none" w="med" len="med"/>
+                      <a:tailEnd type="none" w="med" len="med"/>
+                    </a:lnB>
+                    <a:lnTlToBr>
+                      <a:noFill/>
+                    </a:lnTlToBr>
+                    <a:lnBlToTr>
+                      <a:noFill/>
+                    </a:lnBlToTr>
+                    <a:solidFill>
+                      <a:srgbClr val="D0D8E8"/>
+                    </a:solidFill>
+                  </a:tcPr>
+                </a:tc>
+                <a:tc>
+                  <a:txBody>
+                    <a:bodyPr/>
+                    <a:lstStyle/>
+                    <a:p>
+                      <a:pPr marL="0" marR="0" lvl="0" indent="0" algn="l" defTabSz="914400" rtl="0" eaLnBrk="1" fontAlgn="base" latinLnBrk="0" hangingPunct="1">
+                        <a:lnSpc>
+                          <a:spcPct val="100000"/>
+                        </a:lnSpc>
+                        <a:spcBef>
+                          <a:spcPct val="0"/>
+                        </a:spcBef>
+                        <a:spcAft>
+                          <a:spcPct val="0"/>
+                        </a:spcAft>
+                        <a:buClrTx/>
+                        <a:buSzTx/>
+                        <a:buFontTx/>
+                        <a:buNone/>
+                        <a:tabLst/>
+                      </a:pPr>
+                      <a:endParaRPr kumimoji="0" lang="en-CA" altLang="ja-JP" sz="1800" b="0" i="0" u="none" strike="noStrike" cap="none" normalizeH="0" baseline="0" smtClean="0">
+                        <a:ln>
+                          <a:noFill/>
+                        </a:ln>
+                        <a:solidFill>
+                          <a:srgbClr val="000000"/>
+                        </a:solidFill>
+                        <a:effectLst/>
+                        <a:latin typeface="Calibri" pitchFamily="34" charset="0"/>
+                        <a:ea typeface="ＭＳ Ｐゴシック" charset="-128"/>
+                      </a:endParaRPr>
+                    </a:p>
+                  </a:txBody>
+                  <a:tcPr horzOverflow="overflow">
+                    <a:lnL w="12700" cap="flat" cmpd="sng" algn="ctr">
+                      <a:solidFill>
+                        <a:schemeClr val="bg1"/>
+                      </a:solidFill>
+                      <a:prstDash val="solid"/>
+                      <a:round/>
+                      <a:headEnd type="none" w="med" len="med"/>
+                      <a:tailEnd type="none" w="med" len="med"/>
+                    </a:lnL>
+                    <a:lnR w="12700" cap="flat" cmpd="sng" algn="ctr">
+                      <a:solidFill>
+                        <a:schemeClr val="bg1"/>
+                      </a:solidFill>
+                      <a:prstDash val="solid"/>
+                      <a:round/>
+                      <a:headEnd type="none" w="med" len="med"/>
+                      <a:tailEnd type="none" w="med" len="med"/>
+                    </a:lnR>
+                    <a:lnT w="12700" cap="flat" cmpd="sng" algn="ctr">
+                      <a:solidFill>
+                        <a:schemeClr val="bg1"/>
+                      </a:solidFill>
+                      <a:prstDash val="solid"/>
+                      <a:round/>
+                      <a:headEnd type="none" w="med" len="med"/>
+                      <a:tailEnd type="none" w="med" len="med"/>
+                    </a:lnT>
+                    <a:lnB w="12700" cap="flat" cmpd="sng" algn="ctr">
+                      <a:solidFill>
+                        <a:schemeClr val="bg1"/>
+                      </a:solidFill>
+                      <a:prstDash val="solid"/>
+                      <a:round/>
+                      <a:headEnd type="none" w="med" len="med"/>
+                      <a:tailEnd type="none" w="med" len="med"/>
+                    </a:lnB>
+                    <a:lnTlToBr>
+                      <a:noFill/>
+                    </a:lnTlToBr>
+                    <a:lnBlToTr>
+                      <a:noFill/>
+                    </a:lnBlToTr>
+                    <a:solidFill>
+                      <a:srgbClr val="D0D8E8"/>
+                    </a:solidFill>
+                  </a:tcPr>
+                </a:tc>
+              </a:tr>
+              <a:tr h="371475">
+                <a:tc>
+                  <a:txBody>
+                    <a:bodyPr/>
+                    <a:lstStyle/>
+                    <a:p>
+                      <a:pPr marL="0" marR="0" lvl="0" indent="0" algn="l" defTabSz="914400" rtl="0" eaLnBrk="1" fontAlgn="base" latinLnBrk="0" hangingPunct="1">
+                        <a:lnSpc>
+                          <a:spcPct val="100000"/>
+                        </a:lnSpc>
+                        <a:spcBef>
+                          <a:spcPct val="0"/>
+                        </a:spcBef>
+                        <a:spcAft>
+                          <a:spcPct val="0"/>
+                        </a:spcAft>
+                        <a:buClrTx/>
+                        <a:buSzTx/>
+                        <a:buFontTx/>
+                        <a:buNone/>
+                        <a:tabLst/>
+                      </a:pPr>
+                      <a:endParaRPr kumimoji="0" lang="en-CA" altLang="ja-JP" sz="1800" b="0" i="0" u="none" strike="noStrike" cap="none" normalizeH="0" baseline="0" smtClean="0">
+                        <a:ln>
+                          <a:noFill/>
+                        </a:ln>
+                        <a:solidFill>
+                          <a:srgbClr val="000000"/>
+                        </a:solidFill>
+                        <a:effectLst/>
+                        <a:latin typeface="Calibri" pitchFamily="34" charset="0"/>
+                        <a:ea typeface="ＭＳ Ｐゴシック" charset="-128"/>
+                      </a:endParaRPr>
+                    </a:p>
+                  </a:txBody>
+                  <a:tcPr horzOverflow="overflow">
+                    <a:lnL w="12700" cap="flat" cmpd="sng" algn="ctr">
+                      <a:solidFill>
+                        <a:schemeClr val="bg1"/>
+                      </a:solidFill>
+                      <a:prstDash val="solid"/>
+                      <a:round/>
+                      <a:headEnd type="none" w="med" len="med"/>
+                      <a:tailEnd type="none" w="med" len="med"/>
+                    </a:lnL>
+                    <a:lnR w="12700" cap="flat" cmpd="sng" algn="ctr">
+                      <a:solidFill>
+                        <a:schemeClr val="bg1"/>
+                      </a:solidFill>
+                      <a:prstDash val="solid"/>
+                      <a:round/>
+                      <a:headEnd type="none" w="med" len="med"/>
+                      <a:tailEnd type="none" w="med" len="med"/>
+                    </a:lnR>
+                    <a:lnT w="12700" cap="flat" cmpd="sng" algn="ctr">
+                      <a:solidFill>
+                        <a:schemeClr val="bg1"/>
+                      </a:solidFill>
+                      <a:prstDash val="solid"/>
+                      <a:round/>
+                      <a:headEnd type="none" w="med" len="med"/>
+                      <a:tailEnd type="none" w="med" len="med"/>
+                    </a:lnT>
+                    <a:lnB w="12700" cap="flat" cmpd="sng" algn="ctr">
+                      <a:solidFill>
+                        <a:schemeClr val="bg1"/>
+                      </a:solidFill>
+                      <a:prstDash val="solid"/>
+                      <a:round/>
+                      <a:headEnd type="none" w="med" len="med"/>
+                      <a:tailEnd type="none" w="med" len="med"/>
+                    </a:lnB>
+                    <a:lnTlToBr>
+                      <a:noFill/>
+                    </a:lnTlToBr>
+                    <a:lnBlToTr>
+                      <a:noFill/>
+                    </a:lnBlToTr>
+                    <a:solidFill>
+                      <a:srgbClr val="E9EDF4"/>
+                    </a:solidFill>
+                  </a:tcPr>
+                </a:tc>
+                <a:tc>
+                  <a:txBody>
+                    <a:bodyPr/>
+                    <a:lstStyle/>
+                    <a:p>
+                      <a:pPr marL="0" marR="0" lvl="0" indent="0" algn="l" defTabSz="914400" rtl="0" eaLnBrk="1" fontAlgn="base" latinLnBrk="0" hangingPunct="1">
+                        <a:lnSpc>
+                          <a:spcPct val="100000"/>
+                        </a:lnSpc>
+                        <a:spcBef>
+                          <a:spcPct val="0"/>
+                        </a:spcBef>
+                        <a:spcAft>
+                          <a:spcPct val="0"/>
+                        </a:spcAft>
+                        <a:buClrTx/>
+                        <a:buSzTx/>
+                        <a:buFontTx/>
+                        <a:buNone/>
+                        <a:tabLst/>
+                      </a:pPr>
+                      <a:endParaRPr kumimoji="0" lang="en-CA" altLang="ja-JP" sz="1800" b="0" i="0" u="none" strike="noStrike" cap="none" normalizeH="0" baseline="0" smtClean="0">
+                        <a:ln>
+                          <a:noFill/>
+                        </a:ln>
+                        <a:solidFill>
+                          <a:srgbClr val="000000"/>
+                        </a:solidFill>
+                        <a:effectLst/>
+                        <a:latin typeface="Calibri" pitchFamily="34" charset="0"/>
+                        <a:ea typeface="ＭＳ Ｐゴシック" charset="-128"/>
+                      </a:endParaRPr>
+                    </a:p>
+                  </a:txBody>
+                  <a:tcPr horzOverflow="overflow">
+                    <a:lnL w="12700" cap="flat" cmpd="sng" algn="ctr">
+                      <a:solidFill>
+                        <a:schemeClr val="bg1"/>
+                      </a:solidFill>
+                      <a:prstDash val="solid"/>
+                      <a:round/>
+                      <a:headEnd type="none" w="med" len="med"/>
+                      <a:tailEnd type="none" w="med" len="med"/>
+                    </a:lnL>
+                    <a:lnR w="12700" cap="flat" cmpd="sng" algn="ctr">
+                      <a:solidFill>
+                        <a:schemeClr val="bg1"/>
+                      </a:solidFill>
+                      <a:prstDash val="solid"/>
+                      <a:round/>
+                      <a:headEnd type="none" w="med" len="med"/>
+                      <a:tailEnd type="none" w="med" len="med"/>
+                    </a:lnR>
+                    <a:lnT w="12700" cap="flat" cmpd="sng" algn="ctr">
+                      <a:solidFill>
+                        <a:schemeClr val="bg1"/>
+                      </a:solidFill>
+                      <a:prstDash val="solid"/>
+                      <a:round/>
+                      <a:headEnd type="none" w="med" len="med"/>
+                      <a:tailEnd type="none" w="med" len="med"/>
+                    </a:lnT>
+                    <a:lnB w="12700" cap="flat" cmpd="sng" algn="ctr">
+                      <a:solidFill>
+                        <a:schemeClr val="bg1"/>
+                      </a:solidFill>
+                      <a:prstDash val="solid"/>
+                      <a:round/>
+                      <a:headEnd type="none" w="med" len="med"/>
+                      <a:tailEnd type="none" w="med" len="med"/>
+                    </a:lnB>
+                    <a:lnTlToBr>
+                      <a:noFill/>
+                    </a:lnTlToBr>
+                    <a:lnBlToTr>
+                      <a:noFill/>
+                    </a:lnBlToTr>
+                    <a:solidFill>
+                      <a:srgbClr val="E9EDF4"/>
+                    </a:solidFill>
+                  </a:tcPr>
+                </a:tc>
+                <a:tc>
+                  <a:txBody>
+                    <a:bodyPr/>
+                    <a:lstStyle/>
+                    <a:p>
+                      <a:pPr marL="0" marR="0" lvl="0" indent="0" algn="l" defTabSz="914400" rtl="0" eaLnBrk="1" fontAlgn="base" latinLnBrk="0" hangingPunct="1">
+                        <a:lnSpc>
+                          <a:spcPct val="100000"/>
+                        </a:lnSpc>
+                        <a:spcBef>
+                          <a:spcPct val="0"/>
+                        </a:spcBef>
+                        <a:spcAft>
+                          <a:spcPct val="0"/>
+                        </a:spcAft>
+                        <a:buClrTx/>
+                        <a:buSzTx/>
+                        <a:buFontTx/>
+                        <a:buNone/>
+                        <a:tabLst/>
+                      </a:pPr>
+                      <a:endParaRPr kumimoji="0" lang="en-CA" altLang="ja-JP" sz="1800" b="0" i="0" u="none" strike="noStrike" cap="none" normalizeH="0" baseline="0" smtClean="0">
+                        <a:ln>
+                          <a:noFill/>
+                        </a:ln>
+                        <a:solidFill>
+                          <a:srgbClr val="000000"/>
+                        </a:solidFill>
+                        <a:effectLst/>
+                        <a:latin typeface="Calibri" pitchFamily="34" charset="0"/>
+                        <a:ea typeface="ＭＳ Ｐゴシック" charset="-128"/>
+                      </a:endParaRPr>
+                    </a:p>
+                  </a:txBody>
+                  <a:tcPr horzOverflow="overflow">
+                    <a:lnL w="12700" cap="flat" cmpd="sng" algn="ctr">
+                      <a:solidFill>
+                        <a:schemeClr val="bg1"/>
+                      </a:solidFill>
+                      <a:prstDash val="solid"/>
+                      <a:round/>
+                      <a:headEnd type="none" w="med" len="med"/>
+                      <a:tailEnd type="none" w="med" len="med"/>
+                    </a:lnL>
+                    <a:lnR w="12700" cap="flat" cmpd="sng" algn="ctr">
+                      <a:solidFill>
+                        <a:schemeClr val="bg1"/>
+                      </a:solidFill>
+                      <a:prstDash val="solid"/>
+                      <a:round/>
+                      <a:headEnd type="none" w="med" len="med"/>
+                      <a:tailEnd type="none" w="med" len="med"/>
+                    </a:lnR>
+                    <a:lnT w="12700" cap="flat" cmpd="sng" algn="ctr">
+                      <a:solidFill>
+                        <a:schemeClr val="bg1"/>
+                      </a:solidFill>
+                      <a:prstDash val="solid"/>
+                      <a:round/>
+                      <a:headEnd type="none" w="med" len="med"/>
+                      <a:tailEnd type="none" w="med" len="med"/>
+                    </a:lnT>
+                    <a:lnB w="12700" cap="flat" cmpd="sng" algn="ctr">
+                      <a:solidFill>
+                        <a:schemeClr val="bg1"/>
+                      </a:solidFill>
+                      <a:prstDash val="solid"/>
+                      <a:round/>
+                      <a:headEnd type="none" w="med" len="med"/>
+                      <a:tailEnd type="none" w="med" len="med"/>
+                    </a:lnB>
+                    <a:lnTlToBr>
+                      <a:noFill/>
+                    </a:lnTlToBr>
+                    <a:lnBlToTr>
+                      <a:noFill/>
+                    </a:lnBlToTr>
+                    <a:solidFill>
+                      <a:srgbClr val="E9EDF4"/>
+                    </a:solidFill>
+                  </a:tcPr>
+                </a:tc>
+              </a:tr>
+            </a:tbl>
+          </a:graphicData>
+        </a:graphic>
+      </p:graphicFrame>
     </p:spTree>
   </p:cSld>
   <p:clrMapOvr>

--- a/Inception Deck -E-konbu-.pptx
+++ b/Inception Deck -E-konbu-.pptx
@@ -5,24 +5,25 @@
     <p:sldMasterId id="2147483648" r:id="rId1"/>
   </p:sldMasterIdLst>
   <p:notesMasterIdLst>
-    <p:notesMasterId r:id="rId14"/>
+    <p:notesMasterId r:id="rId15"/>
   </p:notesMasterIdLst>
   <p:handoutMasterIdLst>
-    <p:handoutMasterId r:id="rId15"/>
+    <p:handoutMasterId r:id="rId16"/>
   </p:handoutMasterIdLst>
   <p:sldIdLst>
     <p:sldId id="256" r:id="rId2"/>
     <p:sldId id="258" r:id="rId3"/>
     <p:sldId id="259" r:id="rId4"/>
-    <p:sldId id="260" r:id="rId5"/>
-    <p:sldId id="261" r:id="rId6"/>
-    <p:sldId id="262" r:id="rId7"/>
-    <p:sldId id="263" r:id="rId8"/>
-    <p:sldId id="264" r:id="rId9"/>
-    <p:sldId id="267" r:id="rId10"/>
-    <p:sldId id="265" r:id="rId11"/>
-    <p:sldId id="266" r:id="rId12"/>
-    <p:sldId id="268" r:id="rId13"/>
+    <p:sldId id="269" r:id="rId5"/>
+    <p:sldId id="260" r:id="rId6"/>
+    <p:sldId id="261" r:id="rId7"/>
+    <p:sldId id="262" r:id="rId8"/>
+    <p:sldId id="263" r:id="rId9"/>
+    <p:sldId id="264" r:id="rId10"/>
+    <p:sldId id="267" r:id="rId11"/>
+    <p:sldId id="265" r:id="rId12"/>
+    <p:sldId id="266" r:id="rId13"/>
+    <p:sldId id="268" r:id="rId14"/>
   </p:sldIdLst>
   <p:sldSz cx="9144000" cy="6858000" type="screen4x3"/>
   <p:notesSz cx="9926638" cy="6669088"/>
@@ -263,7 +264,7 @@
               <a:pPr>
                 <a:defRPr/>
               </a:pPr>
-              <a:t>2012/7/2</a:t>
+              <a:t>2012/7/12</a:t>
             </a:fld>
             <a:endParaRPr lang="ja-JP" altLang="en-US"/>
           </a:p>
@@ -464,7 +465,7 @@
             <a:fld id="{D457768B-18B4-4BB4-B811-2560DC7216E9}" type="datetimeFigureOut">
               <a:rPr lang="en-CA" altLang="ja-JP"/>
               <a:pPr/>
-              <a:t>02/07/2012</a:t>
+              <a:t>12/07/2012</a:t>
             </a:fld>
             <a:endParaRPr lang="en-CA" altLang="ja-JP"/>
           </a:p>
@@ -1122,6 +1123,277 @@
       </p:grpSpPr>
       <p:sp>
         <p:nvSpPr>
+          <p:cNvPr id="26626" name="Slide Image Placeholder 1"/>
+          <p:cNvSpPr>
+            <a:spLocks noGrp="1" noRot="1" noChangeAspect="1" noTextEdit="1"/>
+          </p:cNvSpPr>
+          <p:nvPr>
+            <p:ph type="sldImg"/>
+          </p:nvPr>
+        </p:nvSpPr>
+        <p:spPr bwMode="auto">
+          <a:noFill/>
+          <a:ln>
+            <a:solidFill>
+              <a:srgbClr val="000000"/>
+            </a:solidFill>
+            <a:miter lim="800000"/>
+            <a:headEnd/>
+            <a:tailEnd/>
+          </a:ln>
+          <a:extLst>
+            <a:ext uri="{909E8E84-426E-40DD-AFC4-6F175D3DCCD1}">
+              <a14:hiddenFill xmlns:a14="http://schemas.microsoft.com/office/drawing/2010/main">
+                <a:solidFill>
+                  <a:srgbClr val="FFFFFF"/>
+                </a:solidFill>
+              </a14:hiddenFill>
+            </a:ext>
+          </a:extLst>
+        </p:spPr>
+      </p:sp>
+      <p:sp>
+        <p:nvSpPr>
+          <p:cNvPr id="26627" name="Notes Placeholder 2"/>
+          <p:cNvSpPr>
+            <a:spLocks noGrp="1"/>
+          </p:cNvSpPr>
+          <p:nvPr>
+            <p:ph type="body" idx="1"/>
+          </p:nvPr>
+        </p:nvSpPr>
+        <p:spPr bwMode="auto">
+          <a:noFill/>
+          <a:extLst>
+            <a:ext uri="{909E8E84-426E-40DD-AFC4-6F175D3DCCD1}">
+              <a14:hiddenFill xmlns:a14="http://schemas.microsoft.com/office/drawing/2010/main">
+                <a:solidFill>
+                  <a:srgbClr val="FFFFFF"/>
+                </a:solidFill>
+              </a14:hiddenFill>
+            </a:ext>
+            <a:ext uri="{91240B29-F687-4F45-9708-019B960494DF}">
+              <a14:hiddenLine xmlns:a14="http://schemas.microsoft.com/office/drawing/2010/main" w="9525">
+                <a:solidFill>
+                  <a:srgbClr val="000000"/>
+                </a:solidFill>
+                <a:miter lim="800000"/>
+                <a:headEnd/>
+                <a:tailEnd/>
+              </a14:hiddenLine>
+            </a:ext>
+          </a:extLst>
+        </p:spPr>
+        <p:txBody>
+          <a:bodyPr wrap="square" numCol="1" anchor="t" anchorCtr="0" compatLnSpc="1">
+            <a:prstTxWarp prst="textNoShape">
+              <a:avLst/>
+            </a:prstTxWarp>
+          </a:bodyPr>
+          <a:lstStyle/>
+          <a:p>
+            <a:pPr>
+              <a:spcBef>
+                <a:spcPct val="0"/>
+              </a:spcBef>
+            </a:pPr>
+            <a:r>
+              <a:rPr lang="ja-JP" altLang="en-US" smtClean="0"/>
+              <a:t>必要となるであろう期待される能力やどんな種類のスキルが必要なのかについて書きこもう。</a:t>
+            </a:r>
+            <a:endParaRPr lang="en-CA" smtClean="0"/>
+          </a:p>
+          <a:p>
+            <a:pPr>
+              <a:spcBef>
+                <a:spcPct val="0"/>
+              </a:spcBef>
+            </a:pPr>
+            <a:r>
+              <a:rPr lang="ja-JP" altLang="en-US" smtClean="0"/>
+              <a:t>もし特定の人物が重要なのであれば、その名前を書こう（例えば、</a:t>
+            </a:r>
+            <a:r>
+              <a:rPr lang="en-US" altLang="ja-JP" smtClean="0"/>
+              <a:t>X</a:t>
+            </a:r>
+            <a:r>
+              <a:rPr lang="ja-JP" altLang="en-US" smtClean="0"/>
+              <a:t>ができるのはビリーだけだ、とか）</a:t>
+            </a:r>
+            <a:endParaRPr lang="en-CA" smtClean="0"/>
+          </a:p>
+        </p:txBody>
+      </p:sp>
+      <p:sp>
+        <p:nvSpPr>
+          <p:cNvPr id="26628" name="Slide Number Placeholder 3"/>
+          <p:cNvSpPr>
+            <a:spLocks noGrp="1"/>
+          </p:cNvSpPr>
+          <p:nvPr>
+            <p:ph type="sldNum" sz="quarter" idx="5"/>
+          </p:nvPr>
+        </p:nvSpPr>
+        <p:spPr bwMode="auto">
+          <a:noFill/>
+          <a:extLst>
+            <a:ext uri="{909E8E84-426E-40DD-AFC4-6F175D3DCCD1}">
+              <a14:hiddenFill xmlns:a14="http://schemas.microsoft.com/office/drawing/2010/main">
+                <a:solidFill>
+                  <a:srgbClr val="FFFFFF"/>
+                </a:solidFill>
+              </a14:hiddenFill>
+            </a:ext>
+            <a:ext uri="{91240B29-F687-4F45-9708-019B960494DF}">
+              <a14:hiddenLine xmlns:a14="http://schemas.microsoft.com/office/drawing/2010/main" w="9525">
+                <a:solidFill>
+                  <a:srgbClr val="000000"/>
+                </a:solidFill>
+                <a:miter lim="800000"/>
+                <a:headEnd/>
+                <a:tailEnd/>
+              </a14:hiddenLine>
+            </a:ext>
+          </a:extLst>
+        </p:spPr>
+        <p:txBody>
+          <a:bodyPr/>
+          <a:lstStyle>
+            <a:lvl1pPr>
+              <a:defRPr>
+                <a:solidFill>
+                  <a:schemeClr val="tx1"/>
+                </a:solidFill>
+                <a:latin typeface="Calibri" pitchFamily="34" charset="0"/>
+              </a:defRPr>
+            </a:lvl1pPr>
+            <a:lvl2pPr marL="742950" indent="-285750">
+              <a:defRPr>
+                <a:solidFill>
+                  <a:schemeClr val="tx1"/>
+                </a:solidFill>
+                <a:latin typeface="Calibri" pitchFamily="34" charset="0"/>
+              </a:defRPr>
+            </a:lvl2pPr>
+            <a:lvl3pPr marL="1143000" indent="-228600">
+              <a:defRPr>
+                <a:solidFill>
+                  <a:schemeClr val="tx1"/>
+                </a:solidFill>
+                <a:latin typeface="Calibri" pitchFamily="34" charset="0"/>
+              </a:defRPr>
+            </a:lvl3pPr>
+            <a:lvl4pPr marL="1600200" indent="-228600">
+              <a:defRPr>
+                <a:solidFill>
+                  <a:schemeClr val="tx1"/>
+                </a:solidFill>
+                <a:latin typeface="Calibri" pitchFamily="34" charset="0"/>
+              </a:defRPr>
+            </a:lvl4pPr>
+            <a:lvl5pPr marL="2057400" indent="-228600">
+              <a:defRPr>
+                <a:solidFill>
+                  <a:schemeClr val="tx1"/>
+                </a:solidFill>
+                <a:latin typeface="Calibri" pitchFamily="34" charset="0"/>
+              </a:defRPr>
+            </a:lvl5pPr>
+            <a:lvl6pPr marL="2514600" indent="-228600" fontAlgn="base">
+              <a:spcBef>
+                <a:spcPct val="0"/>
+              </a:spcBef>
+              <a:spcAft>
+                <a:spcPct val="0"/>
+              </a:spcAft>
+              <a:defRPr>
+                <a:solidFill>
+                  <a:schemeClr val="tx1"/>
+                </a:solidFill>
+                <a:latin typeface="Calibri" pitchFamily="34" charset="0"/>
+              </a:defRPr>
+            </a:lvl6pPr>
+            <a:lvl7pPr marL="2971800" indent="-228600" fontAlgn="base">
+              <a:spcBef>
+                <a:spcPct val="0"/>
+              </a:spcBef>
+              <a:spcAft>
+                <a:spcPct val="0"/>
+              </a:spcAft>
+              <a:defRPr>
+                <a:solidFill>
+                  <a:schemeClr val="tx1"/>
+                </a:solidFill>
+                <a:latin typeface="Calibri" pitchFamily="34" charset="0"/>
+              </a:defRPr>
+            </a:lvl7pPr>
+            <a:lvl8pPr marL="3429000" indent="-228600" fontAlgn="base">
+              <a:spcBef>
+                <a:spcPct val="0"/>
+              </a:spcBef>
+              <a:spcAft>
+                <a:spcPct val="0"/>
+              </a:spcAft>
+              <a:defRPr>
+                <a:solidFill>
+                  <a:schemeClr val="tx1"/>
+                </a:solidFill>
+                <a:latin typeface="Calibri" pitchFamily="34" charset="0"/>
+              </a:defRPr>
+            </a:lvl8pPr>
+            <a:lvl9pPr marL="3886200" indent="-228600" fontAlgn="base">
+              <a:spcBef>
+                <a:spcPct val="0"/>
+              </a:spcBef>
+              <a:spcAft>
+                <a:spcPct val="0"/>
+              </a:spcAft>
+              <a:defRPr>
+                <a:solidFill>
+                  <a:schemeClr val="tx1"/>
+                </a:solidFill>
+                <a:latin typeface="Calibri" pitchFamily="34" charset="0"/>
+              </a:defRPr>
+            </a:lvl9pPr>
+          </a:lstStyle>
+          <a:p>
+            <a:fld id="{DC995F7E-8C33-4C4F-8E04-5CA727622CBF}" type="slidenum">
+              <a:rPr lang="en-CA" altLang="ja-JP"/>
+              <a:pPr/>
+              <a:t>10</a:t>
+            </a:fld>
+            <a:endParaRPr lang="en-CA" altLang="ja-JP"/>
+          </a:p>
+        </p:txBody>
+      </p:sp>
+    </p:spTree>
+  </p:cSld>
+  <p:clrMapOvr>
+    <a:masterClrMapping/>
+  </p:clrMapOvr>
+</p:notes>
+</file>
+
+<file path=ppt/notesSlides/notesSlide11.xml><?xml version="1.0" encoding="utf-8"?>
+<p:notes xmlns:a="http://schemas.openxmlformats.org/drawingml/2006/main" xmlns:r="http://schemas.openxmlformats.org/officeDocument/2006/relationships" xmlns:p="http://schemas.openxmlformats.org/presentationml/2006/main">
+  <p:cSld>
+    <p:spTree>
+      <p:nvGrpSpPr>
+        <p:cNvPr id="1" name=""/>
+        <p:cNvGrpSpPr/>
+        <p:nvPr/>
+      </p:nvGrpSpPr>
+      <p:grpSpPr>
+        <a:xfrm>
+          <a:off x="0" y="0"/>
+          <a:ext cx="0" cy="0"/>
+          <a:chOff x="0" y="0"/>
+          <a:chExt cx="0" cy="0"/>
+        </a:xfrm>
+      </p:grpSpPr>
+      <p:sp>
+        <p:nvSpPr>
           <p:cNvPr id="27650" name="Slide Image Placeholder 1"/>
           <p:cNvSpPr>
             <a:spLocks noGrp="1" noRot="1" noChangeAspect="1" noTextEdit="1"/>
@@ -1364,7 +1636,7 @@
             <a:fld id="{673DD66C-F980-43E4-BE3A-DFD02CE977E6}" type="slidenum">
               <a:rPr lang="en-CA" altLang="ja-JP"/>
               <a:pPr/>
-              <a:t>10</a:t>
+              <a:t>11</a:t>
             </a:fld>
             <a:endParaRPr lang="en-CA" altLang="ja-JP"/>
           </a:p>
@@ -1378,7 +1650,7 @@
 </p:notes>
 </file>
 
-<file path=ppt/notesSlides/notesSlide11.xml><?xml version="1.0" encoding="utf-8"?>
+<file path=ppt/notesSlides/notesSlide12.xml><?xml version="1.0" encoding="utf-8"?>
 <p:notes xmlns:a="http://schemas.openxmlformats.org/drawingml/2006/main" xmlns:r="http://schemas.openxmlformats.org/officeDocument/2006/relationships" xmlns:p="http://schemas.openxmlformats.org/presentationml/2006/main">
   <p:cSld>
     <p:spTree>
@@ -1698,7 +1970,7 @@
             <a:fld id="{7E4F71EB-EF12-49E1-BFA3-760063372D1B}" type="slidenum">
               <a:rPr lang="en-CA" altLang="ja-JP"/>
               <a:pPr/>
-              <a:t>11</a:t>
+              <a:t>12</a:t>
             </a:fld>
             <a:endParaRPr lang="en-CA" altLang="ja-JP"/>
           </a:p>
@@ -1712,7 +1984,7 @@
 </p:notes>
 </file>
 
-<file path=ppt/notesSlides/notesSlide12.xml><?xml version="1.0" encoding="utf-8"?>
+<file path=ppt/notesSlides/notesSlide13.xml><?xml version="1.0" encoding="utf-8"?>
 <p:notes xmlns:a="http://schemas.openxmlformats.org/drawingml/2006/main" xmlns:r="http://schemas.openxmlformats.org/officeDocument/2006/relationships" xmlns:p="http://schemas.openxmlformats.org/presentationml/2006/main">
   <p:cSld>
     <p:spTree>
@@ -1985,7 +2257,7 @@
             <a:fld id="{2647F0E3-F118-4C44-95AA-DC3A3F10E460}" type="slidenum">
               <a:rPr lang="en-CA" altLang="ja-JP"/>
               <a:pPr/>
-              <a:t>12</a:t>
+              <a:t>13</a:t>
             </a:fld>
             <a:endParaRPr lang="en-CA" altLang="ja-JP"/>
           </a:p>
@@ -2539,6 +2811,253 @@
       </p:grpSpPr>
       <p:sp>
         <p:nvSpPr>
+          <p:cNvPr id="20482" name="スライド イメージ プレースホルダー 1"/>
+          <p:cNvSpPr>
+            <a:spLocks noGrp="1" noRot="1" noChangeAspect="1" noTextEdit="1"/>
+          </p:cNvSpPr>
+          <p:nvPr>
+            <p:ph type="sldImg"/>
+          </p:nvPr>
+        </p:nvSpPr>
+        <p:spPr bwMode="auto">
+          <a:noFill/>
+          <a:ln>
+            <a:solidFill>
+              <a:srgbClr val="000000"/>
+            </a:solidFill>
+            <a:miter lim="800000"/>
+            <a:headEnd/>
+            <a:tailEnd/>
+          </a:ln>
+          <a:extLst>
+            <a:ext uri="{909E8E84-426E-40DD-AFC4-6F175D3DCCD1}">
+              <a14:hiddenFill xmlns:a14="http://schemas.microsoft.com/office/drawing/2010/main">
+                <a:solidFill>
+                  <a:srgbClr val="FFFFFF"/>
+                </a:solidFill>
+              </a14:hiddenFill>
+            </a:ext>
+          </a:extLst>
+        </p:spPr>
+      </p:sp>
+      <p:sp>
+        <p:nvSpPr>
+          <p:cNvPr id="20483" name="ノート プレースホルダー 2"/>
+          <p:cNvSpPr>
+            <a:spLocks noGrp="1"/>
+          </p:cNvSpPr>
+          <p:nvPr>
+            <p:ph type="body" idx="1"/>
+          </p:nvPr>
+        </p:nvSpPr>
+        <p:spPr bwMode="auto">
+          <a:noFill/>
+          <a:extLst>
+            <a:ext uri="{909E8E84-426E-40DD-AFC4-6F175D3DCCD1}">
+              <a14:hiddenFill xmlns:a14="http://schemas.microsoft.com/office/drawing/2010/main">
+                <a:solidFill>
+                  <a:srgbClr val="FFFFFF"/>
+                </a:solidFill>
+              </a14:hiddenFill>
+            </a:ext>
+            <a:ext uri="{91240B29-F687-4F45-9708-019B960494DF}">
+              <a14:hiddenLine xmlns:a14="http://schemas.microsoft.com/office/drawing/2010/main" w="9525">
+                <a:solidFill>
+                  <a:srgbClr val="000000"/>
+                </a:solidFill>
+                <a:miter lim="800000"/>
+                <a:headEnd/>
+                <a:tailEnd/>
+              </a14:hiddenLine>
+            </a:ext>
+          </a:extLst>
+        </p:spPr>
+        <p:txBody>
+          <a:bodyPr wrap="square" numCol="1" anchor="t" anchorCtr="0" compatLnSpc="1">
+            <a:prstTxWarp prst="textNoShape">
+              <a:avLst/>
+            </a:prstTxWarp>
+          </a:bodyPr>
+          <a:lstStyle/>
+          <a:p>
+            <a:pPr>
+              <a:spcBef>
+                <a:spcPct val="0"/>
+              </a:spcBef>
+            </a:pPr>
+            <a:endParaRPr kumimoji="1" lang="ja-JP" altLang="en-US" smtClean="0"/>
+          </a:p>
+        </p:txBody>
+      </p:sp>
+      <p:sp>
+        <p:nvSpPr>
+          <p:cNvPr id="20484" name="スライド番号プレースホルダー 3"/>
+          <p:cNvSpPr>
+            <a:spLocks noGrp="1"/>
+          </p:cNvSpPr>
+          <p:nvPr>
+            <p:ph type="sldNum" sz="quarter" idx="5"/>
+          </p:nvPr>
+        </p:nvSpPr>
+        <p:spPr bwMode="auto">
+          <a:noFill/>
+          <a:extLst>
+            <a:ext uri="{909E8E84-426E-40DD-AFC4-6F175D3DCCD1}">
+              <a14:hiddenFill xmlns:a14="http://schemas.microsoft.com/office/drawing/2010/main">
+                <a:solidFill>
+                  <a:srgbClr val="FFFFFF"/>
+                </a:solidFill>
+              </a14:hiddenFill>
+            </a:ext>
+            <a:ext uri="{91240B29-F687-4F45-9708-019B960494DF}">
+              <a14:hiddenLine xmlns:a14="http://schemas.microsoft.com/office/drawing/2010/main" w="9525">
+                <a:solidFill>
+                  <a:srgbClr val="000000"/>
+                </a:solidFill>
+                <a:miter lim="800000"/>
+                <a:headEnd/>
+                <a:tailEnd/>
+              </a14:hiddenLine>
+            </a:ext>
+          </a:extLst>
+        </p:spPr>
+        <p:txBody>
+          <a:bodyPr/>
+          <a:lstStyle>
+            <a:lvl1pPr>
+              <a:defRPr>
+                <a:solidFill>
+                  <a:schemeClr val="tx1"/>
+                </a:solidFill>
+                <a:latin typeface="Calibri" pitchFamily="34" charset="0"/>
+              </a:defRPr>
+            </a:lvl1pPr>
+            <a:lvl2pPr marL="742950" indent="-285750">
+              <a:defRPr>
+                <a:solidFill>
+                  <a:schemeClr val="tx1"/>
+                </a:solidFill>
+                <a:latin typeface="Calibri" pitchFamily="34" charset="0"/>
+              </a:defRPr>
+            </a:lvl2pPr>
+            <a:lvl3pPr marL="1143000" indent="-228600">
+              <a:defRPr>
+                <a:solidFill>
+                  <a:schemeClr val="tx1"/>
+                </a:solidFill>
+                <a:latin typeface="Calibri" pitchFamily="34" charset="0"/>
+              </a:defRPr>
+            </a:lvl3pPr>
+            <a:lvl4pPr marL="1600200" indent="-228600">
+              <a:defRPr>
+                <a:solidFill>
+                  <a:schemeClr val="tx1"/>
+                </a:solidFill>
+                <a:latin typeface="Calibri" pitchFamily="34" charset="0"/>
+              </a:defRPr>
+            </a:lvl4pPr>
+            <a:lvl5pPr marL="2057400" indent="-228600">
+              <a:defRPr>
+                <a:solidFill>
+                  <a:schemeClr val="tx1"/>
+                </a:solidFill>
+                <a:latin typeface="Calibri" pitchFamily="34" charset="0"/>
+              </a:defRPr>
+            </a:lvl5pPr>
+            <a:lvl6pPr marL="2514600" indent="-228600" fontAlgn="base">
+              <a:spcBef>
+                <a:spcPct val="0"/>
+              </a:spcBef>
+              <a:spcAft>
+                <a:spcPct val="0"/>
+              </a:spcAft>
+              <a:defRPr>
+                <a:solidFill>
+                  <a:schemeClr val="tx1"/>
+                </a:solidFill>
+                <a:latin typeface="Calibri" pitchFamily="34" charset="0"/>
+              </a:defRPr>
+            </a:lvl6pPr>
+            <a:lvl7pPr marL="2971800" indent="-228600" fontAlgn="base">
+              <a:spcBef>
+                <a:spcPct val="0"/>
+              </a:spcBef>
+              <a:spcAft>
+                <a:spcPct val="0"/>
+              </a:spcAft>
+              <a:defRPr>
+                <a:solidFill>
+                  <a:schemeClr val="tx1"/>
+                </a:solidFill>
+                <a:latin typeface="Calibri" pitchFamily="34" charset="0"/>
+              </a:defRPr>
+            </a:lvl7pPr>
+            <a:lvl8pPr marL="3429000" indent="-228600" fontAlgn="base">
+              <a:spcBef>
+                <a:spcPct val="0"/>
+              </a:spcBef>
+              <a:spcAft>
+                <a:spcPct val="0"/>
+              </a:spcAft>
+              <a:defRPr>
+                <a:solidFill>
+                  <a:schemeClr val="tx1"/>
+                </a:solidFill>
+                <a:latin typeface="Calibri" pitchFamily="34" charset="0"/>
+              </a:defRPr>
+            </a:lvl8pPr>
+            <a:lvl9pPr marL="3886200" indent="-228600" fontAlgn="base">
+              <a:spcBef>
+                <a:spcPct val="0"/>
+              </a:spcBef>
+              <a:spcAft>
+                <a:spcPct val="0"/>
+              </a:spcAft>
+              <a:defRPr>
+                <a:solidFill>
+                  <a:schemeClr val="tx1"/>
+                </a:solidFill>
+                <a:latin typeface="Calibri" pitchFamily="34" charset="0"/>
+              </a:defRPr>
+            </a:lvl9pPr>
+          </a:lstStyle>
+          <a:p>
+            <a:fld id="{6E249135-CE6B-467E-BF73-3717E279B72C}" type="slidenum">
+              <a:rPr lang="en-CA" altLang="ja-JP"/>
+              <a:pPr/>
+              <a:t>4</a:t>
+            </a:fld>
+            <a:endParaRPr lang="en-CA" altLang="ja-JP"/>
+          </a:p>
+        </p:txBody>
+      </p:sp>
+    </p:spTree>
+  </p:cSld>
+  <p:clrMapOvr>
+    <a:masterClrMapping/>
+  </p:clrMapOvr>
+</p:notes>
+</file>
+
+<file path=ppt/notesSlides/notesSlide5.xml><?xml version="1.0" encoding="utf-8"?>
+<p:notes xmlns:a="http://schemas.openxmlformats.org/drawingml/2006/main" xmlns:r="http://schemas.openxmlformats.org/officeDocument/2006/relationships" xmlns:p="http://schemas.openxmlformats.org/presentationml/2006/main">
+  <p:cSld>
+    <p:spTree>
+      <p:nvGrpSpPr>
+        <p:cNvPr id="1" name=""/>
+        <p:cNvGrpSpPr/>
+        <p:nvPr/>
+      </p:nvGrpSpPr>
+      <p:grpSpPr>
+        <a:xfrm>
+          <a:off x="0" y="0"/>
+          <a:ext cx="0" cy="0"/>
+          <a:chOff x="0" y="0"/>
+          <a:chExt cx="0" cy="0"/>
+        </a:xfrm>
+      </p:grpSpPr>
+      <p:sp>
+        <p:nvSpPr>
           <p:cNvPr id="21506" name="Slide Image Placeholder 1"/>
           <p:cNvSpPr>
             <a:spLocks noGrp="1" noRot="1" noChangeAspect="1" noTextEdit="1"/>
@@ -2777,7 +3296,7 @@
             <a:fld id="{69B1C47B-A7D8-45EF-ADC5-E2FB2F39FD9D}" type="slidenum">
               <a:rPr lang="en-CA" altLang="ja-JP"/>
               <a:pPr/>
-              <a:t>4</a:t>
+              <a:t>5</a:t>
             </a:fld>
             <a:endParaRPr lang="en-CA" altLang="ja-JP"/>
           </a:p>
@@ -2791,7 +3310,7 @@
 </p:notes>
 </file>
 
-<file path=ppt/notesSlides/notesSlide5.xml><?xml version="1.0" encoding="utf-8"?>
+<file path=ppt/notesSlides/notesSlide6.xml><?xml version="1.0" encoding="utf-8"?>
 <p:notes xmlns:a="http://schemas.openxmlformats.org/drawingml/2006/main" xmlns:r="http://schemas.openxmlformats.org/officeDocument/2006/relationships" xmlns:p="http://schemas.openxmlformats.org/presentationml/2006/main">
   <p:cSld>
     <p:spTree>
@@ -3040,7 +3559,7 @@
             <a:fld id="{7BD2372A-9735-4A91-8BD6-CC814D602E9A}" type="slidenum">
               <a:rPr lang="en-CA" altLang="ja-JP"/>
               <a:pPr/>
-              <a:t>5</a:t>
+              <a:t>6</a:t>
             </a:fld>
             <a:endParaRPr lang="en-CA" altLang="ja-JP"/>
           </a:p>
@@ -3054,7 +3573,7 @@
 </p:notes>
 </file>
 
-<file path=ppt/notesSlides/notesSlide6.xml><?xml version="1.0" encoding="utf-8"?>
+<file path=ppt/notesSlides/notesSlide7.xml><?xml version="1.0" encoding="utf-8"?>
 <p:notes xmlns:a="http://schemas.openxmlformats.org/drawingml/2006/main" xmlns:r="http://schemas.openxmlformats.org/officeDocument/2006/relationships" xmlns:p="http://schemas.openxmlformats.org/presentationml/2006/main">
   <p:cSld>
     <p:spTree>
@@ -3327,7 +3846,7 @@
             <a:fld id="{98C6668E-29CB-458A-B11D-C2A465FE02DD}" type="slidenum">
               <a:rPr lang="en-CA" altLang="ja-JP"/>
               <a:pPr/>
-              <a:t>6</a:t>
+              <a:t>7</a:t>
             </a:fld>
             <a:endParaRPr lang="en-CA" altLang="ja-JP"/>
           </a:p>
@@ -3341,7 +3860,7 @@
 </p:notes>
 </file>
 
-<file path=ppt/notesSlides/notesSlide7.xml><?xml version="1.0" encoding="utf-8"?>
+<file path=ppt/notesSlides/notesSlide8.xml><?xml version="1.0" encoding="utf-8"?>
 <p:notes xmlns:a="http://schemas.openxmlformats.org/drawingml/2006/main" xmlns:r="http://schemas.openxmlformats.org/officeDocument/2006/relationships" xmlns:p="http://schemas.openxmlformats.org/presentationml/2006/main">
   <p:cSld>
     <p:spTree>
@@ -3610,7 +4129,7 @@
             <a:fld id="{1195CD49-A174-4ADD-B9AC-D508BC523873}" type="slidenum">
               <a:rPr lang="en-CA" altLang="ja-JP"/>
               <a:pPr/>
-              <a:t>7</a:t>
+              <a:t>8</a:t>
             </a:fld>
             <a:endParaRPr lang="en-CA" altLang="ja-JP"/>
           </a:p>
@@ -3624,7 +4143,7 @@
 </p:notes>
 </file>
 
-<file path=ppt/notesSlides/notesSlide8.xml><?xml version="1.0" encoding="utf-8"?>
+<file path=ppt/notesSlides/notesSlide9.xml><?xml version="1.0" encoding="utf-8"?>
 <p:notes xmlns:a="http://schemas.openxmlformats.org/drawingml/2006/main" xmlns:r="http://schemas.openxmlformats.org/officeDocument/2006/relationships" xmlns:p="http://schemas.openxmlformats.org/presentationml/2006/main">
   <p:cSld>
     <p:spTree>
@@ -3893,277 +4412,6 @@
             <a:fld id="{4BFA6125-ED89-4B66-AC87-D9344BFA7BD4}" type="slidenum">
               <a:rPr lang="en-CA" altLang="ja-JP"/>
               <a:pPr/>
-              <a:t>8</a:t>
-            </a:fld>
-            <a:endParaRPr lang="en-CA" altLang="ja-JP"/>
-          </a:p>
-        </p:txBody>
-      </p:sp>
-    </p:spTree>
-  </p:cSld>
-  <p:clrMapOvr>
-    <a:masterClrMapping/>
-  </p:clrMapOvr>
-</p:notes>
-</file>
-
-<file path=ppt/notesSlides/notesSlide9.xml><?xml version="1.0" encoding="utf-8"?>
-<p:notes xmlns:a="http://schemas.openxmlformats.org/drawingml/2006/main" xmlns:r="http://schemas.openxmlformats.org/officeDocument/2006/relationships" xmlns:p="http://schemas.openxmlformats.org/presentationml/2006/main">
-  <p:cSld>
-    <p:spTree>
-      <p:nvGrpSpPr>
-        <p:cNvPr id="1" name=""/>
-        <p:cNvGrpSpPr/>
-        <p:nvPr/>
-      </p:nvGrpSpPr>
-      <p:grpSpPr>
-        <a:xfrm>
-          <a:off x="0" y="0"/>
-          <a:ext cx="0" cy="0"/>
-          <a:chOff x="0" y="0"/>
-          <a:chExt cx="0" cy="0"/>
-        </a:xfrm>
-      </p:grpSpPr>
-      <p:sp>
-        <p:nvSpPr>
-          <p:cNvPr id="26626" name="Slide Image Placeholder 1"/>
-          <p:cNvSpPr>
-            <a:spLocks noGrp="1" noRot="1" noChangeAspect="1" noTextEdit="1"/>
-          </p:cNvSpPr>
-          <p:nvPr>
-            <p:ph type="sldImg"/>
-          </p:nvPr>
-        </p:nvSpPr>
-        <p:spPr bwMode="auto">
-          <a:noFill/>
-          <a:ln>
-            <a:solidFill>
-              <a:srgbClr val="000000"/>
-            </a:solidFill>
-            <a:miter lim="800000"/>
-            <a:headEnd/>
-            <a:tailEnd/>
-          </a:ln>
-          <a:extLst>
-            <a:ext uri="{909E8E84-426E-40DD-AFC4-6F175D3DCCD1}">
-              <a14:hiddenFill xmlns:a14="http://schemas.microsoft.com/office/drawing/2010/main">
-                <a:solidFill>
-                  <a:srgbClr val="FFFFFF"/>
-                </a:solidFill>
-              </a14:hiddenFill>
-            </a:ext>
-          </a:extLst>
-        </p:spPr>
-      </p:sp>
-      <p:sp>
-        <p:nvSpPr>
-          <p:cNvPr id="26627" name="Notes Placeholder 2"/>
-          <p:cNvSpPr>
-            <a:spLocks noGrp="1"/>
-          </p:cNvSpPr>
-          <p:nvPr>
-            <p:ph type="body" idx="1"/>
-          </p:nvPr>
-        </p:nvSpPr>
-        <p:spPr bwMode="auto">
-          <a:noFill/>
-          <a:extLst>
-            <a:ext uri="{909E8E84-426E-40DD-AFC4-6F175D3DCCD1}">
-              <a14:hiddenFill xmlns:a14="http://schemas.microsoft.com/office/drawing/2010/main">
-                <a:solidFill>
-                  <a:srgbClr val="FFFFFF"/>
-                </a:solidFill>
-              </a14:hiddenFill>
-            </a:ext>
-            <a:ext uri="{91240B29-F687-4F45-9708-019B960494DF}">
-              <a14:hiddenLine xmlns:a14="http://schemas.microsoft.com/office/drawing/2010/main" w="9525">
-                <a:solidFill>
-                  <a:srgbClr val="000000"/>
-                </a:solidFill>
-                <a:miter lim="800000"/>
-                <a:headEnd/>
-                <a:tailEnd/>
-              </a14:hiddenLine>
-            </a:ext>
-          </a:extLst>
-        </p:spPr>
-        <p:txBody>
-          <a:bodyPr wrap="square" numCol="1" anchor="t" anchorCtr="0" compatLnSpc="1">
-            <a:prstTxWarp prst="textNoShape">
-              <a:avLst/>
-            </a:prstTxWarp>
-          </a:bodyPr>
-          <a:lstStyle/>
-          <a:p>
-            <a:pPr>
-              <a:spcBef>
-                <a:spcPct val="0"/>
-              </a:spcBef>
-            </a:pPr>
-            <a:r>
-              <a:rPr lang="ja-JP" altLang="en-US" smtClean="0"/>
-              <a:t>必要となるであろう期待される能力やどんな種類のスキルが必要なのかについて書きこもう。</a:t>
-            </a:r>
-            <a:endParaRPr lang="en-CA" smtClean="0"/>
-          </a:p>
-          <a:p>
-            <a:pPr>
-              <a:spcBef>
-                <a:spcPct val="0"/>
-              </a:spcBef>
-            </a:pPr>
-            <a:r>
-              <a:rPr lang="ja-JP" altLang="en-US" smtClean="0"/>
-              <a:t>もし特定の人物が重要なのであれば、その名前を書こう（例えば、</a:t>
-            </a:r>
-            <a:r>
-              <a:rPr lang="en-US" altLang="ja-JP" smtClean="0"/>
-              <a:t>X</a:t>
-            </a:r>
-            <a:r>
-              <a:rPr lang="ja-JP" altLang="en-US" smtClean="0"/>
-              <a:t>ができるのはビリーだけだ、とか）</a:t>
-            </a:r>
-            <a:endParaRPr lang="en-CA" smtClean="0"/>
-          </a:p>
-        </p:txBody>
-      </p:sp>
-      <p:sp>
-        <p:nvSpPr>
-          <p:cNvPr id="26628" name="Slide Number Placeholder 3"/>
-          <p:cNvSpPr>
-            <a:spLocks noGrp="1"/>
-          </p:cNvSpPr>
-          <p:nvPr>
-            <p:ph type="sldNum" sz="quarter" idx="5"/>
-          </p:nvPr>
-        </p:nvSpPr>
-        <p:spPr bwMode="auto">
-          <a:noFill/>
-          <a:extLst>
-            <a:ext uri="{909E8E84-426E-40DD-AFC4-6F175D3DCCD1}">
-              <a14:hiddenFill xmlns:a14="http://schemas.microsoft.com/office/drawing/2010/main">
-                <a:solidFill>
-                  <a:srgbClr val="FFFFFF"/>
-                </a:solidFill>
-              </a14:hiddenFill>
-            </a:ext>
-            <a:ext uri="{91240B29-F687-4F45-9708-019B960494DF}">
-              <a14:hiddenLine xmlns:a14="http://schemas.microsoft.com/office/drawing/2010/main" w="9525">
-                <a:solidFill>
-                  <a:srgbClr val="000000"/>
-                </a:solidFill>
-                <a:miter lim="800000"/>
-                <a:headEnd/>
-                <a:tailEnd/>
-              </a14:hiddenLine>
-            </a:ext>
-          </a:extLst>
-        </p:spPr>
-        <p:txBody>
-          <a:bodyPr/>
-          <a:lstStyle>
-            <a:lvl1pPr>
-              <a:defRPr>
-                <a:solidFill>
-                  <a:schemeClr val="tx1"/>
-                </a:solidFill>
-                <a:latin typeface="Calibri" pitchFamily="34" charset="0"/>
-              </a:defRPr>
-            </a:lvl1pPr>
-            <a:lvl2pPr marL="742950" indent="-285750">
-              <a:defRPr>
-                <a:solidFill>
-                  <a:schemeClr val="tx1"/>
-                </a:solidFill>
-                <a:latin typeface="Calibri" pitchFamily="34" charset="0"/>
-              </a:defRPr>
-            </a:lvl2pPr>
-            <a:lvl3pPr marL="1143000" indent="-228600">
-              <a:defRPr>
-                <a:solidFill>
-                  <a:schemeClr val="tx1"/>
-                </a:solidFill>
-                <a:latin typeface="Calibri" pitchFamily="34" charset="0"/>
-              </a:defRPr>
-            </a:lvl3pPr>
-            <a:lvl4pPr marL="1600200" indent="-228600">
-              <a:defRPr>
-                <a:solidFill>
-                  <a:schemeClr val="tx1"/>
-                </a:solidFill>
-                <a:latin typeface="Calibri" pitchFamily="34" charset="0"/>
-              </a:defRPr>
-            </a:lvl4pPr>
-            <a:lvl5pPr marL="2057400" indent="-228600">
-              <a:defRPr>
-                <a:solidFill>
-                  <a:schemeClr val="tx1"/>
-                </a:solidFill>
-                <a:latin typeface="Calibri" pitchFamily="34" charset="0"/>
-              </a:defRPr>
-            </a:lvl5pPr>
-            <a:lvl6pPr marL="2514600" indent="-228600" fontAlgn="base">
-              <a:spcBef>
-                <a:spcPct val="0"/>
-              </a:spcBef>
-              <a:spcAft>
-                <a:spcPct val="0"/>
-              </a:spcAft>
-              <a:defRPr>
-                <a:solidFill>
-                  <a:schemeClr val="tx1"/>
-                </a:solidFill>
-                <a:latin typeface="Calibri" pitchFamily="34" charset="0"/>
-              </a:defRPr>
-            </a:lvl6pPr>
-            <a:lvl7pPr marL="2971800" indent="-228600" fontAlgn="base">
-              <a:spcBef>
-                <a:spcPct val="0"/>
-              </a:spcBef>
-              <a:spcAft>
-                <a:spcPct val="0"/>
-              </a:spcAft>
-              <a:defRPr>
-                <a:solidFill>
-                  <a:schemeClr val="tx1"/>
-                </a:solidFill>
-                <a:latin typeface="Calibri" pitchFamily="34" charset="0"/>
-              </a:defRPr>
-            </a:lvl7pPr>
-            <a:lvl8pPr marL="3429000" indent="-228600" fontAlgn="base">
-              <a:spcBef>
-                <a:spcPct val="0"/>
-              </a:spcBef>
-              <a:spcAft>
-                <a:spcPct val="0"/>
-              </a:spcAft>
-              <a:defRPr>
-                <a:solidFill>
-                  <a:schemeClr val="tx1"/>
-                </a:solidFill>
-                <a:latin typeface="Calibri" pitchFamily="34" charset="0"/>
-              </a:defRPr>
-            </a:lvl8pPr>
-            <a:lvl9pPr marL="3886200" indent="-228600" fontAlgn="base">
-              <a:spcBef>
-                <a:spcPct val="0"/>
-              </a:spcBef>
-              <a:spcAft>
-                <a:spcPct val="0"/>
-              </a:spcAft>
-              <a:defRPr>
-                <a:solidFill>
-                  <a:schemeClr val="tx1"/>
-                </a:solidFill>
-                <a:latin typeface="Calibri" pitchFamily="34" charset="0"/>
-              </a:defRPr>
-            </a:lvl9pPr>
-          </a:lstStyle>
-          <a:p>
-            <a:fld id="{DC995F7E-8C33-4C4F-8E04-5CA727622CBF}" type="slidenum">
-              <a:rPr lang="en-CA" altLang="ja-JP"/>
-              <a:pPr/>
               <a:t>9</a:t>
             </a:fld>
             <a:endParaRPr lang="en-CA" altLang="ja-JP"/>
@@ -4197,6 +4445,70 @@
       </p:grpSpPr>
       <p:pic>
         <p:nvPicPr>
+          <p:cNvPr id="1026" name="Picture 2"/>
+          <p:cNvPicPr>
+            <a:picLocks noChangeAspect="1" noChangeArrowheads="1"/>
+          </p:cNvPicPr>
+          <p:nvPr userDrawn="1"/>
+        </p:nvPicPr>
+        <p:blipFill>
+          <a:blip r:embed="rId2">
+            <a:extLst>
+              <a:ext uri="{28A0092B-C50C-407E-A947-70E740481C1C}">
+                <a14:useLocalDpi xmlns:a14="http://schemas.microsoft.com/office/drawing/2010/main" val="0"/>
+              </a:ext>
+            </a:extLst>
+          </a:blip>
+          <a:srcRect/>
+          <a:stretch>
+            <a:fillRect/>
+          </a:stretch>
+        </p:blipFill>
+        <p:spPr bwMode="auto">
+          <a:xfrm>
+            <a:off x="-2458" y="0"/>
+            <a:ext cx="9146458" cy="6859844"/>
+          </a:xfrm>
+          <a:prstGeom prst="rect">
+            <a:avLst/>
+          </a:prstGeom>
+          <a:noFill/>
+          <a:ln>
+            <a:noFill/>
+          </a:ln>
+          <a:effectLst/>
+          <a:extLst>
+            <a:ext uri="{909E8E84-426E-40DD-AFC4-6F175D3DCCD1}">
+              <a14:hiddenFill xmlns:a14="http://schemas.microsoft.com/office/drawing/2010/main">
+                <a:solidFill>
+                  <a:schemeClr val="accent1"/>
+                </a:solidFill>
+              </a14:hiddenFill>
+            </a:ext>
+            <a:ext uri="{91240B29-F687-4F45-9708-019B960494DF}">
+              <a14:hiddenLine xmlns:a14="http://schemas.microsoft.com/office/drawing/2010/main" w="9525">
+                <a:solidFill>
+                  <a:schemeClr val="tx1"/>
+                </a:solidFill>
+                <a:miter lim="800000"/>
+                <a:headEnd/>
+                <a:tailEnd/>
+              </a14:hiddenLine>
+            </a:ext>
+            <a:ext uri="{AF507438-7753-43E0-B8FC-AC1667EBCBE1}">
+              <a14:hiddenEffects xmlns:a14="http://schemas.microsoft.com/office/drawing/2010/main">
+                <a:effectLst>
+                  <a:outerShdw dist="35921" dir="2700000" algn="ctr" rotWithShape="0">
+                    <a:schemeClr val="bg2"/>
+                  </a:outerShdw>
+                </a:effectLst>
+              </a14:hiddenEffects>
+            </a:ext>
+          </a:extLst>
+        </p:spPr>
+      </p:pic>
+      <p:pic>
+        <p:nvPicPr>
           <p:cNvPr id="4" name="Picture 6"/>
           <p:cNvPicPr>
             <a:picLocks noChangeAspect="1" noChangeArrowheads="1"/>
@@ -4204,7 +4516,7 @@
           <p:nvPr userDrawn="1"/>
         </p:nvPicPr>
         <p:blipFill>
-          <a:blip r:embed="rId2">
+          <a:blip r:embed="rId3">
             <a:extLst>
               <a:ext uri="{28A0092B-C50C-407E-A947-70E740481C1C}">
                 <a14:useLocalDpi xmlns:a14="http://schemas.microsoft.com/office/drawing/2010/main" val="0"/>
@@ -4418,7 +4730,7 @@
             <a:fld id="{4D503C28-CB75-411E-A71B-16475452A523}" type="datetimeFigureOut">
               <a:rPr lang="en-US" altLang="ja-JP"/>
               <a:pPr/>
-              <a:t>7/2/2012</a:t>
+              <a:t>7/12/2012</a:t>
             </a:fld>
             <a:endParaRPr lang="en-US" altLang="ja-JP"/>
           </a:p>
@@ -4597,7 +4909,7 @@
             <a:fld id="{70975A37-314E-4EB0-A335-F7A68EC12349}" type="datetimeFigureOut">
               <a:rPr lang="en-US" altLang="ja-JP"/>
               <a:pPr/>
-              <a:t>7/2/2012</a:t>
+              <a:t>7/12/2012</a:t>
             </a:fld>
             <a:endParaRPr lang="en-US" altLang="ja-JP"/>
           </a:p>
@@ -4786,7 +5098,7 @@
             <a:fld id="{05A0135E-DC64-4D73-B239-157BBD9509A0}" type="datetimeFigureOut">
               <a:rPr lang="en-US" altLang="ja-JP"/>
               <a:pPr/>
-              <a:t>7/2/2012</a:t>
+              <a:t>7/12/2012</a:t>
             </a:fld>
             <a:endParaRPr lang="en-US" altLang="ja-JP"/>
           </a:p>
@@ -4965,7 +5277,7 @@
             <a:fld id="{8BF5F205-7AE9-4F1C-838B-F8784F4628AE}" type="datetimeFigureOut">
               <a:rPr lang="en-US" altLang="ja-JP"/>
               <a:pPr/>
-              <a:t>7/2/2012</a:t>
+              <a:t>7/12/2012</a:t>
             </a:fld>
             <a:endParaRPr lang="en-US" altLang="ja-JP"/>
           </a:p>
@@ -5220,7 +5532,7 @@
             <a:fld id="{D38A0D29-F788-4CA6-99BB-336490DBEF54}" type="datetimeFigureOut">
               <a:rPr lang="en-US" altLang="ja-JP"/>
               <a:pPr/>
-              <a:t>7/2/2012</a:t>
+              <a:t>7/12/2012</a:t>
             </a:fld>
             <a:endParaRPr lang="en-US" altLang="ja-JP"/>
           </a:p>
@@ -5517,7 +5829,7 @@
             <a:fld id="{EDFFA818-6A01-4D30-9E65-273E0DA157AC}" type="datetimeFigureOut">
               <a:rPr lang="en-US" altLang="ja-JP"/>
               <a:pPr/>
-              <a:t>7/2/2012</a:t>
+              <a:t>7/12/2012</a:t>
             </a:fld>
             <a:endParaRPr lang="en-US" altLang="ja-JP"/>
           </a:p>
@@ -5948,7 +6260,7 @@
             <a:fld id="{E3F4A837-5AA7-4262-A3F2-0A9F08A8920C}" type="datetimeFigureOut">
               <a:rPr lang="en-US" altLang="ja-JP"/>
               <a:pPr/>
-              <a:t>7/2/2012</a:t>
+              <a:t>7/12/2012</a:t>
             </a:fld>
             <a:endParaRPr lang="en-US" altLang="ja-JP"/>
           </a:p>
@@ -6075,7 +6387,7 @@
             <a:fld id="{E09511DC-4CF9-47B2-9881-81E0BDA19979}" type="datetimeFigureOut">
               <a:rPr lang="en-US" altLang="ja-JP"/>
               <a:pPr/>
-              <a:t>7/2/2012</a:t>
+              <a:t>7/12/2012</a:t>
             </a:fld>
             <a:endParaRPr lang="en-US" altLang="ja-JP"/>
           </a:p>
@@ -6179,7 +6491,7 @@
             <a:fld id="{4071A48A-1C32-4813-85B4-E513093FFF85}" type="datetimeFigureOut">
               <a:rPr lang="en-US" altLang="ja-JP"/>
               <a:pPr/>
-              <a:t>7/2/2012</a:t>
+              <a:t>7/12/2012</a:t>
             </a:fld>
             <a:endParaRPr lang="en-US" altLang="ja-JP"/>
           </a:p>
@@ -6465,7 +6777,7 @@
             <a:fld id="{359E4454-C8A4-4F73-A1C5-D097F20520B9}" type="datetimeFigureOut">
               <a:rPr lang="en-US" altLang="ja-JP"/>
               <a:pPr/>
-              <a:t>7/2/2012</a:t>
+              <a:t>7/12/2012</a:t>
             </a:fld>
             <a:endParaRPr lang="en-US" altLang="ja-JP"/>
           </a:p>
@@ -6730,7 +7042,7 @@
             <a:fld id="{1238D56D-1A56-463E-8FA3-AAD6CE0D13B7}" type="datetimeFigureOut">
               <a:rPr lang="en-US" altLang="ja-JP"/>
               <a:pPr/>
-              <a:t>7/2/2012</a:t>
+              <a:t>7/12/2012</a:t>
             </a:fld>
             <a:endParaRPr lang="en-US" altLang="ja-JP"/>
           </a:p>
@@ -6999,7 +7311,7 @@
             <a:fld id="{E1B472F8-1BB2-4186-96EC-7D282FB36EBD}" type="datetimeFigureOut">
               <a:rPr lang="en-US" altLang="ja-JP"/>
               <a:pPr/>
-              <a:t>7/2/2012</a:t>
+              <a:t>7/12/2012</a:t>
             </a:fld>
             <a:endParaRPr lang="en-US" altLang="ja-JP"/>
           </a:p>
@@ -7559,34 +7871,6 @@
       </p:grpSpPr>
       <p:sp>
         <p:nvSpPr>
-          <p:cNvPr id="4098" name="Title 1"/>
-          <p:cNvSpPr>
-            <a:spLocks noGrp="1"/>
-          </p:cNvSpPr>
-          <p:nvPr>
-            <p:ph type="ctrTitle"/>
-          </p:nvPr>
-        </p:nvSpPr>
-        <p:spPr/>
-        <p:txBody>
-          <a:bodyPr/>
-          <a:lstStyle/>
-          <a:p>
-            <a:pPr algn="ctr"/>
-            <a:r>
-              <a:rPr lang="en-US" dirty="0" smtClean="0"/>
-              <a:t>The Flavor of </a:t>
-            </a:r>
-            <a:r>
-              <a:rPr lang="en-US" dirty="0" err="1" smtClean="0"/>
-              <a:t>Iso</a:t>
-            </a:r>
-            <a:endParaRPr lang="en-CA" dirty="0" smtClean="0"/>
-          </a:p>
-        </p:txBody>
-      </p:sp>
-      <p:sp>
-        <p:nvSpPr>
           <p:cNvPr id="3" name="Subtitle 2"/>
           <p:cNvSpPr>
             <a:spLocks noGrp="1"/>
@@ -7595,14 +7879,19 @@
             <p:ph type="subTitle" idx="1"/>
           </p:nvPr>
         </p:nvSpPr>
-        <p:spPr/>
+        <p:spPr>
+          <a:xfrm>
+            <a:off x="152400" y="5029200"/>
+            <a:ext cx="6400800" cy="1752600"/>
+          </a:xfrm>
+        </p:spPr>
         <p:txBody>
           <a:bodyPr rtlCol="0">
             <a:normAutofit/>
           </a:bodyPr>
           <a:lstStyle/>
           <a:p>
-            <a:pPr fontAlgn="auto">
+            <a:pPr algn="l" fontAlgn="auto">
               <a:spcAft>
                 <a:spcPts val="0"/>
               </a:spcAft>
@@ -7611,17 +7900,82 @@
               <a:defRPr/>
             </a:pPr>
             <a:r>
-              <a:rPr lang="en-US" altLang="ja-JP" dirty="0" err="1" smtClean="0"/>
-              <a:t>Mr.Rikitake</a:t>
-            </a:r>
-            <a:r>
-              <a:rPr lang="en-US" altLang="ja-JP" dirty="0" smtClean="0"/>
-              <a:t> and SNCT</a:t>
-            </a:r>
-            <a:endParaRPr lang="en-US" altLang="ja-JP" dirty="0" smtClean="0"/>
-          </a:p>
-          <a:p>
-            <a:pPr fontAlgn="auto">
+              <a:rPr lang="en-US" altLang="ja-JP" sz="2400" dirty="0" smtClean="0">
+                <a:solidFill>
+                  <a:schemeClr val="bg1"/>
+                </a:solidFill>
+                <a:latin typeface="メイリオ" pitchFamily="50" charset="-128"/>
+                <a:ea typeface="メイリオ" pitchFamily="50" charset="-128"/>
+                <a:cs typeface="メイリオ" pitchFamily="50" charset="-128"/>
+              </a:rPr>
+              <a:t>Prof</a:t>
+            </a:r>
+            <a:r>
+              <a:rPr lang="en-US" altLang="ja-JP" sz="2400" dirty="0" smtClean="0">
+                <a:solidFill>
+                  <a:schemeClr val="bg1"/>
+                </a:solidFill>
+                <a:latin typeface="メイリオ" pitchFamily="50" charset="-128"/>
+                <a:ea typeface="メイリオ" pitchFamily="50" charset="-128"/>
+                <a:cs typeface="メイリオ" pitchFamily="50" charset="-128"/>
+              </a:rPr>
+              <a:t>. </a:t>
+            </a:r>
+            <a:r>
+              <a:rPr lang="en-US" altLang="ja-JP" sz="2400" dirty="0" err="1" smtClean="0">
+                <a:solidFill>
+                  <a:schemeClr val="bg1"/>
+                </a:solidFill>
+                <a:latin typeface="メイリオ" pitchFamily="50" charset="-128"/>
+                <a:ea typeface="メイリオ" pitchFamily="50" charset="-128"/>
+                <a:cs typeface="メイリオ" pitchFamily="50" charset="-128"/>
+              </a:rPr>
+              <a:t>Rikitake</a:t>
+            </a:r>
+            <a:r>
+              <a:rPr lang="en-US" altLang="ja-JP" sz="2400" dirty="0" smtClean="0">
+                <a:solidFill>
+                  <a:schemeClr val="bg1"/>
+                </a:solidFill>
+                <a:latin typeface="メイリオ" pitchFamily="50" charset="-128"/>
+                <a:ea typeface="メイリオ" pitchFamily="50" charset="-128"/>
+                <a:cs typeface="メイリオ" pitchFamily="50" charset="-128"/>
+              </a:rPr>
+              <a:t> </a:t>
+            </a:r>
+            <a:r>
+              <a:rPr lang="en-US" altLang="ja-JP" sz="2400" dirty="0" smtClean="0">
+                <a:solidFill>
+                  <a:schemeClr val="bg1"/>
+                </a:solidFill>
+                <a:latin typeface="メイリオ" pitchFamily="50" charset="-128"/>
+                <a:ea typeface="メイリオ" pitchFamily="50" charset="-128"/>
+                <a:cs typeface="メイリオ" pitchFamily="50" charset="-128"/>
+              </a:rPr>
+              <a:t>and </a:t>
+            </a:r>
+            <a:r>
+              <a:rPr lang="en-US" altLang="ja-JP" sz="2400" dirty="0" smtClean="0">
+                <a:solidFill>
+                  <a:schemeClr val="bg1"/>
+                </a:solidFill>
+                <a:latin typeface="メイリオ" pitchFamily="50" charset="-128"/>
+                <a:ea typeface="メイリオ" pitchFamily="50" charset="-128"/>
+                <a:cs typeface="メイリオ" pitchFamily="50" charset="-128"/>
+              </a:rPr>
+              <a:t>SNCT</a:t>
+            </a:r>
+            <a:endParaRPr lang="en-US" altLang="ja-JP" sz="2400" dirty="0">
+              <a:solidFill>
+                <a:schemeClr val="bg1"/>
+              </a:solidFill>
+              <a:latin typeface="メイリオ" pitchFamily="50" charset="-128"/>
+              <a:ea typeface="メイリオ" pitchFamily="50" charset="-128"/>
+              <a:cs typeface="メイリオ" pitchFamily="50" charset="-128"/>
+            </a:endParaRPr>
+          </a:p>
+          <a:p>
+            <a:pPr algn="l" fontAlgn="auto">
               <a:spcAft>
                 <a:spcPts val="0"/>
               </a:spcAft>
@@ -7629,22 +7983,182 @@
               <a:buNone/>
               <a:defRPr/>
             </a:pPr>
-            <a:endParaRPr lang="en-US" dirty="0"/>
-          </a:p>
+            <a:endParaRPr lang="en-US" altLang="ja-JP" sz="2400" dirty="0">
+              <a:latin typeface="メイリオ" pitchFamily="50" charset="-128"/>
+              <a:ea typeface="メイリオ" pitchFamily="50" charset="-128"/>
+              <a:cs typeface="メイリオ" pitchFamily="50" charset="-128"/>
+            </a:endParaRPr>
+          </a:p>
+        </p:txBody>
+      </p:sp>
+      <p:sp>
+        <p:nvSpPr>
+          <p:cNvPr id="4" name="円形吹き出し 3"/>
+          <p:cNvSpPr/>
+          <p:nvPr/>
+        </p:nvSpPr>
+        <p:spPr>
+          <a:xfrm>
+            <a:off x="1219200" y="381000"/>
+            <a:ext cx="6705600" cy="1295400"/>
+          </a:xfrm>
+          <a:prstGeom prst="wedgeEllipseCallout">
+            <a:avLst>
+              <a:gd name="adj1" fmla="val 1161"/>
+              <a:gd name="adj2" fmla="val 89824"/>
+            </a:avLst>
+          </a:prstGeom>
+          <a:noFill/>
+          <a:ln>
+            <a:solidFill>
+              <a:schemeClr val="tx1"/>
+            </a:solidFill>
+          </a:ln>
+        </p:spPr>
+        <p:style>
+          <a:lnRef idx="2">
+            <a:schemeClr val="accent1">
+              <a:shade val="50000"/>
+            </a:schemeClr>
+          </a:lnRef>
+          <a:fillRef idx="1">
+            <a:schemeClr val="accent1"/>
+          </a:fillRef>
+          <a:effectRef idx="0">
+            <a:schemeClr val="accent1"/>
+          </a:effectRef>
+          <a:fontRef idx="minor">
+            <a:schemeClr val="lt1"/>
+          </a:fontRef>
+        </p:style>
+        <p:txBody>
+          <a:bodyPr rtlCol="0" anchor="ctr"/>
+          <a:lstStyle/>
+          <a:p>
+            <a:pPr algn="ctr"/>
+            <a:r>
+              <a:rPr lang="ja-JP" altLang="en-US" sz="3600" dirty="0" smtClean="0">
+                <a:solidFill>
+                  <a:schemeClr val="tx1"/>
+                </a:solidFill>
+                <a:latin typeface="ふい字" pitchFamily="1" charset="-128"/>
+                <a:ea typeface="ふい字" pitchFamily="1" charset="-128"/>
+                <a:cs typeface="メイリオ" pitchFamily="50" charset="-128"/>
+              </a:rPr>
+              <a:t>いそのかおり</a:t>
+            </a:r>
+            <a:endParaRPr lang="en-US" altLang="ja-JP" sz="3600" dirty="0" smtClean="0">
+              <a:solidFill>
+                <a:schemeClr val="tx1"/>
+              </a:solidFill>
+              <a:latin typeface="ふい字" pitchFamily="1" charset="-128"/>
+              <a:ea typeface="ふい字" pitchFamily="1" charset="-128"/>
+              <a:cs typeface="メイリオ" pitchFamily="50" charset="-128"/>
+            </a:endParaRPr>
+          </a:p>
+          <a:p>
+            <a:pPr algn="ctr"/>
+            <a:r>
+              <a:rPr kumimoji="1" lang="en-US" altLang="ja-JP" sz="2400" dirty="0" smtClean="0">
+                <a:solidFill>
+                  <a:schemeClr val="tx1"/>
+                </a:solidFill>
+                <a:latin typeface="ふい字" pitchFamily="1" charset="-128"/>
+                <a:ea typeface="ふい字" pitchFamily="1" charset="-128"/>
+                <a:cs typeface="メイリオ" pitchFamily="50" charset="-128"/>
+              </a:rPr>
+              <a:t>A </a:t>
+            </a:r>
+            <a:r>
+              <a:rPr lang="en-US" altLang="ja-JP" sz="2400" dirty="0" smtClean="0">
+                <a:solidFill>
+                  <a:schemeClr val="tx1"/>
+                </a:solidFill>
+                <a:latin typeface="ふい字" pitchFamily="1" charset="-128"/>
+                <a:ea typeface="ふい字" pitchFamily="1" charset="-128"/>
+                <a:cs typeface="メイリオ" pitchFamily="50" charset="-128"/>
+              </a:rPr>
+              <a:t>f</a:t>
+            </a:r>
+            <a:r>
+              <a:rPr kumimoji="1" lang="en-US" altLang="ja-JP" sz="2400" dirty="0" smtClean="0">
+                <a:solidFill>
+                  <a:schemeClr val="tx1"/>
+                </a:solidFill>
+                <a:latin typeface="ふい字" pitchFamily="1" charset="-128"/>
+                <a:ea typeface="ふい字" pitchFamily="1" charset="-128"/>
+                <a:cs typeface="メイリオ" pitchFamily="50" charset="-128"/>
+              </a:rPr>
+              <a:t>lavor of </a:t>
+            </a:r>
+            <a:r>
+              <a:rPr lang="ja-JP" altLang="en-US" sz="2400" dirty="0">
+                <a:solidFill>
+                  <a:schemeClr val="tx1"/>
+                </a:solidFill>
+                <a:latin typeface="ふい字" pitchFamily="1" charset="-128"/>
+                <a:ea typeface="ふい字" pitchFamily="1" charset="-128"/>
+                <a:cs typeface="メイリオ" pitchFamily="50" charset="-128"/>
+              </a:rPr>
+              <a:t>いそ</a:t>
+            </a:r>
+            <a:endParaRPr kumimoji="1" lang="ja-JP" altLang="en-US" sz="2000" dirty="0">
+              <a:solidFill>
+                <a:schemeClr val="tx1"/>
+              </a:solidFill>
+              <a:latin typeface="ふい字" pitchFamily="1" charset="-128"/>
+              <a:ea typeface="ふい字" pitchFamily="1" charset="-128"/>
+              <a:cs typeface="メイリオ" pitchFamily="50" charset="-128"/>
+            </a:endParaRPr>
+          </a:p>
+        </p:txBody>
+      </p:sp>
+      <p:sp>
+        <p:nvSpPr>
+          <p:cNvPr id="2" name="正方形/長方形 1"/>
+          <p:cNvSpPr/>
+          <p:nvPr/>
+        </p:nvSpPr>
+        <p:spPr>
+          <a:xfrm>
+            <a:off x="152400" y="6324600"/>
+            <a:ext cx="1530997" cy="369332"/>
+          </a:xfrm>
+          <a:prstGeom prst="rect">
+            <a:avLst/>
+          </a:prstGeom>
+        </p:spPr>
+        <p:txBody>
+          <a:bodyPr wrap="none">
+            <a:spAutoFit/>
+          </a:bodyPr>
+          <a:lstStyle/>
           <a:p>
             <a:pPr fontAlgn="auto">
               <a:spcAft>
                 <a:spcPts val="0"/>
               </a:spcAft>
-              <a:buFont typeface="Arial" pitchFamily="34" charset="0"/>
-              <a:buNone/>
               <a:defRPr/>
             </a:pPr>
             <a:r>
-              <a:rPr lang="en-US" altLang="ja-JP" dirty="0" smtClean="0"/>
-              <a:t>2012/07/02</a:t>
-            </a:r>
-            <a:endParaRPr lang="en-CA" dirty="0"/>
+              <a:rPr lang="en-US" altLang="ja-JP" dirty="0">
+                <a:solidFill>
+                  <a:schemeClr val="accent6"/>
+                </a:solidFill>
+                <a:latin typeface="メイリオ" pitchFamily="50" charset="-128"/>
+                <a:ea typeface="メイリオ" pitchFamily="50" charset="-128"/>
+                <a:cs typeface="メイリオ" pitchFamily="50" charset="-128"/>
+              </a:rPr>
+              <a:t>2012/07/11</a:t>
+            </a:r>
+            <a:endParaRPr lang="en-CA" altLang="ja-JP" dirty="0">
+              <a:solidFill>
+                <a:schemeClr val="accent6"/>
+              </a:solidFill>
+              <a:latin typeface="メイリオ" pitchFamily="50" charset="-128"/>
+              <a:ea typeface="メイリオ" pitchFamily="50" charset="-128"/>
+              <a:cs typeface="メイリオ" pitchFamily="50" charset="-128"/>
+            </a:endParaRPr>
           </a:p>
         </p:txBody>
       </p:sp>
@@ -7682,6 +8196,2011 @@
       </p:grpSpPr>
       <p:sp>
         <p:nvSpPr>
+          <p:cNvPr id="12290" name="Title 1"/>
+          <p:cNvSpPr>
+            <a:spLocks noGrp="1"/>
+          </p:cNvSpPr>
+          <p:nvPr>
+            <p:ph type="title"/>
+          </p:nvPr>
+        </p:nvSpPr>
+        <p:spPr/>
+        <p:txBody>
+          <a:bodyPr/>
+          <a:lstStyle/>
+          <a:p>
+            <a:r>
+              <a:rPr lang="en-US" altLang="ja-JP" dirty="0" smtClean="0"/>
+              <a:t>Team </a:t>
+            </a:r>
+            <a:r>
+              <a:rPr lang="en-US" altLang="ja-JP" dirty="0" err="1" smtClean="0"/>
+              <a:t>Iso</a:t>
+            </a:r>
+            <a:endParaRPr lang="en-CA" dirty="0" smtClean="0"/>
+          </a:p>
+        </p:txBody>
+      </p:sp>
+      <p:graphicFrame>
+        <p:nvGraphicFramePr>
+          <p:cNvPr id="4" name="Table 3"/>
+          <p:cNvGraphicFramePr>
+            <a:graphicFrameLocks noGrp="1"/>
+          </p:cNvGraphicFramePr>
+          <p:nvPr/>
+        </p:nvGraphicFramePr>
+        <p:xfrm>
+          <a:off x="685800" y="1397000"/>
+          <a:ext cx="7924800" cy="3223260"/>
+        </p:xfrm>
+        <a:graphic>
+          <a:graphicData uri="http://schemas.openxmlformats.org/drawingml/2006/table">
+            <a:tbl>
+              <a:tblPr/>
+              <a:tblGrid>
+                <a:gridCol w="609600"/>
+                <a:gridCol w="1752600"/>
+                <a:gridCol w="5562600"/>
+              </a:tblGrid>
+              <a:tr h="371475">
+                <a:tc>
+                  <a:txBody>
+                    <a:bodyPr/>
+                    <a:lstStyle/>
+                    <a:p>
+                      <a:pPr marL="0" marR="0" lvl="0" indent="0" algn="l" defTabSz="914400" rtl="0" eaLnBrk="1" fontAlgn="base" latinLnBrk="0" hangingPunct="1">
+                        <a:lnSpc>
+                          <a:spcPct val="100000"/>
+                        </a:lnSpc>
+                        <a:spcBef>
+                          <a:spcPct val="0"/>
+                        </a:spcBef>
+                        <a:spcAft>
+                          <a:spcPct val="0"/>
+                        </a:spcAft>
+                        <a:buClrTx/>
+                        <a:buSzTx/>
+                        <a:buFontTx/>
+                        <a:buNone/>
+                        <a:tabLst/>
+                      </a:pPr>
+                      <a:r>
+                        <a:rPr kumimoji="0" lang="en-CA" altLang="ja-JP" sz="2400" b="1" i="0" u="none" strike="noStrike" cap="none" normalizeH="0" baseline="0" smtClean="0">
+                          <a:ln>
+                            <a:noFill/>
+                          </a:ln>
+                          <a:solidFill>
+                            <a:srgbClr val="FFFFFF"/>
+                          </a:solidFill>
+                          <a:effectLst/>
+                          <a:latin typeface="Calibri" pitchFamily="34" charset="0"/>
+                          <a:ea typeface="ＭＳ Ｐゴシック" charset="-128"/>
+                        </a:rPr>
+                        <a:t>#</a:t>
+                      </a:r>
+                    </a:p>
+                  </a:txBody>
+                  <a:tcPr horzOverflow="overflow">
+                    <a:lnL w="12700" cap="flat" cmpd="sng" algn="ctr">
+                      <a:solidFill>
+                        <a:schemeClr val="bg1"/>
+                      </a:solidFill>
+                      <a:prstDash val="solid"/>
+                      <a:round/>
+                      <a:headEnd type="none" w="med" len="med"/>
+                      <a:tailEnd type="none" w="med" len="med"/>
+                    </a:lnL>
+                    <a:lnR w="12700" cap="flat" cmpd="sng" algn="ctr">
+                      <a:solidFill>
+                        <a:schemeClr val="bg1"/>
+                      </a:solidFill>
+                      <a:prstDash val="solid"/>
+                      <a:round/>
+                      <a:headEnd type="none" w="med" len="med"/>
+                      <a:tailEnd type="none" w="med" len="med"/>
+                    </a:lnR>
+                    <a:lnT w="12700" cap="flat" cmpd="sng" algn="ctr">
+                      <a:solidFill>
+                        <a:schemeClr val="bg1"/>
+                      </a:solidFill>
+                      <a:prstDash val="solid"/>
+                      <a:round/>
+                      <a:headEnd type="none" w="med" len="med"/>
+                      <a:tailEnd type="none" w="med" len="med"/>
+                    </a:lnT>
+                    <a:lnB w="38100" cap="flat" cmpd="sng" algn="ctr">
+                      <a:solidFill>
+                        <a:schemeClr val="bg1"/>
+                      </a:solidFill>
+                      <a:prstDash val="solid"/>
+                      <a:round/>
+                      <a:headEnd type="none" w="med" len="med"/>
+                      <a:tailEnd type="none" w="med" len="med"/>
+                    </a:lnB>
+                    <a:lnTlToBr>
+                      <a:noFill/>
+                    </a:lnTlToBr>
+                    <a:lnBlToTr>
+                      <a:noFill/>
+                    </a:lnBlToTr>
+                    <a:solidFill>
+                      <a:schemeClr val="accent1"/>
+                    </a:solidFill>
+                  </a:tcPr>
+                </a:tc>
+                <a:tc>
+                  <a:txBody>
+                    <a:bodyPr/>
+                    <a:lstStyle/>
+                    <a:p>
+                      <a:pPr marL="0" marR="0" lvl="0" indent="0" algn="l" defTabSz="914400" rtl="0" eaLnBrk="1" fontAlgn="base" latinLnBrk="0" hangingPunct="1">
+                        <a:lnSpc>
+                          <a:spcPct val="100000"/>
+                        </a:lnSpc>
+                        <a:spcBef>
+                          <a:spcPct val="0"/>
+                        </a:spcBef>
+                        <a:spcAft>
+                          <a:spcPct val="0"/>
+                        </a:spcAft>
+                        <a:buClrTx/>
+                        <a:buSzTx/>
+                        <a:buFontTx/>
+                        <a:buNone/>
+                        <a:tabLst/>
+                      </a:pPr>
+                      <a:r>
+                        <a:rPr kumimoji="0" lang="ja-JP" altLang="en-US" sz="2400" b="1" i="0" u="none" strike="noStrike" cap="none" normalizeH="0" baseline="0" smtClean="0">
+                          <a:ln>
+                            <a:noFill/>
+                          </a:ln>
+                          <a:solidFill>
+                            <a:srgbClr val="FFFFFF"/>
+                          </a:solidFill>
+                          <a:effectLst/>
+                          <a:latin typeface="Calibri" pitchFamily="34" charset="0"/>
+                          <a:ea typeface="ＭＳ Ｐゴシック" charset="-128"/>
+                        </a:rPr>
+                        <a:t>役割</a:t>
+                      </a:r>
+                      <a:endParaRPr kumimoji="0" lang="en-CA" sz="2400" b="1" i="0" u="none" strike="noStrike" cap="none" normalizeH="0" baseline="0" smtClean="0">
+                        <a:ln>
+                          <a:noFill/>
+                        </a:ln>
+                        <a:solidFill>
+                          <a:srgbClr val="FFFFFF"/>
+                        </a:solidFill>
+                        <a:effectLst/>
+                        <a:latin typeface="Calibri" pitchFamily="34" charset="0"/>
+                      </a:endParaRPr>
+                    </a:p>
+                  </a:txBody>
+                  <a:tcPr horzOverflow="overflow">
+                    <a:lnL w="12700" cap="flat" cmpd="sng" algn="ctr">
+                      <a:solidFill>
+                        <a:schemeClr val="bg1"/>
+                      </a:solidFill>
+                      <a:prstDash val="solid"/>
+                      <a:round/>
+                      <a:headEnd type="none" w="med" len="med"/>
+                      <a:tailEnd type="none" w="med" len="med"/>
+                    </a:lnL>
+                    <a:lnR w="12700" cap="flat" cmpd="sng" algn="ctr">
+                      <a:solidFill>
+                        <a:schemeClr val="bg1"/>
+                      </a:solidFill>
+                      <a:prstDash val="solid"/>
+                      <a:round/>
+                      <a:headEnd type="none" w="med" len="med"/>
+                      <a:tailEnd type="none" w="med" len="med"/>
+                    </a:lnR>
+                    <a:lnT w="12700" cap="flat" cmpd="sng" algn="ctr">
+                      <a:solidFill>
+                        <a:schemeClr val="bg1"/>
+                      </a:solidFill>
+                      <a:prstDash val="solid"/>
+                      <a:round/>
+                      <a:headEnd type="none" w="med" len="med"/>
+                      <a:tailEnd type="none" w="med" len="med"/>
+                    </a:lnT>
+                    <a:lnB w="38100" cap="flat" cmpd="sng" algn="ctr">
+                      <a:solidFill>
+                        <a:schemeClr val="bg1"/>
+                      </a:solidFill>
+                      <a:prstDash val="solid"/>
+                      <a:round/>
+                      <a:headEnd type="none" w="med" len="med"/>
+                      <a:tailEnd type="none" w="med" len="med"/>
+                    </a:lnB>
+                    <a:lnTlToBr>
+                      <a:noFill/>
+                    </a:lnTlToBr>
+                    <a:lnBlToTr>
+                      <a:noFill/>
+                    </a:lnBlToTr>
+                    <a:solidFill>
+                      <a:schemeClr val="accent1"/>
+                    </a:solidFill>
+                  </a:tcPr>
+                </a:tc>
+                <a:tc>
+                  <a:txBody>
+                    <a:bodyPr/>
+                    <a:lstStyle/>
+                    <a:p>
+                      <a:pPr marL="0" marR="0" lvl="0" indent="0" algn="l" defTabSz="914400" rtl="0" eaLnBrk="1" fontAlgn="base" latinLnBrk="0" hangingPunct="1">
+                        <a:lnSpc>
+                          <a:spcPct val="100000"/>
+                        </a:lnSpc>
+                        <a:spcBef>
+                          <a:spcPct val="0"/>
+                        </a:spcBef>
+                        <a:spcAft>
+                          <a:spcPct val="0"/>
+                        </a:spcAft>
+                        <a:buClrTx/>
+                        <a:buSzTx/>
+                        <a:buFontTx/>
+                        <a:buNone/>
+                        <a:tabLst/>
+                      </a:pPr>
+                      <a:r>
+                        <a:rPr kumimoji="0" lang="ja-JP" altLang="en-US" sz="2400" b="1" i="0" u="none" strike="noStrike" cap="none" normalizeH="0" baseline="0" smtClean="0">
+                          <a:ln>
+                            <a:noFill/>
+                          </a:ln>
+                          <a:solidFill>
+                            <a:srgbClr val="FFFFFF"/>
+                          </a:solidFill>
+                          <a:effectLst/>
+                          <a:latin typeface="Calibri" pitchFamily="34" charset="0"/>
+                          <a:ea typeface="ＭＳ Ｐゴシック" charset="-128"/>
+                        </a:rPr>
+                        <a:t>能力</a:t>
+                      </a:r>
+                      <a:r>
+                        <a:rPr kumimoji="0" lang="en-CA" altLang="ja-JP" sz="2400" b="1" i="0" u="none" strike="noStrike" cap="none" normalizeH="0" baseline="0" smtClean="0">
+                          <a:ln>
+                            <a:noFill/>
+                          </a:ln>
+                          <a:solidFill>
+                            <a:srgbClr val="FFFFFF"/>
+                          </a:solidFill>
+                          <a:effectLst/>
+                          <a:latin typeface="Calibri" pitchFamily="34" charset="0"/>
+                          <a:ea typeface="ＭＳ Ｐゴシック" charset="-128"/>
+                        </a:rPr>
+                        <a:t>/</a:t>
+                      </a:r>
+                      <a:r>
+                        <a:rPr kumimoji="0" lang="ja-JP" altLang="en-US" sz="2400" b="1" i="0" u="none" strike="noStrike" cap="none" normalizeH="0" baseline="0" smtClean="0">
+                          <a:ln>
+                            <a:noFill/>
+                          </a:ln>
+                          <a:solidFill>
+                            <a:srgbClr val="FFFFFF"/>
+                          </a:solidFill>
+                          <a:effectLst/>
+                          <a:latin typeface="Calibri" pitchFamily="34" charset="0"/>
+                          <a:ea typeface="ＭＳ Ｐゴシック" charset="-128"/>
+                        </a:rPr>
+                        <a:t>期待すること</a:t>
+                      </a:r>
+                      <a:endParaRPr kumimoji="0" lang="en-CA" sz="2400" b="1" i="0" u="none" strike="noStrike" cap="none" normalizeH="0" baseline="0" smtClean="0">
+                        <a:ln>
+                          <a:noFill/>
+                        </a:ln>
+                        <a:solidFill>
+                          <a:srgbClr val="FFFFFF"/>
+                        </a:solidFill>
+                        <a:effectLst/>
+                        <a:latin typeface="Calibri" pitchFamily="34" charset="0"/>
+                      </a:endParaRPr>
+                    </a:p>
+                  </a:txBody>
+                  <a:tcPr horzOverflow="overflow">
+                    <a:lnL w="12700" cap="flat" cmpd="sng" algn="ctr">
+                      <a:solidFill>
+                        <a:schemeClr val="bg1"/>
+                      </a:solidFill>
+                      <a:prstDash val="solid"/>
+                      <a:round/>
+                      <a:headEnd type="none" w="med" len="med"/>
+                      <a:tailEnd type="none" w="med" len="med"/>
+                    </a:lnL>
+                    <a:lnR w="12700" cap="flat" cmpd="sng" algn="ctr">
+                      <a:solidFill>
+                        <a:schemeClr val="bg1"/>
+                      </a:solidFill>
+                      <a:prstDash val="solid"/>
+                      <a:round/>
+                      <a:headEnd type="none" w="med" len="med"/>
+                      <a:tailEnd type="none" w="med" len="med"/>
+                    </a:lnR>
+                    <a:lnT w="12700" cap="flat" cmpd="sng" algn="ctr">
+                      <a:solidFill>
+                        <a:schemeClr val="bg1"/>
+                      </a:solidFill>
+                      <a:prstDash val="solid"/>
+                      <a:round/>
+                      <a:headEnd type="none" w="med" len="med"/>
+                      <a:tailEnd type="none" w="med" len="med"/>
+                    </a:lnT>
+                    <a:lnB w="38100" cap="flat" cmpd="sng" algn="ctr">
+                      <a:solidFill>
+                        <a:schemeClr val="bg1"/>
+                      </a:solidFill>
+                      <a:prstDash val="solid"/>
+                      <a:round/>
+                      <a:headEnd type="none" w="med" len="med"/>
+                      <a:tailEnd type="none" w="med" len="med"/>
+                    </a:lnB>
+                    <a:lnTlToBr>
+                      <a:noFill/>
+                    </a:lnTlToBr>
+                    <a:lnBlToTr>
+                      <a:noFill/>
+                    </a:lnBlToTr>
+                    <a:solidFill>
+                      <a:schemeClr val="accent1"/>
+                    </a:solidFill>
+                  </a:tcPr>
+                </a:tc>
+              </a:tr>
+              <a:tr h="371475">
+                <a:tc>
+                  <a:txBody>
+                    <a:bodyPr/>
+                    <a:lstStyle/>
+                    <a:p>
+                      <a:pPr marL="0" marR="0" lvl="0" indent="0" algn="l" defTabSz="914400" rtl="0" eaLnBrk="1" fontAlgn="base" latinLnBrk="0" hangingPunct="1">
+                        <a:lnSpc>
+                          <a:spcPct val="100000"/>
+                        </a:lnSpc>
+                        <a:spcBef>
+                          <a:spcPct val="0"/>
+                        </a:spcBef>
+                        <a:spcAft>
+                          <a:spcPct val="0"/>
+                        </a:spcAft>
+                        <a:buClrTx/>
+                        <a:buSzTx/>
+                        <a:buFontTx/>
+                        <a:buNone/>
+                        <a:tabLst/>
+                      </a:pPr>
+                      <a:r>
+                        <a:rPr kumimoji="0" lang="en-CA" altLang="ja-JP" sz="1800" b="0" i="0" u="none" strike="noStrike" cap="none" normalizeH="0" baseline="0" smtClean="0">
+                          <a:ln>
+                            <a:noFill/>
+                          </a:ln>
+                          <a:solidFill>
+                            <a:srgbClr val="000000"/>
+                          </a:solidFill>
+                          <a:effectLst/>
+                          <a:latin typeface="Calibri" pitchFamily="34" charset="0"/>
+                          <a:ea typeface="ＭＳ Ｐゴシック" charset="-128"/>
+                        </a:rPr>
+                        <a:t>1</a:t>
+                      </a:r>
+                    </a:p>
+                  </a:txBody>
+                  <a:tcPr horzOverflow="overflow">
+                    <a:lnL w="12700" cap="flat" cmpd="sng" algn="ctr">
+                      <a:solidFill>
+                        <a:schemeClr val="bg1"/>
+                      </a:solidFill>
+                      <a:prstDash val="solid"/>
+                      <a:round/>
+                      <a:headEnd type="none" w="med" len="med"/>
+                      <a:tailEnd type="none" w="med" len="med"/>
+                    </a:lnL>
+                    <a:lnR w="12700" cap="flat" cmpd="sng" algn="ctr">
+                      <a:solidFill>
+                        <a:schemeClr val="bg1"/>
+                      </a:solidFill>
+                      <a:prstDash val="solid"/>
+                      <a:round/>
+                      <a:headEnd type="none" w="med" len="med"/>
+                      <a:tailEnd type="none" w="med" len="med"/>
+                    </a:lnR>
+                    <a:lnT w="38100" cap="flat" cmpd="sng" algn="ctr">
+                      <a:solidFill>
+                        <a:schemeClr val="bg1"/>
+                      </a:solidFill>
+                      <a:prstDash val="solid"/>
+                      <a:round/>
+                      <a:headEnd type="none" w="med" len="med"/>
+                      <a:tailEnd type="none" w="med" len="med"/>
+                    </a:lnT>
+                    <a:lnB w="12700" cap="flat" cmpd="sng" algn="ctr">
+                      <a:solidFill>
+                        <a:schemeClr val="bg1"/>
+                      </a:solidFill>
+                      <a:prstDash val="solid"/>
+                      <a:round/>
+                      <a:headEnd type="none" w="med" len="med"/>
+                      <a:tailEnd type="none" w="med" len="med"/>
+                    </a:lnB>
+                    <a:lnTlToBr>
+                      <a:noFill/>
+                    </a:lnTlToBr>
+                    <a:lnBlToTr>
+                      <a:noFill/>
+                    </a:lnBlToTr>
+                    <a:solidFill>
+                      <a:srgbClr val="D0D8E8"/>
+                    </a:solidFill>
+                  </a:tcPr>
+                </a:tc>
+                <a:tc>
+                  <a:txBody>
+                    <a:bodyPr/>
+                    <a:lstStyle/>
+                    <a:p>
+                      <a:pPr marL="0" marR="0" lvl="0" indent="0" algn="l" defTabSz="914400" rtl="0" eaLnBrk="1" fontAlgn="base" latinLnBrk="0" hangingPunct="1">
+                        <a:lnSpc>
+                          <a:spcPct val="100000"/>
+                        </a:lnSpc>
+                        <a:spcBef>
+                          <a:spcPct val="0"/>
+                        </a:spcBef>
+                        <a:spcAft>
+                          <a:spcPct val="0"/>
+                        </a:spcAft>
+                        <a:buClrTx/>
+                        <a:buSzTx/>
+                        <a:buFontTx/>
+                        <a:buNone/>
+                        <a:tabLst/>
+                      </a:pPr>
+                      <a:r>
+                        <a:rPr kumimoji="0" lang="ja-JP" altLang="en-US" sz="1800" b="0" i="0" u="none" strike="noStrike" cap="none" normalizeH="0" baseline="0" smtClean="0">
+                          <a:ln>
+                            <a:noFill/>
+                          </a:ln>
+                          <a:solidFill>
+                            <a:srgbClr val="000000"/>
+                          </a:solidFill>
+                          <a:effectLst/>
+                          <a:latin typeface="Calibri" pitchFamily="34" charset="0"/>
+                          <a:ea typeface="ＭＳ Ｐゴシック" charset="-128"/>
+                        </a:rPr>
+                        <a:t>リーダー</a:t>
+                      </a:r>
+                      <a:endParaRPr kumimoji="0" lang="en-CA" sz="1800" b="0" i="0" u="none" strike="noStrike" cap="none" normalizeH="0" baseline="0" smtClean="0">
+                        <a:ln>
+                          <a:noFill/>
+                        </a:ln>
+                        <a:solidFill>
+                          <a:srgbClr val="000000"/>
+                        </a:solidFill>
+                        <a:effectLst/>
+                        <a:latin typeface="Calibri" pitchFamily="34" charset="0"/>
+                      </a:endParaRPr>
+                    </a:p>
+                  </a:txBody>
+                  <a:tcPr horzOverflow="overflow">
+                    <a:lnL w="12700" cap="flat" cmpd="sng" algn="ctr">
+                      <a:solidFill>
+                        <a:schemeClr val="bg1"/>
+                      </a:solidFill>
+                      <a:prstDash val="solid"/>
+                      <a:round/>
+                      <a:headEnd type="none" w="med" len="med"/>
+                      <a:tailEnd type="none" w="med" len="med"/>
+                    </a:lnL>
+                    <a:lnR w="12700" cap="flat" cmpd="sng" algn="ctr">
+                      <a:solidFill>
+                        <a:schemeClr val="bg1"/>
+                      </a:solidFill>
+                      <a:prstDash val="solid"/>
+                      <a:round/>
+                      <a:headEnd type="none" w="med" len="med"/>
+                      <a:tailEnd type="none" w="med" len="med"/>
+                    </a:lnR>
+                    <a:lnT w="38100" cap="flat" cmpd="sng" algn="ctr">
+                      <a:solidFill>
+                        <a:schemeClr val="bg1"/>
+                      </a:solidFill>
+                      <a:prstDash val="solid"/>
+                      <a:round/>
+                      <a:headEnd type="none" w="med" len="med"/>
+                      <a:tailEnd type="none" w="med" len="med"/>
+                    </a:lnT>
+                    <a:lnB w="12700" cap="flat" cmpd="sng" algn="ctr">
+                      <a:solidFill>
+                        <a:schemeClr val="bg1"/>
+                      </a:solidFill>
+                      <a:prstDash val="solid"/>
+                      <a:round/>
+                      <a:headEnd type="none" w="med" len="med"/>
+                      <a:tailEnd type="none" w="med" len="med"/>
+                    </a:lnB>
+                    <a:lnTlToBr>
+                      <a:noFill/>
+                    </a:lnTlToBr>
+                    <a:lnBlToTr>
+                      <a:noFill/>
+                    </a:lnBlToTr>
+                    <a:solidFill>
+                      <a:srgbClr val="D0D8E8"/>
+                    </a:solidFill>
+                  </a:tcPr>
+                </a:tc>
+                <a:tc>
+                  <a:txBody>
+                    <a:bodyPr/>
+                    <a:lstStyle/>
+                    <a:p>
+                      <a:pPr marL="0" marR="0" lvl="0" indent="0" algn="l" defTabSz="914400" rtl="0" eaLnBrk="1" fontAlgn="base" latinLnBrk="0" hangingPunct="1">
+                        <a:lnSpc>
+                          <a:spcPct val="100000"/>
+                        </a:lnSpc>
+                        <a:spcBef>
+                          <a:spcPct val="0"/>
+                        </a:spcBef>
+                        <a:spcAft>
+                          <a:spcPct val="0"/>
+                        </a:spcAft>
+                        <a:buClrTx/>
+                        <a:buSzTx/>
+                        <a:buFontTx/>
+                        <a:buNone/>
+                        <a:tabLst/>
+                      </a:pPr>
+                      <a:r>
+                        <a:rPr kumimoji="0" lang="ja-JP" altLang="en-US" sz="1800" b="0" i="0" u="none" strike="noStrike" cap="none" normalizeH="0" baseline="0" smtClean="0">
+                          <a:ln>
+                            <a:noFill/>
+                          </a:ln>
+                          <a:solidFill>
+                            <a:srgbClr val="000000"/>
+                          </a:solidFill>
+                          <a:effectLst/>
+                          <a:latin typeface="Calibri" pitchFamily="34" charset="0"/>
+                          <a:ea typeface="ＭＳ Ｐゴシック" charset="-128"/>
+                        </a:rPr>
+                        <a:t>チームの牽引すること。また、チームメンバーと同等の能力。</a:t>
+                      </a:r>
+                      <a:endParaRPr kumimoji="0" lang="en-CA" sz="1800" b="0" i="0" u="none" strike="noStrike" cap="none" normalizeH="0" baseline="0" smtClean="0">
+                        <a:ln>
+                          <a:noFill/>
+                        </a:ln>
+                        <a:solidFill>
+                          <a:srgbClr val="000000"/>
+                        </a:solidFill>
+                        <a:effectLst/>
+                        <a:latin typeface="Calibri" pitchFamily="34" charset="0"/>
+                      </a:endParaRPr>
+                    </a:p>
+                  </a:txBody>
+                  <a:tcPr horzOverflow="overflow">
+                    <a:lnL w="12700" cap="flat" cmpd="sng" algn="ctr">
+                      <a:solidFill>
+                        <a:schemeClr val="bg1"/>
+                      </a:solidFill>
+                      <a:prstDash val="solid"/>
+                      <a:round/>
+                      <a:headEnd type="none" w="med" len="med"/>
+                      <a:tailEnd type="none" w="med" len="med"/>
+                    </a:lnL>
+                    <a:lnR w="12700" cap="flat" cmpd="sng" algn="ctr">
+                      <a:solidFill>
+                        <a:schemeClr val="bg1"/>
+                      </a:solidFill>
+                      <a:prstDash val="solid"/>
+                      <a:round/>
+                      <a:headEnd type="none" w="med" len="med"/>
+                      <a:tailEnd type="none" w="med" len="med"/>
+                    </a:lnR>
+                    <a:lnT w="38100" cap="flat" cmpd="sng" algn="ctr">
+                      <a:solidFill>
+                        <a:schemeClr val="bg1"/>
+                      </a:solidFill>
+                      <a:prstDash val="solid"/>
+                      <a:round/>
+                      <a:headEnd type="none" w="med" len="med"/>
+                      <a:tailEnd type="none" w="med" len="med"/>
+                    </a:lnT>
+                    <a:lnB w="12700" cap="flat" cmpd="sng" algn="ctr">
+                      <a:solidFill>
+                        <a:schemeClr val="bg1"/>
+                      </a:solidFill>
+                      <a:prstDash val="solid"/>
+                      <a:round/>
+                      <a:headEnd type="none" w="med" len="med"/>
+                      <a:tailEnd type="none" w="med" len="med"/>
+                    </a:lnB>
+                    <a:lnTlToBr>
+                      <a:noFill/>
+                    </a:lnTlToBr>
+                    <a:lnBlToTr>
+                      <a:noFill/>
+                    </a:lnBlToTr>
+                    <a:solidFill>
+                      <a:srgbClr val="D0D8E8"/>
+                    </a:solidFill>
+                  </a:tcPr>
+                </a:tc>
+              </a:tr>
+              <a:tr h="371475">
+                <a:tc>
+                  <a:txBody>
+                    <a:bodyPr/>
+                    <a:lstStyle/>
+                    <a:p>
+                      <a:pPr marL="0" marR="0" lvl="0" indent="0" algn="l" defTabSz="914400" rtl="0" eaLnBrk="1" fontAlgn="base" latinLnBrk="0" hangingPunct="1">
+                        <a:lnSpc>
+                          <a:spcPct val="100000"/>
+                        </a:lnSpc>
+                        <a:spcBef>
+                          <a:spcPct val="0"/>
+                        </a:spcBef>
+                        <a:spcAft>
+                          <a:spcPct val="0"/>
+                        </a:spcAft>
+                        <a:buClrTx/>
+                        <a:buSzTx/>
+                        <a:buFontTx/>
+                        <a:buNone/>
+                        <a:tabLst/>
+                      </a:pPr>
+                      <a:r>
+                        <a:rPr kumimoji="0" lang="en-CA" altLang="ja-JP" sz="1800" b="0" i="0" u="none" strike="noStrike" cap="none" normalizeH="0" baseline="0" smtClean="0">
+                          <a:ln>
+                            <a:noFill/>
+                          </a:ln>
+                          <a:solidFill>
+                            <a:srgbClr val="000000"/>
+                          </a:solidFill>
+                          <a:effectLst/>
+                          <a:latin typeface="Calibri" pitchFamily="34" charset="0"/>
+                          <a:ea typeface="ＭＳ Ｐゴシック" charset="-128"/>
+                        </a:rPr>
+                        <a:t>2</a:t>
+                      </a:r>
+                    </a:p>
+                  </a:txBody>
+                  <a:tcPr horzOverflow="overflow">
+                    <a:lnL w="12700" cap="flat" cmpd="sng" algn="ctr">
+                      <a:solidFill>
+                        <a:schemeClr val="bg1"/>
+                      </a:solidFill>
+                      <a:prstDash val="solid"/>
+                      <a:round/>
+                      <a:headEnd type="none" w="med" len="med"/>
+                      <a:tailEnd type="none" w="med" len="med"/>
+                    </a:lnL>
+                    <a:lnR w="12700" cap="flat" cmpd="sng" algn="ctr">
+                      <a:solidFill>
+                        <a:schemeClr val="bg1"/>
+                      </a:solidFill>
+                      <a:prstDash val="solid"/>
+                      <a:round/>
+                      <a:headEnd type="none" w="med" len="med"/>
+                      <a:tailEnd type="none" w="med" len="med"/>
+                    </a:lnR>
+                    <a:lnT w="12700" cap="flat" cmpd="sng" algn="ctr">
+                      <a:solidFill>
+                        <a:schemeClr val="bg1"/>
+                      </a:solidFill>
+                      <a:prstDash val="solid"/>
+                      <a:round/>
+                      <a:headEnd type="none" w="med" len="med"/>
+                      <a:tailEnd type="none" w="med" len="med"/>
+                    </a:lnT>
+                    <a:lnB w="12700" cap="flat" cmpd="sng" algn="ctr">
+                      <a:solidFill>
+                        <a:schemeClr val="bg1"/>
+                      </a:solidFill>
+                      <a:prstDash val="solid"/>
+                      <a:round/>
+                      <a:headEnd type="none" w="med" len="med"/>
+                      <a:tailEnd type="none" w="med" len="med"/>
+                    </a:lnB>
+                    <a:lnTlToBr>
+                      <a:noFill/>
+                    </a:lnTlToBr>
+                    <a:lnBlToTr>
+                      <a:noFill/>
+                    </a:lnBlToTr>
+                    <a:solidFill>
+                      <a:srgbClr val="E9EDF4"/>
+                    </a:solidFill>
+                  </a:tcPr>
+                </a:tc>
+                <a:tc>
+                  <a:txBody>
+                    <a:bodyPr/>
+                    <a:lstStyle/>
+                    <a:p>
+                      <a:pPr marL="0" marR="0" lvl="0" indent="0" algn="l" defTabSz="914400" rtl="0" eaLnBrk="1" fontAlgn="base" latinLnBrk="0" hangingPunct="1">
+                        <a:lnSpc>
+                          <a:spcPct val="100000"/>
+                        </a:lnSpc>
+                        <a:spcBef>
+                          <a:spcPct val="0"/>
+                        </a:spcBef>
+                        <a:spcAft>
+                          <a:spcPct val="0"/>
+                        </a:spcAft>
+                        <a:buClrTx/>
+                        <a:buSzTx/>
+                        <a:buFontTx/>
+                        <a:buNone/>
+                        <a:tabLst/>
+                      </a:pPr>
+                      <a:r>
+                        <a:rPr kumimoji="0" lang="ja-JP" altLang="en-US" sz="1800" b="0" i="0" u="none" strike="noStrike" cap="none" normalizeH="0" baseline="0" smtClean="0">
+                          <a:ln>
+                            <a:noFill/>
+                          </a:ln>
+                          <a:solidFill>
+                            <a:srgbClr val="000000"/>
+                          </a:solidFill>
+                          <a:effectLst/>
+                          <a:latin typeface="Calibri" pitchFamily="34" charset="0"/>
+                          <a:ea typeface="ＭＳ Ｐゴシック" charset="-128"/>
+                        </a:rPr>
+                        <a:t>チームメンバー</a:t>
+                      </a:r>
+                      <a:endParaRPr kumimoji="0" lang="en-CA" sz="1800" b="0" i="0" u="none" strike="noStrike" cap="none" normalizeH="0" baseline="0" smtClean="0">
+                        <a:ln>
+                          <a:noFill/>
+                        </a:ln>
+                        <a:solidFill>
+                          <a:srgbClr val="000000"/>
+                        </a:solidFill>
+                        <a:effectLst/>
+                        <a:latin typeface="Calibri" pitchFamily="34" charset="0"/>
+                      </a:endParaRPr>
+                    </a:p>
+                  </a:txBody>
+                  <a:tcPr horzOverflow="overflow">
+                    <a:lnL w="12700" cap="flat" cmpd="sng" algn="ctr">
+                      <a:solidFill>
+                        <a:schemeClr val="bg1"/>
+                      </a:solidFill>
+                      <a:prstDash val="solid"/>
+                      <a:round/>
+                      <a:headEnd type="none" w="med" len="med"/>
+                      <a:tailEnd type="none" w="med" len="med"/>
+                    </a:lnL>
+                    <a:lnR w="12700" cap="flat" cmpd="sng" algn="ctr">
+                      <a:solidFill>
+                        <a:schemeClr val="bg1"/>
+                      </a:solidFill>
+                      <a:prstDash val="solid"/>
+                      <a:round/>
+                      <a:headEnd type="none" w="med" len="med"/>
+                      <a:tailEnd type="none" w="med" len="med"/>
+                    </a:lnR>
+                    <a:lnT w="12700" cap="flat" cmpd="sng" algn="ctr">
+                      <a:solidFill>
+                        <a:schemeClr val="bg1"/>
+                      </a:solidFill>
+                      <a:prstDash val="solid"/>
+                      <a:round/>
+                      <a:headEnd type="none" w="med" len="med"/>
+                      <a:tailEnd type="none" w="med" len="med"/>
+                    </a:lnT>
+                    <a:lnB w="12700" cap="flat" cmpd="sng" algn="ctr">
+                      <a:solidFill>
+                        <a:schemeClr val="bg1"/>
+                      </a:solidFill>
+                      <a:prstDash val="solid"/>
+                      <a:round/>
+                      <a:headEnd type="none" w="med" len="med"/>
+                      <a:tailEnd type="none" w="med" len="med"/>
+                    </a:lnB>
+                    <a:lnTlToBr>
+                      <a:noFill/>
+                    </a:lnTlToBr>
+                    <a:lnBlToTr>
+                      <a:noFill/>
+                    </a:lnBlToTr>
+                    <a:solidFill>
+                      <a:srgbClr val="E9EDF4"/>
+                    </a:solidFill>
+                  </a:tcPr>
+                </a:tc>
+                <a:tc>
+                  <a:txBody>
+                    <a:bodyPr/>
+                    <a:lstStyle/>
+                    <a:p>
+                      <a:pPr marL="0" marR="0" lvl="0" indent="0" algn="l" defTabSz="914400" rtl="0" eaLnBrk="1" fontAlgn="base" latinLnBrk="0" hangingPunct="1">
+                        <a:lnSpc>
+                          <a:spcPct val="100000"/>
+                        </a:lnSpc>
+                        <a:spcBef>
+                          <a:spcPct val="0"/>
+                        </a:spcBef>
+                        <a:spcAft>
+                          <a:spcPct val="0"/>
+                        </a:spcAft>
+                        <a:buClrTx/>
+                        <a:buSzTx/>
+                        <a:buFontTx/>
+                        <a:buNone/>
+                        <a:tabLst/>
+                      </a:pPr>
+                      <a:r>
+                        <a:rPr kumimoji="0" lang="en-CA" altLang="ja-JP" sz="1800" b="0" i="0" u="none" strike="noStrike" cap="none" normalizeH="0" baseline="0" smtClean="0">
+                          <a:ln>
+                            <a:noFill/>
+                          </a:ln>
+                          <a:solidFill>
+                            <a:srgbClr val="000000"/>
+                          </a:solidFill>
+                          <a:effectLst/>
+                          <a:latin typeface="Calibri" pitchFamily="34" charset="0"/>
+                          <a:ea typeface="ＭＳ Ｐゴシック" charset="-128"/>
+                        </a:rPr>
+                        <a:t>C</a:t>
+                      </a:r>
+                      <a:r>
+                        <a:rPr kumimoji="0" lang="ja-JP" altLang="en-US" sz="1800" b="0" i="0" u="none" strike="noStrike" cap="none" normalizeH="0" baseline="0" smtClean="0">
+                          <a:ln>
+                            <a:noFill/>
+                          </a:ln>
+                          <a:solidFill>
+                            <a:srgbClr val="000000"/>
+                          </a:solidFill>
+                          <a:effectLst/>
+                          <a:latin typeface="Calibri" pitchFamily="34" charset="0"/>
+                          <a:ea typeface="ＭＳ Ｐゴシック" charset="-128"/>
+                        </a:rPr>
+                        <a:t>（プログラミング）</a:t>
+                      </a:r>
+                      <a:r>
+                        <a:rPr kumimoji="0" lang="en-CA" altLang="ja-JP" sz="1800" b="0" i="0" u="none" strike="noStrike" cap="none" normalizeH="0" baseline="0" smtClean="0">
+                          <a:ln>
+                            <a:noFill/>
+                          </a:ln>
+                          <a:solidFill>
+                            <a:srgbClr val="000000"/>
+                          </a:solidFill>
+                          <a:effectLst/>
+                          <a:latin typeface="Calibri" pitchFamily="34" charset="0"/>
+                          <a:ea typeface="ＭＳ Ｐゴシック" charset="-128"/>
+                        </a:rPr>
+                        <a:t>,UML</a:t>
+                      </a:r>
+                      <a:r>
+                        <a:rPr kumimoji="0" lang="ja-JP" altLang="en-US" sz="1800" b="0" i="0" u="none" strike="noStrike" cap="none" normalizeH="0" baseline="0" smtClean="0">
+                          <a:ln>
+                            <a:noFill/>
+                          </a:ln>
+                          <a:solidFill>
+                            <a:srgbClr val="000000"/>
+                          </a:solidFill>
+                          <a:effectLst/>
+                          <a:latin typeface="Calibri" pitchFamily="34" charset="0"/>
+                          <a:ea typeface="ＭＳ Ｐゴシック" charset="-128"/>
+                        </a:rPr>
+                        <a:t>（モデリングデザイン）</a:t>
+                      </a:r>
+                      <a:r>
+                        <a:rPr kumimoji="0" lang="en-CA" altLang="ja-JP" sz="1800" b="0" i="0" u="none" strike="noStrike" cap="none" normalizeH="0" baseline="0" smtClean="0">
+                          <a:ln>
+                            <a:noFill/>
+                          </a:ln>
+                          <a:solidFill>
+                            <a:srgbClr val="000000"/>
+                          </a:solidFill>
+                          <a:effectLst/>
+                          <a:latin typeface="Calibri" pitchFamily="34" charset="0"/>
+                          <a:ea typeface="ＭＳ Ｐゴシック" charset="-128"/>
+                        </a:rPr>
+                        <a:t>,</a:t>
+                      </a:r>
+                      <a:r>
+                        <a:rPr kumimoji="0" lang="ja-JP" altLang="en-US" sz="1800" b="0" i="0" u="none" strike="noStrike" cap="none" normalizeH="0" baseline="0" smtClean="0">
+                          <a:ln>
+                            <a:noFill/>
+                          </a:ln>
+                          <a:solidFill>
+                            <a:srgbClr val="000000"/>
+                          </a:solidFill>
+                          <a:effectLst/>
+                          <a:latin typeface="Calibri" pitchFamily="34" charset="0"/>
+                          <a:ea typeface="ＭＳ Ｐゴシック" charset="-128"/>
+                        </a:rPr>
+                        <a:t>デザイン、コミュニケーション能力、積極性、</a:t>
+                      </a:r>
+                      <a:endParaRPr kumimoji="0" lang="en-CA" sz="1800" b="0" i="0" u="none" strike="noStrike" cap="none" normalizeH="0" baseline="0" smtClean="0">
+                        <a:ln>
+                          <a:noFill/>
+                        </a:ln>
+                        <a:solidFill>
+                          <a:srgbClr val="000000"/>
+                        </a:solidFill>
+                        <a:effectLst/>
+                        <a:latin typeface="Calibri" pitchFamily="34" charset="0"/>
+                      </a:endParaRPr>
+                    </a:p>
+                  </a:txBody>
+                  <a:tcPr horzOverflow="overflow">
+                    <a:lnL w="12700" cap="flat" cmpd="sng" algn="ctr">
+                      <a:solidFill>
+                        <a:schemeClr val="bg1"/>
+                      </a:solidFill>
+                      <a:prstDash val="solid"/>
+                      <a:round/>
+                      <a:headEnd type="none" w="med" len="med"/>
+                      <a:tailEnd type="none" w="med" len="med"/>
+                    </a:lnL>
+                    <a:lnR w="12700" cap="flat" cmpd="sng" algn="ctr">
+                      <a:solidFill>
+                        <a:schemeClr val="bg1"/>
+                      </a:solidFill>
+                      <a:prstDash val="solid"/>
+                      <a:round/>
+                      <a:headEnd type="none" w="med" len="med"/>
+                      <a:tailEnd type="none" w="med" len="med"/>
+                    </a:lnR>
+                    <a:lnT w="12700" cap="flat" cmpd="sng" algn="ctr">
+                      <a:solidFill>
+                        <a:schemeClr val="bg1"/>
+                      </a:solidFill>
+                      <a:prstDash val="solid"/>
+                      <a:round/>
+                      <a:headEnd type="none" w="med" len="med"/>
+                      <a:tailEnd type="none" w="med" len="med"/>
+                    </a:lnT>
+                    <a:lnB w="12700" cap="flat" cmpd="sng" algn="ctr">
+                      <a:solidFill>
+                        <a:schemeClr val="bg1"/>
+                      </a:solidFill>
+                      <a:prstDash val="solid"/>
+                      <a:round/>
+                      <a:headEnd type="none" w="med" len="med"/>
+                      <a:tailEnd type="none" w="med" len="med"/>
+                    </a:lnB>
+                    <a:lnTlToBr>
+                      <a:noFill/>
+                    </a:lnTlToBr>
+                    <a:lnBlToTr>
+                      <a:noFill/>
+                    </a:lnBlToTr>
+                    <a:solidFill>
+                      <a:srgbClr val="E9EDF4"/>
+                    </a:solidFill>
+                  </a:tcPr>
+                </a:tc>
+              </a:tr>
+              <a:tr h="371475">
+                <a:tc>
+                  <a:txBody>
+                    <a:bodyPr/>
+                    <a:lstStyle/>
+                    <a:p>
+                      <a:pPr marL="0" marR="0" lvl="0" indent="0" algn="l" defTabSz="914400" rtl="0" eaLnBrk="1" fontAlgn="base" latinLnBrk="0" hangingPunct="1">
+                        <a:lnSpc>
+                          <a:spcPct val="100000"/>
+                        </a:lnSpc>
+                        <a:spcBef>
+                          <a:spcPct val="0"/>
+                        </a:spcBef>
+                        <a:spcAft>
+                          <a:spcPct val="0"/>
+                        </a:spcAft>
+                        <a:buClrTx/>
+                        <a:buSzTx/>
+                        <a:buFontTx/>
+                        <a:buNone/>
+                        <a:tabLst/>
+                      </a:pPr>
+                      <a:endParaRPr kumimoji="0" lang="en-CA" altLang="ja-JP" sz="1800" b="0" i="0" u="none" strike="noStrike" cap="none" normalizeH="0" baseline="0" smtClean="0">
+                        <a:ln>
+                          <a:noFill/>
+                        </a:ln>
+                        <a:solidFill>
+                          <a:srgbClr val="000000"/>
+                        </a:solidFill>
+                        <a:effectLst/>
+                        <a:latin typeface="Calibri" pitchFamily="34" charset="0"/>
+                        <a:ea typeface="ＭＳ Ｐゴシック" charset="-128"/>
+                      </a:endParaRPr>
+                    </a:p>
+                  </a:txBody>
+                  <a:tcPr horzOverflow="overflow">
+                    <a:lnL w="12700" cap="flat" cmpd="sng" algn="ctr">
+                      <a:solidFill>
+                        <a:schemeClr val="bg1"/>
+                      </a:solidFill>
+                      <a:prstDash val="solid"/>
+                      <a:round/>
+                      <a:headEnd type="none" w="med" len="med"/>
+                      <a:tailEnd type="none" w="med" len="med"/>
+                    </a:lnL>
+                    <a:lnR w="12700" cap="flat" cmpd="sng" algn="ctr">
+                      <a:solidFill>
+                        <a:schemeClr val="bg1"/>
+                      </a:solidFill>
+                      <a:prstDash val="solid"/>
+                      <a:round/>
+                      <a:headEnd type="none" w="med" len="med"/>
+                      <a:tailEnd type="none" w="med" len="med"/>
+                    </a:lnR>
+                    <a:lnT w="12700" cap="flat" cmpd="sng" algn="ctr">
+                      <a:solidFill>
+                        <a:schemeClr val="bg1"/>
+                      </a:solidFill>
+                      <a:prstDash val="solid"/>
+                      <a:round/>
+                      <a:headEnd type="none" w="med" len="med"/>
+                      <a:tailEnd type="none" w="med" len="med"/>
+                    </a:lnT>
+                    <a:lnB w="12700" cap="flat" cmpd="sng" algn="ctr">
+                      <a:solidFill>
+                        <a:schemeClr val="bg1"/>
+                      </a:solidFill>
+                      <a:prstDash val="solid"/>
+                      <a:round/>
+                      <a:headEnd type="none" w="med" len="med"/>
+                      <a:tailEnd type="none" w="med" len="med"/>
+                    </a:lnB>
+                    <a:lnTlToBr>
+                      <a:noFill/>
+                    </a:lnTlToBr>
+                    <a:lnBlToTr>
+                      <a:noFill/>
+                    </a:lnBlToTr>
+                    <a:solidFill>
+                      <a:srgbClr val="D0D8E8"/>
+                    </a:solidFill>
+                  </a:tcPr>
+                </a:tc>
+                <a:tc>
+                  <a:txBody>
+                    <a:bodyPr/>
+                    <a:lstStyle/>
+                    <a:p>
+                      <a:pPr marL="0" marR="0" lvl="0" indent="0" algn="l" defTabSz="914400" rtl="0" eaLnBrk="1" fontAlgn="base" latinLnBrk="0" hangingPunct="1">
+                        <a:lnSpc>
+                          <a:spcPct val="100000"/>
+                        </a:lnSpc>
+                        <a:spcBef>
+                          <a:spcPct val="0"/>
+                        </a:spcBef>
+                        <a:spcAft>
+                          <a:spcPct val="0"/>
+                        </a:spcAft>
+                        <a:buClrTx/>
+                        <a:buSzTx/>
+                        <a:buFontTx/>
+                        <a:buNone/>
+                        <a:tabLst/>
+                      </a:pPr>
+                      <a:endParaRPr kumimoji="0" lang="en-CA" altLang="ja-JP" sz="1800" b="0" i="0" u="none" strike="noStrike" cap="none" normalizeH="0" baseline="0" smtClean="0">
+                        <a:ln>
+                          <a:noFill/>
+                        </a:ln>
+                        <a:solidFill>
+                          <a:srgbClr val="000000"/>
+                        </a:solidFill>
+                        <a:effectLst/>
+                        <a:latin typeface="Calibri" pitchFamily="34" charset="0"/>
+                        <a:ea typeface="ＭＳ Ｐゴシック" charset="-128"/>
+                      </a:endParaRPr>
+                    </a:p>
+                  </a:txBody>
+                  <a:tcPr horzOverflow="overflow">
+                    <a:lnL w="12700" cap="flat" cmpd="sng" algn="ctr">
+                      <a:solidFill>
+                        <a:schemeClr val="bg1"/>
+                      </a:solidFill>
+                      <a:prstDash val="solid"/>
+                      <a:round/>
+                      <a:headEnd type="none" w="med" len="med"/>
+                      <a:tailEnd type="none" w="med" len="med"/>
+                    </a:lnL>
+                    <a:lnR w="12700" cap="flat" cmpd="sng" algn="ctr">
+                      <a:solidFill>
+                        <a:schemeClr val="bg1"/>
+                      </a:solidFill>
+                      <a:prstDash val="solid"/>
+                      <a:round/>
+                      <a:headEnd type="none" w="med" len="med"/>
+                      <a:tailEnd type="none" w="med" len="med"/>
+                    </a:lnR>
+                    <a:lnT w="12700" cap="flat" cmpd="sng" algn="ctr">
+                      <a:solidFill>
+                        <a:schemeClr val="bg1"/>
+                      </a:solidFill>
+                      <a:prstDash val="solid"/>
+                      <a:round/>
+                      <a:headEnd type="none" w="med" len="med"/>
+                      <a:tailEnd type="none" w="med" len="med"/>
+                    </a:lnT>
+                    <a:lnB w="12700" cap="flat" cmpd="sng" algn="ctr">
+                      <a:solidFill>
+                        <a:schemeClr val="bg1"/>
+                      </a:solidFill>
+                      <a:prstDash val="solid"/>
+                      <a:round/>
+                      <a:headEnd type="none" w="med" len="med"/>
+                      <a:tailEnd type="none" w="med" len="med"/>
+                    </a:lnB>
+                    <a:lnTlToBr>
+                      <a:noFill/>
+                    </a:lnTlToBr>
+                    <a:lnBlToTr>
+                      <a:noFill/>
+                    </a:lnBlToTr>
+                    <a:solidFill>
+                      <a:srgbClr val="D0D8E8"/>
+                    </a:solidFill>
+                  </a:tcPr>
+                </a:tc>
+                <a:tc>
+                  <a:txBody>
+                    <a:bodyPr/>
+                    <a:lstStyle/>
+                    <a:p>
+                      <a:pPr marL="0" marR="0" lvl="0" indent="0" algn="l" defTabSz="914400" rtl="0" eaLnBrk="1" fontAlgn="base" latinLnBrk="0" hangingPunct="1">
+                        <a:lnSpc>
+                          <a:spcPct val="100000"/>
+                        </a:lnSpc>
+                        <a:spcBef>
+                          <a:spcPct val="0"/>
+                        </a:spcBef>
+                        <a:spcAft>
+                          <a:spcPct val="0"/>
+                        </a:spcAft>
+                        <a:buClrTx/>
+                        <a:buSzTx/>
+                        <a:buFontTx/>
+                        <a:buNone/>
+                        <a:tabLst/>
+                      </a:pPr>
+                      <a:endParaRPr kumimoji="0" lang="en-CA" altLang="ja-JP" sz="1800" b="0" i="0" u="none" strike="noStrike" cap="none" normalizeH="0" baseline="0" smtClean="0">
+                        <a:ln>
+                          <a:noFill/>
+                        </a:ln>
+                        <a:solidFill>
+                          <a:srgbClr val="000000"/>
+                        </a:solidFill>
+                        <a:effectLst/>
+                        <a:latin typeface="Calibri" pitchFamily="34" charset="0"/>
+                        <a:ea typeface="ＭＳ Ｐゴシック" charset="-128"/>
+                      </a:endParaRPr>
+                    </a:p>
+                  </a:txBody>
+                  <a:tcPr horzOverflow="overflow">
+                    <a:lnL w="12700" cap="flat" cmpd="sng" algn="ctr">
+                      <a:solidFill>
+                        <a:schemeClr val="bg1"/>
+                      </a:solidFill>
+                      <a:prstDash val="solid"/>
+                      <a:round/>
+                      <a:headEnd type="none" w="med" len="med"/>
+                      <a:tailEnd type="none" w="med" len="med"/>
+                    </a:lnL>
+                    <a:lnR w="12700" cap="flat" cmpd="sng" algn="ctr">
+                      <a:solidFill>
+                        <a:schemeClr val="bg1"/>
+                      </a:solidFill>
+                      <a:prstDash val="solid"/>
+                      <a:round/>
+                      <a:headEnd type="none" w="med" len="med"/>
+                      <a:tailEnd type="none" w="med" len="med"/>
+                    </a:lnR>
+                    <a:lnT w="12700" cap="flat" cmpd="sng" algn="ctr">
+                      <a:solidFill>
+                        <a:schemeClr val="bg1"/>
+                      </a:solidFill>
+                      <a:prstDash val="solid"/>
+                      <a:round/>
+                      <a:headEnd type="none" w="med" len="med"/>
+                      <a:tailEnd type="none" w="med" len="med"/>
+                    </a:lnT>
+                    <a:lnB w="12700" cap="flat" cmpd="sng" algn="ctr">
+                      <a:solidFill>
+                        <a:schemeClr val="bg1"/>
+                      </a:solidFill>
+                      <a:prstDash val="solid"/>
+                      <a:round/>
+                      <a:headEnd type="none" w="med" len="med"/>
+                      <a:tailEnd type="none" w="med" len="med"/>
+                    </a:lnB>
+                    <a:lnTlToBr>
+                      <a:noFill/>
+                    </a:lnTlToBr>
+                    <a:lnBlToTr>
+                      <a:noFill/>
+                    </a:lnBlToTr>
+                    <a:solidFill>
+                      <a:srgbClr val="D0D8E8"/>
+                    </a:solidFill>
+                  </a:tcPr>
+                </a:tc>
+              </a:tr>
+              <a:tr h="371475">
+                <a:tc>
+                  <a:txBody>
+                    <a:bodyPr/>
+                    <a:lstStyle/>
+                    <a:p>
+                      <a:pPr marL="0" marR="0" lvl="0" indent="0" algn="l" defTabSz="914400" rtl="0" eaLnBrk="1" fontAlgn="base" latinLnBrk="0" hangingPunct="1">
+                        <a:lnSpc>
+                          <a:spcPct val="100000"/>
+                        </a:lnSpc>
+                        <a:spcBef>
+                          <a:spcPct val="0"/>
+                        </a:spcBef>
+                        <a:spcAft>
+                          <a:spcPct val="0"/>
+                        </a:spcAft>
+                        <a:buClrTx/>
+                        <a:buSzTx/>
+                        <a:buFontTx/>
+                        <a:buNone/>
+                        <a:tabLst/>
+                      </a:pPr>
+                      <a:endParaRPr kumimoji="0" lang="en-CA" altLang="ja-JP" sz="1800" b="0" i="0" u="none" strike="noStrike" cap="none" normalizeH="0" baseline="0" smtClean="0">
+                        <a:ln>
+                          <a:noFill/>
+                        </a:ln>
+                        <a:solidFill>
+                          <a:srgbClr val="000000"/>
+                        </a:solidFill>
+                        <a:effectLst/>
+                        <a:latin typeface="Calibri" pitchFamily="34" charset="0"/>
+                        <a:ea typeface="ＭＳ Ｐゴシック" charset="-128"/>
+                      </a:endParaRPr>
+                    </a:p>
+                  </a:txBody>
+                  <a:tcPr horzOverflow="overflow">
+                    <a:lnL w="12700" cap="flat" cmpd="sng" algn="ctr">
+                      <a:solidFill>
+                        <a:schemeClr val="bg1"/>
+                      </a:solidFill>
+                      <a:prstDash val="solid"/>
+                      <a:round/>
+                      <a:headEnd type="none" w="med" len="med"/>
+                      <a:tailEnd type="none" w="med" len="med"/>
+                    </a:lnL>
+                    <a:lnR w="12700" cap="flat" cmpd="sng" algn="ctr">
+                      <a:solidFill>
+                        <a:schemeClr val="bg1"/>
+                      </a:solidFill>
+                      <a:prstDash val="solid"/>
+                      <a:round/>
+                      <a:headEnd type="none" w="med" len="med"/>
+                      <a:tailEnd type="none" w="med" len="med"/>
+                    </a:lnR>
+                    <a:lnT w="12700" cap="flat" cmpd="sng" algn="ctr">
+                      <a:solidFill>
+                        <a:schemeClr val="bg1"/>
+                      </a:solidFill>
+                      <a:prstDash val="solid"/>
+                      <a:round/>
+                      <a:headEnd type="none" w="med" len="med"/>
+                      <a:tailEnd type="none" w="med" len="med"/>
+                    </a:lnT>
+                    <a:lnB w="12700" cap="flat" cmpd="sng" algn="ctr">
+                      <a:solidFill>
+                        <a:schemeClr val="bg1"/>
+                      </a:solidFill>
+                      <a:prstDash val="solid"/>
+                      <a:round/>
+                      <a:headEnd type="none" w="med" len="med"/>
+                      <a:tailEnd type="none" w="med" len="med"/>
+                    </a:lnB>
+                    <a:lnTlToBr>
+                      <a:noFill/>
+                    </a:lnTlToBr>
+                    <a:lnBlToTr>
+                      <a:noFill/>
+                    </a:lnBlToTr>
+                    <a:solidFill>
+                      <a:srgbClr val="E9EDF4"/>
+                    </a:solidFill>
+                  </a:tcPr>
+                </a:tc>
+                <a:tc>
+                  <a:txBody>
+                    <a:bodyPr/>
+                    <a:lstStyle/>
+                    <a:p>
+                      <a:pPr marL="0" marR="0" lvl="0" indent="0" algn="l" defTabSz="914400" rtl="0" eaLnBrk="1" fontAlgn="base" latinLnBrk="0" hangingPunct="1">
+                        <a:lnSpc>
+                          <a:spcPct val="100000"/>
+                        </a:lnSpc>
+                        <a:spcBef>
+                          <a:spcPct val="0"/>
+                        </a:spcBef>
+                        <a:spcAft>
+                          <a:spcPct val="0"/>
+                        </a:spcAft>
+                        <a:buClrTx/>
+                        <a:buSzTx/>
+                        <a:buFontTx/>
+                        <a:buNone/>
+                        <a:tabLst/>
+                      </a:pPr>
+                      <a:endParaRPr kumimoji="0" lang="en-CA" altLang="ja-JP" sz="1800" b="0" i="0" u="none" strike="noStrike" cap="none" normalizeH="0" baseline="0" smtClean="0">
+                        <a:ln>
+                          <a:noFill/>
+                        </a:ln>
+                        <a:solidFill>
+                          <a:srgbClr val="000000"/>
+                        </a:solidFill>
+                        <a:effectLst/>
+                        <a:latin typeface="Calibri" pitchFamily="34" charset="0"/>
+                        <a:ea typeface="ＭＳ Ｐゴシック" charset="-128"/>
+                      </a:endParaRPr>
+                    </a:p>
+                  </a:txBody>
+                  <a:tcPr horzOverflow="overflow">
+                    <a:lnL w="12700" cap="flat" cmpd="sng" algn="ctr">
+                      <a:solidFill>
+                        <a:schemeClr val="bg1"/>
+                      </a:solidFill>
+                      <a:prstDash val="solid"/>
+                      <a:round/>
+                      <a:headEnd type="none" w="med" len="med"/>
+                      <a:tailEnd type="none" w="med" len="med"/>
+                    </a:lnL>
+                    <a:lnR w="12700" cap="flat" cmpd="sng" algn="ctr">
+                      <a:solidFill>
+                        <a:schemeClr val="bg1"/>
+                      </a:solidFill>
+                      <a:prstDash val="solid"/>
+                      <a:round/>
+                      <a:headEnd type="none" w="med" len="med"/>
+                      <a:tailEnd type="none" w="med" len="med"/>
+                    </a:lnR>
+                    <a:lnT w="12700" cap="flat" cmpd="sng" algn="ctr">
+                      <a:solidFill>
+                        <a:schemeClr val="bg1"/>
+                      </a:solidFill>
+                      <a:prstDash val="solid"/>
+                      <a:round/>
+                      <a:headEnd type="none" w="med" len="med"/>
+                      <a:tailEnd type="none" w="med" len="med"/>
+                    </a:lnT>
+                    <a:lnB w="12700" cap="flat" cmpd="sng" algn="ctr">
+                      <a:solidFill>
+                        <a:schemeClr val="bg1"/>
+                      </a:solidFill>
+                      <a:prstDash val="solid"/>
+                      <a:round/>
+                      <a:headEnd type="none" w="med" len="med"/>
+                      <a:tailEnd type="none" w="med" len="med"/>
+                    </a:lnB>
+                    <a:lnTlToBr>
+                      <a:noFill/>
+                    </a:lnTlToBr>
+                    <a:lnBlToTr>
+                      <a:noFill/>
+                    </a:lnBlToTr>
+                    <a:solidFill>
+                      <a:srgbClr val="E9EDF4"/>
+                    </a:solidFill>
+                  </a:tcPr>
+                </a:tc>
+                <a:tc>
+                  <a:txBody>
+                    <a:bodyPr/>
+                    <a:lstStyle/>
+                    <a:p>
+                      <a:pPr marL="0" marR="0" lvl="0" indent="0" algn="l" defTabSz="914400" rtl="0" eaLnBrk="1" fontAlgn="base" latinLnBrk="0" hangingPunct="1">
+                        <a:lnSpc>
+                          <a:spcPct val="100000"/>
+                        </a:lnSpc>
+                        <a:spcBef>
+                          <a:spcPct val="0"/>
+                        </a:spcBef>
+                        <a:spcAft>
+                          <a:spcPct val="0"/>
+                        </a:spcAft>
+                        <a:buClrTx/>
+                        <a:buSzTx/>
+                        <a:buFontTx/>
+                        <a:buNone/>
+                        <a:tabLst/>
+                      </a:pPr>
+                      <a:endParaRPr kumimoji="0" lang="en-CA" altLang="ja-JP" sz="1800" b="0" i="0" u="none" strike="noStrike" cap="none" normalizeH="0" baseline="0" smtClean="0">
+                        <a:ln>
+                          <a:noFill/>
+                        </a:ln>
+                        <a:solidFill>
+                          <a:srgbClr val="000000"/>
+                        </a:solidFill>
+                        <a:effectLst/>
+                        <a:latin typeface="Calibri" pitchFamily="34" charset="0"/>
+                        <a:ea typeface="ＭＳ Ｐゴシック" charset="-128"/>
+                      </a:endParaRPr>
+                    </a:p>
+                  </a:txBody>
+                  <a:tcPr horzOverflow="overflow">
+                    <a:lnL w="12700" cap="flat" cmpd="sng" algn="ctr">
+                      <a:solidFill>
+                        <a:schemeClr val="bg1"/>
+                      </a:solidFill>
+                      <a:prstDash val="solid"/>
+                      <a:round/>
+                      <a:headEnd type="none" w="med" len="med"/>
+                      <a:tailEnd type="none" w="med" len="med"/>
+                    </a:lnL>
+                    <a:lnR w="12700" cap="flat" cmpd="sng" algn="ctr">
+                      <a:solidFill>
+                        <a:schemeClr val="bg1"/>
+                      </a:solidFill>
+                      <a:prstDash val="solid"/>
+                      <a:round/>
+                      <a:headEnd type="none" w="med" len="med"/>
+                      <a:tailEnd type="none" w="med" len="med"/>
+                    </a:lnR>
+                    <a:lnT w="12700" cap="flat" cmpd="sng" algn="ctr">
+                      <a:solidFill>
+                        <a:schemeClr val="bg1"/>
+                      </a:solidFill>
+                      <a:prstDash val="solid"/>
+                      <a:round/>
+                      <a:headEnd type="none" w="med" len="med"/>
+                      <a:tailEnd type="none" w="med" len="med"/>
+                    </a:lnT>
+                    <a:lnB w="12700" cap="flat" cmpd="sng" algn="ctr">
+                      <a:solidFill>
+                        <a:schemeClr val="bg1"/>
+                      </a:solidFill>
+                      <a:prstDash val="solid"/>
+                      <a:round/>
+                      <a:headEnd type="none" w="med" len="med"/>
+                      <a:tailEnd type="none" w="med" len="med"/>
+                    </a:lnB>
+                    <a:lnTlToBr>
+                      <a:noFill/>
+                    </a:lnTlToBr>
+                    <a:lnBlToTr>
+                      <a:noFill/>
+                    </a:lnBlToTr>
+                    <a:solidFill>
+                      <a:srgbClr val="E9EDF4"/>
+                    </a:solidFill>
+                  </a:tcPr>
+                </a:tc>
+              </a:tr>
+              <a:tr h="371475">
+                <a:tc>
+                  <a:txBody>
+                    <a:bodyPr/>
+                    <a:lstStyle/>
+                    <a:p>
+                      <a:pPr marL="0" marR="0" lvl="0" indent="0" algn="l" defTabSz="914400" rtl="0" eaLnBrk="1" fontAlgn="base" latinLnBrk="0" hangingPunct="1">
+                        <a:lnSpc>
+                          <a:spcPct val="100000"/>
+                        </a:lnSpc>
+                        <a:spcBef>
+                          <a:spcPct val="0"/>
+                        </a:spcBef>
+                        <a:spcAft>
+                          <a:spcPct val="0"/>
+                        </a:spcAft>
+                        <a:buClrTx/>
+                        <a:buSzTx/>
+                        <a:buFontTx/>
+                        <a:buNone/>
+                        <a:tabLst/>
+                      </a:pPr>
+                      <a:endParaRPr kumimoji="0" lang="en-CA" altLang="ja-JP" sz="1800" b="0" i="0" u="none" strike="noStrike" cap="none" normalizeH="0" baseline="0" smtClean="0">
+                        <a:ln>
+                          <a:noFill/>
+                        </a:ln>
+                        <a:solidFill>
+                          <a:srgbClr val="000000"/>
+                        </a:solidFill>
+                        <a:effectLst/>
+                        <a:latin typeface="Calibri" pitchFamily="34" charset="0"/>
+                        <a:ea typeface="ＭＳ Ｐゴシック" charset="-128"/>
+                      </a:endParaRPr>
+                    </a:p>
+                  </a:txBody>
+                  <a:tcPr horzOverflow="overflow">
+                    <a:lnL w="12700" cap="flat" cmpd="sng" algn="ctr">
+                      <a:solidFill>
+                        <a:schemeClr val="bg1"/>
+                      </a:solidFill>
+                      <a:prstDash val="solid"/>
+                      <a:round/>
+                      <a:headEnd type="none" w="med" len="med"/>
+                      <a:tailEnd type="none" w="med" len="med"/>
+                    </a:lnL>
+                    <a:lnR w="12700" cap="flat" cmpd="sng" algn="ctr">
+                      <a:solidFill>
+                        <a:schemeClr val="bg1"/>
+                      </a:solidFill>
+                      <a:prstDash val="solid"/>
+                      <a:round/>
+                      <a:headEnd type="none" w="med" len="med"/>
+                      <a:tailEnd type="none" w="med" len="med"/>
+                    </a:lnR>
+                    <a:lnT w="12700" cap="flat" cmpd="sng" algn="ctr">
+                      <a:solidFill>
+                        <a:schemeClr val="bg1"/>
+                      </a:solidFill>
+                      <a:prstDash val="solid"/>
+                      <a:round/>
+                      <a:headEnd type="none" w="med" len="med"/>
+                      <a:tailEnd type="none" w="med" len="med"/>
+                    </a:lnT>
+                    <a:lnB w="12700" cap="flat" cmpd="sng" algn="ctr">
+                      <a:solidFill>
+                        <a:schemeClr val="bg1"/>
+                      </a:solidFill>
+                      <a:prstDash val="solid"/>
+                      <a:round/>
+                      <a:headEnd type="none" w="med" len="med"/>
+                      <a:tailEnd type="none" w="med" len="med"/>
+                    </a:lnB>
+                    <a:lnTlToBr>
+                      <a:noFill/>
+                    </a:lnTlToBr>
+                    <a:lnBlToTr>
+                      <a:noFill/>
+                    </a:lnBlToTr>
+                    <a:solidFill>
+                      <a:srgbClr val="D0D8E8"/>
+                    </a:solidFill>
+                  </a:tcPr>
+                </a:tc>
+                <a:tc>
+                  <a:txBody>
+                    <a:bodyPr/>
+                    <a:lstStyle/>
+                    <a:p>
+                      <a:pPr marL="0" marR="0" lvl="0" indent="0" algn="l" defTabSz="914400" rtl="0" eaLnBrk="1" fontAlgn="base" latinLnBrk="0" hangingPunct="1">
+                        <a:lnSpc>
+                          <a:spcPct val="100000"/>
+                        </a:lnSpc>
+                        <a:spcBef>
+                          <a:spcPct val="0"/>
+                        </a:spcBef>
+                        <a:spcAft>
+                          <a:spcPct val="0"/>
+                        </a:spcAft>
+                        <a:buClrTx/>
+                        <a:buSzTx/>
+                        <a:buFontTx/>
+                        <a:buNone/>
+                        <a:tabLst/>
+                      </a:pPr>
+                      <a:endParaRPr kumimoji="0" lang="en-CA" altLang="ja-JP" sz="1800" b="0" i="0" u="none" strike="noStrike" cap="none" normalizeH="0" baseline="0" smtClean="0">
+                        <a:ln>
+                          <a:noFill/>
+                        </a:ln>
+                        <a:solidFill>
+                          <a:srgbClr val="000000"/>
+                        </a:solidFill>
+                        <a:effectLst/>
+                        <a:latin typeface="Calibri" pitchFamily="34" charset="0"/>
+                        <a:ea typeface="ＭＳ Ｐゴシック" charset="-128"/>
+                      </a:endParaRPr>
+                    </a:p>
+                  </a:txBody>
+                  <a:tcPr horzOverflow="overflow">
+                    <a:lnL w="12700" cap="flat" cmpd="sng" algn="ctr">
+                      <a:solidFill>
+                        <a:schemeClr val="bg1"/>
+                      </a:solidFill>
+                      <a:prstDash val="solid"/>
+                      <a:round/>
+                      <a:headEnd type="none" w="med" len="med"/>
+                      <a:tailEnd type="none" w="med" len="med"/>
+                    </a:lnL>
+                    <a:lnR w="12700" cap="flat" cmpd="sng" algn="ctr">
+                      <a:solidFill>
+                        <a:schemeClr val="bg1"/>
+                      </a:solidFill>
+                      <a:prstDash val="solid"/>
+                      <a:round/>
+                      <a:headEnd type="none" w="med" len="med"/>
+                      <a:tailEnd type="none" w="med" len="med"/>
+                    </a:lnR>
+                    <a:lnT w="12700" cap="flat" cmpd="sng" algn="ctr">
+                      <a:solidFill>
+                        <a:schemeClr val="bg1"/>
+                      </a:solidFill>
+                      <a:prstDash val="solid"/>
+                      <a:round/>
+                      <a:headEnd type="none" w="med" len="med"/>
+                      <a:tailEnd type="none" w="med" len="med"/>
+                    </a:lnT>
+                    <a:lnB w="12700" cap="flat" cmpd="sng" algn="ctr">
+                      <a:solidFill>
+                        <a:schemeClr val="bg1"/>
+                      </a:solidFill>
+                      <a:prstDash val="solid"/>
+                      <a:round/>
+                      <a:headEnd type="none" w="med" len="med"/>
+                      <a:tailEnd type="none" w="med" len="med"/>
+                    </a:lnB>
+                    <a:lnTlToBr>
+                      <a:noFill/>
+                    </a:lnTlToBr>
+                    <a:lnBlToTr>
+                      <a:noFill/>
+                    </a:lnBlToTr>
+                    <a:solidFill>
+                      <a:srgbClr val="D0D8E8"/>
+                    </a:solidFill>
+                  </a:tcPr>
+                </a:tc>
+                <a:tc>
+                  <a:txBody>
+                    <a:bodyPr/>
+                    <a:lstStyle/>
+                    <a:p>
+                      <a:pPr marL="0" marR="0" lvl="0" indent="0" algn="l" defTabSz="914400" rtl="0" eaLnBrk="1" fontAlgn="base" latinLnBrk="0" hangingPunct="1">
+                        <a:lnSpc>
+                          <a:spcPct val="100000"/>
+                        </a:lnSpc>
+                        <a:spcBef>
+                          <a:spcPct val="0"/>
+                        </a:spcBef>
+                        <a:spcAft>
+                          <a:spcPct val="0"/>
+                        </a:spcAft>
+                        <a:buClrTx/>
+                        <a:buSzTx/>
+                        <a:buFontTx/>
+                        <a:buNone/>
+                        <a:tabLst/>
+                      </a:pPr>
+                      <a:endParaRPr kumimoji="0" lang="en-CA" altLang="ja-JP" sz="1800" b="0" i="0" u="none" strike="noStrike" cap="none" normalizeH="0" baseline="0" smtClean="0">
+                        <a:ln>
+                          <a:noFill/>
+                        </a:ln>
+                        <a:solidFill>
+                          <a:srgbClr val="000000"/>
+                        </a:solidFill>
+                        <a:effectLst/>
+                        <a:latin typeface="Calibri" pitchFamily="34" charset="0"/>
+                        <a:ea typeface="ＭＳ Ｐゴシック" charset="-128"/>
+                      </a:endParaRPr>
+                    </a:p>
+                  </a:txBody>
+                  <a:tcPr horzOverflow="overflow">
+                    <a:lnL w="12700" cap="flat" cmpd="sng" algn="ctr">
+                      <a:solidFill>
+                        <a:schemeClr val="bg1"/>
+                      </a:solidFill>
+                      <a:prstDash val="solid"/>
+                      <a:round/>
+                      <a:headEnd type="none" w="med" len="med"/>
+                      <a:tailEnd type="none" w="med" len="med"/>
+                    </a:lnL>
+                    <a:lnR w="12700" cap="flat" cmpd="sng" algn="ctr">
+                      <a:solidFill>
+                        <a:schemeClr val="bg1"/>
+                      </a:solidFill>
+                      <a:prstDash val="solid"/>
+                      <a:round/>
+                      <a:headEnd type="none" w="med" len="med"/>
+                      <a:tailEnd type="none" w="med" len="med"/>
+                    </a:lnR>
+                    <a:lnT w="12700" cap="flat" cmpd="sng" algn="ctr">
+                      <a:solidFill>
+                        <a:schemeClr val="bg1"/>
+                      </a:solidFill>
+                      <a:prstDash val="solid"/>
+                      <a:round/>
+                      <a:headEnd type="none" w="med" len="med"/>
+                      <a:tailEnd type="none" w="med" len="med"/>
+                    </a:lnT>
+                    <a:lnB w="12700" cap="flat" cmpd="sng" algn="ctr">
+                      <a:solidFill>
+                        <a:schemeClr val="bg1"/>
+                      </a:solidFill>
+                      <a:prstDash val="solid"/>
+                      <a:round/>
+                      <a:headEnd type="none" w="med" len="med"/>
+                      <a:tailEnd type="none" w="med" len="med"/>
+                    </a:lnB>
+                    <a:lnTlToBr>
+                      <a:noFill/>
+                    </a:lnTlToBr>
+                    <a:lnBlToTr>
+                      <a:noFill/>
+                    </a:lnBlToTr>
+                    <a:solidFill>
+                      <a:srgbClr val="D0D8E8"/>
+                    </a:solidFill>
+                  </a:tcPr>
+                </a:tc>
+              </a:tr>
+              <a:tr h="371475">
+                <a:tc>
+                  <a:txBody>
+                    <a:bodyPr/>
+                    <a:lstStyle/>
+                    <a:p>
+                      <a:pPr marL="0" marR="0" lvl="0" indent="0" algn="l" defTabSz="914400" rtl="0" eaLnBrk="1" fontAlgn="base" latinLnBrk="0" hangingPunct="1">
+                        <a:lnSpc>
+                          <a:spcPct val="100000"/>
+                        </a:lnSpc>
+                        <a:spcBef>
+                          <a:spcPct val="0"/>
+                        </a:spcBef>
+                        <a:spcAft>
+                          <a:spcPct val="0"/>
+                        </a:spcAft>
+                        <a:buClrTx/>
+                        <a:buSzTx/>
+                        <a:buFontTx/>
+                        <a:buNone/>
+                        <a:tabLst/>
+                      </a:pPr>
+                      <a:endParaRPr kumimoji="0" lang="en-CA" altLang="ja-JP" sz="1800" b="0" i="0" u="none" strike="noStrike" cap="none" normalizeH="0" baseline="0" smtClean="0">
+                        <a:ln>
+                          <a:noFill/>
+                        </a:ln>
+                        <a:solidFill>
+                          <a:srgbClr val="000000"/>
+                        </a:solidFill>
+                        <a:effectLst/>
+                        <a:latin typeface="Calibri" pitchFamily="34" charset="0"/>
+                        <a:ea typeface="ＭＳ Ｐゴシック" charset="-128"/>
+                      </a:endParaRPr>
+                    </a:p>
+                  </a:txBody>
+                  <a:tcPr horzOverflow="overflow">
+                    <a:lnL w="12700" cap="flat" cmpd="sng" algn="ctr">
+                      <a:solidFill>
+                        <a:schemeClr val="bg1"/>
+                      </a:solidFill>
+                      <a:prstDash val="solid"/>
+                      <a:round/>
+                      <a:headEnd type="none" w="med" len="med"/>
+                      <a:tailEnd type="none" w="med" len="med"/>
+                    </a:lnL>
+                    <a:lnR w="12700" cap="flat" cmpd="sng" algn="ctr">
+                      <a:solidFill>
+                        <a:schemeClr val="bg1"/>
+                      </a:solidFill>
+                      <a:prstDash val="solid"/>
+                      <a:round/>
+                      <a:headEnd type="none" w="med" len="med"/>
+                      <a:tailEnd type="none" w="med" len="med"/>
+                    </a:lnR>
+                    <a:lnT w="12700" cap="flat" cmpd="sng" algn="ctr">
+                      <a:solidFill>
+                        <a:schemeClr val="bg1"/>
+                      </a:solidFill>
+                      <a:prstDash val="solid"/>
+                      <a:round/>
+                      <a:headEnd type="none" w="med" len="med"/>
+                      <a:tailEnd type="none" w="med" len="med"/>
+                    </a:lnT>
+                    <a:lnB w="12700" cap="flat" cmpd="sng" algn="ctr">
+                      <a:solidFill>
+                        <a:schemeClr val="bg1"/>
+                      </a:solidFill>
+                      <a:prstDash val="solid"/>
+                      <a:round/>
+                      <a:headEnd type="none" w="med" len="med"/>
+                      <a:tailEnd type="none" w="med" len="med"/>
+                    </a:lnB>
+                    <a:lnTlToBr>
+                      <a:noFill/>
+                    </a:lnTlToBr>
+                    <a:lnBlToTr>
+                      <a:noFill/>
+                    </a:lnBlToTr>
+                    <a:solidFill>
+                      <a:srgbClr val="E9EDF4"/>
+                    </a:solidFill>
+                  </a:tcPr>
+                </a:tc>
+                <a:tc>
+                  <a:txBody>
+                    <a:bodyPr/>
+                    <a:lstStyle/>
+                    <a:p>
+                      <a:pPr marL="0" marR="0" lvl="0" indent="0" algn="l" defTabSz="914400" rtl="0" eaLnBrk="1" fontAlgn="base" latinLnBrk="0" hangingPunct="1">
+                        <a:lnSpc>
+                          <a:spcPct val="100000"/>
+                        </a:lnSpc>
+                        <a:spcBef>
+                          <a:spcPct val="0"/>
+                        </a:spcBef>
+                        <a:spcAft>
+                          <a:spcPct val="0"/>
+                        </a:spcAft>
+                        <a:buClrTx/>
+                        <a:buSzTx/>
+                        <a:buFontTx/>
+                        <a:buNone/>
+                        <a:tabLst/>
+                      </a:pPr>
+                      <a:endParaRPr kumimoji="0" lang="en-CA" altLang="ja-JP" sz="1800" b="0" i="0" u="none" strike="noStrike" cap="none" normalizeH="0" baseline="0" smtClean="0">
+                        <a:ln>
+                          <a:noFill/>
+                        </a:ln>
+                        <a:solidFill>
+                          <a:srgbClr val="000000"/>
+                        </a:solidFill>
+                        <a:effectLst/>
+                        <a:latin typeface="Calibri" pitchFamily="34" charset="0"/>
+                        <a:ea typeface="ＭＳ Ｐゴシック" charset="-128"/>
+                      </a:endParaRPr>
+                    </a:p>
+                  </a:txBody>
+                  <a:tcPr horzOverflow="overflow">
+                    <a:lnL w="12700" cap="flat" cmpd="sng" algn="ctr">
+                      <a:solidFill>
+                        <a:schemeClr val="bg1"/>
+                      </a:solidFill>
+                      <a:prstDash val="solid"/>
+                      <a:round/>
+                      <a:headEnd type="none" w="med" len="med"/>
+                      <a:tailEnd type="none" w="med" len="med"/>
+                    </a:lnL>
+                    <a:lnR w="12700" cap="flat" cmpd="sng" algn="ctr">
+                      <a:solidFill>
+                        <a:schemeClr val="bg1"/>
+                      </a:solidFill>
+                      <a:prstDash val="solid"/>
+                      <a:round/>
+                      <a:headEnd type="none" w="med" len="med"/>
+                      <a:tailEnd type="none" w="med" len="med"/>
+                    </a:lnR>
+                    <a:lnT w="12700" cap="flat" cmpd="sng" algn="ctr">
+                      <a:solidFill>
+                        <a:schemeClr val="bg1"/>
+                      </a:solidFill>
+                      <a:prstDash val="solid"/>
+                      <a:round/>
+                      <a:headEnd type="none" w="med" len="med"/>
+                      <a:tailEnd type="none" w="med" len="med"/>
+                    </a:lnT>
+                    <a:lnB w="12700" cap="flat" cmpd="sng" algn="ctr">
+                      <a:solidFill>
+                        <a:schemeClr val="bg1"/>
+                      </a:solidFill>
+                      <a:prstDash val="solid"/>
+                      <a:round/>
+                      <a:headEnd type="none" w="med" len="med"/>
+                      <a:tailEnd type="none" w="med" len="med"/>
+                    </a:lnB>
+                    <a:lnTlToBr>
+                      <a:noFill/>
+                    </a:lnTlToBr>
+                    <a:lnBlToTr>
+                      <a:noFill/>
+                    </a:lnBlToTr>
+                    <a:solidFill>
+                      <a:srgbClr val="E9EDF4"/>
+                    </a:solidFill>
+                  </a:tcPr>
+                </a:tc>
+                <a:tc>
+                  <a:txBody>
+                    <a:bodyPr/>
+                    <a:lstStyle/>
+                    <a:p>
+                      <a:pPr marL="0" marR="0" lvl="0" indent="0" algn="l" defTabSz="914400" rtl="0" eaLnBrk="1" fontAlgn="base" latinLnBrk="0" hangingPunct="1">
+                        <a:lnSpc>
+                          <a:spcPct val="100000"/>
+                        </a:lnSpc>
+                        <a:spcBef>
+                          <a:spcPct val="0"/>
+                        </a:spcBef>
+                        <a:spcAft>
+                          <a:spcPct val="0"/>
+                        </a:spcAft>
+                        <a:buClrTx/>
+                        <a:buSzTx/>
+                        <a:buFontTx/>
+                        <a:buNone/>
+                        <a:tabLst/>
+                      </a:pPr>
+                      <a:endParaRPr kumimoji="0" lang="en-CA" altLang="ja-JP" sz="1800" b="0" i="0" u="none" strike="noStrike" cap="none" normalizeH="0" baseline="0" smtClean="0">
+                        <a:ln>
+                          <a:noFill/>
+                        </a:ln>
+                        <a:solidFill>
+                          <a:srgbClr val="000000"/>
+                        </a:solidFill>
+                        <a:effectLst/>
+                        <a:latin typeface="Calibri" pitchFamily="34" charset="0"/>
+                        <a:ea typeface="ＭＳ Ｐゴシック" charset="-128"/>
+                      </a:endParaRPr>
+                    </a:p>
+                  </a:txBody>
+                  <a:tcPr horzOverflow="overflow">
+                    <a:lnL w="12700" cap="flat" cmpd="sng" algn="ctr">
+                      <a:solidFill>
+                        <a:schemeClr val="bg1"/>
+                      </a:solidFill>
+                      <a:prstDash val="solid"/>
+                      <a:round/>
+                      <a:headEnd type="none" w="med" len="med"/>
+                      <a:tailEnd type="none" w="med" len="med"/>
+                    </a:lnL>
+                    <a:lnR w="12700" cap="flat" cmpd="sng" algn="ctr">
+                      <a:solidFill>
+                        <a:schemeClr val="bg1"/>
+                      </a:solidFill>
+                      <a:prstDash val="solid"/>
+                      <a:round/>
+                      <a:headEnd type="none" w="med" len="med"/>
+                      <a:tailEnd type="none" w="med" len="med"/>
+                    </a:lnR>
+                    <a:lnT w="12700" cap="flat" cmpd="sng" algn="ctr">
+                      <a:solidFill>
+                        <a:schemeClr val="bg1"/>
+                      </a:solidFill>
+                      <a:prstDash val="solid"/>
+                      <a:round/>
+                      <a:headEnd type="none" w="med" len="med"/>
+                      <a:tailEnd type="none" w="med" len="med"/>
+                    </a:lnT>
+                    <a:lnB w="12700" cap="flat" cmpd="sng" algn="ctr">
+                      <a:solidFill>
+                        <a:schemeClr val="bg1"/>
+                      </a:solidFill>
+                      <a:prstDash val="solid"/>
+                      <a:round/>
+                      <a:headEnd type="none" w="med" len="med"/>
+                      <a:tailEnd type="none" w="med" len="med"/>
+                    </a:lnB>
+                    <a:lnTlToBr>
+                      <a:noFill/>
+                    </a:lnTlToBr>
+                    <a:lnBlToTr>
+                      <a:noFill/>
+                    </a:lnBlToTr>
+                    <a:solidFill>
+                      <a:srgbClr val="E9EDF4"/>
+                    </a:solidFill>
+                  </a:tcPr>
+                </a:tc>
+              </a:tr>
+            </a:tbl>
+          </a:graphicData>
+        </a:graphic>
+      </p:graphicFrame>
+    </p:spTree>
+  </p:cSld>
+  <p:clrMapOvr>
+    <a:masterClrMapping/>
+  </p:clrMapOvr>
+  <p:timing>
+    <p:tnLst>
+      <p:par>
+        <p:cTn id="1" dur="indefinite" restart="never" nodeType="tmRoot"/>
+      </p:par>
+    </p:tnLst>
+  </p:timing>
+</p:sld>
+</file>
+
+<file path=ppt/slides/slide11.xml><?xml version="1.0" encoding="utf-8"?>
+<p:sld xmlns:a="http://schemas.openxmlformats.org/drawingml/2006/main" xmlns:r="http://schemas.openxmlformats.org/officeDocument/2006/relationships" xmlns:p="http://schemas.openxmlformats.org/presentationml/2006/main">
+  <p:cSld>
+    <p:spTree>
+      <p:nvGrpSpPr>
+        <p:cNvPr id="1" name=""/>
+        <p:cNvGrpSpPr/>
+        <p:nvPr/>
+      </p:nvGrpSpPr>
+      <p:grpSpPr>
+        <a:xfrm>
+          <a:off x="0" y="0"/>
+          <a:ext cx="0" cy="0"/>
+          <a:chOff x="0" y="0"/>
+          <a:chExt cx="0" cy="0"/>
+        </a:xfrm>
+      </p:grpSpPr>
+      <p:sp>
+        <p:nvSpPr>
           <p:cNvPr id="13314" name="Title 1"/>
           <p:cNvSpPr>
             <a:spLocks noGrp="1"/>
@@ -7697,7 +10216,23 @@
           <a:p>
             <a:r>
               <a:rPr lang="en-US" dirty="0" smtClean="0"/>
-              <a:t>How Big?</a:t>
+              <a:t>How </a:t>
+            </a:r>
+            <a:r>
+              <a:rPr lang="en-US" dirty="0"/>
+              <a:t>b</a:t>
+            </a:r>
+            <a:r>
+              <a:rPr lang="en-US" dirty="0" smtClean="0"/>
+              <a:t>ig is </a:t>
+            </a:r>
+            <a:r>
+              <a:rPr lang="en-US" dirty="0"/>
+              <a:t>t</a:t>
+            </a:r>
+            <a:r>
+              <a:rPr lang="en-US" dirty="0" smtClean="0"/>
+              <a:t>his thing?</a:t>
             </a:r>
             <a:endParaRPr lang="en-CA" dirty="0" smtClean="0"/>
           </a:p>
@@ -9033,8 +11568,8 @@
         </p:nvSpPr>
         <p:spPr bwMode="auto">
           <a:xfrm>
-            <a:off x="1668463" y="3886200"/>
-            <a:ext cx="6681787" cy="584200"/>
+            <a:off x="2341261" y="3886200"/>
+            <a:ext cx="4461478" cy="584775"/>
           </a:xfrm>
           <a:prstGeom prst="rect">
             <a:avLst/>
@@ -9167,33 +11702,16 @@
           </a:lstStyle>
           <a:p>
             <a:r>
-              <a:rPr kumimoji="0" lang="ja-JP" altLang="en-US" sz="3200">
-                <a:latin typeface="Calibri Bold" pitchFamily="34" charset="0"/>
+              <a:rPr kumimoji="0" lang="en-US" altLang="ja-JP" sz="3200" dirty="0" smtClean="0">
+                <a:latin typeface="Chiller" pitchFamily="82" charset="0"/>
                 <a:cs typeface="Calibri Bold" pitchFamily="34" charset="0"/>
               </a:rPr>
-              <a:t>これは想定です</a:t>
-            </a:r>
-            <a:r>
-              <a:rPr kumimoji="0" lang="en-CA" altLang="ja-JP" sz="3200">
-                <a:latin typeface="Calibri Bold" pitchFamily="34" charset="0"/>
-                <a:cs typeface="Calibri Bold" pitchFamily="34" charset="0"/>
-              </a:rPr>
-              <a:t>. </a:t>
-            </a:r>
-            <a:r>
-              <a:rPr kumimoji="0" lang="ja-JP" altLang="en-US" sz="3200">
-                <a:latin typeface="Calibri Bold" pitchFamily="34" charset="0"/>
-                <a:cs typeface="Calibri Bold" pitchFamily="34" charset="0"/>
-              </a:rPr>
-              <a:t>約束ではありません</a:t>
-            </a:r>
-            <a:r>
-              <a:rPr kumimoji="0" lang="en-CA" altLang="ja-JP" sz="3200">
-                <a:latin typeface="Calibri Bold" pitchFamily="34" charset="0"/>
-                <a:cs typeface="Calibri Bold" pitchFamily="34" charset="0"/>
-              </a:rPr>
-              <a:t>.</a:t>
-            </a:r>
+              <a:t>This is a guess. Not a commitment</a:t>
+            </a:r>
+            <a:endParaRPr kumimoji="0" lang="en-CA" altLang="ja-JP" sz="3200" dirty="0">
+              <a:latin typeface="Chiller" pitchFamily="82" charset="0"/>
+              <a:cs typeface="Calibri Bold" pitchFamily="34" charset="0"/>
+            </a:endParaRPr>
           </a:p>
         </p:txBody>
       </p:sp>
@@ -9403,7 +11921,7 @@
 </p:sld>
 </file>
 
-<file path=ppt/slides/slide11.xml><?xml version="1.0" encoding="utf-8"?>
+<file path=ppt/slides/slide12.xml><?xml version="1.0" encoding="utf-8"?>
 <p:sld xmlns:a="http://schemas.openxmlformats.org/drawingml/2006/main" xmlns:r="http://schemas.openxmlformats.org/officeDocument/2006/relationships" xmlns:p="http://schemas.openxmlformats.org/presentationml/2006/main">
   <p:cSld>
     <p:spTree>
@@ -9489,7 +12007,7 @@
           <a:p>
             <a:r>
               <a:rPr lang="en-US" dirty="0" smtClean="0"/>
-              <a:t>Tradeoff Slider</a:t>
+              <a:t>Trade-off sliders</a:t>
             </a:r>
             <a:endParaRPr lang="en-CA" dirty="0" smtClean="0"/>
           </a:p>
@@ -15293,7 +17811,7 @@
 </p:sld>
 </file>
 
-<file path=ppt/slides/slide12.xml><?xml version="1.0" encoding="utf-8"?>
+<file path=ppt/slides/slide13.xml><?xml version="1.0" encoding="utf-8"?>
 <p:sld xmlns:a="http://schemas.openxmlformats.org/drawingml/2006/main" xmlns:r="http://schemas.openxmlformats.org/officeDocument/2006/relationships" xmlns:p="http://schemas.openxmlformats.org/presentationml/2006/main">
   <p:cSld>
     <p:spTree>
@@ -15327,7 +17845,15 @@
           <a:p>
             <a:r>
               <a:rPr lang="en-US" dirty="0" smtClean="0"/>
-              <a:t>First Release</a:t>
+              <a:t>The first </a:t>
+            </a:r>
+            <a:r>
+              <a:rPr lang="en-US" dirty="0"/>
+              <a:t>r</a:t>
+            </a:r>
+            <a:r>
+              <a:rPr lang="en-US" dirty="0" smtClean="0"/>
+              <a:t>elease</a:t>
             </a:r>
             <a:endParaRPr lang="en-CA" dirty="0" smtClean="0"/>
           </a:p>
@@ -16675,7 +19201,7 @@
         <p:spPr bwMode="auto">
           <a:xfrm>
             <a:off x="1382713" y="4114800"/>
-            <a:ext cx="4504759" cy="707886"/>
+            <a:ext cx="5093126" cy="707886"/>
           </a:xfrm>
           <a:prstGeom prst="rect">
             <a:avLst/>
@@ -16812,53 +19338,53 @@
                 <a:latin typeface="Calibri Bold" pitchFamily="34" charset="0"/>
                 <a:cs typeface="Calibri Bold" pitchFamily="34" charset="0"/>
               </a:rPr>
-              <a:t>3+N</a:t>
-            </a:r>
-            <a:r>
-              <a:rPr kumimoji="0" lang="ja-JP" altLang="en-US" sz="4000" dirty="0">
+              <a:t>7</a:t>
+            </a:r>
+            <a:r>
+              <a:rPr kumimoji="0" lang="ja-JP" altLang="en-US" sz="4000" dirty="0" smtClean="0">
                 <a:latin typeface="Calibri Bold" pitchFamily="34" charset="0"/>
                 <a:cs typeface="Calibri Bold" pitchFamily="34" charset="0"/>
               </a:rPr>
-              <a:t>人</a:t>
-            </a:r>
-            <a:r>
-              <a:rPr kumimoji="0" lang="en-CA" altLang="ja-JP" sz="4000" dirty="0">
+              <a:t> </a:t>
+            </a:r>
+            <a:r>
+              <a:rPr kumimoji="0" lang="en-US" altLang="ja-JP" sz="4000" dirty="0" smtClean="0">
                 <a:latin typeface="Calibri Bold" pitchFamily="34" charset="0"/>
                 <a:cs typeface="Calibri Bold" pitchFamily="34" charset="0"/>
               </a:rPr>
-              <a:t>, </a:t>
+              <a:t>people</a:t>
             </a:r>
             <a:r>
               <a:rPr kumimoji="0" lang="en-CA" altLang="ja-JP" sz="4000" dirty="0" smtClean="0">
                 <a:latin typeface="Calibri Bold" pitchFamily="34" charset="0"/>
                 <a:cs typeface="Calibri Bold" pitchFamily="34" charset="0"/>
               </a:rPr>
-              <a:t>2</a:t>
-            </a:r>
-            <a:r>
-              <a:rPr kumimoji="0" lang="ja-JP" altLang="en-US" sz="4000" dirty="0" smtClean="0">
-                <a:latin typeface="Calibri Bold" pitchFamily="34" charset="0"/>
-              </a:rPr>
-              <a:t>ヶ</a:t>
+              <a:t>, 2</a:t>
             </a:r>
             <a:r>
               <a:rPr kumimoji="0" lang="ja-JP" altLang="en-US" sz="4000" dirty="0">
                 <a:latin typeface="Calibri Bold" pitchFamily="34" charset="0"/>
               </a:rPr>
-              <a:t>月</a:t>
-            </a:r>
-            <a:r>
-              <a:rPr kumimoji="0" lang="en-CA" altLang="ja-JP" sz="4000" dirty="0">
+              <a:t> </a:t>
+            </a:r>
+            <a:r>
+              <a:rPr kumimoji="0" lang="en-US" altLang="ja-JP" sz="4000" dirty="0" smtClean="0">
+                <a:latin typeface="Calibri Bold" pitchFamily="34" charset="0"/>
+              </a:rPr>
+              <a:t>month</a:t>
+            </a:r>
+            <a:r>
+              <a:rPr kumimoji="0" lang="en-CA" altLang="ja-JP" sz="4000" dirty="0" smtClean="0">
                 <a:latin typeface="Calibri Bold" pitchFamily="34" charset="0"/>
                 <a:cs typeface="Calibri Bold" pitchFamily="34" charset="0"/>
               </a:rPr>
-              <a:t>, 0</a:t>
-            </a:r>
-            <a:r>
-              <a:rPr kumimoji="0" lang="ja-JP" altLang="en-US" sz="4000" dirty="0">
+              <a:t>, \0</a:t>
+            </a:r>
+            <a:r>
+              <a:rPr kumimoji="0" lang="en-US" altLang="ja-JP" sz="4000" dirty="0">
                 <a:latin typeface="Calibri Bold" pitchFamily="34" charset="0"/>
               </a:rPr>
-              <a:t>～円</a:t>
+              <a:t>~</a:t>
             </a:r>
             <a:endParaRPr kumimoji="0" lang="en-CA" sz="4000" dirty="0">
               <a:latin typeface="Calibri Bold" pitchFamily="34" charset="0"/>
@@ -16970,7 +19496,7 @@
           <a:p>
             <a:r>
               <a:rPr lang="en-US" altLang="ja-JP" dirty="0" smtClean="0"/>
-              <a:t>Why are you stay here?</a:t>
+              <a:t>Why are you here?</a:t>
             </a:r>
             <a:endParaRPr lang="en-CA" altLang="ja-JP" dirty="0" smtClean="0"/>
           </a:p>
@@ -16992,22 +19518,22 @@
           <a:lstStyle/>
           <a:p>
             <a:r>
-              <a:rPr lang="ja-JP" altLang="en-US" dirty="0" smtClean="0"/>
-              <a:t>プロジェクトワークがしたいから</a:t>
+              <a:rPr lang="en-US" altLang="ja-JP" dirty="0" smtClean="0"/>
+              <a:t>To work on a project!</a:t>
             </a:r>
             <a:endParaRPr lang="en-CA" dirty="0" smtClean="0"/>
           </a:p>
           <a:p>
             <a:r>
-              <a:rPr lang="ja-JP" altLang="en-US" dirty="0" smtClean="0"/>
-              <a:t>組込みに関わることをしてみたいから</a:t>
+              <a:rPr lang="en-US" altLang="ja-JP" dirty="0" smtClean="0"/>
+              <a:t>to work on an embedded systems!</a:t>
             </a:r>
             <a:endParaRPr lang="en-CA" dirty="0" smtClean="0"/>
           </a:p>
           <a:p>
             <a:r>
-              <a:rPr lang="ja-JP" altLang="en-US" dirty="0" smtClean="0"/>
-              <a:t>モデルベースに興味があったから</a:t>
+              <a:rPr lang="en-US" altLang="ja-JP" dirty="0" smtClean="0"/>
+              <a:t>have an interest in Model Based Development</a:t>
             </a:r>
             <a:endParaRPr lang="en-CA" dirty="0" smtClean="0"/>
           </a:p>
@@ -17356,8 +19882,12 @@
           </a:lstStyle>
           <a:p>
             <a:r>
-              <a:rPr lang="ja-JP" altLang="en-US" sz="2400"/>
-              <a:t>組込みの大会で優秀な成績を収め、わが校の名声を高めたい。</a:t>
+              <a:rPr lang="ja-JP" altLang="en-US" sz="2400" dirty="0" smtClean="0"/>
+              <a:t>組込み</a:t>
+            </a:r>
+            <a:r>
+              <a:rPr lang="ja-JP" altLang="en-US" sz="2400" dirty="0"/>
+              <a:t>の大会で優秀な成績を収め、わが校の名声を高めたい。</a:t>
             </a:r>
           </a:p>
         </p:txBody>
@@ -17411,9 +19941,8 @@
           <a:p>
             <a:r>
               <a:rPr lang="en-CA" dirty="0" smtClean="0"/>
-              <a:t>Elevator Pitch</a:t>
-            </a:r>
-            <a:endParaRPr lang="en-CA" dirty="0" smtClean="0"/>
+              <a:t>The Elevator Pitch</a:t>
+            </a:r>
           </a:p>
         </p:txBody>
       </p:sp>
@@ -17590,6 +20119,317 @@
 </file>
 
 <file path=ppt/slides/slide4.xml><?xml version="1.0" encoding="utf-8"?>
+<p:sld xmlns:a="http://schemas.openxmlformats.org/drawingml/2006/main" xmlns:r="http://schemas.openxmlformats.org/officeDocument/2006/relationships" xmlns:p="http://schemas.openxmlformats.org/presentationml/2006/main">
+  <p:cSld>
+    <p:spTree>
+      <p:nvGrpSpPr>
+        <p:cNvPr id="1" name=""/>
+        <p:cNvGrpSpPr/>
+        <p:nvPr/>
+      </p:nvGrpSpPr>
+      <p:grpSpPr>
+        <a:xfrm>
+          <a:off x="0" y="0"/>
+          <a:ext cx="0" cy="0"/>
+          <a:chOff x="0" y="0"/>
+          <a:chExt cx="0" cy="0"/>
+        </a:xfrm>
+      </p:grpSpPr>
+      <p:sp>
+        <p:nvSpPr>
+          <p:cNvPr id="6146" name="Title 1"/>
+          <p:cNvSpPr>
+            <a:spLocks noGrp="1"/>
+          </p:cNvSpPr>
+          <p:nvPr>
+            <p:ph type="title"/>
+          </p:nvPr>
+        </p:nvSpPr>
+        <p:spPr/>
+        <p:txBody>
+          <a:bodyPr/>
+          <a:lstStyle/>
+          <a:p>
+            <a:r>
+              <a:rPr lang="en-CA" dirty="0" smtClean="0"/>
+              <a:t>The Elevator Pitch</a:t>
+            </a:r>
+          </a:p>
+        </p:txBody>
+      </p:sp>
+      <p:sp>
+        <p:nvSpPr>
+          <p:cNvPr id="6147" name="Content Placeholder 2"/>
+          <p:cNvSpPr>
+            <a:spLocks noGrp="1"/>
+          </p:cNvSpPr>
+          <p:nvPr>
+            <p:ph idx="1"/>
+          </p:nvPr>
+        </p:nvSpPr>
+        <p:spPr/>
+        <p:txBody>
+          <a:bodyPr/>
+          <a:lstStyle/>
+          <a:p>
+            <a:r>
+              <a:rPr lang="en-US" altLang="ja-JP" dirty="0" smtClean="0"/>
+              <a:t>For </a:t>
+            </a:r>
+            <a:r>
+              <a:rPr lang="en-US" altLang="ja-JP" dirty="0" smtClean="0">
+                <a:solidFill>
+                  <a:srgbClr val="00B050"/>
+                </a:solidFill>
+              </a:rPr>
+              <a:t>[ET robot competition participates]</a:t>
+            </a:r>
+            <a:endParaRPr lang="en-CA" altLang="ja-JP" dirty="0">
+              <a:solidFill>
+                <a:srgbClr val="008000"/>
+              </a:solidFill>
+            </a:endParaRPr>
+          </a:p>
+          <a:p>
+            <a:r>
+              <a:rPr lang="en-US" altLang="ja-JP" dirty="0" smtClean="0"/>
+              <a:t>who </a:t>
+            </a:r>
+            <a:r>
+              <a:rPr lang="en-US" altLang="ja-JP" dirty="0" smtClean="0">
+                <a:solidFill>
+                  <a:srgbClr val="00B050"/>
+                </a:solidFill>
+              </a:rPr>
+              <a:t>[is in a trouble with designing robot software]</a:t>
+            </a:r>
+            <a:r>
+              <a:rPr lang="en-US" altLang="ja-JP" dirty="0" smtClean="0"/>
+              <a:t>,</a:t>
+            </a:r>
+            <a:endParaRPr lang="en-CA" dirty="0" smtClean="0"/>
+          </a:p>
+          <a:p>
+            <a:r>
+              <a:rPr lang="en-US" altLang="ja-JP" dirty="0" smtClean="0"/>
+              <a:t>the </a:t>
+            </a:r>
+            <a:r>
+              <a:rPr lang="en-US" altLang="ja-JP" dirty="0" smtClean="0">
+                <a:solidFill>
+                  <a:srgbClr val="00B050"/>
+                </a:solidFill>
+              </a:rPr>
+              <a:t>[flavor of </a:t>
+            </a:r>
+            <a:r>
+              <a:rPr lang="en-US" altLang="ja-JP" dirty="0" smtClean="0">
+                <a:solidFill>
+                  <a:srgbClr val="00B050"/>
+                </a:solidFill>
+              </a:rPr>
+              <a:t>ISO </a:t>
+            </a:r>
+            <a:r>
+              <a:rPr lang="ja-JP" altLang="en-US" dirty="0" smtClean="0">
+                <a:solidFill>
+                  <a:srgbClr val="00B050"/>
+                </a:solidFill>
+              </a:rPr>
+              <a:t>（いそのかおり</a:t>
+            </a:r>
+            <a:r>
+              <a:rPr lang="ja-JP" altLang="en-US" dirty="0">
+                <a:solidFill>
+                  <a:srgbClr val="00B050"/>
+                </a:solidFill>
+              </a:rPr>
+              <a:t>）</a:t>
+            </a:r>
+            <a:r>
+              <a:rPr lang="en-US" altLang="ja-JP" dirty="0" smtClean="0">
+                <a:solidFill>
+                  <a:srgbClr val="00B050"/>
+                </a:solidFill>
+              </a:rPr>
+              <a:t>]</a:t>
+            </a:r>
+            <a:endParaRPr lang="en-CA" dirty="0" smtClean="0">
+              <a:solidFill>
+                <a:srgbClr val="000000"/>
+              </a:solidFill>
+            </a:endParaRPr>
+          </a:p>
+          <a:p>
+            <a:r>
+              <a:rPr lang="en-US" altLang="ja-JP" dirty="0" smtClean="0"/>
+              <a:t>is a </a:t>
+            </a:r>
+            <a:r>
+              <a:rPr lang="en-US" altLang="ja-JP" dirty="0" smtClean="0">
+                <a:solidFill>
+                  <a:srgbClr val="00B050"/>
+                </a:solidFill>
+              </a:rPr>
+              <a:t>[very good software design model]</a:t>
+            </a:r>
+            <a:r>
+              <a:rPr lang="en-US" altLang="ja-JP" dirty="0" smtClean="0"/>
+              <a:t>,</a:t>
+            </a:r>
+            <a:endParaRPr lang="en-CA" sz="2800" dirty="0"/>
+          </a:p>
+          <a:p>
+            <a:r>
+              <a:rPr lang="en-US" altLang="ja-JP" dirty="0" smtClean="0"/>
+              <a:t>that </a:t>
+            </a:r>
+            <a:r>
+              <a:rPr lang="en-US" altLang="ja-JP" dirty="0" smtClean="0">
+                <a:solidFill>
+                  <a:srgbClr val="00B050"/>
+                </a:solidFill>
+              </a:rPr>
+              <a:t>[makes strict line tracing in high speed]</a:t>
+            </a:r>
+            <a:r>
+              <a:rPr lang="en-US" altLang="ja-JP" dirty="0" smtClean="0"/>
+              <a:t>.</a:t>
+            </a:r>
+            <a:endParaRPr lang="en-CA" sz="2800" dirty="0"/>
+          </a:p>
+          <a:p>
+            <a:r>
+              <a:rPr lang="en-US" altLang="ja-JP" sz="3000" dirty="0" smtClean="0">
+                <a:solidFill>
+                  <a:srgbClr val="000000"/>
+                </a:solidFill>
+              </a:rPr>
+              <a:t>Unlike </a:t>
+            </a:r>
+            <a:r>
+              <a:rPr lang="en-US" altLang="ja-JP" sz="3000" dirty="0" smtClean="0">
+                <a:solidFill>
+                  <a:srgbClr val="00B050"/>
+                </a:solidFill>
+              </a:rPr>
+              <a:t>[the other team’s design models]</a:t>
+            </a:r>
+          </a:p>
+          <a:p>
+            <a:r>
+              <a:rPr lang="en-US" altLang="ja-JP" sz="3000" dirty="0" smtClean="0">
+                <a:solidFill>
+                  <a:srgbClr val="000000"/>
+                </a:solidFill>
+              </a:rPr>
+              <a:t>our product </a:t>
+            </a:r>
+            <a:r>
+              <a:rPr lang="en-US" altLang="ja-JP" sz="3000" dirty="0" smtClean="0">
+                <a:solidFill>
+                  <a:srgbClr val="00B050"/>
+                </a:solidFill>
+              </a:rPr>
+              <a:t>[is ]</a:t>
+            </a:r>
+            <a:r>
+              <a:rPr lang="en-US" altLang="ja-JP" sz="3000" dirty="0" smtClean="0">
+                <a:solidFill>
+                  <a:srgbClr val="000000"/>
+                </a:solidFill>
+              </a:rPr>
+              <a:t>.</a:t>
+            </a:r>
+            <a:endParaRPr lang="en-CA" altLang="ja-JP" sz="3000" dirty="0"/>
+          </a:p>
+        </p:txBody>
+      </p:sp>
+      <p:pic>
+        <p:nvPicPr>
+          <p:cNvPr id="1026" name="Picture 2"/>
+          <p:cNvPicPr>
+            <a:picLocks noChangeAspect="1" noChangeArrowheads="1"/>
+          </p:cNvPicPr>
+          <p:nvPr/>
+        </p:nvPicPr>
+        <p:blipFill>
+          <a:blip r:embed="rId3" cstate="print">
+            <a:extLst>
+              <a:ext uri="{28A0092B-C50C-407E-A947-70E740481C1C}">
+                <a14:useLocalDpi xmlns:a14="http://schemas.microsoft.com/office/drawing/2010/main" val="0"/>
+              </a:ext>
+            </a:extLst>
+          </a:blip>
+          <a:srcRect/>
+          <a:stretch>
+            <a:fillRect/>
+          </a:stretch>
+        </p:blipFill>
+        <p:spPr bwMode="auto">
+          <a:xfrm>
+            <a:off x="5181600" y="-762000"/>
+            <a:ext cx="2231319" cy="1752600"/>
+          </a:xfrm>
+          <a:prstGeom prst="rect">
+            <a:avLst/>
+          </a:prstGeom>
+          <a:noFill/>
+          <a:ln>
+            <a:noFill/>
+          </a:ln>
+          <a:effectLst/>
+          <a:extLst>
+            <a:ext uri="{909E8E84-426E-40DD-AFC4-6F175D3DCCD1}">
+              <a14:hiddenFill xmlns:a14="http://schemas.microsoft.com/office/drawing/2010/main">
+                <a:solidFill>
+                  <a:schemeClr val="accent1"/>
+                </a:solidFill>
+              </a14:hiddenFill>
+            </a:ext>
+            <a:ext uri="{91240B29-F687-4F45-9708-019B960494DF}">
+              <a14:hiddenLine xmlns:a14="http://schemas.microsoft.com/office/drawing/2010/main" w="9525">
+                <a:solidFill>
+                  <a:schemeClr val="tx1"/>
+                </a:solidFill>
+                <a:miter lim="800000"/>
+                <a:headEnd/>
+                <a:tailEnd/>
+              </a14:hiddenLine>
+            </a:ext>
+            <a:ext uri="{AF507438-7753-43E0-B8FC-AC1667EBCBE1}">
+              <a14:hiddenEffects xmlns:a14="http://schemas.microsoft.com/office/drawing/2010/main">
+                <a:effectLst>
+                  <a:outerShdw dist="35921" dir="2700000" algn="ctr" rotWithShape="0">
+                    <a:schemeClr val="bg2"/>
+                  </a:outerShdw>
+                </a:effectLst>
+              </a14:hiddenEffects>
+            </a:ext>
+          </a:extLst>
+        </p:spPr>
+      </p:pic>
+    </p:spTree>
+    <p:extLst>
+      <p:ext uri="{BB962C8B-B14F-4D97-AF65-F5344CB8AC3E}">
+        <p14:creationId xmlns:p14="http://schemas.microsoft.com/office/powerpoint/2010/main" val="1698587641"/>
+      </p:ext>
+    </p:extLst>
+  </p:cSld>
+  <p:clrMapOvr>
+    <a:masterClrMapping/>
+  </p:clrMapOvr>
+  <p:timing>
+    <p:tnLst>
+      <p:par>
+        <p:cTn id="1" dur="indefinite" restart="never" nodeType="tmRoot"/>
+      </p:par>
+    </p:tnLst>
+  </p:timing>
+</p:sld>
+</file>
+
+<file path=ppt/slides/slide5.xml><?xml version="1.0" encoding="utf-8"?>
 <p:sld xmlns:a="http://schemas.openxmlformats.org/drawingml/2006/main" xmlns:r="http://schemas.openxmlformats.org/officeDocument/2006/relationships" xmlns:p="http://schemas.openxmlformats.org/presentationml/2006/main">
   <p:cSld>
     <p:spTree>
@@ -17673,19 +20513,7 @@
           <a:p>
             <a:r>
               <a:rPr lang="en-US" altLang="ja-JP" dirty="0" smtClean="0"/>
-              <a:t>Product Box</a:t>
-            </a:r>
-            <a:r>
-              <a:rPr lang="en-US" altLang="ja-JP" dirty="0" smtClean="0"/>
-              <a:t>(</a:t>
-            </a:r>
-            <a:r>
-              <a:rPr lang="en-US" altLang="ja-JP" dirty="0" smtClean="0"/>
-              <a:t>Outer Box</a:t>
-            </a:r>
-            <a:r>
-              <a:rPr lang="en-US" altLang="ja-JP" dirty="0" smtClean="0"/>
-              <a:t>)</a:t>
+              <a:t>Product Box(Outer Box)</a:t>
             </a:r>
             <a:endParaRPr lang="en-CA" altLang="ja-JP" dirty="0" smtClean="0"/>
           </a:p>
@@ -17702,7 +20530,7 @@
         <p:spPr bwMode="auto">
           <a:xfrm>
             <a:off x="2860293" y="1752600"/>
-            <a:ext cx="3497111" cy="584775"/>
+            <a:ext cx="3388107" cy="584775"/>
           </a:xfrm>
           <a:prstGeom prst="rect">
             <a:avLst/>
@@ -17840,7 +20668,11 @@
             </a:r>
             <a:r>
               <a:rPr kumimoji="0" lang="en-US" altLang="ja-JP" sz="3200" dirty="0" smtClean="0"/>
-              <a:t>The Flavor Of Sea</a:t>
+              <a:t>The Flavor Of </a:t>
+            </a:r>
+            <a:r>
+              <a:rPr kumimoji="0" lang="en-US" altLang="ja-JP" sz="3200" dirty="0" err="1" smtClean="0"/>
+              <a:t>Iso</a:t>
             </a:r>
             <a:r>
               <a:rPr kumimoji="0" lang="en-CA" altLang="ja-JP" sz="3200" dirty="0" smtClean="0"/>
@@ -18579,7 +21411,7 @@
 </p:sld>
 </file>
 
-<file path=ppt/slides/slide5.xml><?xml version="1.0" encoding="utf-8"?>
+<file path=ppt/slides/slide6.xml><?xml version="1.0" encoding="utf-8"?>
 <p:sld xmlns:a="http://schemas.openxmlformats.org/drawingml/2006/main" xmlns:r="http://schemas.openxmlformats.org/officeDocument/2006/relationships" xmlns:p="http://schemas.openxmlformats.org/presentationml/2006/main">
   <p:cSld>
     <p:spTree>
@@ -18717,7 +21549,7 @@
           <a:p>
             <a:r>
               <a:rPr lang="en-US" dirty="0" smtClean="0"/>
-              <a:t>Not to do List</a:t>
+              <a:t>NOT List</a:t>
             </a:r>
             <a:endParaRPr lang="en-CA" dirty="0" smtClean="0"/>
           </a:p>
@@ -18732,7 +21564,7 @@
           <p:nvPr>
             <p:extLst>
               <p:ext uri="{D42A27DB-BD31-4B8C-83A1-F6EECF244321}">
-                <p14:modId xmlns:p14="http://schemas.microsoft.com/office/powerpoint/2010/main" val="430375627"/>
+                <p14:modId xmlns:p14="http://schemas.microsoft.com/office/powerpoint/2010/main" val="2488145988"/>
               </p:ext>
             </p:extLst>
           </p:nvPr>
@@ -18783,35 +21615,7 @@
                           <a:latin typeface="Calibri" pitchFamily="34" charset="0"/>
                           <a:ea typeface="ＭＳ Ｐゴシック" charset="-128"/>
                         </a:rPr>
-                        <a:t>Do</a:t>
-                      </a:r>
-                      <a:r>
-                        <a:rPr kumimoji="0" lang="ja-JP" altLang="en-US" sz="2400" b="1" i="0" u="none" strike="noStrike" cap="none" normalizeH="0" baseline="0" dirty="0" smtClean="0">
-                          <a:ln>
-                            <a:noFill/>
-                          </a:ln>
-                          <a:solidFill>
-                            <a:srgbClr val="FFFFFF"/>
-                          </a:solidFill>
-                          <a:effectLst/>
-                          <a:latin typeface="Calibri" pitchFamily="34" charset="0"/>
-                          <a:ea typeface="ＭＳ Ｐゴシック" charset="-128"/>
-                        </a:rPr>
-                        <a:t>（</a:t>
-                      </a:r>
-                      <a:r>
-                        <a:rPr kumimoji="0" lang="ja-JP" altLang="en-US" sz="2400" b="1" i="0" u="none" strike="noStrike" cap="none" normalizeH="0" baseline="0" dirty="0" smtClean="0">
-                          <a:ln>
-                            <a:noFill/>
-                          </a:ln>
-                          <a:solidFill>
-                            <a:srgbClr val="FFFFFF"/>
-                          </a:solidFill>
-                          <a:effectLst/>
-                          <a:latin typeface="Calibri" pitchFamily="34" charset="0"/>
-                          <a:ea typeface="ＭＳ Ｐゴシック" charset="-128"/>
-                        </a:rPr>
-                        <a:t>スコープ内）</a:t>
+                        <a:t>In Scope</a:t>
                       </a:r>
                       <a:endParaRPr kumimoji="0" lang="en-CA" sz="2000" b="1" i="0" u="none" strike="noStrike" cap="none" normalizeH="0" baseline="0" dirty="0" smtClean="0">
                         <a:ln>
@@ -18895,7 +21699,7 @@
                         <a:tabLst/>
                       </a:pPr>
                       <a:r>
-                        <a:rPr kumimoji="0" lang="en-US" altLang="ja-JP" sz="2400" b="1" i="0" u="none" strike="noStrike" cap="none" normalizeH="0" baseline="0" dirty="0" smtClean="0">
+                        <a:rPr kumimoji="0" lang="en-US" sz="2400" b="1" i="0" u="none" strike="noStrike" cap="none" normalizeH="0" baseline="0" dirty="0" smtClean="0">
                           <a:ln>
                             <a:noFill/>
                           </a:ln>
@@ -18906,35 +21710,7 @@
                           <a:latin typeface="Calibri" pitchFamily="34" charset="0"/>
                           <a:ea typeface="ＭＳ Ｐゴシック" charset="-128"/>
                         </a:rPr>
-                        <a:t>Not Do</a:t>
-                      </a:r>
-                      <a:r>
-                        <a:rPr kumimoji="0" lang="ja-JP" altLang="en-US" sz="2400" b="1" i="0" u="none" strike="noStrike" cap="none" normalizeH="0" baseline="0" dirty="0" smtClean="0">
-                          <a:ln>
-                            <a:noFill/>
-                          </a:ln>
-                          <a:solidFill>
-                            <a:srgbClr val="FFFFFF"/>
-                          </a:solidFill>
-                          <a:effectLst/>
-                          <a:latin typeface="Calibri" pitchFamily="34" charset="0"/>
-                          <a:ea typeface="ＭＳ Ｐゴシック" charset="-128"/>
-                        </a:rPr>
-                        <a:t>（</a:t>
-                      </a:r>
-                      <a:r>
-                        <a:rPr kumimoji="0" lang="ja-JP" altLang="en-US" sz="2400" b="1" i="0" u="none" strike="noStrike" cap="none" normalizeH="0" baseline="0" dirty="0" smtClean="0">
-                          <a:ln>
-                            <a:noFill/>
-                          </a:ln>
-                          <a:solidFill>
-                            <a:srgbClr val="FFFFFF"/>
-                          </a:solidFill>
-                          <a:effectLst/>
-                          <a:latin typeface="Calibri" pitchFamily="34" charset="0"/>
-                          <a:ea typeface="ＭＳ Ｐゴシック" charset="-128"/>
-                        </a:rPr>
-                        <a:t>スコープ外）</a:t>
+                        <a:t>Out Of Scope</a:t>
                       </a:r>
                       <a:endParaRPr kumimoji="0" lang="en-CA" sz="2400" b="1" i="0" u="none" strike="noStrike" cap="none" normalizeH="0" baseline="0" dirty="0" smtClean="0">
                         <a:ln>
@@ -20166,7 +22942,7 @@
           <p:nvPr>
             <p:extLst>
               <p:ext uri="{D42A27DB-BD31-4B8C-83A1-F6EECF244321}">
-                <p14:modId xmlns:p14="http://schemas.microsoft.com/office/powerpoint/2010/main" val="1801067824"/>
+                <p14:modId xmlns:p14="http://schemas.microsoft.com/office/powerpoint/2010/main" val="3443887494"/>
               </p:ext>
             </p:extLst>
           </p:nvPr>
@@ -20216,7 +22992,7 @@
                           <a:latin typeface="Calibri" pitchFamily="34" charset="0"/>
                           <a:ea typeface="ＭＳ Ｐゴシック" charset="-128"/>
                         </a:rPr>
-                        <a:t>Unresolved Things</a:t>
+                        <a:t>Unresolved</a:t>
                       </a:r>
                       <a:endParaRPr kumimoji="0" lang="en-CA" sz="2400" b="1" i="0" u="none" strike="noStrike" cap="none" normalizeH="0" baseline="0" dirty="0" smtClean="0">
                         <a:ln>
@@ -20647,7 +23423,7 @@
 </p:sld>
 </file>
 
-<file path=ppt/slides/slide6.xml><?xml version="1.0" encoding="utf-8"?>
+<file path=ppt/slides/slide7.xml><?xml version="1.0" encoding="utf-8"?>
 <p:sld xmlns:a="http://schemas.openxmlformats.org/drawingml/2006/main" xmlns:r="http://schemas.openxmlformats.org/officeDocument/2006/relationships" xmlns:p="http://schemas.openxmlformats.org/presentationml/2006/main">
   <p:cSld>
     <p:spTree>
@@ -20681,7 +23457,7 @@
           <a:p>
             <a:r>
               <a:rPr lang="en-US" dirty="0" smtClean="0"/>
-              <a:t>Project Community of Our Team</a:t>
+              <a:t>Your Project Community</a:t>
             </a:r>
             <a:endParaRPr lang="en-CA" dirty="0" smtClean="0"/>
           </a:p>
@@ -20937,8 +23713,8 @@
         </p:nvSpPr>
         <p:spPr bwMode="auto">
           <a:xfrm>
-            <a:off x="1420813" y="5588000"/>
-            <a:ext cx="6853237" cy="569913"/>
+            <a:off x="2155473" y="5588000"/>
+            <a:ext cx="4833054" cy="692497"/>
           </a:xfrm>
           <a:prstGeom prst="rect">
             <a:avLst/>
@@ -20974,29 +23750,26 @@
           <a:lstStyle/>
           <a:p>
             <a:r>
-              <a:rPr kumimoji="0" lang="en-US" altLang="ja-JP" sz="3200">
-                <a:latin typeface="Calibri Bold" pitchFamily="34" charset="0"/>
+              <a:rPr kumimoji="0" lang="en-US" altLang="ja-JP" sz="4000" dirty="0">
+                <a:latin typeface="Freestyle Script" pitchFamily="66" charset="0"/>
                 <a:cs typeface="Calibri Bold" pitchFamily="34" charset="0"/>
                 <a:sym typeface="Calibri Bold" pitchFamily="34" charset="0"/>
               </a:rPr>
-              <a:t>... </a:t>
-            </a:r>
-            <a:r>
-              <a:rPr kumimoji="0" lang="ja-JP" altLang="en-US" sz="3200">
-                <a:latin typeface="Calibri Bold" pitchFamily="34" charset="0"/>
+              <a:t>... i</a:t>
+            </a:r>
+            <a:r>
+              <a:rPr kumimoji="0" lang="en-US" altLang="ja-JP" sz="4000" dirty="0" smtClean="0">
+                <a:latin typeface="Freestyle Script" pitchFamily="66" charset="0"/>
                 <a:cs typeface="Calibri Bold" pitchFamily="34" charset="0"/>
                 <a:sym typeface="Calibri Bold" pitchFamily="34" charset="0"/>
               </a:rPr>
-              <a:t>は常にあなたが考える以上に大きい</a:t>
-            </a:r>
-            <a:r>
-              <a:rPr kumimoji="0" lang="en-US" altLang="ja-JP" sz="3200">
-                <a:latin typeface="Calibri Bold" pitchFamily="34" charset="0"/>
-                <a:cs typeface="Calibri Bold" pitchFamily="34" charset="0"/>
-                <a:sym typeface="Calibri Bold" pitchFamily="34" charset="0"/>
-              </a:rPr>
-              <a:t>!</a:t>
-            </a:r>
+              <a:t>s always bigger than you think!</a:t>
+            </a:r>
+            <a:endParaRPr kumimoji="0" lang="en-US" altLang="ja-JP" sz="4000" dirty="0">
+              <a:latin typeface="Freestyle Script" pitchFamily="66" charset="0"/>
+              <a:cs typeface="Calibri Bold" pitchFamily="34" charset="0"/>
+              <a:sym typeface="Calibri Bold" pitchFamily="34" charset="0"/>
+            </a:endParaRPr>
           </a:p>
         </p:txBody>
       </p:sp>
@@ -21177,7 +23950,7 @@
 </p:sld>
 </file>
 
-<file path=ppt/slides/slide7.xml><?xml version="1.0" encoding="utf-8"?>
+<file path=ppt/slides/slide8.xml><?xml version="1.0" encoding="utf-8"?>
 <p:sld xmlns:a="http://schemas.openxmlformats.org/drawingml/2006/main" xmlns:r="http://schemas.openxmlformats.org/officeDocument/2006/relationships" xmlns:p="http://schemas.openxmlformats.org/presentationml/2006/main">
   <p:cSld>
     <p:spTree>
@@ -21244,7 +24017,7 @@
           <a:p>
             <a:r>
               <a:rPr lang="en-US" dirty="0" smtClean="0"/>
-              <a:t>Technical Solution</a:t>
+              <a:t>Technical Architecture</a:t>
             </a:r>
             <a:endParaRPr lang="en-CA" dirty="0" smtClean="0"/>
           </a:p>
@@ -21314,8 +24087,8 @@
         </p:nvSpPr>
         <p:spPr bwMode="auto">
           <a:xfrm>
-            <a:off x="625475" y="4495800"/>
-            <a:ext cx="4559261" cy="2677656"/>
+            <a:off x="625475" y="4498428"/>
+            <a:ext cx="4555542" cy="2677656"/>
           </a:xfrm>
           <a:prstGeom prst="rect">
             <a:avLst/>
@@ -21448,13 +24221,14 @@
           </a:lstStyle>
           <a:p>
             <a:r>
-              <a:rPr kumimoji="0" lang="ja-JP" altLang="en-US" sz="2400" b="1" dirty="0"/>
-              <a:t>技術</a:t>
-            </a:r>
-            <a:r>
-              <a:rPr kumimoji="0" lang="en-CA" altLang="ja-JP" sz="2400" b="1" dirty="0"/>
+              <a:rPr kumimoji="0" lang="en-US" altLang="ja-JP" sz="2400" b="1" dirty="0" smtClean="0"/>
+              <a:t>technique</a:t>
+            </a:r>
+            <a:r>
+              <a:rPr kumimoji="0" lang="en-CA" altLang="ja-JP" sz="2400" b="1" dirty="0" smtClean="0"/>
               <a:t>:</a:t>
             </a:r>
+            <a:endParaRPr kumimoji="0" lang="en-CA" altLang="ja-JP" sz="2400" b="1" dirty="0"/>
           </a:p>
           <a:p>
             <a:pPr>
@@ -21466,12 +24240,12 @@
               <a:t> </a:t>
             </a:r>
             <a:r>
-              <a:rPr kumimoji="0" lang="en-CA" altLang="ja-JP" sz="2400" dirty="0"/>
+              <a:rPr kumimoji="0" lang="en-CA" altLang="ja-JP" sz="2400" dirty="0" smtClean="0"/>
               <a:t>C</a:t>
             </a:r>
             <a:r>
-              <a:rPr kumimoji="0" lang="ja-JP" altLang="en-US" sz="2400" dirty="0"/>
-              <a:t>言語、</a:t>
+              <a:rPr kumimoji="0" lang="ja-JP" altLang="en-US" sz="2400" dirty="0" err="1" smtClean="0"/>
+              <a:t>、</a:t>
             </a:r>
             <a:r>
               <a:rPr kumimoji="0" lang="en-US" altLang="ja-JP" sz="2400" dirty="0"/>
@@ -21538,13 +24312,22 @@
               <a:t> </a:t>
             </a:r>
             <a:r>
-              <a:rPr kumimoji="0" lang="ja-JP" altLang="en-US" sz="2400" dirty="0"/>
-              <a:t>モデルカタログ（目標値制御</a:t>
-            </a:r>
-            <a:r>
-              <a:rPr kumimoji="0" lang="en-US" altLang="ja-JP" sz="2400" dirty="0"/>
-              <a:t>PIM)</a:t>
-            </a:r>
+              <a:rPr kumimoji="0" lang="en-US" altLang="ja-JP" sz="2400" dirty="0" smtClean="0"/>
+              <a:t>Model Catalogue</a:t>
+            </a:r>
+            <a:r>
+              <a:rPr kumimoji="0" lang="en-US" altLang="ja-JP" sz="2400" dirty="0" smtClean="0"/>
+              <a:t> </a:t>
+            </a:r>
+            <a:r>
+              <a:rPr kumimoji="0" lang="ja-JP" altLang="en-US" sz="2400" dirty="0" smtClean="0"/>
+              <a:t>（</a:t>
+            </a:r>
+            <a:r>
+              <a:rPr kumimoji="0" lang="en-US" altLang="ja-JP" sz="2400" dirty="0" smtClean="0"/>
+              <a:t>Target Control)</a:t>
+            </a:r>
+            <a:endParaRPr kumimoji="0" lang="en-US" altLang="ja-JP" sz="2400" dirty="0"/>
           </a:p>
           <a:p>
             <a:pPr>
@@ -22164,8 +24947,8 @@
         </p:nvSpPr>
         <p:spPr>
           <a:xfrm>
-            <a:off x="1295400" y="3048000"/>
-            <a:ext cx="1828800" cy="369332"/>
+            <a:off x="2029153" y="3063154"/>
+            <a:ext cx="2310376" cy="369332"/>
           </a:xfrm>
           <a:prstGeom prst="rect">
             <a:avLst/>
@@ -22180,15 +24963,7 @@
           <a:p>
             <a:r>
               <a:rPr kumimoji="1" lang="en-US" altLang="ja-JP" dirty="0" smtClean="0"/>
-              <a:t>PC(Cygwin,</a:t>
-            </a:r>
-            <a:r>
-              <a:rPr kumimoji="1" lang="ja-JP" altLang="en-US" dirty="0" smtClean="0"/>
-              <a:t>ログ</a:t>
-            </a:r>
-            <a:r>
-              <a:rPr kumimoji="1" lang="en-US" altLang="ja-JP" dirty="0" smtClean="0"/>
-              <a:t>)</a:t>
+              <a:t>PC</a:t>
             </a:r>
             <a:endParaRPr kumimoji="1" lang="ja-JP" altLang="en-US" dirty="0"/>
           </a:p>
@@ -22202,7 +24977,7 @@
         </p:nvSpPr>
         <p:spPr>
           <a:xfrm>
-            <a:off x="3581400" y="4572000"/>
+            <a:off x="3425129" y="4572000"/>
             <a:ext cx="1828800" cy="381000"/>
           </a:xfrm>
           <a:prstGeom prst="rect">
@@ -22217,8 +24992,8 @@
           <a:lstStyle/>
           <a:p>
             <a:r>
-              <a:rPr kumimoji="1" lang="ja-JP" altLang="en-US" dirty="0" smtClean="0"/>
-              <a:t>開発者</a:t>
+              <a:rPr lang="en-US" altLang="ja-JP" dirty="0" smtClean="0"/>
+              <a:t>Developer</a:t>
             </a:r>
             <a:endParaRPr kumimoji="1" lang="ja-JP" altLang="en-US" dirty="0"/>
           </a:p>
@@ -22251,8 +25026,12 @@
               <a:t>NXT</a:t>
             </a:r>
             <a:r>
-              <a:rPr kumimoji="1" lang="ja-JP" altLang="en-US" dirty="0" smtClean="0"/>
-              <a:t>レゴ・マインドストーム</a:t>
+              <a:rPr lang="ja-JP" altLang="en-US" dirty="0"/>
+              <a:t> </a:t>
+            </a:r>
+            <a:r>
+              <a:rPr lang="en-US" altLang="ja-JP" dirty="0" smtClean="0"/>
+              <a:t>LEGO MINDSTORM</a:t>
             </a:r>
             <a:endParaRPr kumimoji="1" lang="ja-JP" altLang="en-US" dirty="0"/>
           </a:p>
@@ -22273,7 +25052,7 @@
 </p:sld>
 </file>
 
-<file path=ppt/slides/slide8.xml><?xml version="1.0" encoding="utf-8"?>
+<file path=ppt/slides/slide9.xml><?xml version="1.0" encoding="utf-8"?>
 <p:sld xmlns:a="http://schemas.openxmlformats.org/drawingml/2006/main" xmlns:r="http://schemas.openxmlformats.org/officeDocument/2006/relationships" xmlns:p="http://schemas.openxmlformats.org/presentationml/2006/main">
   <p:cSld>
     <p:spTree>
@@ -22307,9 +25086,16 @@
           <a:p>
             <a:r>
               <a:rPr lang="en-CA" dirty="0" smtClean="0"/>
-              <a:t>Things Could Not Sleep at Night</a:t>
-            </a:r>
-            <a:endParaRPr lang="en-CA" dirty="0" smtClean="0"/>
+              <a:t>Stuff we lose </a:t>
+            </a:r>
+            <a:r>
+              <a:rPr lang="en-CA" dirty="0"/>
+              <a:t>s</a:t>
+            </a:r>
+            <a:r>
+              <a:rPr lang="en-CA" dirty="0" smtClean="0"/>
+              <a:t>leep over</a:t>
+            </a:r>
           </a:p>
         </p:txBody>
       </p:sp>
@@ -22339,7 +25125,7 @@
               <a:defRPr/>
             </a:pPr>
             <a:r>
-              <a:rPr lang="ja-JP" altLang="en-US" smtClean="0"/>
+              <a:rPr lang="ja-JP" altLang="en-US" dirty="0" smtClean="0"/>
               <a:t>机上の空論（プロダクト不在のモデル一辺倒）</a:t>
             </a:r>
             <a:endParaRPr lang="en-CA" dirty="0" smtClean="0"/>
@@ -22354,7 +25140,7 @@
               <a:defRPr/>
             </a:pPr>
             <a:r>
-              <a:rPr lang="ja-JP" altLang="en-US" smtClean="0"/>
+              <a:rPr lang="ja-JP" altLang="en-US" dirty="0" smtClean="0"/>
               <a:t>回らないスプリント（アジャイル）</a:t>
             </a:r>
             <a:endParaRPr lang="en-CA" dirty="0" smtClean="0"/>
@@ -22478,2015 +25264,6 @@
           </a:extLst>
         </p:spPr>
       </p:pic>
-    </p:spTree>
-  </p:cSld>
-  <p:clrMapOvr>
-    <a:masterClrMapping/>
-  </p:clrMapOvr>
-  <p:timing>
-    <p:tnLst>
-      <p:par>
-        <p:cTn id="1" dur="indefinite" restart="never" nodeType="tmRoot"/>
-      </p:par>
-    </p:tnLst>
-  </p:timing>
-</p:sld>
-</file>
-
-<file path=ppt/slides/slide9.xml><?xml version="1.0" encoding="utf-8"?>
-<p:sld xmlns:a="http://schemas.openxmlformats.org/drawingml/2006/main" xmlns:r="http://schemas.openxmlformats.org/officeDocument/2006/relationships" xmlns:p="http://schemas.openxmlformats.org/presentationml/2006/main">
-  <p:cSld>
-    <p:spTree>
-      <p:nvGrpSpPr>
-        <p:cNvPr id="1" name=""/>
-        <p:cNvGrpSpPr/>
-        <p:nvPr/>
-      </p:nvGrpSpPr>
-      <p:grpSpPr>
-        <a:xfrm>
-          <a:off x="0" y="0"/>
-          <a:ext cx="0" cy="0"/>
-          <a:chOff x="0" y="0"/>
-          <a:chExt cx="0" cy="0"/>
-        </a:xfrm>
-      </p:grpSpPr>
-      <p:sp>
-        <p:nvSpPr>
-          <p:cNvPr id="12290" name="Title 1"/>
-          <p:cNvSpPr>
-            <a:spLocks noGrp="1"/>
-          </p:cNvSpPr>
-          <p:nvPr>
-            <p:ph type="title"/>
-          </p:nvPr>
-        </p:nvSpPr>
-        <p:spPr/>
-        <p:txBody>
-          <a:bodyPr/>
-          <a:lstStyle/>
-          <a:p>
-            <a:r>
-              <a:rPr lang="en-CA" altLang="ja-JP" dirty="0" smtClean="0"/>
-              <a:t>A</a:t>
-            </a:r>
-            <a:r>
-              <a:rPr lang="ja-JP" altLang="en-US" dirty="0"/>
-              <a:t> </a:t>
-            </a:r>
-            <a:r>
-              <a:rPr lang="en-US" altLang="ja-JP" dirty="0" smtClean="0"/>
-              <a:t>Team</a:t>
-            </a:r>
-            <a:endParaRPr lang="en-CA" dirty="0" smtClean="0"/>
-          </a:p>
-        </p:txBody>
-      </p:sp>
-      <p:graphicFrame>
-        <p:nvGraphicFramePr>
-          <p:cNvPr id="4" name="Table 3"/>
-          <p:cNvGraphicFramePr>
-            <a:graphicFrameLocks noGrp="1"/>
-          </p:cNvGraphicFramePr>
-          <p:nvPr/>
-        </p:nvGraphicFramePr>
-        <p:xfrm>
-          <a:off x="685800" y="1397000"/>
-          <a:ext cx="7924800" cy="3223260"/>
-        </p:xfrm>
-        <a:graphic>
-          <a:graphicData uri="http://schemas.openxmlformats.org/drawingml/2006/table">
-            <a:tbl>
-              <a:tblPr/>
-              <a:tblGrid>
-                <a:gridCol w="609600"/>
-                <a:gridCol w="1752600"/>
-                <a:gridCol w="5562600"/>
-              </a:tblGrid>
-              <a:tr h="371475">
-                <a:tc>
-                  <a:txBody>
-                    <a:bodyPr/>
-                    <a:lstStyle/>
-                    <a:p>
-                      <a:pPr marL="0" marR="0" lvl="0" indent="0" algn="l" defTabSz="914400" rtl="0" eaLnBrk="1" fontAlgn="base" latinLnBrk="0" hangingPunct="1">
-                        <a:lnSpc>
-                          <a:spcPct val="100000"/>
-                        </a:lnSpc>
-                        <a:spcBef>
-                          <a:spcPct val="0"/>
-                        </a:spcBef>
-                        <a:spcAft>
-                          <a:spcPct val="0"/>
-                        </a:spcAft>
-                        <a:buClrTx/>
-                        <a:buSzTx/>
-                        <a:buFontTx/>
-                        <a:buNone/>
-                        <a:tabLst/>
-                      </a:pPr>
-                      <a:r>
-                        <a:rPr kumimoji="0" lang="en-CA" altLang="ja-JP" sz="2400" b="1" i="0" u="none" strike="noStrike" cap="none" normalizeH="0" baseline="0" smtClean="0">
-                          <a:ln>
-                            <a:noFill/>
-                          </a:ln>
-                          <a:solidFill>
-                            <a:srgbClr val="FFFFFF"/>
-                          </a:solidFill>
-                          <a:effectLst/>
-                          <a:latin typeface="Calibri" pitchFamily="34" charset="0"/>
-                          <a:ea typeface="ＭＳ Ｐゴシック" charset="-128"/>
-                        </a:rPr>
-                        <a:t>#</a:t>
-                      </a:r>
-                    </a:p>
-                  </a:txBody>
-                  <a:tcPr horzOverflow="overflow">
-                    <a:lnL w="12700" cap="flat" cmpd="sng" algn="ctr">
-                      <a:solidFill>
-                        <a:schemeClr val="bg1"/>
-                      </a:solidFill>
-                      <a:prstDash val="solid"/>
-                      <a:round/>
-                      <a:headEnd type="none" w="med" len="med"/>
-                      <a:tailEnd type="none" w="med" len="med"/>
-                    </a:lnL>
-                    <a:lnR w="12700" cap="flat" cmpd="sng" algn="ctr">
-                      <a:solidFill>
-                        <a:schemeClr val="bg1"/>
-                      </a:solidFill>
-                      <a:prstDash val="solid"/>
-                      <a:round/>
-                      <a:headEnd type="none" w="med" len="med"/>
-                      <a:tailEnd type="none" w="med" len="med"/>
-                    </a:lnR>
-                    <a:lnT w="12700" cap="flat" cmpd="sng" algn="ctr">
-                      <a:solidFill>
-                        <a:schemeClr val="bg1"/>
-                      </a:solidFill>
-                      <a:prstDash val="solid"/>
-                      <a:round/>
-                      <a:headEnd type="none" w="med" len="med"/>
-                      <a:tailEnd type="none" w="med" len="med"/>
-                    </a:lnT>
-                    <a:lnB w="38100" cap="flat" cmpd="sng" algn="ctr">
-                      <a:solidFill>
-                        <a:schemeClr val="bg1"/>
-                      </a:solidFill>
-                      <a:prstDash val="solid"/>
-                      <a:round/>
-                      <a:headEnd type="none" w="med" len="med"/>
-                      <a:tailEnd type="none" w="med" len="med"/>
-                    </a:lnB>
-                    <a:lnTlToBr>
-                      <a:noFill/>
-                    </a:lnTlToBr>
-                    <a:lnBlToTr>
-                      <a:noFill/>
-                    </a:lnBlToTr>
-                    <a:solidFill>
-                      <a:schemeClr val="accent1"/>
-                    </a:solidFill>
-                  </a:tcPr>
-                </a:tc>
-                <a:tc>
-                  <a:txBody>
-                    <a:bodyPr/>
-                    <a:lstStyle/>
-                    <a:p>
-                      <a:pPr marL="0" marR="0" lvl="0" indent="0" algn="l" defTabSz="914400" rtl="0" eaLnBrk="1" fontAlgn="base" latinLnBrk="0" hangingPunct="1">
-                        <a:lnSpc>
-                          <a:spcPct val="100000"/>
-                        </a:lnSpc>
-                        <a:spcBef>
-                          <a:spcPct val="0"/>
-                        </a:spcBef>
-                        <a:spcAft>
-                          <a:spcPct val="0"/>
-                        </a:spcAft>
-                        <a:buClrTx/>
-                        <a:buSzTx/>
-                        <a:buFontTx/>
-                        <a:buNone/>
-                        <a:tabLst/>
-                      </a:pPr>
-                      <a:r>
-                        <a:rPr kumimoji="0" lang="ja-JP" altLang="en-US" sz="2400" b="1" i="0" u="none" strike="noStrike" cap="none" normalizeH="0" baseline="0" smtClean="0">
-                          <a:ln>
-                            <a:noFill/>
-                          </a:ln>
-                          <a:solidFill>
-                            <a:srgbClr val="FFFFFF"/>
-                          </a:solidFill>
-                          <a:effectLst/>
-                          <a:latin typeface="Calibri" pitchFamily="34" charset="0"/>
-                          <a:ea typeface="ＭＳ Ｐゴシック" charset="-128"/>
-                        </a:rPr>
-                        <a:t>役割</a:t>
-                      </a:r>
-                      <a:endParaRPr kumimoji="0" lang="en-CA" sz="2400" b="1" i="0" u="none" strike="noStrike" cap="none" normalizeH="0" baseline="0" smtClean="0">
-                        <a:ln>
-                          <a:noFill/>
-                        </a:ln>
-                        <a:solidFill>
-                          <a:srgbClr val="FFFFFF"/>
-                        </a:solidFill>
-                        <a:effectLst/>
-                        <a:latin typeface="Calibri" pitchFamily="34" charset="0"/>
-                      </a:endParaRPr>
-                    </a:p>
-                  </a:txBody>
-                  <a:tcPr horzOverflow="overflow">
-                    <a:lnL w="12700" cap="flat" cmpd="sng" algn="ctr">
-                      <a:solidFill>
-                        <a:schemeClr val="bg1"/>
-                      </a:solidFill>
-                      <a:prstDash val="solid"/>
-                      <a:round/>
-                      <a:headEnd type="none" w="med" len="med"/>
-                      <a:tailEnd type="none" w="med" len="med"/>
-                    </a:lnL>
-                    <a:lnR w="12700" cap="flat" cmpd="sng" algn="ctr">
-                      <a:solidFill>
-                        <a:schemeClr val="bg1"/>
-                      </a:solidFill>
-                      <a:prstDash val="solid"/>
-                      <a:round/>
-                      <a:headEnd type="none" w="med" len="med"/>
-                      <a:tailEnd type="none" w="med" len="med"/>
-                    </a:lnR>
-                    <a:lnT w="12700" cap="flat" cmpd="sng" algn="ctr">
-                      <a:solidFill>
-                        <a:schemeClr val="bg1"/>
-                      </a:solidFill>
-                      <a:prstDash val="solid"/>
-                      <a:round/>
-                      <a:headEnd type="none" w="med" len="med"/>
-                      <a:tailEnd type="none" w="med" len="med"/>
-                    </a:lnT>
-                    <a:lnB w="38100" cap="flat" cmpd="sng" algn="ctr">
-                      <a:solidFill>
-                        <a:schemeClr val="bg1"/>
-                      </a:solidFill>
-                      <a:prstDash val="solid"/>
-                      <a:round/>
-                      <a:headEnd type="none" w="med" len="med"/>
-                      <a:tailEnd type="none" w="med" len="med"/>
-                    </a:lnB>
-                    <a:lnTlToBr>
-                      <a:noFill/>
-                    </a:lnTlToBr>
-                    <a:lnBlToTr>
-                      <a:noFill/>
-                    </a:lnBlToTr>
-                    <a:solidFill>
-                      <a:schemeClr val="accent1"/>
-                    </a:solidFill>
-                  </a:tcPr>
-                </a:tc>
-                <a:tc>
-                  <a:txBody>
-                    <a:bodyPr/>
-                    <a:lstStyle/>
-                    <a:p>
-                      <a:pPr marL="0" marR="0" lvl="0" indent="0" algn="l" defTabSz="914400" rtl="0" eaLnBrk="1" fontAlgn="base" latinLnBrk="0" hangingPunct="1">
-                        <a:lnSpc>
-                          <a:spcPct val="100000"/>
-                        </a:lnSpc>
-                        <a:spcBef>
-                          <a:spcPct val="0"/>
-                        </a:spcBef>
-                        <a:spcAft>
-                          <a:spcPct val="0"/>
-                        </a:spcAft>
-                        <a:buClrTx/>
-                        <a:buSzTx/>
-                        <a:buFontTx/>
-                        <a:buNone/>
-                        <a:tabLst/>
-                      </a:pPr>
-                      <a:r>
-                        <a:rPr kumimoji="0" lang="ja-JP" altLang="en-US" sz="2400" b="1" i="0" u="none" strike="noStrike" cap="none" normalizeH="0" baseline="0" smtClean="0">
-                          <a:ln>
-                            <a:noFill/>
-                          </a:ln>
-                          <a:solidFill>
-                            <a:srgbClr val="FFFFFF"/>
-                          </a:solidFill>
-                          <a:effectLst/>
-                          <a:latin typeface="Calibri" pitchFamily="34" charset="0"/>
-                          <a:ea typeface="ＭＳ Ｐゴシック" charset="-128"/>
-                        </a:rPr>
-                        <a:t>能力</a:t>
-                      </a:r>
-                      <a:r>
-                        <a:rPr kumimoji="0" lang="en-CA" altLang="ja-JP" sz="2400" b="1" i="0" u="none" strike="noStrike" cap="none" normalizeH="0" baseline="0" smtClean="0">
-                          <a:ln>
-                            <a:noFill/>
-                          </a:ln>
-                          <a:solidFill>
-                            <a:srgbClr val="FFFFFF"/>
-                          </a:solidFill>
-                          <a:effectLst/>
-                          <a:latin typeface="Calibri" pitchFamily="34" charset="0"/>
-                          <a:ea typeface="ＭＳ Ｐゴシック" charset="-128"/>
-                        </a:rPr>
-                        <a:t>/</a:t>
-                      </a:r>
-                      <a:r>
-                        <a:rPr kumimoji="0" lang="ja-JP" altLang="en-US" sz="2400" b="1" i="0" u="none" strike="noStrike" cap="none" normalizeH="0" baseline="0" smtClean="0">
-                          <a:ln>
-                            <a:noFill/>
-                          </a:ln>
-                          <a:solidFill>
-                            <a:srgbClr val="FFFFFF"/>
-                          </a:solidFill>
-                          <a:effectLst/>
-                          <a:latin typeface="Calibri" pitchFamily="34" charset="0"/>
-                          <a:ea typeface="ＭＳ Ｐゴシック" charset="-128"/>
-                        </a:rPr>
-                        <a:t>期待すること</a:t>
-                      </a:r>
-                      <a:endParaRPr kumimoji="0" lang="en-CA" sz="2400" b="1" i="0" u="none" strike="noStrike" cap="none" normalizeH="0" baseline="0" smtClean="0">
-                        <a:ln>
-                          <a:noFill/>
-                        </a:ln>
-                        <a:solidFill>
-                          <a:srgbClr val="FFFFFF"/>
-                        </a:solidFill>
-                        <a:effectLst/>
-                        <a:latin typeface="Calibri" pitchFamily="34" charset="0"/>
-                      </a:endParaRPr>
-                    </a:p>
-                  </a:txBody>
-                  <a:tcPr horzOverflow="overflow">
-                    <a:lnL w="12700" cap="flat" cmpd="sng" algn="ctr">
-                      <a:solidFill>
-                        <a:schemeClr val="bg1"/>
-                      </a:solidFill>
-                      <a:prstDash val="solid"/>
-                      <a:round/>
-                      <a:headEnd type="none" w="med" len="med"/>
-                      <a:tailEnd type="none" w="med" len="med"/>
-                    </a:lnL>
-                    <a:lnR w="12700" cap="flat" cmpd="sng" algn="ctr">
-                      <a:solidFill>
-                        <a:schemeClr val="bg1"/>
-                      </a:solidFill>
-                      <a:prstDash val="solid"/>
-                      <a:round/>
-                      <a:headEnd type="none" w="med" len="med"/>
-                      <a:tailEnd type="none" w="med" len="med"/>
-                    </a:lnR>
-                    <a:lnT w="12700" cap="flat" cmpd="sng" algn="ctr">
-                      <a:solidFill>
-                        <a:schemeClr val="bg1"/>
-                      </a:solidFill>
-                      <a:prstDash val="solid"/>
-                      <a:round/>
-                      <a:headEnd type="none" w="med" len="med"/>
-                      <a:tailEnd type="none" w="med" len="med"/>
-                    </a:lnT>
-                    <a:lnB w="38100" cap="flat" cmpd="sng" algn="ctr">
-                      <a:solidFill>
-                        <a:schemeClr val="bg1"/>
-                      </a:solidFill>
-                      <a:prstDash val="solid"/>
-                      <a:round/>
-                      <a:headEnd type="none" w="med" len="med"/>
-                      <a:tailEnd type="none" w="med" len="med"/>
-                    </a:lnB>
-                    <a:lnTlToBr>
-                      <a:noFill/>
-                    </a:lnTlToBr>
-                    <a:lnBlToTr>
-                      <a:noFill/>
-                    </a:lnBlToTr>
-                    <a:solidFill>
-                      <a:schemeClr val="accent1"/>
-                    </a:solidFill>
-                  </a:tcPr>
-                </a:tc>
-              </a:tr>
-              <a:tr h="371475">
-                <a:tc>
-                  <a:txBody>
-                    <a:bodyPr/>
-                    <a:lstStyle/>
-                    <a:p>
-                      <a:pPr marL="0" marR="0" lvl="0" indent="0" algn="l" defTabSz="914400" rtl="0" eaLnBrk="1" fontAlgn="base" latinLnBrk="0" hangingPunct="1">
-                        <a:lnSpc>
-                          <a:spcPct val="100000"/>
-                        </a:lnSpc>
-                        <a:spcBef>
-                          <a:spcPct val="0"/>
-                        </a:spcBef>
-                        <a:spcAft>
-                          <a:spcPct val="0"/>
-                        </a:spcAft>
-                        <a:buClrTx/>
-                        <a:buSzTx/>
-                        <a:buFontTx/>
-                        <a:buNone/>
-                        <a:tabLst/>
-                      </a:pPr>
-                      <a:r>
-                        <a:rPr kumimoji="0" lang="en-CA" altLang="ja-JP" sz="1800" b="0" i="0" u="none" strike="noStrike" cap="none" normalizeH="0" baseline="0" smtClean="0">
-                          <a:ln>
-                            <a:noFill/>
-                          </a:ln>
-                          <a:solidFill>
-                            <a:srgbClr val="000000"/>
-                          </a:solidFill>
-                          <a:effectLst/>
-                          <a:latin typeface="Calibri" pitchFamily="34" charset="0"/>
-                          <a:ea typeface="ＭＳ Ｐゴシック" charset="-128"/>
-                        </a:rPr>
-                        <a:t>1</a:t>
-                      </a:r>
-                    </a:p>
-                  </a:txBody>
-                  <a:tcPr horzOverflow="overflow">
-                    <a:lnL w="12700" cap="flat" cmpd="sng" algn="ctr">
-                      <a:solidFill>
-                        <a:schemeClr val="bg1"/>
-                      </a:solidFill>
-                      <a:prstDash val="solid"/>
-                      <a:round/>
-                      <a:headEnd type="none" w="med" len="med"/>
-                      <a:tailEnd type="none" w="med" len="med"/>
-                    </a:lnL>
-                    <a:lnR w="12700" cap="flat" cmpd="sng" algn="ctr">
-                      <a:solidFill>
-                        <a:schemeClr val="bg1"/>
-                      </a:solidFill>
-                      <a:prstDash val="solid"/>
-                      <a:round/>
-                      <a:headEnd type="none" w="med" len="med"/>
-                      <a:tailEnd type="none" w="med" len="med"/>
-                    </a:lnR>
-                    <a:lnT w="38100" cap="flat" cmpd="sng" algn="ctr">
-                      <a:solidFill>
-                        <a:schemeClr val="bg1"/>
-                      </a:solidFill>
-                      <a:prstDash val="solid"/>
-                      <a:round/>
-                      <a:headEnd type="none" w="med" len="med"/>
-                      <a:tailEnd type="none" w="med" len="med"/>
-                    </a:lnT>
-                    <a:lnB w="12700" cap="flat" cmpd="sng" algn="ctr">
-                      <a:solidFill>
-                        <a:schemeClr val="bg1"/>
-                      </a:solidFill>
-                      <a:prstDash val="solid"/>
-                      <a:round/>
-                      <a:headEnd type="none" w="med" len="med"/>
-                      <a:tailEnd type="none" w="med" len="med"/>
-                    </a:lnB>
-                    <a:lnTlToBr>
-                      <a:noFill/>
-                    </a:lnTlToBr>
-                    <a:lnBlToTr>
-                      <a:noFill/>
-                    </a:lnBlToTr>
-                    <a:solidFill>
-                      <a:srgbClr val="D0D8E8"/>
-                    </a:solidFill>
-                  </a:tcPr>
-                </a:tc>
-                <a:tc>
-                  <a:txBody>
-                    <a:bodyPr/>
-                    <a:lstStyle/>
-                    <a:p>
-                      <a:pPr marL="0" marR="0" lvl="0" indent="0" algn="l" defTabSz="914400" rtl="0" eaLnBrk="1" fontAlgn="base" latinLnBrk="0" hangingPunct="1">
-                        <a:lnSpc>
-                          <a:spcPct val="100000"/>
-                        </a:lnSpc>
-                        <a:spcBef>
-                          <a:spcPct val="0"/>
-                        </a:spcBef>
-                        <a:spcAft>
-                          <a:spcPct val="0"/>
-                        </a:spcAft>
-                        <a:buClrTx/>
-                        <a:buSzTx/>
-                        <a:buFontTx/>
-                        <a:buNone/>
-                        <a:tabLst/>
-                      </a:pPr>
-                      <a:r>
-                        <a:rPr kumimoji="0" lang="ja-JP" altLang="en-US" sz="1800" b="0" i="0" u="none" strike="noStrike" cap="none" normalizeH="0" baseline="0" smtClean="0">
-                          <a:ln>
-                            <a:noFill/>
-                          </a:ln>
-                          <a:solidFill>
-                            <a:srgbClr val="000000"/>
-                          </a:solidFill>
-                          <a:effectLst/>
-                          <a:latin typeface="Calibri" pitchFamily="34" charset="0"/>
-                          <a:ea typeface="ＭＳ Ｐゴシック" charset="-128"/>
-                        </a:rPr>
-                        <a:t>リーダー</a:t>
-                      </a:r>
-                      <a:endParaRPr kumimoji="0" lang="en-CA" sz="1800" b="0" i="0" u="none" strike="noStrike" cap="none" normalizeH="0" baseline="0" smtClean="0">
-                        <a:ln>
-                          <a:noFill/>
-                        </a:ln>
-                        <a:solidFill>
-                          <a:srgbClr val="000000"/>
-                        </a:solidFill>
-                        <a:effectLst/>
-                        <a:latin typeface="Calibri" pitchFamily="34" charset="0"/>
-                      </a:endParaRPr>
-                    </a:p>
-                  </a:txBody>
-                  <a:tcPr horzOverflow="overflow">
-                    <a:lnL w="12700" cap="flat" cmpd="sng" algn="ctr">
-                      <a:solidFill>
-                        <a:schemeClr val="bg1"/>
-                      </a:solidFill>
-                      <a:prstDash val="solid"/>
-                      <a:round/>
-                      <a:headEnd type="none" w="med" len="med"/>
-                      <a:tailEnd type="none" w="med" len="med"/>
-                    </a:lnL>
-                    <a:lnR w="12700" cap="flat" cmpd="sng" algn="ctr">
-                      <a:solidFill>
-                        <a:schemeClr val="bg1"/>
-                      </a:solidFill>
-                      <a:prstDash val="solid"/>
-                      <a:round/>
-                      <a:headEnd type="none" w="med" len="med"/>
-                      <a:tailEnd type="none" w="med" len="med"/>
-                    </a:lnR>
-                    <a:lnT w="38100" cap="flat" cmpd="sng" algn="ctr">
-                      <a:solidFill>
-                        <a:schemeClr val="bg1"/>
-                      </a:solidFill>
-                      <a:prstDash val="solid"/>
-                      <a:round/>
-                      <a:headEnd type="none" w="med" len="med"/>
-                      <a:tailEnd type="none" w="med" len="med"/>
-                    </a:lnT>
-                    <a:lnB w="12700" cap="flat" cmpd="sng" algn="ctr">
-                      <a:solidFill>
-                        <a:schemeClr val="bg1"/>
-                      </a:solidFill>
-                      <a:prstDash val="solid"/>
-                      <a:round/>
-                      <a:headEnd type="none" w="med" len="med"/>
-                      <a:tailEnd type="none" w="med" len="med"/>
-                    </a:lnB>
-                    <a:lnTlToBr>
-                      <a:noFill/>
-                    </a:lnTlToBr>
-                    <a:lnBlToTr>
-                      <a:noFill/>
-                    </a:lnBlToTr>
-                    <a:solidFill>
-                      <a:srgbClr val="D0D8E8"/>
-                    </a:solidFill>
-                  </a:tcPr>
-                </a:tc>
-                <a:tc>
-                  <a:txBody>
-                    <a:bodyPr/>
-                    <a:lstStyle/>
-                    <a:p>
-                      <a:pPr marL="0" marR="0" lvl="0" indent="0" algn="l" defTabSz="914400" rtl="0" eaLnBrk="1" fontAlgn="base" latinLnBrk="0" hangingPunct="1">
-                        <a:lnSpc>
-                          <a:spcPct val="100000"/>
-                        </a:lnSpc>
-                        <a:spcBef>
-                          <a:spcPct val="0"/>
-                        </a:spcBef>
-                        <a:spcAft>
-                          <a:spcPct val="0"/>
-                        </a:spcAft>
-                        <a:buClrTx/>
-                        <a:buSzTx/>
-                        <a:buFontTx/>
-                        <a:buNone/>
-                        <a:tabLst/>
-                      </a:pPr>
-                      <a:r>
-                        <a:rPr kumimoji="0" lang="ja-JP" altLang="en-US" sz="1800" b="0" i="0" u="none" strike="noStrike" cap="none" normalizeH="0" baseline="0" smtClean="0">
-                          <a:ln>
-                            <a:noFill/>
-                          </a:ln>
-                          <a:solidFill>
-                            <a:srgbClr val="000000"/>
-                          </a:solidFill>
-                          <a:effectLst/>
-                          <a:latin typeface="Calibri" pitchFamily="34" charset="0"/>
-                          <a:ea typeface="ＭＳ Ｐゴシック" charset="-128"/>
-                        </a:rPr>
-                        <a:t>チームの牽引すること。また、チームメンバーと同等の能力。</a:t>
-                      </a:r>
-                      <a:endParaRPr kumimoji="0" lang="en-CA" sz="1800" b="0" i="0" u="none" strike="noStrike" cap="none" normalizeH="0" baseline="0" smtClean="0">
-                        <a:ln>
-                          <a:noFill/>
-                        </a:ln>
-                        <a:solidFill>
-                          <a:srgbClr val="000000"/>
-                        </a:solidFill>
-                        <a:effectLst/>
-                        <a:latin typeface="Calibri" pitchFamily="34" charset="0"/>
-                      </a:endParaRPr>
-                    </a:p>
-                  </a:txBody>
-                  <a:tcPr horzOverflow="overflow">
-                    <a:lnL w="12700" cap="flat" cmpd="sng" algn="ctr">
-                      <a:solidFill>
-                        <a:schemeClr val="bg1"/>
-                      </a:solidFill>
-                      <a:prstDash val="solid"/>
-                      <a:round/>
-                      <a:headEnd type="none" w="med" len="med"/>
-                      <a:tailEnd type="none" w="med" len="med"/>
-                    </a:lnL>
-                    <a:lnR w="12700" cap="flat" cmpd="sng" algn="ctr">
-                      <a:solidFill>
-                        <a:schemeClr val="bg1"/>
-                      </a:solidFill>
-                      <a:prstDash val="solid"/>
-                      <a:round/>
-                      <a:headEnd type="none" w="med" len="med"/>
-                      <a:tailEnd type="none" w="med" len="med"/>
-                    </a:lnR>
-                    <a:lnT w="38100" cap="flat" cmpd="sng" algn="ctr">
-                      <a:solidFill>
-                        <a:schemeClr val="bg1"/>
-                      </a:solidFill>
-                      <a:prstDash val="solid"/>
-                      <a:round/>
-                      <a:headEnd type="none" w="med" len="med"/>
-                      <a:tailEnd type="none" w="med" len="med"/>
-                    </a:lnT>
-                    <a:lnB w="12700" cap="flat" cmpd="sng" algn="ctr">
-                      <a:solidFill>
-                        <a:schemeClr val="bg1"/>
-                      </a:solidFill>
-                      <a:prstDash val="solid"/>
-                      <a:round/>
-                      <a:headEnd type="none" w="med" len="med"/>
-                      <a:tailEnd type="none" w="med" len="med"/>
-                    </a:lnB>
-                    <a:lnTlToBr>
-                      <a:noFill/>
-                    </a:lnTlToBr>
-                    <a:lnBlToTr>
-                      <a:noFill/>
-                    </a:lnBlToTr>
-                    <a:solidFill>
-                      <a:srgbClr val="D0D8E8"/>
-                    </a:solidFill>
-                  </a:tcPr>
-                </a:tc>
-              </a:tr>
-              <a:tr h="371475">
-                <a:tc>
-                  <a:txBody>
-                    <a:bodyPr/>
-                    <a:lstStyle/>
-                    <a:p>
-                      <a:pPr marL="0" marR="0" lvl="0" indent="0" algn="l" defTabSz="914400" rtl="0" eaLnBrk="1" fontAlgn="base" latinLnBrk="0" hangingPunct="1">
-                        <a:lnSpc>
-                          <a:spcPct val="100000"/>
-                        </a:lnSpc>
-                        <a:spcBef>
-                          <a:spcPct val="0"/>
-                        </a:spcBef>
-                        <a:spcAft>
-                          <a:spcPct val="0"/>
-                        </a:spcAft>
-                        <a:buClrTx/>
-                        <a:buSzTx/>
-                        <a:buFontTx/>
-                        <a:buNone/>
-                        <a:tabLst/>
-                      </a:pPr>
-                      <a:r>
-                        <a:rPr kumimoji="0" lang="en-CA" altLang="ja-JP" sz="1800" b="0" i="0" u="none" strike="noStrike" cap="none" normalizeH="0" baseline="0" smtClean="0">
-                          <a:ln>
-                            <a:noFill/>
-                          </a:ln>
-                          <a:solidFill>
-                            <a:srgbClr val="000000"/>
-                          </a:solidFill>
-                          <a:effectLst/>
-                          <a:latin typeface="Calibri" pitchFamily="34" charset="0"/>
-                          <a:ea typeface="ＭＳ Ｐゴシック" charset="-128"/>
-                        </a:rPr>
-                        <a:t>2</a:t>
-                      </a:r>
-                    </a:p>
-                  </a:txBody>
-                  <a:tcPr horzOverflow="overflow">
-                    <a:lnL w="12700" cap="flat" cmpd="sng" algn="ctr">
-                      <a:solidFill>
-                        <a:schemeClr val="bg1"/>
-                      </a:solidFill>
-                      <a:prstDash val="solid"/>
-                      <a:round/>
-                      <a:headEnd type="none" w="med" len="med"/>
-                      <a:tailEnd type="none" w="med" len="med"/>
-                    </a:lnL>
-                    <a:lnR w="12700" cap="flat" cmpd="sng" algn="ctr">
-                      <a:solidFill>
-                        <a:schemeClr val="bg1"/>
-                      </a:solidFill>
-                      <a:prstDash val="solid"/>
-                      <a:round/>
-                      <a:headEnd type="none" w="med" len="med"/>
-                      <a:tailEnd type="none" w="med" len="med"/>
-                    </a:lnR>
-                    <a:lnT w="12700" cap="flat" cmpd="sng" algn="ctr">
-                      <a:solidFill>
-                        <a:schemeClr val="bg1"/>
-                      </a:solidFill>
-                      <a:prstDash val="solid"/>
-                      <a:round/>
-                      <a:headEnd type="none" w="med" len="med"/>
-                      <a:tailEnd type="none" w="med" len="med"/>
-                    </a:lnT>
-                    <a:lnB w="12700" cap="flat" cmpd="sng" algn="ctr">
-                      <a:solidFill>
-                        <a:schemeClr val="bg1"/>
-                      </a:solidFill>
-                      <a:prstDash val="solid"/>
-                      <a:round/>
-                      <a:headEnd type="none" w="med" len="med"/>
-                      <a:tailEnd type="none" w="med" len="med"/>
-                    </a:lnB>
-                    <a:lnTlToBr>
-                      <a:noFill/>
-                    </a:lnTlToBr>
-                    <a:lnBlToTr>
-                      <a:noFill/>
-                    </a:lnBlToTr>
-                    <a:solidFill>
-                      <a:srgbClr val="E9EDF4"/>
-                    </a:solidFill>
-                  </a:tcPr>
-                </a:tc>
-                <a:tc>
-                  <a:txBody>
-                    <a:bodyPr/>
-                    <a:lstStyle/>
-                    <a:p>
-                      <a:pPr marL="0" marR="0" lvl="0" indent="0" algn="l" defTabSz="914400" rtl="0" eaLnBrk="1" fontAlgn="base" latinLnBrk="0" hangingPunct="1">
-                        <a:lnSpc>
-                          <a:spcPct val="100000"/>
-                        </a:lnSpc>
-                        <a:spcBef>
-                          <a:spcPct val="0"/>
-                        </a:spcBef>
-                        <a:spcAft>
-                          <a:spcPct val="0"/>
-                        </a:spcAft>
-                        <a:buClrTx/>
-                        <a:buSzTx/>
-                        <a:buFontTx/>
-                        <a:buNone/>
-                        <a:tabLst/>
-                      </a:pPr>
-                      <a:r>
-                        <a:rPr kumimoji="0" lang="ja-JP" altLang="en-US" sz="1800" b="0" i="0" u="none" strike="noStrike" cap="none" normalizeH="0" baseline="0" smtClean="0">
-                          <a:ln>
-                            <a:noFill/>
-                          </a:ln>
-                          <a:solidFill>
-                            <a:srgbClr val="000000"/>
-                          </a:solidFill>
-                          <a:effectLst/>
-                          <a:latin typeface="Calibri" pitchFamily="34" charset="0"/>
-                          <a:ea typeface="ＭＳ Ｐゴシック" charset="-128"/>
-                        </a:rPr>
-                        <a:t>チームメンバー</a:t>
-                      </a:r>
-                      <a:endParaRPr kumimoji="0" lang="en-CA" sz="1800" b="0" i="0" u="none" strike="noStrike" cap="none" normalizeH="0" baseline="0" smtClean="0">
-                        <a:ln>
-                          <a:noFill/>
-                        </a:ln>
-                        <a:solidFill>
-                          <a:srgbClr val="000000"/>
-                        </a:solidFill>
-                        <a:effectLst/>
-                        <a:latin typeface="Calibri" pitchFamily="34" charset="0"/>
-                      </a:endParaRPr>
-                    </a:p>
-                  </a:txBody>
-                  <a:tcPr horzOverflow="overflow">
-                    <a:lnL w="12700" cap="flat" cmpd="sng" algn="ctr">
-                      <a:solidFill>
-                        <a:schemeClr val="bg1"/>
-                      </a:solidFill>
-                      <a:prstDash val="solid"/>
-                      <a:round/>
-                      <a:headEnd type="none" w="med" len="med"/>
-                      <a:tailEnd type="none" w="med" len="med"/>
-                    </a:lnL>
-                    <a:lnR w="12700" cap="flat" cmpd="sng" algn="ctr">
-                      <a:solidFill>
-                        <a:schemeClr val="bg1"/>
-                      </a:solidFill>
-                      <a:prstDash val="solid"/>
-                      <a:round/>
-                      <a:headEnd type="none" w="med" len="med"/>
-                      <a:tailEnd type="none" w="med" len="med"/>
-                    </a:lnR>
-                    <a:lnT w="12700" cap="flat" cmpd="sng" algn="ctr">
-                      <a:solidFill>
-                        <a:schemeClr val="bg1"/>
-                      </a:solidFill>
-                      <a:prstDash val="solid"/>
-                      <a:round/>
-                      <a:headEnd type="none" w="med" len="med"/>
-                      <a:tailEnd type="none" w="med" len="med"/>
-                    </a:lnT>
-                    <a:lnB w="12700" cap="flat" cmpd="sng" algn="ctr">
-                      <a:solidFill>
-                        <a:schemeClr val="bg1"/>
-                      </a:solidFill>
-                      <a:prstDash val="solid"/>
-                      <a:round/>
-                      <a:headEnd type="none" w="med" len="med"/>
-                      <a:tailEnd type="none" w="med" len="med"/>
-                    </a:lnB>
-                    <a:lnTlToBr>
-                      <a:noFill/>
-                    </a:lnTlToBr>
-                    <a:lnBlToTr>
-                      <a:noFill/>
-                    </a:lnBlToTr>
-                    <a:solidFill>
-                      <a:srgbClr val="E9EDF4"/>
-                    </a:solidFill>
-                  </a:tcPr>
-                </a:tc>
-                <a:tc>
-                  <a:txBody>
-                    <a:bodyPr/>
-                    <a:lstStyle/>
-                    <a:p>
-                      <a:pPr marL="0" marR="0" lvl="0" indent="0" algn="l" defTabSz="914400" rtl="0" eaLnBrk="1" fontAlgn="base" latinLnBrk="0" hangingPunct="1">
-                        <a:lnSpc>
-                          <a:spcPct val="100000"/>
-                        </a:lnSpc>
-                        <a:spcBef>
-                          <a:spcPct val="0"/>
-                        </a:spcBef>
-                        <a:spcAft>
-                          <a:spcPct val="0"/>
-                        </a:spcAft>
-                        <a:buClrTx/>
-                        <a:buSzTx/>
-                        <a:buFontTx/>
-                        <a:buNone/>
-                        <a:tabLst/>
-                      </a:pPr>
-                      <a:r>
-                        <a:rPr kumimoji="0" lang="en-CA" altLang="ja-JP" sz="1800" b="0" i="0" u="none" strike="noStrike" cap="none" normalizeH="0" baseline="0" smtClean="0">
-                          <a:ln>
-                            <a:noFill/>
-                          </a:ln>
-                          <a:solidFill>
-                            <a:srgbClr val="000000"/>
-                          </a:solidFill>
-                          <a:effectLst/>
-                          <a:latin typeface="Calibri" pitchFamily="34" charset="0"/>
-                          <a:ea typeface="ＭＳ Ｐゴシック" charset="-128"/>
-                        </a:rPr>
-                        <a:t>C</a:t>
-                      </a:r>
-                      <a:r>
-                        <a:rPr kumimoji="0" lang="ja-JP" altLang="en-US" sz="1800" b="0" i="0" u="none" strike="noStrike" cap="none" normalizeH="0" baseline="0" smtClean="0">
-                          <a:ln>
-                            <a:noFill/>
-                          </a:ln>
-                          <a:solidFill>
-                            <a:srgbClr val="000000"/>
-                          </a:solidFill>
-                          <a:effectLst/>
-                          <a:latin typeface="Calibri" pitchFamily="34" charset="0"/>
-                          <a:ea typeface="ＭＳ Ｐゴシック" charset="-128"/>
-                        </a:rPr>
-                        <a:t>（プログラミング）</a:t>
-                      </a:r>
-                      <a:r>
-                        <a:rPr kumimoji="0" lang="en-CA" altLang="ja-JP" sz="1800" b="0" i="0" u="none" strike="noStrike" cap="none" normalizeH="0" baseline="0" smtClean="0">
-                          <a:ln>
-                            <a:noFill/>
-                          </a:ln>
-                          <a:solidFill>
-                            <a:srgbClr val="000000"/>
-                          </a:solidFill>
-                          <a:effectLst/>
-                          <a:latin typeface="Calibri" pitchFamily="34" charset="0"/>
-                          <a:ea typeface="ＭＳ Ｐゴシック" charset="-128"/>
-                        </a:rPr>
-                        <a:t>,UML</a:t>
-                      </a:r>
-                      <a:r>
-                        <a:rPr kumimoji="0" lang="ja-JP" altLang="en-US" sz="1800" b="0" i="0" u="none" strike="noStrike" cap="none" normalizeH="0" baseline="0" smtClean="0">
-                          <a:ln>
-                            <a:noFill/>
-                          </a:ln>
-                          <a:solidFill>
-                            <a:srgbClr val="000000"/>
-                          </a:solidFill>
-                          <a:effectLst/>
-                          <a:latin typeface="Calibri" pitchFamily="34" charset="0"/>
-                          <a:ea typeface="ＭＳ Ｐゴシック" charset="-128"/>
-                        </a:rPr>
-                        <a:t>（モデリングデザイン）</a:t>
-                      </a:r>
-                      <a:r>
-                        <a:rPr kumimoji="0" lang="en-CA" altLang="ja-JP" sz="1800" b="0" i="0" u="none" strike="noStrike" cap="none" normalizeH="0" baseline="0" smtClean="0">
-                          <a:ln>
-                            <a:noFill/>
-                          </a:ln>
-                          <a:solidFill>
-                            <a:srgbClr val="000000"/>
-                          </a:solidFill>
-                          <a:effectLst/>
-                          <a:latin typeface="Calibri" pitchFamily="34" charset="0"/>
-                          <a:ea typeface="ＭＳ Ｐゴシック" charset="-128"/>
-                        </a:rPr>
-                        <a:t>,</a:t>
-                      </a:r>
-                      <a:r>
-                        <a:rPr kumimoji="0" lang="ja-JP" altLang="en-US" sz="1800" b="0" i="0" u="none" strike="noStrike" cap="none" normalizeH="0" baseline="0" smtClean="0">
-                          <a:ln>
-                            <a:noFill/>
-                          </a:ln>
-                          <a:solidFill>
-                            <a:srgbClr val="000000"/>
-                          </a:solidFill>
-                          <a:effectLst/>
-                          <a:latin typeface="Calibri" pitchFamily="34" charset="0"/>
-                          <a:ea typeface="ＭＳ Ｐゴシック" charset="-128"/>
-                        </a:rPr>
-                        <a:t>デザイン、コミュニケーション能力、積極性、</a:t>
-                      </a:r>
-                      <a:endParaRPr kumimoji="0" lang="en-CA" sz="1800" b="0" i="0" u="none" strike="noStrike" cap="none" normalizeH="0" baseline="0" smtClean="0">
-                        <a:ln>
-                          <a:noFill/>
-                        </a:ln>
-                        <a:solidFill>
-                          <a:srgbClr val="000000"/>
-                        </a:solidFill>
-                        <a:effectLst/>
-                        <a:latin typeface="Calibri" pitchFamily="34" charset="0"/>
-                      </a:endParaRPr>
-                    </a:p>
-                  </a:txBody>
-                  <a:tcPr horzOverflow="overflow">
-                    <a:lnL w="12700" cap="flat" cmpd="sng" algn="ctr">
-                      <a:solidFill>
-                        <a:schemeClr val="bg1"/>
-                      </a:solidFill>
-                      <a:prstDash val="solid"/>
-                      <a:round/>
-                      <a:headEnd type="none" w="med" len="med"/>
-                      <a:tailEnd type="none" w="med" len="med"/>
-                    </a:lnL>
-                    <a:lnR w="12700" cap="flat" cmpd="sng" algn="ctr">
-                      <a:solidFill>
-                        <a:schemeClr val="bg1"/>
-                      </a:solidFill>
-                      <a:prstDash val="solid"/>
-                      <a:round/>
-                      <a:headEnd type="none" w="med" len="med"/>
-                      <a:tailEnd type="none" w="med" len="med"/>
-                    </a:lnR>
-                    <a:lnT w="12700" cap="flat" cmpd="sng" algn="ctr">
-                      <a:solidFill>
-                        <a:schemeClr val="bg1"/>
-                      </a:solidFill>
-                      <a:prstDash val="solid"/>
-                      <a:round/>
-                      <a:headEnd type="none" w="med" len="med"/>
-                      <a:tailEnd type="none" w="med" len="med"/>
-                    </a:lnT>
-                    <a:lnB w="12700" cap="flat" cmpd="sng" algn="ctr">
-                      <a:solidFill>
-                        <a:schemeClr val="bg1"/>
-                      </a:solidFill>
-                      <a:prstDash val="solid"/>
-                      <a:round/>
-                      <a:headEnd type="none" w="med" len="med"/>
-                      <a:tailEnd type="none" w="med" len="med"/>
-                    </a:lnB>
-                    <a:lnTlToBr>
-                      <a:noFill/>
-                    </a:lnTlToBr>
-                    <a:lnBlToTr>
-                      <a:noFill/>
-                    </a:lnBlToTr>
-                    <a:solidFill>
-                      <a:srgbClr val="E9EDF4"/>
-                    </a:solidFill>
-                  </a:tcPr>
-                </a:tc>
-              </a:tr>
-              <a:tr h="371475">
-                <a:tc>
-                  <a:txBody>
-                    <a:bodyPr/>
-                    <a:lstStyle/>
-                    <a:p>
-                      <a:pPr marL="0" marR="0" lvl="0" indent="0" algn="l" defTabSz="914400" rtl="0" eaLnBrk="1" fontAlgn="base" latinLnBrk="0" hangingPunct="1">
-                        <a:lnSpc>
-                          <a:spcPct val="100000"/>
-                        </a:lnSpc>
-                        <a:spcBef>
-                          <a:spcPct val="0"/>
-                        </a:spcBef>
-                        <a:spcAft>
-                          <a:spcPct val="0"/>
-                        </a:spcAft>
-                        <a:buClrTx/>
-                        <a:buSzTx/>
-                        <a:buFontTx/>
-                        <a:buNone/>
-                        <a:tabLst/>
-                      </a:pPr>
-                      <a:endParaRPr kumimoji="0" lang="en-CA" altLang="ja-JP" sz="1800" b="0" i="0" u="none" strike="noStrike" cap="none" normalizeH="0" baseline="0" smtClean="0">
-                        <a:ln>
-                          <a:noFill/>
-                        </a:ln>
-                        <a:solidFill>
-                          <a:srgbClr val="000000"/>
-                        </a:solidFill>
-                        <a:effectLst/>
-                        <a:latin typeface="Calibri" pitchFamily="34" charset="0"/>
-                        <a:ea typeface="ＭＳ Ｐゴシック" charset="-128"/>
-                      </a:endParaRPr>
-                    </a:p>
-                  </a:txBody>
-                  <a:tcPr horzOverflow="overflow">
-                    <a:lnL w="12700" cap="flat" cmpd="sng" algn="ctr">
-                      <a:solidFill>
-                        <a:schemeClr val="bg1"/>
-                      </a:solidFill>
-                      <a:prstDash val="solid"/>
-                      <a:round/>
-                      <a:headEnd type="none" w="med" len="med"/>
-                      <a:tailEnd type="none" w="med" len="med"/>
-                    </a:lnL>
-                    <a:lnR w="12700" cap="flat" cmpd="sng" algn="ctr">
-                      <a:solidFill>
-                        <a:schemeClr val="bg1"/>
-                      </a:solidFill>
-                      <a:prstDash val="solid"/>
-                      <a:round/>
-                      <a:headEnd type="none" w="med" len="med"/>
-                      <a:tailEnd type="none" w="med" len="med"/>
-                    </a:lnR>
-                    <a:lnT w="12700" cap="flat" cmpd="sng" algn="ctr">
-                      <a:solidFill>
-                        <a:schemeClr val="bg1"/>
-                      </a:solidFill>
-                      <a:prstDash val="solid"/>
-                      <a:round/>
-                      <a:headEnd type="none" w="med" len="med"/>
-                      <a:tailEnd type="none" w="med" len="med"/>
-                    </a:lnT>
-                    <a:lnB w="12700" cap="flat" cmpd="sng" algn="ctr">
-                      <a:solidFill>
-                        <a:schemeClr val="bg1"/>
-                      </a:solidFill>
-                      <a:prstDash val="solid"/>
-                      <a:round/>
-                      <a:headEnd type="none" w="med" len="med"/>
-                      <a:tailEnd type="none" w="med" len="med"/>
-                    </a:lnB>
-                    <a:lnTlToBr>
-                      <a:noFill/>
-                    </a:lnTlToBr>
-                    <a:lnBlToTr>
-                      <a:noFill/>
-                    </a:lnBlToTr>
-                    <a:solidFill>
-                      <a:srgbClr val="D0D8E8"/>
-                    </a:solidFill>
-                  </a:tcPr>
-                </a:tc>
-                <a:tc>
-                  <a:txBody>
-                    <a:bodyPr/>
-                    <a:lstStyle/>
-                    <a:p>
-                      <a:pPr marL="0" marR="0" lvl="0" indent="0" algn="l" defTabSz="914400" rtl="0" eaLnBrk="1" fontAlgn="base" latinLnBrk="0" hangingPunct="1">
-                        <a:lnSpc>
-                          <a:spcPct val="100000"/>
-                        </a:lnSpc>
-                        <a:spcBef>
-                          <a:spcPct val="0"/>
-                        </a:spcBef>
-                        <a:spcAft>
-                          <a:spcPct val="0"/>
-                        </a:spcAft>
-                        <a:buClrTx/>
-                        <a:buSzTx/>
-                        <a:buFontTx/>
-                        <a:buNone/>
-                        <a:tabLst/>
-                      </a:pPr>
-                      <a:endParaRPr kumimoji="0" lang="en-CA" altLang="ja-JP" sz="1800" b="0" i="0" u="none" strike="noStrike" cap="none" normalizeH="0" baseline="0" smtClean="0">
-                        <a:ln>
-                          <a:noFill/>
-                        </a:ln>
-                        <a:solidFill>
-                          <a:srgbClr val="000000"/>
-                        </a:solidFill>
-                        <a:effectLst/>
-                        <a:latin typeface="Calibri" pitchFamily="34" charset="0"/>
-                        <a:ea typeface="ＭＳ Ｐゴシック" charset="-128"/>
-                      </a:endParaRPr>
-                    </a:p>
-                  </a:txBody>
-                  <a:tcPr horzOverflow="overflow">
-                    <a:lnL w="12700" cap="flat" cmpd="sng" algn="ctr">
-                      <a:solidFill>
-                        <a:schemeClr val="bg1"/>
-                      </a:solidFill>
-                      <a:prstDash val="solid"/>
-                      <a:round/>
-                      <a:headEnd type="none" w="med" len="med"/>
-                      <a:tailEnd type="none" w="med" len="med"/>
-                    </a:lnL>
-                    <a:lnR w="12700" cap="flat" cmpd="sng" algn="ctr">
-                      <a:solidFill>
-                        <a:schemeClr val="bg1"/>
-                      </a:solidFill>
-                      <a:prstDash val="solid"/>
-                      <a:round/>
-                      <a:headEnd type="none" w="med" len="med"/>
-                      <a:tailEnd type="none" w="med" len="med"/>
-                    </a:lnR>
-                    <a:lnT w="12700" cap="flat" cmpd="sng" algn="ctr">
-                      <a:solidFill>
-                        <a:schemeClr val="bg1"/>
-                      </a:solidFill>
-                      <a:prstDash val="solid"/>
-                      <a:round/>
-                      <a:headEnd type="none" w="med" len="med"/>
-                      <a:tailEnd type="none" w="med" len="med"/>
-                    </a:lnT>
-                    <a:lnB w="12700" cap="flat" cmpd="sng" algn="ctr">
-                      <a:solidFill>
-                        <a:schemeClr val="bg1"/>
-                      </a:solidFill>
-                      <a:prstDash val="solid"/>
-                      <a:round/>
-                      <a:headEnd type="none" w="med" len="med"/>
-                      <a:tailEnd type="none" w="med" len="med"/>
-                    </a:lnB>
-                    <a:lnTlToBr>
-                      <a:noFill/>
-                    </a:lnTlToBr>
-                    <a:lnBlToTr>
-                      <a:noFill/>
-                    </a:lnBlToTr>
-                    <a:solidFill>
-                      <a:srgbClr val="D0D8E8"/>
-                    </a:solidFill>
-                  </a:tcPr>
-                </a:tc>
-                <a:tc>
-                  <a:txBody>
-                    <a:bodyPr/>
-                    <a:lstStyle/>
-                    <a:p>
-                      <a:pPr marL="0" marR="0" lvl="0" indent="0" algn="l" defTabSz="914400" rtl="0" eaLnBrk="1" fontAlgn="base" latinLnBrk="0" hangingPunct="1">
-                        <a:lnSpc>
-                          <a:spcPct val="100000"/>
-                        </a:lnSpc>
-                        <a:spcBef>
-                          <a:spcPct val="0"/>
-                        </a:spcBef>
-                        <a:spcAft>
-                          <a:spcPct val="0"/>
-                        </a:spcAft>
-                        <a:buClrTx/>
-                        <a:buSzTx/>
-                        <a:buFontTx/>
-                        <a:buNone/>
-                        <a:tabLst/>
-                      </a:pPr>
-                      <a:endParaRPr kumimoji="0" lang="en-CA" altLang="ja-JP" sz="1800" b="0" i="0" u="none" strike="noStrike" cap="none" normalizeH="0" baseline="0" smtClean="0">
-                        <a:ln>
-                          <a:noFill/>
-                        </a:ln>
-                        <a:solidFill>
-                          <a:srgbClr val="000000"/>
-                        </a:solidFill>
-                        <a:effectLst/>
-                        <a:latin typeface="Calibri" pitchFamily="34" charset="0"/>
-                        <a:ea typeface="ＭＳ Ｐゴシック" charset="-128"/>
-                      </a:endParaRPr>
-                    </a:p>
-                  </a:txBody>
-                  <a:tcPr horzOverflow="overflow">
-                    <a:lnL w="12700" cap="flat" cmpd="sng" algn="ctr">
-                      <a:solidFill>
-                        <a:schemeClr val="bg1"/>
-                      </a:solidFill>
-                      <a:prstDash val="solid"/>
-                      <a:round/>
-                      <a:headEnd type="none" w="med" len="med"/>
-                      <a:tailEnd type="none" w="med" len="med"/>
-                    </a:lnL>
-                    <a:lnR w="12700" cap="flat" cmpd="sng" algn="ctr">
-                      <a:solidFill>
-                        <a:schemeClr val="bg1"/>
-                      </a:solidFill>
-                      <a:prstDash val="solid"/>
-                      <a:round/>
-                      <a:headEnd type="none" w="med" len="med"/>
-                      <a:tailEnd type="none" w="med" len="med"/>
-                    </a:lnR>
-                    <a:lnT w="12700" cap="flat" cmpd="sng" algn="ctr">
-                      <a:solidFill>
-                        <a:schemeClr val="bg1"/>
-                      </a:solidFill>
-                      <a:prstDash val="solid"/>
-                      <a:round/>
-                      <a:headEnd type="none" w="med" len="med"/>
-                      <a:tailEnd type="none" w="med" len="med"/>
-                    </a:lnT>
-                    <a:lnB w="12700" cap="flat" cmpd="sng" algn="ctr">
-                      <a:solidFill>
-                        <a:schemeClr val="bg1"/>
-                      </a:solidFill>
-                      <a:prstDash val="solid"/>
-                      <a:round/>
-                      <a:headEnd type="none" w="med" len="med"/>
-                      <a:tailEnd type="none" w="med" len="med"/>
-                    </a:lnB>
-                    <a:lnTlToBr>
-                      <a:noFill/>
-                    </a:lnTlToBr>
-                    <a:lnBlToTr>
-                      <a:noFill/>
-                    </a:lnBlToTr>
-                    <a:solidFill>
-                      <a:srgbClr val="D0D8E8"/>
-                    </a:solidFill>
-                  </a:tcPr>
-                </a:tc>
-              </a:tr>
-              <a:tr h="371475">
-                <a:tc>
-                  <a:txBody>
-                    <a:bodyPr/>
-                    <a:lstStyle/>
-                    <a:p>
-                      <a:pPr marL="0" marR="0" lvl="0" indent="0" algn="l" defTabSz="914400" rtl="0" eaLnBrk="1" fontAlgn="base" latinLnBrk="0" hangingPunct="1">
-                        <a:lnSpc>
-                          <a:spcPct val="100000"/>
-                        </a:lnSpc>
-                        <a:spcBef>
-                          <a:spcPct val="0"/>
-                        </a:spcBef>
-                        <a:spcAft>
-                          <a:spcPct val="0"/>
-                        </a:spcAft>
-                        <a:buClrTx/>
-                        <a:buSzTx/>
-                        <a:buFontTx/>
-                        <a:buNone/>
-                        <a:tabLst/>
-                      </a:pPr>
-                      <a:endParaRPr kumimoji="0" lang="en-CA" altLang="ja-JP" sz="1800" b="0" i="0" u="none" strike="noStrike" cap="none" normalizeH="0" baseline="0" smtClean="0">
-                        <a:ln>
-                          <a:noFill/>
-                        </a:ln>
-                        <a:solidFill>
-                          <a:srgbClr val="000000"/>
-                        </a:solidFill>
-                        <a:effectLst/>
-                        <a:latin typeface="Calibri" pitchFamily="34" charset="0"/>
-                        <a:ea typeface="ＭＳ Ｐゴシック" charset="-128"/>
-                      </a:endParaRPr>
-                    </a:p>
-                  </a:txBody>
-                  <a:tcPr horzOverflow="overflow">
-                    <a:lnL w="12700" cap="flat" cmpd="sng" algn="ctr">
-                      <a:solidFill>
-                        <a:schemeClr val="bg1"/>
-                      </a:solidFill>
-                      <a:prstDash val="solid"/>
-                      <a:round/>
-                      <a:headEnd type="none" w="med" len="med"/>
-                      <a:tailEnd type="none" w="med" len="med"/>
-                    </a:lnL>
-                    <a:lnR w="12700" cap="flat" cmpd="sng" algn="ctr">
-                      <a:solidFill>
-                        <a:schemeClr val="bg1"/>
-                      </a:solidFill>
-                      <a:prstDash val="solid"/>
-                      <a:round/>
-                      <a:headEnd type="none" w="med" len="med"/>
-                      <a:tailEnd type="none" w="med" len="med"/>
-                    </a:lnR>
-                    <a:lnT w="12700" cap="flat" cmpd="sng" algn="ctr">
-                      <a:solidFill>
-                        <a:schemeClr val="bg1"/>
-                      </a:solidFill>
-                      <a:prstDash val="solid"/>
-                      <a:round/>
-                      <a:headEnd type="none" w="med" len="med"/>
-                      <a:tailEnd type="none" w="med" len="med"/>
-                    </a:lnT>
-                    <a:lnB w="12700" cap="flat" cmpd="sng" algn="ctr">
-                      <a:solidFill>
-                        <a:schemeClr val="bg1"/>
-                      </a:solidFill>
-                      <a:prstDash val="solid"/>
-                      <a:round/>
-                      <a:headEnd type="none" w="med" len="med"/>
-                      <a:tailEnd type="none" w="med" len="med"/>
-                    </a:lnB>
-                    <a:lnTlToBr>
-                      <a:noFill/>
-                    </a:lnTlToBr>
-                    <a:lnBlToTr>
-                      <a:noFill/>
-                    </a:lnBlToTr>
-                    <a:solidFill>
-                      <a:srgbClr val="E9EDF4"/>
-                    </a:solidFill>
-                  </a:tcPr>
-                </a:tc>
-                <a:tc>
-                  <a:txBody>
-                    <a:bodyPr/>
-                    <a:lstStyle/>
-                    <a:p>
-                      <a:pPr marL="0" marR="0" lvl="0" indent="0" algn="l" defTabSz="914400" rtl="0" eaLnBrk="1" fontAlgn="base" latinLnBrk="0" hangingPunct="1">
-                        <a:lnSpc>
-                          <a:spcPct val="100000"/>
-                        </a:lnSpc>
-                        <a:spcBef>
-                          <a:spcPct val="0"/>
-                        </a:spcBef>
-                        <a:spcAft>
-                          <a:spcPct val="0"/>
-                        </a:spcAft>
-                        <a:buClrTx/>
-                        <a:buSzTx/>
-                        <a:buFontTx/>
-                        <a:buNone/>
-                        <a:tabLst/>
-                      </a:pPr>
-                      <a:endParaRPr kumimoji="0" lang="en-CA" altLang="ja-JP" sz="1800" b="0" i="0" u="none" strike="noStrike" cap="none" normalizeH="0" baseline="0" smtClean="0">
-                        <a:ln>
-                          <a:noFill/>
-                        </a:ln>
-                        <a:solidFill>
-                          <a:srgbClr val="000000"/>
-                        </a:solidFill>
-                        <a:effectLst/>
-                        <a:latin typeface="Calibri" pitchFamily="34" charset="0"/>
-                        <a:ea typeface="ＭＳ Ｐゴシック" charset="-128"/>
-                      </a:endParaRPr>
-                    </a:p>
-                  </a:txBody>
-                  <a:tcPr horzOverflow="overflow">
-                    <a:lnL w="12700" cap="flat" cmpd="sng" algn="ctr">
-                      <a:solidFill>
-                        <a:schemeClr val="bg1"/>
-                      </a:solidFill>
-                      <a:prstDash val="solid"/>
-                      <a:round/>
-                      <a:headEnd type="none" w="med" len="med"/>
-                      <a:tailEnd type="none" w="med" len="med"/>
-                    </a:lnL>
-                    <a:lnR w="12700" cap="flat" cmpd="sng" algn="ctr">
-                      <a:solidFill>
-                        <a:schemeClr val="bg1"/>
-                      </a:solidFill>
-                      <a:prstDash val="solid"/>
-                      <a:round/>
-                      <a:headEnd type="none" w="med" len="med"/>
-                      <a:tailEnd type="none" w="med" len="med"/>
-                    </a:lnR>
-                    <a:lnT w="12700" cap="flat" cmpd="sng" algn="ctr">
-                      <a:solidFill>
-                        <a:schemeClr val="bg1"/>
-                      </a:solidFill>
-                      <a:prstDash val="solid"/>
-                      <a:round/>
-                      <a:headEnd type="none" w="med" len="med"/>
-                      <a:tailEnd type="none" w="med" len="med"/>
-                    </a:lnT>
-                    <a:lnB w="12700" cap="flat" cmpd="sng" algn="ctr">
-                      <a:solidFill>
-                        <a:schemeClr val="bg1"/>
-                      </a:solidFill>
-                      <a:prstDash val="solid"/>
-                      <a:round/>
-                      <a:headEnd type="none" w="med" len="med"/>
-                      <a:tailEnd type="none" w="med" len="med"/>
-                    </a:lnB>
-                    <a:lnTlToBr>
-                      <a:noFill/>
-                    </a:lnTlToBr>
-                    <a:lnBlToTr>
-                      <a:noFill/>
-                    </a:lnBlToTr>
-                    <a:solidFill>
-                      <a:srgbClr val="E9EDF4"/>
-                    </a:solidFill>
-                  </a:tcPr>
-                </a:tc>
-                <a:tc>
-                  <a:txBody>
-                    <a:bodyPr/>
-                    <a:lstStyle/>
-                    <a:p>
-                      <a:pPr marL="0" marR="0" lvl="0" indent="0" algn="l" defTabSz="914400" rtl="0" eaLnBrk="1" fontAlgn="base" latinLnBrk="0" hangingPunct="1">
-                        <a:lnSpc>
-                          <a:spcPct val="100000"/>
-                        </a:lnSpc>
-                        <a:spcBef>
-                          <a:spcPct val="0"/>
-                        </a:spcBef>
-                        <a:spcAft>
-                          <a:spcPct val="0"/>
-                        </a:spcAft>
-                        <a:buClrTx/>
-                        <a:buSzTx/>
-                        <a:buFontTx/>
-                        <a:buNone/>
-                        <a:tabLst/>
-                      </a:pPr>
-                      <a:endParaRPr kumimoji="0" lang="en-CA" altLang="ja-JP" sz="1800" b="0" i="0" u="none" strike="noStrike" cap="none" normalizeH="0" baseline="0" smtClean="0">
-                        <a:ln>
-                          <a:noFill/>
-                        </a:ln>
-                        <a:solidFill>
-                          <a:srgbClr val="000000"/>
-                        </a:solidFill>
-                        <a:effectLst/>
-                        <a:latin typeface="Calibri" pitchFamily="34" charset="0"/>
-                        <a:ea typeface="ＭＳ Ｐゴシック" charset="-128"/>
-                      </a:endParaRPr>
-                    </a:p>
-                  </a:txBody>
-                  <a:tcPr horzOverflow="overflow">
-                    <a:lnL w="12700" cap="flat" cmpd="sng" algn="ctr">
-                      <a:solidFill>
-                        <a:schemeClr val="bg1"/>
-                      </a:solidFill>
-                      <a:prstDash val="solid"/>
-                      <a:round/>
-                      <a:headEnd type="none" w="med" len="med"/>
-                      <a:tailEnd type="none" w="med" len="med"/>
-                    </a:lnL>
-                    <a:lnR w="12700" cap="flat" cmpd="sng" algn="ctr">
-                      <a:solidFill>
-                        <a:schemeClr val="bg1"/>
-                      </a:solidFill>
-                      <a:prstDash val="solid"/>
-                      <a:round/>
-                      <a:headEnd type="none" w="med" len="med"/>
-                      <a:tailEnd type="none" w="med" len="med"/>
-                    </a:lnR>
-                    <a:lnT w="12700" cap="flat" cmpd="sng" algn="ctr">
-                      <a:solidFill>
-                        <a:schemeClr val="bg1"/>
-                      </a:solidFill>
-                      <a:prstDash val="solid"/>
-                      <a:round/>
-                      <a:headEnd type="none" w="med" len="med"/>
-                      <a:tailEnd type="none" w="med" len="med"/>
-                    </a:lnT>
-                    <a:lnB w="12700" cap="flat" cmpd="sng" algn="ctr">
-                      <a:solidFill>
-                        <a:schemeClr val="bg1"/>
-                      </a:solidFill>
-                      <a:prstDash val="solid"/>
-                      <a:round/>
-                      <a:headEnd type="none" w="med" len="med"/>
-                      <a:tailEnd type="none" w="med" len="med"/>
-                    </a:lnB>
-                    <a:lnTlToBr>
-                      <a:noFill/>
-                    </a:lnTlToBr>
-                    <a:lnBlToTr>
-                      <a:noFill/>
-                    </a:lnBlToTr>
-                    <a:solidFill>
-                      <a:srgbClr val="E9EDF4"/>
-                    </a:solidFill>
-                  </a:tcPr>
-                </a:tc>
-              </a:tr>
-              <a:tr h="371475">
-                <a:tc>
-                  <a:txBody>
-                    <a:bodyPr/>
-                    <a:lstStyle/>
-                    <a:p>
-                      <a:pPr marL="0" marR="0" lvl="0" indent="0" algn="l" defTabSz="914400" rtl="0" eaLnBrk="1" fontAlgn="base" latinLnBrk="0" hangingPunct="1">
-                        <a:lnSpc>
-                          <a:spcPct val="100000"/>
-                        </a:lnSpc>
-                        <a:spcBef>
-                          <a:spcPct val="0"/>
-                        </a:spcBef>
-                        <a:spcAft>
-                          <a:spcPct val="0"/>
-                        </a:spcAft>
-                        <a:buClrTx/>
-                        <a:buSzTx/>
-                        <a:buFontTx/>
-                        <a:buNone/>
-                        <a:tabLst/>
-                      </a:pPr>
-                      <a:endParaRPr kumimoji="0" lang="en-CA" altLang="ja-JP" sz="1800" b="0" i="0" u="none" strike="noStrike" cap="none" normalizeH="0" baseline="0" smtClean="0">
-                        <a:ln>
-                          <a:noFill/>
-                        </a:ln>
-                        <a:solidFill>
-                          <a:srgbClr val="000000"/>
-                        </a:solidFill>
-                        <a:effectLst/>
-                        <a:latin typeface="Calibri" pitchFamily="34" charset="0"/>
-                        <a:ea typeface="ＭＳ Ｐゴシック" charset="-128"/>
-                      </a:endParaRPr>
-                    </a:p>
-                  </a:txBody>
-                  <a:tcPr horzOverflow="overflow">
-                    <a:lnL w="12700" cap="flat" cmpd="sng" algn="ctr">
-                      <a:solidFill>
-                        <a:schemeClr val="bg1"/>
-                      </a:solidFill>
-                      <a:prstDash val="solid"/>
-                      <a:round/>
-                      <a:headEnd type="none" w="med" len="med"/>
-                      <a:tailEnd type="none" w="med" len="med"/>
-                    </a:lnL>
-                    <a:lnR w="12700" cap="flat" cmpd="sng" algn="ctr">
-                      <a:solidFill>
-                        <a:schemeClr val="bg1"/>
-                      </a:solidFill>
-                      <a:prstDash val="solid"/>
-                      <a:round/>
-                      <a:headEnd type="none" w="med" len="med"/>
-                      <a:tailEnd type="none" w="med" len="med"/>
-                    </a:lnR>
-                    <a:lnT w="12700" cap="flat" cmpd="sng" algn="ctr">
-                      <a:solidFill>
-                        <a:schemeClr val="bg1"/>
-                      </a:solidFill>
-                      <a:prstDash val="solid"/>
-                      <a:round/>
-                      <a:headEnd type="none" w="med" len="med"/>
-                      <a:tailEnd type="none" w="med" len="med"/>
-                    </a:lnT>
-                    <a:lnB w="12700" cap="flat" cmpd="sng" algn="ctr">
-                      <a:solidFill>
-                        <a:schemeClr val="bg1"/>
-                      </a:solidFill>
-                      <a:prstDash val="solid"/>
-                      <a:round/>
-                      <a:headEnd type="none" w="med" len="med"/>
-                      <a:tailEnd type="none" w="med" len="med"/>
-                    </a:lnB>
-                    <a:lnTlToBr>
-                      <a:noFill/>
-                    </a:lnTlToBr>
-                    <a:lnBlToTr>
-                      <a:noFill/>
-                    </a:lnBlToTr>
-                    <a:solidFill>
-                      <a:srgbClr val="D0D8E8"/>
-                    </a:solidFill>
-                  </a:tcPr>
-                </a:tc>
-                <a:tc>
-                  <a:txBody>
-                    <a:bodyPr/>
-                    <a:lstStyle/>
-                    <a:p>
-                      <a:pPr marL="0" marR="0" lvl="0" indent="0" algn="l" defTabSz="914400" rtl="0" eaLnBrk="1" fontAlgn="base" latinLnBrk="0" hangingPunct="1">
-                        <a:lnSpc>
-                          <a:spcPct val="100000"/>
-                        </a:lnSpc>
-                        <a:spcBef>
-                          <a:spcPct val="0"/>
-                        </a:spcBef>
-                        <a:spcAft>
-                          <a:spcPct val="0"/>
-                        </a:spcAft>
-                        <a:buClrTx/>
-                        <a:buSzTx/>
-                        <a:buFontTx/>
-                        <a:buNone/>
-                        <a:tabLst/>
-                      </a:pPr>
-                      <a:endParaRPr kumimoji="0" lang="en-CA" altLang="ja-JP" sz="1800" b="0" i="0" u="none" strike="noStrike" cap="none" normalizeH="0" baseline="0" smtClean="0">
-                        <a:ln>
-                          <a:noFill/>
-                        </a:ln>
-                        <a:solidFill>
-                          <a:srgbClr val="000000"/>
-                        </a:solidFill>
-                        <a:effectLst/>
-                        <a:latin typeface="Calibri" pitchFamily="34" charset="0"/>
-                        <a:ea typeface="ＭＳ Ｐゴシック" charset="-128"/>
-                      </a:endParaRPr>
-                    </a:p>
-                  </a:txBody>
-                  <a:tcPr horzOverflow="overflow">
-                    <a:lnL w="12700" cap="flat" cmpd="sng" algn="ctr">
-                      <a:solidFill>
-                        <a:schemeClr val="bg1"/>
-                      </a:solidFill>
-                      <a:prstDash val="solid"/>
-                      <a:round/>
-                      <a:headEnd type="none" w="med" len="med"/>
-                      <a:tailEnd type="none" w="med" len="med"/>
-                    </a:lnL>
-                    <a:lnR w="12700" cap="flat" cmpd="sng" algn="ctr">
-                      <a:solidFill>
-                        <a:schemeClr val="bg1"/>
-                      </a:solidFill>
-                      <a:prstDash val="solid"/>
-                      <a:round/>
-                      <a:headEnd type="none" w="med" len="med"/>
-                      <a:tailEnd type="none" w="med" len="med"/>
-                    </a:lnR>
-                    <a:lnT w="12700" cap="flat" cmpd="sng" algn="ctr">
-                      <a:solidFill>
-                        <a:schemeClr val="bg1"/>
-                      </a:solidFill>
-                      <a:prstDash val="solid"/>
-                      <a:round/>
-                      <a:headEnd type="none" w="med" len="med"/>
-                      <a:tailEnd type="none" w="med" len="med"/>
-                    </a:lnT>
-                    <a:lnB w="12700" cap="flat" cmpd="sng" algn="ctr">
-                      <a:solidFill>
-                        <a:schemeClr val="bg1"/>
-                      </a:solidFill>
-                      <a:prstDash val="solid"/>
-                      <a:round/>
-                      <a:headEnd type="none" w="med" len="med"/>
-                      <a:tailEnd type="none" w="med" len="med"/>
-                    </a:lnB>
-                    <a:lnTlToBr>
-                      <a:noFill/>
-                    </a:lnTlToBr>
-                    <a:lnBlToTr>
-                      <a:noFill/>
-                    </a:lnBlToTr>
-                    <a:solidFill>
-                      <a:srgbClr val="D0D8E8"/>
-                    </a:solidFill>
-                  </a:tcPr>
-                </a:tc>
-                <a:tc>
-                  <a:txBody>
-                    <a:bodyPr/>
-                    <a:lstStyle/>
-                    <a:p>
-                      <a:pPr marL="0" marR="0" lvl="0" indent="0" algn="l" defTabSz="914400" rtl="0" eaLnBrk="1" fontAlgn="base" latinLnBrk="0" hangingPunct="1">
-                        <a:lnSpc>
-                          <a:spcPct val="100000"/>
-                        </a:lnSpc>
-                        <a:spcBef>
-                          <a:spcPct val="0"/>
-                        </a:spcBef>
-                        <a:spcAft>
-                          <a:spcPct val="0"/>
-                        </a:spcAft>
-                        <a:buClrTx/>
-                        <a:buSzTx/>
-                        <a:buFontTx/>
-                        <a:buNone/>
-                        <a:tabLst/>
-                      </a:pPr>
-                      <a:endParaRPr kumimoji="0" lang="en-CA" altLang="ja-JP" sz="1800" b="0" i="0" u="none" strike="noStrike" cap="none" normalizeH="0" baseline="0" smtClean="0">
-                        <a:ln>
-                          <a:noFill/>
-                        </a:ln>
-                        <a:solidFill>
-                          <a:srgbClr val="000000"/>
-                        </a:solidFill>
-                        <a:effectLst/>
-                        <a:latin typeface="Calibri" pitchFamily="34" charset="0"/>
-                        <a:ea typeface="ＭＳ Ｐゴシック" charset="-128"/>
-                      </a:endParaRPr>
-                    </a:p>
-                  </a:txBody>
-                  <a:tcPr horzOverflow="overflow">
-                    <a:lnL w="12700" cap="flat" cmpd="sng" algn="ctr">
-                      <a:solidFill>
-                        <a:schemeClr val="bg1"/>
-                      </a:solidFill>
-                      <a:prstDash val="solid"/>
-                      <a:round/>
-                      <a:headEnd type="none" w="med" len="med"/>
-                      <a:tailEnd type="none" w="med" len="med"/>
-                    </a:lnL>
-                    <a:lnR w="12700" cap="flat" cmpd="sng" algn="ctr">
-                      <a:solidFill>
-                        <a:schemeClr val="bg1"/>
-                      </a:solidFill>
-                      <a:prstDash val="solid"/>
-                      <a:round/>
-                      <a:headEnd type="none" w="med" len="med"/>
-                      <a:tailEnd type="none" w="med" len="med"/>
-                    </a:lnR>
-                    <a:lnT w="12700" cap="flat" cmpd="sng" algn="ctr">
-                      <a:solidFill>
-                        <a:schemeClr val="bg1"/>
-                      </a:solidFill>
-                      <a:prstDash val="solid"/>
-                      <a:round/>
-                      <a:headEnd type="none" w="med" len="med"/>
-                      <a:tailEnd type="none" w="med" len="med"/>
-                    </a:lnT>
-                    <a:lnB w="12700" cap="flat" cmpd="sng" algn="ctr">
-                      <a:solidFill>
-                        <a:schemeClr val="bg1"/>
-                      </a:solidFill>
-                      <a:prstDash val="solid"/>
-                      <a:round/>
-                      <a:headEnd type="none" w="med" len="med"/>
-                      <a:tailEnd type="none" w="med" len="med"/>
-                    </a:lnB>
-                    <a:lnTlToBr>
-                      <a:noFill/>
-                    </a:lnTlToBr>
-                    <a:lnBlToTr>
-                      <a:noFill/>
-                    </a:lnBlToTr>
-                    <a:solidFill>
-                      <a:srgbClr val="D0D8E8"/>
-                    </a:solidFill>
-                  </a:tcPr>
-                </a:tc>
-              </a:tr>
-              <a:tr h="371475">
-                <a:tc>
-                  <a:txBody>
-                    <a:bodyPr/>
-                    <a:lstStyle/>
-                    <a:p>
-                      <a:pPr marL="0" marR="0" lvl="0" indent="0" algn="l" defTabSz="914400" rtl="0" eaLnBrk="1" fontAlgn="base" latinLnBrk="0" hangingPunct="1">
-                        <a:lnSpc>
-                          <a:spcPct val="100000"/>
-                        </a:lnSpc>
-                        <a:spcBef>
-                          <a:spcPct val="0"/>
-                        </a:spcBef>
-                        <a:spcAft>
-                          <a:spcPct val="0"/>
-                        </a:spcAft>
-                        <a:buClrTx/>
-                        <a:buSzTx/>
-                        <a:buFontTx/>
-                        <a:buNone/>
-                        <a:tabLst/>
-                      </a:pPr>
-                      <a:endParaRPr kumimoji="0" lang="en-CA" altLang="ja-JP" sz="1800" b="0" i="0" u="none" strike="noStrike" cap="none" normalizeH="0" baseline="0" smtClean="0">
-                        <a:ln>
-                          <a:noFill/>
-                        </a:ln>
-                        <a:solidFill>
-                          <a:srgbClr val="000000"/>
-                        </a:solidFill>
-                        <a:effectLst/>
-                        <a:latin typeface="Calibri" pitchFamily="34" charset="0"/>
-                        <a:ea typeface="ＭＳ Ｐゴシック" charset="-128"/>
-                      </a:endParaRPr>
-                    </a:p>
-                  </a:txBody>
-                  <a:tcPr horzOverflow="overflow">
-                    <a:lnL w="12700" cap="flat" cmpd="sng" algn="ctr">
-                      <a:solidFill>
-                        <a:schemeClr val="bg1"/>
-                      </a:solidFill>
-                      <a:prstDash val="solid"/>
-                      <a:round/>
-                      <a:headEnd type="none" w="med" len="med"/>
-                      <a:tailEnd type="none" w="med" len="med"/>
-                    </a:lnL>
-                    <a:lnR w="12700" cap="flat" cmpd="sng" algn="ctr">
-                      <a:solidFill>
-                        <a:schemeClr val="bg1"/>
-                      </a:solidFill>
-                      <a:prstDash val="solid"/>
-                      <a:round/>
-                      <a:headEnd type="none" w="med" len="med"/>
-                      <a:tailEnd type="none" w="med" len="med"/>
-                    </a:lnR>
-                    <a:lnT w="12700" cap="flat" cmpd="sng" algn="ctr">
-                      <a:solidFill>
-                        <a:schemeClr val="bg1"/>
-                      </a:solidFill>
-                      <a:prstDash val="solid"/>
-                      <a:round/>
-                      <a:headEnd type="none" w="med" len="med"/>
-                      <a:tailEnd type="none" w="med" len="med"/>
-                    </a:lnT>
-                    <a:lnB w="12700" cap="flat" cmpd="sng" algn="ctr">
-                      <a:solidFill>
-                        <a:schemeClr val="bg1"/>
-                      </a:solidFill>
-                      <a:prstDash val="solid"/>
-                      <a:round/>
-                      <a:headEnd type="none" w="med" len="med"/>
-                      <a:tailEnd type="none" w="med" len="med"/>
-                    </a:lnB>
-                    <a:lnTlToBr>
-                      <a:noFill/>
-                    </a:lnTlToBr>
-                    <a:lnBlToTr>
-                      <a:noFill/>
-                    </a:lnBlToTr>
-                    <a:solidFill>
-                      <a:srgbClr val="E9EDF4"/>
-                    </a:solidFill>
-                  </a:tcPr>
-                </a:tc>
-                <a:tc>
-                  <a:txBody>
-                    <a:bodyPr/>
-                    <a:lstStyle/>
-                    <a:p>
-                      <a:pPr marL="0" marR="0" lvl="0" indent="0" algn="l" defTabSz="914400" rtl="0" eaLnBrk="1" fontAlgn="base" latinLnBrk="0" hangingPunct="1">
-                        <a:lnSpc>
-                          <a:spcPct val="100000"/>
-                        </a:lnSpc>
-                        <a:spcBef>
-                          <a:spcPct val="0"/>
-                        </a:spcBef>
-                        <a:spcAft>
-                          <a:spcPct val="0"/>
-                        </a:spcAft>
-                        <a:buClrTx/>
-                        <a:buSzTx/>
-                        <a:buFontTx/>
-                        <a:buNone/>
-                        <a:tabLst/>
-                      </a:pPr>
-                      <a:endParaRPr kumimoji="0" lang="en-CA" altLang="ja-JP" sz="1800" b="0" i="0" u="none" strike="noStrike" cap="none" normalizeH="0" baseline="0" smtClean="0">
-                        <a:ln>
-                          <a:noFill/>
-                        </a:ln>
-                        <a:solidFill>
-                          <a:srgbClr val="000000"/>
-                        </a:solidFill>
-                        <a:effectLst/>
-                        <a:latin typeface="Calibri" pitchFamily="34" charset="0"/>
-                        <a:ea typeface="ＭＳ Ｐゴシック" charset="-128"/>
-                      </a:endParaRPr>
-                    </a:p>
-                  </a:txBody>
-                  <a:tcPr horzOverflow="overflow">
-                    <a:lnL w="12700" cap="flat" cmpd="sng" algn="ctr">
-                      <a:solidFill>
-                        <a:schemeClr val="bg1"/>
-                      </a:solidFill>
-                      <a:prstDash val="solid"/>
-                      <a:round/>
-                      <a:headEnd type="none" w="med" len="med"/>
-                      <a:tailEnd type="none" w="med" len="med"/>
-                    </a:lnL>
-                    <a:lnR w="12700" cap="flat" cmpd="sng" algn="ctr">
-                      <a:solidFill>
-                        <a:schemeClr val="bg1"/>
-                      </a:solidFill>
-                      <a:prstDash val="solid"/>
-                      <a:round/>
-                      <a:headEnd type="none" w="med" len="med"/>
-                      <a:tailEnd type="none" w="med" len="med"/>
-                    </a:lnR>
-                    <a:lnT w="12700" cap="flat" cmpd="sng" algn="ctr">
-                      <a:solidFill>
-                        <a:schemeClr val="bg1"/>
-                      </a:solidFill>
-                      <a:prstDash val="solid"/>
-                      <a:round/>
-                      <a:headEnd type="none" w="med" len="med"/>
-                      <a:tailEnd type="none" w="med" len="med"/>
-                    </a:lnT>
-                    <a:lnB w="12700" cap="flat" cmpd="sng" algn="ctr">
-                      <a:solidFill>
-                        <a:schemeClr val="bg1"/>
-                      </a:solidFill>
-                      <a:prstDash val="solid"/>
-                      <a:round/>
-                      <a:headEnd type="none" w="med" len="med"/>
-                      <a:tailEnd type="none" w="med" len="med"/>
-                    </a:lnB>
-                    <a:lnTlToBr>
-                      <a:noFill/>
-                    </a:lnTlToBr>
-                    <a:lnBlToTr>
-                      <a:noFill/>
-                    </a:lnBlToTr>
-                    <a:solidFill>
-                      <a:srgbClr val="E9EDF4"/>
-                    </a:solidFill>
-                  </a:tcPr>
-                </a:tc>
-                <a:tc>
-                  <a:txBody>
-                    <a:bodyPr/>
-                    <a:lstStyle/>
-                    <a:p>
-                      <a:pPr marL="0" marR="0" lvl="0" indent="0" algn="l" defTabSz="914400" rtl="0" eaLnBrk="1" fontAlgn="base" latinLnBrk="0" hangingPunct="1">
-                        <a:lnSpc>
-                          <a:spcPct val="100000"/>
-                        </a:lnSpc>
-                        <a:spcBef>
-                          <a:spcPct val="0"/>
-                        </a:spcBef>
-                        <a:spcAft>
-                          <a:spcPct val="0"/>
-                        </a:spcAft>
-                        <a:buClrTx/>
-                        <a:buSzTx/>
-                        <a:buFontTx/>
-                        <a:buNone/>
-                        <a:tabLst/>
-                      </a:pPr>
-                      <a:endParaRPr kumimoji="0" lang="en-CA" altLang="ja-JP" sz="1800" b="0" i="0" u="none" strike="noStrike" cap="none" normalizeH="0" baseline="0" smtClean="0">
-                        <a:ln>
-                          <a:noFill/>
-                        </a:ln>
-                        <a:solidFill>
-                          <a:srgbClr val="000000"/>
-                        </a:solidFill>
-                        <a:effectLst/>
-                        <a:latin typeface="Calibri" pitchFamily="34" charset="0"/>
-                        <a:ea typeface="ＭＳ Ｐゴシック" charset="-128"/>
-                      </a:endParaRPr>
-                    </a:p>
-                  </a:txBody>
-                  <a:tcPr horzOverflow="overflow">
-                    <a:lnL w="12700" cap="flat" cmpd="sng" algn="ctr">
-                      <a:solidFill>
-                        <a:schemeClr val="bg1"/>
-                      </a:solidFill>
-                      <a:prstDash val="solid"/>
-                      <a:round/>
-                      <a:headEnd type="none" w="med" len="med"/>
-                      <a:tailEnd type="none" w="med" len="med"/>
-                    </a:lnL>
-                    <a:lnR w="12700" cap="flat" cmpd="sng" algn="ctr">
-                      <a:solidFill>
-                        <a:schemeClr val="bg1"/>
-                      </a:solidFill>
-                      <a:prstDash val="solid"/>
-                      <a:round/>
-                      <a:headEnd type="none" w="med" len="med"/>
-                      <a:tailEnd type="none" w="med" len="med"/>
-                    </a:lnR>
-                    <a:lnT w="12700" cap="flat" cmpd="sng" algn="ctr">
-                      <a:solidFill>
-                        <a:schemeClr val="bg1"/>
-                      </a:solidFill>
-                      <a:prstDash val="solid"/>
-                      <a:round/>
-                      <a:headEnd type="none" w="med" len="med"/>
-                      <a:tailEnd type="none" w="med" len="med"/>
-                    </a:lnT>
-                    <a:lnB w="12700" cap="flat" cmpd="sng" algn="ctr">
-                      <a:solidFill>
-                        <a:schemeClr val="bg1"/>
-                      </a:solidFill>
-                      <a:prstDash val="solid"/>
-                      <a:round/>
-                      <a:headEnd type="none" w="med" len="med"/>
-                      <a:tailEnd type="none" w="med" len="med"/>
-                    </a:lnB>
-                    <a:lnTlToBr>
-                      <a:noFill/>
-                    </a:lnTlToBr>
-                    <a:lnBlToTr>
-                      <a:noFill/>
-                    </a:lnBlToTr>
-                    <a:solidFill>
-                      <a:srgbClr val="E9EDF4"/>
-                    </a:solidFill>
-                  </a:tcPr>
-                </a:tc>
-              </a:tr>
-            </a:tbl>
-          </a:graphicData>
-        </a:graphic>
-      </p:graphicFrame>
     </p:spTree>
   </p:cSld>
   <p:clrMapOvr>

--- a/Inception Deck -E-konbu-.pptx
+++ b/Inception Deck -E-konbu-.pptx
@@ -7908,62 +7908,7 @@
                 <a:ea typeface="メイリオ" pitchFamily="50" charset="-128"/>
                 <a:cs typeface="メイリオ" pitchFamily="50" charset="-128"/>
               </a:rPr>
-              <a:t>Prof</a:t>
-            </a:r>
-            <a:r>
-              <a:rPr lang="en-US" altLang="ja-JP" sz="2400" dirty="0" smtClean="0">
-                <a:solidFill>
-                  <a:schemeClr val="bg1"/>
-                </a:solidFill>
-                <a:latin typeface="メイリオ" pitchFamily="50" charset="-128"/>
-                <a:ea typeface="メイリオ" pitchFamily="50" charset="-128"/>
-                <a:cs typeface="メイリオ" pitchFamily="50" charset="-128"/>
-              </a:rPr>
-              <a:t>. </a:t>
-            </a:r>
-            <a:r>
-              <a:rPr lang="en-US" altLang="ja-JP" sz="2400" dirty="0" err="1" smtClean="0">
-                <a:solidFill>
-                  <a:schemeClr val="bg1"/>
-                </a:solidFill>
-                <a:latin typeface="メイリオ" pitchFamily="50" charset="-128"/>
-                <a:ea typeface="メイリオ" pitchFamily="50" charset="-128"/>
-                <a:cs typeface="メイリオ" pitchFamily="50" charset="-128"/>
-              </a:rPr>
-              <a:t>Rikitake</a:t>
-            </a:r>
-            <a:r>
-              <a:rPr lang="en-US" altLang="ja-JP" sz="2400" dirty="0" smtClean="0">
-                <a:solidFill>
-                  <a:schemeClr val="bg1"/>
-                </a:solidFill>
-                <a:latin typeface="メイリオ" pitchFamily="50" charset="-128"/>
-                <a:ea typeface="メイリオ" pitchFamily="50" charset="-128"/>
-                <a:cs typeface="メイリオ" pitchFamily="50" charset="-128"/>
-              </a:rPr>
-              <a:t> </a:t>
-            </a:r>
-            <a:r>
-              <a:rPr lang="en-US" altLang="ja-JP" sz="2400" dirty="0" smtClean="0">
-                <a:solidFill>
-                  <a:schemeClr val="bg1"/>
-                </a:solidFill>
-                <a:latin typeface="メイリオ" pitchFamily="50" charset="-128"/>
-                <a:ea typeface="メイリオ" pitchFamily="50" charset="-128"/>
-                <a:cs typeface="メイリオ" pitchFamily="50" charset="-128"/>
-              </a:rPr>
-              <a:t>and </a:t>
-            </a:r>
-            <a:r>
-              <a:rPr lang="en-US" altLang="ja-JP" sz="2400" dirty="0" smtClean="0">
-                <a:solidFill>
-                  <a:schemeClr val="bg1"/>
-                </a:solidFill>
-                <a:latin typeface="メイリオ" pitchFamily="50" charset="-128"/>
-                <a:ea typeface="メイリオ" pitchFamily="50" charset="-128"/>
-                <a:cs typeface="メイリオ" pitchFamily="50" charset="-128"/>
-              </a:rPr>
-              <a:t>SNCT</a:t>
+              <a:t>Prof. Rikitake and SNCT</a:t>
             </a:r>
             <a:endParaRPr lang="en-US" altLang="ja-JP" sz="2400" dirty="0">
               <a:solidFill>
@@ -8092,7 +8037,7 @@
               <a:t>lavor of </a:t>
             </a:r>
             <a:r>
-              <a:rPr lang="ja-JP" altLang="en-US" sz="2400" dirty="0">
+              <a:rPr lang="en-US" altLang="ja-JP" sz="2400" dirty="0" smtClean="0">
                 <a:solidFill>
                   <a:schemeClr val="tx1"/>
                 </a:solidFill>
@@ -8100,7 +8045,7 @@
                 <a:ea typeface="ふい字" pitchFamily="1" charset="-128"/>
                 <a:cs typeface="メイリオ" pitchFamily="50" charset="-128"/>
               </a:rPr>
-              <a:t>いそ</a:t>
+              <a:t>ISO</a:t>
             </a:r>
             <a:endParaRPr kumimoji="1" lang="ja-JP" altLang="en-US" sz="2000" dirty="0">
               <a:solidFill>
@@ -8214,8 +8159,8 @@
               <a:t>Team </a:t>
             </a:r>
             <a:r>
-              <a:rPr lang="en-US" altLang="ja-JP" dirty="0" err="1" smtClean="0"/>
-              <a:t>Iso</a:t>
+              <a:rPr lang="en-US" altLang="ja-JP" dirty="0" smtClean="0"/>
+              <a:t>ISO</a:t>
             </a:r>
             <a:endParaRPr lang="en-CA" dirty="0" smtClean="0"/>
           </a:p>
@@ -8227,7 +8172,13 @@
           <p:cNvGraphicFramePr>
             <a:graphicFrameLocks noGrp="1"/>
           </p:cNvGraphicFramePr>
-          <p:nvPr/>
+          <p:nvPr>
+            <p:extLst>
+              <p:ext uri="{D42A27DB-BD31-4B8C-83A1-F6EECF244321}">
+                <p14:modId xmlns:p14="http://schemas.microsoft.com/office/powerpoint/2010/main" val="557542567"/>
+              </p:ext>
+            </p:extLst>
+          </p:nvPr>
         </p:nvGraphicFramePr>
         <p:xfrm>
           <a:off x="685800" y="1397000"/>
@@ -8265,7 +8216,7 @@
                         <a:tabLst/>
                       </a:pPr>
                       <a:r>
-                        <a:rPr kumimoji="0" lang="en-CA" altLang="ja-JP" sz="2400" b="1" i="0" u="none" strike="noStrike" cap="none" normalizeH="0" baseline="0" smtClean="0">
+                        <a:rPr kumimoji="0" lang="en-CA" altLang="ja-JP" sz="2400" b="1" i="0" u="none" strike="noStrike" cap="none" normalizeH="0" baseline="0" dirty="0" smtClean="0">
                           <a:ln>
                             <a:noFill/>
                           </a:ln>
@@ -8655,7 +8606,7 @@
                         <a:tabLst/>
                       </a:pPr>
                       <a:r>
-                        <a:rPr kumimoji="0" lang="ja-JP" altLang="en-US" sz="1800" b="0" i="0" u="none" strike="noStrike" cap="none" normalizeH="0" baseline="0" smtClean="0">
+                        <a:rPr kumimoji="0" lang="en-US" sz="1800" b="0" i="0" u="none" strike="noStrike" cap="none" normalizeH="0" baseline="0" dirty="0" smtClean="0">
                           <a:ln>
                             <a:noFill/>
                           </a:ln>
@@ -8666,9 +8617,9 @@
                           <a:latin typeface="Calibri" pitchFamily="34" charset="0"/>
                           <a:ea typeface="ＭＳ Ｐゴシック" charset="-128"/>
                         </a:rPr>
-                        <a:t>リーダー</a:t>
+                        <a:t>Leader</a:t>
                       </a:r>
-                      <a:endParaRPr kumimoji="0" lang="en-CA" sz="1800" b="0" i="0" u="none" strike="noStrike" cap="none" normalizeH="0" baseline="0" smtClean="0">
+                      <a:endParaRPr kumimoji="0" lang="en-CA" sz="1800" b="0" i="0" u="none" strike="noStrike" cap="none" normalizeH="0" baseline="0" dirty="0" smtClean="0">
                         <a:ln>
                           <a:noFill/>
                         </a:ln>
@@ -8750,7 +8701,7 @@
                         <a:tabLst/>
                       </a:pPr>
                       <a:r>
-                        <a:rPr kumimoji="0" lang="ja-JP" altLang="en-US" sz="1800" b="0" i="0" u="none" strike="noStrike" cap="none" normalizeH="0" baseline="0" smtClean="0">
+                        <a:rPr kumimoji="0" lang="ja-JP" altLang="en-US" sz="1800" b="0" i="0" u="none" strike="noStrike" cap="none" normalizeH="0" baseline="0" dirty="0" smtClean="0">
                           <a:ln>
                             <a:noFill/>
                           </a:ln>
@@ -8763,7 +8714,7 @@
                         </a:rPr>
                         <a:t>チームの牽引すること。また、チームメンバーと同等の能力。</a:t>
                       </a:r>
-                      <a:endParaRPr kumimoji="0" lang="en-CA" sz="1800" b="0" i="0" u="none" strike="noStrike" cap="none" normalizeH="0" baseline="0" smtClean="0">
+                      <a:endParaRPr kumimoji="0" lang="en-CA" sz="1800" b="0" i="0" u="none" strike="noStrike" cap="none" normalizeH="0" baseline="0" dirty="0" smtClean="0">
                         <a:ln>
                           <a:noFill/>
                         </a:ln>
@@ -8932,7 +8883,7 @@
                         <a:tabLst/>
                       </a:pPr>
                       <a:r>
-                        <a:rPr kumimoji="0" lang="ja-JP" altLang="en-US" sz="1800" b="0" i="0" u="none" strike="noStrike" cap="none" normalizeH="0" baseline="0" smtClean="0">
+                        <a:rPr kumimoji="0" lang="en-US" sz="1800" b="0" i="0" u="none" strike="noStrike" cap="none" normalizeH="0" baseline="0" dirty="0" smtClean="0">
                           <a:ln>
                             <a:noFill/>
                           </a:ln>
@@ -8943,9 +8894,9 @@
                           <a:latin typeface="Calibri" pitchFamily="34" charset="0"/>
                           <a:ea typeface="ＭＳ Ｐゴシック" charset="-128"/>
                         </a:rPr>
-                        <a:t>チームメンバー</a:t>
+                        <a:t>Member of team</a:t>
                       </a:r>
-                      <a:endParaRPr kumimoji="0" lang="en-CA" sz="1800" b="0" i="0" u="none" strike="noStrike" cap="none" normalizeH="0" baseline="0" smtClean="0">
+                      <a:endParaRPr kumimoji="0" lang="en-CA" sz="1800" b="0" i="0" u="none" strike="noStrike" cap="none" normalizeH="0" baseline="0" dirty="0" smtClean="0">
                         <a:ln>
                           <a:noFill/>
                         </a:ln>
@@ -9027,7 +8978,7 @@
                         <a:tabLst/>
                       </a:pPr>
                       <a:r>
-                        <a:rPr kumimoji="0" lang="en-CA" altLang="ja-JP" sz="1800" b="0" i="0" u="none" strike="noStrike" cap="none" normalizeH="0" baseline="0" smtClean="0">
+                        <a:rPr kumimoji="0" lang="en-CA" altLang="ja-JP" sz="1800" b="0" i="0" u="none" strike="noStrike" cap="none" normalizeH="0" baseline="0" dirty="0" smtClean="0">
                           <a:ln>
                             <a:noFill/>
                           </a:ln>
@@ -9041,7 +8992,7 @@
                         <a:t>C</a:t>
                       </a:r>
                       <a:r>
-                        <a:rPr kumimoji="0" lang="ja-JP" altLang="en-US" sz="1800" b="0" i="0" u="none" strike="noStrike" cap="none" normalizeH="0" baseline="0" smtClean="0">
+                        <a:rPr kumimoji="0" lang="ja-JP" altLang="en-US" sz="1800" b="0" i="0" u="none" strike="noStrike" cap="none" normalizeH="0" baseline="0" dirty="0" smtClean="0">
                           <a:ln>
                             <a:noFill/>
                           </a:ln>
@@ -9052,10 +9003,38 @@
                           <a:latin typeface="Calibri" pitchFamily="34" charset="0"/>
                           <a:ea typeface="ＭＳ Ｐゴシック" charset="-128"/>
                         </a:rPr>
-                        <a:t>（プログラミング）</a:t>
+                        <a:t>（</a:t>
                       </a:r>
                       <a:r>
-                        <a:rPr kumimoji="0" lang="en-CA" altLang="ja-JP" sz="1800" b="0" i="0" u="none" strike="noStrike" cap="none" normalizeH="0" baseline="0" smtClean="0">
+                        <a:rPr kumimoji="0" lang="en-US" altLang="ja-JP" sz="1800" b="0" i="0" u="none" strike="noStrike" cap="none" normalizeH="0" baseline="0" dirty="0" smtClean="0">
+                          <a:ln>
+                            <a:noFill/>
+                          </a:ln>
+                          <a:solidFill>
+                            <a:srgbClr val="000000"/>
+                          </a:solidFill>
+                          <a:effectLst/>
+                          <a:latin typeface="Calibri" pitchFamily="34" charset="0"/>
+                          <a:ea typeface="ＭＳ Ｐゴシック" charset="-128"/>
+                        </a:rPr>
+                        <a:t>Programming</a:t>
+                      </a:r>
+                      <a:r>
+                        <a:rPr kumimoji="0" lang="ja-JP" altLang="en-US" sz="1800" b="0" i="0" u="none" strike="noStrike" cap="none" normalizeH="0" baseline="0" dirty="0" smtClean="0">
+                          <a:ln>
+                            <a:noFill/>
+                          </a:ln>
+                          <a:solidFill>
+                            <a:srgbClr val="000000"/>
+                          </a:solidFill>
+                          <a:effectLst/>
+                          <a:latin typeface="Calibri" pitchFamily="34" charset="0"/>
+                          <a:ea typeface="ＭＳ Ｐゴシック" charset="-128"/>
+                        </a:rPr>
+                        <a:t>）</a:t>
+                      </a:r>
+                      <a:r>
+                        <a:rPr kumimoji="0" lang="en-CA" altLang="ja-JP" sz="1800" b="0" i="0" u="none" strike="noStrike" cap="none" normalizeH="0" baseline="0" dirty="0" smtClean="0">
                           <a:ln>
                             <a:noFill/>
                           </a:ln>
@@ -9069,7 +9048,7 @@
                         <a:t>,UML</a:t>
                       </a:r>
                       <a:r>
-                        <a:rPr kumimoji="0" lang="ja-JP" altLang="en-US" sz="1800" b="0" i="0" u="none" strike="noStrike" cap="none" normalizeH="0" baseline="0" smtClean="0">
+                        <a:rPr kumimoji="0" lang="ja-JP" altLang="en-US" sz="1800" b="0" i="0" u="none" strike="noStrike" cap="none" normalizeH="0" baseline="0" dirty="0" smtClean="0">
                           <a:ln>
                             <a:noFill/>
                           </a:ln>
@@ -9080,10 +9059,10 @@
                           <a:latin typeface="Calibri" pitchFamily="34" charset="0"/>
                           <a:ea typeface="ＭＳ Ｐゴシック" charset="-128"/>
                         </a:rPr>
-                        <a:t>（モデリングデザイン）</a:t>
+                        <a:t>（</a:t>
                       </a:r>
                       <a:r>
-                        <a:rPr kumimoji="0" lang="en-CA" altLang="ja-JP" sz="1800" b="0" i="0" u="none" strike="noStrike" cap="none" normalizeH="0" baseline="0" smtClean="0">
+                        <a:rPr kumimoji="0" lang="en-US" altLang="ja-JP" sz="1800" b="0" i="0" u="none" strike="noStrike" cap="none" normalizeH="0" baseline="0" dirty="0" smtClean="0">
                           <a:ln>
                             <a:noFill/>
                           </a:ln>
@@ -9094,10 +9073,10 @@
                           <a:latin typeface="Calibri" pitchFamily="34" charset="0"/>
                           <a:ea typeface="ＭＳ Ｐゴシック" charset="-128"/>
                         </a:rPr>
-                        <a:t>,</a:t>
+                        <a:t>Designing Model</a:t>
                       </a:r>
                       <a:r>
-                        <a:rPr kumimoji="0" lang="ja-JP" altLang="en-US" sz="1800" b="0" i="0" u="none" strike="noStrike" cap="none" normalizeH="0" baseline="0" smtClean="0">
+                        <a:rPr kumimoji="0" lang="ja-JP" altLang="en-US" sz="1800" b="0" i="0" u="none" strike="noStrike" cap="none" normalizeH="0" baseline="0" dirty="0" smtClean="0">
                           <a:ln>
                             <a:noFill/>
                           </a:ln>
@@ -9108,9 +9087,37 @@
                           <a:latin typeface="Calibri" pitchFamily="34" charset="0"/>
                           <a:ea typeface="ＭＳ Ｐゴシック" charset="-128"/>
                         </a:rPr>
-                        <a:t>デザイン、コミュニケーション能力、積極性、</a:t>
+                        <a:t>）</a:t>
                       </a:r>
-                      <a:endParaRPr kumimoji="0" lang="en-CA" sz="1800" b="0" i="0" u="none" strike="noStrike" cap="none" normalizeH="0" baseline="0" smtClean="0">
+                      <a:r>
+                        <a:rPr kumimoji="0" lang="en-CA" altLang="ja-JP" sz="1800" b="0" i="0" u="none" strike="noStrike" cap="none" normalizeH="0" baseline="0" dirty="0" smtClean="0">
+                          <a:ln>
+                            <a:noFill/>
+                          </a:ln>
+                          <a:solidFill>
+                            <a:srgbClr val="000000"/>
+                          </a:solidFill>
+                          <a:effectLst/>
+                          <a:latin typeface="Calibri" pitchFamily="34" charset="0"/>
+                          <a:ea typeface="ＭＳ Ｐゴシック" charset="-128"/>
+                        </a:rPr>
+                        <a:t>, </a:t>
+                      </a:r>
+                      <a:r>
+                        <a:rPr kumimoji="0" lang="en-US" altLang="ja-JP" sz="1800" b="0" i="0" u="none" strike="noStrike" cap="none" normalizeH="0" baseline="0" dirty="0" smtClean="0">
+                          <a:ln>
+                            <a:noFill/>
+                          </a:ln>
+                          <a:solidFill>
+                            <a:srgbClr val="000000"/>
+                          </a:solidFill>
+                          <a:effectLst/>
+                          <a:latin typeface="Calibri" pitchFamily="34" charset="0"/>
+                          <a:ea typeface="ＭＳ Ｐゴシック" charset="-128"/>
+                        </a:rPr>
+                        <a:t>Design, Communication Skill, Positiveness.</a:t>
+                      </a:r>
+                      <a:endParaRPr kumimoji="0" lang="en-CA" sz="1800" b="0" i="0" u="none" strike="noStrike" cap="none" normalizeH="0" baseline="0" dirty="0" smtClean="0">
                         <a:ln>
                           <a:noFill/>
                         </a:ln>
@@ -10246,7 +10253,7 @@
         </p:nvSpPr>
         <p:spPr>
           <a:xfrm>
-            <a:off x="1660525" y="2876550"/>
+            <a:off x="1676400" y="2876550"/>
             <a:ext cx="6172200" cy="685800"/>
           </a:xfrm>
           <a:prstGeom prst="chevron">
@@ -10460,8 +10467,8 @@
         </p:nvSpPr>
         <p:spPr bwMode="auto">
           <a:xfrm>
-            <a:off x="7229475" y="1371600"/>
-            <a:ext cx="1381125" cy="708025"/>
+            <a:off x="7266848" y="1371600"/>
+            <a:ext cx="1191352" cy="707886"/>
           </a:xfrm>
           <a:prstGeom prst="rect">
             <a:avLst/>
@@ -10594,13 +10601,10 @@
           </a:lstStyle>
           <a:p>
             <a:r>
-              <a:rPr kumimoji="0" lang="ja-JP" altLang="en-US" sz="4000" b="1"/>
-              <a:t>出走</a:t>
-            </a:r>
-            <a:r>
-              <a:rPr kumimoji="0" lang="en-CA" altLang="ja-JP" sz="4000" b="1"/>
-              <a:t>!</a:t>
-            </a:r>
+              <a:rPr kumimoji="0" lang="en-CA" altLang="ja-JP" sz="4000" b="1" dirty="0" smtClean="0"/>
+              <a:t>Run!</a:t>
+            </a:r>
+            <a:endParaRPr kumimoji="0" lang="en-CA" altLang="ja-JP" sz="4000" b="1" dirty="0"/>
           </a:p>
         </p:txBody>
       </p:sp>
@@ -11067,8 +11071,8 @@
         </p:nvSpPr>
         <p:spPr bwMode="auto">
           <a:xfrm>
-            <a:off x="2041525" y="2895600"/>
-            <a:ext cx="1184275" cy="523875"/>
+            <a:off x="1981200" y="2895600"/>
+            <a:ext cx="1599990" cy="523220"/>
           </a:xfrm>
           <a:prstGeom prst="rect">
             <a:avLst/>
@@ -11201,22 +11205,38 @@
           </a:lstStyle>
           <a:p>
             <a:r>
-              <a:rPr kumimoji="0" lang="en-CA" altLang="ja-JP" sz="2800">
+              <a:rPr kumimoji="0" lang="en-CA" altLang="ja-JP" sz="2800" dirty="0">
                 <a:solidFill>
                   <a:schemeClr val="bg1"/>
                 </a:solidFill>
               </a:rPr>
-              <a:t>~3</a:t>
-            </a:r>
-            <a:r>
-              <a:rPr kumimoji="0" lang="ja-JP" altLang="en-US" sz="2800">
+              <a:t>~</a:t>
+            </a:r>
+            <a:r>
+              <a:rPr kumimoji="0" lang="en-CA" altLang="ja-JP" sz="2800" dirty="0" smtClean="0">
                 <a:solidFill>
                   <a:schemeClr val="bg1"/>
                 </a:solidFill>
               </a:rPr>
-              <a:t>ヶ月</a:t>
-            </a:r>
-            <a:endParaRPr kumimoji="0" lang="en-CA" sz="2800">
+              <a:t>3</a:t>
+            </a:r>
+            <a:r>
+              <a:rPr kumimoji="0" lang="ja-JP" altLang="en-US" sz="2800" dirty="0">
+                <a:solidFill>
+                  <a:schemeClr val="bg1"/>
+                </a:solidFill>
+              </a:rPr>
+              <a:t> </a:t>
+            </a:r>
+            <a:r>
+              <a:rPr kumimoji="0" lang="en-US" altLang="ja-JP" sz="2800" dirty="0" smtClean="0">
+                <a:solidFill>
+                  <a:schemeClr val="bg1"/>
+                </a:solidFill>
+              </a:rPr>
+              <a:t>month</a:t>
+            </a:r>
+            <a:endParaRPr kumimoji="0" lang="en-CA" sz="2800" dirty="0">
               <a:solidFill>
                 <a:schemeClr val="bg1"/>
               </a:solidFill>
@@ -11234,8 +11254,8 @@
         </p:nvSpPr>
         <p:spPr bwMode="auto">
           <a:xfrm>
-            <a:off x="4368800" y="2895600"/>
-            <a:ext cx="1085850" cy="523875"/>
+            <a:off x="4191000" y="2895600"/>
+            <a:ext cx="1502206" cy="523220"/>
           </a:xfrm>
           <a:prstGeom prst="rect">
             <a:avLst/>
@@ -11368,22 +11388,38 @@
           </a:lstStyle>
           <a:p>
             <a:r>
-              <a:rPr kumimoji="0" lang="en-CA" altLang="ja-JP" sz="2800">
+              <a:rPr kumimoji="0" lang="en-CA" altLang="ja-JP" sz="2800" dirty="0">
                 <a:solidFill>
                   <a:schemeClr val="bg1"/>
                 </a:solidFill>
               </a:rPr>
-              <a:t> 2</a:t>
-            </a:r>
-            <a:r>
-              <a:rPr kumimoji="0" lang="ja-JP" altLang="en-US" sz="2800">
+              <a:t> </a:t>
+            </a:r>
+            <a:r>
+              <a:rPr kumimoji="0" lang="en-CA" altLang="ja-JP" sz="2800" dirty="0" smtClean="0">
                 <a:solidFill>
                   <a:schemeClr val="bg1"/>
                 </a:solidFill>
               </a:rPr>
-              <a:t>ヶ月</a:t>
-            </a:r>
-            <a:endParaRPr kumimoji="0" lang="en-CA" sz="2800">
+              <a:t>2</a:t>
+            </a:r>
+            <a:r>
+              <a:rPr kumimoji="0" lang="ja-JP" altLang="en-US" sz="2800" dirty="0">
+                <a:solidFill>
+                  <a:schemeClr val="bg1"/>
+                </a:solidFill>
+              </a:rPr>
+              <a:t> </a:t>
+            </a:r>
+            <a:r>
+              <a:rPr kumimoji="0" lang="en-US" altLang="ja-JP" sz="2800" dirty="0" smtClean="0">
+                <a:solidFill>
+                  <a:schemeClr val="bg1"/>
+                </a:solidFill>
+              </a:rPr>
+              <a:t>month</a:t>
+            </a:r>
+            <a:endParaRPr kumimoji="0" lang="en-CA" sz="2800" dirty="0">
               <a:solidFill>
                 <a:schemeClr val="bg1"/>
               </a:solidFill>
@@ -11401,8 +11437,8 @@
         </p:nvSpPr>
         <p:spPr bwMode="auto">
           <a:xfrm>
-            <a:off x="6350000" y="2895600"/>
-            <a:ext cx="1149350" cy="523875"/>
+            <a:off x="6172200" y="2895600"/>
+            <a:ext cx="1490986" cy="523220"/>
           </a:xfrm>
           <a:prstGeom prst="rect">
             <a:avLst/>
@@ -11535,7 +11571,7 @@
           </a:lstStyle>
           <a:p>
             <a:r>
-              <a:rPr kumimoji="0" lang="en-CA" altLang="ja-JP" sz="2800">
+              <a:rPr kumimoji="0" lang="en-CA" altLang="ja-JP" sz="2800" dirty="0">
                 <a:solidFill>
                   <a:schemeClr val="bg1"/>
                 </a:solidFill>
@@ -11543,14 +11579,14 @@
               <a:t> </a:t>
             </a:r>
             <a:r>
-              <a:rPr kumimoji="0" lang="ja-JP" altLang="en-US" sz="2800">
+              <a:rPr kumimoji="0" lang="en-US" altLang="ja-JP" sz="2800" dirty="0" smtClean="0">
                 <a:solidFill>
                   <a:schemeClr val="bg1"/>
                 </a:solidFill>
               </a:rPr>
-              <a:t>１ヶ月</a:t>
-            </a:r>
-            <a:endParaRPr kumimoji="0" lang="en-CA" sz="2800">
+              <a:t>a month</a:t>
+            </a:r>
+            <a:endParaRPr kumimoji="0" lang="en-CA" sz="2800" dirty="0">
               <a:solidFill>
                 <a:schemeClr val="bg1"/>
               </a:solidFill>
@@ -13633,7 +13669,7 @@
                         <a:buNone/>
                         <a:tabLst/>
                       </a:pPr>
-                      <a:endParaRPr kumimoji="0" lang="en-CA" altLang="ja-JP" sz="1800" b="1" i="0" u="none" strike="noStrike" cap="none" normalizeH="0" baseline="0" smtClean="0">
+                      <a:endParaRPr kumimoji="0" lang="en-CA" altLang="ja-JP" sz="1800" b="1" i="0" u="none" strike="noStrike" cap="none" normalizeH="0" baseline="0" dirty="0" smtClean="0">
                         <a:ln>
                           <a:noFill/>
                         </a:ln>
@@ -14074,7 +14110,7 @@
                         <a:tabLst/>
                       </a:pPr>
                       <a:r>
-                        <a:rPr kumimoji="0" lang="ja-JP" altLang="en-US" sz="2400" b="0" i="0" u="none" strike="noStrike" cap="none" normalizeH="0" baseline="0" smtClean="0">
+                        <a:rPr kumimoji="0" lang="ja-JP" altLang="en-US" sz="2400" b="0" i="0" u="none" strike="noStrike" cap="none" normalizeH="0" baseline="0" dirty="0" smtClean="0">
                           <a:ln>
                             <a:noFill/>
                           </a:ln>
@@ -14088,7 +14124,7 @@
                         <a:t>考えさせない</a:t>
                       </a:r>
                       <a:r>
-                        <a:rPr kumimoji="0" lang="en-CA" altLang="ja-JP" sz="2400" b="0" i="0" u="none" strike="noStrike" cap="none" normalizeH="0" baseline="0" smtClean="0">
+                        <a:rPr kumimoji="0" lang="en-CA" altLang="ja-JP" sz="2400" b="0" i="0" u="none" strike="noStrike" cap="none" normalizeH="0" baseline="0" dirty="0" smtClean="0">
                           <a:ln>
                             <a:noFill/>
                           </a:ln>
@@ -14102,7 +14138,7 @@
                         <a:t>!</a:t>
                       </a:r>
                       <a:r>
-                        <a:rPr kumimoji="0" lang="ja-JP" altLang="en-US" sz="2400" b="0" i="0" u="none" strike="noStrike" cap="none" normalizeH="0" baseline="0" smtClean="0">
+                        <a:rPr kumimoji="0" lang="ja-JP" altLang="en-US" sz="2400" b="0" i="0" u="none" strike="noStrike" cap="none" normalizeH="0" baseline="0" dirty="0" smtClean="0">
                           <a:ln>
                             <a:noFill/>
                           </a:ln>
@@ -14115,7 +14151,7 @@
                         </a:rPr>
                         <a:t>（モデルシートも）</a:t>
                       </a:r>
-                      <a:endParaRPr kumimoji="0" lang="en-CA" sz="2000" b="0" i="0" u="none" strike="noStrike" cap="none" normalizeH="0" baseline="0" smtClean="0">
+                      <a:endParaRPr kumimoji="0" lang="en-CA" sz="2000" b="0" i="0" u="none" strike="noStrike" cap="none" normalizeH="0" baseline="0" dirty="0" smtClean="0">
                         <a:ln>
                           <a:noFill/>
                         </a:ln>
@@ -18082,7 +18118,7 @@
         <p:spPr bwMode="auto">
           <a:xfrm>
             <a:off x="5181600" y="1986116"/>
-            <a:ext cx="3732112" cy="584775"/>
+            <a:ext cx="3959930" cy="584775"/>
           </a:xfrm>
           <a:prstGeom prst="rect">
             <a:avLst/>
@@ -18215,12 +18251,16 @@
           </a:lstStyle>
           <a:p>
             <a:r>
-              <a:rPr kumimoji="0" lang="ja-JP" altLang="en-US" sz="3200" b="1" dirty="0" smtClean="0"/>
-              <a:t>第１回リリース</a:t>
-            </a:r>
-            <a:r>
               <a:rPr kumimoji="0" lang="en-US" altLang="ja-JP" sz="3200" b="1" dirty="0" smtClean="0"/>
-              <a:t>(6/30)</a:t>
+              <a:t>The first release</a:t>
+            </a:r>
+            <a:r>
+              <a:rPr kumimoji="0" lang="en-US" altLang="ja-JP" sz="3200" b="1" dirty="0" smtClean="0"/>
+              <a:t>(6/30</a:t>
+            </a:r>
+            <a:r>
+              <a:rPr kumimoji="0" lang="en-US" altLang="ja-JP" sz="3200" b="1" dirty="0" smtClean="0"/>
+              <a:t>)</a:t>
             </a:r>
             <a:endParaRPr kumimoji="0" lang="en-CA" altLang="ja-JP" sz="3200" b="1" dirty="0"/>
           </a:p>
@@ -18700,7 +18740,7 @@
         <p:spPr bwMode="auto">
           <a:xfrm>
             <a:off x="1819275" y="3352800"/>
-            <a:ext cx="1184940" cy="523220"/>
+            <a:ext cx="1588768" cy="523220"/>
           </a:xfrm>
           <a:prstGeom prst="rect">
             <a:avLst/>
@@ -18838,15 +18878,15 @@
                   <a:schemeClr val="bg1"/>
                 </a:solidFill>
               </a:rPr>
-              <a:t>~1</a:t>
-            </a:r>
-            <a:r>
-              <a:rPr kumimoji="0" lang="ja-JP" altLang="en-US" sz="2800" dirty="0" smtClean="0">
+              <a:t>~</a:t>
+            </a:r>
+            <a:r>
+              <a:rPr kumimoji="0" lang="en-CA" altLang="ja-JP" sz="2800" dirty="0" smtClean="0">
                 <a:solidFill>
                   <a:schemeClr val="bg1"/>
                 </a:solidFill>
               </a:rPr>
-              <a:t>ヶ月</a:t>
+              <a:t>a month</a:t>
             </a:r>
             <a:endParaRPr kumimoji="0" lang="en-CA" sz="2800" dirty="0">
               <a:solidFill>
@@ -18866,8 +18906,8 @@
         </p:nvSpPr>
         <p:spPr bwMode="auto">
           <a:xfrm>
-            <a:off x="4144963" y="3352800"/>
-            <a:ext cx="1633781" cy="523220"/>
+            <a:off x="3590829" y="3352800"/>
+            <a:ext cx="2124171" cy="523220"/>
           </a:xfrm>
           <a:prstGeom prst="rect">
             <a:avLst/>
@@ -19008,12 +19048,12 @@
               <a:t> </a:t>
             </a:r>
             <a:r>
-              <a:rPr kumimoji="0" lang="ja-JP" altLang="en-US" sz="2800" dirty="0" smtClean="0">
+              <a:rPr kumimoji="0" lang="en-CA" altLang="ja-JP" sz="2800" dirty="0" smtClean="0">
                 <a:solidFill>
                   <a:schemeClr val="bg1"/>
                 </a:solidFill>
               </a:rPr>
-              <a:t>０．５ヶ月</a:t>
+              <a:t>a half month</a:t>
             </a:r>
             <a:endParaRPr kumimoji="0" lang="en-CA" sz="2800" dirty="0">
               <a:solidFill>
@@ -19033,8 +19073,8 @@
         </p:nvSpPr>
         <p:spPr bwMode="auto">
           <a:xfrm>
-            <a:off x="6126163" y="3352800"/>
-            <a:ext cx="1247775" cy="523875"/>
+            <a:off x="6019800" y="3352800"/>
+            <a:ext cx="1292405" cy="523220"/>
           </a:xfrm>
           <a:prstGeom prst="rect">
             <a:avLst/>
@@ -19167,22 +19207,22 @@
           </a:lstStyle>
           <a:p>
             <a:r>
-              <a:rPr kumimoji="0" lang="en-CA" altLang="ja-JP" sz="2800">
+              <a:rPr kumimoji="0" lang="en-CA" altLang="ja-JP" sz="2800" dirty="0">
                 <a:solidFill>
                   <a:schemeClr val="bg1"/>
                 </a:solidFill>
               </a:rPr>
-              <a:t> 1 </a:t>
-            </a:r>
-            <a:r>
-              <a:rPr kumimoji="0" lang="ja-JP" altLang="en-US" sz="2800">
+              <a:t> </a:t>
+            </a:r>
+            <a:r>
+              <a:rPr kumimoji="0" lang="en-CA" altLang="ja-JP" sz="2800" dirty="0" smtClean="0">
                 <a:solidFill>
                   <a:schemeClr val="bg1"/>
                 </a:solidFill>
               </a:rPr>
-              <a:t>週間</a:t>
-            </a:r>
-            <a:endParaRPr kumimoji="0" lang="en-CA" sz="2800">
+              <a:t>a week</a:t>
+            </a:r>
+            <a:endParaRPr kumimoji="0" lang="en-CA" sz="2800" dirty="0">
               <a:solidFill>
                 <a:schemeClr val="bg1"/>
               </a:solidFill>
@@ -20220,15 +20260,7 @@
                   <a:srgbClr val="00B050"/>
                 </a:solidFill>
               </a:rPr>
-              <a:t>[flavor of </a:t>
-            </a:r>
-            <a:r>
-              <a:rPr lang="en-US" altLang="ja-JP" dirty="0" smtClean="0">
-                <a:solidFill>
-                  <a:srgbClr val="00B050"/>
-                </a:solidFill>
-              </a:rPr>
-              <a:t>ISO </a:t>
+              <a:t>[flavor of ISO </a:t>
             </a:r>
             <a:r>
               <a:rPr lang="ja-JP" altLang="en-US" dirty="0" smtClean="0">
@@ -20368,7 +20400,7 @@
         </p:blipFill>
         <p:spPr bwMode="auto">
           <a:xfrm>
-            <a:off x="5181600" y="-762000"/>
+            <a:off x="6912681" y="0"/>
             <a:ext cx="2231319" cy="1752600"/>
           </a:xfrm>
           <a:prstGeom prst="rect">
@@ -20454,8 +20486,8 @@
         </p:nvSpPr>
         <p:spPr>
           <a:xfrm>
-            <a:off x="1905000" y="1524000"/>
-            <a:ext cx="5257800" cy="5029200"/>
+            <a:off x="1943100" y="1219200"/>
+            <a:ext cx="5257800" cy="5334000"/>
           </a:xfrm>
           <a:prstGeom prst="rect">
             <a:avLst/>
@@ -20529,8 +20561,8 @@
         </p:nvSpPr>
         <p:spPr bwMode="auto">
           <a:xfrm>
-            <a:off x="2860293" y="1752600"/>
-            <a:ext cx="3388107" cy="584775"/>
+            <a:off x="2895099" y="1295400"/>
+            <a:ext cx="3353803" cy="584775"/>
           </a:xfrm>
           <a:prstGeom prst="rect">
             <a:avLst/>
@@ -20663,22 +20695,67 @@
           </a:lstStyle>
           <a:p>
             <a:r>
-              <a:rPr kumimoji="0" lang="en-CA" altLang="ja-JP" sz="3200" dirty="0" smtClean="0"/>
-              <a:t>&lt;</a:t>
-            </a:r>
-            <a:r>
-              <a:rPr kumimoji="0" lang="en-US" altLang="ja-JP" sz="3200" dirty="0" smtClean="0"/>
-              <a:t>The Flavor Of </a:t>
-            </a:r>
-            <a:r>
-              <a:rPr kumimoji="0" lang="en-US" altLang="ja-JP" sz="3200" dirty="0" err="1" smtClean="0"/>
-              <a:t>Iso</a:t>
-            </a:r>
-            <a:r>
-              <a:rPr kumimoji="0" lang="en-CA" altLang="ja-JP" sz="3200" dirty="0" smtClean="0"/>
-              <a:t>&gt;</a:t>
-            </a:r>
-            <a:endParaRPr kumimoji="0" lang="en-CA" altLang="ja-JP" sz="3200" dirty="0"/>
+              <a:rPr kumimoji="0" lang="en-US" altLang="ja-JP" sz="3200" u="sng" dirty="0" smtClean="0">
+                <a:effectLst>
+                  <a:outerShdw blurRad="38100" dist="38100" dir="2700000" algn="tl">
+                    <a:srgbClr val="000000">
+                      <a:alpha val="43137"/>
+                    </a:srgbClr>
+                  </a:outerShdw>
+                </a:effectLst>
+                <a:latin typeface="Berlin Sans FB Demi" pitchFamily="34" charset="0"/>
+              </a:rPr>
+              <a:t>-A</a:t>
+            </a:r>
+            <a:r>
+              <a:rPr kumimoji="0" lang="en-US" altLang="ja-JP" sz="3200" u="sng" dirty="0" smtClean="0">
+                <a:effectLst>
+                  <a:outerShdw blurRad="38100" dist="38100" dir="2700000" algn="tl">
+                    <a:srgbClr val="000000">
+                      <a:alpha val="43137"/>
+                    </a:srgbClr>
+                  </a:outerShdw>
+                </a:effectLst>
+                <a:latin typeface="Berlin Sans FB Demi" pitchFamily="34" charset="0"/>
+              </a:rPr>
+              <a:t> </a:t>
+            </a:r>
+            <a:r>
+              <a:rPr kumimoji="0" lang="en-US" altLang="ja-JP" sz="3200" u="sng" dirty="0" smtClean="0">
+                <a:effectLst>
+                  <a:outerShdw blurRad="38100" dist="38100" dir="2700000" algn="tl">
+                    <a:srgbClr val="000000">
+                      <a:alpha val="43137"/>
+                    </a:srgbClr>
+                  </a:outerShdw>
+                </a:effectLst>
+                <a:latin typeface="Berlin Sans FB Demi" pitchFamily="34" charset="0"/>
+              </a:rPr>
+              <a:t>Flavor Of </a:t>
+            </a:r>
+            <a:r>
+              <a:rPr kumimoji="0" lang="en-US" altLang="ja-JP" sz="3200" u="sng" dirty="0" smtClean="0">
+                <a:effectLst>
+                  <a:outerShdw blurRad="38100" dist="38100" dir="2700000" algn="tl">
+                    <a:srgbClr val="000000">
+                      <a:alpha val="43137"/>
+                    </a:srgbClr>
+                  </a:outerShdw>
+                </a:effectLst>
+                <a:latin typeface="Berlin Sans FB Demi" pitchFamily="34" charset="0"/>
+              </a:rPr>
+              <a:t>ISO-</a:t>
+            </a:r>
+            <a:endParaRPr kumimoji="0" lang="en-CA" altLang="ja-JP" sz="3200" u="sng" dirty="0">
+              <a:effectLst>
+                <a:outerShdw blurRad="38100" dist="38100" dir="2700000" algn="tl">
+                  <a:srgbClr val="000000">
+                    <a:alpha val="43137"/>
+                  </a:srgbClr>
+                </a:outerShdw>
+              </a:effectLst>
+              <a:latin typeface="Berlin Sans FB Demi" pitchFamily="34" charset="0"/>
+            </a:endParaRPr>
           </a:p>
         </p:txBody>
       </p:sp>
@@ -20692,8 +20769,8 @@
         </p:nvSpPr>
         <p:spPr bwMode="auto">
           <a:xfrm>
-            <a:off x="2074392" y="4114800"/>
-            <a:ext cx="4988866" cy="584775"/>
+            <a:off x="1986998" y="4520625"/>
+            <a:ext cx="5170005" cy="707886"/>
           </a:xfrm>
           <a:prstGeom prst="rect">
             <a:avLst/>
@@ -20826,18 +20903,16 @@
           </a:lstStyle>
           <a:p>
             <a:r>
-              <a:rPr kumimoji="0" lang="en-CA" altLang="ja-JP" sz="3200" dirty="0" smtClean="0"/>
-              <a:t>&lt;</a:t>
-            </a:r>
-            <a:r>
-              <a:rPr kumimoji="0" lang="ja-JP" altLang="en-US" sz="3200" dirty="0" smtClean="0"/>
-              <a:t>高専生の実力をみせます</a:t>
-            </a:r>
-            <a:r>
-              <a:rPr kumimoji="0" lang="en-CA" altLang="ja-JP" sz="3200" dirty="0" smtClean="0"/>
-              <a:t>&gt;</a:t>
-            </a:r>
-            <a:endParaRPr kumimoji="0" lang="en-CA" altLang="ja-JP" sz="3200" dirty="0"/>
+              <a:rPr kumimoji="0" lang="en-CA" altLang="ja-JP" sz="4000" b="1" dirty="0" smtClean="0">
+                <a:latin typeface="Vijaya" pitchFamily="34" charset="0"/>
+                <a:cs typeface="Vijaya" pitchFamily="34" charset="0"/>
+              </a:rPr>
+              <a:t>&lt;Let us show you our pride.&gt;</a:t>
+            </a:r>
+            <a:endParaRPr kumimoji="0" lang="en-CA" altLang="ja-JP" sz="4000" b="1" dirty="0">
+              <a:latin typeface="Vijaya" pitchFamily="34" charset="0"/>
+              <a:cs typeface="Vijaya" pitchFamily="34" charset="0"/>
+            </a:endParaRPr>
           </a:p>
         </p:txBody>
       </p:sp>
@@ -20851,8 +20926,8 @@
         </p:nvSpPr>
         <p:spPr bwMode="auto">
           <a:xfrm>
-            <a:off x="1905000" y="4657725"/>
-            <a:ext cx="5596404" cy="523220"/>
+            <a:off x="2244953" y="5130969"/>
+            <a:ext cx="4654095" cy="507831"/>
           </a:xfrm>
           <a:prstGeom prst="rect">
             <a:avLst/>
@@ -20985,10 +21060,10 @@
           </a:lstStyle>
           <a:p>
             <a:r>
-              <a:rPr kumimoji="0" lang="ja-JP" altLang="en-US" sz="2700" dirty="0"/>
-              <a:t>高速、正確を両立したライントレース</a:t>
-            </a:r>
-            <a:endParaRPr kumimoji="0" lang="en-CA" sz="2700" dirty="0"/>
+              <a:rPr kumimoji="0" lang="en-US" sz="2700" i="1" dirty="0" smtClean="0"/>
+              <a:t>Strict Line Tracing in High Speed</a:t>
+            </a:r>
+            <a:endParaRPr kumimoji="0" lang="en-CA" sz="2700" i="1" dirty="0"/>
           </a:p>
         </p:txBody>
       </p:sp>
@@ -21002,8 +21077,8 @@
         </p:nvSpPr>
         <p:spPr bwMode="auto">
           <a:xfrm>
-            <a:off x="1828800" y="5114925"/>
-            <a:ext cx="5480050" cy="523875"/>
+            <a:off x="3538640" y="5572780"/>
+            <a:ext cx="2066720" cy="523220"/>
           </a:xfrm>
           <a:prstGeom prst="rect">
             <a:avLst/>
@@ -21136,10 +21211,10 @@
           </a:lstStyle>
           <a:p>
             <a:r>
-              <a:rPr kumimoji="0" lang="ja-JP" altLang="en-US" sz="2800" dirty="0"/>
-              <a:t>自己位置推定（走行区間について）</a:t>
-            </a:r>
-            <a:endParaRPr kumimoji="0" lang="en-CA" sz="2800" dirty="0"/>
+              <a:rPr kumimoji="0" lang="en-CA" sz="2800" i="1" dirty="0" smtClean="0"/>
+              <a:t>Self-Location</a:t>
+            </a:r>
+            <a:endParaRPr kumimoji="0" lang="en-CA" sz="2800" i="1" dirty="0"/>
           </a:p>
         </p:txBody>
       </p:sp>
@@ -21153,8 +21228,8 @@
         </p:nvSpPr>
         <p:spPr bwMode="auto">
           <a:xfrm>
-            <a:off x="3300413" y="5572125"/>
-            <a:ext cx="2946400" cy="523875"/>
+            <a:off x="2294165" y="5953780"/>
+            <a:ext cx="4555671" cy="523220"/>
           </a:xfrm>
           <a:prstGeom prst="rect">
             <a:avLst/>
@@ -21287,10 +21362,10 @@
           </a:lstStyle>
           <a:p>
             <a:r>
-              <a:rPr kumimoji="0" lang="ja-JP" altLang="en-US" sz="2800" dirty="0"/>
-              <a:t>安定した尻尾走行</a:t>
-            </a:r>
-            <a:endParaRPr kumimoji="0" lang="en-CA" sz="2800" dirty="0"/>
+              <a:rPr kumimoji="0" lang="en-CA" sz="2800" i="1" dirty="0" smtClean="0"/>
+              <a:t>Stable Running with Using Tail</a:t>
+            </a:r>
+            <a:endParaRPr kumimoji="0" lang="en-CA" sz="2800" i="1" dirty="0"/>
           </a:p>
         </p:txBody>
       </p:sp>
@@ -21365,16 +21440,36 @@
         </p:blipFill>
         <p:spPr bwMode="auto">
           <a:xfrm>
-            <a:off x="3924300" y="2438400"/>
-            <a:ext cx="1257300" cy="1676400"/>
+            <a:off x="3352800" y="1702375"/>
+            <a:ext cx="2209369" cy="2945825"/>
           </a:xfrm>
-          <a:prstGeom prst="rect">
-            <a:avLst/>
+          <a:prstGeom prst="roundRect">
+            <a:avLst>
+              <a:gd name="adj" fmla="val 11213"/>
+            </a:avLst>
           </a:prstGeom>
-          <a:noFill/>
           <a:ln>
             <a:noFill/>
           </a:ln>
+          <a:effectLst>
+            <a:outerShdw blurRad="152400" dist="12000" dir="900000" sy="98000" kx="110000" ky="200000" algn="tl" rotWithShape="0">
+              <a:srgbClr val="000000">
+                <a:alpha val="30000"/>
+              </a:srgbClr>
+            </a:outerShdw>
+          </a:effectLst>
+          <a:scene3d>
+            <a:camera prst="perspectiveRelaxed">
+              <a:rot lat="19800000" lon="1200000" rev="20820000"/>
+            </a:camera>
+            <a:lightRig rig="threePt" dir="t"/>
+          </a:scene3d>
+          <a:sp3d contourW="6350" prstMaterial="matte">
+            <a:bevelT w="101600" h="101600"/>
+            <a:contourClr>
+              <a:srgbClr val="969696"/>
+            </a:contourClr>
+          </a:sp3d>
           <a:extLst>
             <a:ext uri="{909E8E84-426E-40DD-AFC4-6F175D3DCCD1}">
               <a14:hiddenFill xmlns:a14="http://schemas.microsoft.com/office/drawing/2010/main">
@@ -21564,7 +21659,7 @@
           <p:nvPr>
             <p:extLst>
               <p:ext uri="{D42A27DB-BD31-4B8C-83A1-F6EECF244321}">
-                <p14:modId xmlns:p14="http://schemas.microsoft.com/office/powerpoint/2010/main" val="2488145988"/>
+                <p14:modId xmlns:p14="http://schemas.microsoft.com/office/powerpoint/2010/main" val="1998214879"/>
               </p:ext>
             </p:extLst>
           </p:nvPr>
@@ -21796,7 +21891,7 @@
                         <a:tabLst/>
                       </a:pPr>
                       <a:r>
-                        <a:rPr kumimoji="0" lang="ja-JP" altLang="en-US" sz="1800" b="0" i="0" u="none" strike="noStrike" cap="none" normalizeH="0" baseline="0" dirty="0" smtClean="0">
+                        <a:rPr kumimoji="0" lang="en-US" sz="1800" b="0" i="0" u="none" strike="noStrike" cap="none" normalizeH="0" baseline="0" dirty="0" smtClean="0">
                           <a:ln>
                             <a:noFill/>
                           </a:ln>
@@ -21807,7 +21902,7 @@
                           <a:latin typeface="Calibri" pitchFamily="34" charset="0"/>
                           <a:ea typeface="ＭＳ Ｐゴシック" charset="-128"/>
                         </a:rPr>
-                        <a:t>シーソー</a:t>
+                        <a:t>See-Saw</a:t>
                       </a:r>
                       <a:endParaRPr kumimoji="0" lang="en-CA" sz="1800" b="0" i="0" u="none" strike="noStrike" cap="none" normalizeH="0" baseline="0" dirty="0" smtClean="0">
                         <a:ln>
@@ -21988,7 +22083,7 @@
                         <a:tabLst/>
                       </a:pPr>
                       <a:r>
-                        <a:rPr kumimoji="0" lang="ja-JP" altLang="en-US" sz="1800" b="0" i="0" u="none" strike="noStrike" cap="none" normalizeH="0" baseline="0" dirty="0" smtClean="0">
+                        <a:rPr kumimoji="0" lang="en-US" sz="1800" b="0" i="0" u="none" strike="noStrike" cap="none" normalizeH="0" baseline="0" dirty="0" smtClean="0">
                           <a:ln>
                             <a:noFill/>
                           </a:ln>
@@ -21999,7 +22094,7 @@
                           <a:latin typeface="Calibri" pitchFamily="34" charset="0"/>
                           <a:ea typeface="ＭＳ Ｐゴシック" charset="-128"/>
                         </a:rPr>
-                        <a:t>階段</a:t>
+                        <a:t>Stairway</a:t>
                       </a:r>
                       <a:endParaRPr kumimoji="0" lang="en-CA" sz="1800" b="0" i="0" u="none" strike="noStrike" cap="none" normalizeH="0" baseline="0" dirty="0" smtClean="0">
                         <a:ln>
@@ -22083,7 +22178,7 @@
                         <a:tabLst/>
                       </a:pPr>
                       <a:r>
-                        <a:rPr kumimoji="0" lang="en-CA" altLang="ja-JP" sz="1800" b="0" i="0" u="none" strike="noStrike" cap="none" normalizeH="0" baseline="0" smtClean="0">
+                        <a:rPr kumimoji="0" lang="en-CA" sz="1800" b="0" i="0" u="none" strike="noStrike" cap="none" normalizeH="0" baseline="0" dirty="0" smtClean="0">
                           <a:ln>
                             <a:noFill/>
                           </a:ln>
@@ -22094,23 +22189,9 @@
                           <a:latin typeface="Calibri" pitchFamily="34" charset="0"/>
                           <a:ea typeface="ＭＳ Ｐゴシック" charset="-128"/>
                         </a:rPr>
-                        <a:t>Rhapsody</a:t>
+                        <a:t>Using Rhapsody</a:t>
                       </a:r>
-                      <a:r>
-                        <a:rPr kumimoji="0" lang="ja-JP" altLang="en-US" sz="1800" b="0" i="0" u="none" strike="noStrike" cap="none" normalizeH="0" baseline="0" smtClean="0">
-                          <a:ln>
-                            <a:noFill/>
-                          </a:ln>
-                          <a:solidFill>
-                            <a:srgbClr val="000000"/>
-                          </a:solidFill>
-                          <a:effectLst/>
-                          <a:latin typeface="Calibri" pitchFamily="34" charset="0"/>
-                          <a:ea typeface="ＭＳ Ｐゴシック" charset="-128"/>
-                        </a:rPr>
-                        <a:t>の使用</a:t>
-                      </a:r>
-                      <a:endParaRPr kumimoji="0" lang="en-CA" sz="1800" b="0" i="0" u="none" strike="noStrike" cap="none" normalizeH="0" baseline="0" smtClean="0">
+                      <a:endParaRPr kumimoji="0" lang="en-CA" sz="1800" b="0" i="0" u="none" strike="noStrike" cap="none" normalizeH="0" baseline="0" dirty="0" smtClean="0">
                         <a:ln>
                           <a:noFill/>
                         </a:ln>
@@ -22194,7 +22275,7 @@
                         <a:tabLst/>
                       </a:pPr>
                       <a:r>
-                        <a:rPr kumimoji="0" lang="ja-JP" altLang="en-US" sz="1800" b="0" i="0" u="none" strike="noStrike" cap="none" normalizeH="0" baseline="0" dirty="0" smtClean="0">
+                        <a:rPr kumimoji="0" lang="en-US" sz="1800" b="0" i="0" u="none" strike="noStrike" cap="none" normalizeH="0" baseline="0" dirty="0" smtClean="0">
                           <a:ln>
                             <a:noFill/>
                           </a:ln>
@@ -22205,7 +22286,7 @@
                           <a:latin typeface="Calibri" pitchFamily="34" charset="0"/>
                           <a:ea typeface="ＭＳ Ｐゴシック" charset="-128"/>
                         </a:rPr>
-                        <a:t>ゴール停止</a:t>
+                        <a:t>Garage In</a:t>
                       </a:r>
                       <a:endParaRPr kumimoji="0" lang="en-CA" sz="1800" b="0" i="0" u="none" strike="noStrike" cap="none" normalizeH="0" baseline="0" dirty="0" smtClean="0">
                         <a:ln>
@@ -22289,7 +22370,7 @@
                         <a:tabLst/>
                       </a:pPr>
                       <a:r>
-                        <a:rPr kumimoji="0" lang="ja-JP" altLang="en-US" sz="1800" b="0" i="0" u="none" strike="noStrike" cap="none" normalizeH="0" baseline="0" smtClean="0">
+                        <a:rPr kumimoji="0" lang="ja-JP" altLang="en-US" sz="1800" b="0" i="0" u="none" strike="noStrike" cap="none" normalizeH="0" baseline="0" dirty="0" smtClean="0">
                           <a:ln>
                             <a:noFill/>
                           </a:ln>
@@ -22303,7 +22384,7 @@
                         <a:t>新しい</a:t>
                       </a:r>
                       <a:r>
-                        <a:rPr kumimoji="0" lang="en-US" altLang="ja-JP" sz="1800" b="0" i="0" u="none" strike="noStrike" cap="none" normalizeH="0" baseline="0" smtClean="0">
+                        <a:rPr kumimoji="0" lang="en-US" altLang="ja-JP" sz="1800" b="0" i="0" u="none" strike="noStrike" cap="none" normalizeH="0" baseline="0" dirty="0" smtClean="0">
                           <a:ln>
                             <a:noFill/>
                           </a:ln>
@@ -22317,7 +22398,7 @@
                         <a:t>SNS</a:t>
                       </a:r>
                       <a:r>
-                        <a:rPr kumimoji="0" lang="ja-JP" altLang="en-US" sz="1800" b="0" i="0" u="none" strike="noStrike" cap="none" normalizeH="0" baseline="0" smtClean="0">
+                        <a:rPr kumimoji="0" lang="ja-JP" altLang="en-US" sz="1800" b="0" i="0" u="none" strike="noStrike" cap="none" normalizeH="0" baseline="0" dirty="0" smtClean="0">
                           <a:ln>
                             <a:noFill/>
                           </a:ln>
@@ -22330,7 +22411,7 @@
                         </a:rPr>
                         <a:t>の導入</a:t>
                       </a:r>
-                      <a:endParaRPr kumimoji="0" lang="en-CA" sz="1800" b="0" i="0" u="none" strike="noStrike" cap="none" normalizeH="0" baseline="0" smtClean="0">
+                      <a:endParaRPr kumimoji="0" lang="en-CA" sz="1800" b="0" i="0" u="none" strike="noStrike" cap="none" normalizeH="0" baseline="0" dirty="0" smtClean="0">
                         <a:ln>
                           <a:noFill/>
                         </a:ln>
@@ -22414,7 +22495,7 @@
                         <a:tabLst/>
                       </a:pPr>
                       <a:r>
-                        <a:rPr kumimoji="0" lang="ja-JP" altLang="en-US" sz="1800" b="0" i="0" u="none" strike="noStrike" cap="none" normalizeH="0" baseline="0" smtClean="0">
+                        <a:rPr kumimoji="0" lang="en-US" altLang="ja-JP" sz="1800" b="0" i="0" u="none" strike="noStrike" cap="none" normalizeH="0" baseline="0" dirty="0" smtClean="0">
                           <a:ln>
                             <a:noFill/>
                           </a:ln>
@@ -22425,9 +22506,9 @@
                           <a:latin typeface="Calibri" pitchFamily="34" charset="0"/>
                           <a:ea typeface="ＭＳ Ｐゴシック" charset="-128"/>
                         </a:rPr>
-                        <a:t>自己位置推定（走行区間）</a:t>
+                        <a:t>Self-location</a:t>
                       </a:r>
-                      <a:endParaRPr kumimoji="0" lang="en-CA" sz="1800" b="0" i="0" u="none" strike="noStrike" cap="none" normalizeH="0" baseline="0" smtClean="0">
+                      <a:endParaRPr kumimoji="0" lang="en-CA" sz="1800" b="0" i="0" u="none" strike="noStrike" cap="none" normalizeH="0" baseline="0" dirty="0" smtClean="0">
                         <a:ln>
                           <a:noFill/>
                         </a:ln>
@@ -22593,7 +22674,7 @@
                         <a:tabLst/>
                       </a:pPr>
                       <a:r>
-                        <a:rPr kumimoji="0" lang="en-CA" altLang="ja-JP" sz="1800" b="0" i="0" u="none" strike="noStrike" cap="none" normalizeH="0" baseline="0" smtClean="0">
+                        <a:rPr kumimoji="0" lang="en-CA" altLang="ja-JP" sz="1800" b="0" i="0" u="none" strike="noStrike" cap="none" normalizeH="0" baseline="0" dirty="0" smtClean="0">
                           <a:ln>
                             <a:noFill/>
                           </a:ln>
@@ -22604,23 +22685,9 @@
                           <a:latin typeface="Calibri" pitchFamily="34" charset="0"/>
                           <a:ea typeface="ＭＳ Ｐゴシック" charset="-128"/>
                         </a:rPr>
-                        <a:t>NXT Comunicator</a:t>
+                        <a:t>Data Logging with Using NXT Communicator</a:t>
                       </a:r>
-                      <a:r>
-                        <a:rPr kumimoji="0" lang="ja-JP" altLang="en-US" sz="1800" b="0" i="0" u="none" strike="noStrike" cap="none" normalizeH="0" baseline="0" smtClean="0">
-                          <a:ln>
-                            <a:noFill/>
-                          </a:ln>
-                          <a:solidFill>
-                            <a:srgbClr val="000000"/>
-                          </a:solidFill>
-                          <a:effectLst/>
-                          <a:latin typeface="Calibri" pitchFamily="34" charset="0"/>
-                          <a:ea typeface="ＭＳ Ｐゴシック" charset="-128"/>
-                        </a:rPr>
-                        <a:t>を使用した動作ログの収集</a:t>
-                      </a:r>
-                      <a:endParaRPr kumimoji="0" lang="en-CA" sz="1800" b="0" i="0" u="none" strike="noStrike" cap="none" normalizeH="0" baseline="0" smtClean="0">
+                      <a:endParaRPr kumimoji="0" lang="en-CA" sz="1800" b="0" i="0" u="none" strike="noStrike" cap="none" normalizeH="0" baseline="0" dirty="0" smtClean="0">
                         <a:ln>
                           <a:noFill/>
                         </a:ln>
@@ -23078,7 +23145,7 @@
                         <a:tabLst/>
                       </a:pPr>
                       <a:r>
-                        <a:rPr kumimoji="0" lang="ja-JP" altLang="en-US" sz="1800" b="0" i="0" u="none" strike="noStrike" cap="none" normalizeH="0" baseline="0" smtClean="0">
+                        <a:rPr kumimoji="0" lang="ja-JP" altLang="en-US" sz="1800" b="0" i="0" u="none" strike="noStrike" cap="none" normalizeH="0" baseline="0" dirty="0" smtClean="0">
                           <a:ln>
                             <a:noFill/>
                           </a:ln>
@@ -23091,7 +23158,7 @@
                         </a:rPr>
                         <a:t>新難所の攻略（規約公開後に決定）</a:t>
                       </a:r>
-                      <a:endParaRPr kumimoji="0" lang="en-CA" sz="1800" b="0" i="0" u="none" strike="noStrike" cap="none" normalizeH="0" baseline="0" smtClean="0">
+                      <a:endParaRPr kumimoji="0" lang="en-CA" sz="1800" b="0" i="0" u="none" strike="noStrike" cap="none" normalizeH="0" baseline="0" dirty="0" smtClean="0">
                         <a:ln>
                           <a:noFill/>
                         </a:ln>
@@ -23517,7 +23584,7 @@
         <p:spPr bwMode="auto">
           <a:xfrm>
             <a:off x="3276600" y="3124200"/>
-            <a:ext cx="1708150" cy="508000"/>
+            <a:ext cx="1616020" cy="507831"/>
           </a:xfrm>
           <a:prstGeom prst="rect">
             <a:avLst/>
@@ -23553,12 +23620,16 @@
           <a:lstStyle/>
           <a:p>
             <a:r>
-              <a:rPr kumimoji="0" lang="ja-JP" altLang="en-US" sz="2800">
+              <a:rPr kumimoji="0" lang="en-US" altLang="ja-JP" sz="2800" dirty="0" smtClean="0">
                 <a:cs typeface="Calibri" pitchFamily="34" charset="0"/>
                 <a:sym typeface="Calibri" pitchFamily="34" charset="0"/>
               </a:rPr>
-              <a:t>コアチーム</a:t>
-            </a:r>
+              <a:t>Core Team</a:t>
+            </a:r>
+            <a:endParaRPr kumimoji="0" lang="ja-JP" altLang="en-US" sz="2800" dirty="0">
+              <a:cs typeface="Calibri" pitchFamily="34" charset="0"/>
+              <a:sym typeface="Calibri" pitchFamily="34" charset="0"/>
+            </a:endParaRPr>
           </a:p>
         </p:txBody>
       </p:sp>
@@ -23609,20 +23680,20 @@
           <a:lstStyle/>
           <a:p>
             <a:r>
-              <a:rPr kumimoji="0" lang="ja-JP" altLang="en-US" sz="2800">
+              <a:rPr kumimoji="0" lang="ja-JP" altLang="en-US" sz="2800" dirty="0">
                 <a:cs typeface="Calibri" pitchFamily="34" charset="0"/>
                 <a:sym typeface="Calibri" pitchFamily="34" charset="0"/>
               </a:rPr>
               <a:t>組込み関連の教員方</a:t>
             </a:r>
-            <a:endParaRPr kumimoji="0" lang="en-US" altLang="ja-JP" sz="2800">
+            <a:endParaRPr kumimoji="0" lang="en-US" altLang="ja-JP" sz="2800" dirty="0">
               <a:cs typeface="Calibri" pitchFamily="34" charset="0"/>
               <a:sym typeface="Calibri" pitchFamily="34" charset="0"/>
             </a:endParaRPr>
           </a:p>
           <a:p>
             <a:r>
-              <a:rPr kumimoji="0" lang="ja-JP" altLang="en-US" sz="2800">
+              <a:rPr kumimoji="0" lang="ja-JP" altLang="en-US" sz="2800" dirty="0">
                 <a:cs typeface="Calibri" pitchFamily="34" charset="0"/>
                 <a:sym typeface="Calibri" pitchFamily="34" charset="0"/>
               </a:rPr>
@@ -23678,14 +23749,14 @@
           <a:lstStyle/>
           <a:p>
             <a:r>
-              <a:rPr kumimoji="0" lang="ja-JP" altLang="en-US" sz="2800">
+              <a:rPr kumimoji="0" lang="ja-JP" altLang="en-US" sz="2800" dirty="0">
                 <a:cs typeface="Calibri" pitchFamily="34" charset="0"/>
                 <a:sym typeface="Calibri" pitchFamily="34" charset="0"/>
               </a:rPr>
               <a:t>チームの</a:t>
             </a:r>
             <a:r>
-              <a:rPr kumimoji="0" lang="en-US" altLang="ja-JP" sz="2800">
+              <a:rPr kumimoji="0" lang="en-US" altLang="ja-JP" sz="2800" dirty="0">
                 <a:cs typeface="Calibri" pitchFamily="34" charset="0"/>
                 <a:sym typeface="Calibri" pitchFamily="34" charset="0"/>
               </a:rPr>
@@ -23694,7 +23765,7 @@
           </a:p>
           <a:p>
             <a:r>
-              <a:rPr kumimoji="0" lang="ja-JP" altLang="en-US" sz="2800">
+              <a:rPr kumimoji="0" lang="ja-JP" altLang="en-US" sz="2800" dirty="0">
                 <a:cs typeface="Calibri" pitchFamily="34" charset="0"/>
                 <a:sym typeface="Calibri" pitchFamily="34" charset="0"/>
               </a:rPr>
@@ -24313,11 +24384,7 @@
             </a:r>
             <a:r>
               <a:rPr kumimoji="0" lang="en-US" altLang="ja-JP" sz="2400" dirty="0" smtClean="0"/>
-              <a:t>Model Catalogue</a:t>
-            </a:r>
-            <a:r>
-              <a:rPr kumimoji="0" lang="en-US" altLang="ja-JP" sz="2400" dirty="0" smtClean="0"/>
-              <a:t> </a:t>
+              <a:t>Model Catalogue </a:t>
             </a:r>
             <a:r>
               <a:rPr kumimoji="0" lang="ja-JP" altLang="en-US" sz="2400" dirty="0" smtClean="0"/>
@@ -25125,8 +25192,16 @@
               <a:defRPr/>
             </a:pPr>
             <a:r>
+              <a:rPr lang="en-US" altLang="ja-JP" dirty="0" smtClean="0"/>
+              <a:t>Empty Theory</a:t>
+            </a:r>
+            <a:r>
               <a:rPr lang="ja-JP" altLang="en-US" dirty="0" smtClean="0"/>
-              <a:t>机上の空論（プロダクト不在のモデル一辺倒）</a:t>
+              <a:t>（</a:t>
+            </a:r>
+            <a:r>
+              <a:rPr lang="ja-JP" altLang="en-US" dirty="0" smtClean="0"/>
+              <a:t>プロダクト不在のモデル一辺倒）</a:t>
             </a:r>
             <a:endParaRPr lang="en-CA" dirty="0" smtClean="0"/>
           </a:p>
@@ -25140,8 +25215,20 @@
               <a:defRPr/>
             </a:pPr>
             <a:r>
+              <a:rPr lang="en-US" altLang="ja-JP" dirty="0" smtClean="0"/>
+              <a:t>Meaningless Sprint</a:t>
+            </a:r>
+            <a:r>
               <a:rPr lang="ja-JP" altLang="en-US" dirty="0" smtClean="0"/>
-              <a:t>回らないスプリント（アジャイル）</a:t>
+              <a:t>（</a:t>
+            </a:r>
+            <a:r>
+              <a:rPr lang="en-US" altLang="ja-JP" dirty="0" smtClean="0"/>
+              <a:t>Agile</a:t>
+            </a:r>
+            <a:r>
+              <a:rPr lang="ja-JP" altLang="en-US" dirty="0" smtClean="0"/>
+              <a:t>）</a:t>
             </a:r>
             <a:endParaRPr lang="en-CA" dirty="0" smtClean="0"/>
           </a:p>

--- a/Inception Deck -E-konbu-.pptx
+++ b/Inception Deck -E-konbu-.pptx
@@ -5,25 +5,24 @@
     <p:sldMasterId id="2147483648" r:id="rId1"/>
   </p:sldMasterIdLst>
   <p:notesMasterIdLst>
-    <p:notesMasterId r:id="rId15"/>
+    <p:notesMasterId r:id="rId14"/>
   </p:notesMasterIdLst>
   <p:handoutMasterIdLst>
-    <p:handoutMasterId r:id="rId16"/>
+    <p:handoutMasterId r:id="rId15"/>
   </p:handoutMasterIdLst>
   <p:sldIdLst>
     <p:sldId id="256" r:id="rId2"/>
     <p:sldId id="258" r:id="rId3"/>
-    <p:sldId id="259" r:id="rId4"/>
-    <p:sldId id="269" r:id="rId5"/>
-    <p:sldId id="260" r:id="rId6"/>
-    <p:sldId id="261" r:id="rId7"/>
-    <p:sldId id="262" r:id="rId8"/>
-    <p:sldId id="263" r:id="rId9"/>
-    <p:sldId id="264" r:id="rId10"/>
-    <p:sldId id="267" r:id="rId11"/>
-    <p:sldId id="265" r:id="rId12"/>
-    <p:sldId id="266" r:id="rId13"/>
-    <p:sldId id="268" r:id="rId14"/>
+    <p:sldId id="269" r:id="rId4"/>
+    <p:sldId id="260" r:id="rId5"/>
+    <p:sldId id="261" r:id="rId6"/>
+    <p:sldId id="262" r:id="rId7"/>
+    <p:sldId id="263" r:id="rId8"/>
+    <p:sldId id="264" r:id="rId9"/>
+    <p:sldId id="267" r:id="rId10"/>
+    <p:sldId id="265" r:id="rId11"/>
+    <p:sldId id="266" r:id="rId12"/>
+    <p:sldId id="268" r:id="rId13"/>
   </p:sldIdLst>
   <p:sldSz cx="9144000" cy="6858000" type="screen4x3"/>
   <p:notesSz cx="9926638" cy="6669088"/>
@@ -264,7 +263,7 @@
               <a:pPr>
                 <a:defRPr/>
               </a:pPr>
-              <a:t>2012/7/12</a:t>
+              <a:t>2012/7/13</a:t>
             </a:fld>
             <a:endParaRPr lang="ja-JP" altLang="en-US"/>
           </a:p>
@@ -465,7 +464,7 @@
             <a:fld id="{D457768B-18B4-4BB4-B811-2560DC7216E9}" type="datetimeFigureOut">
               <a:rPr lang="en-CA" altLang="ja-JP"/>
               <a:pPr/>
-              <a:t>12/07/2012</a:t>
+              <a:t>13/07/2012</a:t>
             </a:fld>
             <a:endParaRPr lang="en-CA" altLang="ja-JP"/>
           </a:p>
@@ -1123,277 +1122,6 @@
       </p:grpSpPr>
       <p:sp>
         <p:nvSpPr>
-          <p:cNvPr id="26626" name="Slide Image Placeholder 1"/>
-          <p:cNvSpPr>
-            <a:spLocks noGrp="1" noRot="1" noChangeAspect="1" noTextEdit="1"/>
-          </p:cNvSpPr>
-          <p:nvPr>
-            <p:ph type="sldImg"/>
-          </p:nvPr>
-        </p:nvSpPr>
-        <p:spPr bwMode="auto">
-          <a:noFill/>
-          <a:ln>
-            <a:solidFill>
-              <a:srgbClr val="000000"/>
-            </a:solidFill>
-            <a:miter lim="800000"/>
-            <a:headEnd/>
-            <a:tailEnd/>
-          </a:ln>
-          <a:extLst>
-            <a:ext uri="{909E8E84-426E-40DD-AFC4-6F175D3DCCD1}">
-              <a14:hiddenFill xmlns:a14="http://schemas.microsoft.com/office/drawing/2010/main">
-                <a:solidFill>
-                  <a:srgbClr val="FFFFFF"/>
-                </a:solidFill>
-              </a14:hiddenFill>
-            </a:ext>
-          </a:extLst>
-        </p:spPr>
-      </p:sp>
-      <p:sp>
-        <p:nvSpPr>
-          <p:cNvPr id="26627" name="Notes Placeholder 2"/>
-          <p:cNvSpPr>
-            <a:spLocks noGrp="1"/>
-          </p:cNvSpPr>
-          <p:nvPr>
-            <p:ph type="body" idx="1"/>
-          </p:nvPr>
-        </p:nvSpPr>
-        <p:spPr bwMode="auto">
-          <a:noFill/>
-          <a:extLst>
-            <a:ext uri="{909E8E84-426E-40DD-AFC4-6F175D3DCCD1}">
-              <a14:hiddenFill xmlns:a14="http://schemas.microsoft.com/office/drawing/2010/main">
-                <a:solidFill>
-                  <a:srgbClr val="FFFFFF"/>
-                </a:solidFill>
-              </a14:hiddenFill>
-            </a:ext>
-            <a:ext uri="{91240B29-F687-4F45-9708-019B960494DF}">
-              <a14:hiddenLine xmlns:a14="http://schemas.microsoft.com/office/drawing/2010/main" w="9525">
-                <a:solidFill>
-                  <a:srgbClr val="000000"/>
-                </a:solidFill>
-                <a:miter lim="800000"/>
-                <a:headEnd/>
-                <a:tailEnd/>
-              </a14:hiddenLine>
-            </a:ext>
-          </a:extLst>
-        </p:spPr>
-        <p:txBody>
-          <a:bodyPr wrap="square" numCol="1" anchor="t" anchorCtr="0" compatLnSpc="1">
-            <a:prstTxWarp prst="textNoShape">
-              <a:avLst/>
-            </a:prstTxWarp>
-          </a:bodyPr>
-          <a:lstStyle/>
-          <a:p>
-            <a:pPr>
-              <a:spcBef>
-                <a:spcPct val="0"/>
-              </a:spcBef>
-            </a:pPr>
-            <a:r>
-              <a:rPr lang="ja-JP" altLang="en-US" smtClean="0"/>
-              <a:t>必要となるであろう期待される能力やどんな種類のスキルが必要なのかについて書きこもう。</a:t>
-            </a:r>
-            <a:endParaRPr lang="en-CA" smtClean="0"/>
-          </a:p>
-          <a:p>
-            <a:pPr>
-              <a:spcBef>
-                <a:spcPct val="0"/>
-              </a:spcBef>
-            </a:pPr>
-            <a:r>
-              <a:rPr lang="ja-JP" altLang="en-US" smtClean="0"/>
-              <a:t>もし特定の人物が重要なのであれば、その名前を書こう（例えば、</a:t>
-            </a:r>
-            <a:r>
-              <a:rPr lang="en-US" altLang="ja-JP" smtClean="0"/>
-              <a:t>X</a:t>
-            </a:r>
-            <a:r>
-              <a:rPr lang="ja-JP" altLang="en-US" smtClean="0"/>
-              <a:t>ができるのはビリーだけだ、とか）</a:t>
-            </a:r>
-            <a:endParaRPr lang="en-CA" smtClean="0"/>
-          </a:p>
-        </p:txBody>
-      </p:sp>
-      <p:sp>
-        <p:nvSpPr>
-          <p:cNvPr id="26628" name="Slide Number Placeholder 3"/>
-          <p:cNvSpPr>
-            <a:spLocks noGrp="1"/>
-          </p:cNvSpPr>
-          <p:nvPr>
-            <p:ph type="sldNum" sz="quarter" idx="5"/>
-          </p:nvPr>
-        </p:nvSpPr>
-        <p:spPr bwMode="auto">
-          <a:noFill/>
-          <a:extLst>
-            <a:ext uri="{909E8E84-426E-40DD-AFC4-6F175D3DCCD1}">
-              <a14:hiddenFill xmlns:a14="http://schemas.microsoft.com/office/drawing/2010/main">
-                <a:solidFill>
-                  <a:srgbClr val="FFFFFF"/>
-                </a:solidFill>
-              </a14:hiddenFill>
-            </a:ext>
-            <a:ext uri="{91240B29-F687-4F45-9708-019B960494DF}">
-              <a14:hiddenLine xmlns:a14="http://schemas.microsoft.com/office/drawing/2010/main" w="9525">
-                <a:solidFill>
-                  <a:srgbClr val="000000"/>
-                </a:solidFill>
-                <a:miter lim="800000"/>
-                <a:headEnd/>
-                <a:tailEnd/>
-              </a14:hiddenLine>
-            </a:ext>
-          </a:extLst>
-        </p:spPr>
-        <p:txBody>
-          <a:bodyPr/>
-          <a:lstStyle>
-            <a:lvl1pPr>
-              <a:defRPr>
-                <a:solidFill>
-                  <a:schemeClr val="tx1"/>
-                </a:solidFill>
-                <a:latin typeface="Calibri" pitchFamily="34" charset="0"/>
-              </a:defRPr>
-            </a:lvl1pPr>
-            <a:lvl2pPr marL="742950" indent="-285750">
-              <a:defRPr>
-                <a:solidFill>
-                  <a:schemeClr val="tx1"/>
-                </a:solidFill>
-                <a:latin typeface="Calibri" pitchFamily="34" charset="0"/>
-              </a:defRPr>
-            </a:lvl2pPr>
-            <a:lvl3pPr marL="1143000" indent="-228600">
-              <a:defRPr>
-                <a:solidFill>
-                  <a:schemeClr val="tx1"/>
-                </a:solidFill>
-                <a:latin typeface="Calibri" pitchFamily="34" charset="0"/>
-              </a:defRPr>
-            </a:lvl3pPr>
-            <a:lvl4pPr marL="1600200" indent="-228600">
-              <a:defRPr>
-                <a:solidFill>
-                  <a:schemeClr val="tx1"/>
-                </a:solidFill>
-                <a:latin typeface="Calibri" pitchFamily="34" charset="0"/>
-              </a:defRPr>
-            </a:lvl4pPr>
-            <a:lvl5pPr marL="2057400" indent="-228600">
-              <a:defRPr>
-                <a:solidFill>
-                  <a:schemeClr val="tx1"/>
-                </a:solidFill>
-                <a:latin typeface="Calibri" pitchFamily="34" charset="0"/>
-              </a:defRPr>
-            </a:lvl5pPr>
-            <a:lvl6pPr marL="2514600" indent="-228600" fontAlgn="base">
-              <a:spcBef>
-                <a:spcPct val="0"/>
-              </a:spcBef>
-              <a:spcAft>
-                <a:spcPct val="0"/>
-              </a:spcAft>
-              <a:defRPr>
-                <a:solidFill>
-                  <a:schemeClr val="tx1"/>
-                </a:solidFill>
-                <a:latin typeface="Calibri" pitchFamily="34" charset="0"/>
-              </a:defRPr>
-            </a:lvl6pPr>
-            <a:lvl7pPr marL="2971800" indent="-228600" fontAlgn="base">
-              <a:spcBef>
-                <a:spcPct val="0"/>
-              </a:spcBef>
-              <a:spcAft>
-                <a:spcPct val="0"/>
-              </a:spcAft>
-              <a:defRPr>
-                <a:solidFill>
-                  <a:schemeClr val="tx1"/>
-                </a:solidFill>
-                <a:latin typeface="Calibri" pitchFamily="34" charset="0"/>
-              </a:defRPr>
-            </a:lvl7pPr>
-            <a:lvl8pPr marL="3429000" indent="-228600" fontAlgn="base">
-              <a:spcBef>
-                <a:spcPct val="0"/>
-              </a:spcBef>
-              <a:spcAft>
-                <a:spcPct val="0"/>
-              </a:spcAft>
-              <a:defRPr>
-                <a:solidFill>
-                  <a:schemeClr val="tx1"/>
-                </a:solidFill>
-                <a:latin typeface="Calibri" pitchFamily="34" charset="0"/>
-              </a:defRPr>
-            </a:lvl8pPr>
-            <a:lvl9pPr marL="3886200" indent="-228600" fontAlgn="base">
-              <a:spcBef>
-                <a:spcPct val="0"/>
-              </a:spcBef>
-              <a:spcAft>
-                <a:spcPct val="0"/>
-              </a:spcAft>
-              <a:defRPr>
-                <a:solidFill>
-                  <a:schemeClr val="tx1"/>
-                </a:solidFill>
-                <a:latin typeface="Calibri" pitchFamily="34" charset="0"/>
-              </a:defRPr>
-            </a:lvl9pPr>
-          </a:lstStyle>
-          <a:p>
-            <a:fld id="{DC995F7E-8C33-4C4F-8E04-5CA727622CBF}" type="slidenum">
-              <a:rPr lang="en-CA" altLang="ja-JP"/>
-              <a:pPr/>
-              <a:t>10</a:t>
-            </a:fld>
-            <a:endParaRPr lang="en-CA" altLang="ja-JP"/>
-          </a:p>
-        </p:txBody>
-      </p:sp>
-    </p:spTree>
-  </p:cSld>
-  <p:clrMapOvr>
-    <a:masterClrMapping/>
-  </p:clrMapOvr>
-</p:notes>
-</file>
-
-<file path=ppt/notesSlides/notesSlide11.xml><?xml version="1.0" encoding="utf-8"?>
-<p:notes xmlns:a="http://schemas.openxmlformats.org/drawingml/2006/main" xmlns:r="http://schemas.openxmlformats.org/officeDocument/2006/relationships" xmlns:p="http://schemas.openxmlformats.org/presentationml/2006/main">
-  <p:cSld>
-    <p:spTree>
-      <p:nvGrpSpPr>
-        <p:cNvPr id="1" name=""/>
-        <p:cNvGrpSpPr/>
-        <p:nvPr/>
-      </p:nvGrpSpPr>
-      <p:grpSpPr>
-        <a:xfrm>
-          <a:off x="0" y="0"/>
-          <a:ext cx="0" cy="0"/>
-          <a:chOff x="0" y="0"/>
-          <a:chExt cx="0" cy="0"/>
-        </a:xfrm>
-      </p:grpSpPr>
-      <p:sp>
-        <p:nvSpPr>
           <p:cNvPr id="27650" name="Slide Image Placeholder 1"/>
           <p:cNvSpPr>
             <a:spLocks noGrp="1" noRot="1" noChangeAspect="1" noTextEdit="1"/>
@@ -1636,7 +1364,7 @@
             <a:fld id="{673DD66C-F980-43E4-BE3A-DFD02CE977E6}" type="slidenum">
               <a:rPr lang="en-CA" altLang="ja-JP"/>
               <a:pPr/>
-              <a:t>11</a:t>
+              <a:t>10</a:t>
             </a:fld>
             <a:endParaRPr lang="en-CA" altLang="ja-JP"/>
           </a:p>
@@ -1650,7 +1378,7 @@
 </p:notes>
 </file>
 
-<file path=ppt/notesSlides/notesSlide12.xml><?xml version="1.0" encoding="utf-8"?>
+<file path=ppt/notesSlides/notesSlide11.xml><?xml version="1.0" encoding="utf-8"?>
 <p:notes xmlns:a="http://schemas.openxmlformats.org/drawingml/2006/main" xmlns:r="http://schemas.openxmlformats.org/officeDocument/2006/relationships" xmlns:p="http://schemas.openxmlformats.org/presentationml/2006/main">
   <p:cSld>
     <p:spTree>
@@ -1970,7 +1698,7 @@
             <a:fld id="{7E4F71EB-EF12-49E1-BFA3-760063372D1B}" type="slidenum">
               <a:rPr lang="en-CA" altLang="ja-JP"/>
               <a:pPr/>
-              <a:t>12</a:t>
+              <a:t>11</a:t>
             </a:fld>
             <a:endParaRPr lang="en-CA" altLang="ja-JP"/>
           </a:p>
@@ -1984,7 +1712,7 @@
 </p:notes>
 </file>
 
-<file path=ppt/notesSlides/notesSlide13.xml><?xml version="1.0" encoding="utf-8"?>
+<file path=ppt/notesSlides/notesSlide12.xml><?xml version="1.0" encoding="utf-8"?>
 <p:notes xmlns:a="http://schemas.openxmlformats.org/drawingml/2006/main" xmlns:r="http://schemas.openxmlformats.org/officeDocument/2006/relationships" xmlns:p="http://schemas.openxmlformats.org/presentationml/2006/main">
   <p:cSld>
     <p:spTree>
@@ -2257,7 +1985,7 @@
             <a:fld id="{2647F0E3-F118-4C44-95AA-DC3A3F10E460}" type="slidenum">
               <a:rPr lang="en-CA" altLang="ja-JP"/>
               <a:pPr/>
-              <a:t>13</a:t>
+              <a:t>12</a:t>
             </a:fld>
             <a:endParaRPr lang="en-CA" altLang="ja-JP"/>
           </a:p>
@@ -2811,253 +2539,6 @@
       </p:grpSpPr>
       <p:sp>
         <p:nvSpPr>
-          <p:cNvPr id="20482" name="スライド イメージ プレースホルダー 1"/>
-          <p:cNvSpPr>
-            <a:spLocks noGrp="1" noRot="1" noChangeAspect="1" noTextEdit="1"/>
-          </p:cNvSpPr>
-          <p:nvPr>
-            <p:ph type="sldImg"/>
-          </p:nvPr>
-        </p:nvSpPr>
-        <p:spPr bwMode="auto">
-          <a:noFill/>
-          <a:ln>
-            <a:solidFill>
-              <a:srgbClr val="000000"/>
-            </a:solidFill>
-            <a:miter lim="800000"/>
-            <a:headEnd/>
-            <a:tailEnd/>
-          </a:ln>
-          <a:extLst>
-            <a:ext uri="{909E8E84-426E-40DD-AFC4-6F175D3DCCD1}">
-              <a14:hiddenFill xmlns:a14="http://schemas.microsoft.com/office/drawing/2010/main">
-                <a:solidFill>
-                  <a:srgbClr val="FFFFFF"/>
-                </a:solidFill>
-              </a14:hiddenFill>
-            </a:ext>
-          </a:extLst>
-        </p:spPr>
-      </p:sp>
-      <p:sp>
-        <p:nvSpPr>
-          <p:cNvPr id="20483" name="ノート プレースホルダー 2"/>
-          <p:cNvSpPr>
-            <a:spLocks noGrp="1"/>
-          </p:cNvSpPr>
-          <p:nvPr>
-            <p:ph type="body" idx="1"/>
-          </p:nvPr>
-        </p:nvSpPr>
-        <p:spPr bwMode="auto">
-          <a:noFill/>
-          <a:extLst>
-            <a:ext uri="{909E8E84-426E-40DD-AFC4-6F175D3DCCD1}">
-              <a14:hiddenFill xmlns:a14="http://schemas.microsoft.com/office/drawing/2010/main">
-                <a:solidFill>
-                  <a:srgbClr val="FFFFFF"/>
-                </a:solidFill>
-              </a14:hiddenFill>
-            </a:ext>
-            <a:ext uri="{91240B29-F687-4F45-9708-019B960494DF}">
-              <a14:hiddenLine xmlns:a14="http://schemas.microsoft.com/office/drawing/2010/main" w="9525">
-                <a:solidFill>
-                  <a:srgbClr val="000000"/>
-                </a:solidFill>
-                <a:miter lim="800000"/>
-                <a:headEnd/>
-                <a:tailEnd/>
-              </a14:hiddenLine>
-            </a:ext>
-          </a:extLst>
-        </p:spPr>
-        <p:txBody>
-          <a:bodyPr wrap="square" numCol="1" anchor="t" anchorCtr="0" compatLnSpc="1">
-            <a:prstTxWarp prst="textNoShape">
-              <a:avLst/>
-            </a:prstTxWarp>
-          </a:bodyPr>
-          <a:lstStyle/>
-          <a:p>
-            <a:pPr>
-              <a:spcBef>
-                <a:spcPct val="0"/>
-              </a:spcBef>
-            </a:pPr>
-            <a:endParaRPr kumimoji="1" lang="ja-JP" altLang="en-US" smtClean="0"/>
-          </a:p>
-        </p:txBody>
-      </p:sp>
-      <p:sp>
-        <p:nvSpPr>
-          <p:cNvPr id="20484" name="スライド番号プレースホルダー 3"/>
-          <p:cNvSpPr>
-            <a:spLocks noGrp="1"/>
-          </p:cNvSpPr>
-          <p:nvPr>
-            <p:ph type="sldNum" sz="quarter" idx="5"/>
-          </p:nvPr>
-        </p:nvSpPr>
-        <p:spPr bwMode="auto">
-          <a:noFill/>
-          <a:extLst>
-            <a:ext uri="{909E8E84-426E-40DD-AFC4-6F175D3DCCD1}">
-              <a14:hiddenFill xmlns:a14="http://schemas.microsoft.com/office/drawing/2010/main">
-                <a:solidFill>
-                  <a:srgbClr val="FFFFFF"/>
-                </a:solidFill>
-              </a14:hiddenFill>
-            </a:ext>
-            <a:ext uri="{91240B29-F687-4F45-9708-019B960494DF}">
-              <a14:hiddenLine xmlns:a14="http://schemas.microsoft.com/office/drawing/2010/main" w="9525">
-                <a:solidFill>
-                  <a:srgbClr val="000000"/>
-                </a:solidFill>
-                <a:miter lim="800000"/>
-                <a:headEnd/>
-                <a:tailEnd/>
-              </a14:hiddenLine>
-            </a:ext>
-          </a:extLst>
-        </p:spPr>
-        <p:txBody>
-          <a:bodyPr/>
-          <a:lstStyle>
-            <a:lvl1pPr>
-              <a:defRPr>
-                <a:solidFill>
-                  <a:schemeClr val="tx1"/>
-                </a:solidFill>
-                <a:latin typeface="Calibri" pitchFamily="34" charset="0"/>
-              </a:defRPr>
-            </a:lvl1pPr>
-            <a:lvl2pPr marL="742950" indent="-285750">
-              <a:defRPr>
-                <a:solidFill>
-                  <a:schemeClr val="tx1"/>
-                </a:solidFill>
-                <a:latin typeface="Calibri" pitchFamily="34" charset="0"/>
-              </a:defRPr>
-            </a:lvl2pPr>
-            <a:lvl3pPr marL="1143000" indent="-228600">
-              <a:defRPr>
-                <a:solidFill>
-                  <a:schemeClr val="tx1"/>
-                </a:solidFill>
-                <a:latin typeface="Calibri" pitchFamily="34" charset="0"/>
-              </a:defRPr>
-            </a:lvl3pPr>
-            <a:lvl4pPr marL="1600200" indent="-228600">
-              <a:defRPr>
-                <a:solidFill>
-                  <a:schemeClr val="tx1"/>
-                </a:solidFill>
-                <a:latin typeface="Calibri" pitchFamily="34" charset="0"/>
-              </a:defRPr>
-            </a:lvl4pPr>
-            <a:lvl5pPr marL="2057400" indent="-228600">
-              <a:defRPr>
-                <a:solidFill>
-                  <a:schemeClr val="tx1"/>
-                </a:solidFill>
-                <a:latin typeface="Calibri" pitchFamily="34" charset="0"/>
-              </a:defRPr>
-            </a:lvl5pPr>
-            <a:lvl6pPr marL="2514600" indent="-228600" fontAlgn="base">
-              <a:spcBef>
-                <a:spcPct val="0"/>
-              </a:spcBef>
-              <a:spcAft>
-                <a:spcPct val="0"/>
-              </a:spcAft>
-              <a:defRPr>
-                <a:solidFill>
-                  <a:schemeClr val="tx1"/>
-                </a:solidFill>
-                <a:latin typeface="Calibri" pitchFamily="34" charset="0"/>
-              </a:defRPr>
-            </a:lvl6pPr>
-            <a:lvl7pPr marL="2971800" indent="-228600" fontAlgn="base">
-              <a:spcBef>
-                <a:spcPct val="0"/>
-              </a:spcBef>
-              <a:spcAft>
-                <a:spcPct val="0"/>
-              </a:spcAft>
-              <a:defRPr>
-                <a:solidFill>
-                  <a:schemeClr val="tx1"/>
-                </a:solidFill>
-                <a:latin typeface="Calibri" pitchFamily="34" charset="0"/>
-              </a:defRPr>
-            </a:lvl7pPr>
-            <a:lvl8pPr marL="3429000" indent="-228600" fontAlgn="base">
-              <a:spcBef>
-                <a:spcPct val="0"/>
-              </a:spcBef>
-              <a:spcAft>
-                <a:spcPct val="0"/>
-              </a:spcAft>
-              <a:defRPr>
-                <a:solidFill>
-                  <a:schemeClr val="tx1"/>
-                </a:solidFill>
-                <a:latin typeface="Calibri" pitchFamily="34" charset="0"/>
-              </a:defRPr>
-            </a:lvl8pPr>
-            <a:lvl9pPr marL="3886200" indent="-228600" fontAlgn="base">
-              <a:spcBef>
-                <a:spcPct val="0"/>
-              </a:spcBef>
-              <a:spcAft>
-                <a:spcPct val="0"/>
-              </a:spcAft>
-              <a:defRPr>
-                <a:solidFill>
-                  <a:schemeClr val="tx1"/>
-                </a:solidFill>
-                <a:latin typeface="Calibri" pitchFamily="34" charset="0"/>
-              </a:defRPr>
-            </a:lvl9pPr>
-          </a:lstStyle>
-          <a:p>
-            <a:fld id="{6E249135-CE6B-467E-BF73-3717E279B72C}" type="slidenum">
-              <a:rPr lang="en-CA" altLang="ja-JP"/>
-              <a:pPr/>
-              <a:t>4</a:t>
-            </a:fld>
-            <a:endParaRPr lang="en-CA" altLang="ja-JP"/>
-          </a:p>
-        </p:txBody>
-      </p:sp>
-    </p:spTree>
-  </p:cSld>
-  <p:clrMapOvr>
-    <a:masterClrMapping/>
-  </p:clrMapOvr>
-</p:notes>
-</file>
-
-<file path=ppt/notesSlides/notesSlide5.xml><?xml version="1.0" encoding="utf-8"?>
-<p:notes xmlns:a="http://schemas.openxmlformats.org/drawingml/2006/main" xmlns:r="http://schemas.openxmlformats.org/officeDocument/2006/relationships" xmlns:p="http://schemas.openxmlformats.org/presentationml/2006/main">
-  <p:cSld>
-    <p:spTree>
-      <p:nvGrpSpPr>
-        <p:cNvPr id="1" name=""/>
-        <p:cNvGrpSpPr/>
-        <p:nvPr/>
-      </p:nvGrpSpPr>
-      <p:grpSpPr>
-        <a:xfrm>
-          <a:off x="0" y="0"/>
-          <a:ext cx="0" cy="0"/>
-          <a:chOff x="0" y="0"/>
-          <a:chExt cx="0" cy="0"/>
-        </a:xfrm>
-      </p:grpSpPr>
-      <p:sp>
-        <p:nvSpPr>
           <p:cNvPr id="21506" name="Slide Image Placeholder 1"/>
           <p:cNvSpPr>
             <a:spLocks noGrp="1" noRot="1" noChangeAspect="1" noTextEdit="1"/>
@@ -3296,7 +2777,7 @@
             <a:fld id="{69B1C47B-A7D8-45EF-ADC5-E2FB2F39FD9D}" type="slidenum">
               <a:rPr lang="en-CA" altLang="ja-JP"/>
               <a:pPr/>
-              <a:t>5</a:t>
+              <a:t>4</a:t>
             </a:fld>
             <a:endParaRPr lang="en-CA" altLang="ja-JP"/>
           </a:p>
@@ -3310,7 +2791,7 @@
 </p:notes>
 </file>
 
-<file path=ppt/notesSlides/notesSlide6.xml><?xml version="1.0" encoding="utf-8"?>
+<file path=ppt/notesSlides/notesSlide5.xml><?xml version="1.0" encoding="utf-8"?>
 <p:notes xmlns:a="http://schemas.openxmlformats.org/drawingml/2006/main" xmlns:r="http://schemas.openxmlformats.org/officeDocument/2006/relationships" xmlns:p="http://schemas.openxmlformats.org/presentationml/2006/main">
   <p:cSld>
     <p:spTree>
@@ -3559,7 +3040,7 @@
             <a:fld id="{7BD2372A-9735-4A91-8BD6-CC814D602E9A}" type="slidenum">
               <a:rPr lang="en-CA" altLang="ja-JP"/>
               <a:pPr/>
-              <a:t>6</a:t>
+              <a:t>5</a:t>
             </a:fld>
             <a:endParaRPr lang="en-CA" altLang="ja-JP"/>
           </a:p>
@@ -3573,7 +3054,7 @@
 </p:notes>
 </file>
 
-<file path=ppt/notesSlides/notesSlide7.xml><?xml version="1.0" encoding="utf-8"?>
+<file path=ppt/notesSlides/notesSlide6.xml><?xml version="1.0" encoding="utf-8"?>
 <p:notes xmlns:a="http://schemas.openxmlformats.org/drawingml/2006/main" xmlns:r="http://schemas.openxmlformats.org/officeDocument/2006/relationships" xmlns:p="http://schemas.openxmlformats.org/presentationml/2006/main">
   <p:cSld>
     <p:spTree>
@@ -3846,7 +3327,7 @@
             <a:fld id="{98C6668E-29CB-458A-B11D-C2A465FE02DD}" type="slidenum">
               <a:rPr lang="en-CA" altLang="ja-JP"/>
               <a:pPr/>
-              <a:t>7</a:t>
+              <a:t>6</a:t>
             </a:fld>
             <a:endParaRPr lang="en-CA" altLang="ja-JP"/>
           </a:p>
@@ -3860,7 +3341,7 @@
 </p:notes>
 </file>
 
-<file path=ppt/notesSlides/notesSlide8.xml><?xml version="1.0" encoding="utf-8"?>
+<file path=ppt/notesSlides/notesSlide7.xml><?xml version="1.0" encoding="utf-8"?>
 <p:notes xmlns:a="http://schemas.openxmlformats.org/drawingml/2006/main" xmlns:r="http://schemas.openxmlformats.org/officeDocument/2006/relationships" xmlns:p="http://schemas.openxmlformats.org/presentationml/2006/main">
   <p:cSld>
     <p:spTree>
@@ -4129,7 +3610,7 @@
             <a:fld id="{1195CD49-A174-4ADD-B9AC-D508BC523873}" type="slidenum">
               <a:rPr lang="en-CA" altLang="ja-JP"/>
               <a:pPr/>
-              <a:t>8</a:t>
+              <a:t>7</a:t>
             </a:fld>
             <a:endParaRPr lang="en-CA" altLang="ja-JP"/>
           </a:p>
@@ -4143,7 +3624,7 @@
 </p:notes>
 </file>
 
-<file path=ppt/notesSlides/notesSlide9.xml><?xml version="1.0" encoding="utf-8"?>
+<file path=ppt/notesSlides/notesSlide8.xml><?xml version="1.0" encoding="utf-8"?>
 <p:notes xmlns:a="http://schemas.openxmlformats.org/drawingml/2006/main" xmlns:r="http://schemas.openxmlformats.org/officeDocument/2006/relationships" xmlns:p="http://schemas.openxmlformats.org/presentationml/2006/main">
   <p:cSld>
     <p:spTree>
@@ -4410,6 +3891,277 @@
           </a:lstStyle>
           <a:p>
             <a:fld id="{4BFA6125-ED89-4B66-AC87-D9344BFA7BD4}" type="slidenum">
+              <a:rPr lang="en-CA" altLang="ja-JP"/>
+              <a:pPr/>
+              <a:t>8</a:t>
+            </a:fld>
+            <a:endParaRPr lang="en-CA" altLang="ja-JP"/>
+          </a:p>
+        </p:txBody>
+      </p:sp>
+    </p:spTree>
+  </p:cSld>
+  <p:clrMapOvr>
+    <a:masterClrMapping/>
+  </p:clrMapOvr>
+</p:notes>
+</file>
+
+<file path=ppt/notesSlides/notesSlide9.xml><?xml version="1.0" encoding="utf-8"?>
+<p:notes xmlns:a="http://schemas.openxmlformats.org/drawingml/2006/main" xmlns:r="http://schemas.openxmlformats.org/officeDocument/2006/relationships" xmlns:p="http://schemas.openxmlformats.org/presentationml/2006/main">
+  <p:cSld>
+    <p:spTree>
+      <p:nvGrpSpPr>
+        <p:cNvPr id="1" name=""/>
+        <p:cNvGrpSpPr/>
+        <p:nvPr/>
+      </p:nvGrpSpPr>
+      <p:grpSpPr>
+        <a:xfrm>
+          <a:off x="0" y="0"/>
+          <a:ext cx="0" cy="0"/>
+          <a:chOff x="0" y="0"/>
+          <a:chExt cx="0" cy="0"/>
+        </a:xfrm>
+      </p:grpSpPr>
+      <p:sp>
+        <p:nvSpPr>
+          <p:cNvPr id="26626" name="Slide Image Placeholder 1"/>
+          <p:cNvSpPr>
+            <a:spLocks noGrp="1" noRot="1" noChangeAspect="1" noTextEdit="1"/>
+          </p:cNvSpPr>
+          <p:nvPr>
+            <p:ph type="sldImg"/>
+          </p:nvPr>
+        </p:nvSpPr>
+        <p:spPr bwMode="auto">
+          <a:noFill/>
+          <a:ln>
+            <a:solidFill>
+              <a:srgbClr val="000000"/>
+            </a:solidFill>
+            <a:miter lim="800000"/>
+            <a:headEnd/>
+            <a:tailEnd/>
+          </a:ln>
+          <a:extLst>
+            <a:ext uri="{909E8E84-426E-40DD-AFC4-6F175D3DCCD1}">
+              <a14:hiddenFill xmlns:a14="http://schemas.microsoft.com/office/drawing/2010/main">
+                <a:solidFill>
+                  <a:srgbClr val="FFFFFF"/>
+                </a:solidFill>
+              </a14:hiddenFill>
+            </a:ext>
+          </a:extLst>
+        </p:spPr>
+      </p:sp>
+      <p:sp>
+        <p:nvSpPr>
+          <p:cNvPr id="26627" name="Notes Placeholder 2"/>
+          <p:cNvSpPr>
+            <a:spLocks noGrp="1"/>
+          </p:cNvSpPr>
+          <p:nvPr>
+            <p:ph type="body" idx="1"/>
+          </p:nvPr>
+        </p:nvSpPr>
+        <p:spPr bwMode="auto">
+          <a:noFill/>
+          <a:extLst>
+            <a:ext uri="{909E8E84-426E-40DD-AFC4-6F175D3DCCD1}">
+              <a14:hiddenFill xmlns:a14="http://schemas.microsoft.com/office/drawing/2010/main">
+                <a:solidFill>
+                  <a:srgbClr val="FFFFFF"/>
+                </a:solidFill>
+              </a14:hiddenFill>
+            </a:ext>
+            <a:ext uri="{91240B29-F687-4F45-9708-019B960494DF}">
+              <a14:hiddenLine xmlns:a14="http://schemas.microsoft.com/office/drawing/2010/main" w="9525">
+                <a:solidFill>
+                  <a:srgbClr val="000000"/>
+                </a:solidFill>
+                <a:miter lim="800000"/>
+                <a:headEnd/>
+                <a:tailEnd/>
+              </a14:hiddenLine>
+            </a:ext>
+          </a:extLst>
+        </p:spPr>
+        <p:txBody>
+          <a:bodyPr wrap="square" numCol="1" anchor="t" anchorCtr="0" compatLnSpc="1">
+            <a:prstTxWarp prst="textNoShape">
+              <a:avLst/>
+            </a:prstTxWarp>
+          </a:bodyPr>
+          <a:lstStyle/>
+          <a:p>
+            <a:pPr>
+              <a:spcBef>
+                <a:spcPct val="0"/>
+              </a:spcBef>
+            </a:pPr>
+            <a:r>
+              <a:rPr lang="ja-JP" altLang="en-US" smtClean="0"/>
+              <a:t>必要となるであろう期待される能力やどんな種類のスキルが必要なのかについて書きこもう。</a:t>
+            </a:r>
+            <a:endParaRPr lang="en-CA" smtClean="0"/>
+          </a:p>
+          <a:p>
+            <a:pPr>
+              <a:spcBef>
+                <a:spcPct val="0"/>
+              </a:spcBef>
+            </a:pPr>
+            <a:r>
+              <a:rPr lang="ja-JP" altLang="en-US" smtClean="0"/>
+              <a:t>もし特定の人物が重要なのであれば、その名前を書こう（例えば、</a:t>
+            </a:r>
+            <a:r>
+              <a:rPr lang="en-US" altLang="ja-JP" smtClean="0"/>
+              <a:t>X</a:t>
+            </a:r>
+            <a:r>
+              <a:rPr lang="ja-JP" altLang="en-US" smtClean="0"/>
+              <a:t>ができるのはビリーだけだ、とか）</a:t>
+            </a:r>
+            <a:endParaRPr lang="en-CA" smtClean="0"/>
+          </a:p>
+        </p:txBody>
+      </p:sp>
+      <p:sp>
+        <p:nvSpPr>
+          <p:cNvPr id="26628" name="Slide Number Placeholder 3"/>
+          <p:cNvSpPr>
+            <a:spLocks noGrp="1"/>
+          </p:cNvSpPr>
+          <p:nvPr>
+            <p:ph type="sldNum" sz="quarter" idx="5"/>
+          </p:nvPr>
+        </p:nvSpPr>
+        <p:spPr bwMode="auto">
+          <a:noFill/>
+          <a:extLst>
+            <a:ext uri="{909E8E84-426E-40DD-AFC4-6F175D3DCCD1}">
+              <a14:hiddenFill xmlns:a14="http://schemas.microsoft.com/office/drawing/2010/main">
+                <a:solidFill>
+                  <a:srgbClr val="FFFFFF"/>
+                </a:solidFill>
+              </a14:hiddenFill>
+            </a:ext>
+            <a:ext uri="{91240B29-F687-4F45-9708-019B960494DF}">
+              <a14:hiddenLine xmlns:a14="http://schemas.microsoft.com/office/drawing/2010/main" w="9525">
+                <a:solidFill>
+                  <a:srgbClr val="000000"/>
+                </a:solidFill>
+                <a:miter lim="800000"/>
+                <a:headEnd/>
+                <a:tailEnd/>
+              </a14:hiddenLine>
+            </a:ext>
+          </a:extLst>
+        </p:spPr>
+        <p:txBody>
+          <a:bodyPr/>
+          <a:lstStyle>
+            <a:lvl1pPr>
+              <a:defRPr>
+                <a:solidFill>
+                  <a:schemeClr val="tx1"/>
+                </a:solidFill>
+                <a:latin typeface="Calibri" pitchFamily="34" charset="0"/>
+              </a:defRPr>
+            </a:lvl1pPr>
+            <a:lvl2pPr marL="742950" indent="-285750">
+              <a:defRPr>
+                <a:solidFill>
+                  <a:schemeClr val="tx1"/>
+                </a:solidFill>
+                <a:latin typeface="Calibri" pitchFamily="34" charset="0"/>
+              </a:defRPr>
+            </a:lvl2pPr>
+            <a:lvl3pPr marL="1143000" indent="-228600">
+              <a:defRPr>
+                <a:solidFill>
+                  <a:schemeClr val="tx1"/>
+                </a:solidFill>
+                <a:latin typeface="Calibri" pitchFamily="34" charset="0"/>
+              </a:defRPr>
+            </a:lvl3pPr>
+            <a:lvl4pPr marL="1600200" indent="-228600">
+              <a:defRPr>
+                <a:solidFill>
+                  <a:schemeClr val="tx1"/>
+                </a:solidFill>
+                <a:latin typeface="Calibri" pitchFamily="34" charset="0"/>
+              </a:defRPr>
+            </a:lvl4pPr>
+            <a:lvl5pPr marL="2057400" indent="-228600">
+              <a:defRPr>
+                <a:solidFill>
+                  <a:schemeClr val="tx1"/>
+                </a:solidFill>
+                <a:latin typeface="Calibri" pitchFamily="34" charset="0"/>
+              </a:defRPr>
+            </a:lvl5pPr>
+            <a:lvl6pPr marL="2514600" indent="-228600" fontAlgn="base">
+              <a:spcBef>
+                <a:spcPct val="0"/>
+              </a:spcBef>
+              <a:spcAft>
+                <a:spcPct val="0"/>
+              </a:spcAft>
+              <a:defRPr>
+                <a:solidFill>
+                  <a:schemeClr val="tx1"/>
+                </a:solidFill>
+                <a:latin typeface="Calibri" pitchFamily="34" charset="0"/>
+              </a:defRPr>
+            </a:lvl6pPr>
+            <a:lvl7pPr marL="2971800" indent="-228600" fontAlgn="base">
+              <a:spcBef>
+                <a:spcPct val="0"/>
+              </a:spcBef>
+              <a:spcAft>
+                <a:spcPct val="0"/>
+              </a:spcAft>
+              <a:defRPr>
+                <a:solidFill>
+                  <a:schemeClr val="tx1"/>
+                </a:solidFill>
+                <a:latin typeface="Calibri" pitchFamily="34" charset="0"/>
+              </a:defRPr>
+            </a:lvl7pPr>
+            <a:lvl8pPr marL="3429000" indent="-228600" fontAlgn="base">
+              <a:spcBef>
+                <a:spcPct val="0"/>
+              </a:spcBef>
+              <a:spcAft>
+                <a:spcPct val="0"/>
+              </a:spcAft>
+              <a:defRPr>
+                <a:solidFill>
+                  <a:schemeClr val="tx1"/>
+                </a:solidFill>
+                <a:latin typeface="Calibri" pitchFamily="34" charset="0"/>
+              </a:defRPr>
+            </a:lvl8pPr>
+            <a:lvl9pPr marL="3886200" indent="-228600" fontAlgn="base">
+              <a:spcBef>
+                <a:spcPct val="0"/>
+              </a:spcBef>
+              <a:spcAft>
+                <a:spcPct val="0"/>
+              </a:spcAft>
+              <a:defRPr>
+                <a:solidFill>
+                  <a:schemeClr val="tx1"/>
+                </a:solidFill>
+                <a:latin typeface="Calibri" pitchFamily="34" charset="0"/>
+              </a:defRPr>
+            </a:lvl9pPr>
+          </a:lstStyle>
+          <a:p>
+            <a:fld id="{DC995F7E-8C33-4C4F-8E04-5CA727622CBF}" type="slidenum">
               <a:rPr lang="en-CA" altLang="ja-JP"/>
               <a:pPr/>
               <a:t>9</a:t>
@@ -4507,60 +4259,6 @@
           </a:extLst>
         </p:spPr>
       </p:pic>
-      <p:pic>
-        <p:nvPicPr>
-          <p:cNvPr id="4" name="Picture 6"/>
-          <p:cNvPicPr>
-            <a:picLocks noChangeAspect="1" noChangeArrowheads="1"/>
-          </p:cNvPicPr>
-          <p:nvPr userDrawn="1"/>
-        </p:nvPicPr>
-        <p:blipFill>
-          <a:blip r:embed="rId3">
-            <a:extLst>
-              <a:ext uri="{28A0092B-C50C-407E-A947-70E740481C1C}">
-                <a14:useLocalDpi xmlns:a14="http://schemas.microsoft.com/office/drawing/2010/main" val="0"/>
-              </a:ext>
-            </a:extLst>
-          </a:blip>
-          <a:srcRect/>
-          <a:stretch>
-            <a:fillRect/>
-          </a:stretch>
-        </p:blipFill>
-        <p:spPr bwMode="auto">
-          <a:xfrm>
-            <a:off x="7848600" y="6311900"/>
-            <a:ext cx="1117600" cy="393700"/>
-          </a:xfrm>
-          <a:prstGeom prst="rect">
-            <a:avLst/>
-          </a:prstGeom>
-          <a:noFill/>
-          <a:ln>
-            <a:noFill/>
-          </a:ln>
-          <a:extLst>
-            <a:ext uri="{909E8E84-426E-40DD-AFC4-6F175D3DCCD1}">
-              <a14:hiddenFill xmlns:a14="http://schemas.microsoft.com/office/drawing/2010/main">
-                <a:solidFill>
-                  <a:srgbClr val="FFFFFF"/>
-                </a:solidFill>
-              </a14:hiddenFill>
-            </a:ext>
-            <a:ext uri="{91240B29-F687-4F45-9708-019B960494DF}">
-              <a14:hiddenLine xmlns:a14="http://schemas.microsoft.com/office/drawing/2010/main" w="12700">
-                <a:solidFill>
-                  <a:srgbClr val="000000"/>
-                </a:solidFill>
-                <a:miter lim="800000"/>
-                <a:headEnd/>
-                <a:tailEnd/>
-              </a14:hiddenLine>
-            </a:ext>
-          </a:extLst>
-        </p:spPr>
-      </p:pic>
       <p:sp>
         <p:nvSpPr>
           <p:cNvPr id="2" name="Title 1"/>
@@ -4730,7 +4428,7 @@
             <a:fld id="{4D503C28-CB75-411E-A71B-16475452A523}" type="datetimeFigureOut">
               <a:rPr lang="en-US" altLang="ja-JP"/>
               <a:pPr/>
-              <a:t>7/12/2012</a:t>
+              <a:t>7/13/2012</a:t>
             </a:fld>
             <a:endParaRPr lang="en-US" altLang="ja-JP"/>
           </a:p>
@@ -4909,7 +4607,7 @@
             <a:fld id="{70975A37-314E-4EB0-A335-F7A68EC12349}" type="datetimeFigureOut">
               <a:rPr lang="en-US" altLang="ja-JP"/>
               <a:pPr/>
-              <a:t>7/12/2012</a:t>
+              <a:t>7/13/2012</a:t>
             </a:fld>
             <a:endParaRPr lang="en-US" altLang="ja-JP"/>
           </a:p>
@@ -5098,7 +4796,7 @@
             <a:fld id="{05A0135E-DC64-4D73-B239-157BBD9509A0}" type="datetimeFigureOut">
               <a:rPr lang="en-US" altLang="ja-JP"/>
               <a:pPr/>
-              <a:t>7/12/2012</a:t>
+              <a:t>7/13/2012</a:t>
             </a:fld>
             <a:endParaRPr lang="en-US" altLang="ja-JP"/>
           </a:p>
@@ -5277,7 +4975,7 @@
             <a:fld id="{8BF5F205-7AE9-4F1C-838B-F8784F4628AE}" type="datetimeFigureOut">
               <a:rPr lang="en-US" altLang="ja-JP"/>
               <a:pPr/>
-              <a:t>7/12/2012</a:t>
+              <a:t>7/13/2012</a:t>
             </a:fld>
             <a:endParaRPr lang="en-US" altLang="ja-JP"/>
           </a:p>
@@ -5532,7 +5230,7 @@
             <a:fld id="{D38A0D29-F788-4CA6-99BB-336490DBEF54}" type="datetimeFigureOut">
               <a:rPr lang="en-US" altLang="ja-JP"/>
               <a:pPr/>
-              <a:t>7/12/2012</a:t>
+              <a:t>7/13/2012</a:t>
             </a:fld>
             <a:endParaRPr lang="en-US" altLang="ja-JP"/>
           </a:p>
@@ -5829,7 +5527,7 @@
             <a:fld id="{EDFFA818-6A01-4D30-9E65-273E0DA157AC}" type="datetimeFigureOut">
               <a:rPr lang="en-US" altLang="ja-JP"/>
               <a:pPr/>
-              <a:t>7/12/2012</a:t>
+              <a:t>7/13/2012</a:t>
             </a:fld>
             <a:endParaRPr lang="en-US" altLang="ja-JP"/>
           </a:p>
@@ -6260,7 +5958,7 @@
             <a:fld id="{E3F4A837-5AA7-4262-A3F2-0A9F08A8920C}" type="datetimeFigureOut">
               <a:rPr lang="en-US" altLang="ja-JP"/>
               <a:pPr/>
-              <a:t>7/12/2012</a:t>
+              <a:t>7/13/2012</a:t>
             </a:fld>
             <a:endParaRPr lang="en-US" altLang="ja-JP"/>
           </a:p>
@@ -6387,7 +6085,7 @@
             <a:fld id="{E09511DC-4CF9-47B2-9881-81E0BDA19979}" type="datetimeFigureOut">
               <a:rPr lang="en-US" altLang="ja-JP"/>
               <a:pPr/>
-              <a:t>7/12/2012</a:t>
+              <a:t>7/13/2012</a:t>
             </a:fld>
             <a:endParaRPr lang="en-US" altLang="ja-JP"/>
           </a:p>
@@ -6491,7 +6189,7 @@
             <a:fld id="{4071A48A-1C32-4813-85B4-E513093FFF85}" type="datetimeFigureOut">
               <a:rPr lang="en-US" altLang="ja-JP"/>
               <a:pPr/>
-              <a:t>7/12/2012</a:t>
+              <a:t>7/13/2012</a:t>
             </a:fld>
             <a:endParaRPr lang="en-US" altLang="ja-JP"/>
           </a:p>
@@ -6777,7 +6475,7 @@
             <a:fld id="{359E4454-C8A4-4F73-A1C5-D097F20520B9}" type="datetimeFigureOut">
               <a:rPr lang="en-US" altLang="ja-JP"/>
               <a:pPr/>
-              <a:t>7/12/2012</a:t>
+              <a:t>7/13/2012</a:t>
             </a:fld>
             <a:endParaRPr lang="en-US" altLang="ja-JP"/>
           </a:p>
@@ -7042,7 +6740,7 @@
             <a:fld id="{1238D56D-1A56-463E-8FA3-AAD6CE0D13B7}" type="datetimeFigureOut">
               <a:rPr lang="en-US" altLang="ja-JP"/>
               <a:pPr/>
-              <a:t>7/12/2012</a:t>
+              <a:t>7/13/2012</a:t>
             </a:fld>
             <a:endParaRPr lang="en-US" altLang="ja-JP"/>
           </a:p>
@@ -7311,7 +7009,7 @@
             <a:fld id="{E1B472F8-1BB2-4186-96EC-7D282FB36EBD}" type="datetimeFigureOut">
               <a:rPr lang="en-US" altLang="ja-JP"/>
               <a:pPr/>
-              <a:t>7/12/2012</a:t>
+              <a:t>7/13/2012</a:t>
             </a:fld>
             <a:endParaRPr lang="en-US" altLang="ja-JP"/>
           </a:p>
@@ -7400,60 +7098,6 @@
           </a:p>
         </p:txBody>
       </p:sp>
-      <p:pic>
-        <p:nvPicPr>
-          <p:cNvPr id="1031" name="Picture 8"/>
-          <p:cNvPicPr>
-            <a:picLocks noChangeAspect="1" noChangeArrowheads="1"/>
-          </p:cNvPicPr>
-          <p:nvPr userDrawn="1"/>
-        </p:nvPicPr>
-        <p:blipFill>
-          <a:blip r:embed="rId13">
-            <a:extLst>
-              <a:ext uri="{28A0092B-C50C-407E-A947-70E740481C1C}">
-                <a14:useLocalDpi xmlns:a14="http://schemas.microsoft.com/office/drawing/2010/main" val="0"/>
-              </a:ext>
-            </a:extLst>
-          </a:blip>
-          <a:srcRect/>
-          <a:stretch>
-            <a:fillRect/>
-          </a:stretch>
-        </p:blipFill>
-        <p:spPr bwMode="auto">
-          <a:xfrm>
-            <a:off x="7848600" y="6311900"/>
-            <a:ext cx="1117600" cy="393700"/>
-          </a:xfrm>
-          <a:prstGeom prst="rect">
-            <a:avLst/>
-          </a:prstGeom>
-          <a:noFill/>
-          <a:ln>
-            <a:noFill/>
-          </a:ln>
-          <a:extLst>
-            <a:ext uri="{909E8E84-426E-40DD-AFC4-6F175D3DCCD1}">
-              <a14:hiddenFill xmlns:a14="http://schemas.microsoft.com/office/drawing/2010/main">
-                <a:solidFill>
-                  <a:srgbClr val="FFFFFF"/>
-                </a:solidFill>
-              </a14:hiddenFill>
-            </a:ext>
-            <a:ext uri="{91240B29-F687-4F45-9708-019B960494DF}">
-              <a14:hiddenLine xmlns:a14="http://schemas.microsoft.com/office/drawing/2010/main" w="12700">
-                <a:solidFill>
-                  <a:srgbClr val="000000"/>
-                </a:solidFill>
-                <a:miter lim="800000"/>
-                <a:headEnd/>
-                <a:tailEnd/>
-              </a14:hiddenLine>
-            </a:ext>
-          </a:extLst>
-        </p:spPr>
-      </p:pic>
     </p:spTree>
   </p:cSld>
   <p:clrMap bg1="lt1" tx1="dk1" bg2="lt2" tx2="dk2" accent1="accent1" accent2="accent2" accent3="accent3" accent4="accent4" accent5="accent5" accent6="accent6" hlink="hlink" folHlink="folHlink"/>
@@ -8141,2073 +7785,6 @@
       </p:grpSpPr>
       <p:sp>
         <p:nvSpPr>
-          <p:cNvPr id="12290" name="Title 1"/>
-          <p:cNvSpPr>
-            <a:spLocks noGrp="1"/>
-          </p:cNvSpPr>
-          <p:nvPr>
-            <p:ph type="title"/>
-          </p:nvPr>
-        </p:nvSpPr>
-        <p:spPr/>
-        <p:txBody>
-          <a:bodyPr/>
-          <a:lstStyle/>
-          <a:p>
-            <a:r>
-              <a:rPr lang="en-US" altLang="ja-JP" dirty="0" smtClean="0"/>
-              <a:t>Team </a:t>
-            </a:r>
-            <a:r>
-              <a:rPr lang="en-US" altLang="ja-JP" dirty="0" smtClean="0"/>
-              <a:t>ISO</a:t>
-            </a:r>
-            <a:endParaRPr lang="en-CA" dirty="0" smtClean="0"/>
-          </a:p>
-        </p:txBody>
-      </p:sp>
-      <p:graphicFrame>
-        <p:nvGraphicFramePr>
-          <p:cNvPr id="4" name="Table 3"/>
-          <p:cNvGraphicFramePr>
-            <a:graphicFrameLocks noGrp="1"/>
-          </p:cNvGraphicFramePr>
-          <p:nvPr>
-            <p:extLst>
-              <p:ext uri="{D42A27DB-BD31-4B8C-83A1-F6EECF244321}">
-                <p14:modId xmlns:p14="http://schemas.microsoft.com/office/powerpoint/2010/main" val="557542567"/>
-              </p:ext>
-            </p:extLst>
-          </p:nvPr>
-        </p:nvGraphicFramePr>
-        <p:xfrm>
-          <a:off x="685800" y="1397000"/>
-          <a:ext cx="7924800" cy="3223260"/>
-        </p:xfrm>
-        <a:graphic>
-          <a:graphicData uri="http://schemas.openxmlformats.org/drawingml/2006/table">
-            <a:tbl>
-              <a:tblPr/>
-              <a:tblGrid>
-                <a:gridCol w="609600"/>
-                <a:gridCol w="1752600"/>
-                <a:gridCol w="5562600"/>
-              </a:tblGrid>
-              <a:tr h="371475">
-                <a:tc>
-                  <a:txBody>
-                    <a:bodyPr/>
-                    <a:lstStyle/>
-                    <a:p>
-                      <a:pPr marL="0" marR="0" lvl="0" indent="0" algn="l" defTabSz="914400" rtl="0" eaLnBrk="1" fontAlgn="base" latinLnBrk="0" hangingPunct="1">
-                        <a:lnSpc>
-                          <a:spcPct val="100000"/>
-                        </a:lnSpc>
-                        <a:spcBef>
-                          <a:spcPct val="0"/>
-                        </a:spcBef>
-                        <a:spcAft>
-                          <a:spcPct val="0"/>
-                        </a:spcAft>
-                        <a:buClrTx/>
-                        <a:buSzTx/>
-                        <a:buFontTx/>
-                        <a:buNone/>
-                        <a:tabLst/>
-                      </a:pPr>
-                      <a:r>
-                        <a:rPr kumimoji="0" lang="en-CA" altLang="ja-JP" sz="2400" b="1" i="0" u="none" strike="noStrike" cap="none" normalizeH="0" baseline="0" dirty="0" smtClean="0">
-                          <a:ln>
-                            <a:noFill/>
-                          </a:ln>
-                          <a:solidFill>
-                            <a:srgbClr val="FFFFFF"/>
-                          </a:solidFill>
-                          <a:effectLst/>
-                          <a:latin typeface="Calibri" pitchFamily="34" charset="0"/>
-                          <a:ea typeface="ＭＳ Ｐゴシック" charset="-128"/>
-                        </a:rPr>
-                        <a:t>#</a:t>
-                      </a:r>
-                    </a:p>
-                  </a:txBody>
-                  <a:tcPr horzOverflow="overflow">
-                    <a:lnL w="12700" cap="flat" cmpd="sng" algn="ctr">
-                      <a:solidFill>
-                        <a:schemeClr val="bg1"/>
-                      </a:solidFill>
-                      <a:prstDash val="solid"/>
-                      <a:round/>
-                      <a:headEnd type="none" w="med" len="med"/>
-                      <a:tailEnd type="none" w="med" len="med"/>
-                    </a:lnL>
-                    <a:lnR w="12700" cap="flat" cmpd="sng" algn="ctr">
-                      <a:solidFill>
-                        <a:schemeClr val="bg1"/>
-                      </a:solidFill>
-                      <a:prstDash val="solid"/>
-                      <a:round/>
-                      <a:headEnd type="none" w="med" len="med"/>
-                      <a:tailEnd type="none" w="med" len="med"/>
-                    </a:lnR>
-                    <a:lnT w="12700" cap="flat" cmpd="sng" algn="ctr">
-                      <a:solidFill>
-                        <a:schemeClr val="bg1"/>
-                      </a:solidFill>
-                      <a:prstDash val="solid"/>
-                      <a:round/>
-                      <a:headEnd type="none" w="med" len="med"/>
-                      <a:tailEnd type="none" w="med" len="med"/>
-                    </a:lnT>
-                    <a:lnB w="38100" cap="flat" cmpd="sng" algn="ctr">
-                      <a:solidFill>
-                        <a:schemeClr val="bg1"/>
-                      </a:solidFill>
-                      <a:prstDash val="solid"/>
-                      <a:round/>
-                      <a:headEnd type="none" w="med" len="med"/>
-                      <a:tailEnd type="none" w="med" len="med"/>
-                    </a:lnB>
-                    <a:lnTlToBr>
-                      <a:noFill/>
-                    </a:lnTlToBr>
-                    <a:lnBlToTr>
-                      <a:noFill/>
-                    </a:lnBlToTr>
-                    <a:solidFill>
-                      <a:schemeClr val="accent1"/>
-                    </a:solidFill>
-                  </a:tcPr>
-                </a:tc>
-                <a:tc>
-                  <a:txBody>
-                    <a:bodyPr/>
-                    <a:lstStyle/>
-                    <a:p>
-                      <a:pPr marL="0" marR="0" lvl="0" indent="0" algn="l" defTabSz="914400" rtl="0" eaLnBrk="1" fontAlgn="base" latinLnBrk="0" hangingPunct="1">
-                        <a:lnSpc>
-                          <a:spcPct val="100000"/>
-                        </a:lnSpc>
-                        <a:spcBef>
-                          <a:spcPct val="0"/>
-                        </a:spcBef>
-                        <a:spcAft>
-                          <a:spcPct val="0"/>
-                        </a:spcAft>
-                        <a:buClrTx/>
-                        <a:buSzTx/>
-                        <a:buFontTx/>
-                        <a:buNone/>
-                        <a:tabLst/>
-                      </a:pPr>
-                      <a:r>
-                        <a:rPr kumimoji="0" lang="ja-JP" altLang="en-US" sz="2400" b="1" i="0" u="none" strike="noStrike" cap="none" normalizeH="0" baseline="0" smtClean="0">
-                          <a:ln>
-                            <a:noFill/>
-                          </a:ln>
-                          <a:solidFill>
-                            <a:srgbClr val="FFFFFF"/>
-                          </a:solidFill>
-                          <a:effectLst/>
-                          <a:latin typeface="Calibri" pitchFamily="34" charset="0"/>
-                          <a:ea typeface="ＭＳ Ｐゴシック" charset="-128"/>
-                        </a:rPr>
-                        <a:t>役割</a:t>
-                      </a:r>
-                      <a:endParaRPr kumimoji="0" lang="en-CA" sz="2400" b="1" i="0" u="none" strike="noStrike" cap="none" normalizeH="0" baseline="0" smtClean="0">
-                        <a:ln>
-                          <a:noFill/>
-                        </a:ln>
-                        <a:solidFill>
-                          <a:srgbClr val="FFFFFF"/>
-                        </a:solidFill>
-                        <a:effectLst/>
-                        <a:latin typeface="Calibri" pitchFamily="34" charset="0"/>
-                      </a:endParaRPr>
-                    </a:p>
-                  </a:txBody>
-                  <a:tcPr horzOverflow="overflow">
-                    <a:lnL w="12700" cap="flat" cmpd="sng" algn="ctr">
-                      <a:solidFill>
-                        <a:schemeClr val="bg1"/>
-                      </a:solidFill>
-                      <a:prstDash val="solid"/>
-                      <a:round/>
-                      <a:headEnd type="none" w="med" len="med"/>
-                      <a:tailEnd type="none" w="med" len="med"/>
-                    </a:lnL>
-                    <a:lnR w="12700" cap="flat" cmpd="sng" algn="ctr">
-                      <a:solidFill>
-                        <a:schemeClr val="bg1"/>
-                      </a:solidFill>
-                      <a:prstDash val="solid"/>
-                      <a:round/>
-                      <a:headEnd type="none" w="med" len="med"/>
-                      <a:tailEnd type="none" w="med" len="med"/>
-                    </a:lnR>
-                    <a:lnT w="12700" cap="flat" cmpd="sng" algn="ctr">
-                      <a:solidFill>
-                        <a:schemeClr val="bg1"/>
-                      </a:solidFill>
-                      <a:prstDash val="solid"/>
-                      <a:round/>
-                      <a:headEnd type="none" w="med" len="med"/>
-                      <a:tailEnd type="none" w="med" len="med"/>
-                    </a:lnT>
-                    <a:lnB w="38100" cap="flat" cmpd="sng" algn="ctr">
-                      <a:solidFill>
-                        <a:schemeClr val="bg1"/>
-                      </a:solidFill>
-                      <a:prstDash val="solid"/>
-                      <a:round/>
-                      <a:headEnd type="none" w="med" len="med"/>
-                      <a:tailEnd type="none" w="med" len="med"/>
-                    </a:lnB>
-                    <a:lnTlToBr>
-                      <a:noFill/>
-                    </a:lnTlToBr>
-                    <a:lnBlToTr>
-                      <a:noFill/>
-                    </a:lnBlToTr>
-                    <a:solidFill>
-                      <a:schemeClr val="accent1"/>
-                    </a:solidFill>
-                  </a:tcPr>
-                </a:tc>
-                <a:tc>
-                  <a:txBody>
-                    <a:bodyPr/>
-                    <a:lstStyle/>
-                    <a:p>
-                      <a:pPr marL="0" marR="0" lvl="0" indent="0" algn="l" defTabSz="914400" rtl="0" eaLnBrk="1" fontAlgn="base" latinLnBrk="0" hangingPunct="1">
-                        <a:lnSpc>
-                          <a:spcPct val="100000"/>
-                        </a:lnSpc>
-                        <a:spcBef>
-                          <a:spcPct val="0"/>
-                        </a:spcBef>
-                        <a:spcAft>
-                          <a:spcPct val="0"/>
-                        </a:spcAft>
-                        <a:buClrTx/>
-                        <a:buSzTx/>
-                        <a:buFontTx/>
-                        <a:buNone/>
-                        <a:tabLst/>
-                      </a:pPr>
-                      <a:r>
-                        <a:rPr kumimoji="0" lang="ja-JP" altLang="en-US" sz="2400" b="1" i="0" u="none" strike="noStrike" cap="none" normalizeH="0" baseline="0" smtClean="0">
-                          <a:ln>
-                            <a:noFill/>
-                          </a:ln>
-                          <a:solidFill>
-                            <a:srgbClr val="FFFFFF"/>
-                          </a:solidFill>
-                          <a:effectLst/>
-                          <a:latin typeface="Calibri" pitchFamily="34" charset="0"/>
-                          <a:ea typeface="ＭＳ Ｐゴシック" charset="-128"/>
-                        </a:rPr>
-                        <a:t>能力</a:t>
-                      </a:r>
-                      <a:r>
-                        <a:rPr kumimoji="0" lang="en-CA" altLang="ja-JP" sz="2400" b="1" i="0" u="none" strike="noStrike" cap="none" normalizeH="0" baseline="0" smtClean="0">
-                          <a:ln>
-                            <a:noFill/>
-                          </a:ln>
-                          <a:solidFill>
-                            <a:srgbClr val="FFFFFF"/>
-                          </a:solidFill>
-                          <a:effectLst/>
-                          <a:latin typeface="Calibri" pitchFamily="34" charset="0"/>
-                          <a:ea typeface="ＭＳ Ｐゴシック" charset="-128"/>
-                        </a:rPr>
-                        <a:t>/</a:t>
-                      </a:r>
-                      <a:r>
-                        <a:rPr kumimoji="0" lang="ja-JP" altLang="en-US" sz="2400" b="1" i="0" u="none" strike="noStrike" cap="none" normalizeH="0" baseline="0" smtClean="0">
-                          <a:ln>
-                            <a:noFill/>
-                          </a:ln>
-                          <a:solidFill>
-                            <a:srgbClr val="FFFFFF"/>
-                          </a:solidFill>
-                          <a:effectLst/>
-                          <a:latin typeface="Calibri" pitchFamily="34" charset="0"/>
-                          <a:ea typeface="ＭＳ Ｐゴシック" charset="-128"/>
-                        </a:rPr>
-                        <a:t>期待すること</a:t>
-                      </a:r>
-                      <a:endParaRPr kumimoji="0" lang="en-CA" sz="2400" b="1" i="0" u="none" strike="noStrike" cap="none" normalizeH="0" baseline="0" smtClean="0">
-                        <a:ln>
-                          <a:noFill/>
-                        </a:ln>
-                        <a:solidFill>
-                          <a:srgbClr val="FFFFFF"/>
-                        </a:solidFill>
-                        <a:effectLst/>
-                        <a:latin typeface="Calibri" pitchFamily="34" charset="0"/>
-                      </a:endParaRPr>
-                    </a:p>
-                  </a:txBody>
-                  <a:tcPr horzOverflow="overflow">
-                    <a:lnL w="12700" cap="flat" cmpd="sng" algn="ctr">
-                      <a:solidFill>
-                        <a:schemeClr val="bg1"/>
-                      </a:solidFill>
-                      <a:prstDash val="solid"/>
-                      <a:round/>
-                      <a:headEnd type="none" w="med" len="med"/>
-                      <a:tailEnd type="none" w="med" len="med"/>
-                    </a:lnL>
-                    <a:lnR w="12700" cap="flat" cmpd="sng" algn="ctr">
-                      <a:solidFill>
-                        <a:schemeClr val="bg1"/>
-                      </a:solidFill>
-                      <a:prstDash val="solid"/>
-                      <a:round/>
-                      <a:headEnd type="none" w="med" len="med"/>
-                      <a:tailEnd type="none" w="med" len="med"/>
-                    </a:lnR>
-                    <a:lnT w="12700" cap="flat" cmpd="sng" algn="ctr">
-                      <a:solidFill>
-                        <a:schemeClr val="bg1"/>
-                      </a:solidFill>
-                      <a:prstDash val="solid"/>
-                      <a:round/>
-                      <a:headEnd type="none" w="med" len="med"/>
-                      <a:tailEnd type="none" w="med" len="med"/>
-                    </a:lnT>
-                    <a:lnB w="38100" cap="flat" cmpd="sng" algn="ctr">
-                      <a:solidFill>
-                        <a:schemeClr val="bg1"/>
-                      </a:solidFill>
-                      <a:prstDash val="solid"/>
-                      <a:round/>
-                      <a:headEnd type="none" w="med" len="med"/>
-                      <a:tailEnd type="none" w="med" len="med"/>
-                    </a:lnB>
-                    <a:lnTlToBr>
-                      <a:noFill/>
-                    </a:lnTlToBr>
-                    <a:lnBlToTr>
-                      <a:noFill/>
-                    </a:lnBlToTr>
-                    <a:solidFill>
-                      <a:schemeClr val="accent1"/>
-                    </a:solidFill>
-                  </a:tcPr>
-                </a:tc>
-              </a:tr>
-              <a:tr h="371475">
-                <a:tc>
-                  <a:txBody>
-                    <a:bodyPr/>
-                    <a:lstStyle/>
-                    <a:p>
-                      <a:pPr marL="0" marR="0" lvl="0" indent="0" algn="l" defTabSz="914400" rtl="0" eaLnBrk="1" fontAlgn="base" latinLnBrk="0" hangingPunct="1">
-                        <a:lnSpc>
-                          <a:spcPct val="100000"/>
-                        </a:lnSpc>
-                        <a:spcBef>
-                          <a:spcPct val="0"/>
-                        </a:spcBef>
-                        <a:spcAft>
-                          <a:spcPct val="0"/>
-                        </a:spcAft>
-                        <a:buClrTx/>
-                        <a:buSzTx/>
-                        <a:buFontTx/>
-                        <a:buNone/>
-                        <a:tabLst/>
-                      </a:pPr>
-                      <a:r>
-                        <a:rPr kumimoji="0" lang="en-CA" altLang="ja-JP" sz="1800" b="0" i="0" u="none" strike="noStrike" cap="none" normalizeH="0" baseline="0" smtClean="0">
-                          <a:ln>
-                            <a:noFill/>
-                          </a:ln>
-                          <a:solidFill>
-                            <a:srgbClr val="000000"/>
-                          </a:solidFill>
-                          <a:effectLst/>
-                          <a:latin typeface="Calibri" pitchFamily="34" charset="0"/>
-                          <a:ea typeface="ＭＳ Ｐゴシック" charset="-128"/>
-                        </a:rPr>
-                        <a:t>1</a:t>
-                      </a:r>
-                    </a:p>
-                  </a:txBody>
-                  <a:tcPr horzOverflow="overflow">
-                    <a:lnL w="12700" cap="flat" cmpd="sng" algn="ctr">
-                      <a:solidFill>
-                        <a:schemeClr val="bg1"/>
-                      </a:solidFill>
-                      <a:prstDash val="solid"/>
-                      <a:round/>
-                      <a:headEnd type="none" w="med" len="med"/>
-                      <a:tailEnd type="none" w="med" len="med"/>
-                    </a:lnL>
-                    <a:lnR w="12700" cap="flat" cmpd="sng" algn="ctr">
-                      <a:solidFill>
-                        <a:schemeClr val="bg1"/>
-                      </a:solidFill>
-                      <a:prstDash val="solid"/>
-                      <a:round/>
-                      <a:headEnd type="none" w="med" len="med"/>
-                      <a:tailEnd type="none" w="med" len="med"/>
-                    </a:lnR>
-                    <a:lnT w="38100" cap="flat" cmpd="sng" algn="ctr">
-                      <a:solidFill>
-                        <a:schemeClr val="bg1"/>
-                      </a:solidFill>
-                      <a:prstDash val="solid"/>
-                      <a:round/>
-                      <a:headEnd type="none" w="med" len="med"/>
-                      <a:tailEnd type="none" w="med" len="med"/>
-                    </a:lnT>
-                    <a:lnB w="12700" cap="flat" cmpd="sng" algn="ctr">
-                      <a:solidFill>
-                        <a:schemeClr val="bg1"/>
-                      </a:solidFill>
-                      <a:prstDash val="solid"/>
-                      <a:round/>
-                      <a:headEnd type="none" w="med" len="med"/>
-                      <a:tailEnd type="none" w="med" len="med"/>
-                    </a:lnB>
-                    <a:lnTlToBr>
-                      <a:noFill/>
-                    </a:lnTlToBr>
-                    <a:lnBlToTr>
-                      <a:noFill/>
-                    </a:lnBlToTr>
-                    <a:solidFill>
-                      <a:srgbClr val="D0D8E8"/>
-                    </a:solidFill>
-                  </a:tcPr>
-                </a:tc>
-                <a:tc>
-                  <a:txBody>
-                    <a:bodyPr/>
-                    <a:lstStyle/>
-                    <a:p>
-                      <a:pPr marL="0" marR="0" lvl="0" indent="0" algn="l" defTabSz="914400" rtl="0" eaLnBrk="1" fontAlgn="base" latinLnBrk="0" hangingPunct="1">
-                        <a:lnSpc>
-                          <a:spcPct val="100000"/>
-                        </a:lnSpc>
-                        <a:spcBef>
-                          <a:spcPct val="0"/>
-                        </a:spcBef>
-                        <a:spcAft>
-                          <a:spcPct val="0"/>
-                        </a:spcAft>
-                        <a:buClrTx/>
-                        <a:buSzTx/>
-                        <a:buFontTx/>
-                        <a:buNone/>
-                        <a:tabLst/>
-                      </a:pPr>
-                      <a:r>
-                        <a:rPr kumimoji="0" lang="en-US" sz="1800" b="0" i="0" u="none" strike="noStrike" cap="none" normalizeH="0" baseline="0" dirty="0" smtClean="0">
-                          <a:ln>
-                            <a:noFill/>
-                          </a:ln>
-                          <a:solidFill>
-                            <a:srgbClr val="000000"/>
-                          </a:solidFill>
-                          <a:effectLst/>
-                          <a:latin typeface="Calibri" pitchFamily="34" charset="0"/>
-                          <a:ea typeface="ＭＳ Ｐゴシック" charset="-128"/>
-                        </a:rPr>
-                        <a:t>Leader</a:t>
-                      </a:r>
-                      <a:endParaRPr kumimoji="0" lang="en-CA" sz="1800" b="0" i="0" u="none" strike="noStrike" cap="none" normalizeH="0" baseline="0" dirty="0" smtClean="0">
-                        <a:ln>
-                          <a:noFill/>
-                        </a:ln>
-                        <a:solidFill>
-                          <a:srgbClr val="000000"/>
-                        </a:solidFill>
-                        <a:effectLst/>
-                        <a:latin typeface="Calibri" pitchFamily="34" charset="0"/>
-                      </a:endParaRPr>
-                    </a:p>
-                  </a:txBody>
-                  <a:tcPr horzOverflow="overflow">
-                    <a:lnL w="12700" cap="flat" cmpd="sng" algn="ctr">
-                      <a:solidFill>
-                        <a:schemeClr val="bg1"/>
-                      </a:solidFill>
-                      <a:prstDash val="solid"/>
-                      <a:round/>
-                      <a:headEnd type="none" w="med" len="med"/>
-                      <a:tailEnd type="none" w="med" len="med"/>
-                    </a:lnL>
-                    <a:lnR w="12700" cap="flat" cmpd="sng" algn="ctr">
-                      <a:solidFill>
-                        <a:schemeClr val="bg1"/>
-                      </a:solidFill>
-                      <a:prstDash val="solid"/>
-                      <a:round/>
-                      <a:headEnd type="none" w="med" len="med"/>
-                      <a:tailEnd type="none" w="med" len="med"/>
-                    </a:lnR>
-                    <a:lnT w="38100" cap="flat" cmpd="sng" algn="ctr">
-                      <a:solidFill>
-                        <a:schemeClr val="bg1"/>
-                      </a:solidFill>
-                      <a:prstDash val="solid"/>
-                      <a:round/>
-                      <a:headEnd type="none" w="med" len="med"/>
-                      <a:tailEnd type="none" w="med" len="med"/>
-                    </a:lnT>
-                    <a:lnB w="12700" cap="flat" cmpd="sng" algn="ctr">
-                      <a:solidFill>
-                        <a:schemeClr val="bg1"/>
-                      </a:solidFill>
-                      <a:prstDash val="solid"/>
-                      <a:round/>
-                      <a:headEnd type="none" w="med" len="med"/>
-                      <a:tailEnd type="none" w="med" len="med"/>
-                    </a:lnB>
-                    <a:lnTlToBr>
-                      <a:noFill/>
-                    </a:lnTlToBr>
-                    <a:lnBlToTr>
-                      <a:noFill/>
-                    </a:lnBlToTr>
-                    <a:solidFill>
-                      <a:srgbClr val="D0D8E8"/>
-                    </a:solidFill>
-                  </a:tcPr>
-                </a:tc>
-                <a:tc>
-                  <a:txBody>
-                    <a:bodyPr/>
-                    <a:lstStyle/>
-                    <a:p>
-                      <a:pPr marL="0" marR="0" lvl="0" indent="0" algn="l" defTabSz="914400" rtl="0" eaLnBrk="1" fontAlgn="base" latinLnBrk="0" hangingPunct="1">
-                        <a:lnSpc>
-                          <a:spcPct val="100000"/>
-                        </a:lnSpc>
-                        <a:spcBef>
-                          <a:spcPct val="0"/>
-                        </a:spcBef>
-                        <a:spcAft>
-                          <a:spcPct val="0"/>
-                        </a:spcAft>
-                        <a:buClrTx/>
-                        <a:buSzTx/>
-                        <a:buFontTx/>
-                        <a:buNone/>
-                        <a:tabLst/>
-                      </a:pPr>
-                      <a:r>
-                        <a:rPr kumimoji="0" lang="ja-JP" altLang="en-US" sz="1800" b="0" i="0" u="none" strike="noStrike" cap="none" normalizeH="0" baseline="0" dirty="0" smtClean="0">
-                          <a:ln>
-                            <a:noFill/>
-                          </a:ln>
-                          <a:solidFill>
-                            <a:srgbClr val="000000"/>
-                          </a:solidFill>
-                          <a:effectLst/>
-                          <a:latin typeface="Calibri" pitchFamily="34" charset="0"/>
-                          <a:ea typeface="ＭＳ Ｐゴシック" charset="-128"/>
-                        </a:rPr>
-                        <a:t>チームの牽引すること。また、チームメンバーと同等の能力。</a:t>
-                      </a:r>
-                      <a:endParaRPr kumimoji="0" lang="en-CA" sz="1800" b="0" i="0" u="none" strike="noStrike" cap="none" normalizeH="0" baseline="0" dirty="0" smtClean="0">
-                        <a:ln>
-                          <a:noFill/>
-                        </a:ln>
-                        <a:solidFill>
-                          <a:srgbClr val="000000"/>
-                        </a:solidFill>
-                        <a:effectLst/>
-                        <a:latin typeface="Calibri" pitchFamily="34" charset="0"/>
-                      </a:endParaRPr>
-                    </a:p>
-                  </a:txBody>
-                  <a:tcPr horzOverflow="overflow">
-                    <a:lnL w="12700" cap="flat" cmpd="sng" algn="ctr">
-                      <a:solidFill>
-                        <a:schemeClr val="bg1"/>
-                      </a:solidFill>
-                      <a:prstDash val="solid"/>
-                      <a:round/>
-                      <a:headEnd type="none" w="med" len="med"/>
-                      <a:tailEnd type="none" w="med" len="med"/>
-                    </a:lnL>
-                    <a:lnR w="12700" cap="flat" cmpd="sng" algn="ctr">
-                      <a:solidFill>
-                        <a:schemeClr val="bg1"/>
-                      </a:solidFill>
-                      <a:prstDash val="solid"/>
-                      <a:round/>
-                      <a:headEnd type="none" w="med" len="med"/>
-                      <a:tailEnd type="none" w="med" len="med"/>
-                    </a:lnR>
-                    <a:lnT w="38100" cap="flat" cmpd="sng" algn="ctr">
-                      <a:solidFill>
-                        <a:schemeClr val="bg1"/>
-                      </a:solidFill>
-                      <a:prstDash val="solid"/>
-                      <a:round/>
-                      <a:headEnd type="none" w="med" len="med"/>
-                      <a:tailEnd type="none" w="med" len="med"/>
-                    </a:lnT>
-                    <a:lnB w="12700" cap="flat" cmpd="sng" algn="ctr">
-                      <a:solidFill>
-                        <a:schemeClr val="bg1"/>
-                      </a:solidFill>
-                      <a:prstDash val="solid"/>
-                      <a:round/>
-                      <a:headEnd type="none" w="med" len="med"/>
-                      <a:tailEnd type="none" w="med" len="med"/>
-                    </a:lnB>
-                    <a:lnTlToBr>
-                      <a:noFill/>
-                    </a:lnTlToBr>
-                    <a:lnBlToTr>
-                      <a:noFill/>
-                    </a:lnBlToTr>
-                    <a:solidFill>
-                      <a:srgbClr val="D0D8E8"/>
-                    </a:solidFill>
-                  </a:tcPr>
-                </a:tc>
-              </a:tr>
-              <a:tr h="371475">
-                <a:tc>
-                  <a:txBody>
-                    <a:bodyPr/>
-                    <a:lstStyle/>
-                    <a:p>
-                      <a:pPr marL="0" marR="0" lvl="0" indent="0" algn="l" defTabSz="914400" rtl="0" eaLnBrk="1" fontAlgn="base" latinLnBrk="0" hangingPunct="1">
-                        <a:lnSpc>
-                          <a:spcPct val="100000"/>
-                        </a:lnSpc>
-                        <a:spcBef>
-                          <a:spcPct val="0"/>
-                        </a:spcBef>
-                        <a:spcAft>
-                          <a:spcPct val="0"/>
-                        </a:spcAft>
-                        <a:buClrTx/>
-                        <a:buSzTx/>
-                        <a:buFontTx/>
-                        <a:buNone/>
-                        <a:tabLst/>
-                      </a:pPr>
-                      <a:r>
-                        <a:rPr kumimoji="0" lang="en-CA" altLang="ja-JP" sz="1800" b="0" i="0" u="none" strike="noStrike" cap="none" normalizeH="0" baseline="0" smtClean="0">
-                          <a:ln>
-                            <a:noFill/>
-                          </a:ln>
-                          <a:solidFill>
-                            <a:srgbClr val="000000"/>
-                          </a:solidFill>
-                          <a:effectLst/>
-                          <a:latin typeface="Calibri" pitchFamily="34" charset="0"/>
-                          <a:ea typeface="ＭＳ Ｐゴシック" charset="-128"/>
-                        </a:rPr>
-                        <a:t>2</a:t>
-                      </a:r>
-                    </a:p>
-                  </a:txBody>
-                  <a:tcPr horzOverflow="overflow">
-                    <a:lnL w="12700" cap="flat" cmpd="sng" algn="ctr">
-                      <a:solidFill>
-                        <a:schemeClr val="bg1"/>
-                      </a:solidFill>
-                      <a:prstDash val="solid"/>
-                      <a:round/>
-                      <a:headEnd type="none" w="med" len="med"/>
-                      <a:tailEnd type="none" w="med" len="med"/>
-                    </a:lnL>
-                    <a:lnR w="12700" cap="flat" cmpd="sng" algn="ctr">
-                      <a:solidFill>
-                        <a:schemeClr val="bg1"/>
-                      </a:solidFill>
-                      <a:prstDash val="solid"/>
-                      <a:round/>
-                      <a:headEnd type="none" w="med" len="med"/>
-                      <a:tailEnd type="none" w="med" len="med"/>
-                    </a:lnR>
-                    <a:lnT w="12700" cap="flat" cmpd="sng" algn="ctr">
-                      <a:solidFill>
-                        <a:schemeClr val="bg1"/>
-                      </a:solidFill>
-                      <a:prstDash val="solid"/>
-                      <a:round/>
-                      <a:headEnd type="none" w="med" len="med"/>
-                      <a:tailEnd type="none" w="med" len="med"/>
-                    </a:lnT>
-                    <a:lnB w="12700" cap="flat" cmpd="sng" algn="ctr">
-                      <a:solidFill>
-                        <a:schemeClr val="bg1"/>
-                      </a:solidFill>
-                      <a:prstDash val="solid"/>
-                      <a:round/>
-                      <a:headEnd type="none" w="med" len="med"/>
-                      <a:tailEnd type="none" w="med" len="med"/>
-                    </a:lnB>
-                    <a:lnTlToBr>
-                      <a:noFill/>
-                    </a:lnTlToBr>
-                    <a:lnBlToTr>
-                      <a:noFill/>
-                    </a:lnBlToTr>
-                    <a:solidFill>
-                      <a:srgbClr val="E9EDF4"/>
-                    </a:solidFill>
-                  </a:tcPr>
-                </a:tc>
-                <a:tc>
-                  <a:txBody>
-                    <a:bodyPr/>
-                    <a:lstStyle/>
-                    <a:p>
-                      <a:pPr marL="0" marR="0" lvl="0" indent="0" algn="l" defTabSz="914400" rtl="0" eaLnBrk="1" fontAlgn="base" latinLnBrk="0" hangingPunct="1">
-                        <a:lnSpc>
-                          <a:spcPct val="100000"/>
-                        </a:lnSpc>
-                        <a:spcBef>
-                          <a:spcPct val="0"/>
-                        </a:spcBef>
-                        <a:spcAft>
-                          <a:spcPct val="0"/>
-                        </a:spcAft>
-                        <a:buClrTx/>
-                        <a:buSzTx/>
-                        <a:buFontTx/>
-                        <a:buNone/>
-                        <a:tabLst/>
-                      </a:pPr>
-                      <a:r>
-                        <a:rPr kumimoji="0" lang="en-US" sz="1800" b="0" i="0" u="none" strike="noStrike" cap="none" normalizeH="0" baseline="0" dirty="0" smtClean="0">
-                          <a:ln>
-                            <a:noFill/>
-                          </a:ln>
-                          <a:solidFill>
-                            <a:srgbClr val="000000"/>
-                          </a:solidFill>
-                          <a:effectLst/>
-                          <a:latin typeface="Calibri" pitchFamily="34" charset="0"/>
-                          <a:ea typeface="ＭＳ Ｐゴシック" charset="-128"/>
-                        </a:rPr>
-                        <a:t>Member of team</a:t>
-                      </a:r>
-                      <a:endParaRPr kumimoji="0" lang="en-CA" sz="1800" b="0" i="0" u="none" strike="noStrike" cap="none" normalizeH="0" baseline="0" dirty="0" smtClean="0">
-                        <a:ln>
-                          <a:noFill/>
-                        </a:ln>
-                        <a:solidFill>
-                          <a:srgbClr val="000000"/>
-                        </a:solidFill>
-                        <a:effectLst/>
-                        <a:latin typeface="Calibri" pitchFamily="34" charset="0"/>
-                      </a:endParaRPr>
-                    </a:p>
-                  </a:txBody>
-                  <a:tcPr horzOverflow="overflow">
-                    <a:lnL w="12700" cap="flat" cmpd="sng" algn="ctr">
-                      <a:solidFill>
-                        <a:schemeClr val="bg1"/>
-                      </a:solidFill>
-                      <a:prstDash val="solid"/>
-                      <a:round/>
-                      <a:headEnd type="none" w="med" len="med"/>
-                      <a:tailEnd type="none" w="med" len="med"/>
-                    </a:lnL>
-                    <a:lnR w="12700" cap="flat" cmpd="sng" algn="ctr">
-                      <a:solidFill>
-                        <a:schemeClr val="bg1"/>
-                      </a:solidFill>
-                      <a:prstDash val="solid"/>
-                      <a:round/>
-                      <a:headEnd type="none" w="med" len="med"/>
-                      <a:tailEnd type="none" w="med" len="med"/>
-                    </a:lnR>
-                    <a:lnT w="12700" cap="flat" cmpd="sng" algn="ctr">
-                      <a:solidFill>
-                        <a:schemeClr val="bg1"/>
-                      </a:solidFill>
-                      <a:prstDash val="solid"/>
-                      <a:round/>
-                      <a:headEnd type="none" w="med" len="med"/>
-                      <a:tailEnd type="none" w="med" len="med"/>
-                    </a:lnT>
-                    <a:lnB w="12700" cap="flat" cmpd="sng" algn="ctr">
-                      <a:solidFill>
-                        <a:schemeClr val="bg1"/>
-                      </a:solidFill>
-                      <a:prstDash val="solid"/>
-                      <a:round/>
-                      <a:headEnd type="none" w="med" len="med"/>
-                      <a:tailEnd type="none" w="med" len="med"/>
-                    </a:lnB>
-                    <a:lnTlToBr>
-                      <a:noFill/>
-                    </a:lnTlToBr>
-                    <a:lnBlToTr>
-                      <a:noFill/>
-                    </a:lnBlToTr>
-                    <a:solidFill>
-                      <a:srgbClr val="E9EDF4"/>
-                    </a:solidFill>
-                  </a:tcPr>
-                </a:tc>
-                <a:tc>
-                  <a:txBody>
-                    <a:bodyPr/>
-                    <a:lstStyle/>
-                    <a:p>
-                      <a:pPr marL="0" marR="0" lvl="0" indent="0" algn="l" defTabSz="914400" rtl="0" eaLnBrk="1" fontAlgn="base" latinLnBrk="0" hangingPunct="1">
-                        <a:lnSpc>
-                          <a:spcPct val="100000"/>
-                        </a:lnSpc>
-                        <a:spcBef>
-                          <a:spcPct val="0"/>
-                        </a:spcBef>
-                        <a:spcAft>
-                          <a:spcPct val="0"/>
-                        </a:spcAft>
-                        <a:buClrTx/>
-                        <a:buSzTx/>
-                        <a:buFontTx/>
-                        <a:buNone/>
-                        <a:tabLst/>
-                      </a:pPr>
-                      <a:r>
-                        <a:rPr kumimoji="0" lang="en-CA" altLang="ja-JP" sz="1800" b="0" i="0" u="none" strike="noStrike" cap="none" normalizeH="0" baseline="0" dirty="0" smtClean="0">
-                          <a:ln>
-                            <a:noFill/>
-                          </a:ln>
-                          <a:solidFill>
-                            <a:srgbClr val="000000"/>
-                          </a:solidFill>
-                          <a:effectLst/>
-                          <a:latin typeface="Calibri" pitchFamily="34" charset="0"/>
-                          <a:ea typeface="ＭＳ Ｐゴシック" charset="-128"/>
-                        </a:rPr>
-                        <a:t>C</a:t>
-                      </a:r>
-                      <a:r>
-                        <a:rPr kumimoji="0" lang="ja-JP" altLang="en-US" sz="1800" b="0" i="0" u="none" strike="noStrike" cap="none" normalizeH="0" baseline="0" dirty="0" smtClean="0">
-                          <a:ln>
-                            <a:noFill/>
-                          </a:ln>
-                          <a:solidFill>
-                            <a:srgbClr val="000000"/>
-                          </a:solidFill>
-                          <a:effectLst/>
-                          <a:latin typeface="Calibri" pitchFamily="34" charset="0"/>
-                          <a:ea typeface="ＭＳ Ｐゴシック" charset="-128"/>
-                        </a:rPr>
-                        <a:t>（</a:t>
-                      </a:r>
-                      <a:r>
-                        <a:rPr kumimoji="0" lang="en-US" altLang="ja-JP" sz="1800" b="0" i="0" u="none" strike="noStrike" cap="none" normalizeH="0" baseline="0" dirty="0" smtClean="0">
-                          <a:ln>
-                            <a:noFill/>
-                          </a:ln>
-                          <a:solidFill>
-                            <a:srgbClr val="000000"/>
-                          </a:solidFill>
-                          <a:effectLst/>
-                          <a:latin typeface="Calibri" pitchFamily="34" charset="0"/>
-                          <a:ea typeface="ＭＳ Ｐゴシック" charset="-128"/>
-                        </a:rPr>
-                        <a:t>Programming</a:t>
-                      </a:r>
-                      <a:r>
-                        <a:rPr kumimoji="0" lang="ja-JP" altLang="en-US" sz="1800" b="0" i="0" u="none" strike="noStrike" cap="none" normalizeH="0" baseline="0" dirty="0" smtClean="0">
-                          <a:ln>
-                            <a:noFill/>
-                          </a:ln>
-                          <a:solidFill>
-                            <a:srgbClr val="000000"/>
-                          </a:solidFill>
-                          <a:effectLst/>
-                          <a:latin typeface="Calibri" pitchFamily="34" charset="0"/>
-                          <a:ea typeface="ＭＳ Ｐゴシック" charset="-128"/>
-                        </a:rPr>
-                        <a:t>）</a:t>
-                      </a:r>
-                      <a:r>
-                        <a:rPr kumimoji="0" lang="en-CA" altLang="ja-JP" sz="1800" b="0" i="0" u="none" strike="noStrike" cap="none" normalizeH="0" baseline="0" dirty="0" smtClean="0">
-                          <a:ln>
-                            <a:noFill/>
-                          </a:ln>
-                          <a:solidFill>
-                            <a:srgbClr val="000000"/>
-                          </a:solidFill>
-                          <a:effectLst/>
-                          <a:latin typeface="Calibri" pitchFamily="34" charset="0"/>
-                          <a:ea typeface="ＭＳ Ｐゴシック" charset="-128"/>
-                        </a:rPr>
-                        <a:t>,UML</a:t>
-                      </a:r>
-                      <a:r>
-                        <a:rPr kumimoji="0" lang="ja-JP" altLang="en-US" sz="1800" b="0" i="0" u="none" strike="noStrike" cap="none" normalizeH="0" baseline="0" dirty="0" smtClean="0">
-                          <a:ln>
-                            <a:noFill/>
-                          </a:ln>
-                          <a:solidFill>
-                            <a:srgbClr val="000000"/>
-                          </a:solidFill>
-                          <a:effectLst/>
-                          <a:latin typeface="Calibri" pitchFamily="34" charset="0"/>
-                          <a:ea typeface="ＭＳ Ｐゴシック" charset="-128"/>
-                        </a:rPr>
-                        <a:t>（</a:t>
-                      </a:r>
-                      <a:r>
-                        <a:rPr kumimoji="0" lang="en-US" altLang="ja-JP" sz="1800" b="0" i="0" u="none" strike="noStrike" cap="none" normalizeH="0" baseline="0" dirty="0" smtClean="0">
-                          <a:ln>
-                            <a:noFill/>
-                          </a:ln>
-                          <a:solidFill>
-                            <a:srgbClr val="000000"/>
-                          </a:solidFill>
-                          <a:effectLst/>
-                          <a:latin typeface="Calibri" pitchFamily="34" charset="0"/>
-                          <a:ea typeface="ＭＳ Ｐゴシック" charset="-128"/>
-                        </a:rPr>
-                        <a:t>Designing Model</a:t>
-                      </a:r>
-                      <a:r>
-                        <a:rPr kumimoji="0" lang="ja-JP" altLang="en-US" sz="1800" b="0" i="0" u="none" strike="noStrike" cap="none" normalizeH="0" baseline="0" dirty="0" smtClean="0">
-                          <a:ln>
-                            <a:noFill/>
-                          </a:ln>
-                          <a:solidFill>
-                            <a:srgbClr val="000000"/>
-                          </a:solidFill>
-                          <a:effectLst/>
-                          <a:latin typeface="Calibri" pitchFamily="34" charset="0"/>
-                          <a:ea typeface="ＭＳ Ｐゴシック" charset="-128"/>
-                        </a:rPr>
-                        <a:t>）</a:t>
-                      </a:r>
-                      <a:r>
-                        <a:rPr kumimoji="0" lang="en-CA" altLang="ja-JP" sz="1800" b="0" i="0" u="none" strike="noStrike" cap="none" normalizeH="0" baseline="0" dirty="0" smtClean="0">
-                          <a:ln>
-                            <a:noFill/>
-                          </a:ln>
-                          <a:solidFill>
-                            <a:srgbClr val="000000"/>
-                          </a:solidFill>
-                          <a:effectLst/>
-                          <a:latin typeface="Calibri" pitchFamily="34" charset="0"/>
-                          <a:ea typeface="ＭＳ Ｐゴシック" charset="-128"/>
-                        </a:rPr>
-                        <a:t>, </a:t>
-                      </a:r>
-                      <a:r>
-                        <a:rPr kumimoji="0" lang="en-US" altLang="ja-JP" sz="1800" b="0" i="0" u="none" strike="noStrike" cap="none" normalizeH="0" baseline="0" dirty="0" smtClean="0">
-                          <a:ln>
-                            <a:noFill/>
-                          </a:ln>
-                          <a:solidFill>
-                            <a:srgbClr val="000000"/>
-                          </a:solidFill>
-                          <a:effectLst/>
-                          <a:latin typeface="Calibri" pitchFamily="34" charset="0"/>
-                          <a:ea typeface="ＭＳ Ｐゴシック" charset="-128"/>
-                        </a:rPr>
-                        <a:t>Design, Communication Skill, Positiveness.</a:t>
-                      </a:r>
-                      <a:endParaRPr kumimoji="0" lang="en-CA" sz="1800" b="0" i="0" u="none" strike="noStrike" cap="none" normalizeH="0" baseline="0" dirty="0" smtClean="0">
-                        <a:ln>
-                          <a:noFill/>
-                        </a:ln>
-                        <a:solidFill>
-                          <a:srgbClr val="000000"/>
-                        </a:solidFill>
-                        <a:effectLst/>
-                        <a:latin typeface="Calibri" pitchFamily="34" charset="0"/>
-                      </a:endParaRPr>
-                    </a:p>
-                  </a:txBody>
-                  <a:tcPr horzOverflow="overflow">
-                    <a:lnL w="12700" cap="flat" cmpd="sng" algn="ctr">
-                      <a:solidFill>
-                        <a:schemeClr val="bg1"/>
-                      </a:solidFill>
-                      <a:prstDash val="solid"/>
-                      <a:round/>
-                      <a:headEnd type="none" w="med" len="med"/>
-                      <a:tailEnd type="none" w="med" len="med"/>
-                    </a:lnL>
-                    <a:lnR w="12700" cap="flat" cmpd="sng" algn="ctr">
-                      <a:solidFill>
-                        <a:schemeClr val="bg1"/>
-                      </a:solidFill>
-                      <a:prstDash val="solid"/>
-                      <a:round/>
-                      <a:headEnd type="none" w="med" len="med"/>
-                      <a:tailEnd type="none" w="med" len="med"/>
-                    </a:lnR>
-                    <a:lnT w="12700" cap="flat" cmpd="sng" algn="ctr">
-                      <a:solidFill>
-                        <a:schemeClr val="bg1"/>
-                      </a:solidFill>
-                      <a:prstDash val="solid"/>
-                      <a:round/>
-                      <a:headEnd type="none" w="med" len="med"/>
-                      <a:tailEnd type="none" w="med" len="med"/>
-                    </a:lnT>
-                    <a:lnB w="12700" cap="flat" cmpd="sng" algn="ctr">
-                      <a:solidFill>
-                        <a:schemeClr val="bg1"/>
-                      </a:solidFill>
-                      <a:prstDash val="solid"/>
-                      <a:round/>
-                      <a:headEnd type="none" w="med" len="med"/>
-                      <a:tailEnd type="none" w="med" len="med"/>
-                    </a:lnB>
-                    <a:lnTlToBr>
-                      <a:noFill/>
-                    </a:lnTlToBr>
-                    <a:lnBlToTr>
-                      <a:noFill/>
-                    </a:lnBlToTr>
-                    <a:solidFill>
-                      <a:srgbClr val="E9EDF4"/>
-                    </a:solidFill>
-                  </a:tcPr>
-                </a:tc>
-              </a:tr>
-              <a:tr h="371475">
-                <a:tc>
-                  <a:txBody>
-                    <a:bodyPr/>
-                    <a:lstStyle/>
-                    <a:p>
-                      <a:pPr marL="0" marR="0" lvl="0" indent="0" algn="l" defTabSz="914400" rtl="0" eaLnBrk="1" fontAlgn="base" latinLnBrk="0" hangingPunct="1">
-                        <a:lnSpc>
-                          <a:spcPct val="100000"/>
-                        </a:lnSpc>
-                        <a:spcBef>
-                          <a:spcPct val="0"/>
-                        </a:spcBef>
-                        <a:spcAft>
-                          <a:spcPct val="0"/>
-                        </a:spcAft>
-                        <a:buClrTx/>
-                        <a:buSzTx/>
-                        <a:buFontTx/>
-                        <a:buNone/>
-                        <a:tabLst/>
-                      </a:pPr>
-                      <a:endParaRPr kumimoji="0" lang="en-CA" altLang="ja-JP" sz="1800" b="0" i="0" u="none" strike="noStrike" cap="none" normalizeH="0" baseline="0" smtClean="0">
-                        <a:ln>
-                          <a:noFill/>
-                        </a:ln>
-                        <a:solidFill>
-                          <a:srgbClr val="000000"/>
-                        </a:solidFill>
-                        <a:effectLst/>
-                        <a:latin typeface="Calibri" pitchFamily="34" charset="0"/>
-                        <a:ea typeface="ＭＳ Ｐゴシック" charset="-128"/>
-                      </a:endParaRPr>
-                    </a:p>
-                  </a:txBody>
-                  <a:tcPr horzOverflow="overflow">
-                    <a:lnL w="12700" cap="flat" cmpd="sng" algn="ctr">
-                      <a:solidFill>
-                        <a:schemeClr val="bg1"/>
-                      </a:solidFill>
-                      <a:prstDash val="solid"/>
-                      <a:round/>
-                      <a:headEnd type="none" w="med" len="med"/>
-                      <a:tailEnd type="none" w="med" len="med"/>
-                    </a:lnL>
-                    <a:lnR w="12700" cap="flat" cmpd="sng" algn="ctr">
-                      <a:solidFill>
-                        <a:schemeClr val="bg1"/>
-                      </a:solidFill>
-                      <a:prstDash val="solid"/>
-                      <a:round/>
-                      <a:headEnd type="none" w="med" len="med"/>
-                      <a:tailEnd type="none" w="med" len="med"/>
-                    </a:lnR>
-                    <a:lnT w="12700" cap="flat" cmpd="sng" algn="ctr">
-                      <a:solidFill>
-                        <a:schemeClr val="bg1"/>
-                      </a:solidFill>
-                      <a:prstDash val="solid"/>
-                      <a:round/>
-                      <a:headEnd type="none" w="med" len="med"/>
-                      <a:tailEnd type="none" w="med" len="med"/>
-                    </a:lnT>
-                    <a:lnB w="12700" cap="flat" cmpd="sng" algn="ctr">
-                      <a:solidFill>
-                        <a:schemeClr val="bg1"/>
-                      </a:solidFill>
-                      <a:prstDash val="solid"/>
-                      <a:round/>
-                      <a:headEnd type="none" w="med" len="med"/>
-                      <a:tailEnd type="none" w="med" len="med"/>
-                    </a:lnB>
-                    <a:lnTlToBr>
-                      <a:noFill/>
-                    </a:lnTlToBr>
-                    <a:lnBlToTr>
-                      <a:noFill/>
-                    </a:lnBlToTr>
-                    <a:solidFill>
-                      <a:srgbClr val="D0D8E8"/>
-                    </a:solidFill>
-                  </a:tcPr>
-                </a:tc>
-                <a:tc>
-                  <a:txBody>
-                    <a:bodyPr/>
-                    <a:lstStyle/>
-                    <a:p>
-                      <a:pPr marL="0" marR="0" lvl="0" indent="0" algn="l" defTabSz="914400" rtl="0" eaLnBrk="1" fontAlgn="base" latinLnBrk="0" hangingPunct="1">
-                        <a:lnSpc>
-                          <a:spcPct val="100000"/>
-                        </a:lnSpc>
-                        <a:spcBef>
-                          <a:spcPct val="0"/>
-                        </a:spcBef>
-                        <a:spcAft>
-                          <a:spcPct val="0"/>
-                        </a:spcAft>
-                        <a:buClrTx/>
-                        <a:buSzTx/>
-                        <a:buFontTx/>
-                        <a:buNone/>
-                        <a:tabLst/>
-                      </a:pPr>
-                      <a:endParaRPr kumimoji="0" lang="en-CA" altLang="ja-JP" sz="1800" b="0" i="0" u="none" strike="noStrike" cap="none" normalizeH="0" baseline="0" smtClean="0">
-                        <a:ln>
-                          <a:noFill/>
-                        </a:ln>
-                        <a:solidFill>
-                          <a:srgbClr val="000000"/>
-                        </a:solidFill>
-                        <a:effectLst/>
-                        <a:latin typeface="Calibri" pitchFamily="34" charset="0"/>
-                        <a:ea typeface="ＭＳ Ｐゴシック" charset="-128"/>
-                      </a:endParaRPr>
-                    </a:p>
-                  </a:txBody>
-                  <a:tcPr horzOverflow="overflow">
-                    <a:lnL w="12700" cap="flat" cmpd="sng" algn="ctr">
-                      <a:solidFill>
-                        <a:schemeClr val="bg1"/>
-                      </a:solidFill>
-                      <a:prstDash val="solid"/>
-                      <a:round/>
-                      <a:headEnd type="none" w="med" len="med"/>
-                      <a:tailEnd type="none" w="med" len="med"/>
-                    </a:lnL>
-                    <a:lnR w="12700" cap="flat" cmpd="sng" algn="ctr">
-                      <a:solidFill>
-                        <a:schemeClr val="bg1"/>
-                      </a:solidFill>
-                      <a:prstDash val="solid"/>
-                      <a:round/>
-                      <a:headEnd type="none" w="med" len="med"/>
-                      <a:tailEnd type="none" w="med" len="med"/>
-                    </a:lnR>
-                    <a:lnT w="12700" cap="flat" cmpd="sng" algn="ctr">
-                      <a:solidFill>
-                        <a:schemeClr val="bg1"/>
-                      </a:solidFill>
-                      <a:prstDash val="solid"/>
-                      <a:round/>
-                      <a:headEnd type="none" w="med" len="med"/>
-                      <a:tailEnd type="none" w="med" len="med"/>
-                    </a:lnT>
-                    <a:lnB w="12700" cap="flat" cmpd="sng" algn="ctr">
-                      <a:solidFill>
-                        <a:schemeClr val="bg1"/>
-                      </a:solidFill>
-                      <a:prstDash val="solid"/>
-                      <a:round/>
-                      <a:headEnd type="none" w="med" len="med"/>
-                      <a:tailEnd type="none" w="med" len="med"/>
-                    </a:lnB>
-                    <a:lnTlToBr>
-                      <a:noFill/>
-                    </a:lnTlToBr>
-                    <a:lnBlToTr>
-                      <a:noFill/>
-                    </a:lnBlToTr>
-                    <a:solidFill>
-                      <a:srgbClr val="D0D8E8"/>
-                    </a:solidFill>
-                  </a:tcPr>
-                </a:tc>
-                <a:tc>
-                  <a:txBody>
-                    <a:bodyPr/>
-                    <a:lstStyle/>
-                    <a:p>
-                      <a:pPr marL="0" marR="0" lvl="0" indent="0" algn="l" defTabSz="914400" rtl="0" eaLnBrk="1" fontAlgn="base" latinLnBrk="0" hangingPunct="1">
-                        <a:lnSpc>
-                          <a:spcPct val="100000"/>
-                        </a:lnSpc>
-                        <a:spcBef>
-                          <a:spcPct val="0"/>
-                        </a:spcBef>
-                        <a:spcAft>
-                          <a:spcPct val="0"/>
-                        </a:spcAft>
-                        <a:buClrTx/>
-                        <a:buSzTx/>
-                        <a:buFontTx/>
-                        <a:buNone/>
-                        <a:tabLst/>
-                      </a:pPr>
-                      <a:endParaRPr kumimoji="0" lang="en-CA" altLang="ja-JP" sz="1800" b="0" i="0" u="none" strike="noStrike" cap="none" normalizeH="0" baseline="0" smtClean="0">
-                        <a:ln>
-                          <a:noFill/>
-                        </a:ln>
-                        <a:solidFill>
-                          <a:srgbClr val="000000"/>
-                        </a:solidFill>
-                        <a:effectLst/>
-                        <a:latin typeface="Calibri" pitchFamily="34" charset="0"/>
-                        <a:ea typeface="ＭＳ Ｐゴシック" charset="-128"/>
-                      </a:endParaRPr>
-                    </a:p>
-                  </a:txBody>
-                  <a:tcPr horzOverflow="overflow">
-                    <a:lnL w="12700" cap="flat" cmpd="sng" algn="ctr">
-                      <a:solidFill>
-                        <a:schemeClr val="bg1"/>
-                      </a:solidFill>
-                      <a:prstDash val="solid"/>
-                      <a:round/>
-                      <a:headEnd type="none" w="med" len="med"/>
-                      <a:tailEnd type="none" w="med" len="med"/>
-                    </a:lnL>
-                    <a:lnR w="12700" cap="flat" cmpd="sng" algn="ctr">
-                      <a:solidFill>
-                        <a:schemeClr val="bg1"/>
-                      </a:solidFill>
-                      <a:prstDash val="solid"/>
-                      <a:round/>
-                      <a:headEnd type="none" w="med" len="med"/>
-                      <a:tailEnd type="none" w="med" len="med"/>
-                    </a:lnR>
-                    <a:lnT w="12700" cap="flat" cmpd="sng" algn="ctr">
-                      <a:solidFill>
-                        <a:schemeClr val="bg1"/>
-                      </a:solidFill>
-                      <a:prstDash val="solid"/>
-                      <a:round/>
-                      <a:headEnd type="none" w="med" len="med"/>
-                      <a:tailEnd type="none" w="med" len="med"/>
-                    </a:lnT>
-                    <a:lnB w="12700" cap="flat" cmpd="sng" algn="ctr">
-                      <a:solidFill>
-                        <a:schemeClr val="bg1"/>
-                      </a:solidFill>
-                      <a:prstDash val="solid"/>
-                      <a:round/>
-                      <a:headEnd type="none" w="med" len="med"/>
-                      <a:tailEnd type="none" w="med" len="med"/>
-                    </a:lnB>
-                    <a:lnTlToBr>
-                      <a:noFill/>
-                    </a:lnTlToBr>
-                    <a:lnBlToTr>
-                      <a:noFill/>
-                    </a:lnBlToTr>
-                    <a:solidFill>
-                      <a:srgbClr val="D0D8E8"/>
-                    </a:solidFill>
-                  </a:tcPr>
-                </a:tc>
-              </a:tr>
-              <a:tr h="371475">
-                <a:tc>
-                  <a:txBody>
-                    <a:bodyPr/>
-                    <a:lstStyle/>
-                    <a:p>
-                      <a:pPr marL="0" marR="0" lvl="0" indent="0" algn="l" defTabSz="914400" rtl="0" eaLnBrk="1" fontAlgn="base" latinLnBrk="0" hangingPunct="1">
-                        <a:lnSpc>
-                          <a:spcPct val="100000"/>
-                        </a:lnSpc>
-                        <a:spcBef>
-                          <a:spcPct val="0"/>
-                        </a:spcBef>
-                        <a:spcAft>
-                          <a:spcPct val="0"/>
-                        </a:spcAft>
-                        <a:buClrTx/>
-                        <a:buSzTx/>
-                        <a:buFontTx/>
-                        <a:buNone/>
-                        <a:tabLst/>
-                      </a:pPr>
-                      <a:endParaRPr kumimoji="0" lang="en-CA" altLang="ja-JP" sz="1800" b="0" i="0" u="none" strike="noStrike" cap="none" normalizeH="0" baseline="0" smtClean="0">
-                        <a:ln>
-                          <a:noFill/>
-                        </a:ln>
-                        <a:solidFill>
-                          <a:srgbClr val="000000"/>
-                        </a:solidFill>
-                        <a:effectLst/>
-                        <a:latin typeface="Calibri" pitchFamily="34" charset="0"/>
-                        <a:ea typeface="ＭＳ Ｐゴシック" charset="-128"/>
-                      </a:endParaRPr>
-                    </a:p>
-                  </a:txBody>
-                  <a:tcPr horzOverflow="overflow">
-                    <a:lnL w="12700" cap="flat" cmpd="sng" algn="ctr">
-                      <a:solidFill>
-                        <a:schemeClr val="bg1"/>
-                      </a:solidFill>
-                      <a:prstDash val="solid"/>
-                      <a:round/>
-                      <a:headEnd type="none" w="med" len="med"/>
-                      <a:tailEnd type="none" w="med" len="med"/>
-                    </a:lnL>
-                    <a:lnR w="12700" cap="flat" cmpd="sng" algn="ctr">
-                      <a:solidFill>
-                        <a:schemeClr val="bg1"/>
-                      </a:solidFill>
-                      <a:prstDash val="solid"/>
-                      <a:round/>
-                      <a:headEnd type="none" w="med" len="med"/>
-                      <a:tailEnd type="none" w="med" len="med"/>
-                    </a:lnR>
-                    <a:lnT w="12700" cap="flat" cmpd="sng" algn="ctr">
-                      <a:solidFill>
-                        <a:schemeClr val="bg1"/>
-                      </a:solidFill>
-                      <a:prstDash val="solid"/>
-                      <a:round/>
-                      <a:headEnd type="none" w="med" len="med"/>
-                      <a:tailEnd type="none" w="med" len="med"/>
-                    </a:lnT>
-                    <a:lnB w="12700" cap="flat" cmpd="sng" algn="ctr">
-                      <a:solidFill>
-                        <a:schemeClr val="bg1"/>
-                      </a:solidFill>
-                      <a:prstDash val="solid"/>
-                      <a:round/>
-                      <a:headEnd type="none" w="med" len="med"/>
-                      <a:tailEnd type="none" w="med" len="med"/>
-                    </a:lnB>
-                    <a:lnTlToBr>
-                      <a:noFill/>
-                    </a:lnTlToBr>
-                    <a:lnBlToTr>
-                      <a:noFill/>
-                    </a:lnBlToTr>
-                    <a:solidFill>
-                      <a:srgbClr val="E9EDF4"/>
-                    </a:solidFill>
-                  </a:tcPr>
-                </a:tc>
-                <a:tc>
-                  <a:txBody>
-                    <a:bodyPr/>
-                    <a:lstStyle/>
-                    <a:p>
-                      <a:pPr marL="0" marR="0" lvl="0" indent="0" algn="l" defTabSz="914400" rtl="0" eaLnBrk="1" fontAlgn="base" latinLnBrk="0" hangingPunct="1">
-                        <a:lnSpc>
-                          <a:spcPct val="100000"/>
-                        </a:lnSpc>
-                        <a:spcBef>
-                          <a:spcPct val="0"/>
-                        </a:spcBef>
-                        <a:spcAft>
-                          <a:spcPct val="0"/>
-                        </a:spcAft>
-                        <a:buClrTx/>
-                        <a:buSzTx/>
-                        <a:buFontTx/>
-                        <a:buNone/>
-                        <a:tabLst/>
-                      </a:pPr>
-                      <a:endParaRPr kumimoji="0" lang="en-CA" altLang="ja-JP" sz="1800" b="0" i="0" u="none" strike="noStrike" cap="none" normalizeH="0" baseline="0" smtClean="0">
-                        <a:ln>
-                          <a:noFill/>
-                        </a:ln>
-                        <a:solidFill>
-                          <a:srgbClr val="000000"/>
-                        </a:solidFill>
-                        <a:effectLst/>
-                        <a:latin typeface="Calibri" pitchFamily="34" charset="0"/>
-                        <a:ea typeface="ＭＳ Ｐゴシック" charset="-128"/>
-                      </a:endParaRPr>
-                    </a:p>
-                  </a:txBody>
-                  <a:tcPr horzOverflow="overflow">
-                    <a:lnL w="12700" cap="flat" cmpd="sng" algn="ctr">
-                      <a:solidFill>
-                        <a:schemeClr val="bg1"/>
-                      </a:solidFill>
-                      <a:prstDash val="solid"/>
-                      <a:round/>
-                      <a:headEnd type="none" w="med" len="med"/>
-                      <a:tailEnd type="none" w="med" len="med"/>
-                    </a:lnL>
-                    <a:lnR w="12700" cap="flat" cmpd="sng" algn="ctr">
-                      <a:solidFill>
-                        <a:schemeClr val="bg1"/>
-                      </a:solidFill>
-                      <a:prstDash val="solid"/>
-                      <a:round/>
-                      <a:headEnd type="none" w="med" len="med"/>
-                      <a:tailEnd type="none" w="med" len="med"/>
-                    </a:lnR>
-                    <a:lnT w="12700" cap="flat" cmpd="sng" algn="ctr">
-                      <a:solidFill>
-                        <a:schemeClr val="bg1"/>
-                      </a:solidFill>
-                      <a:prstDash val="solid"/>
-                      <a:round/>
-                      <a:headEnd type="none" w="med" len="med"/>
-                      <a:tailEnd type="none" w="med" len="med"/>
-                    </a:lnT>
-                    <a:lnB w="12700" cap="flat" cmpd="sng" algn="ctr">
-                      <a:solidFill>
-                        <a:schemeClr val="bg1"/>
-                      </a:solidFill>
-                      <a:prstDash val="solid"/>
-                      <a:round/>
-                      <a:headEnd type="none" w="med" len="med"/>
-                      <a:tailEnd type="none" w="med" len="med"/>
-                    </a:lnB>
-                    <a:lnTlToBr>
-                      <a:noFill/>
-                    </a:lnTlToBr>
-                    <a:lnBlToTr>
-                      <a:noFill/>
-                    </a:lnBlToTr>
-                    <a:solidFill>
-                      <a:srgbClr val="E9EDF4"/>
-                    </a:solidFill>
-                  </a:tcPr>
-                </a:tc>
-                <a:tc>
-                  <a:txBody>
-                    <a:bodyPr/>
-                    <a:lstStyle/>
-                    <a:p>
-                      <a:pPr marL="0" marR="0" lvl="0" indent="0" algn="l" defTabSz="914400" rtl="0" eaLnBrk="1" fontAlgn="base" latinLnBrk="0" hangingPunct="1">
-                        <a:lnSpc>
-                          <a:spcPct val="100000"/>
-                        </a:lnSpc>
-                        <a:spcBef>
-                          <a:spcPct val="0"/>
-                        </a:spcBef>
-                        <a:spcAft>
-                          <a:spcPct val="0"/>
-                        </a:spcAft>
-                        <a:buClrTx/>
-                        <a:buSzTx/>
-                        <a:buFontTx/>
-                        <a:buNone/>
-                        <a:tabLst/>
-                      </a:pPr>
-                      <a:endParaRPr kumimoji="0" lang="en-CA" altLang="ja-JP" sz="1800" b="0" i="0" u="none" strike="noStrike" cap="none" normalizeH="0" baseline="0" smtClean="0">
-                        <a:ln>
-                          <a:noFill/>
-                        </a:ln>
-                        <a:solidFill>
-                          <a:srgbClr val="000000"/>
-                        </a:solidFill>
-                        <a:effectLst/>
-                        <a:latin typeface="Calibri" pitchFamily="34" charset="0"/>
-                        <a:ea typeface="ＭＳ Ｐゴシック" charset="-128"/>
-                      </a:endParaRPr>
-                    </a:p>
-                  </a:txBody>
-                  <a:tcPr horzOverflow="overflow">
-                    <a:lnL w="12700" cap="flat" cmpd="sng" algn="ctr">
-                      <a:solidFill>
-                        <a:schemeClr val="bg1"/>
-                      </a:solidFill>
-                      <a:prstDash val="solid"/>
-                      <a:round/>
-                      <a:headEnd type="none" w="med" len="med"/>
-                      <a:tailEnd type="none" w="med" len="med"/>
-                    </a:lnL>
-                    <a:lnR w="12700" cap="flat" cmpd="sng" algn="ctr">
-                      <a:solidFill>
-                        <a:schemeClr val="bg1"/>
-                      </a:solidFill>
-                      <a:prstDash val="solid"/>
-                      <a:round/>
-                      <a:headEnd type="none" w="med" len="med"/>
-                      <a:tailEnd type="none" w="med" len="med"/>
-                    </a:lnR>
-                    <a:lnT w="12700" cap="flat" cmpd="sng" algn="ctr">
-                      <a:solidFill>
-                        <a:schemeClr val="bg1"/>
-                      </a:solidFill>
-                      <a:prstDash val="solid"/>
-                      <a:round/>
-                      <a:headEnd type="none" w="med" len="med"/>
-                      <a:tailEnd type="none" w="med" len="med"/>
-                    </a:lnT>
-                    <a:lnB w="12700" cap="flat" cmpd="sng" algn="ctr">
-                      <a:solidFill>
-                        <a:schemeClr val="bg1"/>
-                      </a:solidFill>
-                      <a:prstDash val="solid"/>
-                      <a:round/>
-                      <a:headEnd type="none" w="med" len="med"/>
-                      <a:tailEnd type="none" w="med" len="med"/>
-                    </a:lnB>
-                    <a:lnTlToBr>
-                      <a:noFill/>
-                    </a:lnTlToBr>
-                    <a:lnBlToTr>
-                      <a:noFill/>
-                    </a:lnBlToTr>
-                    <a:solidFill>
-                      <a:srgbClr val="E9EDF4"/>
-                    </a:solidFill>
-                  </a:tcPr>
-                </a:tc>
-              </a:tr>
-              <a:tr h="371475">
-                <a:tc>
-                  <a:txBody>
-                    <a:bodyPr/>
-                    <a:lstStyle/>
-                    <a:p>
-                      <a:pPr marL="0" marR="0" lvl="0" indent="0" algn="l" defTabSz="914400" rtl="0" eaLnBrk="1" fontAlgn="base" latinLnBrk="0" hangingPunct="1">
-                        <a:lnSpc>
-                          <a:spcPct val="100000"/>
-                        </a:lnSpc>
-                        <a:spcBef>
-                          <a:spcPct val="0"/>
-                        </a:spcBef>
-                        <a:spcAft>
-                          <a:spcPct val="0"/>
-                        </a:spcAft>
-                        <a:buClrTx/>
-                        <a:buSzTx/>
-                        <a:buFontTx/>
-                        <a:buNone/>
-                        <a:tabLst/>
-                      </a:pPr>
-                      <a:endParaRPr kumimoji="0" lang="en-CA" altLang="ja-JP" sz="1800" b="0" i="0" u="none" strike="noStrike" cap="none" normalizeH="0" baseline="0" smtClean="0">
-                        <a:ln>
-                          <a:noFill/>
-                        </a:ln>
-                        <a:solidFill>
-                          <a:srgbClr val="000000"/>
-                        </a:solidFill>
-                        <a:effectLst/>
-                        <a:latin typeface="Calibri" pitchFamily="34" charset="0"/>
-                        <a:ea typeface="ＭＳ Ｐゴシック" charset="-128"/>
-                      </a:endParaRPr>
-                    </a:p>
-                  </a:txBody>
-                  <a:tcPr horzOverflow="overflow">
-                    <a:lnL w="12700" cap="flat" cmpd="sng" algn="ctr">
-                      <a:solidFill>
-                        <a:schemeClr val="bg1"/>
-                      </a:solidFill>
-                      <a:prstDash val="solid"/>
-                      <a:round/>
-                      <a:headEnd type="none" w="med" len="med"/>
-                      <a:tailEnd type="none" w="med" len="med"/>
-                    </a:lnL>
-                    <a:lnR w="12700" cap="flat" cmpd="sng" algn="ctr">
-                      <a:solidFill>
-                        <a:schemeClr val="bg1"/>
-                      </a:solidFill>
-                      <a:prstDash val="solid"/>
-                      <a:round/>
-                      <a:headEnd type="none" w="med" len="med"/>
-                      <a:tailEnd type="none" w="med" len="med"/>
-                    </a:lnR>
-                    <a:lnT w="12700" cap="flat" cmpd="sng" algn="ctr">
-                      <a:solidFill>
-                        <a:schemeClr val="bg1"/>
-                      </a:solidFill>
-                      <a:prstDash val="solid"/>
-                      <a:round/>
-                      <a:headEnd type="none" w="med" len="med"/>
-                      <a:tailEnd type="none" w="med" len="med"/>
-                    </a:lnT>
-                    <a:lnB w="12700" cap="flat" cmpd="sng" algn="ctr">
-                      <a:solidFill>
-                        <a:schemeClr val="bg1"/>
-                      </a:solidFill>
-                      <a:prstDash val="solid"/>
-                      <a:round/>
-                      <a:headEnd type="none" w="med" len="med"/>
-                      <a:tailEnd type="none" w="med" len="med"/>
-                    </a:lnB>
-                    <a:lnTlToBr>
-                      <a:noFill/>
-                    </a:lnTlToBr>
-                    <a:lnBlToTr>
-                      <a:noFill/>
-                    </a:lnBlToTr>
-                    <a:solidFill>
-                      <a:srgbClr val="D0D8E8"/>
-                    </a:solidFill>
-                  </a:tcPr>
-                </a:tc>
-                <a:tc>
-                  <a:txBody>
-                    <a:bodyPr/>
-                    <a:lstStyle/>
-                    <a:p>
-                      <a:pPr marL="0" marR="0" lvl="0" indent="0" algn="l" defTabSz="914400" rtl="0" eaLnBrk="1" fontAlgn="base" latinLnBrk="0" hangingPunct="1">
-                        <a:lnSpc>
-                          <a:spcPct val="100000"/>
-                        </a:lnSpc>
-                        <a:spcBef>
-                          <a:spcPct val="0"/>
-                        </a:spcBef>
-                        <a:spcAft>
-                          <a:spcPct val="0"/>
-                        </a:spcAft>
-                        <a:buClrTx/>
-                        <a:buSzTx/>
-                        <a:buFontTx/>
-                        <a:buNone/>
-                        <a:tabLst/>
-                      </a:pPr>
-                      <a:endParaRPr kumimoji="0" lang="en-CA" altLang="ja-JP" sz="1800" b="0" i="0" u="none" strike="noStrike" cap="none" normalizeH="0" baseline="0" smtClean="0">
-                        <a:ln>
-                          <a:noFill/>
-                        </a:ln>
-                        <a:solidFill>
-                          <a:srgbClr val="000000"/>
-                        </a:solidFill>
-                        <a:effectLst/>
-                        <a:latin typeface="Calibri" pitchFamily="34" charset="0"/>
-                        <a:ea typeface="ＭＳ Ｐゴシック" charset="-128"/>
-                      </a:endParaRPr>
-                    </a:p>
-                  </a:txBody>
-                  <a:tcPr horzOverflow="overflow">
-                    <a:lnL w="12700" cap="flat" cmpd="sng" algn="ctr">
-                      <a:solidFill>
-                        <a:schemeClr val="bg1"/>
-                      </a:solidFill>
-                      <a:prstDash val="solid"/>
-                      <a:round/>
-                      <a:headEnd type="none" w="med" len="med"/>
-                      <a:tailEnd type="none" w="med" len="med"/>
-                    </a:lnL>
-                    <a:lnR w="12700" cap="flat" cmpd="sng" algn="ctr">
-                      <a:solidFill>
-                        <a:schemeClr val="bg1"/>
-                      </a:solidFill>
-                      <a:prstDash val="solid"/>
-                      <a:round/>
-                      <a:headEnd type="none" w="med" len="med"/>
-                      <a:tailEnd type="none" w="med" len="med"/>
-                    </a:lnR>
-                    <a:lnT w="12700" cap="flat" cmpd="sng" algn="ctr">
-                      <a:solidFill>
-                        <a:schemeClr val="bg1"/>
-                      </a:solidFill>
-                      <a:prstDash val="solid"/>
-                      <a:round/>
-                      <a:headEnd type="none" w="med" len="med"/>
-                      <a:tailEnd type="none" w="med" len="med"/>
-                    </a:lnT>
-                    <a:lnB w="12700" cap="flat" cmpd="sng" algn="ctr">
-                      <a:solidFill>
-                        <a:schemeClr val="bg1"/>
-                      </a:solidFill>
-                      <a:prstDash val="solid"/>
-                      <a:round/>
-                      <a:headEnd type="none" w="med" len="med"/>
-                      <a:tailEnd type="none" w="med" len="med"/>
-                    </a:lnB>
-                    <a:lnTlToBr>
-                      <a:noFill/>
-                    </a:lnTlToBr>
-                    <a:lnBlToTr>
-                      <a:noFill/>
-                    </a:lnBlToTr>
-                    <a:solidFill>
-                      <a:srgbClr val="D0D8E8"/>
-                    </a:solidFill>
-                  </a:tcPr>
-                </a:tc>
-                <a:tc>
-                  <a:txBody>
-                    <a:bodyPr/>
-                    <a:lstStyle/>
-                    <a:p>
-                      <a:pPr marL="0" marR="0" lvl="0" indent="0" algn="l" defTabSz="914400" rtl="0" eaLnBrk="1" fontAlgn="base" latinLnBrk="0" hangingPunct="1">
-                        <a:lnSpc>
-                          <a:spcPct val="100000"/>
-                        </a:lnSpc>
-                        <a:spcBef>
-                          <a:spcPct val="0"/>
-                        </a:spcBef>
-                        <a:spcAft>
-                          <a:spcPct val="0"/>
-                        </a:spcAft>
-                        <a:buClrTx/>
-                        <a:buSzTx/>
-                        <a:buFontTx/>
-                        <a:buNone/>
-                        <a:tabLst/>
-                      </a:pPr>
-                      <a:endParaRPr kumimoji="0" lang="en-CA" altLang="ja-JP" sz="1800" b="0" i="0" u="none" strike="noStrike" cap="none" normalizeH="0" baseline="0" smtClean="0">
-                        <a:ln>
-                          <a:noFill/>
-                        </a:ln>
-                        <a:solidFill>
-                          <a:srgbClr val="000000"/>
-                        </a:solidFill>
-                        <a:effectLst/>
-                        <a:latin typeface="Calibri" pitchFamily="34" charset="0"/>
-                        <a:ea typeface="ＭＳ Ｐゴシック" charset="-128"/>
-                      </a:endParaRPr>
-                    </a:p>
-                  </a:txBody>
-                  <a:tcPr horzOverflow="overflow">
-                    <a:lnL w="12700" cap="flat" cmpd="sng" algn="ctr">
-                      <a:solidFill>
-                        <a:schemeClr val="bg1"/>
-                      </a:solidFill>
-                      <a:prstDash val="solid"/>
-                      <a:round/>
-                      <a:headEnd type="none" w="med" len="med"/>
-                      <a:tailEnd type="none" w="med" len="med"/>
-                    </a:lnL>
-                    <a:lnR w="12700" cap="flat" cmpd="sng" algn="ctr">
-                      <a:solidFill>
-                        <a:schemeClr val="bg1"/>
-                      </a:solidFill>
-                      <a:prstDash val="solid"/>
-                      <a:round/>
-                      <a:headEnd type="none" w="med" len="med"/>
-                      <a:tailEnd type="none" w="med" len="med"/>
-                    </a:lnR>
-                    <a:lnT w="12700" cap="flat" cmpd="sng" algn="ctr">
-                      <a:solidFill>
-                        <a:schemeClr val="bg1"/>
-                      </a:solidFill>
-                      <a:prstDash val="solid"/>
-                      <a:round/>
-                      <a:headEnd type="none" w="med" len="med"/>
-                      <a:tailEnd type="none" w="med" len="med"/>
-                    </a:lnT>
-                    <a:lnB w="12700" cap="flat" cmpd="sng" algn="ctr">
-                      <a:solidFill>
-                        <a:schemeClr val="bg1"/>
-                      </a:solidFill>
-                      <a:prstDash val="solid"/>
-                      <a:round/>
-                      <a:headEnd type="none" w="med" len="med"/>
-                      <a:tailEnd type="none" w="med" len="med"/>
-                    </a:lnB>
-                    <a:lnTlToBr>
-                      <a:noFill/>
-                    </a:lnTlToBr>
-                    <a:lnBlToTr>
-                      <a:noFill/>
-                    </a:lnBlToTr>
-                    <a:solidFill>
-                      <a:srgbClr val="D0D8E8"/>
-                    </a:solidFill>
-                  </a:tcPr>
-                </a:tc>
-              </a:tr>
-              <a:tr h="371475">
-                <a:tc>
-                  <a:txBody>
-                    <a:bodyPr/>
-                    <a:lstStyle/>
-                    <a:p>
-                      <a:pPr marL="0" marR="0" lvl="0" indent="0" algn="l" defTabSz="914400" rtl="0" eaLnBrk="1" fontAlgn="base" latinLnBrk="0" hangingPunct="1">
-                        <a:lnSpc>
-                          <a:spcPct val="100000"/>
-                        </a:lnSpc>
-                        <a:spcBef>
-                          <a:spcPct val="0"/>
-                        </a:spcBef>
-                        <a:spcAft>
-                          <a:spcPct val="0"/>
-                        </a:spcAft>
-                        <a:buClrTx/>
-                        <a:buSzTx/>
-                        <a:buFontTx/>
-                        <a:buNone/>
-                        <a:tabLst/>
-                      </a:pPr>
-                      <a:endParaRPr kumimoji="0" lang="en-CA" altLang="ja-JP" sz="1800" b="0" i="0" u="none" strike="noStrike" cap="none" normalizeH="0" baseline="0" smtClean="0">
-                        <a:ln>
-                          <a:noFill/>
-                        </a:ln>
-                        <a:solidFill>
-                          <a:srgbClr val="000000"/>
-                        </a:solidFill>
-                        <a:effectLst/>
-                        <a:latin typeface="Calibri" pitchFamily="34" charset="0"/>
-                        <a:ea typeface="ＭＳ Ｐゴシック" charset="-128"/>
-                      </a:endParaRPr>
-                    </a:p>
-                  </a:txBody>
-                  <a:tcPr horzOverflow="overflow">
-                    <a:lnL w="12700" cap="flat" cmpd="sng" algn="ctr">
-                      <a:solidFill>
-                        <a:schemeClr val="bg1"/>
-                      </a:solidFill>
-                      <a:prstDash val="solid"/>
-                      <a:round/>
-                      <a:headEnd type="none" w="med" len="med"/>
-                      <a:tailEnd type="none" w="med" len="med"/>
-                    </a:lnL>
-                    <a:lnR w="12700" cap="flat" cmpd="sng" algn="ctr">
-                      <a:solidFill>
-                        <a:schemeClr val="bg1"/>
-                      </a:solidFill>
-                      <a:prstDash val="solid"/>
-                      <a:round/>
-                      <a:headEnd type="none" w="med" len="med"/>
-                      <a:tailEnd type="none" w="med" len="med"/>
-                    </a:lnR>
-                    <a:lnT w="12700" cap="flat" cmpd="sng" algn="ctr">
-                      <a:solidFill>
-                        <a:schemeClr val="bg1"/>
-                      </a:solidFill>
-                      <a:prstDash val="solid"/>
-                      <a:round/>
-                      <a:headEnd type="none" w="med" len="med"/>
-                      <a:tailEnd type="none" w="med" len="med"/>
-                    </a:lnT>
-                    <a:lnB w="12700" cap="flat" cmpd="sng" algn="ctr">
-                      <a:solidFill>
-                        <a:schemeClr val="bg1"/>
-                      </a:solidFill>
-                      <a:prstDash val="solid"/>
-                      <a:round/>
-                      <a:headEnd type="none" w="med" len="med"/>
-                      <a:tailEnd type="none" w="med" len="med"/>
-                    </a:lnB>
-                    <a:lnTlToBr>
-                      <a:noFill/>
-                    </a:lnTlToBr>
-                    <a:lnBlToTr>
-                      <a:noFill/>
-                    </a:lnBlToTr>
-                    <a:solidFill>
-                      <a:srgbClr val="E9EDF4"/>
-                    </a:solidFill>
-                  </a:tcPr>
-                </a:tc>
-                <a:tc>
-                  <a:txBody>
-                    <a:bodyPr/>
-                    <a:lstStyle/>
-                    <a:p>
-                      <a:pPr marL="0" marR="0" lvl="0" indent="0" algn="l" defTabSz="914400" rtl="0" eaLnBrk="1" fontAlgn="base" latinLnBrk="0" hangingPunct="1">
-                        <a:lnSpc>
-                          <a:spcPct val="100000"/>
-                        </a:lnSpc>
-                        <a:spcBef>
-                          <a:spcPct val="0"/>
-                        </a:spcBef>
-                        <a:spcAft>
-                          <a:spcPct val="0"/>
-                        </a:spcAft>
-                        <a:buClrTx/>
-                        <a:buSzTx/>
-                        <a:buFontTx/>
-                        <a:buNone/>
-                        <a:tabLst/>
-                      </a:pPr>
-                      <a:endParaRPr kumimoji="0" lang="en-CA" altLang="ja-JP" sz="1800" b="0" i="0" u="none" strike="noStrike" cap="none" normalizeH="0" baseline="0" smtClean="0">
-                        <a:ln>
-                          <a:noFill/>
-                        </a:ln>
-                        <a:solidFill>
-                          <a:srgbClr val="000000"/>
-                        </a:solidFill>
-                        <a:effectLst/>
-                        <a:latin typeface="Calibri" pitchFamily="34" charset="0"/>
-                        <a:ea typeface="ＭＳ Ｐゴシック" charset="-128"/>
-                      </a:endParaRPr>
-                    </a:p>
-                  </a:txBody>
-                  <a:tcPr horzOverflow="overflow">
-                    <a:lnL w="12700" cap="flat" cmpd="sng" algn="ctr">
-                      <a:solidFill>
-                        <a:schemeClr val="bg1"/>
-                      </a:solidFill>
-                      <a:prstDash val="solid"/>
-                      <a:round/>
-                      <a:headEnd type="none" w="med" len="med"/>
-                      <a:tailEnd type="none" w="med" len="med"/>
-                    </a:lnL>
-                    <a:lnR w="12700" cap="flat" cmpd="sng" algn="ctr">
-                      <a:solidFill>
-                        <a:schemeClr val="bg1"/>
-                      </a:solidFill>
-                      <a:prstDash val="solid"/>
-                      <a:round/>
-                      <a:headEnd type="none" w="med" len="med"/>
-                      <a:tailEnd type="none" w="med" len="med"/>
-                    </a:lnR>
-                    <a:lnT w="12700" cap="flat" cmpd="sng" algn="ctr">
-                      <a:solidFill>
-                        <a:schemeClr val="bg1"/>
-                      </a:solidFill>
-                      <a:prstDash val="solid"/>
-                      <a:round/>
-                      <a:headEnd type="none" w="med" len="med"/>
-                      <a:tailEnd type="none" w="med" len="med"/>
-                    </a:lnT>
-                    <a:lnB w="12700" cap="flat" cmpd="sng" algn="ctr">
-                      <a:solidFill>
-                        <a:schemeClr val="bg1"/>
-                      </a:solidFill>
-                      <a:prstDash val="solid"/>
-                      <a:round/>
-                      <a:headEnd type="none" w="med" len="med"/>
-                      <a:tailEnd type="none" w="med" len="med"/>
-                    </a:lnB>
-                    <a:lnTlToBr>
-                      <a:noFill/>
-                    </a:lnTlToBr>
-                    <a:lnBlToTr>
-                      <a:noFill/>
-                    </a:lnBlToTr>
-                    <a:solidFill>
-                      <a:srgbClr val="E9EDF4"/>
-                    </a:solidFill>
-                  </a:tcPr>
-                </a:tc>
-                <a:tc>
-                  <a:txBody>
-                    <a:bodyPr/>
-                    <a:lstStyle/>
-                    <a:p>
-                      <a:pPr marL="0" marR="0" lvl="0" indent="0" algn="l" defTabSz="914400" rtl="0" eaLnBrk="1" fontAlgn="base" latinLnBrk="0" hangingPunct="1">
-                        <a:lnSpc>
-                          <a:spcPct val="100000"/>
-                        </a:lnSpc>
-                        <a:spcBef>
-                          <a:spcPct val="0"/>
-                        </a:spcBef>
-                        <a:spcAft>
-                          <a:spcPct val="0"/>
-                        </a:spcAft>
-                        <a:buClrTx/>
-                        <a:buSzTx/>
-                        <a:buFontTx/>
-                        <a:buNone/>
-                        <a:tabLst/>
-                      </a:pPr>
-                      <a:endParaRPr kumimoji="0" lang="en-CA" altLang="ja-JP" sz="1800" b="0" i="0" u="none" strike="noStrike" cap="none" normalizeH="0" baseline="0" smtClean="0">
-                        <a:ln>
-                          <a:noFill/>
-                        </a:ln>
-                        <a:solidFill>
-                          <a:srgbClr val="000000"/>
-                        </a:solidFill>
-                        <a:effectLst/>
-                        <a:latin typeface="Calibri" pitchFamily="34" charset="0"/>
-                        <a:ea typeface="ＭＳ Ｐゴシック" charset="-128"/>
-                      </a:endParaRPr>
-                    </a:p>
-                  </a:txBody>
-                  <a:tcPr horzOverflow="overflow">
-                    <a:lnL w="12700" cap="flat" cmpd="sng" algn="ctr">
-                      <a:solidFill>
-                        <a:schemeClr val="bg1"/>
-                      </a:solidFill>
-                      <a:prstDash val="solid"/>
-                      <a:round/>
-                      <a:headEnd type="none" w="med" len="med"/>
-                      <a:tailEnd type="none" w="med" len="med"/>
-                    </a:lnL>
-                    <a:lnR w="12700" cap="flat" cmpd="sng" algn="ctr">
-                      <a:solidFill>
-                        <a:schemeClr val="bg1"/>
-                      </a:solidFill>
-                      <a:prstDash val="solid"/>
-                      <a:round/>
-                      <a:headEnd type="none" w="med" len="med"/>
-                      <a:tailEnd type="none" w="med" len="med"/>
-                    </a:lnR>
-                    <a:lnT w="12700" cap="flat" cmpd="sng" algn="ctr">
-                      <a:solidFill>
-                        <a:schemeClr val="bg1"/>
-                      </a:solidFill>
-                      <a:prstDash val="solid"/>
-                      <a:round/>
-                      <a:headEnd type="none" w="med" len="med"/>
-                      <a:tailEnd type="none" w="med" len="med"/>
-                    </a:lnT>
-                    <a:lnB w="12700" cap="flat" cmpd="sng" algn="ctr">
-                      <a:solidFill>
-                        <a:schemeClr val="bg1"/>
-                      </a:solidFill>
-                      <a:prstDash val="solid"/>
-                      <a:round/>
-                      <a:headEnd type="none" w="med" len="med"/>
-                      <a:tailEnd type="none" w="med" len="med"/>
-                    </a:lnB>
-                    <a:lnTlToBr>
-                      <a:noFill/>
-                    </a:lnTlToBr>
-                    <a:lnBlToTr>
-                      <a:noFill/>
-                    </a:lnBlToTr>
-                    <a:solidFill>
-                      <a:srgbClr val="E9EDF4"/>
-                    </a:solidFill>
-                  </a:tcPr>
-                </a:tc>
-              </a:tr>
-            </a:tbl>
-          </a:graphicData>
-        </a:graphic>
-      </p:graphicFrame>
-    </p:spTree>
-  </p:cSld>
-  <p:clrMapOvr>
-    <a:masterClrMapping/>
-  </p:clrMapOvr>
-  <p:timing>
-    <p:tnLst>
-      <p:par>
-        <p:cTn id="1" dur="indefinite" restart="never" nodeType="tmRoot"/>
-      </p:par>
-    </p:tnLst>
-  </p:timing>
-</p:sld>
-</file>
-
-<file path=ppt/slides/slide11.xml><?xml version="1.0" encoding="utf-8"?>
-<p:sld xmlns:a="http://schemas.openxmlformats.org/drawingml/2006/main" xmlns:r="http://schemas.openxmlformats.org/officeDocument/2006/relationships" xmlns:p="http://schemas.openxmlformats.org/presentationml/2006/main">
-  <p:cSld>
-    <p:spTree>
-      <p:nvGrpSpPr>
-        <p:cNvPr id="1" name=""/>
-        <p:cNvGrpSpPr/>
-        <p:nvPr/>
-      </p:nvGrpSpPr>
-      <p:grpSpPr>
-        <a:xfrm>
-          <a:off x="0" y="0"/>
-          <a:ext cx="0" cy="0"/>
-          <a:chOff x="0" y="0"/>
-          <a:chExt cx="0" cy="0"/>
-        </a:xfrm>
-      </p:grpSpPr>
-      <p:sp>
-        <p:nvSpPr>
           <p:cNvPr id="13314" name="Title 1"/>
           <p:cNvSpPr>
             <a:spLocks noGrp="1"/>
@@ -10752,10 +8329,10 @@
           </a:lstStyle>
           <a:p>
             <a:r>
-              <a:rPr kumimoji="0" lang="ja-JP" altLang="en-US" sz="2800"/>
+              <a:rPr kumimoji="0" lang="ja-JP" altLang="en-US" sz="2800" dirty="0"/>
               <a:t>各難所攻略</a:t>
             </a:r>
-            <a:endParaRPr kumimoji="0" lang="en-CA" sz="2800"/>
+            <a:endParaRPr kumimoji="0" lang="en-CA" sz="2800" dirty="0"/>
           </a:p>
         </p:txBody>
       </p:sp>
@@ -10769,8 +8346,8 @@
         </p:nvSpPr>
         <p:spPr bwMode="auto">
           <a:xfrm>
-            <a:off x="4114800" y="2209800"/>
-            <a:ext cx="1620838" cy="523875"/>
+            <a:off x="4114800" y="1981200"/>
+            <a:ext cx="1640257" cy="830997"/>
           </a:xfrm>
           <a:prstGeom prst="rect">
             <a:avLst/>
@@ -10903,10 +8480,16 @@
           </a:lstStyle>
           <a:p>
             <a:r>
-              <a:rPr kumimoji="0" lang="ja-JP" altLang="en-US" sz="2800"/>
-              <a:t>速度調整</a:t>
-            </a:r>
-            <a:endParaRPr kumimoji="0" lang="en-CA" sz="2800"/>
+              <a:rPr kumimoji="0" lang="en-US" sz="2400" dirty="0" smtClean="0"/>
+              <a:t>Speed</a:t>
+            </a:r>
+          </a:p>
+          <a:p>
+            <a:r>
+              <a:rPr kumimoji="0" lang="en-US" sz="2400" dirty="0" smtClean="0"/>
+              <a:t>Adjustment</a:t>
+            </a:r>
+            <a:endParaRPr kumimoji="0" lang="en-CA" sz="2400" dirty="0"/>
           </a:p>
         </p:txBody>
       </p:sp>
@@ -10920,8 +8503,8 @@
         </p:nvSpPr>
         <p:spPr bwMode="auto">
           <a:xfrm>
-            <a:off x="6096000" y="2209800"/>
-            <a:ext cx="1620838" cy="523875"/>
+            <a:off x="6019800" y="1981200"/>
+            <a:ext cx="1640257" cy="830997"/>
           </a:xfrm>
           <a:prstGeom prst="rect">
             <a:avLst/>
@@ -11054,10 +8637,15 @@
           </a:lstStyle>
           <a:p>
             <a:r>
-              <a:rPr kumimoji="0" lang="ja-JP" altLang="en-US" sz="2800"/>
-              <a:t>最終調整</a:t>
-            </a:r>
-            <a:endParaRPr kumimoji="0" lang="en-CA" sz="2800"/>
+              <a:rPr kumimoji="0" lang="en-US" altLang="ja-JP" sz="2400" dirty="0" smtClean="0"/>
+              <a:t>Final</a:t>
+            </a:r>
+          </a:p>
+          <a:p>
+            <a:r>
+              <a:rPr kumimoji="0" lang="en-US" altLang="ja-JP" sz="2400" dirty="0" smtClean="0"/>
+              <a:t>Adjustment</a:t>
+            </a:r>
           </a:p>
         </p:txBody>
       </p:sp>
@@ -11957,7 +9545,7 @@
 </p:sld>
 </file>
 
-<file path=ppt/slides/slide12.xml><?xml version="1.0" encoding="utf-8"?>
+<file path=ppt/slides/slide11.xml><?xml version="1.0" encoding="utf-8"?>
 <p:sld xmlns:a="http://schemas.openxmlformats.org/drawingml/2006/main" xmlns:r="http://schemas.openxmlformats.org/officeDocument/2006/relationships" xmlns:p="http://schemas.openxmlformats.org/presentationml/2006/main">
   <p:cSld>
     <p:spTree>
@@ -12055,7 +9643,13 @@
           <p:cNvGraphicFramePr>
             <a:graphicFrameLocks noGrp="1"/>
           </p:cNvGraphicFramePr>
-          <p:nvPr/>
+          <p:nvPr>
+            <p:extLst>
+              <p:ext uri="{D42A27DB-BD31-4B8C-83A1-F6EECF244321}">
+                <p14:modId xmlns:p14="http://schemas.microsoft.com/office/powerpoint/2010/main" val="2536258994"/>
+              </p:ext>
+            </p:extLst>
+          </p:nvPr>
         </p:nvGraphicFramePr>
         <p:xfrm>
           <a:off x="457200" y="1371600"/>
@@ -12091,7 +9685,7 @@
                         <a:buNone/>
                         <a:tabLst/>
                       </a:pPr>
-                      <a:endParaRPr kumimoji="0" lang="en-CA" altLang="ja-JP" sz="1800" b="1" i="0" u="none" strike="noStrike" cap="none" normalizeH="0" baseline="0" smtClean="0">
+                      <a:endParaRPr kumimoji="0" lang="en-CA" altLang="ja-JP" sz="1800" b="1" i="0" u="none" strike="noStrike" cap="none" normalizeH="0" baseline="0" dirty="0" smtClean="0">
                         <a:ln>
                           <a:noFill/>
                         </a:ln>
@@ -12353,7 +9947,7 @@
                         <a:tabLst/>
                       </a:pPr>
                       <a:r>
-                        <a:rPr kumimoji="0" lang="ja-JP" altLang="en-US" sz="2400" b="0" i="0" u="none" strike="noStrike" cap="none" normalizeH="0" baseline="0" smtClean="0">
+                        <a:rPr kumimoji="0" lang="en-US" altLang="ja-JP" sz="2400" b="0" i="0" u="none" strike="noStrike" cap="none" normalizeH="0" baseline="0" dirty="0" smtClean="0">
                           <a:ln>
                             <a:noFill/>
                           </a:ln>
@@ -12364,50 +9958,19 @@
                           <a:latin typeface="Calibri" pitchFamily="34" charset="0"/>
                           <a:ea typeface="ＭＳ Ｐゴシック" charset="-128"/>
                         </a:rPr>
-                        <a:t>フィーチャーが完了すること</a:t>
+                        <a:t>Scope</a:t>
                       </a:r>
-                      <a:r>
-                        <a:rPr kumimoji="0" lang="en-CA" altLang="ja-JP" sz="2400" b="0" i="0" u="none" strike="noStrike" cap="none" normalizeH="0" baseline="0" smtClean="0">
-                          <a:ln>
-                            <a:noFill/>
-                          </a:ln>
-                          <a:solidFill>
-                            <a:srgbClr val="000000"/>
-                          </a:solidFill>
-                          <a:effectLst/>
-                          <a:latin typeface="Calibri" pitchFamily="34" charset="0"/>
-                          <a:ea typeface="ＭＳ Ｐゴシック" charset="-128"/>
-                        </a:rPr>
-                        <a:t>(</a:t>
-                      </a:r>
-                      <a:r>
-                        <a:rPr kumimoji="0" lang="ja-JP" altLang="en-US" sz="2400" b="0" i="0" u="none" strike="noStrike" cap="none" normalizeH="0" baseline="0" smtClean="0">
-                          <a:ln>
-                            <a:noFill/>
-                          </a:ln>
-                          <a:solidFill>
-                            <a:srgbClr val="000000"/>
-                          </a:solidFill>
-                          <a:effectLst/>
-                          <a:latin typeface="Calibri" pitchFamily="34" charset="0"/>
-                          <a:ea typeface="ＭＳ Ｐゴシック" charset="-128"/>
-                        </a:rPr>
-                        <a:t>スコープ</a:t>
-                      </a:r>
-                      <a:r>
-                        <a:rPr kumimoji="0" lang="en-CA" altLang="ja-JP" sz="2400" b="0" i="0" u="none" strike="noStrike" cap="none" normalizeH="0" baseline="0" smtClean="0">
-                          <a:ln>
-                            <a:noFill/>
-                          </a:ln>
-                          <a:solidFill>
-                            <a:srgbClr val="000000"/>
-                          </a:solidFill>
-                          <a:effectLst/>
-                          <a:latin typeface="Calibri" pitchFamily="34" charset="0"/>
-                          <a:ea typeface="ＭＳ Ｐゴシック" charset="-128"/>
-                        </a:rPr>
-                        <a:t>)</a:t>
-                      </a:r>
+                      <a:endParaRPr kumimoji="0" lang="en-CA" altLang="ja-JP" sz="2400" b="0" i="0" u="none" strike="noStrike" cap="none" normalizeH="0" baseline="0" dirty="0" smtClean="0">
+                        <a:ln>
+                          <a:noFill/>
+                        </a:ln>
+                        <a:solidFill>
+                          <a:srgbClr val="000000"/>
+                        </a:solidFill>
+                        <a:effectLst/>
+                        <a:latin typeface="Calibri" pitchFamily="34" charset="0"/>
+                        <a:ea typeface="ＭＳ Ｐゴシック" charset="-128"/>
+                      </a:endParaRPr>
                     </a:p>
                   </a:txBody>
                   <a:tcPr marT="108000" marB="108000" anchor="ctr" horzOverflow="overflow">
@@ -12564,7 +10127,7 @@
                         <a:tabLst/>
                       </a:pPr>
                       <a:r>
-                        <a:rPr kumimoji="0" lang="ja-JP" altLang="en-US" sz="2400" b="0" i="0" u="none" strike="noStrike" cap="none" normalizeH="0" baseline="0" smtClean="0">
+                        <a:rPr kumimoji="0" lang="en-US" altLang="ja-JP" sz="2400" b="0" i="0" u="none" strike="noStrike" cap="none" normalizeH="0" baseline="0" dirty="0" smtClean="0">
                           <a:ln>
                             <a:noFill/>
                           </a:ln>
@@ -12575,51 +10138,9 @@
                           <a:latin typeface="Calibri" pitchFamily="34" charset="0"/>
                           <a:ea typeface="ＭＳ Ｐゴシック" charset="-128"/>
                         </a:rPr>
-                        <a:t>予算内に収まること</a:t>
+                        <a:t>Stay within budget</a:t>
                       </a:r>
-                      <a:r>
-                        <a:rPr kumimoji="0" lang="en-CA" altLang="ja-JP" sz="2400" b="0" i="0" u="none" strike="noStrike" cap="none" normalizeH="0" baseline="0" smtClean="0">
-                          <a:ln>
-                            <a:noFill/>
-                          </a:ln>
-                          <a:solidFill>
-                            <a:srgbClr val="000000"/>
-                          </a:solidFill>
-                          <a:effectLst/>
-                          <a:latin typeface="Calibri" pitchFamily="34" charset="0"/>
-                          <a:ea typeface="ＭＳ Ｐゴシック" charset="-128"/>
-                        </a:rPr>
-                        <a:t>(</a:t>
-                      </a:r>
-                      <a:r>
-                        <a:rPr kumimoji="0" lang="ja-JP" altLang="en-US" sz="2400" b="0" i="0" u="none" strike="noStrike" cap="none" normalizeH="0" baseline="0" smtClean="0">
-                          <a:ln>
-                            <a:noFill/>
-                          </a:ln>
-                          <a:solidFill>
-                            <a:srgbClr val="000000"/>
-                          </a:solidFill>
-                          <a:effectLst/>
-                          <a:latin typeface="Calibri" pitchFamily="34" charset="0"/>
-                          <a:ea typeface="ＭＳ Ｐゴシック" charset="-128"/>
-                        </a:rPr>
-                        <a:t>予算</a:t>
-                      </a:r>
-                      <a:r>
-                        <a:rPr kumimoji="0" lang="en-CA" altLang="ja-JP" sz="2400" b="0" i="0" u="none" strike="noStrike" cap="none" normalizeH="0" baseline="0" smtClean="0">
-                          <a:ln>
-                            <a:noFill/>
-                          </a:ln>
-                          <a:solidFill>
-                            <a:srgbClr val="000000"/>
-                          </a:solidFill>
-                          <a:effectLst/>
-                          <a:latin typeface="Calibri" pitchFamily="34" charset="0"/>
-                          <a:ea typeface="ＭＳ Ｐゴシック" charset="-128"/>
-                        </a:rPr>
-                        <a:t>)</a:t>
-                      </a:r>
-                      <a:endParaRPr kumimoji="0" lang="en-CA" altLang="ja-JP" sz="2000" b="0" i="0" u="none" strike="noStrike" cap="none" normalizeH="0" baseline="0" smtClean="0">
+                      <a:endParaRPr kumimoji="0" lang="en-CA" altLang="ja-JP" sz="2000" b="0" i="0" u="none" strike="noStrike" cap="none" normalizeH="0" baseline="0" dirty="0" smtClean="0">
                         <a:ln>
                           <a:noFill/>
                         </a:ln>
@@ -12786,7 +10307,7 @@
                         <a:tabLst/>
                       </a:pPr>
                       <a:r>
-                        <a:rPr kumimoji="0" lang="ja-JP" altLang="en-US" sz="2400" b="0" i="0" u="none" strike="noStrike" cap="none" normalizeH="0" baseline="0" smtClean="0">
+                        <a:rPr kumimoji="0" lang="en-US" altLang="ja-JP" sz="2400" b="0" i="0" u="none" strike="noStrike" cap="none" normalizeH="0" baseline="0" dirty="0" smtClean="0">
                           <a:ln>
                             <a:noFill/>
                           </a:ln>
@@ -12797,51 +10318,9 @@
                           <a:latin typeface="Calibri" pitchFamily="34" charset="0"/>
                           <a:ea typeface="ＭＳ Ｐゴシック" charset="-128"/>
                         </a:rPr>
-                        <a:t>ゴールまで走り切ること</a:t>
+                        <a:t>Time</a:t>
                       </a:r>
-                      <a:r>
-                        <a:rPr kumimoji="0" lang="en-CA" altLang="ja-JP" sz="2400" b="0" i="0" u="none" strike="noStrike" cap="none" normalizeH="0" baseline="0" smtClean="0">
-                          <a:ln>
-                            <a:noFill/>
-                          </a:ln>
-                          <a:solidFill>
-                            <a:srgbClr val="000000"/>
-                          </a:solidFill>
-                          <a:effectLst/>
-                          <a:latin typeface="Calibri" pitchFamily="34" charset="0"/>
-                          <a:ea typeface="ＭＳ Ｐゴシック" charset="-128"/>
-                        </a:rPr>
-                        <a:t>(</a:t>
-                      </a:r>
-                      <a:r>
-                        <a:rPr kumimoji="0" lang="ja-JP" altLang="en-US" sz="2400" b="0" i="0" u="none" strike="noStrike" cap="none" normalizeH="0" baseline="0" smtClean="0">
-                          <a:ln>
-                            <a:noFill/>
-                          </a:ln>
-                          <a:solidFill>
-                            <a:srgbClr val="000000"/>
-                          </a:solidFill>
-                          <a:effectLst/>
-                          <a:latin typeface="Calibri" pitchFamily="34" charset="0"/>
-                          <a:ea typeface="ＭＳ Ｐゴシック" charset="-128"/>
-                        </a:rPr>
-                        <a:t>時間</a:t>
-                      </a:r>
-                      <a:r>
-                        <a:rPr kumimoji="0" lang="en-CA" altLang="ja-JP" sz="2400" b="0" i="0" u="none" strike="noStrike" cap="none" normalizeH="0" baseline="0" smtClean="0">
-                          <a:ln>
-                            <a:noFill/>
-                          </a:ln>
-                          <a:solidFill>
-                            <a:srgbClr val="000000"/>
-                          </a:solidFill>
-                          <a:effectLst/>
-                          <a:latin typeface="Calibri" pitchFamily="34" charset="0"/>
-                          <a:ea typeface="ＭＳ Ｐゴシック" charset="-128"/>
-                        </a:rPr>
-                        <a:t>)</a:t>
-                      </a:r>
-                      <a:endParaRPr kumimoji="0" lang="en-CA" altLang="ja-JP" sz="2000" b="0" i="0" u="none" strike="noStrike" cap="none" normalizeH="0" baseline="0" smtClean="0">
+                      <a:endParaRPr kumimoji="0" lang="en-CA" altLang="ja-JP" sz="2000" b="0" i="0" u="none" strike="noStrike" cap="none" normalizeH="0" baseline="0" dirty="0" smtClean="0">
                         <a:ln>
                           <a:noFill/>
                         </a:ln>
@@ -13008,7 +10487,7 @@
                         <a:tabLst/>
                       </a:pPr>
                       <a:r>
-                        <a:rPr kumimoji="0" lang="ja-JP" altLang="en-US" sz="2400" b="0" i="0" u="none" strike="noStrike" cap="none" normalizeH="0" baseline="0" smtClean="0">
+                        <a:rPr kumimoji="0" lang="en-US" altLang="ja-JP" sz="2400" b="0" i="0" u="none" strike="noStrike" cap="none" normalizeH="0" baseline="0" dirty="0" smtClean="0">
                           <a:ln>
                             <a:noFill/>
                           </a:ln>
@@ -13019,51 +10498,9 @@
                           <a:latin typeface="Calibri" pitchFamily="34" charset="0"/>
                           <a:ea typeface="ＭＳ Ｐゴシック" charset="-128"/>
                         </a:rPr>
-                        <a:t>高い品質、少ないバグ</a:t>
+                        <a:t>Quality</a:t>
                       </a:r>
-                      <a:r>
-                        <a:rPr kumimoji="0" lang="en-CA" altLang="ja-JP" sz="2400" b="0" i="0" u="none" strike="noStrike" cap="none" normalizeH="0" baseline="0" smtClean="0">
-                          <a:ln>
-                            <a:noFill/>
-                          </a:ln>
-                          <a:solidFill>
-                            <a:srgbClr val="000000"/>
-                          </a:solidFill>
-                          <a:effectLst/>
-                          <a:latin typeface="Calibri" pitchFamily="34" charset="0"/>
-                          <a:ea typeface="ＭＳ Ｐゴシック" charset="-128"/>
-                        </a:rPr>
-                        <a:t>(</a:t>
-                      </a:r>
-                      <a:r>
-                        <a:rPr kumimoji="0" lang="ja-JP" altLang="en-US" sz="2400" b="0" i="0" u="none" strike="noStrike" cap="none" normalizeH="0" baseline="0" smtClean="0">
-                          <a:ln>
-                            <a:noFill/>
-                          </a:ln>
-                          <a:solidFill>
-                            <a:srgbClr val="000000"/>
-                          </a:solidFill>
-                          <a:effectLst/>
-                          <a:latin typeface="Calibri" pitchFamily="34" charset="0"/>
-                          <a:ea typeface="ＭＳ Ｐゴシック" charset="-128"/>
-                        </a:rPr>
-                        <a:t>品質</a:t>
-                      </a:r>
-                      <a:r>
-                        <a:rPr kumimoji="0" lang="en-CA" altLang="ja-JP" sz="2400" b="0" i="0" u="none" strike="noStrike" cap="none" normalizeH="0" baseline="0" smtClean="0">
-                          <a:ln>
-                            <a:noFill/>
-                          </a:ln>
-                          <a:solidFill>
-                            <a:srgbClr val="000000"/>
-                          </a:solidFill>
-                          <a:effectLst/>
-                          <a:latin typeface="Calibri" pitchFamily="34" charset="0"/>
-                          <a:ea typeface="ＭＳ Ｐゴシック" charset="-128"/>
-                        </a:rPr>
-                        <a:t>)</a:t>
-                      </a:r>
-                      <a:endParaRPr kumimoji="0" lang="en-CA" altLang="ja-JP" sz="2000" b="0" i="0" u="none" strike="noStrike" cap="none" normalizeH="0" baseline="0" smtClean="0">
+                      <a:endParaRPr kumimoji="0" lang="en-CA" altLang="ja-JP" sz="2000" b="0" i="0" u="none" strike="noStrike" cap="none" normalizeH="0" baseline="0" dirty="0" smtClean="0">
                         <a:ln>
                           <a:noFill/>
                         </a:ln>
@@ -13633,11 +11070,17 @@
           <p:cNvGraphicFramePr>
             <a:graphicFrameLocks noGrp="1"/>
           </p:cNvGraphicFramePr>
-          <p:nvPr/>
+          <p:nvPr>
+            <p:extLst>
+              <p:ext uri="{D42A27DB-BD31-4B8C-83A1-F6EECF244321}">
+                <p14:modId xmlns:p14="http://schemas.microsoft.com/office/powerpoint/2010/main" val="1201733030"/>
+              </p:ext>
+            </p:extLst>
+          </p:nvPr>
         </p:nvGraphicFramePr>
         <p:xfrm>
           <a:off x="457200" y="4157663"/>
-          <a:ext cx="8229600" cy="1892400"/>
+          <a:ext cx="8229600" cy="1831440"/>
         </p:xfrm>
         <a:graphic>
           <a:graphicData uri="http://schemas.openxmlformats.org/drawingml/2006/table">
@@ -13931,7 +11374,7 @@
                         <a:tabLst/>
                       </a:pPr>
                       <a:r>
-                        <a:rPr kumimoji="0" lang="ja-JP" altLang="en-US" sz="2400" b="0" i="0" u="none" strike="noStrike" cap="none" normalizeH="0" baseline="0" smtClean="0">
+                        <a:rPr kumimoji="0" lang="en-US" sz="2400" b="0" i="0" u="none" strike="noStrike" cap="none" normalizeH="0" baseline="0" dirty="0" smtClean="0">
                           <a:ln>
                             <a:noFill/>
                           </a:ln>
@@ -13942,9 +11385,9 @@
                           <a:latin typeface="Calibri" pitchFamily="34" charset="0"/>
                           <a:ea typeface="ＭＳ Ｐゴシック" charset="-128"/>
                         </a:rPr>
-                        <a:t>簡単に使えること</a:t>
+                        <a:t>Easy to Use</a:t>
                       </a:r>
-                      <a:endParaRPr kumimoji="0" lang="en-CA" sz="2400" b="0" i="0" u="none" strike="noStrike" cap="none" normalizeH="0" baseline="0" smtClean="0">
+                      <a:endParaRPr kumimoji="0" lang="en-CA" sz="2400" b="0" i="0" u="none" strike="noStrike" cap="none" normalizeH="0" baseline="0" dirty="0" smtClean="0">
                         <a:ln>
                           <a:noFill/>
                         </a:ln>
@@ -14110,7 +11553,7 @@
                         <a:tabLst/>
                       </a:pPr>
                       <a:r>
-                        <a:rPr kumimoji="0" lang="ja-JP" altLang="en-US" sz="2400" b="0" i="0" u="none" strike="noStrike" cap="none" normalizeH="0" baseline="0" dirty="0" smtClean="0">
+                        <a:rPr kumimoji="0" lang="en-US" altLang="ja-JP" sz="2400" b="0" i="0" u="none" strike="noStrike" cap="none" normalizeH="0" baseline="0" dirty="0" smtClean="0">
                           <a:ln>
                             <a:noFill/>
                           </a:ln>
@@ -14121,21 +11564,7 @@
                           <a:latin typeface="Calibri" pitchFamily="34" charset="0"/>
                           <a:ea typeface="ＭＳ Ｐゴシック" charset="-128"/>
                         </a:rPr>
-                        <a:t>考えさせない</a:t>
-                      </a:r>
-                      <a:r>
-                        <a:rPr kumimoji="0" lang="en-CA" altLang="ja-JP" sz="2400" b="0" i="0" u="none" strike="noStrike" cap="none" normalizeH="0" baseline="0" dirty="0" smtClean="0">
-                          <a:ln>
-                            <a:noFill/>
-                          </a:ln>
-                          <a:solidFill>
-                            <a:srgbClr val="000000"/>
-                          </a:solidFill>
-                          <a:effectLst/>
-                          <a:latin typeface="Calibri" pitchFamily="34" charset="0"/>
-                          <a:ea typeface="ＭＳ Ｐゴシック" charset="-128"/>
-                        </a:rPr>
-                        <a:t>!</a:t>
+                        <a:t>Simple</a:t>
                       </a:r>
                       <a:r>
                         <a:rPr kumimoji="0" lang="ja-JP" altLang="en-US" sz="2400" b="0" i="0" u="none" strike="noStrike" cap="none" normalizeH="0" baseline="0" dirty="0" smtClean="0">
@@ -14149,7 +11578,35 @@
                           <a:latin typeface="Calibri" pitchFamily="34" charset="0"/>
                           <a:ea typeface="ＭＳ Ｐゴシック" charset="-128"/>
                         </a:rPr>
-                        <a:t>（モデルシートも）</a:t>
+                        <a:t>（</a:t>
+                      </a:r>
+                      <a:r>
+                        <a:rPr kumimoji="0" lang="en-US" altLang="ja-JP" sz="2400" b="0" i="0" u="none" strike="noStrike" cap="none" normalizeH="0" baseline="0" dirty="0" smtClean="0">
+                          <a:ln>
+                            <a:noFill/>
+                          </a:ln>
+                          <a:solidFill>
+                            <a:srgbClr val="000000"/>
+                          </a:solidFill>
+                          <a:effectLst/>
+                          <a:latin typeface="Calibri" pitchFamily="34" charset="0"/>
+                          <a:ea typeface="ＭＳ Ｐゴシック" charset="-128"/>
+                        </a:rPr>
+                        <a:t>Model Sheet</a:t>
+                      </a:r>
+                      <a:r>
+                        <a:rPr kumimoji="0" lang="ja-JP" altLang="en-US" sz="2400" b="0" i="0" u="none" strike="noStrike" cap="none" normalizeH="0" baseline="0" dirty="0" smtClean="0">
+                          <a:ln>
+                            <a:noFill/>
+                          </a:ln>
+                          <a:solidFill>
+                            <a:srgbClr val="000000"/>
+                          </a:solidFill>
+                          <a:effectLst/>
+                          <a:latin typeface="Calibri" pitchFamily="34" charset="0"/>
+                          <a:ea typeface="ＭＳ Ｐゴシック" charset="-128"/>
+                        </a:rPr>
+                        <a:t>）</a:t>
                       </a:r>
                       <a:endParaRPr kumimoji="0" lang="en-CA" sz="2000" b="0" i="0" u="none" strike="noStrike" cap="none" normalizeH="0" baseline="0" dirty="0" smtClean="0">
                         <a:ln>
@@ -14317,7 +11774,7 @@
                         <a:tabLst/>
                       </a:pPr>
                       <a:r>
-                        <a:rPr kumimoji="0" lang="ja-JP" altLang="en-US" sz="2400" b="0" i="0" u="none" strike="noStrike" cap="none" normalizeH="0" baseline="0" smtClean="0">
+                        <a:rPr kumimoji="0" lang="en-CA" altLang="ja-JP" sz="2000" b="0" i="0" u="none" strike="noStrike" cap="none" normalizeH="0" baseline="0" dirty="0" smtClean="0">
                           <a:ln>
                             <a:noFill/>
                           </a:ln>
@@ -14328,51 +11785,9 @@
                           <a:latin typeface="Calibri" pitchFamily="34" charset="0"/>
                           <a:ea typeface="ＭＳ Ｐゴシック" charset="-128"/>
                         </a:rPr>
-                        <a:t>詳細な証跡</a:t>
+                        <a:t>Detailed audits(anytime logging)</a:t>
                       </a:r>
-                      <a:r>
-                        <a:rPr kumimoji="0" lang="en-CA" altLang="ja-JP" sz="2400" b="0" i="0" u="none" strike="noStrike" cap="none" normalizeH="0" baseline="0" smtClean="0">
-                          <a:ln>
-                            <a:noFill/>
-                          </a:ln>
-                          <a:solidFill>
-                            <a:srgbClr val="000000"/>
-                          </a:solidFill>
-                          <a:effectLst/>
-                          <a:latin typeface="Calibri" pitchFamily="34" charset="0"/>
-                          <a:ea typeface="ＭＳ Ｐゴシック" charset="-128"/>
-                        </a:rPr>
-                        <a:t>(</a:t>
-                      </a:r>
-                      <a:r>
-                        <a:rPr kumimoji="0" lang="ja-JP" altLang="en-US" sz="2400" b="0" i="0" u="none" strike="noStrike" cap="none" normalizeH="0" baseline="0" smtClean="0">
-                          <a:ln>
-                            <a:noFill/>
-                          </a:ln>
-                          <a:solidFill>
-                            <a:srgbClr val="000000"/>
-                          </a:solidFill>
-                          <a:effectLst/>
-                          <a:latin typeface="Calibri" pitchFamily="34" charset="0"/>
-                          <a:ea typeface="ＭＳ Ｐゴシック" charset="-128"/>
-                        </a:rPr>
-                        <a:t>なんでもログを取る</a:t>
-                      </a:r>
-                      <a:r>
-                        <a:rPr kumimoji="0" lang="en-CA" altLang="ja-JP" sz="2400" b="0" i="0" u="none" strike="noStrike" cap="none" normalizeH="0" baseline="0" smtClean="0">
-                          <a:ln>
-                            <a:noFill/>
-                          </a:ln>
-                          <a:solidFill>
-                            <a:srgbClr val="000000"/>
-                          </a:solidFill>
-                          <a:effectLst/>
-                          <a:latin typeface="Calibri" pitchFamily="34" charset="0"/>
-                          <a:ea typeface="ＭＳ Ｐゴシック" charset="-128"/>
-                        </a:rPr>
-                        <a:t>)</a:t>
-                      </a:r>
-                      <a:endParaRPr kumimoji="0" lang="en-CA" altLang="ja-JP" sz="2000" b="0" i="0" u="none" strike="noStrike" cap="none" normalizeH="0" baseline="0" smtClean="0">
+                      <a:endParaRPr kumimoji="0" lang="en-CA" altLang="ja-JP" sz="2000" b="0" i="0" u="none" strike="noStrike" cap="none" normalizeH="0" baseline="0" dirty="0" smtClean="0">
                         <a:ln>
                           <a:noFill/>
                         </a:ln>
@@ -17847,7 +15262,7 @@
 </p:sld>
 </file>
 
-<file path=ppt/slides/slide13.xml><?xml version="1.0" encoding="utf-8"?>
+<file path=ppt/slides/slide12.xml><?xml version="1.0" encoding="utf-8"?>
 <p:sld xmlns:a="http://schemas.openxmlformats.org/drawingml/2006/main" xmlns:r="http://schemas.openxmlformats.org/officeDocument/2006/relationships" xmlns:p="http://schemas.openxmlformats.org/presentationml/2006/main">
   <p:cSld>
     <p:spTree>
@@ -18252,15 +15667,7 @@
           <a:p>
             <a:r>
               <a:rPr kumimoji="0" lang="en-US" altLang="ja-JP" sz="3200" b="1" dirty="0" smtClean="0"/>
-              <a:t>The first release</a:t>
-            </a:r>
-            <a:r>
-              <a:rPr kumimoji="0" lang="en-US" altLang="ja-JP" sz="3200" b="1" dirty="0" smtClean="0"/>
-              <a:t>(6/30</a:t>
-            </a:r>
-            <a:r>
-              <a:rPr kumimoji="0" lang="en-US" altLang="ja-JP" sz="3200" b="1" dirty="0" smtClean="0"/>
-              <a:t>)</a:t>
+              <a:t>The first release(6/30)</a:t>
             </a:r>
             <a:endParaRPr kumimoji="0" lang="en-CA" altLang="ja-JP" sz="3200" b="1" dirty="0"/>
           </a:p>
@@ -18588,8 +15995,8 @@
         </p:nvSpPr>
         <p:spPr bwMode="auto">
           <a:xfrm>
-            <a:off x="5943600" y="2667000"/>
-            <a:ext cx="1620838" cy="523875"/>
+            <a:off x="5827343" y="2438400"/>
+            <a:ext cx="1640257" cy="830997"/>
           </a:xfrm>
           <a:prstGeom prst="rect">
             <a:avLst/>
@@ -18722,10 +16129,16 @@
           </a:lstStyle>
           <a:p>
             <a:r>
-              <a:rPr kumimoji="0" lang="ja-JP" altLang="en-US" sz="2800" dirty="0"/>
-              <a:t>最終調整</a:t>
-            </a:r>
-            <a:endParaRPr kumimoji="0" lang="en-CA" sz="2800" dirty="0"/>
+              <a:rPr kumimoji="0" lang="en-US" sz="2400" dirty="0" smtClean="0"/>
+              <a:t>Final</a:t>
+            </a:r>
+          </a:p>
+          <a:p>
+            <a:r>
+              <a:rPr kumimoji="0" lang="en-US" sz="2400" dirty="0" smtClean="0"/>
+              <a:t>Adjustment</a:t>
+            </a:r>
+            <a:endParaRPr kumimoji="0" lang="en-CA" sz="2400" dirty="0"/>
           </a:p>
         </p:txBody>
       </p:sp>
@@ -18878,15 +16291,7 @@
                   <a:schemeClr val="bg1"/>
                 </a:solidFill>
               </a:rPr>
-              <a:t>~</a:t>
-            </a:r>
-            <a:r>
-              <a:rPr kumimoji="0" lang="en-CA" altLang="ja-JP" sz="2800" dirty="0" smtClean="0">
-                <a:solidFill>
-                  <a:schemeClr val="bg1"/>
-                </a:solidFill>
-              </a:rPr>
-              <a:t>a month</a:t>
+              <a:t>~a month</a:t>
             </a:r>
             <a:endParaRPr kumimoji="0" lang="en-CA" sz="2800" dirty="0">
               <a:solidFill>
@@ -20002,217 +17407,6 @@
           <a:lstStyle/>
           <a:p>
             <a:r>
-              <a:rPr lang="ja-JP" altLang="en-US" dirty="0">
-                <a:solidFill>
-                  <a:srgbClr val="00B050"/>
-                </a:solidFill>
-              </a:rPr>
-              <a:t>より良いモデル及び走行プログラム</a:t>
-            </a:r>
-            <a:r>
-              <a:rPr lang="ja-JP" altLang="en-US" sz="2800" dirty="0">
-                <a:solidFill>
-                  <a:srgbClr val="008000"/>
-                </a:solidFill>
-              </a:rPr>
-              <a:t>を望んでいる</a:t>
-            </a:r>
-            <a:endParaRPr lang="en-CA" altLang="ja-JP" dirty="0">
-              <a:solidFill>
-                <a:srgbClr val="008000"/>
-              </a:solidFill>
-            </a:endParaRPr>
-          </a:p>
-          <a:p>
-            <a:r>
-              <a:rPr lang="ja-JP" altLang="en-US" dirty="0">
-                <a:solidFill>
-                  <a:srgbClr val="00B050"/>
-                </a:solidFill>
-              </a:rPr>
-              <a:t>審査員</a:t>
-            </a:r>
-            <a:r>
-              <a:rPr lang="ja-JP" altLang="en-US" sz="2800" dirty="0">
-                <a:solidFill>
-                  <a:srgbClr val="008000"/>
-                </a:solidFill>
-              </a:rPr>
-              <a:t>にとって</a:t>
-            </a:r>
-            <a:endParaRPr lang="en-CA" dirty="0">
-              <a:solidFill>
-                <a:srgbClr val="008000"/>
-              </a:solidFill>
-            </a:endParaRPr>
-          </a:p>
-          <a:p>
-            <a:r>
-              <a:rPr lang="ja-JP" altLang="en-US" dirty="0">
-                <a:solidFill>
-                  <a:srgbClr val="00B050"/>
-                </a:solidFill>
-              </a:rPr>
-              <a:t>「磯の香り」</a:t>
-            </a:r>
-            <a:r>
-              <a:rPr lang="ja-JP" altLang="en-US" sz="2800" dirty="0">
-                <a:solidFill>
-                  <a:srgbClr val="000000"/>
-                </a:solidFill>
-              </a:rPr>
-              <a:t>は</a:t>
-            </a:r>
-            <a:endParaRPr lang="en-CA" dirty="0">
-              <a:solidFill>
-                <a:srgbClr val="000000"/>
-              </a:solidFill>
-            </a:endParaRPr>
-          </a:p>
-          <a:p>
-            <a:r>
-              <a:rPr lang="ja-JP" altLang="en-US" dirty="0">
-                <a:solidFill>
-                  <a:srgbClr val="00B050"/>
-                </a:solidFill>
-              </a:rPr>
-              <a:t>高速かつ正確なライントレース。そしてそれを実現するための良いモデル</a:t>
-            </a:r>
-            <a:r>
-              <a:rPr lang="ja-JP" altLang="en-US" sz="2800" dirty="0">
-                <a:solidFill>
-                  <a:srgbClr val="000000"/>
-                </a:solidFill>
-              </a:rPr>
-              <a:t>がある。</a:t>
-            </a:r>
-            <a:endParaRPr lang="en-CA" sz="2800" dirty="0"/>
-          </a:p>
-          <a:p>
-            <a:r>
-              <a:rPr lang="ja-JP" altLang="en-US" dirty="0">
-                <a:solidFill>
-                  <a:srgbClr val="00B050"/>
-                </a:solidFill>
-              </a:rPr>
-              <a:t>他チームの走行プログラム</a:t>
-            </a:r>
-            <a:r>
-              <a:rPr lang="ja-JP" altLang="en-US" sz="2800" dirty="0">
-                <a:solidFill>
-                  <a:srgbClr val="000000"/>
-                </a:solidFill>
-              </a:rPr>
-              <a:t>と違って</a:t>
-            </a:r>
-            <a:endParaRPr lang="en-CA" sz="2800" dirty="0">
-              <a:solidFill>
-                <a:srgbClr val="000000"/>
-              </a:solidFill>
-            </a:endParaRPr>
-          </a:p>
-          <a:p>
-            <a:r>
-              <a:rPr lang="ja-JP" altLang="en-US" sz="3000" dirty="0">
-                <a:solidFill>
-                  <a:srgbClr val="000000"/>
-                </a:solidFill>
-              </a:rPr>
-              <a:t>我々のプロジェクトは</a:t>
-            </a:r>
-            <a:r>
-              <a:rPr lang="ja-JP" altLang="en-US" dirty="0">
-                <a:solidFill>
-                  <a:srgbClr val="00B050"/>
-                </a:solidFill>
-              </a:rPr>
-              <a:t>高速な走行</a:t>
-            </a:r>
-            <a:r>
-              <a:rPr lang="ja-JP" altLang="en-US" sz="2800" dirty="0">
-                <a:solidFill>
-                  <a:srgbClr val="000000"/>
-                </a:solidFill>
-              </a:rPr>
-              <a:t>を提供する</a:t>
-            </a:r>
-            <a:r>
-              <a:rPr lang="en-CA" altLang="ja-JP" sz="3000" dirty="0"/>
-              <a:t>.</a:t>
-            </a:r>
-          </a:p>
-        </p:txBody>
-      </p:sp>
-    </p:spTree>
-  </p:cSld>
-  <p:clrMapOvr>
-    <a:masterClrMapping/>
-  </p:clrMapOvr>
-  <p:timing>
-    <p:tnLst>
-      <p:par>
-        <p:cTn id="1" dur="indefinite" restart="never" nodeType="tmRoot"/>
-      </p:par>
-    </p:tnLst>
-  </p:timing>
-</p:sld>
-</file>
-
-<file path=ppt/slides/slide4.xml><?xml version="1.0" encoding="utf-8"?>
-<p:sld xmlns:a="http://schemas.openxmlformats.org/drawingml/2006/main" xmlns:r="http://schemas.openxmlformats.org/officeDocument/2006/relationships" xmlns:p="http://schemas.openxmlformats.org/presentationml/2006/main">
-  <p:cSld>
-    <p:spTree>
-      <p:nvGrpSpPr>
-        <p:cNvPr id="1" name=""/>
-        <p:cNvGrpSpPr/>
-        <p:nvPr/>
-      </p:nvGrpSpPr>
-      <p:grpSpPr>
-        <a:xfrm>
-          <a:off x="0" y="0"/>
-          <a:ext cx="0" cy="0"/>
-          <a:chOff x="0" y="0"/>
-          <a:chExt cx="0" cy="0"/>
-        </a:xfrm>
-      </p:grpSpPr>
-      <p:sp>
-        <p:nvSpPr>
-          <p:cNvPr id="6146" name="Title 1"/>
-          <p:cNvSpPr>
-            <a:spLocks noGrp="1"/>
-          </p:cNvSpPr>
-          <p:nvPr>
-            <p:ph type="title"/>
-          </p:nvPr>
-        </p:nvSpPr>
-        <p:spPr/>
-        <p:txBody>
-          <a:bodyPr/>
-          <a:lstStyle/>
-          <a:p>
-            <a:r>
-              <a:rPr lang="en-CA" dirty="0" smtClean="0"/>
-              <a:t>The Elevator Pitch</a:t>
-            </a:r>
-          </a:p>
-        </p:txBody>
-      </p:sp>
-      <p:sp>
-        <p:nvSpPr>
-          <p:cNvPr id="6147" name="Content Placeholder 2"/>
-          <p:cNvSpPr>
-            <a:spLocks noGrp="1"/>
-          </p:cNvSpPr>
-          <p:nvPr>
-            <p:ph idx="1"/>
-          </p:nvPr>
-        </p:nvSpPr>
-        <p:spPr/>
-        <p:txBody>
-          <a:bodyPr/>
-          <a:lstStyle/>
-          <a:p>
-            <a:r>
               <a:rPr lang="en-US" altLang="ja-JP" dirty="0" smtClean="0"/>
               <a:t>For </a:t>
             </a:r>
@@ -20461,7 +17655,7 @@
 </p:sld>
 </file>
 
-<file path=ppt/slides/slide5.xml><?xml version="1.0" encoding="utf-8"?>
+<file path=ppt/slides/slide4.xml><?xml version="1.0" encoding="utf-8"?>
 <p:sld xmlns:a="http://schemas.openxmlformats.org/drawingml/2006/main" xmlns:r="http://schemas.openxmlformats.org/officeDocument/2006/relationships" xmlns:p="http://schemas.openxmlformats.org/presentationml/2006/main">
   <p:cSld>
     <p:spTree>
@@ -20705,46 +17899,7 @@
                 </a:effectLst>
                 <a:latin typeface="Berlin Sans FB Demi" pitchFamily="34" charset="0"/>
               </a:rPr>
-              <a:t>-A</a:t>
-            </a:r>
-            <a:r>
-              <a:rPr kumimoji="0" lang="en-US" altLang="ja-JP" sz="3200" u="sng" dirty="0" smtClean="0">
-                <a:effectLst>
-                  <a:outerShdw blurRad="38100" dist="38100" dir="2700000" algn="tl">
-                    <a:srgbClr val="000000">
-                      <a:alpha val="43137"/>
-                    </a:srgbClr>
-                  </a:outerShdw>
-                </a:effectLst>
-                <a:latin typeface="Berlin Sans FB Demi" pitchFamily="34" charset="0"/>
-              </a:rPr>
-              <a:t> </a:t>
-            </a:r>
-            <a:r>
-              <a:rPr kumimoji="0" lang="en-US" altLang="ja-JP" sz="3200" u="sng" dirty="0" smtClean="0">
-                <a:effectLst>
-                  <a:outerShdw blurRad="38100" dist="38100" dir="2700000" algn="tl">
-                    <a:srgbClr val="000000">
-                      <a:alpha val="43137"/>
-                    </a:srgbClr>
-                  </a:outerShdw>
-                </a:effectLst>
-                <a:latin typeface="Berlin Sans FB Demi" pitchFamily="34" charset="0"/>
-              </a:rPr>
-              <a:t>Flavor Of </a:t>
-            </a:r>
-            <a:r>
-              <a:rPr kumimoji="0" lang="en-US" altLang="ja-JP" sz="3200" u="sng" dirty="0" smtClean="0">
-                <a:effectLst>
-                  <a:outerShdw blurRad="38100" dist="38100" dir="2700000" algn="tl">
-                    <a:srgbClr val="000000">
-                      <a:alpha val="43137"/>
-                    </a:srgbClr>
-                  </a:outerShdw>
-                </a:effectLst>
-                <a:latin typeface="Berlin Sans FB Demi" pitchFamily="34" charset="0"/>
-              </a:rPr>
-              <a:t>ISO-</a:t>
+              <a:t>-A Flavor Of ISO-</a:t>
             </a:r>
             <a:endParaRPr kumimoji="0" lang="en-CA" altLang="ja-JP" sz="3200" u="sng" dirty="0">
               <a:effectLst>
@@ -20770,7 +17925,7 @@
         <p:spPr bwMode="auto">
           <a:xfrm>
             <a:off x="1986998" y="4520625"/>
-            <a:ext cx="5170005" cy="707886"/>
+            <a:ext cx="5330305" cy="707886"/>
           </a:xfrm>
           <a:prstGeom prst="rect">
             <a:avLst/>
@@ -20907,7 +18062,14 @@
                 <a:latin typeface="Vijaya" pitchFamily="34" charset="0"/>
                 <a:cs typeface="Vijaya" pitchFamily="34" charset="0"/>
               </a:rPr>
-              <a:t>&lt;Let us show you our pride.&gt;</a:t>
+              <a:t>&lt;Let us show you our </a:t>
+            </a:r>
+            <a:r>
+              <a:rPr kumimoji="0" lang="en-CA" altLang="ja-JP" sz="4000" b="1" dirty="0" smtClean="0">
+                <a:latin typeface="Vijaya" pitchFamily="34" charset="0"/>
+                <a:cs typeface="Vijaya" pitchFamily="34" charset="0"/>
+              </a:rPr>
+              <a:t>pride!&gt;</a:t>
             </a:r>
             <a:endParaRPr kumimoji="0" lang="en-CA" altLang="ja-JP" sz="4000" b="1" dirty="0">
               <a:latin typeface="Vijaya" pitchFamily="34" charset="0"/>
@@ -21445,7 +18607,7 @@
           </a:xfrm>
           <a:prstGeom prst="roundRect">
             <a:avLst>
-              <a:gd name="adj" fmla="val 11213"/>
+              <a:gd name="adj" fmla="val 30734"/>
             </a:avLst>
           </a:prstGeom>
           <a:ln>
@@ -21506,7 +18668,7 @@
 </p:sld>
 </file>
 
-<file path=ppt/slides/slide6.xml><?xml version="1.0" encoding="utf-8"?>
+<file path=ppt/slides/slide5.xml><?xml version="1.0" encoding="utf-8"?>
 <p:sld xmlns:a="http://schemas.openxmlformats.org/drawingml/2006/main" xmlns:r="http://schemas.openxmlformats.org/officeDocument/2006/relationships" xmlns:p="http://schemas.openxmlformats.org/presentationml/2006/main">
   <p:cSld>
     <p:spTree>
@@ -23490,7 +20652,7 @@
 </p:sld>
 </file>
 
-<file path=ppt/slides/slide7.xml><?xml version="1.0" encoding="utf-8"?>
+<file path=ppt/slides/slide6.xml><?xml version="1.0" encoding="utf-8"?>
 <p:sld xmlns:a="http://schemas.openxmlformats.org/drawingml/2006/main" xmlns:r="http://schemas.openxmlformats.org/officeDocument/2006/relationships" xmlns:p="http://schemas.openxmlformats.org/presentationml/2006/main">
   <p:cSld>
     <p:spTree>
@@ -23583,7 +20745,7 @@
         </p:nvSpPr>
         <p:spPr bwMode="auto">
           <a:xfrm>
-            <a:off x="3276600" y="3124200"/>
+            <a:off x="3459190" y="3314785"/>
             <a:ext cx="1616020" cy="507831"/>
           </a:xfrm>
           <a:prstGeom prst="rect">
@@ -23680,11 +20842,11 @@
           <a:lstStyle/>
           <a:p>
             <a:r>
-              <a:rPr kumimoji="0" lang="ja-JP" altLang="en-US" sz="2800" dirty="0">
+              <a:rPr kumimoji="0" lang="en-US" altLang="ja-JP" sz="2800" dirty="0" smtClean="0">
                 <a:cs typeface="Calibri" pitchFamily="34" charset="0"/>
                 <a:sym typeface="Calibri" pitchFamily="34" charset="0"/>
               </a:rPr>
-              <a:t>組込み関連の教員方</a:t>
+              <a:t>Teachers</a:t>
             </a:r>
             <a:endParaRPr kumimoji="0" lang="en-US" altLang="ja-JP" sz="2800" dirty="0">
               <a:cs typeface="Calibri" pitchFamily="34" charset="0"/>
@@ -23749,27 +20911,31 @@
           <a:lstStyle/>
           <a:p>
             <a:r>
+              <a:rPr kumimoji="0" lang="en-US" altLang="ja-JP" sz="2800" dirty="0" smtClean="0">
+                <a:cs typeface="Calibri" pitchFamily="34" charset="0"/>
+                <a:sym typeface="Calibri" pitchFamily="34" charset="0"/>
+              </a:rPr>
+              <a:t>OB, OG</a:t>
+            </a:r>
+            <a:endParaRPr kumimoji="0" lang="en-US" altLang="ja-JP" sz="2800" dirty="0">
+              <a:cs typeface="Calibri" pitchFamily="34" charset="0"/>
+              <a:sym typeface="Calibri" pitchFamily="34" charset="0"/>
+            </a:endParaRPr>
+          </a:p>
+          <a:p>
+            <a:r>
+              <a:rPr kumimoji="0" lang="ja-JP" altLang="en-US" sz="2800" dirty="0" smtClean="0">
+                <a:cs typeface="Calibri" pitchFamily="34" charset="0"/>
+                <a:sym typeface="Calibri" pitchFamily="34" charset="0"/>
+              </a:rPr>
+              <a:t>（赤間、</a:t>
+            </a:r>
+            <a:r>
               <a:rPr kumimoji="0" lang="ja-JP" altLang="en-US" sz="2800" dirty="0">
                 <a:cs typeface="Calibri" pitchFamily="34" charset="0"/>
                 <a:sym typeface="Calibri" pitchFamily="34" charset="0"/>
               </a:rPr>
-              <a:t>チームの</a:t>
-            </a:r>
-            <a:r>
-              <a:rPr kumimoji="0" lang="en-US" altLang="ja-JP" sz="2800" dirty="0">
-                <a:cs typeface="Calibri" pitchFamily="34" charset="0"/>
-                <a:sym typeface="Calibri" pitchFamily="34" charset="0"/>
-              </a:rPr>
-              <a:t>OB</a:t>
-            </a:r>
-          </a:p>
-          <a:p>
-            <a:r>
-              <a:rPr kumimoji="0" lang="ja-JP" altLang="en-US" sz="2800" dirty="0">
-                <a:cs typeface="Calibri" pitchFamily="34" charset="0"/>
-                <a:sym typeface="Calibri" pitchFamily="34" charset="0"/>
-              </a:rPr>
-              <a:t>（赤間、笹森、草彅）</a:t>
+              <a:t>笹森、草彅）</a:t>
             </a:r>
           </a:p>
         </p:txBody>
@@ -24021,7 +21187,7 @@
 </p:sld>
 </file>
 
-<file path=ppt/slides/slide8.xml><?xml version="1.0" encoding="utf-8"?>
+<file path=ppt/slides/slide7.xml><?xml version="1.0" encoding="utf-8"?>
 <p:sld xmlns:a="http://schemas.openxmlformats.org/drawingml/2006/main" xmlns:r="http://schemas.openxmlformats.org/officeDocument/2006/relationships" xmlns:p="http://schemas.openxmlformats.org/presentationml/2006/main">
   <p:cSld>
     <p:spTree>
@@ -25119,7 +22285,7 @@
 </p:sld>
 </file>
 
-<file path=ppt/slides/slide9.xml><?xml version="1.0" encoding="utf-8"?>
+<file path=ppt/slides/slide8.xml><?xml version="1.0" encoding="utf-8"?>
 <p:sld xmlns:a="http://schemas.openxmlformats.org/drawingml/2006/main" xmlns:r="http://schemas.openxmlformats.org/officeDocument/2006/relationships" xmlns:p="http://schemas.openxmlformats.org/presentationml/2006/main">
   <p:cSld>
     <p:spTree>
@@ -25197,11 +22363,7 @@
             </a:r>
             <a:r>
               <a:rPr lang="ja-JP" altLang="en-US" dirty="0" smtClean="0"/>
-              <a:t>（</a:t>
-            </a:r>
-            <a:r>
-              <a:rPr lang="ja-JP" altLang="en-US" dirty="0" smtClean="0"/>
-              <a:t>プロダクト不在のモデル一辺倒）</a:t>
+              <a:t>（プロダクト不在のモデル一辺倒）</a:t>
             </a:r>
             <a:endParaRPr lang="en-CA" dirty="0" smtClean="0"/>
           </a:p>
@@ -25351,6 +22513,2069 @@
           </a:extLst>
         </p:spPr>
       </p:pic>
+    </p:spTree>
+  </p:cSld>
+  <p:clrMapOvr>
+    <a:masterClrMapping/>
+  </p:clrMapOvr>
+  <p:timing>
+    <p:tnLst>
+      <p:par>
+        <p:cTn id="1" dur="indefinite" restart="never" nodeType="tmRoot"/>
+      </p:par>
+    </p:tnLst>
+  </p:timing>
+</p:sld>
+</file>
+
+<file path=ppt/slides/slide9.xml><?xml version="1.0" encoding="utf-8"?>
+<p:sld xmlns:a="http://schemas.openxmlformats.org/drawingml/2006/main" xmlns:r="http://schemas.openxmlformats.org/officeDocument/2006/relationships" xmlns:p="http://schemas.openxmlformats.org/presentationml/2006/main">
+  <p:cSld>
+    <p:spTree>
+      <p:nvGrpSpPr>
+        <p:cNvPr id="1" name=""/>
+        <p:cNvGrpSpPr/>
+        <p:nvPr/>
+      </p:nvGrpSpPr>
+      <p:grpSpPr>
+        <a:xfrm>
+          <a:off x="0" y="0"/>
+          <a:ext cx="0" cy="0"/>
+          <a:chOff x="0" y="0"/>
+          <a:chExt cx="0" cy="0"/>
+        </a:xfrm>
+      </p:grpSpPr>
+      <p:sp>
+        <p:nvSpPr>
+          <p:cNvPr id="12290" name="Title 1"/>
+          <p:cNvSpPr>
+            <a:spLocks noGrp="1"/>
+          </p:cNvSpPr>
+          <p:nvPr>
+            <p:ph type="title"/>
+          </p:nvPr>
+        </p:nvSpPr>
+        <p:spPr/>
+        <p:txBody>
+          <a:bodyPr/>
+          <a:lstStyle/>
+          <a:p>
+            <a:r>
+              <a:rPr lang="en-US" altLang="ja-JP" dirty="0" smtClean="0"/>
+              <a:t>Team ISO</a:t>
+            </a:r>
+            <a:endParaRPr lang="en-CA" dirty="0" smtClean="0"/>
+          </a:p>
+        </p:txBody>
+      </p:sp>
+      <p:graphicFrame>
+        <p:nvGraphicFramePr>
+          <p:cNvPr id="4" name="Table 3"/>
+          <p:cNvGraphicFramePr>
+            <a:graphicFrameLocks noGrp="1"/>
+          </p:cNvGraphicFramePr>
+          <p:nvPr>
+            <p:extLst>
+              <p:ext uri="{D42A27DB-BD31-4B8C-83A1-F6EECF244321}">
+                <p14:modId xmlns:p14="http://schemas.microsoft.com/office/powerpoint/2010/main" val="557542567"/>
+              </p:ext>
+            </p:extLst>
+          </p:nvPr>
+        </p:nvGraphicFramePr>
+        <p:xfrm>
+          <a:off x="685800" y="1397000"/>
+          <a:ext cx="7924800" cy="3223260"/>
+        </p:xfrm>
+        <a:graphic>
+          <a:graphicData uri="http://schemas.openxmlformats.org/drawingml/2006/table">
+            <a:tbl>
+              <a:tblPr/>
+              <a:tblGrid>
+                <a:gridCol w="609600"/>
+                <a:gridCol w="1752600"/>
+                <a:gridCol w="5562600"/>
+              </a:tblGrid>
+              <a:tr h="371475">
+                <a:tc>
+                  <a:txBody>
+                    <a:bodyPr/>
+                    <a:lstStyle/>
+                    <a:p>
+                      <a:pPr marL="0" marR="0" lvl="0" indent="0" algn="l" defTabSz="914400" rtl="0" eaLnBrk="1" fontAlgn="base" latinLnBrk="0" hangingPunct="1">
+                        <a:lnSpc>
+                          <a:spcPct val="100000"/>
+                        </a:lnSpc>
+                        <a:spcBef>
+                          <a:spcPct val="0"/>
+                        </a:spcBef>
+                        <a:spcAft>
+                          <a:spcPct val="0"/>
+                        </a:spcAft>
+                        <a:buClrTx/>
+                        <a:buSzTx/>
+                        <a:buFontTx/>
+                        <a:buNone/>
+                        <a:tabLst/>
+                      </a:pPr>
+                      <a:r>
+                        <a:rPr kumimoji="0" lang="en-CA" altLang="ja-JP" sz="2400" b="1" i="0" u="none" strike="noStrike" cap="none" normalizeH="0" baseline="0" dirty="0" smtClean="0">
+                          <a:ln>
+                            <a:noFill/>
+                          </a:ln>
+                          <a:solidFill>
+                            <a:srgbClr val="FFFFFF"/>
+                          </a:solidFill>
+                          <a:effectLst/>
+                          <a:latin typeface="Calibri" pitchFamily="34" charset="0"/>
+                          <a:ea typeface="ＭＳ Ｐゴシック" charset="-128"/>
+                        </a:rPr>
+                        <a:t>#</a:t>
+                      </a:r>
+                    </a:p>
+                  </a:txBody>
+                  <a:tcPr horzOverflow="overflow">
+                    <a:lnL w="12700" cap="flat" cmpd="sng" algn="ctr">
+                      <a:solidFill>
+                        <a:schemeClr val="bg1"/>
+                      </a:solidFill>
+                      <a:prstDash val="solid"/>
+                      <a:round/>
+                      <a:headEnd type="none" w="med" len="med"/>
+                      <a:tailEnd type="none" w="med" len="med"/>
+                    </a:lnL>
+                    <a:lnR w="12700" cap="flat" cmpd="sng" algn="ctr">
+                      <a:solidFill>
+                        <a:schemeClr val="bg1"/>
+                      </a:solidFill>
+                      <a:prstDash val="solid"/>
+                      <a:round/>
+                      <a:headEnd type="none" w="med" len="med"/>
+                      <a:tailEnd type="none" w="med" len="med"/>
+                    </a:lnR>
+                    <a:lnT w="12700" cap="flat" cmpd="sng" algn="ctr">
+                      <a:solidFill>
+                        <a:schemeClr val="bg1"/>
+                      </a:solidFill>
+                      <a:prstDash val="solid"/>
+                      <a:round/>
+                      <a:headEnd type="none" w="med" len="med"/>
+                      <a:tailEnd type="none" w="med" len="med"/>
+                    </a:lnT>
+                    <a:lnB w="38100" cap="flat" cmpd="sng" algn="ctr">
+                      <a:solidFill>
+                        <a:schemeClr val="bg1"/>
+                      </a:solidFill>
+                      <a:prstDash val="solid"/>
+                      <a:round/>
+                      <a:headEnd type="none" w="med" len="med"/>
+                      <a:tailEnd type="none" w="med" len="med"/>
+                    </a:lnB>
+                    <a:lnTlToBr>
+                      <a:noFill/>
+                    </a:lnTlToBr>
+                    <a:lnBlToTr>
+                      <a:noFill/>
+                    </a:lnBlToTr>
+                    <a:solidFill>
+                      <a:schemeClr val="accent1"/>
+                    </a:solidFill>
+                  </a:tcPr>
+                </a:tc>
+                <a:tc>
+                  <a:txBody>
+                    <a:bodyPr/>
+                    <a:lstStyle/>
+                    <a:p>
+                      <a:pPr marL="0" marR="0" lvl="0" indent="0" algn="l" defTabSz="914400" rtl="0" eaLnBrk="1" fontAlgn="base" latinLnBrk="0" hangingPunct="1">
+                        <a:lnSpc>
+                          <a:spcPct val="100000"/>
+                        </a:lnSpc>
+                        <a:spcBef>
+                          <a:spcPct val="0"/>
+                        </a:spcBef>
+                        <a:spcAft>
+                          <a:spcPct val="0"/>
+                        </a:spcAft>
+                        <a:buClrTx/>
+                        <a:buSzTx/>
+                        <a:buFontTx/>
+                        <a:buNone/>
+                        <a:tabLst/>
+                      </a:pPr>
+                      <a:r>
+                        <a:rPr kumimoji="0" lang="ja-JP" altLang="en-US" sz="2400" b="1" i="0" u="none" strike="noStrike" cap="none" normalizeH="0" baseline="0" dirty="0" smtClean="0">
+                          <a:ln>
+                            <a:noFill/>
+                          </a:ln>
+                          <a:solidFill>
+                            <a:srgbClr val="FFFFFF"/>
+                          </a:solidFill>
+                          <a:effectLst/>
+                          <a:latin typeface="Calibri" pitchFamily="34" charset="0"/>
+                          <a:ea typeface="ＭＳ Ｐゴシック" charset="-128"/>
+                        </a:rPr>
+                        <a:t>役割</a:t>
+                      </a:r>
+                      <a:endParaRPr kumimoji="0" lang="en-CA" sz="2400" b="1" i="0" u="none" strike="noStrike" cap="none" normalizeH="0" baseline="0" dirty="0" smtClean="0">
+                        <a:ln>
+                          <a:noFill/>
+                        </a:ln>
+                        <a:solidFill>
+                          <a:srgbClr val="FFFFFF"/>
+                        </a:solidFill>
+                        <a:effectLst/>
+                        <a:latin typeface="Calibri" pitchFamily="34" charset="0"/>
+                      </a:endParaRPr>
+                    </a:p>
+                  </a:txBody>
+                  <a:tcPr horzOverflow="overflow">
+                    <a:lnL w="12700" cap="flat" cmpd="sng" algn="ctr">
+                      <a:solidFill>
+                        <a:schemeClr val="bg1"/>
+                      </a:solidFill>
+                      <a:prstDash val="solid"/>
+                      <a:round/>
+                      <a:headEnd type="none" w="med" len="med"/>
+                      <a:tailEnd type="none" w="med" len="med"/>
+                    </a:lnL>
+                    <a:lnR w="12700" cap="flat" cmpd="sng" algn="ctr">
+                      <a:solidFill>
+                        <a:schemeClr val="bg1"/>
+                      </a:solidFill>
+                      <a:prstDash val="solid"/>
+                      <a:round/>
+                      <a:headEnd type="none" w="med" len="med"/>
+                      <a:tailEnd type="none" w="med" len="med"/>
+                    </a:lnR>
+                    <a:lnT w="12700" cap="flat" cmpd="sng" algn="ctr">
+                      <a:solidFill>
+                        <a:schemeClr val="bg1"/>
+                      </a:solidFill>
+                      <a:prstDash val="solid"/>
+                      <a:round/>
+                      <a:headEnd type="none" w="med" len="med"/>
+                      <a:tailEnd type="none" w="med" len="med"/>
+                    </a:lnT>
+                    <a:lnB w="38100" cap="flat" cmpd="sng" algn="ctr">
+                      <a:solidFill>
+                        <a:schemeClr val="bg1"/>
+                      </a:solidFill>
+                      <a:prstDash val="solid"/>
+                      <a:round/>
+                      <a:headEnd type="none" w="med" len="med"/>
+                      <a:tailEnd type="none" w="med" len="med"/>
+                    </a:lnB>
+                    <a:lnTlToBr>
+                      <a:noFill/>
+                    </a:lnTlToBr>
+                    <a:lnBlToTr>
+                      <a:noFill/>
+                    </a:lnBlToTr>
+                    <a:solidFill>
+                      <a:schemeClr val="accent1"/>
+                    </a:solidFill>
+                  </a:tcPr>
+                </a:tc>
+                <a:tc>
+                  <a:txBody>
+                    <a:bodyPr/>
+                    <a:lstStyle/>
+                    <a:p>
+                      <a:pPr marL="0" marR="0" lvl="0" indent="0" algn="l" defTabSz="914400" rtl="0" eaLnBrk="1" fontAlgn="base" latinLnBrk="0" hangingPunct="1">
+                        <a:lnSpc>
+                          <a:spcPct val="100000"/>
+                        </a:lnSpc>
+                        <a:spcBef>
+                          <a:spcPct val="0"/>
+                        </a:spcBef>
+                        <a:spcAft>
+                          <a:spcPct val="0"/>
+                        </a:spcAft>
+                        <a:buClrTx/>
+                        <a:buSzTx/>
+                        <a:buFontTx/>
+                        <a:buNone/>
+                        <a:tabLst/>
+                      </a:pPr>
+                      <a:r>
+                        <a:rPr kumimoji="0" lang="ja-JP" altLang="en-US" sz="2400" b="1" i="0" u="none" strike="noStrike" cap="none" normalizeH="0" baseline="0" smtClean="0">
+                          <a:ln>
+                            <a:noFill/>
+                          </a:ln>
+                          <a:solidFill>
+                            <a:srgbClr val="FFFFFF"/>
+                          </a:solidFill>
+                          <a:effectLst/>
+                          <a:latin typeface="Calibri" pitchFamily="34" charset="0"/>
+                          <a:ea typeface="ＭＳ Ｐゴシック" charset="-128"/>
+                        </a:rPr>
+                        <a:t>能力</a:t>
+                      </a:r>
+                      <a:r>
+                        <a:rPr kumimoji="0" lang="en-CA" altLang="ja-JP" sz="2400" b="1" i="0" u="none" strike="noStrike" cap="none" normalizeH="0" baseline="0" smtClean="0">
+                          <a:ln>
+                            <a:noFill/>
+                          </a:ln>
+                          <a:solidFill>
+                            <a:srgbClr val="FFFFFF"/>
+                          </a:solidFill>
+                          <a:effectLst/>
+                          <a:latin typeface="Calibri" pitchFamily="34" charset="0"/>
+                          <a:ea typeface="ＭＳ Ｐゴシック" charset="-128"/>
+                        </a:rPr>
+                        <a:t>/</a:t>
+                      </a:r>
+                      <a:r>
+                        <a:rPr kumimoji="0" lang="ja-JP" altLang="en-US" sz="2400" b="1" i="0" u="none" strike="noStrike" cap="none" normalizeH="0" baseline="0" smtClean="0">
+                          <a:ln>
+                            <a:noFill/>
+                          </a:ln>
+                          <a:solidFill>
+                            <a:srgbClr val="FFFFFF"/>
+                          </a:solidFill>
+                          <a:effectLst/>
+                          <a:latin typeface="Calibri" pitchFamily="34" charset="0"/>
+                          <a:ea typeface="ＭＳ Ｐゴシック" charset="-128"/>
+                        </a:rPr>
+                        <a:t>期待すること</a:t>
+                      </a:r>
+                      <a:endParaRPr kumimoji="0" lang="en-CA" sz="2400" b="1" i="0" u="none" strike="noStrike" cap="none" normalizeH="0" baseline="0" smtClean="0">
+                        <a:ln>
+                          <a:noFill/>
+                        </a:ln>
+                        <a:solidFill>
+                          <a:srgbClr val="FFFFFF"/>
+                        </a:solidFill>
+                        <a:effectLst/>
+                        <a:latin typeface="Calibri" pitchFamily="34" charset="0"/>
+                      </a:endParaRPr>
+                    </a:p>
+                  </a:txBody>
+                  <a:tcPr horzOverflow="overflow">
+                    <a:lnL w="12700" cap="flat" cmpd="sng" algn="ctr">
+                      <a:solidFill>
+                        <a:schemeClr val="bg1"/>
+                      </a:solidFill>
+                      <a:prstDash val="solid"/>
+                      <a:round/>
+                      <a:headEnd type="none" w="med" len="med"/>
+                      <a:tailEnd type="none" w="med" len="med"/>
+                    </a:lnL>
+                    <a:lnR w="12700" cap="flat" cmpd="sng" algn="ctr">
+                      <a:solidFill>
+                        <a:schemeClr val="bg1"/>
+                      </a:solidFill>
+                      <a:prstDash val="solid"/>
+                      <a:round/>
+                      <a:headEnd type="none" w="med" len="med"/>
+                      <a:tailEnd type="none" w="med" len="med"/>
+                    </a:lnR>
+                    <a:lnT w="12700" cap="flat" cmpd="sng" algn="ctr">
+                      <a:solidFill>
+                        <a:schemeClr val="bg1"/>
+                      </a:solidFill>
+                      <a:prstDash val="solid"/>
+                      <a:round/>
+                      <a:headEnd type="none" w="med" len="med"/>
+                      <a:tailEnd type="none" w="med" len="med"/>
+                    </a:lnT>
+                    <a:lnB w="38100" cap="flat" cmpd="sng" algn="ctr">
+                      <a:solidFill>
+                        <a:schemeClr val="bg1"/>
+                      </a:solidFill>
+                      <a:prstDash val="solid"/>
+                      <a:round/>
+                      <a:headEnd type="none" w="med" len="med"/>
+                      <a:tailEnd type="none" w="med" len="med"/>
+                    </a:lnB>
+                    <a:lnTlToBr>
+                      <a:noFill/>
+                    </a:lnTlToBr>
+                    <a:lnBlToTr>
+                      <a:noFill/>
+                    </a:lnBlToTr>
+                    <a:solidFill>
+                      <a:schemeClr val="accent1"/>
+                    </a:solidFill>
+                  </a:tcPr>
+                </a:tc>
+              </a:tr>
+              <a:tr h="371475">
+                <a:tc>
+                  <a:txBody>
+                    <a:bodyPr/>
+                    <a:lstStyle/>
+                    <a:p>
+                      <a:pPr marL="0" marR="0" lvl="0" indent="0" algn="l" defTabSz="914400" rtl="0" eaLnBrk="1" fontAlgn="base" latinLnBrk="0" hangingPunct="1">
+                        <a:lnSpc>
+                          <a:spcPct val="100000"/>
+                        </a:lnSpc>
+                        <a:spcBef>
+                          <a:spcPct val="0"/>
+                        </a:spcBef>
+                        <a:spcAft>
+                          <a:spcPct val="0"/>
+                        </a:spcAft>
+                        <a:buClrTx/>
+                        <a:buSzTx/>
+                        <a:buFontTx/>
+                        <a:buNone/>
+                        <a:tabLst/>
+                      </a:pPr>
+                      <a:r>
+                        <a:rPr kumimoji="0" lang="en-CA" altLang="ja-JP" sz="1800" b="0" i="0" u="none" strike="noStrike" cap="none" normalizeH="0" baseline="0" smtClean="0">
+                          <a:ln>
+                            <a:noFill/>
+                          </a:ln>
+                          <a:solidFill>
+                            <a:srgbClr val="000000"/>
+                          </a:solidFill>
+                          <a:effectLst/>
+                          <a:latin typeface="Calibri" pitchFamily="34" charset="0"/>
+                          <a:ea typeface="ＭＳ Ｐゴシック" charset="-128"/>
+                        </a:rPr>
+                        <a:t>1</a:t>
+                      </a:r>
+                    </a:p>
+                  </a:txBody>
+                  <a:tcPr horzOverflow="overflow">
+                    <a:lnL w="12700" cap="flat" cmpd="sng" algn="ctr">
+                      <a:solidFill>
+                        <a:schemeClr val="bg1"/>
+                      </a:solidFill>
+                      <a:prstDash val="solid"/>
+                      <a:round/>
+                      <a:headEnd type="none" w="med" len="med"/>
+                      <a:tailEnd type="none" w="med" len="med"/>
+                    </a:lnL>
+                    <a:lnR w="12700" cap="flat" cmpd="sng" algn="ctr">
+                      <a:solidFill>
+                        <a:schemeClr val="bg1"/>
+                      </a:solidFill>
+                      <a:prstDash val="solid"/>
+                      <a:round/>
+                      <a:headEnd type="none" w="med" len="med"/>
+                      <a:tailEnd type="none" w="med" len="med"/>
+                    </a:lnR>
+                    <a:lnT w="38100" cap="flat" cmpd="sng" algn="ctr">
+                      <a:solidFill>
+                        <a:schemeClr val="bg1"/>
+                      </a:solidFill>
+                      <a:prstDash val="solid"/>
+                      <a:round/>
+                      <a:headEnd type="none" w="med" len="med"/>
+                      <a:tailEnd type="none" w="med" len="med"/>
+                    </a:lnT>
+                    <a:lnB w="12700" cap="flat" cmpd="sng" algn="ctr">
+                      <a:solidFill>
+                        <a:schemeClr val="bg1"/>
+                      </a:solidFill>
+                      <a:prstDash val="solid"/>
+                      <a:round/>
+                      <a:headEnd type="none" w="med" len="med"/>
+                      <a:tailEnd type="none" w="med" len="med"/>
+                    </a:lnB>
+                    <a:lnTlToBr>
+                      <a:noFill/>
+                    </a:lnTlToBr>
+                    <a:lnBlToTr>
+                      <a:noFill/>
+                    </a:lnBlToTr>
+                    <a:solidFill>
+                      <a:srgbClr val="D0D8E8"/>
+                    </a:solidFill>
+                  </a:tcPr>
+                </a:tc>
+                <a:tc>
+                  <a:txBody>
+                    <a:bodyPr/>
+                    <a:lstStyle/>
+                    <a:p>
+                      <a:pPr marL="0" marR="0" lvl="0" indent="0" algn="l" defTabSz="914400" rtl="0" eaLnBrk="1" fontAlgn="base" latinLnBrk="0" hangingPunct="1">
+                        <a:lnSpc>
+                          <a:spcPct val="100000"/>
+                        </a:lnSpc>
+                        <a:spcBef>
+                          <a:spcPct val="0"/>
+                        </a:spcBef>
+                        <a:spcAft>
+                          <a:spcPct val="0"/>
+                        </a:spcAft>
+                        <a:buClrTx/>
+                        <a:buSzTx/>
+                        <a:buFontTx/>
+                        <a:buNone/>
+                        <a:tabLst/>
+                      </a:pPr>
+                      <a:r>
+                        <a:rPr kumimoji="0" lang="en-US" sz="1800" b="0" i="0" u="none" strike="noStrike" cap="none" normalizeH="0" baseline="0" dirty="0" smtClean="0">
+                          <a:ln>
+                            <a:noFill/>
+                          </a:ln>
+                          <a:solidFill>
+                            <a:srgbClr val="000000"/>
+                          </a:solidFill>
+                          <a:effectLst/>
+                          <a:latin typeface="Calibri" pitchFamily="34" charset="0"/>
+                          <a:ea typeface="ＭＳ Ｐゴシック" charset="-128"/>
+                        </a:rPr>
+                        <a:t>Leader</a:t>
+                      </a:r>
+                      <a:endParaRPr kumimoji="0" lang="en-CA" sz="1800" b="0" i="0" u="none" strike="noStrike" cap="none" normalizeH="0" baseline="0" dirty="0" smtClean="0">
+                        <a:ln>
+                          <a:noFill/>
+                        </a:ln>
+                        <a:solidFill>
+                          <a:srgbClr val="000000"/>
+                        </a:solidFill>
+                        <a:effectLst/>
+                        <a:latin typeface="Calibri" pitchFamily="34" charset="0"/>
+                      </a:endParaRPr>
+                    </a:p>
+                  </a:txBody>
+                  <a:tcPr horzOverflow="overflow">
+                    <a:lnL w="12700" cap="flat" cmpd="sng" algn="ctr">
+                      <a:solidFill>
+                        <a:schemeClr val="bg1"/>
+                      </a:solidFill>
+                      <a:prstDash val="solid"/>
+                      <a:round/>
+                      <a:headEnd type="none" w="med" len="med"/>
+                      <a:tailEnd type="none" w="med" len="med"/>
+                    </a:lnL>
+                    <a:lnR w="12700" cap="flat" cmpd="sng" algn="ctr">
+                      <a:solidFill>
+                        <a:schemeClr val="bg1"/>
+                      </a:solidFill>
+                      <a:prstDash val="solid"/>
+                      <a:round/>
+                      <a:headEnd type="none" w="med" len="med"/>
+                      <a:tailEnd type="none" w="med" len="med"/>
+                    </a:lnR>
+                    <a:lnT w="38100" cap="flat" cmpd="sng" algn="ctr">
+                      <a:solidFill>
+                        <a:schemeClr val="bg1"/>
+                      </a:solidFill>
+                      <a:prstDash val="solid"/>
+                      <a:round/>
+                      <a:headEnd type="none" w="med" len="med"/>
+                      <a:tailEnd type="none" w="med" len="med"/>
+                    </a:lnT>
+                    <a:lnB w="12700" cap="flat" cmpd="sng" algn="ctr">
+                      <a:solidFill>
+                        <a:schemeClr val="bg1"/>
+                      </a:solidFill>
+                      <a:prstDash val="solid"/>
+                      <a:round/>
+                      <a:headEnd type="none" w="med" len="med"/>
+                      <a:tailEnd type="none" w="med" len="med"/>
+                    </a:lnB>
+                    <a:lnTlToBr>
+                      <a:noFill/>
+                    </a:lnTlToBr>
+                    <a:lnBlToTr>
+                      <a:noFill/>
+                    </a:lnBlToTr>
+                    <a:solidFill>
+                      <a:srgbClr val="D0D8E8"/>
+                    </a:solidFill>
+                  </a:tcPr>
+                </a:tc>
+                <a:tc>
+                  <a:txBody>
+                    <a:bodyPr/>
+                    <a:lstStyle/>
+                    <a:p>
+                      <a:pPr marL="0" marR="0" lvl="0" indent="0" algn="l" defTabSz="914400" rtl="0" eaLnBrk="1" fontAlgn="base" latinLnBrk="0" hangingPunct="1">
+                        <a:lnSpc>
+                          <a:spcPct val="100000"/>
+                        </a:lnSpc>
+                        <a:spcBef>
+                          <a:spcPct val="0"/>
+                        </a:spcBef>
+                        <a:spcAft>
+                          <a:spcPct val="0"/>
+                        </a:spcAft>
+                        <a:buClrTx/>
+                        <a:buSzTx/>
+                        <a:buFontTx/>
+                        <a:buNone/>
+                        <a:tabLst/>
+                      </a:pPr>
+                      <a:r>
+                        <a:rPr kumimoji="0" lang="ja-JP" altLang="en-US" sz="1800" b="0" i="0" u="none" strike="noStrike" cap="none" normalizeH="0" baseline="0" dirty="0" smtClean="0">
+                          <a:ln>
+                            <a:noFill/>
+                          </a:ln>
+                          <a:solidFill>
+                            <a:srgbClr val="000000"/>
+                          </a:solidFill>
+                          <a:effectLst/>
+                          <a:latin typeface="Calibri" pitchFamily="34" charset="0"/>
+                          <a:ea typeface="ＭＳ Ｐゴシック" charset="-128"/>
+                        </a:rPr>
+                        <a:t>チームの牽引すること。また、チームメンバーと同等の能力。</a:t>
+                      </a:r>
+                      <a:endParaRPr kumimoji="0" lang="en-CA" sz="1800" b="0" i="0" u="none" strike="noStrike" cap="none" normalizeH="0" baseline="0" dirty="0" smtClean="0">
+                        <a:ln>
+                          <a:noFill/>
+                        </a:ln>
+                        <a:solidFill>
+                          <a:srgbClr val="000000"/>
+                        </a:solidFill>
+                        <a:effectLst/>
+                        <a:latin typeface="Calibri" pitchFamily="34" charset="0"/>
+                      </a:endParaRPr>
+                    </a:p>
+                  </a:txBody>
+                  <a:tcPr horzOverflow="overflow">
+                    <a:lnL w="12700" cap="flat" cmpd="sng" algn="ctr">
+                      <a:solidFill>
+                        <a:schemeClr val="bg1"/>
+                      </a:solidFill>
+                      <a:prstDash val="solid"/>
+                      <a:round/>
+                      <a:headEnd type="none" w="med" len="med"/>
+                      <a:tailEnd type="none" w="med" len="med"/>
+                    </a:lnL>
+                    <a:lnR w="12700" cap="flat" cmpd="sng" algn="ctr">
+                      <a:solidFill>
+                        <a:schemeClr val="bg1"/>
+                      </a:solidFill>
+                      <a:prstDash val="solid"/>
+                      <a:round/>
+                      <a:headEnd type="none" w="med" len="med"/>
+                      <a:tailEnd type="none" w="med" len="med"/>
+                    </a:lnR>
+                    <a:lnT w="38100" cap="flat" cmpd="sng" algn="ctr">
+                      <a:solidFill>
+                        <a:schemeClr val="bg1"/>
+                      </a:solidFill>
+                      <a:prstDash val="solid"/>
+                      <a:round/>
+                      <a:headEnd type="none" w="med" len="med"/>
+                      <a:tailEnd type="none" w="med" len="med"/>
+                    </a:lnT>
+                    <a:lnB w="12700" cap="flat" cmpd="sng" algn="ctr">
+                      <a:solidFill>
+                        <a:schemeClr val="bg1"/>
+                      </a:solidFill>
+                      <a:prstDash val="solid"/>
+                      <a:round/>
+                      <a:headEnd type="none" w="med" len="med"/>
+                      <a:tailEnd type="none" w="med" len="med"/>
+                    </a:lnB>
+                    <a:lnTlToBr>
+                      <a:noFill/>
+                    </a:lnTlToBr>
+                    <a:lnBlToTr>
+                      <a:noFill/>
+                    </a:lnBlToTr>
+                    <a:solidFill>
+                      <a:srgbClr val="D0D8E8"/>
+                    </a:solidFill>
+                  </a:tcPr>
+                </a:tc>
+              </a:tr>
+              <a:tr h="371475">
+                <a:tc>
+                  <a:txBody>
+                    <a:bodyPr/>
+                    <a:lstStyle/>
+                    <a:p>
+                      <a:pPr marL="0" marR="0" lvl="0" indent="0" algn="l" defTabSz="914400" rtl="0" eaLnBrk="1" fontAlgn="base" latinLnBrk="0" hangingPunct="1">
+                        <a:lnSpc>
+                          <a:spcPct val="100000"/>
+                        </a:lnSpc>
+                        <a:spcBef>
+                          <a:spcPct val="0"/>
+                        </a:spcBef>
+                        <a:spcAft>
+                          <a:spcPct val="0"/>
+                        </a:spcAft>
+                        <a:buClrTx/>
+                        <a:buSzTx/>
+                        <a:buFontTx/>
+                        <a:buNone/>
+                        <a:tabLst/>
+                      </a:pPr>
+                      <a:r>
+                        <a:rPr kumimoji="0" lang="en-CA" altLang="ja-JP" sz="1800" b="0" i="0" u="none" strike="noStrike" cap="none" normalizeH="0" baseline="0" smtClean="0">
+                          <a:ln>
+                            <a:noFill/>
+                          </a:ln>
+                          <a:solidFill>
+                            <a:srgbClr val="000000"/>
+                          </a:solidFill>
+                          <a:effectLst/>
+                          <a:latin typeface="Calibri" pitchFamily="34" charset="0"/>
+                          <a:ea typeface="ＭＳ Ｐゴシック" charset="-128"/>
+                        </a:rPr>
+                        <a:t>2</a:t>
+                      </a:r>
+                    </a:p>
+                  </a:txBody>
+                  <a:tcPr horzOverflow="overflow">
+                    <a:lnL w="12700" cap="flat" cmpd="sng" algn="ctr">
+                      <a:solidFill>
+                        <a:schemeClr val="bg1"/>
+                      </a:solidFill>
+                      <a:prstDash val="solid"/>
+                      <a:round/>
+                      <a:headEnd type="none" w="med" len="med"/>
+                      <a:tailEnd type="none" w="med" len="med"/>
+                    </a:lnL>
+                    <a:lnR w="12700" cap="flat" cmpd="sng" algn="ctr">
+                      <a:solidFill>
+                        <a:schemeClr val="bg1"/>
+                      </a:solidFill>
+                      <a:prstDash val="solid"/>
+                      <a:round/>
+                      <a:headEnd type="none" w="med" len="med"/>
+                      <a:tailEnd type="none" w="med" len="med"/>
+                    </a:lnR>
+                    <a:lnT w="12700" cap="flat" cmpd="sng" algn="ctr">
+                      <a:solidFill>
+                        <a:schemeClr val="bg1"/>
+                      </a:solidFill>
+                      <a:prstDash val="solid"/>
+                      <a:round/>
+                      <a:headEnd type="none" w="med" len="med"/>
+                      <a:tailEnd type="none" w="med" len="med"/>
+                    </a:lnT>
+                    <a:lnB w="12700" cap="flat" cmpd="sng" algn="ctr">
+                      <a:solidFill>
+                        <a:schemeClr val="bg1"/>
+                      </a:solidFill>
+                      <a:prstDash val="solid"/>
+                      <a:round/>
+                      <a:headEnd type="none" w="med" len="med"/>
+                      <a:tailEnd type="none" w="med" len="med"/>
+                    </a:lnB>
+                    <a:lnTlToBr>
+                      <a:noFill/>
+                    </a:lnTlToBr>
+                    <a:lnBlToTr>
+                      <a:noFill/>
+                    </a:lnBlToTr>
+                    <a:solidFill>
+                      <a:srgbClr val="E9EDF4"/>
+                    </a:solidFill>
+                  </a:tcPr>
+                </a:tc>
+                <a:tc>
+                  <a:txBody>
+                    <a:bodyPr/>
+                    <a:lstStyle/>
+                    <a:p>
+                      <a:pPr marL="0" marR="0" lvl="0" indent="0" algn="l" defTabSz="914400" rtl="0" eaLnBrk="1" fontAlgn="base" latinLnBrk="0" hangingPunct="1">
+                        <a:lnSpc>
+                          <a:spcPct val="100000"/>
+                        </a:lnSpc>
+                        <a:spcBef>
+                          <a:spcPct val="0"/>
+                        </a:spcBef>
+                        <a:spcAft>
+                          <a:spcPct val="0"/>
+                        </a:spcAft>
+                        <a:buClrTx/>
+                        <a:buSzTx/>
+                        <a:buFontTx/>
+                        <a:buNone/>
+                        <a:tabLst/>
+                      </a:pPr>
+                      <a:r>
+                        <a:rPr kumimoji="0" lang="en-US" sz="1800" b="0" i="0" u="none" strike="noStrike" cap="none" normalizeH="0" baseline="0" dirty="0" smtClean="0">
+                          <a:ln>
+                            <a:noFill/>
+                          </a:ln>
+                          <a:solidFill>
+                            <a:srgbClr val="000000"/>
+                          </a:solidFill>
+                          <a:effectLst/>
+                          <a:latin typeface="Calibri" pitchFamily="34" charset="0"/>
+                          <a:ea typeface="ＭＳ Ｐゴシック" charset="-128"/>
+                        </a:rPr>
+                        <a:t>Member of team</a:t>
+                      </a:r>
+                      <a:endParaRPr kumimoji="0" lang="en-CA" sz="1800" b="0" i="0" u="none" strike="noStrike" cap="none" normalizeH="0" baseline="0" dirty="0" smtClean="0">
+                        <a:ln>
+                          <a:noFill/>
+                        </a:ln>
+                        <a:solidFill>
+                          <a:srgbClr val="000000"/>
+                        </a:solidFill>
+                        <a:effectLst/>
+                        <a:latin typeface="Calibri" pitchFamily="34" charset="0"/>
+                      </a:endParaRPr>
+                    </a:p>
+                  </a:txBody>
+                  <a:tcPr horzOverflow="overflow">
+                    <a:lnL w="12700" cap="flat" cmpd="sng" algn="ctr">
+                      <a:solidFill>
+                        <a:schemeClr val="bg1"/>
+                      </a:solidFill>
+                      <a:prstDash val="solid"/>
+                      <a:round/>
+                      <a:headEnd type="none" w="med" len="med"/>
+                      <a:tailEnd type="none" w="med" len="med"/>
+                    </a:lnL>
+                    <a:lnR w="12700" cap="flat" cmpd="sng" algn="ctr">
+                      <a:solidFill>
+                        <a:schemeClr val="bg1"/>
+                      </a:solidFill>
+                      <a:prstDash val="solid"/>
+                      <a:round/>
+                      <a:headEnd type="none" w="med" len="med"/>
+                      <a:tailEnd type="none" w="med" len="med"/>
+                    </a:lnR>
+                    <a:lnT w="12700" cap="flat" cmpd="sng" algn="ctr">
+                      <a:solidFill>
+                        <a:schemeClr val="bg1"/>
+                      </a:solidFill>
+                      <a:prstDash val="solid"/>
+                      <a:round/>
+                      <a:headEnd type="none" w="med" len="med"/>
+                      <a:tailEnd type="none" w="med" len="med"/>
+                    </a:lnT>
+                    <a:lnB w="12700" cap="flat" cmpd="sng" algn="ctr">
+                      <a:solidFill>
+                        <a:schemeClr val="bg1"/>
+                      </a:solidFill>
+                      <a:prstDash val="solid"/>
+                      <a:round/>
+                      <a:headEnd type="none" w="med" len="med"/>
+                      <a:tailEnd type="none" w="med" len="med"/>
+                    </a:lnB>
+                    <a:lnTlToBr>
+                      <a:noFill/>
+                    </a:lnTlToBr>
+                    <a:lnBlToTr>
+                      <a:noFill/>
+                    </a:lnBlToTr>
+                    <a:solidFill>
+                      <a:srgbClr val="E9EDF4"/>
+                    </a:solidFill>
+                  </a:tcPr>
+                </a:tc>
+                <a:tc>
+                  <a:txBody>
+                    <a:bodyPr/>
+                    <a:lstStyle/>
+                    <a:p>
+                      <a:pPr marL="0" marR="0" lvl="0" indent="0" algn="l" defTabSz="914400" rtl="0" eaLnBrk="1" fontAlgn="base" latinLnBrk="0" hangingPunct="1">
+                        <a:lnSpc>
+                          <a:spcPct val="100000"/>
+                        </a:lnSpc>
+                        <a:spcBef>
+                          <a:spcPct val="0"/>
+                        </a:spcBef>
+                        <a:spcAft>
+                          <a:spcPct val="0"/>
+                        </a:spcAft>
+                        <a:buClrTx/>
+                        <a:buSzTx/>
+                        <a:buFontTx/>
+                        <a:buNone/>
+                        <a:tabLst/>
+                      </a:pPr>
+                      <a:r>
+                        <a:rPr kumimoji="0" lang="en-CA" altLang="ja-JP" sz="1800" b="0" i="0" u="none" strike="noStrike" cap="none" normalizeH="0" baseline="0" dirty="0" smtClean="0">
+                          <a:ln>
+                            <a:noFill/>
+                          </a:ln>
+                          <a:solidFill>
+                            <a:srgbClr val="000000"/>
+                          </a:solidFill>
+                          <a:effectLst/>
+                          <a:latin typeface="Calibri" pitchFamily="34" charset="0"/>
+                          <a:ea typeface="ＭＳ Ｐゴシック" charset="-128"/>
+                        </a:rPr>
+                        <a:t>C</a:t>
+                      </a:r>
+                      <a:r>
+                        <a:rPr kumimoji="0" lang="ja-JP" altLang="en-US" sz="1800" b="0" i="0" u="none" strike="noStrike" cap="none" normalizeH="0" baseline="0" dirty="0" smtClean="0">
+                          <a:ln>
+                            <a:noFill/>
+                          </a:ln>
+                          <a:solidFill>
+                            <a:srgbClr val="000000"/>
+                          </a:solidFill>
+                          <a:effectLst/>
+                          <a:latin typeface="Calibri" pitchFamily="34" charset="0"/>
+                          <a:ea typeface="ＭＳ Ｐゴシック" charset="-128"/>
+                        </a:rPr>
+                        <a:t>（</a:t>
+                      </a:r>
+                      <a:r>
+                        <a:rPr kumimoji="0" lang="en-US" altLang="ja-JP" sz="1800" b="0" i="0" u="none" strike="noStrike" cap="none" normalizeH="0" baseline="0" dirty="0" smtClean="0">
+                          <a:ln>
+                            <a:noFill/>
+                          </a:ln>
+                          <a:solidFill>
+                            <a:srgbClr val="000000"/>
+                          </a:solidFill>
+                          <a:effectLst/>
+                          <a:latin typeface="Calibri" pitchFamily="34" charset="0"/>
+                          <a:ea typeface="ＭＳ Ｐゴシック" charset="-128"/>
+                        </a:rPr>
+                        <a:t>Programming</a:t>
+                      </a:r>
+                      <a:r>
+                        <a:rPr kumimoji="0" lang="ja-JP" altLang="en-US" sz="1800" b="0" i="0" u="none" strike="noStrike" cap="none" normalizeH="0" baseline="0" dirty="0" smtClean="0">
+                          <a:ln>
+                            <a:noFill/>
+                          </a:ln>
+                          <a:solidFill>
+                            <a:srgbClr val="000000"/>
+                          </a:solidFill>
+                          <a:effectLst/>
+                          <a:latin typeface="Calibri" pitchFamily="34" charset="0"/>
+                          <a:ea typeface="ＭＳ Ｐゴシック" charset="-128"/>
+                        </a:rPr>
+                        <a:t>）</a:t>
+                      </a:r>
+                      <a:r>
+                        <a:rPr kumimoji="0" lang="en-CA" altLang="ja-JP" sz="1800" b="0" i="0" u="none" strike="noStrike" cap="none" normalizeH="0" baseline="0" dirty="0" smtClean="0">
+                          <a:ln>
+                            <a:noFill/>
+                          </a:ln>
+                          <a:solidFill>
+                            <a:srgbClr val="000000"/>
+                          </a:solidFill>
+                          <a:effectLst/>
+                          <a:latin typeface="Calibri" pitchFamily="34" charset="0"/>
+                          <a:ea typeface="ＭＳ Ｐゴシック" charset="-128"/>
+                        </a:rPr>
+                        <a:t>,UML</a:t>
+                      </a:r>
+                      <a:r>
+                        <a:rPr kumimoji="0" lang="ja-JP" altLang="en-US" sz="1800" b="0" i="0" u="none" strike="noStrike" cap="none" normalizeH="0" baseline="0" dirty="0" smtClean="0">
+                          <a:ln>
+                            <a:noFill/>
+                          </a:ln>
+                          <a:solidFill>
+                            <a:srgbClr val="000000"/>
+                          </a:solidFill>
+                          <a:effectLst/>
+                          <a:latin typeface="Calibri" pitchFamily="34" charset="0"/>
+                          <a:ea typeface="ＭＳ Ｐゴシック" charset="-128"/>
+                        </a:rPr>
+                        <a:t>（</a:t>
+                      </a:r>
+                      <a:r>
+                        <a:rPr kumimoji="0" lang="en-US" altLang="ja-JP" sz="1800" b="0" i="0" u="none" strike="noStrike" cap="none" normalizeH="0" baseline="0" dirty="0" smtClean="0">
+                          <a:ln>
+                            <a:noFill/>
+                          </a:ln>
+                          <a:solidFill>
+                            <a:srgbClr val="000000"/>
+                          </a:solidFill>
+                          <a:effectLst/>
+                          <a:latin typeface="Calibri" pitchFamily="34" charset="0"/>
+                          <a:ea typeface="ＭＳ Ｐゴシック" charset="-128"/>
+                        </a:rPr>
+                        <a:t>Designing Model</a:t>
+                      </a:r>
+                      <a:r>
+                        <a:rPr kumimoji="0" lang="ja-JP" altLang="en-US" sz="1800" b="0" i="0" u="none" strike="noStrike" cap="none" normalizeH="0" baseline="0" dirty="0" smtClean="0">
+                          <a:ln>
+                            <a:noFill/>
+                          </a:ln>
+                          <a:solidFill>
+                            <a:srgbClr val="000000"/>
+                          </a:solidFill>
+                          <a:effectLst/>
+                          <a:latin typeface="Calibri" pitchFamily="34" charset="0"/>
+                          <a:ea typeface="ＭＳ Ｐゴシック" charset="-128"/>
+                        </a:rPr>
+                        <a:t>）</a:t>
+                      </a:r>
+                      <a:r>
+                        <a:rPr kumimoji="0" lang="en-CA" altLang="ja-JP" sz="1800" b="0" i="0" u="none" strike="noStrike" cap="none" normalizeH="0" baseline="0" dirty="0" smtClean="0">
+                          <a:ln>
+                            <a:noFill/>
+                          </a:ln>
+                          <a:solidFill>
+                            <a:srgbClr val="000000"/>
+                          </a:solidFill>
+                          <a:effectLst/>
+                          <a:latin typeface="Calibri" pitchFamily="34" charset="0"/>
+                          <a:ea typeface="ＭＳ Ｐゴシック" charset="-128"/>
+                        </a:rPr>
+                        <a:t>, </a:t>
+                      </a:r>
+                      <a:r>
+                        <a:rPr kumimoji="0" lang="en-US" altLang="ja-JP" sz="1800" b="0" i="0" u="none" strike="noStrike" cap="none" normalizeH="0" baseline="0" dirty="0" smtClean="0">
+                          <a:ln>
+                            <a:noFill/>
+                          </a:ln>
+                          <a:solidFill>
+                            <a:srgbClr val="000000"/>
+                          </a:solidFill>
+                          <a:effectLst/>
+                          <a:latin typeface="Calibri" pitchFamily="34" charset="0"/>
+                          <a:ea typeface="ＭＳ Ｐゴシック" charset="-128"/>
+                        </a:rPr>
+                        <a:t>Design, Communication Skill, Positiveness.</a:t>
+                      </a:r>
+                      <a:endParaRPr kumimoji="0" lang="en-CA" sz="1800" b="0" i="0" u="none" strike="noStrike" cap="none" normalizeH="0" baseline="0" dirty="0" smtClean="0">
+                        <a:ln>
+                          <a:noFill/>
+                        </a:ln>
+                        <a:solidFill>
+                          <a:srgbClr val="000000"/>
+                        </a:solidFill>
+                        <a:effectLst/>
+                        <a:latin typeface="Calibri" pitchFamily="34" charset="0"/>
+                      </a:endParaRPr>
+                    </a:p>
+                  </a:txBody>
+                  <a:tcPr horzOverflow="overflow">
+                    <a:lnL w="12700" cap="flat" cmpd="sng" algn="ctr">
+                      <a:solidFill>
+                        <a:schemeClr val="bg1"/>
+                      </a:solidFill>
+                      <a:prstDash val="solid"/>
+                      <a:round/>
+                      <a:headEnd type="none" w="med" len="med"/>
+                      <a:tailEnd type="none" w="med" len="med"/>
+                    </a:lnL>
+                    <a:lnR w="12700" cap="flat" cmpd="sng" algn="ctr">
+                      <a:solidFill>
+                        <a:schemeClr val="bg1"/>
+                      </a:solidFill>
+                      <a:prstDash val="solid"/>
+                      <a:round/>
+                      <a:headEnd type="none" w="med" len="med"/>
+                      <a:tailEnd type="none" w="med" len="med"/>
+                    </a:lnR>
+                    <a:lnT w="12700" cap="flat" cmpd="sng" algn="ctr">
+                      <a:solidFill>
+                        <a:schemeClr val="bg1"/>
+                      </a:solidFill>
+                      <a:prstDash val="solid"/>
+                      <a:round/>
+                      <a:headEnd type="none" w="med" len="med"/>
+                      <a:tailEnd type="none" w="med" len="med"/>
+                    </a:lnT>
+                    <a:lnB w="12700" cap="flat" cmpd="sng" algn="ctr">
+                      <a:solidFill>
+                        <a:schemeClr val="bg1"/>
+                      </a:solidFill>
+                      <a:prstDash val="solid"/>
+                      <a:round/>
+                      <a:headEnd type="none" w="med" len="med"/>
+                      <a:tailEnd type="none" w="med" len="med"/>
+                    </a:lnB>
+                    <a:lnTlToBr>
+                      <a:noFill/>
+                    </a:lnTlToBr>
+                    <a:lnBlToTr>
+                      <a:noFill/>
+                    </a:lnBlToTr>
+                    <a:solidFill>
+                      <a:srgbClr val="E9EDF4"/>
+                    </a:solidFill>
+                  </a:tcPr>
+                </a:tc>
+              </a:tr>
+              <a:tr h="371475">
+                <a:tc>
+                  <a:txBody>
+                    <a:bodyPr/>
+                    <a:lstStyle/>
+                    <a:p>
+                      <a:pPr marL="0" marR="0" lvl="0" indent="0" algn="l" defTabSz="914400" rtl="0" eaLnBrk="1" fontAlgn="base" latinLnBrk="0" hangingPunct="1">
+                        <a:lnSpc>
+                          <a:spcPct val="100000"/>
+                        </a:lnSpc>
+                        <a:spcBef>
+                          <a:spcPct val="0"/>
+                        </a:spcBef>
+                        <a:spcAft>
+                          <a:spcPct val="0"/>
+                        </a:spcAft>
+                        <a:buClrTx/>
+                        <a:buSzTx/>
+                        <a:buFontTx/>
+                        <a:buNone/>
+                        <a:tabLst/>
+                      </a:pPr>
+                      <a:endParaRPr kumimoji="0" lang="en-CA" altLang="ja-JP" sz="1800" b="0" i="0" u="none" strike="noStrike" cap="none" normalizeH="0" baseline="0" smtClean="0">
+                        <a:ln>
+                          <a:noFill/>
+                        </a:ln>
+                        <a:solidFill>
+                          <a:srgbClr val="000000"/>
+                        </a:solidFill>
+                        <a:effectLst/>
+                        <a:latin typeface="Calibri" pitchFamily="34" charset="0"/>
+                        <a:ea typeface="ＭＳ Ｐゴシック" charset="-128"/>
+                      </a:endParaRPr>
+                    </a:p>
+                  </a:txBody>
+                  <a:tcPr horzOverflow="overflow">
+                    <a:lnL w="12700" cap="flat" cmpd="sng" algn="ctr">
+                      <a:solidFill>
+                        <a:schemeClr val="bg1"/>
+                      </a:solidFill>
+                      <a:prstDash val="solid"/>
+                      <a:round/>
+                      <a:headEnd type="none" w="med" len="med"/>
+                      <a:tailEnd type="none" w="med" len="med"/>
+                    </a:lnL>
+                    <a:lnR w="12700" cap="flat" cmpd="sng" algn="ctr">
+                      <a:solidFill>
+                        <a:schemeClr val="bg1"/>
+                      </a:solidFill>
+                      <a:prstDash val="solid"/>
+                      <a:round/>
+                      <a:headEnd type="none" w="med" len="med"/>
+                      <a:tailEnd type="none" w="med" len="med"/>
+                    </a:lnR>
+                    <a:lnT w="12700" cap="flat" cmpd="sng" algn="ctr">
+                      <a:solidFill>
+                        <a:schemeClr val="bg1"/>
+                      </a:solidFill>
+                      <a:prstDash val="solid"/>
+                      <a:round/>
+                      <a:headEnd type="none" w="med" len="med"/>
+                      <a:tailEnd type="none" w="med" len="med"/>
+                    </a:lnT>
+                    <a:lnB w="12700" cap="flat" cmpd="sng" algn="ctr">
+                      <a:solidFill>
+                        <a:schemeClr val="bg1"/>
+                      </a:solidFill>
+                      <a:prstDash val="solid"/>
+                      <a:round/>
+                      <a:headEnd type="none" w="med" len="med"/>
+                      <a:tailEnd type="none" w="med" len="med"/>
+                    </a:lnB>
+                    <a:lnTlToBr>
+                      <a:noFill/>
+                    </a:lnTlToBr>
+                    <a:lnBlToTr>
+                      <a:noFill/>
+                    </a:lnBlToTr>
+                    <a:solidFill>
+                      <a:srgbClr val="D0D8E8"/>
+                    </a:solidFill>
+                  </a:tcPr>
+                </a:tc>
+                <a:tc>
+                  <a:txBody>
+                    <a:bodyPr/>
+                    <a:lstStyle/>
+                    <a:p>
+                      <a:pPr marL="0" marR="0" lvl="0" indent="0" algn="l" defTabSz="914400" rtl="0" eaLnBrk="1" fontAlgn="base" latinLnBrk="0" hangingPunct="1">
+                        <a:lnSpc>
+                          <a:spcPct val="100000"/>
+                        </a:lnSpc>
+                        <a:spcBef>
+                          <a:spcPct val="0"/>
+                        </a:spcBef>
+                        <a:spcAft>
+                          <a:spcPct val="0"/>
+                        </a:spcAft>
+                        <a:buClrTx/>
+                        <a:buSzTx/>
+                        <a:buFontTx/>
+                        <a:buNone/>
+                        <a:tabLst/>
+                      </a:pPr>
+                      <a:endParaRPr kumimoji="0" lang="en-CA" altLang="ja-JP" sz="1800" b="0" i="0" u="none" strike="noStrike" cap="none" normalizeH="0" baseline="0" smtClean="0">
+                        <a:ln>
+                          <a:noFill/>
+                        </a:ln>
+                        <a:solidFill>
+                          <a:srgbClr val="000000"/>
+                        </a:solidFill>
+                        <a:effectLst/>
+                        <a:latin typeface="Calibri" pitchFamily="34" charset="0"/>
+                        <a:ea typeface="ＭＳ Ｐゴシック" charset="-128"/>
+                      </a:endParaRPr>
+                    </a:p>
+                  </a:txBody>
+                  <a:tcPr horzOverflow="overflow">
+                    <a:lnL w="12700" cap="flat" cmpd="sng" algn="ctr">
+                      <a:solidFill>
+                        <a:schemeClr val="bg1"/>
+                      </a:solidFill>
+                      <a:prstDash val="solid"/>
+                      <a:round/>
+                      <a:headEnd type="none" w="med" len="med"/>
+                      <a:tailEnd type="none" w="med" len="med"/>
+                    </a:lnL>
+                    <a:lnR w="12700" cap="flat" cmpd="sng" algn="ctr">
+                      <a:solidFill>
+                        <a:schemeClr val="bg1"/>
+                      </a:solidFill>
+                      <a:prstDash val="solid"/>
+                      <a:round/>
+                      <a:headEnd type="none" w="med" len="med"/>
+                      <a:tailEnd type="none" w="med" len="med"/>
+                    </a:lnR>
+                    <a:lnT w="12700" cap="flat" cmpd="sng" algn="ctr">
+                      <a:solidFill>
+                        <a:schemeClr val="bg1"/>
+                      </a:solidFill>
+                      <a:prstDash val="solid"/>
+                      <a:round/>
+                      <a:headEnd type="none" w="med" len="med"/>
+                      <a:tailEnd type="none" w="med" len="med"/>
+                    </a:lnT>
+                    <a:lnB w="12700" cap="flat" cmpd="sng" algn="ctr">
+                      <a:solidFill>
+                        <a:schemeClr val="bg1"/>
+                      </a:solidFill>
+                      <a:prstDash val="solid"/>
+                      <a:round/>
+                      <a:headEnd type="none" w="med" len="med"/>
+                      <a:tailEnd type="none" w="med" len="med"/>
+                    </a:lnB>
+                    <a:lnTlToBr>
+                      <a:noFill/>
+                    </a:lnTlToBr>
+                    <a:lnBlToTr>
+                      <a:noFill/>
+                    </a:lnBlToTr>
+                    <a:solidFill>
+                      <a:srgbClr val="D0D8E8"/>
+                    </a:solidFill>
+                  </a:tcPr>
+                </a:tc>
+                <a:tc>
+                  <a:txBody>
+                    <a:bodyPr/>
+                    <a:lstStyle/>
+                    <a:p>
+                      <a:pPr marL="0" marR="0" lvl="0" indent="0" algn="l" defTabSz="914400" rtl="0" eaLnBrk="1" fontAlgn="base" latinLnBrk="0" hangingPunct="1">
+                        <a:lnSpc>
+                          <a:spcPct val="100000"/>
+                        </a:lnSpc>
+                        <a:spcBef>
+                          <a:spcPct val="0"/>
+                        </a:spcBef>
+                        <a:spcAft>
+                          <a:spcPct val="0"/>
+                        </a:spcAft>
+                        <a:buClrTx/>
+                        <a:buSzTx/>
+                        <a:buFontTx/>
+                        <a:buNone/>
+                        <a:tabLst/>
+                      </a:pPr>
+                      <a:endParaRPr kumimoji="0" lang="en-CA" altLang="ja-JP" sz="1800" b="0" i="0" u="none" strike="noStrike" cap="none" normalizeH="0" baseline="0" smtClean="0">
+                        <a:ln>
+                          <a:noFill/>
+                        </a:ln>
+                        <a:solidFill>
+                          <a:srgbClr val="000000"/>
+                        </a:solidFill>
+                        <a:effectLst/>
+                        <a:latin typeface="Calibri" pitchFamily="34" charset="0"/>
+                        <a:ea typeface="ＭＳ Ｐゴシック" charset="-128"/>
+                      </a:endParaRPr>
+                    </a:p>
+                  </a:txBody>
+                  <a:tcPr horzOverflow="overflow">
+                    <a:lnL w="12700" cap="flat" cmpd="sng" algn="ctr">
+                      <a:solidFill>
+                        <a:schemeClr val="bg1"/>
+                      </a:solidFill>
+                      <a:prstDash val="solid"/>
+                      <a:round/>
+                      <a:headEnd type="none" w="med" len="med"/>
+                      <a:tailEnd type="none" w="med" len="med"/>
+                    </a:lnL>
+                    <a:lnR w="12700" cap="flat" cmpd="sng" algn="ctr">
+                      <a:solidFill>
+                        <a:schemeClr val="bg1"/>
+                      </a:solidFill>
+                      <a:prstDash val="solid"/>
+                      <a:round/>
+                      <a:headEnd type="none" w="med" len="med"/>
+                      <a:tailEnd type="none" w="med" len="med"/>
+                    </a:lnR>
+                    <a:lnT w="12700" cap="flat" cmpd="sng" algn="ctr">
+                      <a:solidFill>
+                        <a:schemeClr val="bg1"/>
+                      </a:solidFill>
+                      <a:prstDash val="solid"/>
+                      <a:round/>
+                      <a:headEnd type="none" w="med" len="med"/>
+                      <a:tailEnd type="none" w="med" len="med"/>
+                    </a:lnT>
+                    <a:lnB w="12700" cap="flat" cmpd="sng" algn="ctr">
+                      <a:solidFill>
+                        <a:schemeClr val="bg1"/>
+                      </a:solidFill>
+                      <a:prstDash val="solid"/>
+                      <a:round/>
+                      <a:headEnd type="none" w="med" len="med"/>
+                      <a:tailEnd type="none" w="med" len="med"/>
+                    </a:lnB>
+                    <a:lnTlToBr>
+                      <a:noFill/>
+                    </a:lnTlToBr>
+                    <a:lnBlToTr>
+                      <a:noFill/>
+                    </a:lnBlToTr>
+                    <a:solidFill>
+                      <a:srgbClr val="D0D8E8"/>
+                    </a:solidFill>
+                  </a:tcPr>
+                </a:tc>
+              </a:tr>
+              <a:tr h="371475">
+                <a:tc>
+                  <a:txBody>
+                    <a:bodyPr/>
+                    <a:lstStyle/>
+                    <a:p>
+                      <a:pPr marL="0" marR="0" lvl="0" indent="0" algn="l" defTabSz="914400" rtl="0" eaLnBrk="1" fontAlgn="base" latinLnBrk="0" hangingPunct="1">
+                        <a:lnSpc>
+                          <a:spcPct val="100000"/>
+                        </a:lnSpc>
+                        <a:spcBef>
+                          <a:spcPct val="0"/>
+                        </a:spcBef>
+                        <a:spcAft>
+                          <a:spcPct val="0"/>
+                        </a:spcAft>
+                        <a:buClrTx/>
+                        <a:buSzTx/>
+                        <a:buFontTx/>
+                        <a:buNone/>
+                        <a:tabLst/>
+                      </a:pPr>
+                      <a:endParaRPr kumimoji="0" lang="en-CA" altLang="ja-JP" sz="1800" b="0" i="0" u="none" strike="noStrike" cap="none" normalizeH="0" baseline="0" smtClean="0">
+                        <a:ln>
+                          <a:noFill/>
+                        </a:ln>
+                        <a:solidFill>
+                          <a:srgbClr val="000000"/>
+                        </a:solidFill>
+                        <a:effectLst/>
+                        <a:latin typeface="Calibri" pitchFamily="34" charset="0"/>
+                        <a:ea typeface="ＭＳ Ｐゴシック" charset="-128"/>
+                      </a:endParaRPr>
+                    </a:p>
+                  </a:txBody>
+                  <a:tcPr horzOverflow="overflow">
+                    <a:lnL w="12700" cap="flat" cmpd="sng" algn="ctr">
+                      <a:solidFill>
+                        <a:schemeClr val="bg1"/>
+                      </a:solidFill>
+                      <a:prstDash val="solid"/>
+                      <a:round/>
+                      <a:headEnd type="none" w="med" len="med"/>
+                      <a:tailEnd type="none" w="med" len="med"/>
+                    </a:lnL>
+                    <a:lnR w="12700" cap="flat" cmpd="sng" algn="ctr">
+                      <a:solidFill>
+                        <a:schemeClr val="bg1"/>
+                      </a:solidFill>
+                      <a:prstDash val="solid"/>
+                      <a:round/>
+                      <a:headEnd type="none" w="med" len="med"/>
+                      <a:tailEnd type="none" w="med" len="med"/>
+                    </a:lnR>
+                    <a:lnT w="12700" cap="flat" cmpd="sng" algn="ctr">
+                      <a:solidFill>
+                        <a:schemeClr val="bg1"/>
+                      </a:solidFill>
+                      <a:prstDash val="solid"/>
+                      <a:round/>
+                      <a:headEnd type="none" w="med" len="med"/>
+                      <a:tailEnd type="none" w="med" len="med"/>
+                    </a:lnT>
+                    <a:lnB w="12700" cap="flat" cmpd="sng" algn="ctr">
+                      <a:solidFill>
+                        <a:schemeClr val="bg1"/>
+                      </a:solidFill>
+                      <a:prstDash val="solid"/>
+                      <a:round/>
+                      <a:headEnd type="none" w="med" len="med"/>
+                      <a:tailEnd type="none" w="med" len="med"/>
+                    </a:lnB>
+                    <a:lnTlToBr>
+                      <a:noFill/>
+                    </a:lnTlToBr>
+                    <a:lnBlToTr>
+                      <a:noFill/>
+                    </a:lnBlToTr>
+                    <a:solidFill>
+                      <a:srgbClr val="E9EDF4"/>
+                    </a:solidFill>
+                  </a:tcPr>
+                </a:tc>
+                <a:tc>
+                  <a:txBody>
+                    <a:bodyPr/>
+                    <a:lstStyle/>
+                    <a:p>
+                      <a:pPr marL="0" marR="0" lvl="0" indent="0" algn="l" defTabSz="914400" rtl="0" eaLnBrk="1" fontAlgn="base" latinLnBrk="0" hangingPunct="1">
+                        <a:lnSpc>
+                          <a:spcPct val="100000"/>
+                        </a:lnSpc>
+                        <a:spcBef>
+                          <a:spcPct val="0"/>
+                        </a:spcBef>
+                        <a:spcAft>
+                          <a:spcPct val="0"/>
+                        </a:spcAft>
+                        <a:buClrTx/>
+                        <a:buSzTx/>
+                        <a:buFontTx/>
+                        <a:buNone/>
+                        <a:tabLst/>
+                      </a:pPr>
+                      <a:endParaRPr kumimoji="0" lang="en-CA" altLang="ja-JP" sz="1800" b="0" i="0" u="none" strike="noStrike" cap="none" normalizeH="0" baseline="0" smtClean="0">
+                        <a:ln>
+                          <a:noFill/>
+                        </a:ln>
+                        <a:solidFill>
+                          <a:srgbClr val="000000"/>
+                        </a:solidFill>
+                        <a:effectLst/>
+                        <a:latin typeface="Calibri" pitchFamily="34" charset="0"/>
+                        <a:ea typeface="ＭＳ Ｐゴシック" charset="-128"/>
+                      </a:endParaRPr>
+                    </a:p>
+                  </a:txBody>
+                  <a:tcPr horzOverflow="overflow">
+                    <a:lnL w="12700" cap="flat" cmpd="sng" algn="ctr">
+                      <a:solidFill>
+                        <a:schemeClr val="bg1"/>
+                      </a:solidFill>
+                      <a:prstDash val="solid"/>
+                      <a:round/>
+                      <a:headEnd type="none" w="med" len="med"/>
+                      <a:tailEnd type="none" w="med" len="med"/>
+                    </a:lnL>
+                    <a:lnR w="12700" cap="flat" cmpd="sng" algn="ctr">
+                      <a:solidFill>
+                        <a:schemeClr val="bg1"/>
+                      </a:solidFill>
+                      <a:prstDash val="solid"/>
+                      <a:round/>
+                      <a:headEnd type="none" w="med" len="med"/>
+                      <a:tailEnd type="none" w="med" len="med"/>
+                    </a:lnR>
+                    <a:lnT w="12700" cap="flat" cmpd="sng" algn="ctr">
+                      <a:solidFill>
+                        <a:schemeClr val="bg1"/>
+                      </a:solidFill>
+                      <a:prstDash val="solid"/>
+                      <a:round/>
+                      <a:headEnd type="none" w="med" len="med"/>
+                      <a:tailEnd type="none" w="med" len="med"/>
+                    </a:lnT>
+                    <a:lnB w="12700" cap="flat" cmpd="sng" algn="ctr">
+                      <a:solidFill>
+                        <a:schemeClr val="bg1"/>
+                      </a:solidFill>
+                      <a:prstDash val="solid"/>
+                      <a:round/>
+                      <a:headEnd type="none" w="med" len="med"/>
+                      <a:tailEnd type="none" w="med" len="med"/>
+                    </a:lnB>
+                    <a:lnTlToBr>
+                      <a:noFill/>
+                    </a:lnTlToBr>
+                    <a:lnBlToTr>
+                      <a:noFill/>
+                    </a:lnBlToTr>
+                    <a:solidFill>
+                      <a:srgbClr val="E9EDF4"/>
+                    </a:solidFill>
+                  </a:tcPr>
+                </a:tc>
+                <a:tc>
+                  <a:txBody>
+                    <a:bodyPr/>
+                    <a:lstStyle/>
+                    <a:p>
+                      <a:pPr marL="0" marR="0" lvl="0" indent="0" algn="l" defTabSz="914400" rtl="0" eaLnBrk="1" fontAlgn="base" latinLnBrk="0" hangingPunct="1">
+                        <a:lnSpc>
+                          <a:spcPct val="100000"/>
+                        </a:lnSpc>
+                        <a:spcBef>
+                          <a:spcPct val="0"/>
+                        </a:spcBef>
+                        <a:spcAft>
+                          <a:spcPct val="0"/>
+                        </a:spcAft>
+                        <a:buClrTx/>
+                        <a:buSzTx/>
+                        <a:buFontTx/>
+                        <a:buNone/>
+                        <a:tabLst/>
+                      </a:pPr>
+                      <a:endParaRPr kumimoji="0" lang="en-CA" altLang="ja-JP" sz="1800" b="0" i="0" u="none" strike="noStrike" cap="none" normalizeH="0" baseline="0" smtClean="0">
+                        <a:ln>
+                          <a:noFill/>
+                        </a:ln>
+                        <a:solidFill>
+                          <a:srgbClr val="000000"/>
+                        </a:solidFill>
+                        <a:effectLst/>
+                        <a:latin typeface="Calibri" pitchFamily="34" charset="0"/>
+                        <a:ea typeface="ＭＳ Ｐゴシック" charset="-128"/>
+                      </a:endParaRPr>
+                    </a:p>
+                  </a:txBody>
+                  <a:tcPr horzOverflow="overflow">
+                    <a:lnL w="12700" cap="flat" cmpd="sng" algn="ctr">
+                      <a:solidFill>
+                        <a:schemeClr val="bg1"/>
+                      </a:solidFill>
+                      <a:prstDash val="solid"/>
+                      <a:round/>
+                      <a:headEnd type="none" w="med" len="med"/>
+                      <a:tailEnd type="none" w="med" len="med"/>
+                    </a:lnL>
+                    <a:lnR w="12700" cap="flat" cmpd="sng" algn="ctr">
+                      <a:solidFill>
+                        <a:schemeClr val="bg1"/>
+                      </a:solidFill>
+                      <a:prstDash val="solid"/>
+                      <a:round/>
+                      <a:headEnd type="none" w="med" len="med"/>
+                      <a:tailEnd type="none" w="med" len="med"/>
+                    </a:lnR>
+                    <a:lnT w="12700" cap="flat" cmpd="sng" algn="ctr">
+                      <a:solidFill>
+                        <a:schemeClr val="bg1"/>
+                      </a:solidFill>
+                      <a:prstDash val="solid"/>
+                      <a:round/>
+                      <a:headEnd type="none" w="med" len="med"/>
+                      <a:tailEnd type="none" w="med" len="med"/>
+                    </a:lnT>
+                    <a:lnB w="12700" cap="flat" cmpd="sng" algn="ctr">
+                      <a:solidFill>
+                        <a:schemeClr val="bg1"/>
+                      </a:solidFill>
+                      <a:prstDash val="solid"/>
+                      <a:round/>
+                      <a:headEnd type="none" w="med" len="med"/>
+                      <a:tailEnd type="none" w="med" len="med"/>
+                    </a:lnB>
+                    <a:lnTlToBr>
+                      <a:noFill/>
+                    </a:lnTlToBr>
+                    <a:lnBlToTr>
+                      <a:noFill/>
+                    </a:lnBlToTr>
+                    <a:solidFill>
+                      <a:srgbClr val="E9EDF4"/>
+                    </a:solidFill>
+                  </a:tcPr>
+                </a:tc>
+              </a:tr>
+              <a:tr h="371475">
+                <a:tc>
+                  <a:txBody>
+                    <a:bodyPr/>
+                    <a:lstStyle/>
+                    <a:p>
+                      <a:pPr marL="0" marR="0" lvl="0" indent="0" algn="l" defTabSz="914400" rtl="0" eaLnBrk="1" fontAlgn="base" latinLnBrk="0" hangingPunct="1">
+                        <a:lnSpc>
+                          <a:spcPct val="100000"/>
+                        </a:lnSpc>
+                        <a:spcBef>
+                          <a:spcPct val="0"/>
+                        </a:spcBef>
+                        <a:spcAft>
+                          <a:spcPct val="0"/>
+                        </a:spcAft>
+                        <a:buClrTx/>
+                        <a:buSzTx/>
+                        <a:buFontTx/>
+                        <a:buNone/>
+                        <a:tabLst/>
+                      </a:pPr>
+                      <a:endParaRPr kumimoji="0" lang="en-CA" altLang="ja-JP" sz="1800" b="0" i="0" u="none" strike="noStrike" cap="none" normalizeH="0" baseline="0" smtClean="0">
+                        <a:ln>
+                          <a:noFill/>
+                        </a:ln>
+                        <a:solidFill>
+                          <a:srgbClr val="000000"/>
+                        </a:solidFill>
+                        <a:effectLst/>
+                        <a:latin typeface="Calibri" pitchFamily="34" charset="0"/>
+                        <a:ea typeface="ＭＳ Ｐゴシック" charset="-128"/>
+                      </a:endParaRPr>
+                    </a:p>
+                  </a:txBody>
+                  <a:tcPr horzOverflow="overflow">
+                    <a:lnL w="12700" cap="flat" cmpd="sng" algn="ctr">
+                      <a:solidFill>
+                        <a:schemeClr val="bg1"/>
+                      </a:solidFill>
+                      <a:prstDash val="solid"/>
+                      <a:round/>
+                      <a:headEnd type="none" w="med" len="med"/>
+                      <a:tailEnd type="none" w="med" len="med"/>
+                    </a:lnL>
+                    <a:lnR w="12700" cap="flat" cmpd="sng" algn="ctr">
+                      <a:solidFill>
+                        <a:schemeClr val="bg1"/>
+                      </a:solidFill>
+                      <a:prstDash val="solid"/>
+                      <a:round/>
+                      <a:headEnd type="none" w="med" len="med"/>
+                      <a:tailEnd type="none" w="med" len="med"/>
+                    </a:lnR>
+                    <a:lnT w="12700" cap="flat" cmpd="sng" algn="ctr">
+                      <a:solidFill>
+                        <a:schemeClr val="bg1"/>
+                      </a:solidFill>
+                      <a:prstDash val="solid"/>
+                      <a:round/>
+                      <a:headEnd type="none" w="med" len="med"/>
+                      <a:tailEnd type="none" w="med" len="med"/>
+                    </a:lnT>
+                    <a:lnB w="12700" cap="flat" cmpd="sng" algn="ctr">
+                      <a:solidFill>
+                        <a:schemeClr val="bg1"/>
+                      </a:solidFill>
+                      <a:prstDash val="solid"/>
+                      <a:round/>
+                      <a:headEnd type="none" w="med" len="med"/>
+                      <a:tailEnd type="none" w="med" len="med"/>
+                    </a:lnB>
+                    <a:lnTlToBr>
+                      <a:noFill/>
+                    </a:lnTlToBr>
+                    <a:lnBlToTr>
+                      <a:noFill/>
+                    </a:lnBlToTr>
+                    <a:solidFill>
+                      <a:srgbClr val="D0D8E8"/>
+                    </a:solidFill>
+                  </a:tcPr>
+                </a:tc>
+                <a:tc>
+                  <a:txBody>
+                    <a:bodyPr/>
+                    <a:lstStyle/>
+                    <a:p>
+                      <a:pPr marL="0" marR="0" lvl="0" indent="0" algn="l" defTabSz="914400" rtl="0" eaLnBrk="1" fontAlgn="base" latinLnBrk="0" hangingPunct="1">
+                        <a:lnSpc>
+                          <a:spcPct val="100000"/>
+                        </a:lnSpc>
+                        <a:spcBef>
+                          <a:spcPct val="0"/>
+                        </a:spcBef>
+                        <a:spcAft>
+                          <a:spcPct val="0"/>
+                        </a:spcAft>
+                        <a:buClrTx/>
+                        <a:buSzTx/>
+                        <a:buFontTx/>
+                        <a:buNone/>
+                        <a:tabLst/>
+                      </a:pPr>
+                      <a:endParaRPr kumimoji="0" lang="en-CA" altLang="ja-JP" sz="1800" b="0" i="0" u="none" strike="noStrike" cap="none" normalizeH="0" baseline="0" smtClean="0">
+                        <a:ln>
+                          <a:noFill/>
+                        </a:ln>
+                        <a:solidFill>
+                          <a:srgbClr val="000000"/>
+                        </a:solidFill>
+                        <a:effectLst/>
+                        <a:latin typeface="Calibri" pitchFamily="34" charset="0"/>
+                        <a:ea typeface="ＭＳ Ｐゴシック" charset="-128"/>
+                      </a:endParaRPr>
+                    </a:p>
+                  </a:txBody>
+                  <a:tcPr horzOverflow="overflow">
+                    <a:lnL w="12700" cap="flat" cmpd="sng" algn="ctr">
+                      <a:solidFill>
+                        <a:schemeClr val="bg1"/>
+                      </a:solidFill>
+                      <a:prstDash val="solid"/>
+                      <a:round/>
+                      <a:headEnd type="none" w="med" len="med"/>
+                      <a:tailEnd type="none" w="med" len="med"/>
+                    </a:lnL>
+                    <a:lnR w="12700" cap="flat" cmpd="sng" algn="ctr">
+                      <a:solidFill>
+                        <a:schemeClr val="bg1"/>
+                      </a:solidFill>
+                      <a:prstDash val="solid"/>
+                      <a:round/>
+                      <a:headEnd type="none" w="med" len="med"/>
+                      <a:tailEnd type="none" w="med" len="med"/>
+                    </a:lnR>
+                    <a:lnT w="12700" cap="flat" cmpd="sng" algn="ctr">
+                      <a:solidFill>
+                        <a:schemeClr val="bg1"/>
+                      </a:solidFill>
+                      <a:prstDash val="solid"/>
+                      <a:round/>
+                      <a:headEnd type="none" w="med" len="med"/>
+                      <a:tailEnd type="none" w="med" len="med"/>
+                    </a:lnT>
+                    <a:lnB w="12700" cap="flat" cmpd="sng" algn="ctr">
+                      <a:solidFill>
+                        <a:schemeClr val="bg1"/>
+                      </a:solidFill>
+                      <a:prstDash val="solid"/>
+                      <a:round/>
+                      <a:headEnd type="none" w="med" len="med"/>
+                      <a:tailEnd type="none" w="med" len="med"/>
+                    </a:lnB>
+                    <a:lnTlToBr>
+                      <a:noFill/>
+                    </a:lnTlToBr>
+                    <a:lnBlToTr>
+                      <a:noFill/>
+                    </a:lnBlToTr>
+                    <a:solidFill>
+                      <a:srgbClr val="D0D8E8"/>
+                    </a:solidFill>
+                  </a:tcPr>
+                </a:tc>
+                <a:tc>
+                  <a:txBody>
+                    <a:bodyPr/>
+                    <a:lstStyle/>
+                    <a:p>
+                      <a:pPr marL="0" marR="0" lvl="0" indent="0" algn="l" defTabSz="914400" rtl="0" eaLnBrk="1" fontAlgn="base" latinLnBrk="0" hangingPunct="1">
+                        <a:lnSpc>
+                          <a:spcPct val="100000"/>
+                        </a:lnSpc>
+                        <a:spcBef>
+                          <a:spcPct val="0"/>
+                        </a:spcBef>
+                        <a:spcAft>
+                          <a:spcPct val="0"/>
+                        </a:spcAft>
+                        <a:buClrTx/>
+                        <a:buSzTx/>
+                        <a:buFontTx/>
+                        <a:buNone/>
+                        <a:tabLst/>
+                      </a:pPr>
+                      <a:endParaRPr kumimoji="0" lang="en-CA" altLang="ja-JP" sz="1800" b="0" i="0" u="none" strike="noStrike" cap="none" normalizeH="0" baseline="0" smtClean="0">
+                        <a:ln>
+                          <a:noFill/>
+                        </a:ln>
+                        <a:solidFill>
+                          <a:srgbClr val="000000"/>
+                        </a:solidFill>
+                        <a:effectLst/>
+                        <a:latin typeface="Calibri" pitchFamily="34" charset="0"/>
+                        <a:ea typeface="ＭＳ Ｐゴシック" charset="-128"/>
+                      </a:endParaRPr>
+                    </a:p>
+                  </a:txBody>
+                  <a:tcPr horzOverflow="overflow">
+                    <a:lnL w="12700" cap="flat" cmpd="sng" algn="ctr">
+                      <a:solidFill>
+                        <a:schemeClr val="bg1"/>
+                      </a:solidFill>
+                      <a:prstDash val="solid"/>
+                      <a:round/>
+                      <a:headEnd type="none" w="med" len="med"/>
+                      <a:tailEnd type="none" w="med" len="med"/>
+                    </a:lnL>
+                    <a:lnR w="12700" cap="flat" cmpd="sng" algn="ctr">
+                      <a:solidFill>
+                        <a:schemeClr val="bg1"/>
+                      </a:solidFill>
+                      <a:prstDash val="solid"/>
+                      <a:round/>
+                      <a:headEnd type="none" w="med" len="med"/>
+                      <a:tailEnd type="none" w="med" len="med"/>
+                    </a:lnR>
+                    <a:lnT w="12700" cap="flat" cmpd="sng" algn="ctr">
+                      <a:solidFill>
+                        <a:schemeClr val="bg1"/>
+                      </a:solidFill>
+                      <a:prstDash val="solid"/>
+                      <a:round/>
+                      <a:headEnd type="none" w="med" len="med"/>
+                      <a:tailEnd type="none" w="med" len="med"/>
+                    </a:lnT>
+                    <a:lnB w="12700" cap="flat" cmpd="sng" algn="ctr">
+                      <a:solidFill>
+                        <a:schemeClr val="bg1"/>
+                      </a:solidFill>
+                      <a:prstDash val="solid"/>
+                      <a:round/>
+                      <a:headEnd type="none" w="med" len="med"/>
+                      <a:tailEnd type="none" w="med" len="med"/>
+                    </a:lnB>
+                    <a:lnTlToBr>
+                      <a:noFill/>
+                    </a:lnTlToBr>
+                    <a:lnBlToTr>
+                      <a:noFill/>
+                    </a:lnBlToTr>
+                    <a:solidFill>
+                      <a:srgbClr val="D0D8E8"/>
+                    </a:solidFill>
+                  </a:tcPr>
+                </a:tc>
+              </a:tr>
+              <a:tr h="371475">
+                <a:tc>
+                  <a:txBody>
+                    <a:bodyPr/>
+                    <a:lstStyle/>
+                    <a:p>
+                      <a:pPr marL="0" marR="0" lvl="0" indent="0" algn="l" defTabSz="914400" rtl="0" eaLnBrk="1" fontAlgn="base" latinLnBrk="0" hangingPunct="1">
+                        <a:lnSpc>
+                          <a:spcPct val="100000"/>
+                        </a:lnSpc>
+                        <a:spcBef>
+                          <a:spcPct val="0"/>
+                        </a:spcBef>
+                        <a:spcAft>
+                          <a:spcPct val="0"/>
+                        </a:spcAft>
+                        <a:buClrTx/>
+                        <a:buSzTx/>
+                        <a:buFontTx/>
+                        <a:buNone/>
+                        <a:tabLst/>
+                      </a:pPr>
+                      <a:endParaRPr kumimoji="0" lang="en-CA" altLang="ja-JP" sz="1800" b="0" i="0" u="none" strike="noStrike" cap="none" normalizeH="0" baseline="0" smtClean="0">
+                        <a:ln>
+                          <a:noFill/>
+                        </a:ln>
+                        <a:solidFill>
+                          <a:srgbClr val="000000"/>
+                        </a:solidFill>
+                        <a:effectLst/>
+                        <a:latin typeface="Calibri" pitchFamily="34" charset="0"/>
+                        <a:ea typeface="ＭＳ Ｐゴシック" charset="-128"/>
+                      </a:endParaRPr>
+                    </a:p>
+                  </a:txBody>
+                  <a:tcPr horzOverflow="overflow">
+                    <a:lnL w="12700" cap="flat" cmpd="sng" algn="ctr">
+                      <a:solidFill>
+                        <a:schemeClr val="bg1"/>
+                      </a:solidFill>
+                      <a:prstDash val="solid"/>
+                      <a:round/>
+                      <a:headEnd type="none" w="med" len="med"/>
+                      <a:tailEnd type="none" w="med" len="med"/>
+                    </a:lnL>
+                    <a:lnR w="12700" cap="flat" cmpd="sng" algn="ctr">
+                      <a:solidFill>
+                        <a:schemeClr val="bg1"/>
+                      </a:solidFill>
+                      <a:prstDash val="solid"/>
+                      <a:round/>
+                      <a:headEnd type="none" w="med" len="med"/>
+                      <a:tailEnd type="none" w="med" len="med"/>
+                    </a:lnR>
+                    <a:lnT w="12700" cap="flat" cmpd="sng" algn="ctr">
+                      <a:solidFill>
+                        <a:schemeClr val="bg1"/>
+                      </a:solidFill>
+                      <a:prstDash val="solid"/>
+                      <a:round/>
+                      <a:headEnd type="none" w="med" len="med"/>
+                      <a:tailEnd type="none" w="med" len="med"/>
+                    </a:lnT>
+                    <a:lnB w="12700" cap="flat" cmpd="sng" algn="ctr">
+                      <a:solidFill>
+                        <a:schemeClr val="bg1"/>
+                      </a:solidFill>
+                      <a:prstDash val="solid"/>
+                      <a:round/>
+                      <a:headEnd type="none" w="med" len="med"/>
+                      <a:tailEnd type="none" w="med" len="med"/>
+                    </a:lnB>
+                    <a:lnTlToBr>
+                      <a:noFill/>
+                    </a:lnTlToBr>
+                    <a:lnBlToTr>
+                      <a:noFill/>
+                    </a:lnBlToTr>
+                    <a:solidFill>
+                      <a:srgbClr val="E9EDF4"/>
+                    </a:solidFill>
+                  </a:tcPr>
+                </a:tc>
+                <a:tc>
+                  <a:txBody>
+                    <a:bodyPr/>
+                    <a:lstStyle/>
+                    <a:p>
+                      <a:pPr marL="0" marR="0" lvl="0" indent="0" algn="l" defTabSz="914400" rtl="0" eaLnBrk="1" fontAlgn="base" latinLnBrk="0" hangingPunct="1">
+                        <a:lnSpc>
+                          <a:spcPct val="100000"/>
+                        </a:lnSpc>
+                        <a:spcBef>
+                          <a:spcPct val="0"/>
+                        </a:spcBef>
+                        <a:spcAft>
+                          <a:spcPct val="0"/>
+                        </a:spcAft>
+                        <a:buClrTx/>
+                        <a:buSzTx/>
+                        <a:buFontTx/>
+                        <a:buNone/>
+                        <a:tabLst/>
+                      </a:pPr>
+                      <a:endParaRPr kumimoji="0" lang="en-CA" altLang="ja-JP" sz="1800" b="0" i="0" u="none" strike="noStrike" cap="none" normalizeH="0" baseline="0" smtClean="0">
+                        <a:ln>
+                          <a:noFill/>
+                        </a:ln>
+                        <a:solidFill>
+                          <a:srgbClr val="000000"/>
+                        </a:solidFill>
+                        <a:effectLst/>
+                        <a:latin typeface="Calibri" pitchFamily="34" charset="0"/>
+                        <a:ea typeface="ＭＳ Ｐゴシック" charset="-128"/>
+                      </a:endParaRPr>
+                    </a:p>
+                  </a:txBody>
+                  <a:tcPr horzOverflow="overflow">
+                    <a:lnL w="12700" cap="flat" cmpd="sng" algn="ctr">
+                      <a:solidFill>
+                        <a:schemeClr val="bg1"/>
+                      </a:solidFill>
+                      <a:prstDash val="solid"/>
+                      <a:round/>
+                      <a:headEnd type="none" w="med" len="med"/>
+                      <a:tailEnd type="none" w="med" len="med"/>
+                    </a:lnL>
+                    <a:lnR w="12700" cap="flat" cmpd="sng" algn="ctr">
+                      <a:solidFill>
+                        <a:schemeClr val="bg1"/>
+                      </a:solidFill>
+                      <a:prstDash val="solid"/>
+                      <a:round/>
+                      <a:headEnd type="none" w="med" len="med"/>
+                      <a:tailEnd type="none" w="med" len="med"/>
+                    </a:lnR>
+                    <a:lnT w="12700" cap="flat" cmpd="sng" algn="ctr">
+                      <a:solidFill>
+                        <a:schemeClr val="bg1"/>
+                      </a:solidFill>
+                      <a:prstDash val="solid"/>
+                      <a:round/>
+                      <a:headEnd type="none" w="med" len="med"/>
+                      <a:tailEnd type="none" w="med" len="med"/>
+                    </a:lnT>
+                    <a:lnB w="12700" cap="flat" cmpd="sng" algn="ctr">
+                      <a:solidFill>
+                        <a:schemeClr val="bg1"/>
+                      </a:solidFill>
+                      <a:prstDash val="solid"/>
+                      <a:round/>
+                      <a:headEnd type="none" w="med" len="med"/>
+                      <a:tailEnd type="none" w="med" len="med"/>
+                    </a:lnB>
+                    <a:lnTlToBr>
+                      <a:noFill/>
+                    </a:lnTlToBr>
+                    <a:lnBlToTr>
+                      <a:noFill/>
+                    </a:lnBlToTr>
+                    <a:solidFill>
+                      <a:srgbClr val="E9EDF4"/>
+                    </a:solidFill>
+                  </a:tcPr>
+                </a:tc>
+                <a:tc>
+                  <a:txBody>
+                    <a:bodyPr/>
+                    <a:lstStyle/>
+                    <a:p>
+                      <a:pPr marL="0" marR="0" lvl="0" indent="0" algn="l" defTabSz="914400" rtl="0" eaLnBrk="1" fontAlgn="base" latinLnBrk="0" hangingPunct="1">
+                        <a:lnSpc>
+                          <a:spcPct val="100000"/>
+                        </a:lnSpc>
+                        <a:spcBef>
+                          <a:spcPct val="0"/>
+                        </a:spcBef>
+                        <a:spcAft>
+                          <a:spcPct val="0"/>
+                        </a:spcAft>
+                        <a:buClrTx/>
+                        <a:buSzTx/>
+                        <a:buFontTx/>
+                        <a:buNone/>
+                        <a:tabLst/>
+                      </a:pPr>
+                      <a:endParaRPr kumimoji="0" lang="en-CA" altLang="ja-JP" sz="1800" b="0" i="0" u="none" strike="noStrike" cap="none" normalizeH="0" baseline="0" smtClean="0">
+                        <a:ln>
+                          <a:noFill/>
+                        </a:ln>
+                        <a:solidFill>
+                          <a:srgbClr val="000000"/>
+                        </a:solidFill>
+                        <a:effectLst/>
+                        <a:latin typeface="Calibri" pitchFamily="34" charset="0"/>
+                        <a:ea typeface="ＭＳ Ｐゴシック" charset="-128"/>
+                      </a:endParaRPr>
+                    </a:p>
+                  </a:txBody>
+                  <a:tcPr horzOverflow="overflow">
+                    <a:lnL w="12700" cap="flat" cmpd="sng" algn="ctr">
+                      <a:solidFill>
+                        <a:schemeClr val="bg1"/>
+                      </a:solidFill>
+                      <a:prstDash val="solid"/>
+                      <a:round/>
+                      <a:headEnd type="none" w="med" len="med"/>
+                      <a:tailEnd type="none" w="med" len="med"/>
+                    </a:lnL>
+                    <a:lnR w="12700" cap="flat" cmpd="sng" algn="ctr">
+                      <a:solidFill>
+                        <a:schemeClr val="bg1"/>
+                      </a:solidFill>
+                      <a:prstDash val="solid"/>
+                      <a:round/>
+                      <a:headEnd type="none" w="med" len="med"/>
+                      <a:tailEnd type="none" w="med" len="med"/>
+                    </a:lnR>
+                    <a:lnT w="12700" cap="flat" cmpd="sng" algn="ctr">
+                      <a:solidFill>
+                        <a:schemeClr val="bg1"/>
+                      </a:solidFill>
+                      <a:prstDash val="solid"/>
+                      <a:round/>
+                      <a:headEnd type="none" w="med" len="med"/>
+                      <a:tailEnd type="none" w="med" len="med"/>
+                    </a:lnT>
+                    <a:lnB w="12700" cap="flat" cmpd="sng" algn="ctr">
+                      <a:solidFill>
+                        <a:schemeClr val="bg1"/>
+                      </a:solidFill>
+                      <a:prstDash val="solid"/>
+                      <a:round/>
+                      <a:headEnd type="none" w="med" len="med"/>
+                      <a:tailEnd type="none" w="med" len="med"/>
+                    </a:lnB>
+                    <a:lnTlToBr>
+                      <a:noFill/>
+                    </a:lnTlToBr>
+                    <a:lnBlToTr>
+                      <a:noFill/>
+                    </a:lnBlToTr>
+                    <a:solidFill>
+                      <a:srgbClr val="E9EDF4"/>
+                    </a:solidFill>
+                  </a:tcPr>
+                </a:tc>
+              </a:tr>
+            </a:tbl>
+          </a:graphicData>
+        </a:graphic>
+      </p:graphicFrame>
     </p:spTree>
   </p:cSld>
   <p:clrMapOvr>
